--- a/others/share/learning-go/【第三期】Micro工具集.pptx
+++ b/others/share/learning-go/【第三期】Micro工具集.pptx
@@ -1,6 +1,6 @@
 
 <file path=ppt/presentation.xml><?xml version="1.0" encoding="utf-8"?>
-<p:presentation xmlns:a="http://schemas.openxmlformats.org/drawingml/2006/main" xmlns:r="http://schemas.openxmlformats.org/officeDocument/2006/relationships" xmlns:p="http://schemas.openxmlformats.org/presentationml/2006/main" strictFirstAndLastChars="0" embedTrueTypeFonts="1" autoCompressPictures="0">
+<p:presentation xmlns:a="http://schemas.openxmlformats.org/drawingml/2006/main" xmlns:r="http://schemas.openxmlformats.org/officeDocument/2006/relationships" xmlns:p="http://schemas.openxmlformats.org/presentationml/2006/main" strictFirstAndLastChars="0" autoCompressPictures="0">
   <p:sldMasterIdLst>
     <p:sldMasterId id="2147483648" r:id="rId1"/>
     <p:sldMasterId id="2147483654" r:id="rId2"/>
@@ -17,35 +17,14 @@
     <p:sldId id="258" r:id="rId5"/>
     <p:sldId id="259" r:id="rId6"/>
     <p:sldId id="311" r:id="rId7"/>
-    <p:sldId id="350" r:id="rId8"/>
-    <p:sldId id="351" r:id="rId9"/>
-    <p:sldId id="314" r:id="rId10"/>
+    <p:sldId id="351" r:id="rId8"/>
+    <p:sldId id="352" r:id="rId9"/>
+    <p:sldId id="353" r:id="rId10"/>
     <p:sldId id="321" r:id="rId11"/>
     <p:sldId id="288" r:id="rId12"/>
   </p:sldIdLst>
   <p:sldSz cx="9144000" cy="5143500" type="screen16x9"/>
   <p:notesSz cx="9144000" cy="5143500"/>
-  <p:embeddedFontLst>
-    <p:embeddedFont>
-      <p:font typeface="Arial Black" panose="020B0A04020102020204" pitchFamily="34" charset="0"/>
-      <p:bold r:id="rId15"/>
-    </p:embeddedFont>
-    <p:embeddedFont>
-      <p:font typeface="Calibri" panose="020F0502020204030204" pitchFamily="34" charset="0"/>
-      <p:regular r:id="rId16"/>
-      <p:bold r:id="rId17"/>
-      <p:italic r:id="rId18"/>
-      <p:boldItalic r:id="rId19"/>
-    </p:embeddedFont>
-    <p:embeddedFont>
-      <p:font typeface="Open Sans" panose="02010600030101010101" charset="0"/>
-      <p:regular r:id="rId20"/>
-    </p:embeddedFont>
-    <p:embeddedFont>
-      <p:font typeface="PT Sans Narrow" panose="02010600030101010101" charset="0"/>
-      <p:regular r:id="rId21"/>
-    </p:embeddedFont>
-  </p:embeddedFontLst>
   <p:defaultTextStyle>
     <a:defPPr marR="0" lvl="0" algn="l" rtl="0">
       <a:lnSpc>
@@ -290,6 +269,9 @@
         </p15:guide>
       </p15:sldGuideLst>
     </p:ext>
+    <p:ext uri="{2D200454-40CA-4A62-9FC3-DE9A4176ACB9}">
+      <p15:notesGuideLst xmlns:p15="http://schemas.microsoft.com/office/powerpoint/2012/main"/>
+    </p:ext>
   </p:extLst>
 </p:presentation>
 </file>
@@ -388,7 +370,7 @@
           <a:p>
             <a:fld id="{A084C82A-ADE2-4BBA-B2A9-E36881C26755}" type="datetimeFigureOut">
               <a:rPr lang="zh-CN" altLang="en-US" smtClean="0"/>
-              <a:t>2020/1/8</a:t>
+              <a:t>2020/2/27</a:t>
             </a:fld>
             <a:endParaRPr lang="zh-CN" altLang="en-US"/>
           </a:p>
@@ -2301,7 +2283,7 @@
   <p:cSld>
     <p:spTree>
       <p:nvGrpSpPr>
-        <p:cNvPr id="1" name="Shape 136"/>
+        <p:cNvPr id="1" name="Shape 256"/>
         <p:cNvGrpSpPr/>
         <p:nvPr/>
       </p:nvGrpSpPr>
@@ -2315,7 +2297,73 @@
       </p:grpSpPr>
       <p:sp>
         <p:nvSpPr>
-          <p:cNvPr id="137" name="Google Shape;137;g62c7962589_5_85:notes"/>
+          <p:cNvPr id="257" name="Google Shape;257;g62c7962589_5_191:notes"/>
+          <p:cNvSpPr txBox="1">
+            <a:spLocks noGrp="1"/>
+          </p:cNvSpPr>
+          <p:nvPr>
+            <p:ph type="body" idx="1"/>
+          </p:nvPr>
+        </p:nvSpPr>
+        <p:spPr>
+          <a:xfrm>
+            <a:off x="914400" y="2443163"/>
+            <a:ext cx="7315200" cy="2314575"/>
+          </a:xfrm>
+          <a:prstGeom prst="rect">
+            <a:avLst/>
+          </a:prstGeom>
+        </p:spPr>
+        <p:txBody>
+          <a:bodyPr spcFirstLastPara="1" wrap="square" lIns="91425" tIns="45700" rIns="91425" bIns="45700" anchor="t" anchorCtr="0">
+            <a:noAutofit/>
+          </a:bodyPr>
+          <a:lstStyle/>
+          <a:p>
+            <a:pPr marL="0" lvl="0" indent="0" algn="l" rtl="0">
+              <a:spcBef>
+                <a:spcPts val="0"/>
+              </a:spcBef>
+              <a:spcAft>
+                <a:spcPts val="0"/>
+              </a:spcAft>
+              <a:buNone/>
+            </a:pPr>
+            <a:r>
+              <a:rPr lang="en-US" altLang="zh-CN"/>
+              <a:t>1,</a:t>
+            </a:r>
+            <a:r>
+              <a:rPr lang="zh-CN" altLang="en-US"/>
+              <a:t> 手写定义</a:t>
+            </a:r>
+            <a:endParaRPr lang="en-US" altLang="zh-CN"/>
+          </a:p>
+          <a:p>
+            <a:pPr marL="0" lvl="0" indent="0" algn="l" rtl="0">
+              <a:spcBef>
+                <a:spcPts val="0"/>
+              </a:spcBef>
+              <a:spcAft>
+                <a:spcPts val="0"/>
+              </a:spcAft>
+              <a:buNone/>
+            </a:pPr>
+            <a:r>
+              <a:rPr lang="en-US" altLang="zh-CN"/>
+              <a:t>2.</a:t>
+            </a:r>
+            <a:r>
+              <a:rPr lang="zh-CN" altLang="en-US"/>
+              <a:t> 演示生成</a:t>
+            </a:r>
+            <a:endParaRPr lang="en-US"/>
+          </a:p>
+        </p:txBody>
+      </p:sp>
+      <p:sp>
+        <p:nvSpPr>
+          <p:cNvPr id="258" name="Google Shape;258;g62c7962589_5_191:notes"/>
           <p:cNvSpPr>
             <a:spLocks noGrp="1" noRot="1" noChangeAspect="1"/>
           </p:cNvSpPr>
@@ -2352,21 +2400,41 @@
               </a:path>
             </a:pathLst>
           </a:custGeom>
-          <a:noFill/>
-          <a:ln w="9525" cap="flat" cmpd="sng">
-            <a:solidFill>
-              <a:srgbClr val="000000"/>
-            </a:solidFill>
-            <a:prstDash val="solid"/>
-            <a:round/>
-            <a:headEnd type="none" w="sm" len="sm"/>
-            <a:tailEnd type="none" w="sm" len="sm"/>
-          </a:ln>
         </p:spPr>
       </p:sp>
+    </p:spTree>
+    <p:extLst>
+      <p:ext uri="{BB962C8B-B14F-4D97-AF65-F5344CB8AC3E}">
+        <p14:creationId xmlns:p14="http://schemas.microsoft.com/office/powerpoint/2010/main" val="2652006610"/>
+      </p:ext>
+    </p:extLst>
+  </p:cSld>
+  <p:clrMapOvr>
+    <a:masterClrMapping/>
+  </p:clrMapOvr>
+</p:notes>
+</file>
+
+<file path=ppt/notesSlides/notesSlide7.xml><?xml version="1.0" encoding="utf-8"?>
+<p:notes xmlns:a="http://schemas.openxmlformats.org/drawingml/2006/main" xmlns:r="http://schemas.openxmlformats.org/officeDocument/2006/relationships" xmlns:p="http://schemas.openxmlformats.org/presentationml/2006/main" showMasterSp="0" showMasterPhAnim="0">
+  <p:cSld>
+    <p:spTree>
+      <p:nvGrpSpPr>
+        <p:cNvPr id="1" name="Shape 256"/>
+        <p:cNvGrpSpPr/>
+        <p:nvPr/>
+      </p:nvGrpSpPr>
+      <p:grpSpPr>
+        <a:xfrm>
+          <a:off x="0" y="0"/>
+          <a:ext cx="0" cy="0"/>
+          <a:chOff x="0" y="0"/>
+          <a:chExt cx="0" cy="0"/>
+        </a:xfrm>
+      </p:grpSpPr>
       <p:sp>
         <p:nvSpPr>
-          <p:cNvPr id="138" name="Google Shape;138;g62c7962589_5_85:notes"/>
+          <p:cNvPr id="257" name="Google Shape;257;g62c7962589_5_191:notes"/>
           <p:cNvSpPr txBox="1">
             <a:spLocks noGrp="1"/>
           </p:cNvSpPr>
@@ -2382,67 +2450,57 @@
           <a:prstGeom prst="rect">
             <a:avLst/>
           </a:prstGeom>
-          <a:noFill/>
-          <a:ln>
-            <a:noFill/>
-          </a:ln>
         </p:spPr>
         <p:txBody>
-          <a:bodyPr spcFirstLastPara="1" wrap="square" lIns="91425" tIns="91425" rIns="91425" bIns="91425" anchor="t" anchorCtr="0">
+          <a:bodyPr spcFirstLastPara="1" wrap="square" lIns="91425" tIns="45700" rIns="91425" bIns="45700" anchor="t" anchorCtr="0">
             <a:noAutofit/>
           </a:bodyPr>
           <a:lstStyle/>
           <a:p>
             <a:pPr marL="0" lvl="0" indent="0" algn="l" rtl="0">
-              <a:lnSpc>
-                <a:spcPct val="100000"/>
-              </a:lnSpc>
-              <a:spcBef>
-                <a:spcPts val="0"/>
-              </a:spcBef>
-              <a:spcAft>
-                <a:spcPts val="0"/>
-              </a:spcAft>
-              <a:buSzPts val="1100"/>
+              <a:spcBef>
+                <a:spcPts val="0"/>
+              </a:spcBef>
+              <a:spcAft>
+                <a:spcPts val="0"/>
+              </a:spcAft>
               <a:buNone/>
             </a:pPr>
-            <a:endParaRPr/>
+            <a:r>
+              <a:rPr lang="en-US" altLang="zh-CN"/>
+              <a:t>1,</a:t>
+            </a:r>
+            <a:r>
+              <a:rPr lang="zh-CN" altLang="en-US"/>
+              <a:t> 手写定义</a:t>
+            </a:r>
+            <a:endParaRPr lang="en-US" altLang="zh-CN"/>
+          </a:p>
+          <a:p>
+            <a:pPr marL="0" lvl="0" indent="0" algn="l" rtl="0">
+              <a:spcBef>
+                <a:spcPts val="0"/>
+              </a:spcBef>
+              <a:spcAft>
+                <a:spcPts val="0"/>
+              </a:spcAft>
+              <a:buNone/>
+            </a:pPr>
+            <a:r>
+              <a:rPr lang="en-US" altLang="zh-CN"/>
+              <a:t>2.</a:t>
+            </a:r>
+            <a:r>
+              <a:rPr lang="zh-CN" altLang="en-US"/>
+              <a:t> 演示生成</a:t>
+            </a:r>
+            <a:endParaRPr lang="en-US"/>
           </a:p>
         </p:txBody>
       </p:sp>
-    </p:spTree>
-    <p:extLst>
-      <p:ext uri="{BB962C8B-B14F-4D97-AF65-F5344CB8AC3E}">
-        <p14:creationId xmlns:p14="http://schemas.microsoft.com/office/powerpoint/2010/main" val="1404510556"/>
-      </p:ext>
-    </p:extLst>
-  </p:cSld>
-  <p:clrMapOvr>
-    <a:masterClrMapping/>
-  </p:clrMapOvr>
-</p:notes>
-</file>
-
-<file path=ppt/notesSlides/notesSlide7.xml><?xml version="1.0" encoding="utf-8"?>
-<p:notes xmlns:a="http://schemas.openxmlformats.org/drawingml/2006/main" xmlns:r="http://schemas.openxmlformats.org/officeDocument/2006/relationships" xmlns:p="http://schemas.openxmlformats.org/presentationml/2006/main" showMasterSp="0" showMasterPhAnim="0">
-  <p:cSld>
-    <p:spTree>
-      <p:nvGrpSpPr>
-        <p:cNvPr id="1" name="Shape 136"/>
-        <p:cNvGrpSpPr/>
-        <p:nvPr/>
-      </p:nvGrpSpPr>
-      <p:grpSpPr>
-        <a:xfrm>
-          <a:off x="0" y="0"/>
-          <a:ext cx="0" cy="0"/>
-          <a:chOff x="0" y="0"/>
-          <a:chExt cx="0" cy="0"/>
-        </a:xfrm>
-      </p:grpSpPr>
       <p:sp>
         <p:nvSpPr>
-          <p:cNvPr id="137" name="Google Shape;137;g62c7962589_5_85:notes"/>
+          <p:cNvPr id="258" name="Google Shape;258;g62c7962589_5_191:notes"/>
           <p:cNvSpPr>
             <a:spLocks noGrp="1" noRot="1" noChangeAspect="1"/>
           </p:cNvSpPr>
@@ -2479,21 +2537,41 @@
               </a:path>
             </a:pathLst>
           </a:custGeom>
-          <a:noFill/>
-          <a:ln w="9525" cap="flat" cmpd="sng">
-            <a:solidFill>
-              <a:srgbClr val="000000"/>
-            </a:solidFill>
-            <a:prstDash val="solid"/>
-            <a:round/>
-            <a:headEnd type="none" w="sm" len="sm"/>
-            <a:tailEnd type="none" w="sm" len="sm"/>
-          </a:ln>
         </p:spPr>
       </p:sp>
+    </p:spTree>
+    <p:extLst>
+      <p:ext uri="{BB962C8B-B14F-4D97-AF65-F5344CB8AC3E}">
+        <p14:creationId xmlns:p14="http://schemas.microsoft.com/office/powerpoint/2010/main" val="999244461"/>
+      </p:ext>
+    </p:extLst>
+  </p:cSld>
+  <p:clrMapOvr>
+    <a:masterClrMapping/>
+  </p:clrMapOvr>
+</p:notes>
+</file>
+
+<file path=ppt/notesSlides/notesSlide8.xml><?xml version="1.0" encoding="utf-8"?>
+<p:notes xmlns:a="http://schemas.openxmlformats.org/drawingml/2006/main" xmlns:r="http://schemas.openxmlformats.org/officeDocument/2006/relationships" xmlns:p="http://schemas.openxmlformats.org/presentationml/2006/main" showMasterSp="0" showMasterPhAnim="0">
+  <p:cSld>
+    <p:spTree>
+      <p:nvGrpSpPr>
+        <p:cNvPr id="1" name="Shape 256"/>
+        <p:cNvGrpSpPr/>
+        <p:nvPr/>
+      </p:nvGrpSpPr>
+      <p:grpSpPr>
+        <a:xfrm>
+          <a:off x="0" y="0"/>
+          <a:ext cx="0" cy="0"/>
+          <a:chOff x="0" y="0"/>
+          <a:chExt cx="0" cy="0"/>
+        </a:xfrm>
+      </p:grpSpPr>
       <p:sp>
         <p:nvSpPr>
-          <p:cNvPr id="138" name="Google Shape;138;g62c7962589_5_85:notes"/>
+          <p:cNvPr id="257" name="Google Shape;257;g62c7962589_5_191:notes"/>
           <p:cNvSpPr txBox="1">
             <a:spLocks noGrp="1"/>
           </p:cNvSpPr>
@@ -2509,35 +2587,101 @@
           <a:prstGeom prst="rect">
             <a:avLst/>
           </a:prstGeom>
-          <a:noFill/>
-          <a:ln>
-            <a:noFill/>
-          </a:ln>
         </p:spPr>
         <p:txBody>
-          <a:bodyPr spcFirstLastPara="1" wrap="square" lIns="91425" tIns="91425" rIns="91425" bIns="91425" anchor="t" anchorCtr="0">
+          <a:bodyPr spcFirstLastPara="1" wrap="square" lIns="91425" tIns="45700" rIns="91425" bIns="45700" anchor="t" anchorCtr="0">
             <a:noAutofit/>
           </a:bodyPr>
           <a:lstStyle/>
           <a:p>
             <a:pPr marL="0" lvl="0" indent="0" algn="l" rtl="0">
-              <a:lnSpc>
-                <a:spcPct val="100000"/>
-              </a:lnSpc>
-              <a:spcBef>
-                <a:spcPts val="0"/>
-              </a:spcBef>
-              <a:spcAft>
-                <a:spcPts val="0"/>
-              </a:spcAft>
-              <a:buSzPts val="1100"/>
+              <a:spcBef>
+                <a:spcPts val="0"/>
+              </a:spcBef>
+              <a:spcAft>
+                <a:spcPts val="0"/>
+              </a:spcAft>
               <a:buNone/>
             </a:pPr>
-            <a:endParaRPr/>
+            <a:r>
+              <a:rPr lang="en-US" altLang="zh-CN"/>
+              <a:t>1,</a:t>
+            </a:r>
+            <a:r>
+              <a:rPr lang="zh-CN" altLang="en-US"/>
+              <a:t> 手写定义</a:t>
+            </a:r>
+            <a:endParaRPr lang="en-US" altLang="zh-CN"/>
+          </a:p>
+          <a:p>
+            <a:pPr marL="0" lvl="0" indent="0" algn="l" rtl="0">
+              <a:spcBef>
+                <a:spcPts val="0"/>
+              </a:spcBef>
+              <a:spcAft>
+                <a:spcPts val="0"/>
+              </a:spcAft>
+              <a:buNone/>
+            </a:pPr>
+            <a:r>
+              <a:rPr lang="en-US" altLang="zh-CN"/>
+              <a:t>2.</a:t>
+            </a:r>
+            <a:r>
+              <a:rPr lang="zh-CN" altLang="en-US"/>
+              <a:t> 演示生成</a:t>
+            </a:r>
+            <a:endParaRPr lang="en-US"/>
           </a:p>
         </p:txBody>
       </p:sp>
+      <p:sp>
+        <p:nvSpPr>
+          <p:cNvPr id="258" name="Google Shape;258;g62c7962589_5_191:notes"/>
+          <p:cNvSpPr>
+            <a:spLocks noGrp="1" noRot="1" noChangeAspect="1"/>
+          </p:cNvSpPr>
+          <p:nvPr>
+            <p:ph type="sldImg" idx="2"/>
+          </p:nvPr>
+        </p:nvSpPr>
+        <p:spPr>
+          <a:xfrm>
+            <a:off x="2857500" y="385763"/>
+            <a:ext cx="3429000" cy="1928812"/>
+          </a:xfrm>
+          <a:custGeom>
+            <a:avLst/>
+            <a:gdLst/>
+            <a:ahLst/>
+            <a:cxnLst/>
+            <a:rect l="l" t="t" r="r" b="b"/>
+            <a:pathLst>
+              <a:path w="120000" h="120000" extrusionOk="0">
+                <a:moveTo>
+                  <a:pt x="0" y="0"/>
+                </a:moveTo>
+                <a:lnTo>
+                  <a:pt x="120000" y="0"/>
+                </a:lnTo>
+                <a:lnTo>
+                  <a:pt x="120000" y="120000"/>
+                </a:lnTo>
+                <a:lnTo>
+                  <a:pt x="0" y="120000"/>
+                </a:lnTo>
+                <a:close/>
+              </a:path>
+            </a:pathLst>
+          </a:custGeom>
+        </p:spPr>
+      </p:sp>
     </p:spTree>
+    <p:extLst>
+      <p:ext uri="{BB962C8B-B14F-4D97-AF65-F5344CB8AC3E}">
+        <p14:creationId xmlns:p14="http://schemas.microsoft.com/office/powerpoint/2010/main" val="1486387825"/>
+      </p:ext>
+    </p:extLst>
   </p:cSld>
   <p:clrMapOvr>
     <a:masterClrMapping/>
@@ -2545,7 +2689,7 @@
 </p:notes>
 </file>
 
-<file path=ppt/notesSlides/notesSlide8.xml><?xml version="1.0" encoding="utf-8"?>
+<file path=ppt/notesSlides/notesSlide9.xml><?xml version="1.0" encoding="utf-8"?>
 <p:notes xmlns:a="http://schemas.openxmlformats.org/drawingml/2006/main" xmlns:r="http://schemas.openxmlformats.org/officeDocument/2006/relationships" xmlns:p="http://schemas.openxmlformats.org/presentationml/2006/main" showMasterSp="0" showMasterPhAnim="0">
   <p:cSld>
     <p:spTree>
@@ -16249,7 +16393,7 @@
               <a:buAutoNum type="arabicPeriod"/>
             </a:pPr>
             <a:r>
-              <a:rPr lang="zh-CN" altLang="en-US" dirty="0">
+              <a:rPr lang="en-US" altLang="zh-CN" dirty="0">
                 <a:solidFill>
                   <a:srgbClr val="424242"/>
                 </a:solidFill>
@@ -16258,7 +16402,153 @@
                 <a:cs typeface="Courier New" panose="02070309020205020404"/>
                 <a:sym typeface="Courier New" panose="02070309020205020404"/>
               </a:rPr>
-              <a:t>使用</a:t>
+              <a:t>Micro</a:t>
+            </a:r>
+            <a:r>
+              <a:rPr lang="zh-CN" altLang="en-US" dirty="0">
+                <a:solidFill>
+                  <a:srgbClr val="424242"/>
+                </a:solidFill>
+                <a:latin typeface="Courier New" panose="02070309020205020404"/>
+                <a:ea typeface="Courier New" panose="02070309020205020404"/>
+                <a:cs typeface="Courier New" panose="02070309020205020404"/>
+                <a:sym typeface="Courier New" panose="02070309020205020404"/>
+              </a:rPr>
+              <a:t> </a:t>
+            </a:r>
+            <a:r>
+              <a:rPr lang="en-US" altLang="zh-CN" dirty="0">
+                <a:solidFill>
+                  <a:srgbClr val="424242"/>
+                </a:solidFill>
+                <a:latin typeface="Courier New" panose="02070309020205020404"/>
+                <a:ea typeface="Courier New" panose="02070309020205020404"/>
+                <a:cs typeface="Courier New" panose="02070309020205020404"/>
+                <a:sym typeface="Courier New" panose="02070309020205020404"/>
+              </a:rPr>
+              <a:t>API</a:t>
+            </a:r>
+            <a:r>
+              <a:rPr lang="zh-CN" altLang="en-US" dirty="0">
+                <a:solidFill>
+                  <a:srgbClr val="424242"/>
+                </a:solidFill>
+                <a:latin typeface="Courier New" panose="02070309020205020404"/>
+                <a:ea typeface="Courier New" panose="02070309020205020404"/>
+                <a:cs typeface="Courier New" panose="02070309020205020404"/>
+                <a:sym typeface="Courier New" panose="02070309020205020404"/>
+              </a:rPr>
+              <a:t> </a:t>
+            </a:r>
+            <a:r>
+              <a:rPr lang="en-US" altLang="zh-CN" dirty="0">
+                <a:solidFill>
+                  <a:srgbClr val="424242"/>
+                </a:solidFill>
+                <a:latin typeface="Courier New" panose="02070309020205020404"/>
+                <a:ea typeface="Courier New" panose="02070309020205020404"/>
+                <a:cs typeface="Courier New" panose="02070309020205020404"/>
+                <a:sym typeface="Courier New" panose="02070309020205020404"/>
+              </a:rPr>
+              <a:t>(Gateway)</a:t>
+            </a:r>
+          </a:p>
+          <a:p>
+            <a:pPr marL="355600" lvl="0" indent="-342900">
+              <a:buSzPts val="1400"/>
+              <a:buFont typeface="Arial" panose="020B0604020202020204"/>
+              <a:buAutoNum type="arabicPeriod"/>
+            </a:pPr>
+            <a:r>
+              <a:rPr lang="en-US" altLang="zh-CN" dirty="0">
+                <a:solidFill>
+                  <a:srgbClr val="424242"/>
+                </a:solidFill>
+                <a:latin typeface="Courier New" panose="02070309020205020404"/>
+                <a:ea typeface="Courier New" panose="02070309020205020404"/>
+                <a:cs typeface="Courier New" panose="02070309020205020404"/>
+                <a:sym typeface="Courier New" panose="02070309020205020404"/>
+              </a:rPr>
+              <a:t>Micro</a:t>
+            </a:r>
+            <a:r>
+              <a:rPr lang="zh-CN" altLang="en-US" dirty="0">
+                <a:solidFill>
+                  <a:srgbClr val="424242"/>
+                </a:solidFill>
+                <a:latin typeface="Courier New" panose="02070309020205020404"/>
+                <a:ea typeface="Courier New" panose="02070309020205020404"/>
+                <a:cs typeface="Courier New" panose="02070309020205020404"/>
+                <a:sym typeface="Courier New" panose="02070309020205020404"/>
+              </a:rPr>
+              <a:t> </a:t>
+            </a:r>
+            <a:r>
+              <a:rPr lang="en-US" altLang="zh-CN" dirty="0">
+                <a:solidFill>
+                  <a:srgbClr val="424242"/>
+                </a:solidFill>
+                <a:latin typeface="Courier New" panose="02070309020205020404"/>
+                <a:ea typeface="Courier New" panose="02070309020205020404"/>
+                <a:cs typeface="Courier New" panose="02070309020205020404"/>
+                <a:sym typeface="Courier New" panose="02070309020205020404"/>
+              </a:rPr>
+              <a:t>CLI</a:t>
+            </a:r>
+          </a:p>
+          <a:p>
+            <a:pPr marL="355600" lvl="0" indent="-342900">
+              <a:buSzPts val="1400"/>
+              <a:buFont typeface="Arial" panose="020B0604020202020204"/>
+              <a:buAutoNum type="arabicPeriod"/>
+            </a:pPr>
+            <a:r>
+              <a:rPr lang="en-US" altLang="zh-CN" dirty="0">
+                <a:solidFill>
+                  <a:srgbClr val="424242"/>
+                </a:solidFill>
+                <a:latin typeface="Courier New" panose="02070309020205020404"/>
+                <a:ea typeface="Courier New" panose="02070309020205020404"/>
+                <a:cs typeface="Courier New" panose="02070309020205020404"/>
+                <a:sym typeface="Courier New" panose="02070309020205020404"/>
+              </a:rPr>
+              <a:t>Micro</a:t>
+            </a:r>
+            <a:r>
+              <a:rPr lang="zh-CN" altLang="en-US" dirty="0">
+                <a:solidFill>
+                  <a:srgbClr val="424242"/>
+                </a:solidFill>
+                <a:latin typeface="Courier New" panose="02070309020205020404"/>
+                <a:ea typeface="Courier New" panose="02070309020205020404"/>
+                <a:cs typeface="Courier New" panose="02070309020205020404"/>
+                <a:sym typeface="Courier New" panose="02070309020205020404"/>
+              </a:rPr>
+              <a:t> </a:t>
+            </a:r>
+            <a:r>
+              <a:rPr lang="en-US" altLang="zh-CN" dirty="0">
+                <a:solidFill>
+                  <a:srgbClr val="424242"/>
+                </a:solidFill>
+                <a:latin typeface="Courier New" panose="02070309020205020404"/>
+                <a:ea typeface="Courier New" panose="02070309020205020404"/>
+                <a:cs typeface="Courier New" panose="02070309020205020404"/>
+                <a:sym typeface="Courier New" panose="02070309020205020404"/>
+              </a:rPr>
+              <a:t>Proxy</a:t>
+            </a:r>
+            <a:r>
+              <a:rPr lang="zh-CN" altLang="en-US" dirty="0">
+                <a:solidFill>
+                  <a:srgbClr val="424242"/>
+                </a:solidFill>
+                <a:latin typeface="Courier New" panose="02070309020205020404"/>
+                <a:ea typeface="Courier New" panose="02070309020205020404"/>
+                <a:cs typeface="Courier New" panose="02070309020205020404"/>
+                <a:sym typeface="Courier New" panose="02070309020205020404"/>
+              </a:rPr>
+              <a:t> （</a:t>
             </a:r>
             <a:r>
               <a:rPr lang="en-US" altLang="zh-CN" dirty="0">
@@ -16282,7 +16572,7 @@
                 <a:cs typeface="Courier New" panose="02070309020205020404"/>
                 <a:sym typeface="Courier New" panose="02070309020205020404"/>
               </a:rPr>
-              <a:t>编写微服务</a:t>
+              <a:t>服务代理）</a:t>
             </a:r>
             <a:endParaRPr lang="en-US" altLang="zh-CN" dirty="0">
               <a:solidFill>
@@ -16301,280 +16591,43 @@
               <a:buAutoNum type="arabicPeriod"/>
             </a:pPr>
             <a:r>
-              <a:rPr lang="zh-CN" altLang="en-US" dirty="0">
+              <a:rPr lang="en-US">
                 <a:solidFill>
                   <a:srgbClr val="424242"/>
                 </a:solidFill>
                 <a:latin typeface="Courier New" panose="02070309020205020404"/>
-                <a:ea typeface="Courier New" panose="02070309020205020404"/>
                 <a:cs typeface="Courier New" panose="02070309020205020404"/>
-                <a:sym typeface="Courier New" panose="02070309020205020404"/>
               </a:rPr>
-              <a:t>示例架构，使用微服务进行两个数学计算并返回结果</a:t>
+              <a:t>Micro </a:t>
+            </a:r>
+            <a:r>
+              <a:rPr lang="zh-CN" altLang="en-US">
+                <a:solidFill>
+                  <a:srgbClr val="424242"/>
+                </a:solidFill>
+                <a:latin typeface="Courier New" panose="02070309020205020404"/>
+                <a:cs typeface="Courier New" panose="02070309020205020404"/>
+              </a:rPr>
+              <a:t>工具集的发展（</a:t>
+            </a:r>
+            <a:r>
+              <a:rPr lang="en-US">
+                <a:solidFill>
+                  <a:srgbClr val="424242"/>
+                </a:solidFill>
+                <a:latin typeface="Courier New" panose="02070309020205020404"/>
+                <a:cs typeface="Courier New" panose="02070309020205020404"/>
+              </a:rPr>
+              <a:t>Network，Run、Tunnel、Platform）</a:t>
             </a:r>
             <a:endParaRPr lang="en-US" altLang="zh-CN" dirty="0">
               <a:solidFill>
                 <a:srgbClr val="424242"/>
               </a:solidFill>
               <a:latin typeface="Courier New" panose="02070309020205020404"/>
-              <a:ea typeface="Courier New" panose="02070309020205020404"/>
               <a:cs typeface="Courier New" panose="02070309020205020404"/>
               <a:sym typeface="Courier New" panose="02070309020205020404"/>
             </a:endParaRPr>
-          </a:p>
-          <a:p>
-            <a:pPr marL="355600" lvl="0" indent="-342900">
-              <a:buSzPts val="1400"/>
-              <a:buFont typeface="Arial" panose="020B0604020202020204"/>
-              <a:buAutoNum type="arabicPeriod"/>
-            </a:pPr>
-            <a:r>
-              <a:rPr lang="en-US" altLang="zh-CN" dirty="0">
-                <a:solidFill>
-                  <a:srgbClr val="424242"/>
-                </a:solidFill>
-                <a:latin typeface="Courier New" panose="02070309020205020404"/>
-                <a:ea typeface="Courier New" panose="02070309020205020404"/>
-                <a:cs typeface="Courier New" panose="02070309020205020404"/>
-                <a:sym typeface="Courier New" panose="02070309020205020404"/>
-              </a:rPr>
-              <a:t>Go-Micro</a:t>
-            </a:r>
-            <a:r>
-              <a:rPr lang="zh-CN" altLang="en-US" dirty="0">
-                <a:solidFill>
-                  <a:srgbClr val="424242"/>
-                </a:solidFill>
-                <a:latin typeface="Courier New" panose="02070309020205020404"/>
-                <a:ea typeface="Courier New" panose="02070309020205020404"/>
-                <a:cs typeface="Courier New" panose="02070309020205020404"/>
-                <a:sym typeface="Courier New" panose="02070309020205020404"/>
-              </a:rPr>
-              <a:t>中的服务类型：</a:t>
-            </a:r>
-            <a:r>
-              <a:rPr lang="en-US" altLang="zh-CN" dirty="0" err="1">
-                <a:solidFill>
-                  <a:srgbClr val="424242"/>
-                </a:solidFill>
-                <a:latin typeface="Courier New" panose="02070309020205020404"/>
-                <a:ea typeface="Courier New" panose="02070309020205020404"/>
-                <a:cs typeface="Courier New" panose="02070309020205020404"/>
-                <a:sym typeface="Courier New" panose="02070309020205020404"/>
-              </a:rPr>
-              <a:t>Srv</a:t>
-            </a:r>
-            <a:r>
-              <a:rPr lang="zh-CN" altLang="en-US" dirty="0">
-                <a:solidFill>
-                  <a:srgbClr val="424242"/>
-                </a:solidFill>
-                <a:latin typeface="Courier New" panose="02070309020205020404"/>
-                <a:ea typeface="Courier New" panose="02070309020205020404"/>
-                <a:cs typeface="Courier New" panose="02070309020205020404"/>
-                <a:sym typeface="Courier New" panose="02070309020205020404"/>
-              </a:rPr>
-              <a:t>、</a:t>
-            </a:r>
-            <a:r>
-              <a:rPr lang="en-US" altLang="zh-CN" dirty="0">
-                <a:solidFill>
-                  <a:srgbClr val="424242"/>
-                </a:solidFill>
-                <a:latin typeface="Courier New" panose="02070309020205020404"/>
-                <a:ea typeface="Courier New" panose="02070309020205020404"/>
-                <a:cs typeface="Courier New" panose="02070309020205020404"/>
-                <a:sym typeface="Courier New" panose="02070309020205020404"/>
-              </a:rPr>
-              <a:t>Web</a:t>
-            </a:r>
-            <a:r>
-              <a:rPr lang="zh-CN" altLang="en-US" dirty="0">
-                <a:solidFill>
-                  <a:srgbClr val="424242"/>
-                </a:solidFill>
-                <a:latin typeface="Courier New" panose="02070309020205020404"/>
-                <a:ea typeface="Courier New" panose="02070309020205020404"/>
-                <a:cs typeface="Courier New" panose="02070309020205020404"/>
-                <a:sym typeface="Courier New" panose="02070309020205020404"/>
-              </a:rPr>
-              <a:t>、</a:t>
-            </a:r>
-            <a:r>
-              <a:rPr lang="en-US" altLang="zh-CN" dirty="0">
-                <a:solidFill>
-                  <a:srgbClr val="424242"/>
-                </a:solidFill>
-                <a:latin typeface="Courier New" panose="02070309020205020404"/>
-                <a:ea typeface="Courier New" panose="02070309020205020404"/>
-                <a:cs typeface="Courier New" panose="02070309020205020404"/>
-                <a:sym typeface="Courier New" panose="02070309020205020404"/>
-              </a:rPr>
-              <a:t>API</a:t>
-            </a:r>
-          </a:p>
-          <a:p>
-            <a:pPr marL="355600" indent="-342900">
-              <a:buSzPts val="1400"/>
-              <a:buFont typeface="Arial" panose="020B0604020202020204"/>
-              <a:buAutoNum type="arabicPeriod"/>
-            </a:pPr>
-            <a:r>
-              <a:rPr lang="en-US" altLang="zh-CN" dirty="0">
-                <a:solidFill>
-                  <a:srgbClr val="424242"/>
-                </a:solidFill>
-                <a:latin typeface="Courier New" panose="02070309020205020404"/>
-                <a:ea typeface="Courier New" panose="02070309020205020404"/>
-                <a:cs typeface="Courier New" panose="02070309020205020404"/>
-                <a:sym typeface="Courier New" panose="02070309020205020404"/>
-              </a:rPr>
-              <a:t>Broker</a:t>
-            </a:r>
-            <a:r>
-              <a:rPr lang="zh-CN" altLang="en-US" dirty="0">
-                <a:solidFill>
-                  <a:srgbClr val="424242"/>
-                </a:solidFill>
-                <a:latin typeface="Courier New" panose="02070309020205020404"/>
-                <a:ea typeface="Courier New" panose="02070309020205020404"/>
-                <a:cs typeface="Courier New" panose="02070309020205020404"/>
-                <a:sym typeface="Courier New" panose="02070309020205020404"/>
-              </a:rPr>
-              <a:t>与异步消息</a:t>
-            </a:r>
-            <a:endParaRPr lang="en-US" altLang="zh-CN" dirty="0">
-              <a:solidFill>
-                <a:srgbClr val="424242"/>
-              </a:solidFill>
-              <a:latin typeface="Courier New" panose="02070309020205020404"/>
-              <a:ea typeface="Courier New" panose="02070309020205020404"/>
-              <a:cs typeface="Courier New" panose="02070309020205020404"/>
-              <a:sym typeface="Courier New" panose="02070309020205020404"/>
-            </a:endParaRPr>
-          </a:p>
-          <a:p>
-            <a:pPr marL="355600" lvl="0" indent="-342900">
-              <a:buSzPts val="1400"/>
-              <a:buFont typeface="Arial" panose="020B0604020202020204"/>
-              <a:buAutoNum type="arabicPeriod"/>
-            </a:pPr>
-            <a:r>
-              <a:rPr lang="en-US" altLang="zh-CN" dirty="0">
-                <a:solidFill>
-                  <a:srgbClr val="424242"/>
-                </a:solidFill>
-                <a:latin typeface="Courier New" panose="02070309020205020404"/>
-                <a:ea typeface="Courier New" panose="02070309020205020404"/>
-                <a:cs typeface="Courier New" panose="02070309020205020404"/>
-                <a:sym typeface="Courier New" panose="02070309020205020404"/>
-              </a:rPr>
-              <a:t>Wrapper</a:t>
-            </a:r>
-            <a:r>
-              <a:rPr lang="zh-CN" altLang="en-US" dirty="0">
-                <a:solidFill>
-                  <a:srgbClr val="424242"/>
-                </a:solidFill>
-                <a:latin typeface="Courier New" panose="02070309020205020404"/>
-                <a:ea typeface="Courier New" panose="02070309020205020404"/>
-                <a:cs typeface="Courier New" panose="02070309020205020404"/>
-                <a:sym typeface="Courier New" panose="02070309020205020404"/>
-              </a:rPr>
-              <a:t>与日志、限流</a:t>
-            </a:r>
-            <a:endParaRPr lang="en-US" altLang="zh-CN" dirty="0">
-              <a:solidFill>
-                <a:srgbClr val="424242"/>
-              </a:solidFill>
-              <a:latin typeface="Courier New" panose="02070309020205020404"/>
-              <a:ea typeface="Courier New" panose="02070309020205020404"/>
-              <a:cs typeface="Courier New" panose="02070309020205020404"/>
-              <a:sym typeface="Courier New" panose="02070309020205020404"/>
-            </a:endParaRPr>
-          </a:p>
-          <a:p>
-            <a:pPr marL="355600" lvl="0" indent="-342900">
-              <a:buSzPts val="1400"/>
-              <a:buFont typeface="Arial" panose="020B0604020202020204"/>
-              <a:buAutoNum type="arabicPeriod"/>
-            </a:pPr>
-            <a:r>
-              <a:rPr lang="zh-CN" altLang="en-US" dirty="0">
-                <a:solidFill>
-                  <a:srgbClr val="424242"/>
-                </a:solidFill>
-                <a:latin typeface="Courier New" panose="02070309020205020404"/>
-                <a:ea typeface="Courier New" panose="02070309020205020404"/>
-                <a:cs typeface="Courier New" panose="02070309020205020404"/>
-                <a:sym typeface="Courier New" panose="02070309020205020404"/>
-              </a:rPr>
-              <a:t>如何使用插件：示例使用</a:t>
-            </a:r>
-            <a:r>
-              <a:rPr lang="en-US" altLang="zh-CN" dirty="0">
-                <a:solidFill>
-                  <a:srgbClr val="424242"/>
-                </a:solidFill>
-                <a:latin typeface="Courier New" panose="02070309020205020404"/>
-                <a:ea typeface="Courier New" panose="02070309020205020404"/>
-                <a:cs typeface="Courier New" panose="02070309020205020404"/>
-                <a:sym typeface="Courier New" panose="02070309020205020404"/>
-              </a:rPr>
-              <a:t>RabbitMQ</a:t>
-            </a:r>
-            <a:r>
-              <a:rPr lang="zh-CN" altLang="en-US" dirty="0">
-                <a:solidFill>
-                  <a:srgbClr val="424242"/>
-                </a:solidFill>
-                <a:latin typeface="Courier New" panose="02070309020205020404"/>
-                <a:ea typeface="Courier New" panose="02070309020205020404"/>
-                <a:cs typeface="Courier New" panose="02070309020205020404"/>
-                <a:sym typeface="Courier New" panose="02070309020205020404"/>
-              </a:rPr>
-              <a:t>插件</a:t>
-            </a:r>
-            <a:endParaRPr lang="en-US" altLang="zh-CN" dirty="0">
-              <a:solidFill>
-                <a:srgbClr val="424242"/>
-              </a:solidFill>
-              <a:latin typeface="Courier New" panose="02070309020205020404"/>
-              <a:ea typeface="Courier New" panose="02070309020205020404"/>
-              <a:cs typeface="Courier New" panose="02070309020205020404"/>
-              <a:sym typeface="Courier New" panose="02070309020205020404"/>
-            </a:endParaRPr>
-          </a:p>
-          <a:p>
-            <a:pPr marL="355600" lvl="0" indent="-342900">
-              <a:buSzPts val="1400"/>
-              <a:buFont typeface="Arial" panose="020B0604020202020204"/>
-              <a:buAutoNum type="arabicPeriod"/>
-            </a:pPr>
-            <a:r>
-              <a:rPr lang="en-US" altLang="zh-CN" dirty="0">
-                <a:solidFill>
-                  <a:srgbClr val="424242"/>
-                </a:solidFill>
-                <a:latin typeface="Courier New" panose="02070309020205020404"/>
-                <a:ea typeface="Courier New" panose="02070309020205020404"/>
-                <a:cs typeface="Courier New" panose="02070309020205020404"/>
-                <a:sym typeface="Courier New" panose="02070309020205020404"/>
-              </a:rPr>
-              <a:t>Micro API</a:t>
-            </a:r>
-            <a:r>
-              <a:rPr lang="zh-CN" altLang="en-US" dirty="0">
-                <a:solidFill>
-                  <a:srgbClr val="424242"/>
-                </a:solidFill>
-                <a:latin typeface="Courier New" panose="02070309020205020404"/>
-                <a:ea typeface="Courier New" panose="02070309020205020404"/>
-                <a:cs typeface="Courier New" panose="02070309020205020404"/>
-                <a:sym typeface="Courier New" panose="02070309020205020404"/>
-              </a:rPr>
-              <a:t>网关浅讲</a:t>
-            </a:r>
           </a:p>
         </p:txBody>
       </p:sp>
@@ -16647,7 +16700,15 @@
             </a:pPr>
             <a:r>
               <a:rPr lang="en-US" altLang="zh-CN"/>
-              <a:t>Go-Micro</a:t>
+              <a:t>Micro</a:t>
+            </a:r>
+            <a:r>
+              <a:rPr lang="zh-CN" altLang="en-US"/>
+              <a:t> </a:t>
+            </a:r>
+            <a:r>
+              <a:rPr lang="en-US" altLang="zh-CN"/>
+              <a:t>API</a:t>
             </a:r>
             <a:endParaRPr lang="en-US"/>
           </a:p>
@@ -16760,7 +16821,15 @@
             <a:pPr lvl="0"/>
             <a:r>
               <a:rPr lang="en-US" altLang="zh-CN" dirty="0"/>
-              <a:t>SRV</a:t>
+              <a:t>Micro</a:t>
+            </a:r>
+            <a:r>
+              <a:rPr lang="zh-CN" altLang="en-US" dirty="0"/>
+              <a:t> </a:t>
+            </a:r>
+            <a:r>
+              <a:rPr lang="en-US" altLang="zh-CN" dirty="0"/>
+              <a:t>API</a:t>
             </a:r>
             <a:endParaRPr lang="en-US"/>
           </a:p>
@@ -16873,7 +16942,7 @@
         </p:nvSpPr>
         <p:spPr>
           <a:xfrm>
-            <a:off x="509214" y="1152425"/>
+            <a:off x="442333" y="1669957"/>
             <a:ext cx="4898245" cy="954107"/>
           </a:xfrm>
           <a:prstGeom prst="rect">
@@ -16888,49 +16957,68 @@
           <a:lstStyle/>
           <a:p>
             <a:r>
-              <a:rPr kumimoji="1" lang="zh-CN" altLang="en-US"/>
-              <a:t>两个服务</a:t>
+              <a:rPr kumimoji="1" lang="en-US" altLang="zh-CN" baseline="-25000"/>
+              <a:t>1.</a:t>
             </a:r>
-            <a:endParaRPr kumimoji="1" lang="en-US" altLang="zh-CN"/>
+            <a:r>
+              <a:rPr kumimoji="1" lang="zh-CN" altLang="en-US" baseline="-25000"/>
+              <a:t> 商品基本信息，如厂商、价格等</a:t>
+            </a:r>
+            <a:endParaRPr kumimoji="1" lang="en-US" altLang="zh-CN" baseline="-25000"/>
           </a:p>
           <a:p>
-            <a:endParaRPr kumimoji="1" lang="en-US" altLang="zh-CN"/>
+            <a:r>
+              <a:rPr kumimoji="1" lang="en-US" altLang="zh-CN" baseline="-25000"/>
+              <a:t>2.</a:t>
+            </a:r>
+            <a:r>
+              <a:rPr kumimoji="1" lang="zh-CN" altLang="en-US" baseline="-25000"/>
+              <a:t> 购买记录</a:t>
+            </a:r>
           </a:p>
           <a:p>
-            <a:pPr marL="342900" indent="-342900">
-              <a:buFont typeface="+mj-lt"/>
-              <a:buAutoNum type="arabicPeriod"/>
-            </a:pPr>
             <a:r>
-              <a:rPr kumimoji="1" lang="en-US" altLang="zh-CN">
-                <a:sym typeface="PT Sans Narrow" panose="020B0506020203020204"/>
-              </a:rPr>
-              <a:t>Sum</a:t>
+              <a:rPr kumimoji="1" lang="en-US" altLang="zh-CN" baseline="-25000"/>
+              <a:t>3.</a:t>
             </a:r>
             <a:r>
-              <a:rPr kumimoji="1" lang="zh-CN" altLang="en-US">
-                <a:sym typeface="PT Sans Narrow" panose="020B0506020203020204"/>
-              </a:rPr>
-              <a:t>服务：所有小于输入数字的自然数累加</a:t>
+              <a:rPr kumimoji="1" lang="zh-CN" altLang="en-US" baseline="-25000"/>
+              <a:t> 与其它商品一起购买的搭配</a:t>
             </a:r>
-            <a:endParaRPr kumimoji="1" lang="en-US" altLang="zh-CN">
-              <a:sym typeface="PT Sans Narrow" panose="020B0506020203020204"/>
-            </a:endParaRPr>
           </a:p>
           <a:p>
-            <a:pPr marL="342900" indent="-342900">
-              <a:buFont typeface="+mj-lt"/>
-              <a:buAutoNum type="arabicPeriod"/>
-            </a:pPr>
             <a:r>
-              <a:rPr kumimoji="1" lang="en-US" altLang="zh-CN"/>
-              <a:t>Prime</a:t>
+              <a:rPr kumimoji="1" lang="en-US" altLang="zh-CN" baseline="-25000"/>
+              <a:t>4.</a:t>
             </a:r>
             <a:r>
-              <a:rPr kumimoji="1" lang="zh-CN" altLang="en-US"/>
-              <a:t>服务：查出小于输入的所有素数</a:t>
+              <a:rPr kumimoji="1" lang="zh-CN" altLang="en-US" baseline="-25000"/>
+              <a:t> 其它顾客购买的其他物品</a:t>
             </a:r>
-            <a:endParaRPr kumimoji="1" lang="en-US" altLang="zh-CN"/>
+          </a:p>
+          <a:p>
+            <a:r>
+              <a:rPr kumimoji="1" lang="en-US" altLang="zh-CN" baseline="-25000"/>
+              <a:t>5.</a:t>
+            </a:r>
+            <a:r>
+              <a:rPr kumimoji="1" lang="zh-CN" altLang="en-US" baseline="-25000"/>
+              <a:t> 顾客评论</a:t>
+            </a:r>
+          </a:p>
+          <a:p>
+            <a:r>
+              <a:rPr kumimoji="1" lang="en-US" altLang="zh-CN" baseline="-25000"/>
+              <a:t>6.</a:t>
+            </a:r>
+            <a:r>
+              <a:rPr kumimoji="1" lang="zh-CN" altLang="en-US" baseline="-25000"/>
+              <a:t> 卖家排名</a:t>
+            </a:r>
+            <a:r>
+              <a:rPr kumimoji="1" lang="en-US" altLang="zh-CN" baseline="-25000"/>
+              <a:t>…</a:t>
+            </a:r>
           </a:p>
         </p:txBody>
       </p:sp>
@@ -16942,8 +17030,8 @@
         </p:nvSpPr>
         <p:spPr>
           <a:xfrm>
-            <a:off x="7743870" y="721831"/>
-            <a:ext cx="1120800" cy="307800"/>
+            <a:off x="7897090" y="726010"/>
+            <a:ext cx="1618743" cy="307800"/>
           </a:xfrm>
           <a:prstGeom prst="rect">
             <a:avLst/>
@@ -16981,7 +17069,7 @@
                 <a:cs typeface="PT Sans Narrow" panose="020B0506020203020204"/>
                 <a:sym typeface="PT Sans Narrow" panose="020B0506020203020204"/>
               </a:rPr>
-              <a:t>后台服务</a:t>
+              <a:t>服务网关</a:t>
             </a:r>
             <a:endParaRPr sz="3600" b="1" i="0" u="none" strike="noStrike" cap="none">
               <a:solidFill>
@@ -16995,30 +17083,172 @@
           </a:p>
         </p:txBody>
       </p:sp>
-      <p:pic>
-        <p:nvPicPr>
-          <p:cNvPr id="3" name="图片 2"/>
-          <p:cNvPicPr>
-            <a:picLocks noChangeAspect="1"/>
-          </p:cNvPicPr>
+      <p:sp>
+        <p:nvSpPr>
+          <p:cNvPr id="10" name="TextBox 9">
+            <a:extLst>
+              <a:ext uri="{FF2B5EF4-FFF2-40B4-BE49-F238E27FC236}">
+                <a16:creationId xmlns:a16="http://schemas.microsoft.com/office/drawing/2014/main" id="{2ED6F1D0-44B7-8A4C-AF08-39DC89AACDEE}"/>
+              </a:ext>
+            </a:extLst>
+          </p:cNvPr>
+          <p:cNvSpPr txBox="1"/>
           <p:nvPr/>
-        </p:nvPicPr>
-        <p:blipFill>
-          <a:blip r:embed="rId3"/>
-          <a:stretch>
-            <a:fillRect/>
-          </a:stretch>
-        </p:blipFill>
+        </p:nvSpPr>
         <p:spPr>
           <a:xfrm>
-            <a:off x="4516755" y="1550670"/>
-            <a:ext cx="3937635" cy="2338070"/>
+            <a:off x="352727" y="2717222"/>
+            <a:ext cx="4898245" cy="307777"/>
           </a:xfrm>
           <a:prstGeom prst="rect">
             <a:avLst/>
           </a:prstGeom>
+          <a:noFill/>
         </p:spPr>
-      </p:pic>
+        <p:txBody>
+          <a:bodyPr wrap="square" rtlCol="0">
+            <a:spAutoFit/>
+          </a:bodyPr>
+          <a:lstStyle/>
+          <a:p>
+            <a:r>
+              <a:rPr kumimoji="1" lang="zh-CN" altLang="en-US"/>
+              <a:t>背后可能的服务：</a:t>
+            </a:r>
+            <a:endParaRPr kumimoji="1" lang="en-US" altLang="zh-CN"/>
+          </a:p>
+        </p:txBody>
+      </p:sp>
+      <p:sp>
+        <p:nvSpPr>
+          <p:cNvPr id="11" name="TextBox 10">
+            <a:extLst>
+              <a:ext uri="{FF2B5EF4-FFF2-40B4-BE49-F238E27FC236}">
+                <a16:creationId xmlns:a16="http://schemas.microsoft.com/office/drawing/2014/main" id="{BA2FBAAE-AFB2-1346-8320-508A501E3AE2}"/>
+              </a:ext>
+            </a:extLst>
+          </p:cNvPr>
+          <p:cNvSpPr txBox="1"/>
+          <p:nvPr/>
+        </p:nvSpPr>
+        <p:spPr>
+          <a:xfrm>
+            <a:off x="352728" y="1362180"/>
+            <a:ext cx="4898245" cy="307777"/>
+          </a:xfrm>
+          <a:prstGeom prst="rect">
+            <a:avLst/>
+          </a:prstGeom>
+          <a:noFill/>
+        </p:spPr>
+        <p:txBody>
+          <a:bodyPr wrap="square" rtlCol="0">
+            <a:spAutoFit/>
+          </a:bodyPr>
+          <a:lstStyle/>
+          <a:p>
+            <a:r>
+              <a:rPr kumimoji="1" lang="zh-CN" altLang="en-US"/>
+              <a:t>现实的场景，购物网站：</a:t>
+            </a:r>
+            <a:endParaRPr kumimoji="1" lang="en-US" altLang="zh-CN"/>
+          </a:p>
+        </p:txBody>
+      </p:sp>
+      <p:sp>
+        <p:nvSpPr>
+          <p:cNvPr id="13" name="TextBox 12">
+            <a:extLst>
+              <a:ext uri="{FF2B5EF4-FFF2-40B4-BE49-F238E27FC236}">
+                <a16:creationId xmlns:a16="http://schemas.microsoft.com/office/drawing/2014/main" id="{9BAEB65E-793B-4C43-9F98-B9CD90011228}"/>
+              </a:ext>
+            </a:extLst>
+          </p:cNvPr>
+          <p:cNvSpPr txBox="1"/>
+          <p:nvPr/>
+        </p:nvSpPr>
+        <p:spPr>
+          <a:xfrm>
+            <a:off x="442332" y="3024999"/>
+            <a:ext cx="4898245" cy="954107"/>
+          </a:xfrm>
+          <a:prstGeom prst="rect">
+            <a:avLst/>
+          </a:prstGeom>
+          <a:noFill/>
+        </p:spPr>
+        <p:txBody>
+          <a:bodyPr wrap="square" rtlCol="0">
+            <a:spAutoFit/>
+          </a:bodyPr>
+          <a:lstStyle/>
+          <a:p>
+            <a:r>
+              <a:rPr kumimoji="1" lang="en-US" altLang="zh-CN" baseline="-25000"/>
+              <a:t>1.</a:t>
+            </a:r>
+            <a:r>
+              <a:rPr kumimoji="1" lang="zh-CN" altLang="en-US" baseline="-25000"/>
+              <a:t> 商品服务</a:t>
+            </a:r>
+            <a:endParaRPr kumimoji="1" lang="en-US" altLang="zh-CN" baseline="-25000"/>
+          </a:p>
+          <a:p>
+            <a:r>
+              <a:rPr kumimoji="1" lang="en-US" altLang="zh-CN" baseline="-25000"/>
+              <a:t>2.</a:t>
+            </a:r>
+            <a:r>
+              <a:rPr kumimoji="1" lang="zh-CN" altLang="en-US" baseline="-25000"/>
+              <a:t> 价格服务</a:t>
+            </a:r>
+          </a:p>
+          <a:p>
+            <a:r>
+              <a:rPr kumimoji="1" lang="en-US" altLang="zh-CN" baseline="-25000"/>
+              <a:t>3.</a:t>
+            </a:r>
+            <a:r>
+              <a:rPr kumimoji="1" lang="zh-CN" altLang="en-US" baseline="-25000"/>
+              <a:t> 订单服务</a:t>
+            </a:r>
+          </a:p>
+          <a:p>
+            <a:r>
+              <a:rPr kumimoji="1" lang="en-US" altLang="zh-CN" baseline="-25000"/>
+              <a:t>4.</a:t>
+            </a:r>
+            <a:r>
+              <a:rPr kumimoji="1" lang="zh-CN" altLang="en-US" baseline="-25000"/>
+              <a:t> 库存服务</a:t>
+            </a:r>
+          </a:p>
+          <a:p>
+            <a:r>
+              <a:rPr kumimoji="1" lang="en-US" altLang="zh-CN" baseline="-25000"/>
+              <a:t>5.</a:t>
+            </a:r>
+            <a:r>
+              <a:rPr kumimoji="1" lang="zh-CN" altLang="en-US" baseline="-25000"/>
+              <a:t> 客户服务</a:t>
+            </a:r>
+          </a:p>
+          <a:p>
+            <a:r>
+              <a:rPr kumimoji="1" lang="en-US" altLang="zh-CN" baseline="-25000"/>
+              <a:t>6.</a:t>
+            </a:r>
+            <a:r>
+              <a:rPr kumimoji="1" lang="zh-CN" altLang="en-US" baseline="-25000"/>
+              <a:t> 评价服务</a:t>
+            </a:r>
+            <a:r>
+              <a:rPr kumimoji="1" lang="en-US" altLang="zh-CN" baseline="-25000"/>
+              <a:t>...</a:t>
+            </a:r>
+          </a:p>
+        </p:txBody>
+      </p:sp>
     </p:spTree>
   </p:cSld>
   <p:clrMapOvr>
@@ -17032,7 +17262,7 @@
   <p:cSld>
     <p:spTree>
       <p:nvGrpSpPr>
-        <p:cNvPr id="1" name="Shape 139"/>
+        <p:cNvPr id="1" name="Shape 259"/>
         <p:cNvGrpSpPr/>
         <p:nvPr/>
       </p:nvGrpSpPr>
@@ -17046,7 +17276,7 @@
       </p:grpSpPr>
       <p:sp>
         <p:nvSpPr>
-          <p:cNvPr id="140" name="Google Shape;140;p20"/>
+          <p:cNvPr id="260" name="Google Shape;260;p28"/>
           <p:cNvSpPr txBox="1">
             <a:spLocks noGrp="1"/>
           </p:cNvSpPr>
@@ -17056,8 +17286,8 @@
         </p:nvSpPr>
         <p:spPr>
           <a:xfrm>
-            <a:off x="271359" y="935823"/>
-            <a:ext cx="8571300" cy="942000"/>
+            <a:off x="311700" y="445025"/>
+            <a:ext cx="2103696" cy="707400"/>
           </a:xfrm>
           <a:prstGeom prst="rect">
             <a:avLst/>
@@ -17068,27 +17298,23 @@
           </a:ln>
         </p:spPr>
         <p:txBody>
-          <a:bodyPr spcFirstLastPara="1" wrap="square" lIns="91425" tIns="91425" rIns="91425" bIns="91425" anchor="ctr" anchorCtr="0">
+          <a:bodyPr spcFirstLastPara="1" wrap="square" lIns="91425" tIns="91425" rIns="91425" bIns="91425" anchor="t" anchorCtr="0">
             <a:noAutofit/>
           </a:bodyPr>
           <a:lstStyle/>
           <a:p>
-            <a:pPr marL="0" lvl="0" indent="0" algn="ctr" rtl="0">
-              <a:lnSpc>
-                <a:spcPct val="100000"/>
-              </a:lnSpc>
-              <a:spcBef>
-                <a:spcPts val="0"/>
-              </a:spcBef>
-              <a:spcAft>
-                <a:spcPts val="0"/>
-              </a:spcAft>
-              <a:buSzPts val="3600"/>
-              <a:buNone/>
-            </a:pPr>
+            <a:pPr lvl="0"/>
             <a:r>
-              <a:rPr lang="zh-CN" altLang="en-US"/>
-              <a:t>同步通信的主要流程</a:t>
+              <a:rPr lang="en-US" altLang="zh-CN" dirty="0"/>
+              <a:t>Micro</a:t>
+            </a:r>
+            <a:r>
+              <a:rPr lang="zh-CN" altLang="en-US" dirty="0"/>
+              <a:t> </a:t>
+            </a:r>
+            <a:r>
+              <a:rPr lang="en-US" altLang="zh-CN" dirty="0"/>
+              <a:t>API</a:t>
             </a:r>
             <a:endParaRPr lang="en-US"/>
           </a:p>
@@ -17096,7 +17322,7 @@
       </p:sp>
       <p:sp>
         <p:nvSpPr>
-          <p:cNvPr id="141" name="Google Shape;141;p20"/>
+          <p:cNvPr id="261" name="Google Shape;261;p28"/>
           <p:cNvSpPr txBox="1">
             <a:spLocks noGrp="1"/>
           </p:cNvSpPr>
@@ -17106,7 +17332,7 @@
         </p:nvSpPr>
         <p:spPr>
           <a:xfrm>
-            <a:off x="145283" y="4583792"/>
+            <a:off x="167983" y="4610554"/>
             <a:ext cx="548700" cy="393600"/>
           </a:xfrm>
           <a:prstGeom prst="rect">
@@ -17144,116 +17370,16 @@
           </a:p>
         </p:txBody>
       </p:sp>
-    </p:spTree>
-    <p:extLst>
-      <p:ext uri="{BB962C8B-B14F-4D97-AF65-F5344CB8AC3E}">
-        <p14:creationId xmlns:p14="http://schemas.microsoft.com/office/powerpoint/2010/main" val="226082672"/>
-      </p:ext>
-    </p:extLst>
-  </p:cSld>
-  <p:clrMapOvr>
-    <a:masterClrMapping/>
-  </p:clrMapOvr>
-</p:sld>
-</file>
-
-<file path=ppt/slides/slide7.xml><?xml version="1.0" encoding="utf-8"?>
-<p:sld xmlns:a="http://schemas.openxmlformats.org/drawingml/2006/main" xmlns:r="http://schemas.openxmlformats.org/officeDocument/2006/relationships" xmlns:p="http://schemas.openxmlformats.org/presentationml/2006/main">
-  <p:cSld>
-    <p:spTree>
-      <p:nvGrpSpPr>
-        <p:cNvPr id="1" name=""/>
-        <p:cNvGrpSpPr/>
-        <p:nvPr/>
-      </p:nvGrpSpPr>
-      <p:grpSpPr>
-        <a:xfrm>
-          <a:off x="0" y="0"/>
-          <a:ext cx="0" cy="0"/>
-          <a:chOff x="0" y="0"/>
-          <a:chExt cx="0" cy="0"/>
-        </a:xfrm>
-      </p:grpSpPr>
       <p:sp>
         <p:nvSpPr>
-          <p:cNvPr id="2" name="Title 1">
-            <a:extLst>
-              <a:ext uri="{FF2B5EF4-FFF2-40B4-BE49-F238E27FC236}">
-                <a16:creationId xmlns:a16="http://schemas.microsoft.com/office/drawing/2014/main" id="{151B1D45-C583-F546-BA6A-AF729095162B}"/>
-              </a:ext>
-            </a:extLst>
-          </p:cNvPr>
-          <p:cNvSpPr>
-            <a:spLocks noGrp="1"/>
-          </p:cNvSpPr>
-          <p:nvPr>
-            <p:ph type="title"/>
-          </p:nvPr>
-        </p:nvSpPr>
-        <p:spPr>
-          <a:xfrm>
-            <a:off x="311700" y="445025"/>
-            <a:ext cx="4361039" cy="707400"/>
-          </a:xfrm>
-        </p:spPr>
-        <p:txBody>
-          <a:bodyPr/>
-          <a:lstStyle/>
-          <a:p>
-            <a:r>
-              <a:rPr kumimoji="1" lang="en-US" altLang="zh-CN"/>
-              <a:t>Client-&gt;Server</a:t>
-            </a:r>
-            <a:endParaRPr kumimoji="1" lang="zh-CN" altLang="en-US"/>
-          </a:p>
-        </p:txBody>
-      </p:sp>
-      <p:pic>
-        <p:nvPicPr>
-          <p:cNvPr id="4" name="Picture 3">
-            <a:extLst>
-              <a:ext uri="{FF2B5EF4-FFF2-40B4-BE49-F238E27FC236}">
-                <a16:creationId xmlns:a16="http://schemas.microsoft.com/office/drawing/2014/main" id="{D8AAC79C-E459-EB46-A126-5CDC200E9428}"/>
-              </a:ext>
-            </a:extLst>
-          </p:cNvPr>
-          <p:cNvPicPr>
-            <a:picLocks noChangeAspect="1"/>
-          </p:cNvPicPr>
-          <p:nvPr/>
-        </p:nvPicPr>
-        <p:blipFill>
-          <a:blip r:embed="rId2"/>
-          <a:stretch>
-            <a:fillRect/>
-          </a:stretch>
-        </p:blipFill>
-        <p:spPr>
-          <a:xfrm>
-            <a:off x="4672739" y="1637146"/>
-            <a:ext cx="4204962" cy="1818865"/>
-          </a:xfrm>
-          <a:prstGeom prst="rect">
-            <a:avLst/>
-          </a:prstGeom>
-        </p:spPr>
-      </p:pic>
-      <p:sp>
-        <p:nvSpPr>
-          <p:cNvPr id="5" name="Google Shape;128;p18">
-            <a:extLst>
-              <a:ext uri="{FF2B5EF4-FFF2-40B4-BE49-F238E27FC236}">
-                <a16:creationId xmlns:a16="http://schemas.microsoft.com/office/drawing/2014/main" id="{C66BA8B2-D899-ED44-9BBA-2DE6C80F4AB2}"/>
-              </a:ext>
-            </a:extLst>
-          </p:cNvPr>
+          <p:cNvPr id="262" name="Google Shape;262;p28"/>
           <p:cNvSpPr/>
           <p:nvPr/>
         </p:nvSpPr>
         <p:spPr>
           <a:xfrm>
-            <a:off x="6842503" y="721831"/>
-            <a:ext cx="2022168" cy="307800"/>
+            <a:off x="5894262" y="701662"/>
+            <a:ext cx="3067022" cy="307777"/>
           </a:xfrm>
           <a:prstGeom prst="rect">
             <a:avLst/>
@@ -17281,18 +17407,6 @@
               </a:spcAft>
               <a:buNone/>
             </a:pPr>
-            <a:r>
-              <a:rPr lang="zh-CN" altLang="en-US" b="1">
-                <a:solidFill>
-                  <a:schemeClr val="accent1"/>
-                </a:solidFill>
-                <a:latin typeface="PT Sans Narrow" panose="020B0506020203020204"/>
-                <a:ea typeface="PT Sans Narrow" panose="020B0506020203020204"/>
-                <a:cs typeface="PT Sans Narrow" panose="020B0506020203020204"/>
-                <a:sym typeface="PT Sans Narrow" panose="020B0506020203020204"/>
-              </a:rPr>
-              <a:t>客户端如何调用服务端</a:t>
-            </a:r>
             <a:endParaRPr sz="3600" b="1" i="0" u="none" strike="noStrike" cap="none">
               <a:solidFill>
                 <a:schemeClr val="accent1"/>
@@ -17307,146 +17421,113 @@
       </p:sp>
       <p:sp>
         <p:nvSpPr>
-          <p:cNvPr id="6" name="Google Shape;613;p43">
-            <a:extLst>
-              <a:ext uri="{FF2B5EF4-FFF2-40B4-BE49-F238E27FC236}">
-                <a16:creationId xmlns:a16="http://schemas.microsoft.com/office/drawing/2014/main" id="{7691564C-CB67-234D-8D4F-C5DF165B9302}"/>
-              </a:ext>
-            </a:extLst>
-          </p:cNvPr>
+          <p:cNvPr id="6" name="TextBox 5"/>
+          <p:cNvSpPr txBox="1"/>
+          <p:nvPr/>
+        </p:nvSpPr>
+        <p:spPr>
+          <a:xfrm>
+            <a:off x="442333" y="1669957"/>
+            <a:ext cx="4898245" cy="954107"/>
+          </a:xfrm>
+          <a:prstGeom prst="rect">
+            <a:avLst/>
+          </a:prstGeom>
+          <a:noFill/>
+        </p:spPr>
+        <p:txBody>
+          <a:bodyPr wrap="square" rtlCol="0">
+            <a:spAutoFit/>
+          </a:bodyPr>
+          <a:lstStyle/>
+          <a:p>
+            <a:r>
+              <a:rPr kumimoji="1" lang="en-US" altLang="zh-CN" baseline="-25000"/>
+              <a:t>1.</a:t>
+            </a:r>
+            <a:r>
+              <a:rPr kumimoji="1" lang="zh-CN" altLang="en-US" baseline="-25000"/>
+              <a:t> 客户端如何才能访问到每个服务</a:t>
+            </a:r>
+            <a:endParaRPr kumimoji="1" lang="en-US" altLang="zh-CN" baseline="-25000"/>
+          </a:p>
+          <a:p>
+            <a:r>
+              <a:rPr kumimoji="1" lang="en-US" altLang="zh-CN" baseline="-25000"/>
+              <a:t>2.</a:t>
+            </a:r>
+            <a:r>
+              <a:rPr kumimoji="1" lang="zh-CN" altLang="en-US" baseline="-25000"/>
+              <a:t> 不同客户端需要的数据可能不一样</a:t>
+            </a:r>
+            <a:endParaRPr kumimoji="1" lang="en-US" altLang="zh-CN" baseline="-25000"/>
+          </a:p>
+          <a:p>
+            <a:r>
+              <a:rPr kumimoji="1" lang="en-US" altLang="zh-CN" baseline="-25000"/>
+              <a:t>3.</a:t>
+            </a:r>
+            <a:r>
+              <a:rPr kumimoji="1" lang="zh-CN" altLang="en-US" baseline="-25000"/>
+              <a:t> 微服务数量会动态变化</a:t>
+            </a:r>
+          </a:p>
+          <a:p>
+            <a:r>
+              <a:rPr kumimoji="1" lang="en-US" altLang="zh-CN" baseline="-25000"/>
+              <a:t>4.</a:t>
+            </a:r>
+            <a:r>
+              <a:rPr kumimoji="1" lang="zh-CN" altLang="en-US" baseline="-25000"/>
+              <a:t> 微服务彼此通信的协议可能对</a:t>
+            </a:r>
+            <a:r>
+              <a:rPr kumimoji="1" lang="en-US" altLang="zh-CN" baseline="-25000"/>
+              <a:t>web</a:t>
+            </a:r>
+            <a:r>
+              <a:rPr kumimoji="1" lang="zh-CN" altLang="en-US" baseline="-25000"/>
+              <a:t>不友好</a:t>
+            </a:r>
+          </a:p>
+          <a:p>
+            <a:r>
+              <a:rPr kumimoji="1" lang="en-US" altLang="zh-CN" baseline="-25000"/>
+              <a:t>5.</a:t>
+            </a:r>
+            <a:r>
+              <a:rPr kumimoji="1" lang="zh-CN" altLang="en-US" baseline="-25000"/>
+              <a:t> 其它顾客购买的其他物品</a:t>
+            </a:r>
+            <a:endParaRPr kumimoji="1" lang="en-US" altLang="zh-CN" baseline="-25000"/>
+          </a:p>
+          <a:p>
+            <a:r>
+              <a:rPr kumimoji="1" lang="en-US" altLang="zh-CN" baseline="-25000"/>
+              <a:t>6.</a:t>
+            </a:r>
+            <a:r>
+              <a:rPr kumimoji="1" lang="zh-CN" altLang="en-US" baseline="-25000"/>
+              <a:t> </a:t>
+            </a:r>
+            <a:r>
+              <a:rPr kumimoji="1" lang="en-US" altLang="zh-CN" baseline="-25000"/>
+              <a:t>…</a:t>
+            </a:r>
+            <a:endParaRPr kumimoji="1" lang="zh-CN" altLang="en-US" baseline="-25000"/>
+          </a:p>
+        </p:txBody>
+      </p:sp>
+      <p:sp>
+        <p:nvSpPr>
+          <p:cNvPr id="7" name="Google Shape;128;p18"/>
           <p:cNvSpPr/>
           <p:nvPr/>
         </p:nvSpPr>
         <p:spPr>
           <a:xfrm>
-            <a:off x="466682" y="1316178"/>
-            <a:ext cx="1853015" cy="2872364"/>
-          </a:xfrm>
-          <a:prstGeom prst="rect">
-            <a:avLst/>
-          </a:prstGeom>
-          <a:solidFill>
-            <a:srgbClr val="0A0457"/>
-          </a:solidFill>
-          <a:ln w="25400" cap="flat" cmpd="sng">
-            <a:solidFill>
-              <a:srgbClr val="0A0457"/>
-            </a:solidFill>
-            <a:prstDash val="solid"/>
-            <a:round/>
-            <a:headEnd type="none" w="sm" len="sm"/>
-            <a:tailEnd type="none" w="sm" len="sm"/>
-          </a:ln>
-        </p:spPr>
-        <p:txBody>
-          <a:bodyPr spcFirstLastPara="1" wrap="square" lIns="68575" tIns="34275" rIns="68575" bIns="34275" anchor="ctr" anchorCtr="0">
-            <a:noAutofit/>
-          </a:bodyPr>
-          <a:lstStyle/>
-          <a:p>
-            <a:pPr marL="0" marR="0" lvl="0" indent="0" algn="ctr" rtl="0">
-              <a:lnSpc>
-                <a:spcPct val="100000"/>
-              </a:lnSpc>
-              <a:spcBef>
-                <a:spcPts val="0"/>
-              </a:spcBef>
-              <a:spcAft>
-                <a:spcPts val="0"/>
-              </a:spcAft>
-              <a:buNone/>
-            </a:pPr>
-            <a:endParaRPr sz="1350" b="0" i="0" u="none" strike="noStrike" cap="none">
-              <a:solidFill>
-                <a:schemeClr val="lt1"/>
-              </a:solidFill>
-              <a:latin typeface="Arial" panose="020B0604020202020204"/>
-              <a:ea typeface="Arial" panose="020B0604020202020204"/>
-              <a:cs typeface="Arial" panose="020B0604020202020204"/>
-              <a:sym typeface="Arial" panose="020B0604020202020204"/>
-            </a:endParaRPr>
-          </a:p>
-        </p:txBody>
-      </p:sp>
-      <p:sp>
-        <p:nvSpPr>
-          <p:cNvPr id="7" name="Google Shape;614;p43">
-            <a:extLst>
-              <a:ext uri="{FF2B5EF4-FFF2-40B4-BE49-F238E27FC236}">
-                <a16:creationId xmlns:a16="http://schemas.microsoft.com/office/drawing/2014/main" id="{BEB275CA-65D1-7143-A8E2-0602926A5367}"/>
-              </a:ext>
-            </a:extLst>
-          </p:cNvPr>
-          <p:cNvSpPr/>
-          <p:nvPr/>
-        </p:nvSpPr>
-        <p:spPr>
-          <a:xfrm>
-            <a:off x="2725270" y="1316178"/>
-            <a:ext cx="1699467" cy="2872364"/>
-          </a:xfrm>
-          <a:prstGeom prst="rect">
-            <a:avLst/>
-          </a:prstGeom>
-          <a:solidFill>
-            <a:srgbClr val="0A0457"/>
-          </a:solidFill>
-          <a:ln w="25400" cap="flat" cmpd="sng">
-            <a:solidFill>
-              <a:srgbClr val="0A0457"/>
-            </a:solidFill>
-            <a:prstDash val="solid"/>
-            <a:round/>
-            <a:headEnd type="none" w="sm" len="sm"/>
-            <a:tailEnd type="none" w="sm" len="sm"/>
-          </a:ln>
-        </p:spPr>
-        <p:txBody>
-          <a:bodyPr spcFirstLastPara="1" wrap="square" lIns="68575" tIns="34275" rIns="68575" bIns="34275" anchor="ctr" anchorCtr="0">
-            <a:noAutofit/>
-          </a:bodyPr>
-          <a:lstStyle/>
-          <a:p>
-            <a:pPr marL="0" marR="0" lvl="0" indent="0" algn="ctr" rtl="0">
-              <a:lnSpc>
-                <a:spcPct val="100000"/>
-              </a:lnSpc>
-              <a:spcBef>
-                <a:spcPts val="0"/>
-              </a:spcBef>
-              <a:spcAft>
-                <a:spcPts val="0"/>
-              </a:spcAft>
-              <a:buNone/>
-            </a:pPr>
-            <a:endParaRPr sz="1350" b="0" i="0" u="none" strike="noStrike" cap="none">
-              <a:solidFill>
-                <a:schemeClr val="lt1"/>
-              </a:solidFill>
-              <a:latin typeface="Arial" panose="020B0604020202020204"/>
-              <a:ea typeface="Arial" panose="020B0604020202020204"/>
-              <a:cs typeface="Arial" panose="020B0604020202020204"/>
-              <a:sym typeface="Arial" panose="020B0604020202020204"/>
-            </a:endParaRPr>
-          </a:p>
-        </p:txBody>
-      </p:sp>
-      <p:sp>
-        <p:nvSpPr>
-          <p:cNvPr id="8" name="Google Shape;615;p43">
-            <a:extLst>
-              <a:ext uri="{FF2B5EF4-FFF2-40B4-BE49-F238E27FC236}">
-                <a16:creationId xmlns:a16="http://schemas.microsoft.com/office/drawing/2014/main" id="{58239E70-3D9E-764D-90EA-7FB08E89347D}"/>
-              </a:ext>
-            </a:extLst>
-          </p:cNvPr>
-          <p:cNvSpPr txBox="1"/>
-          <p:nvPr/>
-        </p:nvSpPr>
-        <p:spPr>
-          <a:xfrm>
-            <a:off x="1037989" y="1048355"/>
-            <a:ext cx="710400" cy="300000"/>
+            <a:off x="7897090" y="726010"/>
+            <a:ext cx="1618743" cy="307800"/>
           </a:xfrm>
           <a:prstGeom prst="rect">
             <a:avLst/>
@@ -17475,35 +17556,35 @@
               <a:buNone/>
             </a:pPr>
             <a:r>
-              <a:rPr lang="en-US" sz="1350" b="0" i="0" u="none" strike="noStrike" cap="none" dirty="0">
-                <a:solidFill>
-                  <a:srgbClr val="000000"/>
-                </a:solidFill>
-                <a:latin typeface="Arial" panose="020B0604020202020204"/>
-                <a:ea typeface="Arial" panose="020B0604020202020204"/>
-                <a:cs typeface="Arial" panose="020B0604020202020204"/>
-                <a:sym typeface="Arial" panose="020B0604020202020204"/>
+              <a:rPr lang="zh-CN" altLang="en-US" b="1">
+                <a:solidFill>
+                  <a:schemeClr val="accent1"/>
+                </a:solidFill>
+                <a:latin typeface="PT Sans Narrow" panose="020B0506020203020204"/>
+                <a:ea typeface="PT Sans Narrow" panose="020B0506020203020204"/>
+                <a:cs typeface="PT Sans Narrow" panose="020B0506020203020204"/>
+                <a:sym typeface="PT Sans Narrow" panose="020B0506020203020204"/>
               </a:rPr>
-              <a:t>Client</a:t>
+              <a:t>服务网关</a:t>
             </a:r>
-            <a:endParaRPr sz="1350" b="0" i="0" u="none" strike="noStrike" cap="none" dirty="0">
+            <a:endParaRPr sz="3600" b="1" i="0" u="none" strike="noStrike" cap="none">
               <a:solidFill>
-                <a:srgbClr val="000000"/>
+                <a:schemeClr val="accent1"/>
               </a:solidFill>
-              <a:latin typeface="Arial" panose="020B0604020202020204"/>
-              <a:ea typeface="Arial" panose="020B0604020202020204"/>
-              <a:cs typeface="Arial" panose="020B0604020202020204"/>
-              <a:sym typeface="Arial" panose="020B0604020202020204"/>
+              <a:latin typeface="PT Sans Narrow" panose="020B0506020203020204"/>
+              <a:ea typeface="PT Sans Narrow" panose="020B0506020203020204"/>
+              <a:cs typeface="PT Sans Narrow" panose="020B0506020203020204"/>
+              <a:sym typeface="PT Sans Narrow" panose="020B0506020203020204"/>
             </a:endParaRPr>
           </a:p>
         </p:txBody>
       </p:sp>
       <p:sp>
         <p:nvSpPr>
-          <p:cNvPr id="9" name="Google Shape;616;p43">
+          <p:cNvPr id="10" name="TextBox 9">
             <a:extLst>
               <a:ext uri="{FF2B5EF4-FFF2-40B4-BE49-F238E27FC236}">
-                <a16:creationId xmlns:a16="http://schemas.microsoft.com/office/drawing/2014/main" id="{04C1B150-A5E7-E34B-B3C6-6B0D781CA2D1}"/>
+                <a16:creationId xmlns:a16="http://schemas.microsoft.com/office/drawing/2014/main" id="{2ED6F1D0-44B7-8A4C-AF08-39DC89AACDEE}"/>
               </a:ext>
             </a:extLst>
           </p:cNvPr>
@@ -17512,257 +17593,34 @@
         </p:nvSpPr>
         <p:spPr>
           <a:xfrm>
-            <a:off x="3151666" y="1009165"/>
-            <a:ext cx="902700" cy="300000"/>
+            <a:off x="352727" y="2717222"/>
+            <a:ext cx="4898245" cy="307777"/>
           </a:xfrm>
           <a:prstGeom prst="rect">
             <a:avLst/>
           </a:prstGeom>
           <a:noFill/>
-          <a:ln>
-            <a:noFill/>
-          </a:ln>
         </p:spPr>
         <p:txBody>
-          <a:bodyPr spcFirstLastPara="1" wrap="square" lIns="91425" tIns="45700" rIns="91425" bIns="45700" anchor="t" anchorCtr="0">
-            <a:noAutofit/>
+          <a:bodyPr wrap="square" rtlCol="0">
+            <a:spAutoFit/>
           </a:bodyPr>
           <a:lstStyle/>
           <a:p>
-            <a:pPr marL="0" marR="0" lvl="0" indent="0" algn="l" rtl="0">
-              <a:lnSpc>
-                <a:spcPct val="100000"/>
-              </a:lnSpc>
-              <a:spcBef>
-                <a:spcPts val="0"/>
-              </a:spcBef>
-              <a:spcAft>
-                <a:spcPts val="0"/>
-              </a:spcAft>
-              <a:buNone/>
-            </a:pPr>
             <a:r>
-              <a:rPr lang="en-US" sz="1350" b="0" i="0" u="none" strike="noStrike" cap="none">
-                <a:solidFill>
-                  <a:srgbClr val="000000"/>
-                </a:solidFill>
-                <a:latin typeface="Arial" panose="020B0604020202020204"/>
-                <a:ea typeface="Arial" panose="020B0604020202020204"/>
-                <a:cs typeface="Arial" panose="020B0604020202020204"/>
-                <a:sym typeface="Arial" panose="020B0604020202020204"/>
-              </a:rPr>
-              <a:t>Server</a:t>
+              <a:rPr kumimoji="1" lang="zh-CN" altLang="en-US"/>
+              <a:t>解决方案：</a:t>
             </a:r>
-            <a:endParaRPr sz="1350" b="0" i="0" u="none" strike="noStrike" cap="none">
-              <a:solidFill>
-                <a:srgbClr val="000000"/>
-              </a:solidFill>
-              <a:latin typeface="Arial" panose="020B0604020202020204"/>
-              <a:ea typeface="Arial" panose="020B0604020202020204"/>
-              <a:cs typeface="Arial" panose="020B0604020202020204"/>
-              <a:sym typeface="Arial" panose="020B0604020202020204"/>
-            </a:endParaRPr>
+            <a:endParaRPr kumimoji="1" lang="en-US" altLang="zh-CN"/>
           </a:p>
         </p:txBody>
       </p:sp>
       <p:sp>
         <p:nvSpPr>
-          <p:cNvPr id="10" name="Google Shape;617;p43">
+          <p:cNvPr id="11" name="TextBox 10">
             <a:extLst>
               <a:ext uri="{FF2B5EF4-FFF2-40B4-BE49-F238E27FC236}">
-                <a16:creationId xmlns:a16="http://schemas.microsoft.com/office/drawing/2014/main" id="{6A76DE6E-C85E-4F4B-9C9F-39938C0BDB22}"/>
-              </a:ext>
-            </a:extLst>
-          </p:cNvPr>
-          <p:cNvSpPr/>
-          <p:nvPr/>
-        </p:nvSpPr>
-        <p:spPr>
-          <a:xfrm>
-            <a:off x="2892948" y="1512057"/>
-            <a:ext cx="1353224" cy="205199"/>
-          </a:xfrm>
-          <a:prstGeom prst="rect">
-            <a:avLst/>
-          </a:prstGeom>
-          <a:solidFill>
-            <a:srgbClr val="FF0089"/>
-          </a:solidFill>
-          <a:ln w="25400" cap="flat" cmpd="sng">
-            <a:solidFill>
-              <a:srgbClr val="0A0457"/>
-            </a:solidFill>
-            <a:prstDash val="solid"/>
-            <a:round/>
-            <a:headEnd type="none" w="sm" len="sm"/>
-            <a:tailEnd type="none" w="sm" len="sm"/>
-          </a:ln>
-        </p:spPr>
-        <p:txBody>
-          <a:bodyPr spcFirstLastPara="1" wrap="square" lIns="68575" tIns="34275" rIns="68575" bIns="34275" anchor="ctr" anchorCtr="0">
-            <a:noAutofit/>
-          </a:bodyPr>
-          <a:lstStyle/>
-          <a:p>
-            <a:pPr marL="0" marR="0" lvl="0" indent="0" algn="ctr" rtl="0">
-              <a:lnSpc>
-                <a:spcPct val="100000"/>
-              </a:lnSpc>
-              <a:spcBef>
-                <a:spcPts val="0"/>
-              </a:spcBef>
-              <a:spcAft>
-                <a:spcPts val="0"/>
-              </a:spcAft>
-              <a:buNone/>
-            </a:pPr>
-            <a:r>
-              <a:rPr lang="en-US" sz="1350" b="0" i="0" u="none" strike="noStrike" cap="none">
-                <a:solidFill>
-                  <a:schemeClr val="dk1"/>
-                </a:solidFill>
-                <a:latin typeface="Arial" panose="020B0604020202020204"/>
-                <a:ea typeface="Arial" panose="020B0604020202020204"/>
-                <a:cs typeface="Arial" panose="020B0604020202020204"/>
-                <a:sym typeface="Arial" panose="020B0604020202020204"/>
-              </a:rPr>
-              <a:t>Handler</a:t>
-            </a:r>
-          </a:p>
-        </p:txBody>
-      </p:sp>
-      <p:sp>
-        <p:nvSpPr>
-          <p:cNvPr id="11" name="Google Shape;619;p43">
-            <a:extLst>
-              <a:ext uri="{FF2B5EF4-FFF2-40B4-BE49-F238E27FC236}">
-                <a16:creationId xmlns:a16="http://schemas.microsoft.com/office/drawing/2014/main" id="{50F79E3C-9D28-6647-ABAF-72EF18935CA4}"/>
-              </a:ext>
-            </a:extLst>
-          </p:cNvPr>
-          <p:cNvSpPr/>
-          <p:nvPr/>
-        </p:nvSpPr>
-        <p:spPr>
-          <a:xfrm>
-            <a:off x="645587" y="1823957"/>
-            <a:ext cx="1535482" cy="2230408"/>
-          </a:xfrm>
-          <a:prstGeom prst="rect">
-            <a:avLst/>
-          </a:prstGeom>
-          <a:solidFill>
-            <a:srgbClr val="FF0089"/>
-          </a:solidFill>
-          <a:ln w="25400" cap="flat" cmpd="sng">
-            <a:solidFill>
-              <a:srgbClr val="0A0457"/>
-            </a:solidFill>
-            <a:prstDash val="solid"/>
-            <a:round/>
-            <a:headEnd type="none" w="sm" len="sm"/>
-            <a:tailEnd type="none" w="sm" len="sm"/>
-          </a:ln>
-        </p:spPr>
-        <p:txBody>
-          <a:bodyPr spcFirstLastPara="1" wrap="square" lIns="68575" tIns="34275" rIns="68575" bIns="34275" anchor="ctr" anchorCtr="0">
-            <a:noAutofit/>
-          </a:bodyPr>
-          <a:lstStyle/>
-          <a:p>
-            <a:pPr marL="0" marR="0" lvl="0" indent="0" algn="ctr" rtl="0">
-              <a:lnSpc>
-                <a:spcPct val="100000"/>
-              </a:lnSpc>
-              <a:spcBef>
-                <a:spcPts val="0"/>
-              </a:spcBef>
-              <a:spcAft>
-                <a:spcPts val="0"/>
-              </a:spcAft>
-              <a:buNone/>
-            </a:pPr>
-            <a:endParaRPr sz="1350" b="0" i="0" u="none" strike="noStrike" cap="none">
-              <a:solidFill>
-                <a:schemeClr val="lt1"/>
-              </a:solidFill>
-              <a:latin typeface="Arial" panose="020B0604020202020204"/>
-              <a:ea typeface="Arial" panose="020B0604020202020204"/>
-              <a:cs typeface="Arial" panose="020B0604020202020204"/>
-              <a:sym typeface="Arial" panose="020B0604020202020204"/>
-            </a:endParaRPr>
-          </a:p>
-        </p:txBody>
-      </p:sp>
-      <p:sp>
-        <p:nvSpPr>
-          <p:cNvPr id="12" name="Google Shape;620;p43">
-            <a:extLst>
-              <a:ext uri="{FF2B5EF4-FFF2-40B4-BE49-F238E27FC236}">
-                <a16:creationId xmlns:a16="http://schemas.microsoft.com/office/drawing/2014/main" id="{00250C70-2A15-9847-ADD3-A72114DF84A0}"/>
-              </a:ext>
-            </a:extLst>
-          </p:cNvPr>
-          <p:cNvSpPr/>
-          <p:nvPr/>
-        </p:nvSpPr>
-        <p:spPr>
-          <a:xfrm>
-            <a:off x="827727" y="2073987"/>
-            <a:ext cx="1163303" cy="1832645"/>
-          </a:xfrm>
-          <a:prstGeom prst="rect">
-            <a:avLst/>
-          </a:prstGeom>
-          <a:solidFill>
-            <a:srgbClr val="0A0457"/>
-          </a:solidFill>
-          <a:ln w="25400" cap="flat" cmpd="sng">
-            <a:solidFill>
-              <a:srgbClr val="0A0457"/>
-            </a:solidFill>
-            <a:prstDash val="solid"/>
-            <a:round/>
-            <a:headEnd type="none" w="sm" len="sm"/>
-            <a:tailEnd type="none" w="sm" len="sm"/>
-          </a:ln>
-        </p:spPr>
-        <p:txBody>
-          <a:bodyPr spcFirstLastPara="1" wrap="square" lIns="68575" tIns="34275" rIns="68575" bIns="34275" anchor="ctr" anchorCtr="0">
-            <a:noAutofit/>
-          </a:bodyPr>
-          <a:lstStyle/>
-          <a:p>
-            <a:pPr marL="0" marR="0" lvl="0" indent="0" algn="ctr" rtl="0">
-              <a:lnSpc>
-                <a:spcPct val="100000"/>
-              </a:lnSpc>
-              <a:spcBef>
-                <a:spcPts val="0"/>
-              </a:spcBef>
-              <a:spcAft>
-                <a:spcPts val="0"/>
-              </a:spcAft>
-              <a:buNone/>
-            </a:pPr>
-            <a:endParaRPr sz="1350" b="0" i="0" u="none" strike="noStrike" cap="none">
-              <a:solidFill>
-                <a:schemeClr val="lt1"/>
-              </a:solidFill>
-              <a:latin typeface="Arial" panose="020B0604020202020204"/>
-              <a:ea typeface="Arial" panose="020B0604020202020204"/>
-              <a:cs typeface="Arial" panose="020B0604020202020204"/>
-              <a:sym typeface="Arial" panose="020B0604020202020204"/>
-            </a:endParaRPr>
-          </a:p>
-        </p:txBody>
-      </p:sp>
-      <p:sp>
-        <p:nvSpPr>
-          <p:cNvPr id="13" name="Google Shape;621;p43">
-            <a:extLst>
-              <a:ext uri="{FF2B5EF4-FFF2-40B4-BE49-F238E27FC236}">
-                <a16:creationId xmlns:a16="http://schemas.microsoft.com/office/drawing/2014/main" id="{116B17C8-FC9E-2C4A-9FA7-A7F05AA1EA5A}"/>
+                <a16:creationId xmlns:a16="http://schemas.microsoft.com/office/drawing/2014/main" id="{BA2FBAAE-AFB2-1346-8320-508A501E3AE2}"/>
               </a:ext>
             </a:extLst>
           </p:cNvPr>
@@ -17771,301 +17629,34 @@
         </p:nvSpPr>
         <p:spPr>
           <a:xfrm>
-            <a:off x="856923" y="2048490"/>
-            <a:ext cx="710400" cy="230700"/>
+            <a:off x="352728" y="1362180"/>
+            <a:ext cx="4898245" cy="307777"/>
           </a:xfrm>
           <a:prstGeom prst="rect">
             <a:avLst/>
           </a:prstGeom>
           <a:noFill/>
-          <a:ln>
-            <a:noFill/>
-          </a:ln>
         </p:spPr>
         <p:txBody>
-          <a:bodyPr spcFirstLastPara="1" wrap="square" lIns="91425" tIns="45700" rIns="91425" bIns="45700" anchor="t" anchorCtr="0">
-            <a:noAutofit/>
+          <a:bodyPr wrap="square" rtlCol="0">
+            <a:spAutoFit/>
           </a:bodyPr>
           <a:lstStyle/>
           <a:p>
-            <a:pPr marL="0" marR="0" lvl="0" indent="0" algn="l" rtl="0">
-              <a:lnSpc>
-                <a:spcPct val="100000"/>
-              </a:lnSpc>
-              <a:spcBef>
-                <a:spcPts val="0"/>
-              </a:spcBef>
-              <a:spcAft>
-                <a:spcPts val="0"/>
-              </a:spcAft>
-              <a:buNone/>
-            </a:pPr>
             <a:r>
-              <a:rPr lang="en-US" sz="900" b="0" i="0" u="none" strike="noStrike" cap="none">
-                <a:solidFill>
-                  <a:schemeClr val="lt1"/>
-                </a:solidFill>
-                <a:latin typeface="Arial" panose="020B0604020202020204"/>
-                <a:ea typeface="Arial" panose="020B0604020202020204"/>
-                <a:cs typeface="Arial" panose="020B0604020202020204"/>
-                <a:sym typeface="Arial" panose="020B0604020202020204"/>
-              </a:rPr>
-              <a:t>trClient</a:t>
+              <a:rPr kumimoji="1" lang="zh-CN" altLang="en-US"/>
+              <a:t>问题：客户端如何才能访问到每个服务</a:t>
             </a:r>
-            <a:endParaRPr sz="1350" b="0" i="0" u="none" strike="noStrike" cap="none">
-              <a:solidFill>
-                <a:schemeClr val="lt1"/>
-              </a:solidFill>
-              <a:latin typeface="Arial" panose="020B0604020202020204"/>
-              <a:ea typeface="Arial" panose="020B0604020202020204"/>
-              <a:cs typeface="Arial" panose="020B0604020202020204"/>
-              <a:sym typeface="Arial" panose="020B0604020202020204"/>
-            </a:endParaRPr>
+            <a:endParaRPr kumimoji="1" lang="en-US" altLang="zh-CN"/>
           </a:p>
         </p:txBody>
       </p:sp>
       <p:sp>
         <p:nvSpPr>
-          <p:cNvPr id="14" name="Google Shape;622;p43">
+          <p:cNvPr id="13" name="TextBox 12">
             <a:extLst>
               <a:ext uri="{FF2B5EF4-FFF2-40B4-BE49-F238E27FC236}">
-                <a16:creationId xmlns:a16="http://schemas.microsoft.com/office/drawing/2014/main" id="{FE757732-D8C0-4D4F-8131-0DAEB1AB37D7}"/>
-              </a:ext>
-            </a:extLst>
-          </p:cNvPr>
-          <p:cNvSpPr/>
-          <p:nvPr/>
-        </p:nvSpPr>
-        <p:spPr>
-          <a:xfrm>
-            <a:off x="638470" y="1512108"/>
-            <a:ext cx="1544067" cy="196751"/>
-          </a:xfrm>
-          <a:prstGeom prst="rect">
-            <a:avLst/>
-          </a:prstGeom>
-          <a:solidFill>
-            <a:srgbClr val="FF0089"/>
-          </a:solidFill>
-          <a:ln w="25400" cap="flat" cmpd="sng">
-            <a:solidFill>
-              <a:srgbClr val="0A0457"/>
-            </a:solidFill>
-            <a:prstDash val="solid"/>
-            <a:round/>
-            <a:headEnd type="none" w="sm" len="sm"/>
-            <a:tailEnd type="none" w="sm" len="sm"/>
-          </a:ln>
-        </p:spPr>
-        <p:txBody>
-          <a:bodyPr spcFirstLastPara="1" wrap="square" lIns="68575" tIns="34275" rIns="68575" bIns="34275" anchor="ctr" anchorCtr="0">
-            <a:noAutofit/>
-          </a:bodyPr>
-          <a:lstStyle/>
-          <a:p>
-            <a:pPr marL="0" marR="0" lvl="0" indent="0" algn="ctr" rtl="0">
-              <a:lnSpc>
-                <a:spcPct val="100000"/>
-              </a:lnSpc>
-              <a:spcBef>
-                <a:spcPts val="0"/>
-              </a:spcBef>
-              <a:spcAft>
-                <a:spcPts val="0"/>
-              </a:spcAft>
-              <a:buNone/>
-            </a:pPr>
-            <a:r>
-              <a:rPr lang="en-US" sz="1350" b="0" i="0" u="none" strike="noStrike" cap="none">
-                <a:solidFill>
-                  <a:schemeClr val="dk1"/>
-                </a:solidFill>
-                <a:latin typeface="Arial" panose="020B0604020202020204"/>
-                <a:ea typeface="Arial" panose="020B0604020202020204"/>
-                <a:cs typeface="Arial" panose="020B0604020202020204"/>
-                <a:sym typeface="Arial" panose="020B0604020202020204"/>
-              </a:rPr>
-              <a:t>Call</a:t>
-            </a:r>
-            <a:endParaRPr sz="1350" b="0" i="0" u="none" strike="noStrike" cap="none">
-              <a:solidFill>
-                <a:schemeClr val="dk1"/>
-              </a:solidFill>
-              <a:latin typeface="Arial" panose="020B0604020202020204"/>
-              <a:ea typeface="Arial" panose="020B0604020202020204"/>
-              <a:cs typeface="Arial" panose="020B0604020202020204"/>
-              <a:sym typeface="Arial" panose="020B0604020202020204"/>
-            </a:endParaRPr>
-          </a:p>
-        </p:txBody>
-      </p:sp>
-      <p:cxnSp>
-        <p:nvCxnSpPr>
-          <p:cNvPr id="15" name="Google Shape;623;p43">
-            <a:extLst>
-              <a:ext uri="{FF2B5EF4-FFF2-40B4-BE49-F238E27FC236}">
-                <a16:creationId xmlns:a16="http://schemas.microsoft.com/office/drawing/2014/main" id="{8FA82D3D-C075-3149-99D9-037EDEE3FF96}"/>
-              </a:ext>
-            </a:extLst>
-          </p:cNvPr>
-          <p:cNvCxnSpPr>
-            <a:stCxn id="14" idx="3"/>
-            <a:endCxn id="10" idx="1"/>
-          </p:cNvCxnSpPr>
-          <p:nvPr/>
-        </p:nvCxnSpPr>
-        <p:spPr>
-          <a:xfrm>
-            <a:off x="2182537" y="1610483"/>
-            <a:ext cx="710400" cy="4200"/>
-          </a:xfrm>
-          <a:prstGeom prst="straightConnector1">
-            <a:avLst/>
-          </a:prstGeom>
-          <a:noFill/>
-          <a:ln w="9525" cap="flat" cmpd="sng">
-            <a:solidFill>
-              <a:srgbClr val="EE6800"/>
-            </a:solidFill>
-            <a:prstDash val="solid"/>
-            <a:round/>
-            <a:headEnd type="none" w="sm" len="sm"/>
-            <a:tailEnd type="triangle" w="med" len="med"/>
-          </a:ln>
-        </p:spPr>
-      </p:cxnSp>
-      <p:sp>
-        <p:nvSpPr>
-          <p:cNvPr id="16" name="Google Shape;624;p43">
-            <a:extLst>
-              <a:ext uri="{FF2B5EF4-FFF2-40B4-BE49-F238E27FC236}">
-                <a16:creationId xmlns:a16="http://schemas.microsoft.com/office/drawing/2014/main" id="{8B1388B5-78A7-5947-8B61-82FE4E7B1BEC}"/>
-              </a:ext>
-            </a:extLst>
-          </p:cNvPr>
-          <p:cNvSpPr/>
-          <p:nvPr/>
-        </p:nvSpPr>
-        <p:spPr>
-          <a:xfrm>
-            <a:off x="2892946" y="1823957"/>
-            <a:ext cx="1353225" cy="2230407"/>
-          </a:xfrm>
-          <a:prstGeom prst="rect">
-            <a:avLst/>
-          </a:prstGeom>
-          <a:solidFill>
-            <a:srgbClr val="FF0089"/>
-          </a:solidFill>
-          <a:ln w="25400" cap="flat" cmpd="sng">
-            <a:solidFill>
-              <a:srgbClr val="0A0457"/>
-            </a:solidFill>
-            <a:prstDash val="solid"/>
-            <a:round/>
-            <a:headEnd type="none" w="sm" len="sm"/>
-            <a:tailEnd type="none" w="sm" len="sm"/>
-          </a:ln>
-        </p:spPr>
-        <p:txBody>
-          <a:bodyPr spcFirstLastPara="1" wrap="square" lIns="68575" tIns="34275" rIns="68575" bIns="34275" anchor="ctr" anchorCtr="0">
-            <a:noAutofit/>
-          </a:bodyPr>
-          <a:lstStyle/>
-          <a:p>
-            <a:pPr marL="0" marR="0" lvl="0" indent="0" algn="ctr" rtl="0">
-              <a:lnSpc>
-                <a:spcPct val="100000"/>
-              </a:lnSpc>
-              <a:spcBef>
-                <a:spcPts val="0"/>
-              </a:spcBef>
-              <a:spcAft>
-                <a:spcPts val="0"/>
-              </a:spcAft>
-              <a:buNone/>
-            </a:pPr>
-            <a:endParaRPr sz="1350" b="0" i="0" u="none" strike="noStrike" cap="none">
-              <a:solidFill>
-                <a:schemeClr val="dk1"/>
-              </a:solidFill>
-              <a:latin typeface="Arial" panose="020B0604020202020204"/>
-              <a:ea typeface="Arial" panose="020B0604020202020204"/>
-              <a:cs typeface="Arial" panose="020B0604020202020204"/>
-              <a:sym typeface="Arial" panose="020B0604020202020204"/>
-            </a:endParaRPr>
-          </a:p>
-        </p:txBody>
-      </p:sp>
-      <p:sp>
-        <p:nvSpPr>
-          <p:cNvPr id="17" name="Google Shape;625;p43">
-            <a:extLst>
-              <a:ext uri="{FF2B5EF4-FFF2-40B4-BE49-F238E27FC236}">
-                <a16:creationId xmlns:a16="http://schemas.microsoft.com/office/drawing/2014/main" id="{CA86BDB9-E068-E148-BB23-6DB086C36EA0}"/>
-              </a:ext>
-            </a:extLst>
-          </p:cNvPr>
-          <p:cNvSpPr/>
-          <p:nvPr/>
-        </p:nvSpPr>
-        <p:spPr>
-          <a:xfrm>
-            <a:off x="2990632" y="2089171"/>
-            <a:ext cx="1139576" cy="1817461"/>
-          </a:xfrm>
-          <a:prstGeom prst="rect">
-            <a:avLst/>
-          </a:prstGeom>
-          <a:solidFill>
-            <a:srgbClr val="0A0457"/>
-          </a:solidFill>
-          <a:ln w="25400" cap="flat" cmpd="sng">
-            <a:solidFill>
-              <a:srgbClr val="0A0457"/>
-            </a:solidFill>
-            <a:prstDash val="solid"/>
-            <a:round/>
-            <a:headEnd type="none" w="sm" len="sm"/>
-            <a:tailEnd type="none" w="sm" len="sm"/>
-          </a:ln>
-        </p:spPr>
-        <p:txBody>
-          <a:bodyPr spcFirstLastPara="1" wrap="square" lIns="68575" tIns="34275" rIns="68575" bIns="34275" anchor="ctr" anchorCtr="0">
-            <a:noAutofit/>
-          </a:bodyPr>
-          <a:lstStyle/>
-          <a:p>
-            <a:pPr marL="0" marR="0" lvl="0" indent="0" algn="ctr" rtl="0">
-              <a:lnSpc>
-                <a:spcPct val="100000"/>
-              </a:lnSpc>
-              <a:spcBef>
-                <a:spcPts val="0"/>
-              </a:spcBef>
-              <a:spcAft>
-                <a:spcPts val="0"/>
-              </a:spcAft>
-              <a:buNone/>
-            </a:pPr>
-            <a:endParaRPr sz="1350" b="0" i="0" u="none" strike="noStrike" cap="none">
-              <a:solidFill>
-                <a:schemeClr val="lt1"/>
-              </a:solidFill>
-              <a:latin typeface="Arial" panose="020B0604020202020204"/>
-              <a:ea typeface="Arial" panose="020B0604020202020204"/>
-              <a:cs typeface="Arial" panose="020B0604020202020204"/>
-              <a:sym typeface="Arial" panose="020B0604020202020204"/>
-            </a:endParaRPr>
-          </a:p>
-        </p:txBody>
-      </p:sp>
-      <p:sp>
-        <p:nvSpPr>
-          <p:cNvPr id="18" name="Google Shape;626;p43">
-            <a:extLst>
-              <a:ext uri="{FF2B5EF4-FFF2-40B4-BE49-F238E27FC236}">
-                <a16:creationId xmlns:a16="http://schemas.microsoft.com/office/drawing/2014/main" id="{DE423EC7-CE10-8F4F-A7E2-9456F5353AEA}"/>
+                <a16:creationId xmlns:a16="http://schemas.microsoft.com/office/drawing/2014/main" id="{9BAEB65E-793B-4C43-9F98-B9CD90011228}"/>
               </a:ext>
             </a:extLst>
           </p:cNvPr>
@@ -18074,1012 +17665,90 @@
         </p:nvSpPr>
         <p:spPr>
           <a:xfrm>
-            <a:off x="3002070" y="2073990"/>
-            <a:ext cx="710400" cy="230700"/>
+            <a:off x="442332" y="3024999"/>
+            <a:ext cx="4898245" cy="954107"/>
           </a:xfrm>
           <a:prstGeom prst="rect">
             <a:avLst/>
           </a:prstGeom>
           <a:noFill/>
-          <a:ln>
-            <a:noFill/>
-          </a:ln>
         </p:spPr>
         <p:txBody>
-          <a:bodyPr spcFirstLastPara="1" wrap="square" lIns="91425" tIns="45700" rIns="91425" bIns="45700" anchor="t" anchorCtr="0">
-            <a:noAutofit/>
+          <a:bodyPr wrap="square" rtlCol="0">
+            <a:spAutoFit/>
           </a:bodyPr>
           <a:lstStyle/>
           <a:p>
-            <a:pPr marL="0" marR="0" lvl="0" indent="0" algn="l" rtl="0">
-              <a:lnSpc>
-                <a:spcPct val="100000"/>
-              </a:lnSpc>
-              <a:spcBef>
-                <a:spcPts val="0"/>
-              </a:spcBef>
-              <a:spcAft>
-                <a:spcPts val="0"/>
-              </a:spcAft>
-              <a:buNone/>
-            </a:pPr>
             <a:r>
-              <a:rPr lang="en-US" sz="900" b="0" i="0" u="none" strike="noStrike" cap="none">
-                <a:solidFill>
-                  <a:schemeClr val="lt1"/>
-                </a:solidFill>
-                <a:latin typeface="Arial" panose="020B0604020202020204"/>
-                <a:ea typeface="Arial" panose="020B0604020202020204"/>
-                <a:cs typeface="Arial" panose="020B0604020202020204"/>
-                <a:sym typeface="Arial" panose="020B0604020202020204"/>
-              </a:rPr>
-              <a:t>Listener</a:t>
+              <a:rPr kumimoji="1" lang="en-US" altLang="zh-CN" baseline="-25000"/>
+              <a:t>1.</a:t>
             </a:r>
-            <a:endParaRPr sz="1350" b="0" i="0" u="none" strike="noStrike" cap="none">
-              <a:solidFill>
-                <a:schemeClr val="lt1"/>
-              </a:solidFill>
-              <a:latin typeface="Arial" panose="020B0604020202020204"/>
-              <a:ea typeface="Arial" panose="020B0604020202020204"/>
-              <a:cs typeface="Arial" panose="020B0604020202020204"/>
-              <a:sym typeface="Arial" panose="020B0604020202020204"/>
-            </a:endParaRPr>
+            <a:r>
+              <a:rPr kumimoji="1" lang="zh-CN" altLang="en-US" baseline="-25000"/>
+              <a:t> 商品服务</a:t>
+            </a:r>
+            <a:endParaRPr kumimoji="1" lang="en-US" altLang="zh-CN" baseline="-25000"/>
+          </a:p>
+          <a:p>
+            <a:r>
+              <a:rPr kumimoji="1" lang="en-US" altLang="zh-CN" baseline="-25000"/>
+              <a:t>2.</a:t>
+            </a:r>
+            <a:r>
+              <a:rPr kumimoji="1" lang="zh-CN" altLang="en-US" baseline="-25000"/>
+              <a:t> 价格服务</a:t>
+            </a:r>
+          </a:p>
+          <a:p>
+            <a:r>
+              <a:rPr kumimoji="1" lang="en-US" altLang="zh-CN" baseline="-25000"/>
+              <a:t>3.</a:t>
+            </a:r>
+            <a:r>
+              <a:rPr kumimoji="1" lang="zh-CN" altLang="en-US" baseline="-25000"/>
+              <a:t> 订单服务</a:t>
+            </a:r>
+          </a:p>
+          <a:p>
+            <a:r>
+              <a:rPr kumimoji="1" lang="en-US" altLang="zh-CN" baseline="-25000"/>
+              <a:t>4.</a:t>
+            </a:r>
+            <a:r>
+              <a:rPr kumimoji="1" lang="zh-CN" altLang="en-US" baseline="-25000"/>
+              <a:t> 库存服务</a:t>
+            </a:r>
+          </a:p>
+          <a:p>
+            <a:r>
+              <a:rPr kumimoji="1" lang="en-US" altLang="zh-CN" baseline="-25000"/>
+              <a:t>5.</a:t>
+            </a:r>
+            <a:r>
+              <a:rPr kumimoji="1" lang="zh-CN" altLang="en-US" baseline="-25000"/>
+              <a:t> 客户服务</a:t>
+            </a:r>
+          </a:p>
+          <a:p>
+            <a:r>
+              <a:rPr kumimoji="1" lang="en-US" altLang="zh-CN" baseline="-25000"/>
+              <a:t>6.</a:t>
+            </a:r>
+            <a:r>
+              <a:rPr kumimoji="1" lang="zh-CN" altLang="en-US" baseline="-25000"/>
+              <a:t> 评价服务</a:t>
+            </a:r>
+            <a:r>
+              <a:rPr kumimoji="1" lang="en-US" altLang="zh-CN" baseline="-25000"/>
+              <a:t>...</a:t>
+            </a:r>
           </a:p>
         </p:txBody>
       </p:sp>
-      <p:sp>
-        <p:nvSpPr>
-          <p:cNvPr id="19" name="Google Shape;627;p43">
-            <a:extLst>
-              <a:ext uri="{FF2B5EF4-FFF2-40B4-BE49-F238E27FC236}">
-                <a16:creationId xmlns:a16="http://schemas.microsoft.com/office/drawing/2014/main" id="{0F016D52-2AA2-AF4C-BB42-8FAE191F7C47}"/>
-              </a:ext>
-            </a:extLst>
-          </p:cNvPr>
-          <p:cNvSpPr/>
-          <p:nvPr/>
-        </p:nvSpPr>
-        <p:spPr>
-          <a:xfrm>
-            <a:off x="3098900" y="2251452"/>
-            <a:ext cx="929062" cy="196751"/>
-          </a:xfrm>
-          <a:prstGeom prst="rect">
-            <a:avLst/>
-          </a:prstGeom>
-          <a:solidFill>
-            <a:srgbClr val="FF0089"/>
-          </a:solidFill>
-          <a:ln w="25400" cap="flat" cmpd="sng">
-            <a:solidFill>
-              <a:srgbClr val="0A0457"/>
-            </a:solidFill>
-            <a:prstDash val="solid"/>
-            <a:round/>
-            <a:headEnd type="none" w="sm" len="sm"/>
-            <a:tailEnd type="none" w="sm" len="sm"/>
-          </a:ln>
-        </p:spPr>
-        <p:txBody>
-          <a:bodyPr spcFirstLastPara="1" wrap="square" lIns="68575" tIns="34275" rIns="68575" bIns="34275" anchor="ctr" anchorCtr="0">
-            <a:noAutofit/>
-          </a:bodyPr>
-          <a:lstStyle/>
-          <a:p>
-            <a:pPr marL="0" marR="0" lvl="0" indent="0" algn="ctr" rtl="0">
-              <a:lnSpc>
-                <a:spcPct val="100000"/>
-              </a:lnSpc>
-              <a:spcBef>
-                <a:spcPts val="0"/>
-              </a:spcBef>
-              <a:spcAft>
-                <a:spcPts val="0"/>
-              </a:spcAft>
-              <a:buNone/>
-            </a:pPr>
-            <a:r>
-              <a:rPr lang="en-US" sz="1350" b="0" i="0" u="none" strike="noStrike" cap="none">
-                <a:solidFill>
-                  <a:schemeClr val="dk1"/>
-                </a:solidFill>
-                <a:latin typeface="Arial" panose="020B0604020202020204"/>
-                <a:ea typeface="Arial" panose="020B0604020202020204"/>
-                <a:cs typeface="Arial" panose="020B0604020202020204"/>
-                <a:sym typeface="Arial" panose="020B0604020202020204"/>
-              </a:rPr>
-              <a:t>Accept</a:t>
-            </a:r>
-            <a:endParaRPr sz="1350" b="0" i="0" u="none" strike="noStrike" cap="none">
-              <a:solidFill>
-                <a:schemeClr val="dk1"/>
-              </a:solidFill>
-              <a:latin typeface="Arial" panose="020B0604020202020204"/>
-              <a:ea typeface="Arial" panose="020B0604020202020204"/>
-              <a:cs typeface="Arial" panose="020B0604020202020204"/>
-              <a:sym typeface="Arial" panose="020B0604020202020204"/>
-            </a:endParaRPr>
-          </a:p>
-        </p:txBody>
-      </p:sp>
-      <p:sp>
-        <p:nvSpPr>
-          <p:cNvPr id="20" name="Google Shape;628;p43">
-            <a:extLst>
-              <a:ext uri="{FF2B5EF4-FFF2-40B4-BE49-F238E27FC236}">
-                <a16:creationId xmlns:a16="http://schemas.microsoft.com/office/drawing/2014/main" id="{FDB22B51-0D59-104D-91C2-76AD8FA109E9}"/>
-              </a:ext>
-            </a:extLst>
-          </p:cNvPr>
-          <p:cNvSpPr/>
-          <p:nvPr/>
-        </p:nvSpPr>
-        <p:spPr>
-          <a:xfrm>
-            <a:off x="3098900" y="2554904"/>
-            <a:ext cx="929063" cy="1207846"/>
-          </a:xfrm>
-          <a:prstGeom prst="rect">
-            <a:avLst/>
-          </a:prstGeom>
-          <a:solidFill>
-            <a:srgbClr val="FF0089"/>
-          </a:solidFill>
-          <a:ln w="25400" cap="flat" cmpd="sng">
-            <a:solidFill>
-              <a:srgbClr val="0A0457"/>
-            </a:solidFill>
-            <a:prstDash val="solid"/>
-            <a:round/>
-            <a:headEnd type="none" w="sm" len="sm"/>
-            <a:tailEnd type="none" w="sm" len="sm"/>
-          </a:ln>
-        </p:spPr>
-        <p:txBody>
-          <a:bodyPr spcFirstLastPara="1" wrap="square" lIns="68575" tIns="34275" rIns="68575" bIns="34275" anchor="ctr" anchorCtr="0">
-            <a:noAutofit/>
-          </a:bodyPr>
-          <a:lstStyle/>
-          <a:p>
-            <a:pPr marL="0" marR="0" lvl="0" indent="0" algn="ctr" rtl="0">
-              <a:lnSpc>
-                <a:spcPct val="100000"/>
-              </a:lnSpc>
-              <a:spcBef>
-                <a:spcPts val="0"/>
-              </a:spcBef>
-              <a:spcAft>
-                <a:spcPts val="0"/>
-              </a:spcAft>
-              <a:buNone/>
-            </a:pPr>
-            <a:endParaRPr sz="1350" b="0" i="0" u="none" strike="noStrike" cap="none">
-              <a:solidFill>
-                <a:schemeClr val="lt1"/>
-              </a:solidFill>
-              <a:latin typeface="Arial" panose="020B0604020202020204"/>
-              <a:ea typeface="Arial" panose="020B0604020202020204"/>
-              <a:cs typeface="Arial" panose="020B0604020202020204"/>
-              <a:sym typeface="Arial" panose="020B0604020202020204"/>
-            </a:endParaRPr>
-          </a:p>
-        </p:txBody>
-      </p:sp>
-      <p:sp>
-        <p:nvSpPr>
-          <p:cNvPr id="21" name="Google Shape;629;p43">
-            <a:extLst>
-              <a:ext uri="{FF2B5EF4-FFF2-40B4-BE49-F238E27FC236}">
-                <a16:creationId xmlns:a16="http://schemas.microsoft.com/office/drawing/2014/main" id="{25F6FA09-3279-B840-9618-2A54460EAAA7}"/>
-              </a:ext>
-            </a:extLst>
-          </p:cNvPr>
-          <p:cNvSpPr txBox="1"/>
-          <p:nvPr/>
-        </p:nvSpPr>
-        <p:spPr>
-          <a:xfrm>
-            <a:off x="3114098" y="2592240"/>
-            <a:ext cx="710400" cy="231000"/>
-          </a:xfrm>
-          <a:prstGeom prst="rect">
-            <a:avLst/>
-          </a:prstGeom>
-          <a:noFill/>
-          <a:ln>
-            <a:noFill/>
-          </a:ln>
-        </p:spPr>
-        <p:txBody>
-          <a:bodyPr spcFirstLastPara="1" wrap="square" lIns="91425" tIns="45700" rIns="91425" bIns="45700" anchor="t" anchorCtr="0">
-            <a:noAutofit/>
-          </a:bodyPr>
-          <a:lstStyle/>
-          <a:p>
-            <a:pPr marL="0" marR="0" lvl="0" indent="0" algn="l" rtl="0">
-              <a:lnSpc>
-                <a:spcPct val="100000"/>
-              </a:lnSpc>
-              <a:spcBef>
-                <a:spcPts val="0"/>
-              </a:spcBef>
-              <a:spcAft>
-                <a:spcPts val="0"/>
-              </a:spcAft>
-              <a:buNone/>
-            </a:pPr>
-            <a:r>
-              <a:rPr lang="en-US" sz="900" b="0" i="0" u="none" strike="noStrike" cap="none">
-                <a:solidFill>
-                  <a:srgbClr val="000000"/>
-                </a:solidFill>
-                <a:latin typeface="Arial" panose="020B0604020202020204"/>
-                <a:ea typeface="Arial" panose="020B0604020202020204"/>
-                <a:cs typeface="Arial" panose="020B0604020202020204"/>
-                <a:sym typeface="Arial" panose="020B0604020202020204"/>
-              </a:rPr>
-              <a:t>trSocket</a:t>
-            </a:r>
-            <a:endParaRPr sz="1350" b="0" i="0" u="none" strike="noStrike" cap="none">
-              <a:solidFill>
-                <a:srgbClr val="000000"/>
-              </a:solidFill>
-              <a:latin typeface="Arial" panose="020B0604020202020204"/>
-              <a:ea typeface="Arial" panose="020B0604020202020204"/>
-              <a:cs typeface="Arial" panose="020B0604020202020204"/>
-              <a:sym typeface="Arial" panose="020B0604020202020204"/>
-            </a:endParaRPr>
-          </a:p>
-        </p:txBody>
-      </p:sp>
-      <p:sp>
-        <p:nvSpPr>
-          <p:cNvPr id="22" name="Google Shape;630;p43">
-            <a:extLst>
-              <a:ext uri="{FF2B5EF4-FFF2-40B4-BE49-F238E27FC236}">
-                <a16:creationId xmlns:a16="http://schemas.microsoft.com/office/drawing/2014/main" id="{448D8A47-2B8D-0849-8FFA-DAEAA39EB735}"/>
-              </a:ext>
-            </a:extLst>
-          </p:cNvPr>
-          <p:cNvSpPr/>
-          <p:nvPr/>
-        </p:nvSpPr>
-        <p:spPr>
-          <a:xfrm>
-            <a:off x="3229686" y="3080247"/>
-            <a:ext cx="631877" cy="196751"/>
-          </a:xfrm>
-          <a:prstGeom prst="rect">
-            <a:avLst/>
-          </a:prstGeom>
-          <a:solidFill>
-            <a:srgbClr val="0A0457"/>
-          </a:solidFill>
-          <a:ln w="25400" cap="flat" cmpd="sng">
-            <a:solidFill>
-              <a:srgbClr val="0A0457"/>
-            </a:solidFill>
-            <a:prstDash val="solid"/>
-            <a:round/>
-            <a:headEnd type="none" w="sm" len="sm"/>
-            <a:tailEnd type="none" w="sm" len="sm"/>
-          </a:ln>
-        </p:spPr>
-        <p:txBody>
-          <a:bodyPr spcFirstLastPara="1" wrap="square" lIns="68575" tIns="34275" rIns="68575" bIns="34275" anchor="ctr" anchorCtr="0">
-            <a:noAutofit/>
-          </a:bodyPr>
-          <a:lstStyle/>
-          <a:p>
-            <a:pPr marL="0" marR="0" lvl="0" indent="0" algn="ctr" rtl="0">
-              <a:lnSpc>
-                <a:spcPct val="100000"/>
-              </a:lnSpc>
-              <a:spcBef>
-                <a:spcPts val="0"/>
-              </a:spcBef>
-              <a:spcAft>
-                <a:spcPts val="0"/>
-              </a:spcAft>
-              <a:buNone/>
-            </a:pPr>
-            <a:r>
-              <a:rPr lang="en-US" sz="1350" b="0" i="0" u="none" strike="noStrike" cap="none">
-                <a:solidFill>
-                  <a:schemeClr val="dk1"/>
-                </a:solidFill>
-                <a:latin typeface="Arial" panose="020B0604020202020204"/>
-                <a:ea typeface="Arial" panose="020B0604020202020204"/>
-                <a:cs typeface="Arial" panose="020B0604020202020204"/>
-                <a:sym typeface="Arial" panose="020B0604020202020204"/>
-              </a:rPr>
-              <a:t>Rcv</a:t>
-            </a:r>
-            <a:endParaRPr sz="1350" b="0" i="0" u="none" strike="noStrike" cap="none">
-              <a:solidFill>
-                <a:schemeClr val="dk1"/>
-              </a:solidFill>
-              <a:latin typeface="Arial" panose="020B0604020202020204"/>
-              <a:ea typeface="Arial" panose="020B0604020202020204"/>
-              <a:cs typeface="Arial" panose="020B0604020202020204"/>
-              <a:sym typeface="Arial" panose="020B0604020202020204"/>
-            </a:endParaRPr>
-          </a:p>
-        </p:txBody>
-      </p:sp>
-      <p:sp>
-        <p:nvSpPr>
-          <p:cNvPr id="23" name="Google Shape;631;p43">
-            <a:extLst>
-              <a:ext uri="{FF2B5EF4-FFF2-40B4-BE49-F238E27FC236}">
-                <a16:creationId xmlns:a16="http://schemas.microsoft.com/office/drawing/2014/main" id="{AF36011F-73A8-8B47-859D-289A364DDDBB}"/>
-              </a:ext>
-            </a:extLst>
-          </p:cNvPr>
-          <p:cNvSpPr/>
-          <p:nvPr/>
-        </p:nvSpPr>
-        <p:spPr>
-          <a:xfrm>
-            <a:off x="3222026" y="3364683"/>
-            <a:ext cx="631877" cy="196751"/>
-          </a:xfrm>
-          <a:prstGeom prst="rect">
-            <a:avLst/>
-          </a:prstGeom>
-          <a:solidFill>
-            <a:srgbClr val="0A0457"/>
-          </a:solidFill>
-          <a:ln w="25400" cap="flat" cmpd="sng">
-            <a:solidFill>
-              <a:srgbClr val="0A0457"/>
-            </a:solidFill>
-            <a:prstDash val="solid"/>
-            <a:round/>
-            <a:headEnd type="none" w="sm" len="sm"/>
-            <a:tailEnd type="none" w="sm" len="sm"/>
-          </a:ln>
-        </p:spPr>
-        <p:txBody>
-          <a:bodyPr spcFirstLastPara="1" wrap="square" lIns="68575" tIns="34275" rIns="68575" bIns="34275" anchor="ctr" anchorCtr="0">
-            <a:noAutofit/>
-          </a:bodyPr>
-          <a:lstStyle/>
-          <a:p>
-            <a:pPr marL="0" marR="0" lvl="0" indent="0" algn="ctr" rtl="0">
-              <a:lnSpc>
-                <a:spcPct val="100000"/>
-              </a:lnSpc>
-              <a:spcBef>
-                <a:spcPts val="0"/>
-              </a:spcBef>
-              <a:spcAft>
-                <a:spcPts val="0"/>
-              </a:spcAft>
-              <a:buNone/>
-            </a:pPr>
-            <a:r>
-              <a:rPr lang="en-US" sz="1350" b="0" i="0" u="none" strike="noStrike" cap="none">
-                <a:solidFill>
-                  <a:schemeClr val="dk1"/>
-                </a:solidFill>
-                <a:latin typeface="Arial" panose="020B0604020202020204"/>
-                <a:ea typeface="Arial" panose="020B0604020202020204"/>
-                <a:cs typeface="Arial" panose="020B0604020202020204"/>
-                <a:sym typeface="Arial" panose="020B0604020202020204"/>
-              </a:rPr>
-              <a:t>Send</a:t>
-            </a:r>
-            <a:endParaRPr sz="1350" b="0" i="0" u="none" strike="noStrike" cap="none">
-              <a:solidFill>
-                <a:schemeClr val="dk1"/>
-              </a:solidFill>
-              <a:latin typeface="Arial" panose="020B0604020202020204"/>
-              <a:ea typeface="Arial" panose="020B0604020202020204"/>
-              <a:cs typeface="Arial" panose="020B0604020202020204"/>
-              <a:sym typeface="Arial" panose="020B0604020202020204"/>
-            </a:endParaRPr>
-          </a:p>
-        </p:txBody>
-      </p:sp>
-      <p:sp>
-        <p:nvSpPr>
-          <p:cNvPr id="24" name="Google Shape;632;p43">
-            <a:extLst>
-              <a:ext uri="{FF2B5EF4-FFF2-40B4-BE49-F238E27FC236}">
-                <a16:creationId xmlns:a16="http://schemas.microsoft.com/office/drawing/2014/main" id="{CA7EA446-3537-194A-AE91-2875DFAB3B05}"/>
-              </a:ext>
-            </a:extLst>
-          </p:cNvPr>
-          <p:cNvSpPr/>
-          <p:nvPr/>
-        </p:nvSpPr>
-        <p:spPr>
-          <a:xfrm>
-            <a:off x="2863794" y="1767690"/>
-            <a:ext cx="1139700" cy="300000"/>
-          </a:xfrm>
-          <a:prstGeom prst="rect">
-            <a:avLst/>
-          </a:prstGeom>
-          <a:noFill/>
-          <a:ln>
-            <a:noFill/>
-          </a:ln>
-        </p:spPr>
-        <p:txBody>
-          <a:bodyPr spcFirstLastPara="1" wrap="square" lIns="91425" tIns="45700" rIns="91425" bIns="45700" anchor="t" anchorCtr="0">
-            <a:noAutofit/>
-          </a:bodyPr>
-          <a:lstStyle/>
-          <a:p>
-            <a:pPr marL="0" marR="0" lvl="0" indent="0" algn="l" rtl="0">
-              <a:lnSpc>
-                <a:spcPct val="100000"/>
-              </a:lnSpc>
-              <a:spcBef>
-                <a:spcPts val="0"/>
-              </a:spcBef>
-              <a:spcAft>
-                <a:spcPts val="0"/>
-              </a:spcAft>
-              <a:buNone/>
-            </a:pPr>
-            <a:r>
-              <a:rPr lang="en-US" sz="1350" b="0" i="0" u="none" strike="noStrike" cap="none">
-                <a:solidFill>
-                  <a:srgbClr val="000000"/>
-                </a:solidFill>
-                <a:latin typeface="Arial" panose="020B0604020202020204"/>
-                <a:ea typeface="Arial" panose="020B0604020202020204"/>
-                <a:cs typeface="Arial" panose="020B0604020202020204"/>
-                <a:sym typeface="Arial" panose="020B0604020202020204"/>
-              </a:rPr>
-              <a:t>Transport</a:t>
-            </a:r>
-            <a:endParaRPr sz="1350" b="0" i="0" u="none" strike="noStrike" cap="none">
-              <a:solidFill>
-                <a:srgbClr val="000000"/>
-              </a:solidFill>
-              <a:latin typeface="Arial" panose="020B0604020202020204"/>
-              <a:ea typeface="Arial" panose="020B0604020202020204"/>
-              <a:cs typeface="Arial" panose="020B0604020202020204"/>
-              <a:sym typeface="Arial" panose="020B0604020202020204"/>
-            </a:endParaRPr>
-          </a:p>
-        </p:txBody>
-      </p:sp>
-      <p:cxnSp>
-        <p:nvCxnSpPr>
-          <p:cNvPr id="25" name="Google Shape;633;p43">
-            <a:extLst>
-              <a:ext uri="{FF2B5EF4-FFF2-40B4-BE49-F238E27FC236}">
-                <a16:creationId xmlns:a16="http://schemas.microsoft.com/office/drawing/2014/main" id="{D0ABD2A9-DF5A-D346-9FBA-93D4F197B97A}"/>
-              </a:ext>
-            </a:extLst>
-          </p:cNvPr>
-          <p:cNvCxnSpPr>
-            <a:stCxn id="26" idx="3"/>
-            <a:endCxn id="19" idx="1"/>
-          </p:cNvCxnSpPr>
-          <p:nvPr/>
-        </p:nvCxnSpPr>
-        <p:spPr>
-          <a:xfrm rot="10800000" flipH="1">
-            <a:off x="1935079" y="2349708"/>
-            <a:ext cx="1163700" cy="3300"/>
-          </a:xfrm>
-          <a:prstGeom prst="straightConnector1">
-            <a:avLst/>
-          </a:prstGeom>
-          <a:noFill/>
-          <a:ln w="9525" cap="flat" cmpd="sng">
-            <a:solidFill>
-              <a:srgbClr val="EE6800"/>
-            </a:solidFill>
-            <a:prstDash val="solid"/>
-            <a:round/>
-            <a:headEnd type="none" w="sm" len="sm"/>
-            <a:tailEnd type="triangle" w="med" len="med"/>
-          </a:ln>
-        </p:spPr>
-      </p:cxnSp>
-      <p:sp>
-        <p:nvSpPr>
-          <p:cNvPr id="26" name="Google Shape;634;p43">
-            <a:extLst>
-              <a:ext uri="{FF2B5EF4-FFF2-40B4-BE49-F238E27FC236}">
-                <a16:creationId xmlns:a16="http://schemas.microsoft.com/office/drawing/2014/main" id="{E4E1A26A-ECB3-8D49-AF36-0206F633C69A}"/>
-              </a:ext>
-            </a:extLst>
-          </p:cNvPr>
-          <p:cNvSpPr/>
-          <p:nvPr/>
-        </p:nvSpPr>
-        <p:spPr>
-          <a:xfrm>
-            <a:off x="927070" y="2254633"/>
-            <a:ext cx="1008009" cy="196751"/>
-          </a:xfrm>
-          <a:prstGeom prst="rect">
-            <a:avLst/>
-          </a:prstGeom>
-          <a:solidFill>
-            <a:srgbClr val="FF0089"/>
-          </a:solidFill>
-          <a:ln w="25400" cap="flat" cmpd="sng">
-            <a:solidFill>
-              <a:srgbClr val="0A0457"/>
-            </a:solidFill>
-            <a:prstDash val="solid"/>
-            <a:round/>
-            <a:headEnd type="none" w="sm" len="sm"/>
-            <a:tailEnd type="none" w="sm" len="sm"/>
-          </a:ln>
-        </p:spPr>
-        <p:txBody>
-          <a:bodyPr spcFirstLastPara="1" wrap="square" lIns="68575" tIns="34275" rIns="68575" bIns="34275" anchor="ctr" anchorCtr="0">
-            <a:noAutofit/>
-          </a:bodyPr>
-          <a:lstStyle/>
-          <a:p>
-            <a:pPr marL="0" marR="0" lvl="0" indent="0" algn="ctr" rtl="0">
-              <a:lnSpc>
-                <a:spcPct val="100000"/>
-              </a:lnSpc>
-              <a:spcBef>
-                <a:spcPts val="0"/>
-              </a:spcBef>
-              <a:spcAft>
-                <a:spcPts val="0"/>
-              </a:spcAft>
-              <a:buNone/>
-            </a:pPr>
-            <a:r>
-              <a:rPr lang="en-US" sz="1350" b="0" i="0" u="none" strike="noStrike" cap="none">
-                <a:solidFill>
-                  <a:schemeClr val="dk1"/>
-                </a:solidFill>
-                <a:latin typeface="Arial" panose="020B0604020202020204"/>
-                <a:ea typeface="Arial" panose="020B0604020202020204"/>
-                <a:cs typeface="Arial" panose="020B0604020202020204"/>
-                <a:sym typeface="Arial" panose="020B0604020202020204"/>
-              </a:rPr>
-              <a:t>Dial</a:t>
-            </a:r>
-            <a:endParaRPr sz="1350" b="0" i="0" u="none" strike="noStrike" cap="none">
-              <a:solidFill>
-                <a:schemeClr val="dk1"/>
-              </a:solidFill>
-              <a:latin typeface="Arial" panose="020B0604020202020204"/>
-              <a:ea typeface="Arial" panose="020B0604020202020204"/>
-              <a:cs typeface="Arial" panose="020B0604020202020204"/>
-              <a:sym typeface="Arial" panose="020B0604020202020204"/>
-            </a:endParaRPr>
-          </a:p>
-        </p:txBody>
-      </p:sp>
-      <p:sp>
-        <p:nvSpPr>
-          <p:cNvPr id="27" name="Google Shape;635;p43">
-            <a:extLst>
-              <a:ext uri="{FF2B5EF4-FFF2-40B4-BE49-F238E27FC236}">
-                <a16:creationId xmlns:a16="http://schemas.microsoft.com/office/drawing/2014/main" id="{A7CB97D5-CB7E-4C45-9500-748E579F014F}"/>
-              </a:ext>
-            </a:extLst>
-          </p:cNvPr>
-          <p:cNvSpPr/>
-          <p:nvPr/>
-        </p:nvSpPr>
-        <p:spPr>
-          <a:xfrm>
-            <a:off x="638472" y="1787865"/>
-            <a:ext cx="1008000" cy="300000"/>
-          </a:xfrm>
-          <a:prstGeom prst="rect">
-            <a:avLst/>
-          </a:prstGeom>
-          <a:noFill/>
-          <a:ln>
-            <a:noFill/>
-          </a:ln>
-        </p:spPr>
-        <p:txBody>
-          <a:bodyPr spcFirstLastPara="1" wrap="square" lIns="91425" tIns="45700" rIns="91425" bIns="45700" anchor="t" anchorCtr="0">
-            <a:noAutofit/>
-          </a:bodyPr>
-          <a:lstStyle/>
-          <a:p>
-            <a:pPr marL="0" marR="0" lvl="0" indent="0" algn="l" rtl="0">
-              <a:lnSpc>
-                <a:spcPct val="100000"/>
-              </a:lnSpc>
-              <a:spcBef>
-                <a:spcPts val="0"/>
-              </a:spcBef>
-              <a:spcAft>
-                <a:spcPts val="0"/>
-              </a:spcAft>
-              <a:buNone/>
-            </a:pPr>
-            <a:r>
-              <a:rPr lang="en-US" sz="1350" b="0" i="0" u="none" strike="noStrike" cap="none">
-                <a:solidFill>
-                  <a:srgbClr val="000000"/>
-                </a:solidFill>
-                <a:latin typeface="Arial" panose="020B0604020202020204"/>
-                <a:ea typeface="Arial" panose="020B0604020202020204"/>
-                <a:cs typeface="Arial" panose="020B0604020202020204"/>
-                <a:sym typeface="Arial" panose="020B0604020202020204"/>
-              </a:rPr>
-              <a:t>Transport</a:t>
-            </a:r>
-            <a:endParaRPr sz="1350" b="0" i="0" u="none" strike="noStrike" cap="none">
-              <a:solidFill>
-                <a:srgbClr val="000000"/>
-              </a:solidFill>
-              <a:latin typeface="Arial" panose="020B0604020202020204"/>
-              <a:ea typeface="Arial" panose="020B0604020202020204"/>
-              <a:cs typeface="Arial" panose="020B0604020202020204"/>
-              <a:sym typeface="Arial" panose="020B0604020202020204"/>
-            </a:endParaRPr>
-          </a:p>
-        </p:txBody>
-      </p:sp>
-      <p:sp>
-        <p:nvSpPr>
-          <p:cNvPr id="28" name="Google Shape;643;p43">
-            <a:extLst>
-              <a:ext uri="{FF2B5EF4-FFF2-40B4-BE49-F238E27FC236}">
-                <a16:creationId xmlns:a16="http://schemas.microsoft.com/office/drawing/2014/main" id="{31FB4C6A-F535-7148-8378-9729C3009D6B}"/>
-              </a:ext>
-            </a:extLst>
-          </p:cNvPr>
-          <p:cNvSpPr/>
-          <p:nvPr/>
-        </p:nvSpPr>
-        <p:spPr>
-          <a:xfrm>
-            <a:off x="927070" y="2546579"/>
-            <a:ext cx="1008009" cy="1236751"/>
-          </a:xfrm>
-          <a:prstGeom prst="rect">
-            <a:avLst/>
-          </a:prstGeom>
-          <a:solidFill>
-            <a:srgbClr val="FF0089"/>
-          </a:solidFill>
-          <a:ln w="25400" cap="flat" cmpd="sng">
-            <a:solidFill>
-              <a:srgbClr val="0A0457"/>
-            </a:solidFill>
-            <a:prstDash val="solid"/>
-            <a:round/>
-            <a:headEnd type="none" w="sm" len="sm"/>
-            <a:tailEnd type="none" w="sm" len="sm"/>
-          </a:ln>
-        </p:spPr>
-        <p:txBody>
-          <a:bodyPr spcFirstLastPara="1" wrap="square" lIns="68575" tIns="34275" rIns="68575" bIns="34275" anchor="ctr" anchorCtr="0">
-            <a:noAutofit/>
-          </a:bodyPr>
-          <a:lstStyle/>
-          <a:p>
-            <a:pPr marL="0" marR="0" lvl="0" indent="0" algn="ctr" rtl="0">
-              <a:lnSpc>
-                <a:spcPct val="100000"/>
-              </a:lnSpc>
-              <a:spcBef>
-                <a:spcPts val="0"/>
-              </a:spcBef>
-              <a:spcAft>
-                <a:spcPts val="0"/>
-              </a:spcAft>
-              <a:buNone/>
-            </a:pPr>
-            <a:endParaRPr sz="1350" b="0" i="0" u="none" strike="noStrike" cap="none">
-              <a:solidFill>
-                <a:schemeClr val="dk1"/>
-              </a:solidFill>
-              <a:latin typeface="Arial" panose="020B0604020202020204"/>
-              <a:ea typeface="Arial" panose="020B0604020202020204"/>
-              <a:cs typeface="Arial" panose="020B0604020202020204"/>
-              <a:sym typeface="Arial" panose="020B0604020202020204"/>
-            </a:endParaRPr>
-          </a:p>
-        </p:txBody>
-      </p:sp>
-      <p:sp>
-        <p:nvSpPr>
-          <p:cNvPr id="29" name="Google Shape;644;p43">
-            <a:extLst>
-              <a:ext uri="{FF2B5EF4-FFF2-40B4-BE49-F238E27FC236}">
-                <a16:creationId xmlns:a16="http://schemas.microsoft.com/office/drawing/2014/main" id="{0A0DCE94-FF00-C24B-A4F7-378BBF9F1B59}"/>
-              </a:ext>
-            </a:extLst>
-          </p:cNvPr>
-          <p:cNvSpPr/>
-          <p:nvPr/>
-        </p:nvSpPr>
-        <p:spPr>
-          <a:xfrm>
-            <a:off x="1070775" y="3065353"/>
-            <a:ext cx="631877" cy="196751"/>
-          </a:xfrm>
-          <a:prstGeom prst="rect">
-            <a:avLst/>
-          </a:prstGeom>
-          <a:solidFill>
-            <a:srgbClr val="0A0457"/>
-          </a:solidFill>
-          <a:ln w="25400" cap="flat" cmpd="sng">
-            <a:solidFill>
-              <a:srgbClr val="0A0457"/>
-            </a:solidFill>
-            <a:prstDash val="solid"/>
-            <a:round/>
-            <a:headEnd type="none" w="sm" len="sm"/>
-            <a:tailEnd type="none" w="sm" len="sm"/>
-          </a:ln>
-        </p:spPr>
-        <p:txBody>
-          <a:bodyPr spcFirstLastPara="1" wrap="square" lIns="68575" tIns="34275" rIns="68575" bIns="34275" anchor="ctr" anchorCtr="0">
-            <a:noAutofit/>
-          </a:bodyPr>
-          <a:lstStyle/>
-          <a:p>
-            <a:pPr marL="0" marR="0" lvl="0" indent="0" algn="ctr" rtl="0">
-              <a:lnSpc>
-                <a:spcPct val="100000"/>
-              </a:lnSpc>
-              <a:spcBef>
-                <a:spcPts val="0"/>
-              </a:spcBef>
-              <a:spcAft>
-                <a:spcPts val="0"/>
-              </a:spcAft>
-              <a:buNone/>
-            </a:pPr>
-            <a:r>
-              <a:rPr lang="en-US" sz="1350" b="0" i="0" u="none" strike="noStrike" cap="none">
-                <a:solidFill>
-                  <a:schemeClr val="dk1"/>
-                </a:solidFill>
-                <a:latin typeface="Arial" panose="020B0604020202020204"/>
-                <a:ea typeface="Arial" panose="020B0604020202020204"/>
-                <a:cs typeface="Arial" panose="020B0604020202020204"/>
-                <a:sym typeface="Arial" panose="020B0604020202020204"/>
-              </a:rPr>
-              <a:t>Send</a:t>
-            </a:r>
-            <a:endParaRPr sz="1350" b="0" i="0" u="none" strike="noStrike" cap="none">
-              <a:solidFill>
-                <a:schemeClr val="dk1"/>
-              </a:solidFill>
-              <a:latin typeface="Arial" panose="020B0604020202020204"/>
-              <a:ea typeface="Arial" panose="020B0604020202020204"/>
-              <a:cs typeface="Arial" panose="020B0604020202020204"/>
-              <a:sym typeface="Arial" panose="020B0604020202020204"/>
-            </a:endParaRPr>
-          </a:p>
-        </p:txBody>
-      </p:sp>
-      <p:sp>
-        <p:nvSpPr>
-          <p:cNvPr id="30" name="Google Shape;645;p43">
-            <a:extLst>
-              <a:ext uri="{FF2B5EF4-FFF2-40B4-BE49-F238E27FC236}">
-                <a16:creationId xmlns:a16="http://schemas.microsoft.com/office/drawing/2014/main" id="{1EB50E19-3936-754E-AB3A-B385752C5E85}"/>
-              </a:ext>
-            </a:extLst>
-          </p:cNvPr>
-          <p:cNvSpPr/>
-          <p:nvPr/>
-        </p:nvSpPr>
-        <p:spPr>
-          <a:xfrm>
-            <a:off x="1070775" y="3361979"/>
-            <a:ext cx="631877" cy="196751"/>
-          </a:xfrm>
-          <a:prstGeom prst="rect">
-            <a:avLst/>
-          </a:prstGeom>
-          <a:solidFill>
-            <a:srgbClr val="0A0457"/>
-          </a:solidFill>
-          <a:ln w="25400" cap="flat" cmpd="sng">
-            <a:solidFill>
-              <a:srgbClr val="0A0457"/>
-            </a:solidFill>
-            <a:prstDash val="solid"/>
-            <a:round/>
-            <a:headEnd type="none" w="sm" len="sm"/>
-            <a:tailEnd type="none" w="sm" len="sm"/>
-          </a:ln>
-        </p:spPr>
-        <p:txBody>
-          <a:bodyPr spcFirstLastPara="1" wrap="square" lIns="68575" tIns="34275" rIns="68575" bIns="34275" anchor="ctr" anchorCtr="0">
-            <a:noAutofit/>
-          </a:bodyPr>
-          <a:lstStyle/>
-          <a:p>
-            <a:pPr marL="0" marR="0" lvl="0" indent="0" algn="ctr" rtl="0">
-              <a:lnSpc>
-                <a:spcPct val="100000"/>
-              </a:lnSpc>
-              <a:spcBef>
-                <a:spcPts val="0"/>
-              </a:spcBef>
-              <a:spcAft>
-                <a:spcPts val="0"/>
-              </a:spcAft>
-              <a:buNone/>
-            </a:pPr>
-            <a:r>
-              <a:rPr lang="en-US" sz="1350" b="0" i="0" u="none" strike="noStrike" cap="none">
-                <a:solidFill>
-                  <a:schemeClr val="dk1"/>
-                </a:solidFill>
-                <a:latin typeface="Arial" panose="020B0604020202020204"/>
-                <a:ea typeface="Arial" panose="020B0604020202020204"/>
-                <a:cs typeface="Arial" panose="020B0604020202020204"/>
-                <a:sym typeface="Arial" panose="020B0604020202020204"/>
-              </a:rPr>
-              <a:t>Rcv</a:t>
-            </a:r>
-            <a:endParaRPr sz="1350" b="0" i="0" u="none" strike="noStrike" cap="none">
-              <a:solidFill>
-                <a:schemeClr val="dk1"/>
-              </a:solidFill>
-              <a:latin typeface="Arial" panose="020B0604020202020204"/>
-              <a:ea typeface="Arial" panose="020B0604020202020204"/>
-              <a:cs typeface="Arial" panose="020B0604020202020204"/>
-              <a:sym typeface="Arial" panose="020B0604020202020204"/>
-            </a:endParaRPr>
-          </a:p>
-        </p:txBody>
-      </p:sp>
-      <p:sp>
-        <p:nvSpPr>
-          <p:cNvPr id="31" name="Google Shape;646;p43">
-            <a:extLst>
-              <a:ext uri="{FF2B5EF4-FFF2-40B4-BE49-F238E27FC236}">
-                <a16:creationId xmlns:a16="http://schemas.microsoft.com/office/drawing/2014/main" id="{2B8F8AB2-210B-3A47-843B-D8AFF3668E65}"/>
-              </a:ext>
-            </a:extLst>
-          </p:cNvPr>
-          <p:cNvSpPr txBox="1"/>
-          <p:nvPr/>
-        </p:nvSpPr>
-        <p:spPr>
-          <a:xfrm>
-            <a:off x="924269" y="2578435"/>
-            <a:ext cx="508473" cy="230832"/>
-          </a:xfrm>
-          <a:prstGeom prst="rect">
-            <a:avLst/>
-          </a:prstGeom>
-          <a:noFill/>
-          <a:ln>
-            <a:noFill/>
-          </a:ln>
-        </p:spPr>
-        <p:txBody>
-          <a:bodyPr spcFirstLastPara="1" wrap="square" lIns="91425" tIns="45700" rIns="91425" bIns="45700" anchor="t" anchorCtr="0">
-            <a:noAutofit/>
-          </a:bodyPr>
-          <a:lstStyle/>
-          <a:p>
-            <a:pPr marL="0" marR="0" lvl="0" indent="0" algn="l" rtl="0">
-              <a:lnSpc>
-                <a:spcPct val="100000"/>
-              </a:lnSpc>
-              <a:spcBef>
-                <a:spcPts val="0"/>
-              </a:spcBef>
-              <a:spcAft>
-                <a:spcPts val="0"/>
-              </a:spcAft>
-              <a:buNone/>
-            </a:pPr>
-            <a:r>
-              <a:rPr lang="en-US" sz="900" b="0" i="1" u="none" strike="noStrike" cap="none">
-                <a:solidFill>
-                  <a:srgbClr val="000000"/>
-                </a:solidFill>
-                <a:latin typeface="Arial" panose="020B0604020202020204"/>
-                <a:ea typeface="Arial" panose="020B0604020202020204"/>
-                <a:cs typeface="Arial" panose="020B0604020202020204"/>
-                <a:sym typeface="Arial" panose="020B0604020202020204"/>
-              </a:rPr>
-              <a:t>http[1]</a:t>
-            </a:r>
-            <a:endParaRPr sz="1350" b="0" i="1" u="none" strike="noStrike" cap="none">
-              <a:solidFill>
-                <a:srgbClr val="000000"/>
-              </a:solidFill>
-              <a:latin typeface="Arial" panose="020B0604020202020204"/>
-              <a:ea typeface="Arial" panose="020B0604020202020204"/>
-              <a:cs typeface="Arial" panose="020B0604020202020204"/>
-              <a:sym typeface="Arial" panose="020B0604020202020204"/>
-            </a:endParaRPr>
-          </a:p>
-        </p:txBody>
-      </p:sp>
-      <p:cxnSp>
-        <p:nvCxnSpPr>
-          <p:cNvPr id="32" name="Google Shape;649;p43">
-            <a:extLst>
-              <a:ext uri="{FF2B5EF4-FFF2-40B4-BE49-F238E27FC236}">
-                <a16:creationId xmlns:a16="http://schemas.microsoft.com/office/drawing/2014/main" id="{0E34E9AE-9395-AF4C-B890-614BDEEB37EE}"/>
-              </a:ext>
-            </a:extLst>
-          </p:cNvPr>
-          <p:cNvCxnSpPr>
-            <a:stCxn id="23" idx="1"/>
-            <a:endCxn id="30" idx="3"/>
-          </p:cNvCxnSpPr>
-          <p:nvPr/>
-        </p:nvCxnSpPr>
-        <p:spPr>
-          <a:xfrm rot="10800000">
-            <a:off x="1702526" y="3460358"/>
-            <a:ext cx="1519500" cy="2700"/>
-          </a:xfrm>
-          <a:prstGeom prst="straightConnector1">
-            <a:avLst/>
-          </a:prstGeom>
-          <a:noFill/>
-          <a:ln w="9525" cap="flat" cmpd="sng">
-            <a:solidFill>
-              <a:srgbClr val="EE6800"/>
-            </a:solidFill>
-            <a:prstDash val="solid"/>
-            <a:round/>
-            <a:headEnd type="none" w="sm" len="sm"/>
-            <a:tailEnd type="triangle" w="med" len="med"/>
-          </a:ln>
-        </p:spPr>
-      </p:cxnSp>
-      <p:cxnSp>
-        <p:nvCxnSpPr>
-          <p:cNvPr id="33" name="Google Shape;650;p43">
-            <a:extLst>
-              <a:ext uri="{FF2B5EF4-FFF2-40B4-BE49-F238E27FC236}">
-                <a16:creationId xmlns:a16="http://schemas.microsoft.com/office/drawing/2014/main" id="{F762B7DA-A31C-EF47-88F0-569E87B70FD5}"/>
-              </a:ext>
-            </a:extLst>
-          </p:cNvPr>
-          <p:cNvCxnSpPr>
-            <a:stCxn id="29" idx="3"/>
-            <a:endCxn id="22" idx="1"/>
-          </p:cNvCxnSpPr>
-          <p:nvPr/>
-        </p:nvCxnSpPr>
-        <p:spPr>
-          <a:xfrm>
-            <a:off x="1702652" y="3163729"/>
-            <a:ext cx="1527000" cy="15000"/>
-          </a:xfrm>
-          <a:prstGeom prst="straightConnector1">
-            <a:avLst/>
-          </a:prstGeom>
-          <a:noFill/>
-          <a:ln w="9525" cap="flat" cmpd="sng">
-            <a:solidFill>
-              <a:srgbClr val="EE6800"/>
-            </a:solidFill>
-            <a:prstDash val="solid"/>
-            <a:round/>
-            <a:headEnd type="none" w="sm" len="sm"/>
-            <a:tailEnd type="triangle" w="med" len="med"/>
-          </a:ln>
-        </p:spPr>
-      </p:cxnSp>
     </p:spTree>
     <p:extLst>
       <p:ext uri="{BB962C8B-B14F-4D97-AF65-F5344CB8AC3E}">
-        <p14:creationId xmlns:p14="http://schemas.microsoft.com/office/powerpoint/2010/main" val="3433499879"/>
+        <p14:creationId xmlns:p14="http://schemas.microsoft.com/office/powerpoint/2010/main" val="3958377960"/>
       </p:ext>
     </p:extLst>
   </p:cSld>
@@ -19089,12 +17758,12 @@
 </p:sld>
 </file>
 
-<file path=ppt/slides/slide8.xml><?xml version="1.0" encoding="utf-8"?>
+<file path=ppt/slides/slide7.xml><?xml version="1.0" encoding="utf-8"?>
 <p:sld xmlns:a="http://schemas.openxmlformats.org/drawingml/2006/main" xmlns:r="http://schemas.openxmlformats.org/officeDocument/2006/relationships" xmlns:p="http://schemas.openxmlformats.org/presentationml/2006/main">
   <p:cSld>
     <p:spTree>
       <p:nvGrpSpPr>
-        <p:cNvPr id="1" name="Shape 139"/>
+        <p:cNvPr id="1" name="Shape 259"/>
         <p:cNvGrpSpPr/>
         <p:nvPr/>
       </p:nvGrpSpPr>
@@ -19108,7 +17777,7 @@
       </p:grpSpPr>
       <p:sp>
         <p:nvSpPr>
-          <p:cNvPr id="140" name="Google Shape;140;p20"/>
+          <p:cNvPr id="260" name="Google Shape;260;p28"/>
           <p:cNvSpPr txBox="1">
             <a:spLocks noGrp="1"/>
           </p:cNvSpPr>
@@ -19118,8 +17787,8 @@
         </p:nvSpPr>
         <p:spPr>
           <a:xfrm>
-            <a:off x="271359" y="935823"/>
-            <a:ext cx="8571300" cy="942000"/>
+            <a:off x="311700" y="445025"/>
+            <a:ext cx="2103696" cy="707400"/>
           </a:xfrm>
           <a:prstGeom prst="rect">
             <a:avLst/>
@@ -19130,35 +17799,23 @@
           </a:ln>
         </p:spPr>
         <p:txBody>
-          <a:bodyPr spcFirstLastPara="1" wrap="square" lIns="91425" tIns="91425" rIns="91425" bIns="91425" anchor="ctr" anchorCtr="0">
+          <a:bodyPr spcFirstLastPara="1" wrap="square" lIns="91425" tIns="91425" rIns="91425" bIns="91425" anchor="t" anchorCtr="0">
             <a:noAutofit/>
           </a:bodyPr>
           <a:lstStyle/>
           <a:p>
-            <a:pPr marL="0" lvl="0" indent="0" algn="ctr" rtl="0">
-              <a:lnSpc>
-                <a:spcPct val="100000"/>
-              </a:lnSpc>
-              <a:spcBef>
-                <a:spcPts val="0"/>
-              </a:spcBef>
-              <a:spcAft>
-                <a:spcPts val="0"/>
-              </a:spcAft>
-              <a:buSzPts val="3600"/>
-              <a:buNone/>
-            </a:pPr>
+            <a:pPr lvl="0"/>
             <a:r>
-              <a:rPr lang="zh-CN" altLang="en-US"/>
-              <a:t>下期内容：</a:t>
-            </a:r>
-            <a:r>
-              <a:rPr lang="en-US" altLang="zh-CN"/>
+              <a:rPr lang="en-US" altLang="zh-CN" dirty="0"/>
               <a:t>Micro</a:t>
             </a:r>
             <a:r>
-              <a:rPr lang="zh-CN" altLang="en-US"/>
-              <a:t>工具集</a:t>
+              <a:rPr lang="zh-CN" altLang="en-US" dirty="0"/>
+              <a:t> </a:t>
+            </a:r>
+            <a:r>
+              <a:rPr lang="en-US" altLang="zh-CN" dirty="0"/>
+              <a:t>API</a:t>
             </a:r>
             <a:endParaRPr lang="en-US"/>
           </a:p>
@@ -19166,7 +17823,7 @@
       </p:sp>
       <p:sp>
         <p:nvSpPr>
-          <p:cNvPr id="141" name="Google Shape;141;p20"/>
+          <p:cNvPr id="261" name="Google Shape;261;p28"/>
           <p:cNvSpPr txBox="1">
             <a:spLocks noGrp="1"/>
           </p:cNvSpPr>
@@ -19176,7 +17833,7 @@
         </p:nvSpPr>
         <p:spPr>
           <a:xfrm>
-            <a:off x="145283" y="4583792"/>
+            <a:off x="167983" y="4610554"/>
             <a:ext cx="548700" cy="393600"/>
           </a:xfrm>
           <a:prstGeom prst="rect">
@@ -19208,13 +17865,591 @@
             </a:pPr>
             <a:fld id="{00000000-1234-1234-1234-123412341234}" type="slidenum">
               <a:rPr lang="en-US"/>
+              <a:t>7</a:t>
+            </a:fld>
+            <a:endParaRPr lang="en-US"/>
+          </a:p>
+        </p:txBody>
+      </p:sp>
+      <p:sp>
+        <p:nvSpPr>
+          <p:cNvPr id="262" name="Google Shape;262;p28"/>
+          <p:cNvSpPr/>
+          <p:nvPr/>
+        </p:nvSpPr>
+        <p:spPr>
+          <a:xfrm>
+            <a:off x="5894262" y="701662"/>
+            <a:ext cx="3067022" cy="307777"/>
+          </a:xfrm>
+          <a:prstGeom prst="rect">
+            <a:avLst/>
+          </a:prstGeom>
+          <a:noFill/>
+          <a:ln>
+            <a:noFill/>
+          </a:ln>
+        </p:spPr>
+        <p:txBody>
+          <a:bodyPr spcFirstLastPara="1" wrap="square" lIns="91425" tIns="45700" rIns="91425" bIns="45700" anchor="t" anchorCtr="0">
+            <a:noAutofit/>
+          </a:bodyPr>
+          <a:lstStyle/>
+          <a:p>
+            <a:pPr marL="0" marR="0" lvl="0" indent="0" algn="l" rtl="0">
+              <a:lnSpc>
+                <a:spcPct val="100000"/>
+              </a:lnSpc>
+              <a:spcBef>
+                <a:spcPts val="0"/>
+              </a:spcBef>
+              <a:spcAft>
+                <a:spcPts val="0"/>
+              </a:spcAft>
+              <a:buNone/>
+            </a:pPr>
+            <a:endParaRPr sz="3600" b="1" i="0" u="none" strike="noStrike" cap="none">
+              <a:solidFill>
+                <a:schemeClr val="accent1"/>
+              </a:solidFill>
+              <a:latin typeface="PT Sans Narrow" panose="020B0506020203020204"/>
+              <a:ea typeface="PT Sans Narrow" panose="020B0506020203020204"/>
+              <a:cs typeface="PT Sans Narrow" panose="020B0506020203020204"/>
+              <a:sym typeface="PT Sans Narrow" panose="020B0506020203020204"/>
+            </a:endParaRPr>
+          </a:p>
+        </p:txBody>
+      </p:sp>
+      <p:sp>
+        <p:nvSpPr>
+          <p:cNvPr id="6" name="TextBox 5"/>
+          <p:cNvSpPr txBox="1"/>
+          <p:nvPr/>
+        </p:nvSpPr>
+        <p:spPr>
+          <a:xfrm>
+            <a:off x="442333" y="1669957"/>
+            <a:ext cx="5703741" cy="379591"/>
+          </a:xfrm>
+          <a:prstGeom prst="rect">
+            <a:avLst/>
+          </a:prstGeom>
+          <a:noFill/>
+        </p:spPr>
+        <p:txBody>
+          <a:bodyPr wrap="square" rtlCol="0">
+            <a:spAutoFit/>
+          </a:bodyPr>
+          <a:lstStyle/>
+          <a:p>
+            <a:r>
+              <a:rPr kumimoji="1" lang="en-US" altLang="zh-CN" baseline="-25000"/>
+              <a:t>1.</a:t>
+            </a:r>
+            <a:r>
+              <a:rPr kumimoji="1" lang="zh-CN" altLang="en-US" baseline="-25000"/>
+              <a:t> 不提供一个一统的网接入，针对不同的微服务类型，提供不同的</a:t>
+            </a:r>
+            <a:r>
+              <a:rPr kumimoji="1" lang="en-US" altLang="zh-CN" baseline="-25000"/>
+              <a:t>API</a:t>
+            </a:r>
+            <a:r>
+              <a:rPr kumimoji="1" lang="zh-CN" altLang="en-US" baseline="-25000"/>
+              <a:t>（</a:t>
+            </a:r>
+            <a:r>
+              <a:rPr kumimoji="1" lang="en-US" altLang="zh-CN" b="1" baseline="-25000">
+                <a:solidFill>
+                  <a:schemeClr val="accent1"/>
+                </a:solidFill>
+              </a:rPr>
+              <a:t>HTTP</a:t>
+            </a:r>
+            <a:r>
+              <a:rPr kumimoji="1" lang="zh-CN" altLang="en-US" b="1" baseline="-25000">
+                <a:solidFill>
+                  <a:schemeClr val="accent1"/>
+                </a:solidFill>
+              </a:rPr>
+              <a:t>、</a:t>
+            </a:r>
+            <a:r>
+              <a:rPr kumimoji="1" lang="en-US" altLang="zh-CN" b="1" baseline="-25000">
+                <a:solidFill>
+                  <a:schemeClr val="accent1"/>
+                </a:solidFill>
+              </a:rPr>
+              <a:t>RPC</a:t>
+            </a:r>
+            <a:r>
+              <a:rPr kumimoji="1" lang="zh-CN" altLang="en-US" b="1" baseline="-25000">
+                <a:solidFill>
+                  <a:schemeClr val="accent1"/>
+                </a:solidFill>
+              </a:rPr>
+              <a:t>、</a:t>
+            </a:r>
+            <a:r>
+              <a:rPr kumimoji="1" lang="en-US" altLang="zh-CN" b="1" baseline="-25000">
+                <a:solidFill>
+                  <a:schemeClr val="accent1"/>
+                </a:solidFill>
+              </a:rPr>
+              <a:t>API</a:t>
+            </a:r>
+            <a:r>
+              <a:rPr kumimoji="1" lang="zh-CN" altLang="en-US" b="1" baseline="-25000">
+                <a:solidFill>
+                  <a:schemeClr val="accent1"/>
+                </a:solidFill>
+              </a:rPr>
+              <a:t>、</a:t>
+            </a:r>
+            <a:r>
+              <a:rPr kumimoji="1" lang="en-US" altLang="zh-CN" b="1" baseline="-25000">
+                <a:solidFill>
+                  <a:schemeClr val="accent1"/>
+                </a:solidFill>
+              </a:rPr>
+              <a:t>Event</a:t>
+            </a:r>
+            <a:r>
+              <a:rPr kumimoji="1" lang="zh-CN" altLang="en-US" baseline="-25000"/>
+              <a:t>）</a:t>
+            </a:r>
+            <a:endParaRPr kumimoji="1" lang="en-US" altLang="zh-CN" baseline="-25000"/>
+          </a:p>
+          <a:p>
+            <a:r>
+              <a:rPr kumimoji="1" lang="en-US" altLang="zh-CN" baseline="-25000"/>
+              <a:t>2.</a:t>
+            </a:r>
+            <a:r>
+              <a:rPr kumimoji="1" lang="zh-CN" altLang="en-US" baseline="-25000"/>
+              <a:t> 不同客户端需要的数据可能不一样</a:t>
+            </a:r>
+            <a:endParaRPr kumimoji="1" lang="en-US" altLang="zh-CN" baseline="-25000"/>
+          </a:p>
+        </p:txBody>
+      </p:sp>
+      <p:sp>
+        <p:nvSpPr>
+          <p:cNvPr id="7" name="Google Shape;128;p18"/>
+          <p:cNvSpPr/>
+          <p:nvPr/>
+        </p:nvSpPr>
+        <p:spPr>
+          <a:xfrm>
+            <a:off x="7897090" y="726010"/>
+            <a:ext cx="1618743" cy="307800"/>
+          </a:xfrm>
+          <a:prstGeom prst="rect">
+            <a:avLst/>
+          </a:prstGeom>
+          <a:noFill/>
+          <a:ln>
+            <a:noFill/>
+          </a:ln>
+        </p:spPr>
+        <p:txBody>
+          <a:bodyPr spcFirstLastPara="1" wrap="square" lIns="91425" tIns="45700" rIns="91425" bIns="45700" anchor="t" anchorCtr="0">
+            <a:noAutofit/>
+          </a:bodyPr>
+          <a:lstStyle/>
+          <a:p>
+            <a:pPr marL="0" marR="0" lvl="0" indent="0" algn="l" rtl="0">
+              <a:lnSpc>
+                <a:spcPct val="100000"/>
+              </a:lnSpc>
+              <a:spcBef>
+                <a:spcPts val="0"/>
+              </a:spcBef>
+              <a:spcAft>
+                <a:spcPts val="0"/>
+              </a:spcAft>
+              <a:buNone/>
+            </a:pPr>
+            <a:r>
+              <a:rPr lang="zh-CN" altLang="en-US" b="1">
+                <a:solidFill>
+                  <a:schemeClr val="accent1"/>
+                </a:solidFill>
+                <a:latin typeface="PT Sans Narrow" panose="020B0506020203020204"/>
+                <a:ea typeface="PT Sans Narrow" panose="020B0506020203020204"/>
+                <a:cs typeface="PT Sans Narrow" panose="020B0506020203020204"/>
+                <a:sym typeface="PT Sans Narrow" panose="020B0506020203020204"/>
+              </a:rPr>
+              <a:t>服务网关</a:t>
+            </a:r>
+            <a:endParaRPr sz="3600" b="1" i="0" u="none" strike="noStrike" cap="none">
+              <a:solidFill>
+                <a:schemeClr val="accent1"/>
+              </a:solidFill>
+              <a:latin typeface="PT Sans Narrow" panose="020B0506020203020204"/>
+              <a:ea typeface="PT Sans Narrow" panose="020B0506020203020204"/>
+              <a:cs typeface="PT Sans Narrow" panose="020B0506020203020204"/>
+              <a:sym typeface="PT Sans Narrow" panose="020B0506020203020204"/>
+            </a:endParaRPr>
+          </a:p>
+        </p:txBody>
+      </p:sp>
+      <p:sp>
+        <p:nvSpPr>
+          <p:cNvPr id="11" name="TextBox 10">
+            <a:extLst>
+              <a:ext uri="{FF2B5EF4-FFF2-40B4-BE49-F238E27FC236}">
+                <a16:creationId xmlns:a16="http://schemas.microsoft.com/office/drawing/2014/main" id="{BA2FBAAE-AFB2-1346-8320-508A501E3AE2}"/>
+              </a:ext>
+            </a:extLst>
+          </p:cNvPr>
+          <p:cNvSpPr txBox="1"/>
+          <p:nvPr/>
+        </p:nvSpPr>
+        <p:spPr>
+          <a:xfrm>
+            <a:off x="352728" y="1362180"/>
+            <a:ext cx="4898245" cy="307777"/>
+          </a:xfrm>
+          <a:prstGeom prst="rect">
+            <a:avLst/>
+          </a:prstGeom>
+          <a:noFill/>
+        </p:spPr>
+        <p:txBody>
+          <a:bodyPr wrap="square" rtlCol="0">
+            <a:spAutoFit/>
+          </a:bodyPr>
+          <a:lstStyle/>
+          <a:p>
+            <a:r>
+              <a:rPr kumimoji="1" lang="en-US" altLang="zh-CN"/>
+              <a:t>Micro</a:t>
+            </a:r>
+            <a:r>
+              <a:rPr kumimoji="1" lang="zh-CN" altLang="en-US"/>
+              <a:t> </a:t>
+            </a:r>
+            <a:r>
+              <a:rPr kumimoji="1" lang="en-US" altLang="zh-CN"/>
+              <a:t>API</a:t>
+            </a:r>
+            <a:r>
+              <a:rPr kumimoji="1" lang="zh-CN" altLang="en-US"/>
+              <a:t>的特点：</a:t>
+            </a:r>
+            <a:endParaRPr kumimoji="1" lang="en-US" altLang="zh-CN"/>
+          </a:p>
+        </p:txBody>
+      </p:sp>
+    </p:spTree>
+    <p:extLst>
+      <p:ext uri="{BB962C8B-B14F-4D97-AF65-F5344CB8AC3E}">
+        <p14:creationId xmlns:p14="http://schemas.microsoft.com/office/powerpoint/2010/main" val="1709189984"/>
+      </p:ext>
+    </p:extLst>
+  </p:cSld>
+  <p:clrMapOvr>
+    <a:masterClrMapping/>
+  </p:clrMapOvr>
+</p:sld>
+</file>
+
+<file path=ppt/slides/slide8.xml><?xml version="1.0" encoding="utf-8"?>
+<p:sld xmlns:a="http://schemas.openxmlformats.org/drawingml/2006/main" xmlns:r="http://schemas.openxmlformats.org/officeDocument/2006/relationships" xmlns:p="http://schemas.openxmlformats.org/presentationml/2006/main">
+  <p:cSld>
+    <p:spTree>
+      <p:nvGrpSpPr>
+        <p:cNvPr id="1" name="Shape 259"/>
+        <p:cNvGrpSpPr/>
+        <p:nvPr/>
+      </p:nvGrpSpPr>
+      <p:grpSpPr>
+        <a:xfrm>
+          <a:off x="0" y="0"/>
+          <a:ext cx="0" cy="0"/>
+          <a:chOff x="0" y="0"/>
+          <a:chExt cx="0" cy="0"/>
+        </a:xfrm>
+      </p:grpSpPr>
+      <p:sp>
+        <p:nvSpPr>
+          <p:cNvPr id="260" name="Google Shape;260;p28"/>
+          <p:cNvSpPr txBox="1">
+            <a:spLocks noGrp="1"/>
+          </p:cNvSpPr>
+          <p:nvPr>
+            <p:ph type="title"/>
+          </p:nvPr>
+        </p:nvSpPr>
+        <p:spPr>
+          <a:xfrm>
+            <a:off x="311700" y="445025"/>
+            <a:ext cx="2103696" cy="707400"/>
+          </a:xfrm>
+          <a:prstGeom prst="rect">
+            <a:avLst/>
+          </a:prstGeom>
+          <a:noFill/>
+          <a:ln>
+            <a:noFill/>
+          </a:ln>
+        </p:spPr>
+        <p:txBody>
+          <a:bodyPr spcFirstLastPara="1" wrap="square" lIns="91425" tIns="91425" rIns="91425" bIns="91425" anchor="t" anchorCtr="0">
+            <a:noAutofit/>
+          </a:bodyPr>
+          <a:lstStyle/>
+          <a:p>
+            <a:pPr lvl="0"/>
+            <a:r>
+              <a:rPr lang="en-US" altLang="zh-CN" dirty="0"/>
+              <a:t>Micro</a:t>
+            </a:r>
+            <a:r>
+              <a:rPr lang="zh-CN" altLang="en-US" dirty="0"/>
+              <a:t> </a:t>
+            </a:r>
+            <a:r>
+              <a:rPr lang="en-US" altLang="zh-CN" dirty="0"/>
+              <a:t>API</a:t>
+            </a:r>
+            <a:endParaRPr lang="en-US"/>
+          </a:p>
+        </p:txBody>
+      </p:sp>
+      <p:sp>
+        <p:nvSpPr>
+          <p:cNvPr id="261" name="Google Shape;261;p28"/>
+          <p:cNvSpPr txBox="1">
+            <a:spLocks noGrp="1"/>
+          </p:cNvSpPr>
+          <p:nvPr>
+            <p:ph type="sldNum" idx="12"/>
+          </p:nvPr>
+        </p:nvSpPr>
+        <p:spPr>
+          <a:xfrm>
+            <a:off x="167983" y="4610554"/>
+            <a:ext cx="548700" cy="393600"/>
+          </a:xfrm>
+          <a:prstGeom prst="rect">
+            <a:avLst/>
+          </a:prstGeom>
+          <a:noFill/>
+          <a:ln>
+            <a:noFill/>
+          </a:ln>
+        </p:spPr>
+        <p:txBody>
+          <a:bodyPr spcFirstLastPara="1" wrap="square" lIns="91425" tIns="91425" rIns="91425" bIns="91425" anchor="ctr" anchorCtr="0">
+            <a:noAutofit/>
+          </a:bodyPr>
+          <a:lstStyle/>
+          <a:p>
+            <a:pPr marL="0" lvl="0" indent="0" algn="r" rtl="0">
+              <a:lnSpc>
+                <a:spcPct val="100000"/>
+              </a:lnSpc>
+              <a:spcBef>
+                <a:spcPts val="0"/>
+              </a:spcBef>
+              <a:spcAft>
+                <a:spcPts val="0"/>
+              </a:spcAft>
+              <a:buSzPts val="1000"/>
+              <a:buNone/>
+            </a:pPr>
+            <a:fld id="{00000000-1234-1234-1234-123412341234}" type="slidenum">
+              <a:rPr lang="en-US"/>
               <a:t>8</a:t>
             </a:fld>
             <a:endParaRPr lang="en-US"/>
           </a:p>
         </p:txBody>
       </p:sp>
+      <p:sp>
+        <p:nvSpPr>
+          <p:cNvPr id="262" name="Google Shape;262;p28"/>
+          <p:cNvSpPr/>
+          <p:nvPr/>
+        </p:nvSpPr>
+        <p:spPr>
+          <a:xfrm>
+            <a:off x="5894262" y="701662"/>
+            <a:ext cx="3067022" cy="307777"/>
+          </a:xfrm>
+          <a:prstGeom prst="rect">
+            <a:avLst/>
+          </a:prstGeom>
+          <a:noFill/>
+          <a:ln>
+            <a:noFill/>
+          </a:ln>
+        </p:spPr>
+        <p:txBody>
+          <a:bodyPr spcFirstLastPara="1" wrap="square" lIns="91425" tIns="45700" rIns="91425" bIns="45700" anchor="t" anchorCtr="0">
+            <a:noAutofit/>
+          </a:bodyPr>
+          <a:lstStyle/>
+          <a:p>
+            <a:pPr marL="0" marR="0" lvl="0" indent="0" algn="l" rtl="0">
+              <a:lnSpc>
+                <a:spcPct val="100000"/>
+              </a:lnSpc>
+              <a:spcBef>
+                <a:spcPts val="0"/>
+              </a:spcBef>
+              <a:spcAft>
+                <a:spcPts val="0"/>
+              </a:spcAft>
+              <a:buNone/>
+            </a:pPr>
+            <a:endParaRPr sz="3600" b="1" i="0" u="none" strike="noStrike" cap="none">
+              <a:solidFill>
+                <a:schemeClr val="accent1"/>
+              </a:solidFill>
+              <a:latin typeface="PT Sans Narrow" panose="020B0506020203020204"/>
+              <a:ea typeface="PT Sans Narrow" panose="020B0506020203020204"/>
+              <a:cs typeface="PT Sans Narrow" panose="020B0506020203020204"/>
+              <a:sym typeface="PT Sans Narrow" panose="020B0506020203020204"/>
+            </a:endParaRPr>
+          </a:p>
+        </p:txBody>
+      </p:sp>
+      <p:sp>
+        <p:nvSpPr>
+          <p:cNvPr id="7" name="Google Shape;128;p18"/>
+          <p:cNvSpPr/>
+          <p:nvPr/>
+        </p:nvSpPr>
+        <p:spPr>
+          <a:xfrm>
+            <a:off x="7897090" y="726010"/>
+            <a:ext cx="1618743" cy="307800"/>
+          </a:xfrm>
+          <a:prstGeom prst="rect">
+            <a:avLst/>
+          </a:prstGeom>
+          <a:noFill/>
+          <a:ln>
+            <a:noFill/>
+          </a:ln>
+        </p:spPr>
+        <p:txBody>
+          <a:bodyPr spcFirstLastPara="1" wrap="square" lIns="91425" tIns="45700" rIns="91425" bIns="45700" anchor="t" anchorCtr="0">
+            <a:noAutofit/>
+          </a:bodyPr>
+          <a:lstStyle/>
+          <a:p>
+            <a:pPr marL="0" marR="0" lvl="0" indent="0" algn="l" rtl="0">
+              <a:lnSpc>
+                <a:spcPct val="100000"/>
+              </a:lnSpc>
+              <a:spcBef>
+                <a:spcPts val="0"/>
+              </a:spcBef>
+              <a:spcAft>
+                <a:spcPts val="0"/>
+              </a:spcAft>
+              <a:buNone/>
+            </a:pPr>
+            <a:r>
+              <a:rPr lang="zh-CN" altLang="en-US" b="1">
+                <a:solidFill>
+                  <a:schemeClr val="accent1"/>
+                </a:solidFill>
+                <a:latin typeface="PT Sans Narrow" panose="020B0506020203020204"/>
+                <a:ea typeface="PT Sans Narrow" panose="020B0506020203020204"/>
+                <a:cs typeface="PT Sans Narrow" panose="020B0506020203020204"/>
+                <a:sym typeface="PT Sans Narrow" panose="020B0506020203020204"/>
+              </a:rPr>
+              <a:t>路由规则</a:t>
+            </a:r>
+            <a:endParaRPr sz="3600" b="1" i="0" u="none" strike="noStrike" cap="none">
+              <a:solidFill>
+                <a:schemeClr val="accent1"/>
+              </a:solidFill>
+              <a:latin typeface="PT Sans Narrow" panose="020B0506020203020204"/>
+              <a:ea typeface="PT Sans Narrow" panose="020B0506020203020204"/>
+              <a:cs typeface="PT Sans Narrow" panose="020B0506020203020204"/>
+              <a:sym typeface="PT Sans Narrow" panose="020B0506020203020204"/>
+            </a:endParaRPr>
+          </a:p>
+        </p:txBody>
+      </p:sp>
+      <p:pic>
+        <p:nvPicPr>
+          <p:cNvPr id="3" name="Picture 2">
+            <a:extLst>
+              <a:ext uri="{FF2B5EF4-FFF2-40B4-BE49-F238E27FC236}">
+                <a16:creationId xmlns:a16="http://schemas.microsoft.com/office/drawing/2014/main" id="{C9444514-E141-4047-B0A0-D1C10929F010}"/>
+              </a:ext>
+            </a:extLst>
+          </p:cNvPr>
+          <p:cNvPicPr>
+            <a:picLocks noChangeAspect="1"/>
+          </p:cNvPicPr>
+          <p:nvPr/>
+        </p:nvPicPr>
+        <p:blipFill>
+          <a:blip r:embed="rId3"/>
+          <a:stretch>
+            <a:fillRect/>
+          </a:stretch>
+        </p:blipFill>
+        <p:spPr>
+          <a:xfrm>
+            <a:off x="442333" y="1473200"/>
+            <a:ext cx="8024386" cy="2524034"/>
+          </a:xfrm>
+          <a:prstGeom prst="rect">
+            <a:avLst/>
+          </a:prstGeom>
+        </p:spPr>
+      </p:pic>
+      <p:sp>
+        <p:nvSpPr>
+          <p:cNvPr id="10" name="TextBox 9">
+            <a:extLst>
+              <a:ext uri="{FF2B5EF4-FFF2-40B4-BE49-F238E27FC236}">
+                <a16:creationId xmlns:a16="http://schemas.microsoft.com/office/drawing/2014/main" id="{B169F059-45BF-F346-A7BB-29B90E167C55}"/>
+              </a:ext>
+            </a:extLst>
+          </p:cNvPr>
+          <p:cNvSpPr txBox="1"/>
+          <p:nvPr/>
+        </p:nvSpPr>
+        <p:spPr>
+          <a:xfrm>
+            <a:off x="311700" y="1047747"/>
+            <a:ext cx="4898245" cy="307777"/>
+          </a:xfrm>
+          <a:prstGeom prst="rect">
+            <a:avLst/>
+          </a:prstGeom>
+          <a:noFill/>
+        </p:spPr>
+        <p:txBody>
+          <a:bodyPr wrap="square" rtlCol="0">
+            <a:spAutoFit/>
+          </a:bodyPr>
+          <a:lstStyle/>
+          <a:p>
+            <a:r>
+              <a:rPr kumimoji="1" lang="zh-CN" altLang="en-US"/>
+              <a:t>基于命名空间：</a:t>
+            </a:r>
+            <a:endParaRPr kumimoji="1" lang="en-US" altLang="zh-CN"/>
+          </a:p>
+        </p:txBody>
+      </p:sp>
     </p:spTree>
+    <p:extLst>
+      <p:ext uri="{BB962C8B-B14F-4D97-AF65-F5344CB8AC3E}">
+        <p14:creationId xmlns:p14="http://schemas.microsoft.com/office/powerpoint/2010/main" val="3309503476"/>
+      </p:ext>
+    </p:extLst>
   </p:cSld>
   <p:clrMapOvr>
     <a:masterClrMapping/>
@@ -19255,12 +18490,8 @@
           <a:lstStyle/>
           <a:p>
             <a:r>
-              <a:rPr kumimoji="1" lang="en-US" altLang="zh-CN"/>
-              <a:t>Micro</a:t>
-            </a:r>
-            <a:r>
               <a:rPr kumimoji="1" lang="zh-CN" altLang="en-US"/>
-              <a:t>工具集</a:t>
+              <a:t>参考资料</a:t>
             </a:r>
           </a:p>
         </p:txBody>
@@ -19281,72 +18512,10 @@
           <a:lstStyle/>
           <a:p>
             <a:r>
-              <a:rPr kumimoji="1" lang="en-US" altLang="zh-CN"/>
-              <a:t>Micro</a:t>
+              <a:rPr lang="en-US"/>
+              <a:t>http://microservices.io/patterns/apigateway.html</a:t>
             </a:r>
-            <a:r>
-              <a:rPr kumimoji="1" lang="zh-CN" altLang="en-US"/>
-              <a:t> </a:t>
-            </a:r>
-            <a:r>
-              <a:rPr kumimoji="1" lang="en-US" altLang="zh-CN"/>
-              <a:t>API</a:t>
-            </a:r>
-            <a:r>
-              <a:rPr kumimoji="1" lang="zh-CN" altLang="en-US"/>
-              <a:t> 微服务网关</a:t>
-            </a:r>
-            <a:endParaRPr kumimoji="1" lang="en-US" altLang="zh-CN"/>
-          </a:p>
-          <a:p>
-            <a:r>
-              <a:rPr kumimoji="1" lang="en-US" altLang="zh-CN"/>
-              <a:t>Micro</a:t>
-            </a:r>
-            <a:r>
-              <a:rPr kumimoji="1" lang="zh-CN" altLang="en-US"/>
-              <a:t> </a:t>
-            </a:r>
-            <a:r>
-              <a:rPr kumimoji="1" lang="en-US" altLang="zh-CN"/>
-              <a:t>CLI</a:t>
-            </a:r>
-            <a:r>
-              <a:rPr kumimoji="1" lang="zh-CN" altLang="en-US"/>
-              <a:t>工具</a:t>
-            </a:r>
-            <a:endParaRPr kumimoji="1" lang="en-US" altLang="zh-CN"/>
-          </a:p>
-          <a:p>
-            <a:endParaRPr kumimoji="1" lang="en-US" altLang="zh-CN"/>
-          </a:p>
-          <a:p>
-            <a:r>
-              <a:rPr kumimoji="1" lang="en-US" altLang="zh-CN" i="1"/>
-              <a:t>Micro</a:t>
-            </a:r>
-            <a:r>
-              <a:rPr kumimoji="1" lang="zh-CN" altLang="en-US" i="1"/>
-              <a:t> </a:t>
-            </a:r>
-            <a:r>
-              <a:rPr kumimoji="1" lang="en-US" altLang="zh-CN" i="1"/>
-              <a:t>Network</a:t>
-            </a:r>
-          </a:p>
-          <a:p>
-            <a:r>
-              <a:rPr kumimoji="1" lang="en-US" altLang="zh-CN" i="1"/>
-              <a:t>Micro</a:t>
-            </a:r>
-            <a:r>
-              <a:rPr kumimoji="1" lang="zh-CN" altLang="en-US" i="1"/>
-              <a:t> </a:t>
-            </a:r>
-            <a:r>
-              <a:rPr kumimoji="1" lang="en-US" altLang="zh-CN" i="1"/>
-              <a:t>Tunnel</a:t>
-            </a:r>
+            <a:endParaRPr kumimoji="1" lang="en-US" altLang="zh-CN" i="1"/>
           </a:p>
           <a:p>
             <a:r>

--- a/others/share/learning-go/【第三期】Micro工具集.pptx
+++ b/others/share/learning-go/【第三期】Micro工具集.pptx
@@ -6,10 +6,10 @@
     <p:sldMasterId id="2147483654" r:id="rId2"/>
   </p:sldMasterIdLst>
   <p:notesMasterIdLst>
-    <p:notesMasterId r:id="rId13"/>
+    <p:notesMasterId r:id="rId14"/>
   </p:notesMasterIdLst>
   <p:handoutMasterIdLst>
-    <p:handoutMasterId r:id="rId14"/>
+    <p:handoutMasterId r:id="rId15"/>
   </p:handoutMasterIdLst>
   <p:sldIdLst>
     <p:sldId id="256" r:id="rId3"/>
@@ -20,8 +20,9 @@
     <p:sldId id="351" r:id="rId8"/>
     <p:sldId id="352" r:id="rId9"/>
     <p:sldId id="353" r:id="rId10"/>
-    <p:sldId id="321" r:id="rId11"/>
-    <p:sldId id="288" r:id="rId12"/>
+    <p:sldId id="354" r:id="rId11"/>
+    <p:sldId id="321" r:id="rId12"/>
+    <p:sldId id="288" r:id="rId13"/>
   </p:sldIdLst>
   <p:sldSz cx="9144000" cy="5143500" type="screen16x9"/>
   <p:notesSz cx="9144000" cy="5143500"/>
@@ -2603,34 +2604,6 @@
               </a:spcAft>
               <a:buNone/>
             </a:pPr>
-            <a:r>
-              <a:rPr lang="en-US" altLang="zh-CN"/>
-              <a:t>1,</a:t>
-            </a:r>
-            <a:r>
-              <a:rPr lang="zh-CN" altLang="en-US"/>
-              <a:t> 手写定义</a:t>
-            </a:r>
-            <a:endParaRPr lang="en-US" altLang="zh-CN"/>
-          </a:p>
-          <a:p>
-            <a:pPr marL="0" lvl="0" indent="0" algn="l" rtl="0">
-              <a:spcBef>
-                <a:spcPts val="0"/>
-              </a:spcBef>
-              <a:spcAft>
-                <a:spcPts val="0"/>
-              </a:spcAft>
-              <a:buNone/>
-            </a:pPr>
-            <a:r>
-              <a:rPr lang="en-US" altLang="zh-CN"/>
-              <a:t>2.</a:t>
-            </a:r>
-            <a:r>
-              <a:rPr lang="zh-CN" altLang="en-US"/>
-              <a:t> 演示生成</a:t>
-            </a:r>
             <a:endParaRPr lang="en-US"/>
           </a:p>
         </p:txBody>
@@ -15204,6 +15177,132 @@
   <p:cSld>
     <p:spTree>
       <p:nvGrpSpPr>
+        <p:cNvPr id="1" name=""/>
+        <p:cNvGrpSpPr/>
+        <p:nvPr/>
+      </p:nvGrpSpPr>
+      <p:grpSpPr>
+        <a:xfrm>
+          <a:off x="0" y="0"/>
+          <a:ext cx="0" cy="0"/>
+          <a:chOff x="0" y="0"/>
+          <a:chExt cx="0" cy="0"/>
+        </a:xfrm>
+      </p:grpSpPr>
+      <p:sp>
+        <p:nvSpPr>
+          <p:cNvPr id="2" name="Title 1"/>
+          <p:cNvSpPr>
+            <a:spLocks noGrp="1"/>
+          </p:cNvSpPr>
+          <p:nvPr>
+            <p:ph type="title"/>
+          </p:nvPr>
+        </p:nvSpPr>
+        <p:spPr/>
+        <p:txBody>
+          <a:bodyPr/>
+          <a:lstStyle/>
+          <a:p>
+            <a:r>
+              <a:rPr kumimoji="1" lang="zh-CN" altLang="en-US"/>
+              <a:t>参考资料</a:t>
+            </a:r>
+          </a:p>
+        </p:txBody>
+      </p:sp>
+      <p:sp>
+        <p:nvSpPr>
+          <p:cNvPr id="3" name="Text Placeholder 2"/>
+          <p:cNvSpPr>
+            <a:spLocks noGrp="1"/>
+          </p:cNvSpPr>
+          <p:nvPr>
+            <p:ph type="body" idx="1"/>
+          </p:nvPr>
+        </p:nvSpPr>
+        <p:spPr/>
+        <p:txBody>
+          <a:bodyPr/>
+          <a:lstStyle/>
+          <a:p>
+            <a:r>
+              <a:rPr lang="en-US"/>
+              <a:t>http://microservices.io/patterns/apigateway.html</a:t>
+            </a:r>
+            <a:endParaRPr kumimoji="1" lang="en-US" altLang="zh-CN" i="1"/>
+          </a:p>
+          <a:p>
+            <a:r>
+              <a:rPr kumimoji="1" lang="en-US" altLang="zh-CN"/>
+              <a:t>…</a:t>
+            </a:r>
+            <a:endParaRPr kumimoji="1" lang="zh-CN" altLang="en-US"/>
+          </a:p>
+        </p:txBody>
+      </p:sp>
+      <p:sp>
+        <p:nvSpPr>
+          <p:cNvPr id="4" name="Google Shape;262;p28"/>
+          <p:cNvSpPr/>
+          <p:nvPr/>
+        </p:nvSpPr>
+        <p:spPr>
+          <a:xfrm>
+            <a:off x="7387563" y="721397"/>
+            <a:ext cx="1882907" cy="307777"/>
+          </a:xfrm>
+          <a:prstGeom prst="rect">
+            <a:avLst/>
+          </a:prstGeom>
+          <a:noFill/>
+          <a:ln>
+            <a:noFill/>
+          </a:ln>
+        </p:spPr>
+        <p:txBody>
+          <a:bodyPr spcFirstLastPara="1" wrap="square" lIns="91425" tIns="45700" rIns="91425" bIns="45700" anchor="t" anchorCtr="0">
+            <a:noAutofit/>
+          </a:bodyPr>
+          <a:lstStyle/>
+          <a:p>
+            <a:pPr marL="0" marR="0" lvl="0" indent="0" algn="l" rtl="0">
+              <a:lnSpc>
+                <a:spcPct val="100000"/>
+              </a:lnSpc>
+              <a:spcBef>
+                <a:spcPts val="0"/>
+              </a:spcBef>
+              <a:spcAft>
+                <a:spcPts val="0"/>
+              </a:spcAft>
+              <a:buNone/>
+            </a:pPr>
+            <a:endParaRPr sz="3600" b="1" i="0" u="none" strike="noStrike" cap="none">
+              <a:solidFill>
+                <a:schemeClr val="accent1"/>
+              </a:solidFill>
+              <a:latin typeface="PT Sans Narrow" panose="020B0506020203020204"/>
+              <a:ea typeface="PT Sans Narrow" panose="020B0506020203020204"/>
+              <a:cs typeface="PT Sans Narrow" panose="020B0506020203020204"/>
+              <a:sym typeface="PT Sans Narrow" panose="020B0506020203020204"/>
+            </a:endParaRPr>
+          </a:p>
+        </p:txBody>
+      </p:sp>
+    </p:spTree>
+  </p:cSld>
+  <p:clrMapOvr>
+    <a:masterClrMapping/>
+  </p:clrMapOvr>
+</p:sld>
+</file>
+
+<file path=ppt/slides/slide11.xml><?xml version="1.0" encoding="utf-8"?>
+<p:sld xmlns:a="http://schemas.openxmlformats.org/drawingml/2006/main" xmlns:r="http://schemas.openxmlformats.org/officeDocument/2006/relationships" xmlns:p="http://schemas.openxmlformats.org/presentationml/2006/main">
+  <p:cSld>
+    <p:spTree>
+      <p:nvGrpSpPr>
         <p:cNvPr id="1" name="Shape 720"/>
         <p:cNvGrpSpPr/>
         <p:nvPr/>
@@ -15309,7 +15408,7 @@
             </a:pPr>
             <a:fld id="{00000000-1234-1234-1234-123412341234}" type="slidenum">
               <a:rPr lang="en-US"/>
-              <a:t>10</a:t>
+              <a:t>11</a:t>
             </a:fld>
             <a:endParaRPr lang="en-US"/>
           </a:p>
@@ -16494,6 +16593,49 @@
                 <a:sym typeface="Courier New" panose="02070309020205020404"/>
               </a:rPr>
               <a:t>CLI</a:t>
+            </a:r>
+          </a:p>
+          <a:p>
+            <a:pPr marL="355600" lvl="0" indent="-342900">
+              <a:buSzPts val="1400"/>
+              <a:buFont typeface="Arial" panose="020B0604020202020204"/>
+              <a:buAutoNum type="arabicPeriod"/>
+            </a:pPr>
+            <a:r>
+              <a:rPr lang="en-US" altLang="zh-CN" dirty="0">
+                <a:solidFill>
+                  <a:srgbClr val="424242"/>
+                </a:solidFill>
+                <a:latin typeface="Courier New" panose="02070309020205020404"/>
+                <a:ea typeface="Courier New" panose="02070309020205020404"/>
+                <a:cs typeface="Courier New" panose="02070309020205020404"/>
+                <a:sym typeface="Courier New" panose="02070309020205020404"/>
+              </a:rPr>
+              <a:t>Micro</a:t>
+            </a:r>
+            <a:r>
+              <a:rPr lang="zh-CN" altLang="en-US" dirty="0">
+                <a:solidFill>
+                  <a:srgbClr val="424242"/>
+                </a:solidFill>
+                <a:latin typeface="Courier New" panose="02070309020205020404"/>
+                <a:ea typeface="Courier New" panose="02070309020205020404"/>
+                <a:cs typeface="Courier New" panose="02070309020205020404"/>
+                <a:sym typeface="Courier New" panose="02070309020205020404"/>
+              </a:rPr>
+              <a:t> </a:t>
+            </a:r>
+            <a:r>
+              <a:rPr lang="en-US" altLang="zh-CN" dirty="0">
+                <a:solidFill>
+                  <a:srgbClr val="424242"/>
+                </a:solidFill>
+                <a:latin typeface="Courier New" panose="02070309020205020404"/>
+                <a:ea typeface="Courier New" panose="02070309020205020404"/>
+                <a:cs typeface="Courier New" panose="02070309020205020404"/>
+                <a:sym typeface="Courier New" panose="02070309020205020404"/>
+              </a:rPr>
+              <a:t>Web</a:t>
             </a:r>
           </a:p>
           <a:p>
@@ -17948,15 +18090,7 @@
             </a:r>
             <a:r>
               <a:rPr kumimoji="1" lang="zh-CN" altLang="en-US" baseline="-25000"/>
-              <a:t> 不提供一个一统的网接入，针对不同的微服务类型，提供不同的</a:t>
-            </a:r>
-            <a:r>
-              <a:rPr kumimoji="1" lang="en-US" altLang="zh-CN" baseline="-25000"/>
-              <a:t>API</a:t>
-            </a:r>
-            <a:r>
-              <a:rPr kumimoji="1" lang="zh-CN" altLang="en-US" baseline="-25000"/>
-              <a:t>（</a:t>
+              <a:t> 不提供统一的接入层，针对不同的微服务类型，提供不同的网关接入（</a:t>
             </a:r>
             <a:r>
               <a:rPr kumimoji="1" lang="en-US" altLang="zh-CN" b="1" baseline="-25000">
@@ -18027,7 +18161,7 @@
             </a:r>
             <a:r>
               <a:rPr kumimoji="1" lang="zh-CN" altLang="en-US" baseline="-25000"/>
-              <a:t> 不同客户端需要的数据可能不一样</a:t>
+              <a:t> 默认（目前也唯一）基于服务命名空间自动路由</a:t>
             </a:r>
             <a:endParaRPr kumimoji="1" lang="en-US" altLang="zh-CN" baseline="-25000"/>
           </a:p>
@@ -18476,7 +18610,13 @@
       </p:grpSpPr>
       <p:sp>
         <p:nvSpPr>
-          <p:cNvPr id="2" name="Title 1"/>
+          <p:cNvPr id="2" name="Title 1">
+            <a:extLst>
+              <a:ext uri="{FF2B5EF4-FFF2-40B4-BE49-F238E27FC236}">
+                <a16:creationId xmlns:a16="http://schemas.microsoft.com/office/drawing/2014/main" id="{5000BB51-425F-5B45-9B27-F355D244464E}"/>
+              </a:ext>
+            </a:extLst>
+          </p:cNvPr>
           <p:cNvSpPr>
             <a:spLocks noGrp="1"/>
           </p:cNvSpPr>
@@ -18491,51 +18631,1261 @@
           <a:p>
             <a:r>
               <a:rPr kumimoji="1" lang="zh-CN" altLang="en-US"/>
-              <a:t>参考资料</a:t>
+              <a:t>路由规则解析</a:t>
             </a:r>
           </a:p>
         </p:txBody>
       </p:sp>
+      <p:graphicFrame>
+        <p:nvGraphicFramePr>
+          <p:cNvPr id="4" name="Table 3">
+            <a:extLst>
+              <a:ext uri="{FF2B5EF4-FFF2-40B4-BE49-F238E27FC236}">
+                <a16:creationId xmlns:a16="http://schemas.microsoft.com/office/drawing/2014/main" id="{9B2BFD5B-CA4B-0C4D-9566-25AD2DF63D34}"/>
+              </a:ext>
+            </a:extLst>
+          </p:cNvPr>
+          <p:cNvGraphicFramePr>
+            <a:graphicFrameLocks noGrp="1"/>
+          </p:cNvGraphicFramePr>
+          <p:nvPr>
+            <p:extLst>
+              <p:ext uri="{D42A27DB-BD31-4B8C-83A1-F6EECF244321}">
+                <p14:modId xmlns:p14="http://schemas.microsoft.com/office/powerpoint/2010/main" val="2454927571"/>
+              </p:ext>
+            </p:extLst>
+          </p:nvPr>
+        </p:nvGraphicFramePr>
+        <p:xfrm>
+          <a:off x="456559" y="1751511"/>
+          <a:ext cx="8401050" cy="1397091"/>
+        </p:xfrm>
+        <a:graphic>
+          <a:graphicData uri="http://schemas.openxmlformats.org/drawingml/2006/table">
+            <a:tbl>
+              <a:tblPr/>
+              <a:tblGrid>
+                <a:gridCol w="2800350">
+                  <a:extLst>
+                    <a:ext uri="{9D8B030D-6E8A-4147-A177-3AD203B41FA5}">
+                      <a16:colId xmlns:a16="http://schemas.microsoft.com/office/drawing/2014/main" val="499551862"/>
+                    </a:ext>
+                  </a:extLst>
+                </a:gridCol>
+                <a:gridCol w="2800350">
+                  <a:extLst>
+                    <a:ext uri="{9D8B030D-6E8A-4147-A177-3AD203B41FA5}">
+                      <a16:colId xmlns:a16="http://schemas.microsoft.com/office/drawing/2014/main" val="871532029"/>
+                    </a:ext>
+                  </a:extLst>
+                </a:gridCol>
+                <a:gridCol w="2800350">
+                  <a:extLst>
+                    <a:ext uri="{9D8B030D-6E8A-4147-A177-3AD203B41FA5}">
+                      <a16:colId xmlns:a16="http://schemas.microsoft.com/office/drawing/2014/main" val="1296867832"/>
+                    </a:ext>
+                  </a:extLst>
+                </a:gridCol>
+              </a:tblGrid>
+              <a:tr h="414111">
+                <a:tc>
+                  <a:txBody>
+                    <a:bodyPr/>
+                    <a:lstStyle/>
+                    <a:p>
+                      <a:r>
+                        <a:rPr lang="en-US" b="1">
+                          <a:solidFill>
+                            <a:schemeClr val="bg2">
+                              <a:lumMod val="50000"/>
+                            </a:schemeClr>
+                          </a:solidFill>
+                          <a:effectLst/>
+                          <a:latin typeface="+mj-lt"/>
+                        </a:rPr>
+                        <a:t>http</a:t>
+                      </a:r>
+                      <a:r>
+                        <a:rPr lang="zh-CN" altLang="en-US" b="1">
+                          <a:solidFill>
+                            <a:schemeClr val="bg2">
+                              <a:lumMod val="50000"/>
+                            </a:schemeClr>
+                          </a:solidFill>
+                          <a:effectLst/>
+                          <a:latin typeface="+mj-lt"/>
+                        </a:rPr>
+                        <a:t>路径</a:t>
+                      </a:r>
+                    </a:p>
+                  </a:txBody>
+                  <a:tcPr marL="123825" marR="123825" marT="57150" marB="57150" anchor="ctr">
+                    <a:lnL w="9525" cap="flat" cmpd="sng" algn="ctr">
+                      <a:solidFill>
+                        <a:srgbClr val="DFE2E5"/>
+                      </a:solidFill>
+                      <a:prstDash val="solid"/>
+                      <a:round/>
+                      <a:headEnd type="none" w="med" len="med"/>
+                      <a:tailEnd type="none" w="med" len="med"/>
+                    </a:lnL>
+                    <a:lnR w="9525" cap="flat" cmpd="sng" algn="ctr">
+                      <a:solidFill>
+                        <a:srgbClr val="DFE2E5"/>
+                      </a:solidFill>
+                      <a:prstDash val="solid"/>
+                      <a:round/>
+                      <a:headEnd type="none" w="med" len="med"/>
+                      <a:tailEnd type="none" w="med" len="med"/>
+                    </a:lnR>
+                    <a:lnT w="9525" cap="flat" cmpd="sng" algn="ctr">
+                      <a:solidFill>
+                        <a:srgbClr val="DFE2E5"/>
+                      </a:solidFill>
+                      <a:prstDash val="solid"/>
+                      <a:round/>
+                      <a:headEnd type="none" w="med" len="med"/>
+                      <a:tailEnd type="none" w="med" len="med"/>
+                    </a:lnT>
+                    <a:lnB w="9525" cap="flat" cmpd="sng" algn="ctr">
+                      <a:solidFill>
+                        <a:srgbClr val="DFE2E5"/>
+                      </a:solidFill>
+                      <a:prstDash val="solid"/>
+                      <a:round/>
+                      <a:headEnd type="none" w="med" len="med"/>
+                      <a:tailEnd type="none" w="med" len="med"/>
+                    </a:lnB>
+                    <a:solidFill>
+                      <a:srgbClr val="FFFFFF"/>
+                    </a:solidFill>
+                  </a:tcPr>
+                </a:tc>
+                <a:tc>
+                  <a:txBody>
+                    <a:bodyPr/>
+                    <a:lstStyle/>
+                    <a:p>
+                      <a:r>
+                        <a:rPr lang="zh-CN" altLang="en-US" b="1">
+                          <a:solidFill>
+                            <a:schemeClr val="bg2">
+                              <a:lumMod val="50000"/>
+                            </a:schemeClr>
+                          </a:solidFill>
+                          <a:effectLst/>
+                          <a:latin typeface="+mj-lt"/>
+                        </a:rPr>
+                        <a:t>后台服务</a:t>
+                      </a:r>
+                    </a:p>
+                  </a:txBody>
+                  <a:tcPr marL="123825" marR="123825" marT="57150" marB="57150" anchor="ctr">
+                    <a:lnL w="9525" cap="flat" cmpd="sng" algn="ctr">
+                      <a:solidFill>
+                        <a:srgbClr val="DFE2E5"/>
+                      </a:solidFill>
+                      <a:prstDash val="solid"/>
+                      <a:round/>
+                      <a:headEnd type="none" w="med" len="med"/>
+                      <a:tailEnd type="none" w="med" len="med"/>
+                    </a:lnL>
+                    <a:lnR w="9525" cap="flat" cmpd="sng" algn="ctr">
+                      <a:solidFill>
+                        <a:srgbClr val="DFE2E5"/>
+                      </a:solidFill>
+                      <a:prstDash val="solid"/>
+                      <a:round/>
+                      <a:headEnd type="none" w="med" len="med"/>
+                      <a:tailEnd type="none" w="med" len="med"/>
+                    </a:lnR>
+                    <a:lnT w="9525" cap="flat" cmpd="sng" algn="ctr">
+                      <a:solidFill>
+                        <a:srgbClr val="DFE2E5"/>
+                      </a:solidFill>
+                      <a:prstDash val="solid"/>
+                      <a:round/>
+                      <a:headEnd type="none" w="med" len="med"/>
+                      <a:tailEnd type="none" w="med" len="med"/>
+                    </a:lnT>
+                    <a:lnB w="9525" cap="flat" cmpd="sng" algn="ctr">
+                      <a:solidFill>
+                        <a:srgbClr val="DFE2E5"/>
+                      </a:solidFill>
+                      <a:prstDash val="solid"/>
+                      <a:round/>
+                      <a:headEnd type="none" w="med" len="med"/>
+                      <a:tailEnd type="none" w="med" len="med"/>
+                    </a:lnB>
+                    <a:solidFill>
+                      <a:srgbClr val="FFFFFF"/>
+                    </a:solidFill>
+                  </a:tcPr>
+                </a:tc>
+                <a:tc>
+                  <a:txBody>
+                    <a:bodyPr/>
+                    <a:lstStyle/>
+                    <a:p>
+                      <a:r>
+                        <a:rPr lang="zh-CN" altLang="en-US" b="1">
+                          <a:solidFill>
+                            <a:schemeClr val="bg2">
+                              <a:lumMod val="50000"/>
+                            </a:schemeClr>
+                          </a:solidFill>
+                          <a:effectLst/>
+                          <a:latin typeface="+mj-lt"/>
+                        </a:rPr>
+                        <a:t>接口方法</a:t>
+                      </a:r>
+                    </a:p>
+                  </a:txBody>
+                  <a:tcPr marL="123825" marR="123825" marT="57150" marB="57150" anchor="ctr">
+                    <a:lnL w="9525" cap="flat" cmpd="sng" algn="ctr">
+                      <a:solidFill>
+                        <a:srgbClr val="DFE2E5"/>
+                      </a:solidFill>
+                      <a:prstDash val="solid"/>
+                      <a:round/>
+                      <a:headEnd type="none" w="med" len="med"/>
+                      <a:tailEnd type="none" w="med" len="med"/>
+                    </a:lnL>
+                    <a:lnR w="9525" cap="flat" cmpd="sng" algn="ctr">
+                      <a:solidFill>
+                        <a:srgbClr val="DFE2E5"/>
+                      </a:solidFill>
+                      <a:prstDash val="solid"/>
+                      <a:round/>
+                      <a:headEnd type="none" w="med" len="med"/>
+                      <a:tailEnd type="none" w="med" len="med"/>
+                    </a:lnR>
+                    <a:lnT w="9525" cap="flat" cmpd="sng" algn="ctr">
+                      <a:solidFill>
+                        <a:srgbClr val="DFE2E5"/>
+                      </a:solidFill>
+                      <a:prstDash val="solid"/>
+                      <a:round/>
+                      <a:headEnd type="none" w="med" len="med"/>
+                      <a:tailEnd type="none" w="med" len="med"/>
+                    </a:lnT>
+                    <a:lnB w="9525" cap="flat" cmpd="sng" algn="ctr">
+                      <a:solidFill>
+                        <a:srgbClr val="DFE2E5"/>
+                      </a:solidFill>
+                      <a:prstDash val="solid"/>
+                      <a:round/>
+                      <a:headEnd type="none" w="med" len="med"/>
+                      <a:tailEnd type="none" w="med" len="med"/>
+                    </a:lnB>
+                    <a:solidFill>
+                      <a:srgbClr val="FFFFFF"/>
+                    </a:solidFill>
+                  </a:tcPr>
+                </a:tc>
+                <a:extLst>
+                  <a:ext uri="{0D108BD9-81ED-4DB2-BD59-A6C34878D82A}">
+                    <a16:rowId xmlns:a16="http://schemas.microsoft.com/office/drawing/2014/main" val="559750030"/>
+                  </a:ext>
+                </a:extLst>
+              </a:tr>
+              <a:tr h="0">
+                <a:tc>
+                  <a:txBody>
+                    <a:bodyPr/>
+                    <a:lstStyle/>
+                    <a:p>
+                      <a:r>
+                        <a:rPr lang="en-US">
+                          <a:solidFill>
+                            <a:schemeClr val="bg2">
+                              <a:lumMod val="50000"/>
+                            </a:schemeClr>
+                          </a:solidFill>
+                          <a:effectLst/>
+                          <a:latin typeface="+mj-lt"/>
+                        </a:rPr>
+                        <a:t>/</a:t>
+                      </a:r>
+                      <a:r>
+                        <a:rPr lang="en-US" altLang="zh-CN">
+                          <a:solidFill>
+                            <a:schemeClr val="bg2">
+                              <a:lumMod val="50000"/>
+                            </a:schemeClr>
+                          </a:solidFill>
+                          <a:effectLst/>
+                          <a:latin typeface="+mj-lt"/>
+                        </a:rPr>
+                        <a:t>learning</a:t>
+                      </a:r>
+                      <a:r>
+                        <a:rPr lang="en-US">
+                          <a:solidFill>
+                            <a:schemeClr val="bg2">
+                              <a:lumMod val="50000"/>
+                            </a:schemeClr>
+                          </a:solidFill>
+                          <a:effectLst/>
+                          <a:latin typeface="+mj-lt"/>
+                        </a:rPr>
+                        <a:t>/</a:t>
+                      </a:r>
+                      <a:r>
+                        <a:rPr lang="en-US" altLang="zh-CN">
+                          <a:solidFill>
+                            <a:schemeClr val="bg2">
+                              <a:lumMod val="50000"/>
+                            </a:schemeClr>
+                          </a:solidFill>
+                          <a:effectLst/>
+                          <a:latin typeface="+mj-lt"/>
+                        </a:rPr>
+                        <a:t>hello</a:t>
+                      </a:r>
+                      <a:endParaRPr lang="en-US">
+                        <a:solidFill>
+                          <a:schemeClr val="bg2">
+                            <a:lumMod val="50000"/>
+                          </a:schemeClr>
+                        </a:solidFill>
+                        <a:effectLst/>
+                        <a:latin typeface="+mj-lt"/>
+                      </a:endParaRPr>
+                    </a:p>
+                  </a:txBody>
+                  <a:tcPr marL="123825" marR="123825" marT="57150" marB="57150" anchor="ctr">
+                    <a:lnL w="9525" cap="flat" cmpd="sng" algn="ctr">
+                      <a:solidFill>
+                        <a:srgbClr val="DFE2E5"/>
+                      </a:solidFill>
+                      <a:prstDash val="solid"/>
+                      <a:round/>
+                      <a:headEnd type="none" w="med" len="med"/>
+                      <a:tailEnd type="none" w="med" len="med"/>
+                    </a:lnL>
+                    <a:lnR w="9525" cap="flat" cmpd="sng" algn="ctr">
+                      <a:solidFill>
+                        <a:srgbClr val="DFE2E5"/>
+                      </a:solidFill>
+                      <a:prstDash val="solid"/>
+                      <a:round/>
+                      <a:headEnd type="none" w="med" len="med"/>
+                      <a:tailEnd type="none" w="med" len="med"/>
+                    </a:lnR>
+                    <a:lnT w="9525" cap="flat" cmpd="sng" algn="ctr">
+                      <a:solidFill>
+                        <a:srgbClr val="DFE2E5"/>
+                      </a:solidFill>
+                      <a:prstDash val="solid"/>
+                      <a:round/>
+                      <a:headEnd type="none" w="med" len="med"/>
+                      <a:tailEnd type="none" w="med" len="med"/>
+                    </a:lnT>
+                    <a:lnB w="9525" cap="flat" cmpd="sng" algn="ctr">
+                      <a:solidFill>
+                        <a:srgbClr val="DFE2E5"/>
+                      </a:solidFill>
+                      <a:prstDash val="solid"/>
+                      <a:round/>
+                      <a:headEnd type="none" w="med" len="med"/>
+                      <a:tailEnd type="none" w="med" len="med"/>
+                    </a:lnB>
+                    <a:solidFill>
+                      <a:srgbClr val="FFFFFF"/>
+                    </a:solidFill>
+                  </a:tcPr>
+                </a:tc>
+                <a:tc>
+                  <a:txBody>
+                    <a:bodyPr/>
+                    <a:lstStyle/>
+                    <a:p>
+                      <a:r>
+                        <a:rPr lang="en-US">
+                          <a:solidFill>
+                            <a:schemeClr val="bg2">
+                              <a:lumMod val="50000"/>
+                            </a:schemeClr>
+                          </a:solidFill>
+                          <a:effectLst/>
+                          <a:latin typeface="+mj-lt"/>
+                        </a:rPr>
+                        <a:t>go.micro.api.</a:t>
+                      </a:r>
+                      <a:r>
+                        <a:rPr lang="en-US" altLang="zh-CN">
+                          <a:solidFill>
+                            <a:schemeClr val="bg2">
+                              <a:lumMod val="50000"/>
+                            </a:schemeClr>
+                          </a:solidFill>
+                          <a:effectLst/>
+                          <a:latin typeface="+mj-lt"/>
+                        </a:rPr>
+                        <a:t>learning</a:t>
+                      </a:r>
+                      <a:endParaRPr lang="en-US">
+                        <a:solidFill>
+                          <a:schemeClr val="bg2">
+                            <a:lumMod val="50000"/>
+                          </a:schemeClr>
+                        </a:solidFill>
+                        <a:effectLst/>
+                        <a:latin typeface="+mj-lt"/>
+                      </a:endParaRPr>
+                    </a:p>
+                  </a:txBody>
+                  <a:tcPr marL="123825" marR="123825" marT="57150" marB="57150" anchor="ctr">
+                    <a:lnL w="9525" cap="flat" cmpd="sng" algn="ctr">
+                      <a:solidFill>
+                        <a:srgbClr val="DFE2E5"/>
+                      </a:solidFill>
+                      <a:prstDash val="solid"/>
+                      <a:round/>
+                      <a:headEnd type="none" w="med" len="med"/>
+                      <a:tailEnd type="none" w="med" len="med"/>
+                    </a:lnL>
+                    <a:lnR w="9525" cap="flat" cmpd="sng" algn="ctr">
+                      <a:solidFill>
+                        <a:srgbClr val="DFE2E5"/>
+                      </a:solidFill>
+                      <a:prstDash val="solid"/>
+                      <a:round/>
+                      <a:headEnd type="none" w="med" len="med"/>
+                      <a:tailEnd type="none" w="med" len="med"/>
+                    </a:lnR>
+                    <a:lnT w="9525" cap="flat" cmpd="sng" algn="ctr">
+                      <a:solidFill>
+                        <a:srgbClr val="DFE2E5"/>
+                      </a:solidFill>
+                      <a:prstDash val="solid"/>
+                      <a:round/>
+                      <a:headEnd type="none" w="med" len="med"/>
+                      <a:tailEnd type="none" w="med" len="med"/>
+                    </a:lnT>
+                    <a:lnB w="9525" cap="flat" cmpd="sng" algn="ctr">
+                      <a:solidFill>
+                        <a:srgbClr val="DFE2E5"/>
+                      </a:solidFill>
+                      <a:prstDash val="solid"/>
+                      <a:round/>
+                      <a:headEnd type="none" w="med" len="med"/>
+                      <a:tailEnd type="none" w="med" len="med"/>
+                    </a:lnB>
+                    <a:solidFill>
+                      <a:srgbClr val="FFFFFF"/>
+                    </a:solidFill>
+                  </a:tcPr>
+                </a:tc>
+                <a:tc>
+                  <a:txBody>
+                    <a:bodyPr/>
+                    <a:lstStyle/>
+                    <a:p>
+                      <a:r>
+                        <a:rPr lang="en-US" altLang="zh-CN" sz="1400" b="0" i="0" u="none" strike="noStrike" cap="none">
+                          <a:solidFill>
+                            <a:schemeClr val="bg2">
+                              <a:lumMod val="50000"/>
+                            </a:schemeClr>
+                          </a:solidFill>
+                          <a:effectLst/>
+                          <a:latin typeface="+mn-lt"/>
+                          <a:ea typeface="+mn-ea"/>
+                          <a:cs typeface="+mn-cs"/>
+                          <a:sym typeface="Arial" panose="020B0604020202020204"/>
+                        </a:rPr>
+                        <a:t>Learning</a:t>
+                      </a:r>
+                      <a:r>
+                        <a:rPr lang="en-US">
+                          <a:solidFill>
+                            <a:schemeClr val="bg2">
+                              <a:lumMod val="50000"/>
+                            </a:schemeClr>
+                          </a:solidFill>
+                          <a:effectLst/>
+                          <a:latin typeface="+mj-lt"/>
+                        </a:rPr>
+                        <a:t>.</a:t>
+                      </a:r>
+                      <a:r>
+                        <a:rPr lang="en-US" altLang="zh-CN">
+                          <a:solidFill>
+                            <a:schemeClr val="bg2">
+                              <a:lumMod val="50000"/>
+                            </a:schemeClr>
+                          </a:solidFill>
+                          <a:effectLst/>
+                          <a:latin typeface="+mj-lt"/>
+                        </a:rPr>
+                        <a:t>Hello</a:t>
+                      </a:r>
+                      <a:endParaRPr lang="en-US">
+                        <a:solidFill>
+                          <a:schemeClr val="bg2">
+                            <a:lumMod val="50000"/>
+                          </a:schemeClr>
+                        </a:solidFill>
+                        <a:effectLst/>
+                        <a:latin typeface="+mj-lt"/>
+                      </a:endParaRPr>
+                    </a:p>
+                  </a:txBody>
+                  <a:tcPr marL="123825" marR="123825" marT="57150" marB="57150" anchor="ctr">
+                    <a:lnL w="9525" cap="flat" cmpd="sng" algn="ctr">
+                      <a:solidFill>
+                        <a:srgbClr val="DFE2E5"/>
+                      </a:solidFill>
+                      <a:prstDash val="solid"/>
+                      <a:round/>
+                      <a:headEnd type="none" w="med" len="med"/>
+                      <a:tailEnd type="none" w="med" len="med"/>
+                    </a:lnL>
+                    <a:lnR w="9525" cap="flat" cmpd="sng" algn="ctr">
+                      <a:solidFill>
+                        <a:srgbClr val="DFE2E5"/>
+                      </a:solidFill>
+                      <a:prstDash val="solid"/>
+                      <a:round/>
+                      <a:headEnd type="none" w="med" len="med"/>
+                      <a:tailEnd type="none" w="med" len="med"/>
+                    </a:lnR>
+                    <a:lnT w="9525" cap="flat" cmpd="sng" algn="ctr">
+                      <a:solidFill>
+                        <a:srgbClr val="DFE2E5"/>
+                      </a:solidFill>
+                      <a:prstDash val="solid"/>
+                      <a:round/>
+                      <a:headEnd type="none" w="med" len="med"/>
+                      <a:tailEnd type="none" w="med" len="med"/>
+                    </a:lnT>
+                    <a:lnB w="9525" cap="flat" cmpd="sng" algn="ctr">
+                      <a:solidFill>
+                        <a:srgbClr val="DFE2E5"/>
+                      </a:solidFill>
+                      <a:prstDash val="solid"/>
+                      <a:round/>
+                      <a:headEnd type="none" w="med" len="med"/>
+                      <a:tailEnd type="none" w="med" len="med"/>
+                    </a:lnB>
+                    <a:solidFill>
+                      <a:srgbClr val="FFFFFF"/>
+                    </a:solidFill>
+                  </a:tcPr>
+                </a:tc>
+                <a:extLst>
+                  <a:ext uri="{0D108BD9-81ED-4DB2-BD59-A6C34878D82A}">
+                    <a16:rowId xmlns:a16="http://schemas.microsoft.com/office/drawing/2014/main" val="1874488752"/>
+                  </a:ext>
+                </a:extLst>
+              </a:tr>
+              <a:tr h="0">
+                <a:tc>
+                  <a:txBody>
+                    <a:bodyPr/>
+                    <a:lstStyle/>
+                    <a:p>
+                      <a:r>
+                        <a:rPr lang="en-US">
+                          <a:solidFill>
+                            <a:schemeClr val="bg2">
+                              <a:lumMod val="50000"/>
+                            </a:schemeClr>
+                          </a:solidFill>
+                          <a:effectLst/>
+                          <a:latin typeface="+mj-lt"/>
+                        </a:rPr>
+                        <a:t>/</a:t>
+                      </a:r>
+                      <a:r>
+                        <a:rPr lang="en-US" altLang="zh-CN" sz="1400" b="0" i="0" u="none" strike="noStrike" cap="none">
+                          <a:solidFill>
+                            <a:schemeClr val="bg2">
+                              <a:lumMod val="50000"/>
+                            </a:schemeClr>
+                          </a:solidFill>
+                          <a:effectLst/>
+                          <a:latin typeface="+mn-lt"/>
+                          <a:ea typeface="+mn-ea"/>
+                          <a:cs typeface="+mn-cs"/>
+                          <a:sym typeface="Arial" panose="020B0604020202020204"/>
+                        </a:rPr>
+                        <a:t>learning</a:t>
+                      </a:r>
+                      <a:r>
+                        <a:rPr lang="en-US">
+                          <a:solidFill>
+                            <a:schemeClr val="bg2">
+                              <a:lumMod val="50000"/>
+                            </a:schemeClr>
+                          </a:solidFill>
+                          <a:effectLst/>
+                          <a:latin typeface="+mj-lt"/>
+                        </a:rPr>
+                        <a:t>/</a:t>
+                      </a:r>
+                      <a:r>
+                        <a:rPr lang="en-US" altLang="zh-CN">
+                          <a:solidFill>
+                            <a:schemeClr val="bg2">
+                              <a:lumMod val="50000"/>
+                            </a:schemeClr>
+                          </a:solidFill>
+                          <a:effectLst/>
+                          <a:latin typeface="+mj-lt"/>
+                        </a:rPr>
+                        <a:t>greeter</a:t>
+                      </a:r>
+                      <a:r>
+                        <a:rPr lang="en-US">
+                          <a:solidFill>
+                            <a:schemeClr val="bg2">
+                              <a:lumMod val="50000"/>
+                            </a:schemeClr>
+                          </a:solidFill>
+                          <a:effectLst/>
+                          <a:latin typeface="+mj-lt"/>
+                        </a:rPr>
+                        <a:t>/</a:t>
+                      </a:r>
+                      <a:r>
+                        <a:rPr lang="en-US" altLang="zh-CN">
+                          <a:solidFill>
+                            <a:schemeClr val="bg2">
+                              <a:lumMod val="50000"/>
+                            </a:schemeClr>
+                          </a:solidFill>
+                          <a:effectLst/>
+                          <a:latin typeface="+mj-lt"/>
+                        </a:rPr>
+                        <a:t>hi</a:t>
+                      </a:r>
+                      <a:endParaRPr lang="en-US">
+                        <a:solidFill>
+                          <a:schemeClr val="bg2">
+                            <a:lumMod val="50000"/>
+                          </a:schemeClr>
+                        </a:solidFill>
+                        <a:effectLst/>
+                        <a:latin typeface="+mj-lt"/>
+                      </a:endParaRPr>
+                    </a:p>
+                  </a:txBody>
+                  <a:tcPr marL="123825" marR="123825" marT="57150" marB="57150" anchor="ctr">
+                    <a:lnL w="9525" cap="flat" cmpd="sng" algn="ctr">
+                      <a:solidFill>
+                        <a:srgbClr val="DFE2E5"/>
+                      </a:solidFill>
+                      <a:prstDash val="solid"/>
+                      <a:round/>
+                      <a:headEnd type="none" w="med" len="med"/>
+                      <a:tailEnd type="none" w="med" len="med"/>
+                    </a:lnL>
+                    <a:lnR w="9525" cap="flat" cmpd="sng" algn="ctr">
+                      <a:solidFill>
+                        <a:srgbClr val="DFE2E5"/>
+                      </a:solidFill>
+                      <a:prstDash val="solid"/>
+                      <a:round/>
+                      <a:headEnd type="none" w="med" len="med"/>
+                      <a:tailEnd type="none" w="med" len="med"/>
+                    </a:lnR>
+                    <a:lnT w="9525" cap="flat" cmpd="sng" algn="ctr">
+                      <a:solidFill>
+                        <a:srgbClr val="DFE2E5"/>
+                      </a:solidFill>
+                      <a:prstDash val="solid"/>
+                      <a:round/>
+                      <a:headEnd type="none" w="med" len="med"/>
+                      <a:tailEnd type="none" w="med" len="med"/>
+                    </a:lnT>
+                    <a:lnB w="9525" cap="flat" cmpd="sng" algn="ctr">
+                      <a:solidFill>
+                        <a:srgbClr val="DFE2E5"/>
+                      </a:solidFill>
+                      <a:prstDash val="solid"/>
+                      <a:round/>
+                      <a:headEnd type="none" w="med" len="med"/>
+                      <a:tailEnd type="none" w="med" len="med"/>
+                    </a:lnB>
+                    <a:solidFill>
+                      <a:srgbClr val="F6F8FA"/>
+                    </a:solidFill>
+                  </a:tcPr>
+                </a:tc>
+                <a:tc>
+                  <a:txBody>
+                    <a:bodyPr/>
+                    <a:lstStyle/>
+                    <a:p>
+                      <a:r>
+                        <a:rPr lang="en-US">
+                          <a:solidFill>
+                            <a:schemeClr val="bg2">
+                              <a:lumMod val="50000"/>
+                            </a:schemeClr>
+                          </a:solidFill>
+                          <a:effectLst/>
+                          <a:latin typeface="+mj-lt"/>
+                        </a:rPr>
+                        <a:t>go.micro.api.</a:t>
+                      </a:r>
+                      <a:r>
+                        <a:rPr lang="en-US" altLang="zh-CN" sz="1400" b="0" i="0" u="none" strike="noStrike" cap="none">
+                          <a:solidFill>
+                            <a:schemeClr val="bg2">
+                              <a:lumMod val="50000"/>
+                            </a:schemeClr>
+                          </a:solidFill>
+                          <a:effectLst/>
+                          <a:latin typeface="+mn-lt"/>
+                          <a:ea typeface="+mn-ea"/>
+                          <a:cs typeface="+mn-cs"/>
+                          <a:sym typeface="Arial" panose="020B0604020202020204"/>
+                        </a:rPr>
+                        <a:t>learning.greeter</a:t>
+                      </a:r>
+                      <a:endParaRPr lang="en-US">
+                        <a:solidFill>
+                          <a:schemeClr val="bg2">
+                            <a:lumMod val="50000"/>
+                          </a:schemeClr>
+                        </a:solidFill>
+                        <a:effectLst/>
+                        <a:latin typeface="+mj-lt"/>
+                      </a:endParaRPr>
+                    </a:p>
+                  </a:txBody>
+                  <a:tcPr marL="123825" marR="123825" marT="57150" marB="57150" anchor="ctr">
+                    <a:lnL w="9525" cap="flat" cmpd="sng" algn="ctr">
+                      <a:solidFill>
+                        <a:srgbClr val="DFE2E5"/>
+                      </a:solidFill>
+                      <a:prstDash val="solid"/>
+                      <a:round/>
+                      <a:headEnd type="none" w="med" len="med"/>
+                      <a:tailEnd type="none" w="med" len="med"/>
+                    </a:lnL>
+                    <a:lnR w="9525" cap="flat" cmpd="sng" algn="ctr">
+                      <a:solidFill>
+                        <a:srgbClr val="DFE2E5"/>
+                      </a:solidFill>
+                      <a:prstDash val="solid"/>
+                      <a:round/>
+                      <a:headEnd type="none" w="med" len="med"/>
+                      <a:tailEnd type="none" w="med" len="med"/>
+                    </a:lnR>
+                    <a:lnT w="9525" cap="flat" cmpd="sng" algn="ctr">
+                      <a:solidFill>
+                        <a:srgbClr val="DFE2E5"/>
+                      </a:solidFill>
+                      <a:prstDash val="solid"/>
+                      <a:round/>
+                      <a:headEnd type="none" w="med" len="med"/>
+                      <a:tailEnd type="none" w="med" len="med"/>
+                    </a:lnT>
+                    <a:lnB w="9525" cap="flat" cmpd="sng" algn="ctr">
+                      <a:solidFill>
+                        <a:srgbClr val="DFE2E5"/>
+                      </a:solidFill>
+                      <a:prstDash val="solid"/>
+                      <a:round/>
+                      <a:headEnd type="none" w="med" len="med"/>
+                      <a:tailEnd type="none" w="med" len="med"/>
+                    </a:lnB>
+                    <a:solidFill>
+                      <a:srgbClr val="F6F8FA"/>
+                    </a:solidFill>
+                  </a:tcPr>
+                </a:tc>
+                <a:tc>
+                  <a:txBody>
+                    <a:bodyPr/>
+                    <a:lstStyle/>
+                    <a:p>
+                      <a:r>
+                        <a:rPr lang="en-US" altLang="zh-CN" sz="1400" b="0" i="0" u="none" strike="noStrike" cap="none">
+                          <a:solidFill>
+                            <a:schemeClr val="bg2">
+                              <a:lumMod val="50000"/>
+                            </a:schemeClr>
+                          </a:solidFill>
+                          <a:effectLst/>
+                          <a:latin typeface="+mn-lt"/>
+                          <a:ea typeface="+mn-ea"/>
+                          <a:cs typeface="+mn-cs"/>
+                          <a:sym typeface="Arial" panose="020B0604020202020204"/>
+                        </a:rPr>
+                        <a:t>Greeter</a:t>
+                      </a:r>
+                      <a:r>
+                        <a:rPr lang="en-US">
+                          <a:solidFill>
+                            <a:schemeClr val="bg2">
+                              <a:lumMod val="50000"/>
+                            </a:schemeClr>
+                          </a:solidFill>
+                          <a:effectLst/>
+                          <a:latin typeface="+mj-lt"/>
+                        </a:rPr>
+                        <a:t>.</a:t>
+                      </a:r>
+                      <a:r>
+                        <a:rPr lang="en-US" altLang="zh-CN">
+                          <a:solidFill>
+                            <a:schemeClr val="bg2">
+                              <a:lumMod val="50000"/>
+                            </a:schemeClr>
+                          </a:solidFill>
+                          <a:effectLst/>
+                          <a:latin typeface="+mj-lt"/>
+                        </a:rPr>
+                        <a:t>Hi</a:t>
+                      </a:r>
+                      <a:endParaRPr lang="en-US">
+                        <a:solidFill>
+                          <a:schemeClr val="bg2">
+                            <a:lumMod val="50000"/>
+                          </a:schemeClr>
+                        </a:solidFill>
+                        <a:effectLst/>
+                        <a:latin typeface="+mj-lt"/>
+                      </a:endParaRPr>
+                    </a:p>
+                  </a:txBody>
+                  <a:tcPr marL="123825" marR="123825" marT="57150" marB="57150" anchor="ctr">
+                    <a:lnL w="9525" cap="flat" cmpd="sng" algn="ctr">
+                      <a:solidFill>
+                        <a:srgbClr val="DFE2E5"/>
+                      </a:solidFill>
+                      <a:prstDash val="solid"/>
+                      <a:round/>
+                      <a:headEnd type="none" w="med" len="med"/>
+                      <a:tailEnd type="none" w="med" len="med"/>
+                    </a:lnL>
+                    <a:lnR w="9525" cap="flat" cmpd="sng" algn="ctr">
+                      <a:solidFill>
+                        <a:srgbClr val="DFE2E5"/>
+                      </a:solidFill>
+                      <a:prstDash val="solid"/>
+                      <a:round/>
+                      <a:headEnd type="none" w="med" len="med"/>
+                      <a:tailEnd type="none" w="med" len="med"/>
+                    </a:lnR>
+                    <a:lnT w="9525" cap="flat" cmpd="sng" algn="ctr">
+                      <a:solidFill>
+                        <a:srgbClr val="DFE2E5"/>
+                      </a:solidFill>
+                      <a:prstDash val="solid"/>
+                      <a:round/>
+                      <a:headEnd type="none" w="med" len="med"/>
+                      <a:tailEnd type="none" w="med" len="med"/>
+                    </a:lnT>
+                    <a:lnB w="9525" cap="flat" cmpd="sng" algn="ctr">
+                      <a:solidFill>
+                        <a:srgbClr val="DFE2E5"/>
+                      </a:solidFill>
+                      <a:prstDash val="solid"/>
+                      <a:round/>
+                      <a:headEnd type="none" w="med" len="med"/>
+                      <a:tailEnd type="none" w="med" len="med"/>
+                    </a:lnB>
+                    <a:solidFill>
+                      <a:srgbClr val="F6F8FA"/>
+                    </a:solidFill>
+                  </a:tcPr>
+                </a:tc>
+                <a:extLst>
+                  <a:ext uri="{0D108BD9-81ED-4DB2-BD59-A6C34878D82A}">
+                    <a16:rowId xmlns:a16="http://schemas.microsoft.com/office/drawing/2014/main" val="3221599840"/>
+                  </a:ext>
+                </a:extLst>
+              </a:tr>
+              <a:tr h="0">
+                <a:tc>
+                  <a:txBody>
+                    <a:bodyPr/>
+                    <a:lstStyle/>
+                    <a:p>
+                      <a:r>
+                        <a:rPr lang="en-US">
+                          <a:solidFill>
+                            <a:schemeClr val="bg2">
+                              <a:lumMod val="50000"/>
+                            </a:schemeClr>
+                          </a:solidFill>
+                          <a:effectLst/>
+                          <a:latin typeface="+mj-lt"/>
+                        </a:rPr>
+                        <a:t>/</a:t>
+                      </a:r>
+                      <a:r>
+                        <a:rPr lang="en-US" altLang="zh-CN">
+                          <a:solidFill>
+                            <a:schemeClr val="bg2">
+                              <a:lumMod val="50000"/>
+                            </a:schemeClr>
+                          </a:solidFill>
+                          <a:effectLst/>
+                          <a:latin typeface="+mj-lt"/>
+                        </a:rPr>
+                        <a:t>v2</a:t>
+                      </a:r>
+                      <a:r>
+                        <a:rPr lang="en-US">
+                          <a:solidFill>
+                            <a:schemeClr val="bg2">
+                              <a:lumMod val="50000"/>
+                            </a:schemeClr>
+                          </a:solidFill>
+                          <a:effectLst/>
+                          <a:latin typeface="+mj-lt"/>
+                        </a:rPr>
+                        <a:t>/</a:t>
+                      </a:r>
+                      <a:r>
+                        <a:rPr lang="en-US" altLang="zh-CN">
+                          <a:solidFill>
+                            <a:schemeClr val="bg2">
+                              <a:lumMod val="50000"/>
+                            </a:schemeClr>
+                          </a:solidFill>
+                          <a:effectLst/>
+                          <a:latin typeface="+mj-lt"/>
+                        </a:rPr>
+                        <a:t>learning</a:t>
+                      </a:r>
+                      <a:r>
+                        <a:rPr lang="en-US">
+                          <a:solidFill>
+                            <a:schemeClr val="bg2">
+                              <a:lumMod val="50000"/>
+                            </a:schemeClr>
+                          </a:solidFill>
+                          <a:effectLst/>
+                          <a:latin typeface="+mj-lt"/>
+                        </a:rPr>
+                        <a:t>/</a:t>
+                      </a:r>
+                      <a:r>
+                        <a:rPr lang="en-US" altLang="zh-CN" sz="1400" b="0" i="0" u="none" strike="noStrike" cap="none">
+                          <a:solidFill>
+                            <a:schemeClr val="bg2">
+                              <a:lumMod val="50000"/>
+                            </a:schemeClr>
+                          </a:solidFill>
+                          <a:effectLst/>
+                          <a:latin typeface="+mn-lt"/>
+                          <a:ea typeface="+mn-ea"/>
+                          <a:cs typeface="+mn-cs"/>
+                          <a:sym typeface="Arial" panose="020B0604020202020204"/>
+                        </a:rPr>
+                        <a:t>hello</a:t>
+                      </a:r>
+                      <a:endParaRPr lang="en-US">
+                        <a:solidFill>
+                          <a:schemeClr val="bg2">
+                            <a:lumMod val="50000"/>
+                          </a:schemeClr>
+                        </a:solidFill>
+                        <a:effectLst/>
+                        <a:latin typeface="+mj-lt"/>
+                      </a:endParaRPr>
+                    </a:p>
+                  </a:txBody>
+                  <a:tcPr marL="123825" marR="123825" marT="57150" marB="57150" anchor="ctr">
+                    <a:lnL w="9525" cap="flat" cmpd="sng" algn="ctr">
+                      <a:solidFill>
+                        <a:srgbClr val="DFE2E5"/>
+                      </a:solidFill>
+                      <a:prstDash val="solid"/>
+                      <a:round/>
+                      <a:headEnd type="none" w="med" len="med"/>
+                      <a:tailEnd type="none" w="med" len="med"/>
+                    </a:lnL>
+                    <a:lnR w="9525" cap="flat" cmpd="sng" algn="ctr">
+                      <a:solidFill>
+                        <a:srgbClr val="DFE2E5"/>
+                      </a:solidFill>
+                      <a:prstDash val="solid"/>
+                      <a:round/>
+                      <a:headEnd type="none" w="med" len="med"/>
+                      <a:tailEnd type="none" w="med" len="med"/>
+                    </a:lnR>
+                    <a:lnT w="9525" cap="flat" cmpd="sng" algn="ctr">
+                      <a:solidFill>
+                        <a:srgbClr val="DFE2E5"/>
+                      </a:solidFill>
+                      <a:prstDash val="solid"/>
+                      <a:round/>
+                      <a:headEnd type="none" w="med" len="med"/>
+                      <a:tailEnd type="none" w="med" len="med"/>
+                    </a:lnT>
+                    <a:lnB w="9525" cap="flat" cmpd="sng" algn="ctr">
+                      <a:solidFill>
+                        <a:srgbClr val="DFE2E5"/>
+                      </a:solidFill>
+                      <a:prstDash val="solid"/>
+                      <a:round/>
+                      <a:headEnd type="none" w="med" len="med"/>
+                      <a:tailEnd type="none" w="med" len="med"/>
+                    </a:lnB>
+                    <a:solidFill>
+                      <a:srgbClr val="FFFFFF"/>
+                    </a:solidFill>
+                  </a:tcPr>
+                </a:tc>
+                <a:tc>
+                  <a:txBody>
+                    <a:bodyPr/>
+                    <a:lstStyle/>
+                    <a:p>
+                      <a:r>
+                        <a:rPr lang="en-US">
+                          <a:solidFill>
+                            <a:schemeClr val="bg2">
+                              <a:lumMod val="50000"/>
+                            </a:schemeClr>
+                          </a:solidFill>
+                          <a:effectLst/>
+                          <a:latin typeface="+mj-lt"/>
+                        </a:rPr>
+                        <a:t>go.micro.api</a:t>
+                      </a:r>
+                      <a:r>
+                        <a:rPr lang="en-US" altLang="zh-CN">
+                          <a:solidFill>
+                            <a:schemeClr val="bg2">
+                              <a:lumMod val="50000"/>
+                            </a:schemeClr>
+                          </a:solidFill>
+                          <a:effectLst/>
+                          <a:latin typeface="+mj-lt"/>
+                        </a:rPr>
+                        <a:t>.</a:t>
+                      </a:r>
+                      <a:r>
+                        <a:rPr lang="en-US" altLang="zh-CN" sz="1400" b="0" i="0" u="none" strike="noStrike" cap="none">
+                          <a:solidFill>
+                            <a:schemeClr val="bg2">
+                              <a:lumMod val="50000"/>
+                            </a:schemeClr>
+                          </a:solidFill>
+                          <a:effectLst/>
+                          <a:latin typeface="+mn-lt"/>
+                          <a:ea typeface="+mn-ea"/>
+                          <a:cs typeface="+mn-cs"/>
+                          <a:sym typeface="Arial" panose="020B0604020202020204"/>
+                        </a:rPr>
+                        <a:t>v2</a:t>
+                      </a:r>
+                      <a:r>
+                        <a:rPr lang="en-US">
+                          <a:solidFill>
+                            <a:schemeClr val="bg2">
+                              <a:lumMod val="50000"/>
+                            </a:schemeClr>
+                          </a:solidFill>
+                          <a:effectLst/>
+                          <a:latin typeface="+mj-lt"/>
+                        </a:rPr>
+                        <a:t>.</a:t>
+                      </a:r>
+                      <a:r>
+                        <a:rPr lang="en-US" altLang="zh-CN" sz="1400" b="0" i="0" u="none" strike="noStrike" cap="none">
+                          <a:solidFill>
+                            <a:schemeClr val="bg2">
+                              <a:lumMod val="50000"/>
+                            </a:schemeClr>
+                          </a:solidFill>
+                          <a:effectLst/>
+                          <a:latin typeface="+mn-lt"/>
+                          <a:ea typeface="+mn-ea"/>
+                          <a:cs typeface="+mn-cs"/>
+                          <a:sym typeface="Arial" panose="020B0604020202020204"/>
+                        </a:rPr>
+                        <a:t>learning</a:t>
+                      </a:r>
+                      <a:endParaRPr lang="en-US">
+                        <a:solidFill>
+                          <a:schemeClr val="bg2">
+                            <a:lumMod val="50000"/>
+                          </a:schemeClr>
+                        </a:solidFill>
+                        <a:effectLst/>
+                        <a:latin typeface="+mj-lt"/>
+                      </a:endParaRPr>
+                    </a:p>
+                  </a:txBody>
+                  <a:tcPr marL="123825" marR="123825" marT="57150" marB="57150" anchor="ctr">
+                    <a:lnL w="9525" cap="flat" cmpd="sng" algn="ctr">
+                      <a:solidFill>
+                        <a:srgbClr val="DFE2E5"/>
+                      </a:solidFill>
+                      <a:prstDash val="solid"/>
+                      <a:round/>
+                      <a:headEnd type="none" w="med" len="med"/>
+                      <a:tailEnd type="none" w="med" len="med"/>
+                    </a:lnL>
+                    <a:lnR w="9525" cap="flat" cmpd="sng" algn="ctr">
+                      <a:solidFill>
+                        <a:srgbClr val="DFE2E5"/>
+                      </a:solidFill>
+                      <a:prstDash val="solid"/>
+                      <a:round/>
+                      <a:headEnd type="none" w="med" len="med"/>
+                      <a:tailEnd type="none" w="med" len="med"/>
+                    </a:lnR>
+                    <a:lnT w="9525" cap="flat" cmpd="sng" algn="ctr">
+                      <a:solidFill>
+                        <a:srgbClr val="DFE2E5"/>
+                      </a:solidFill>
+                      <a:prstDash val="solid"/>
+                      <a:round/>
+                      <a:headEnd type="none" w="med" len="med"/>
+                      <a:tailEnd type="none" w="med" len="med"/>
+                    </a:lnT>
+                    <a:lnB w="9525" cap="flat" cmpd="sng" algn="ctr">
+                      <a:solidFill>
+                        <a:srgbClr val="DFE2E5"/>
+                      </a:solidFill>
+                      <a:prstDash val="solid"/>
+                      <a:round/>
+                      <a:headEnd type="none" w="med" len="med"/>
+                      <a:tailEnd type="none" w="med" len="med"/>
+                    </a:lnB>
+                    <a:solidFill>
+                      <a:srgbClr val="FFFFFF"/>
+                    </a:solidFill>
+                  </a:tcPr>
+                </a:tc>
+                <a:tc>
+                  <a:txBody>
+                    <a:bodyPr/>
+                    <a:lstStyle/>
+                    <a:p>
+                      <a:r>
+                        <a:rPr lang="en-US" altLang="zh-CN" sz="1400" b="0" i="0" u="none" strike="noStrike" cap="none">
+                          <a:solidFill>
+                            <a:schemeClr val="bg2">
+                              <a:lumMod val="50000"/>
+                            </a:schemeClr>
+                          </a:solidFill>
+                          <a:effectLst/>
+                          <a:latin typeface="+mn-lt"/>
+                          <a:ea typeface="+mn-ea"/>
+                          <a:cs typeface="+mn-cs"/>
+                          <a:sym typeface="Arial" panose="020B0604020202020204"/>
+                        </a:rPr>
+                        <a:t>Learning</a:t>
+                      </a:r>
+                      <a:r>
+                        <a:rPr lang="en-US">
+                          <a:solidFill>
+                            <a:schemeClr val="bg2">
+                              <a:lumMod val="50000"/>
+                            </a:schemeClr>
+                          </a:solidFill>
+                          <a:effectLst/>
+                          <a:latin typeface="+mj-lt"/>
+                        </a:rPr>
+                        <a:t>.</a:t>
+                      </a:r>
+                      <a:r>
+                        <a:rPr lang="en-US" altLang="zh-CN">
+                          <a:solidFill>
+                            <a:schemeClr val="bg2">
+                              <a:lumMod val="50000"/>
+                            </a:schemeClr>
+                          </a:solidFill>
+                          <a:effectLst/>
+                          <a:latin typeface="+mj-lt"/>
+                        </a:rPr>
+                        <a:t>Hello</a:t>
+                      </a:r>
+                      <a:endParaRPr lang="en-US">
+                        <a:solidFill>
+                          <a:schemeClr val="bg2">
+                            <a:lumMod val="50000"/>
+                          </a:schemeClr>
+                        </a:solidFill>
+                        <a:effectLst/>
+                        <a:latin typeface="+mj-lt"/>
+                      </a:endParaRPr>
+                    </a:p>
+                  </a:txBody>
+                  <a:tcPr marL="123825" marR="123825" marT="57150" marB="57150" anchor="ctr">
+                    <a:lnL w="9525" cap="flat" cmpd="sng" algn="ctr">
+                      <a:solidFill>
+                        <a:srgbClr val="DFE2E5"/>
+                      </a:solidFill>
+                      <a:prstDash val="solid"/>
+                      <a:round/>
+                      <a:headEnd type="none" w="med" len="med"/>
+                      <a:tailEnd type="none" w="med" len="med"/>
+                    </a:lnL>
+                    <a:lnR w="9525" cap="flat" cmpd="sng" algn="ctr">
+                      <a:solidFill>
+                        <a:srgbClr val="DFE2E5"/>
+                      </a:solidFill>
+                      <a:prstDash val="solid"/>
+                      <a:round/>
+                      <a:headEnd type="none" w="med" len="med"/>
+                      <a:tailEnd type="none" w="med" len="med"/>
+                    </a:lnR>
+                    <a:lnT w="9525" cap="flat" cmpd="sng" algn="ctr">
+                      <a:solidFill>
+                        <a:srgbClr val="DFE2E5"/>
+                      </a:solidFill>
+                      <a:prstDash val="solid"/>
+                      <a:round/>
+                      <a:headEnd type="none" w="med" len="med"/>
+                      <a:tailEnd type="none" w="med" len="med"/>
+                    </a:lnT>
+                    <a:lnB w="9525" cap="flat" cmpd="sng" algn="ctr">
+                      <a:solidFill>
+                        <a:srgbClr val="DFE2E5"/>
+                      </a:solidFill>
+                      <a:prstDash val="solid"/>
+                      <a:round/>
+                      <a:headEnd type="none" w="med" len="med"/>
+                      <a:tailEnd type="none" w="med" len="med"/>
+                    </a:lnB>
+                    <a:solidFill>
+                      <a:srgbClr val="FFFFFF"/>
+                    </a:solidFill>
+                  </a:tcPr>
+                </a:tc>
+                <a:extLst>
+                  <a:ext uri="{0D108BD9-81ED-4DB2-BD59-A6C34878D82A}">
+                    <a16:rowId xmlns:a16="http://schemas.microsoft.com/office/drawing/2014/main" val="1890083465"/>
+                  </a:ext>
+                </a:extLst>
+              </a:tr>
+            </a:tbl>
+          </a:graphicData>
+        </a:graphic>
+      </p:graphicFrame>
       <p:sp>
         <p:nvSpPr>
-          <p:cNvPr id="3" name="Text Placeholder 2"/>
+          <p:cNvPr id="5" name="Rectangle 1">
+            <a:extLst>
+              <a:ext uri="{FF2B5EF4-FFF2-40B4-BE49-F238E27FC236}">
+                <a16:creationId xmlns:a16="http://schemas.microsoft.com/office/drawing/2014/main" id="{3C3F606A-CA70-0C46-B7FA-60E8CA50C5B7}"/>
+              </a:ext>
+            </a:extLst>
+          </p:cNvPr>
           <p:cNvSpPr>
-            <a:spLocks noGrp="1"/>
+            <a:spLocks noChangeArrowheads="1"/>
           </p:cNvSpPr>
-          <p:nvPr>
-            <p:ph type="body" idx="1"/>
-          </p:nvPr>
-        </p:nvSpPr>
-        <p:spPr/>
-        <p:txBody>
-          <a:bodyPr/>
-          <a:lstStyle/>
-          <a:p>
-            <a:r>
-              <a:rPr lang="en-US"/>
-              <a:t>http://microservices.io/patterns/apigateway.html</a:t>
-            </a:r>
-            <a:endParaRPr kumimoji="1" lang="en-US" altLang="zh-CN" i="1"/>
-          </a:p>
-          <a:p>
-            <a:r>
-              <a:rPr kumimoji="1" lang="en-US" altLang="zh-CN"/>
-              <a:t>…</a:t>
-            </a:r>
-            <a:endParaRPr kumimoji="1" lang="zh-CN" altLang="en-US"/>
-          </a:p>
-        </p:txBody>
-      </p:sp>
-      <p:sp>
-        <p:nvSpPr>
-          <p:cNvPr id="4" name="Google Shape;262;p28"/>
-          <p:cNvSpPr/>
           <p:nvPr/>
         </p:nvSpPr>
-        <p:spPr>
+        <p:spPr bwMode="auto">
           <a:xfrm>
-            <a:off x="7387563" y="721397"/>
-            <a:ext cx="1882907" cy="307777"/>
+            <a:off x="371475" y="1152425"/>
+            <a:ext cx="9144000" cy="457200"/>
           </a:xfrm>
           <a:prstGeom prst="rect">
             <a:avLst/>
@@ -18544,38 +19894,133 @@
           <a:ln>
             <a:noFill/>
           </a:ln>
+          <a:effectLst/>
+          <a:extLst>
+            <a:ext uri="{909E8E84-426E-40DD-AFC4-6F175D3DCCD1}">
+              <a14:hiddenFill xmlns:a14="http://schemas.microsoft.com/office/drawing/2010/main">
+                <a:solidFill>
+                  <a:schemeClr val="accent1"/>
+                </a:solidFill>
+              </a14:hiddenFill>
+            </a:ext>
+            <a:ext uri="{91240B29-F687-4F45-9708-019B960494DF}">
+              <a14:hiddenLine xmlns:a14="http://schemas.microsoft.com/office/drawing/2010/main" w="9525">
+                <a:solidFill>
+                  <a:schemeClr val="tx1"/>
+                </a:solidFill>
+                <a:miter lim="800000"/>
+                <a:headEnd/>
+                <a:tailEnd/>
+              </a14:hiddenLine>
+            </a:ext>
+            <a:ext uri="{AF507438-7753-43E0-B8FC-AC1667EBCBE1}">
+              <a14:hiddenEffects xmlns:a14="http://schemas.microsoft.com/office/drawing/2010/main">
+                <a:effectLst>
+                  <a:outerShdw dist="35921" dir="2700000" algn="ctr" rotWithShape="0">
+                    <a:schemeClr val="bg2"/>
+                  </a:outerShdw>
+                </a:effectLst>
+              </a14:hiddenEffects>
+            </a:ext>
+          </a:extLst>
         </p:spPr>
         <p:txBody>
-          <a:bodyPr spcFirstLastPara="1" wrap="square" lIns="91425" tIns="45700" rIns="91425" bIns="45700" anchor="t" anchorCtr="0">
-            <a:noAutofit/>
+          <a:bodyPr vert="horz" wrap="none" lIns="91440" tIns="45720" rIns="91440" bIns="45720" numCol="1" anchor="ctr" anchorCtr="0" compatLnSpc="1">
+            <a:prstTxWarp prst="textNoShape">
+              <a:avLst/>
+            </a:prstTxWarp>
+            <a:spAutoFit/>
           </a:bodyPr>
           <a:lstStyle/>
           <a:p>
-            <a:pPr marL="0" marR="0" lvl="0" indent="0" algn="l" rtl="0">
+            <a:pPr marL="0" marR="0" lvl="0" indent="0" algn="l" defTabSz="914400" rtl="0" eaLnBrk="0" fontAlgn="base" latinLnBrk="0" hangingPunct="0">
               <a:lnSpc>
                 <a:spcPct val="100000"/>
               </a:lnSpc>
               <a:spcBef>
-                <a:spcPts val="0"/>
-              </a:spcBef>
-              <a:spcAft>
-                <a:spcPts val="0"/>
-              </a:spcAft>
-              <a:buNone/>
+                <a:spcPct val="0"/>
+              </a:spcBef>
+              <a:spcAft>
+                <a:spcPct val="0"/>
+              </a:spcAft>
+              <a:buClrTx/>
+              <a:buSzTx/>
+              <a:buFontTx/>
+              <a:buNone/>
+              <a:tabLst/>
             </a:pPr>
-            <a:endParaRPr sz="3600" b="1" i="0" u="none" strike="noStrike" cap="none">
+            <a:r>
+              <a:rPr kumimoji="0" lang="en-US" altLang="en-US" sz="1200" b="0" i="0" u="none" strike="noStrike" cap="none" normalizeH="0" baseline="0">
+                <a:ln>
+                  <a:noFill/>
+                </a:ln>
+                <a:solidFill>
+                  <a:srgbClr val="24292E"/>
+                </a:solidFill>
+                <a:effectLst/>
+                <a:latin typeface="Arial" panose="020B0604020202020204" pitchFamily="34" charset="0"/>
+                <a:ea typeface="-apple-system"/>
+              </a:rPr>
+              <a:t>Micro内部有将http请求路径映射到服务的机制，映射规则可以通过下表介绍</a:t>
+            </a:r>
+            <a:endParaRPr kumimoji="0" lang="en-US" altLang="en-US" sz="1800" b="0" i="0" u="none" strike="noStrike" cap="none" normalizeH="0" baseline="0">
+              <a:ln>
+                <a:noFill/>
+              </a:ln>
               <a:solidFill>
-                <a:schemeClr val="accent1"/>
+                <a:schemeClr val="tx1"/>
               </a:solidFill>
-              <a:latin typeface="PT Sans Narrow" panose="020B0506020203020204"/>
-              <a:ea typeface="PT Sans Narrow" panose="020B0506020203020204"/>
-              <a:cs typeface="PT Sans Narrow" panose="020B0506020203020204"/>
-              <a:sym typeface="PT Sans Narrow" panose="020B0506020203020204"/>
+              <a:effectLst/>
+              <a:latin typeface="Arial" panose="020B0604020202020204" pitchFamily="34" charset="0"/>
             </a:endParaRPr>
           </a:p>
         </p:txBody>
       </p:sp>
+      <p:sp>
+        <p:nvSpPr>
+          <p:cNvPr id="6" name="TextBox 5">
+            <a:extLst>
+              <a:ext uri="{FF2B5EF4-FFF2-40B4-BE49-F238E27FC236}">
+                <a16:creationId xmlns:a16="http://schemas.microsoft.com/office/drawing/2014/main" id="{39A7A46E-F5D1-0F47-8FF4-015C35CE3C3E}"/>
+              </a:ext>
+            </a:extLst>
+          </p:cNvPr>
+          <p:cNvSpPr txBox="1"/>
+          <p:nvPr/>
+        </p:nvSpPr>
+        <p:spPr>
+          <a:xfrm>
+            <a:off x="456559" y="3461657"/>
+            <a:ext cx="1871025" cy="307777"/>
+          </a:xfrm>
+          <a:prstGeom prst="rect">
+            <a:avLst/>
+          </a:prstGeom>
+          <a:noFill/>
+        </p:spPr>
+        <p:txBody>
+          <a:bodyPr wrap="none" rtlCol="0">
+            <a:spAutoFit/>
+          </a:bodyPr>
+          <a:lstStyle/>
+          <a:p>
+            <a:r>
+              <a:rPr kumimoji="1" lang="en-US" altLang="zh-CN"/>
+              <a:t>RPC</a:t>
+            </a:r>
+            <a:r>
+              <a:rPr kumimoji="1" lang="zh-CN" altLang="en-US"/>
+              <a:t> 服务类型做示例</a:t>
+            </a:r>
+          </a:p>
+        </p:txBody>
+      </p:sp>
     </p:spTree>
+    <p:extLst>
+      <p:ext uri="{BB962C8B-B14F-4D97-AF65-F5344CB8AC3E}">
+        <p14:creationId xmlns:p14="http://schemas.microsoft.com/office/powerpoint/2010/main" val="119173774"/>
+      </p:ext>
+    </p:extLst>
   </p:cSld>
   <p:clrMapOvr>
     <a:masterClrMapping/>

--- a/others/share/learning-go/【第三期】Micro工具集.pptx
+++ b/others/share/learning-go/【第三期】Micro工具集.pptx
@@ -6,23 +6,24 @@
     <p:sldMasterId id="2147483654" r:id="rId2"/>
   </p:sldMasterIdLst>
   <p:notesMasterIdLst>
-    <p:notesMasterId r:id="rId14"/>
+    <p:notesMasterId r:id="rId15"/>
   </p:notesMasterIdLst>
   <p:handoutMasterIdLst>
-    <p:handoutMasterId r:id="rId15"/>
+    <p:handoutMasterId r:id="rId16"/>
   </p:handoutMasterIdLst>
   <p:sldIdLst>
     <p:sldId id="256" r:id="rId3"/>
     <p:sldId id="257" r:id="rId4"/>
     <p:sldId id="258" r:id="rId5"/>
-    <p:sldId id="259" r:id="rId6"/>
-    <p:sldId id="311" r:id="rId7"/>
-    <p:sldId id="351" r:id="rId8"/>
-    <p:sldId id="352" r:id="rId9"/>
-    <p:sldId id="353" r:id="rId10"/>
-    <p:sldId id="354" r:id="rId11"/>
-    <p:sldId id="321" r:id="rId12"/>
-    <p:sldId id="288" r:id="rId13"/>
+    <p:sldId id="355" r:id="rId6"/>
+    <p:sldId id="259" r:id="rId7"/>
+    <p:sldId id="311" r:id="rId8"/>
+    <p:sldId id="351" r:id="rId9"/>
+    <p:sldId id="352" r:id="rId10"/>
+    <p:sldId id="353" r:id="rId11"/>
+    <p:sldId id="354" r:id="rId12"/>
+    <p:sldId id="321" r:id="rId13"/>
+    <p:sldId id="288" r:id="rId14"/>
   </p:sldIdLst>
   <p:sldSz cx="9144000" cy="5143500" type="screen16x9"/>
   <p:notesSz cx="9144000" cy="5143500"/>
@@ -371,7 +372,7 @@
           <a:p>
             <a:fld id="{A084C82A-ADE2-4BBA-B2A9-E36881C26755}" type="datetimeFigureOut">
               <a:rPr lang="zh-CN" altLang="en-US" smtClean="0"/>
-              <a:t>2020/2/27</a:t>
+              <a:t>2020/3/1</a:t>
             </a:fld>
             <a:endParaRPr lang="zh-CN" altLang="en-US"/>
           </a:p>
@@ -15096,11 +15097,11 @@
             </a:pPr>
             <a:r>
               <a:rPr lang="en-US"/>
-              <a:t>2019-1</a:t>
+              <a:t>2019-</a:t>
             </a:r>
             <a:r>
               <a:rPr lang="en-US" altLang="zh-CN"/>
-              <a:t>2</a:t>
+              <a:t>03</a:t>
             </a:r>
             <a:r>
               <a:rPr lang="en-US"/>
@@ -15108,7 +15109,7 @@
             </a:r>
             <a:r>
               <a:rPr lang="en-US" altLang="zh-CN"/>
-              <a:t>19</a:t>
+              <a:t>12</a:t>
             </a:r>
             <a:endParaRPr lang="en-US"/>
           </a:p>
@@ -15173,3425 +15174,6 @@
 </file>
 
 <file path=ppt/slides/slide10.xml><?xml version="1.0" encoding="utf-8"?>
-<p:sld xmlns:a="http://schemas.openxmlformats.org/drawingml/2006/main" xmlns:r="http://schemas.openxmlformats.org/officeDocument/2006/relationships" xmlns:p="http://schemas.openxmlformats.org/presentationml/2006/main">
-  <p:cSld>
-    <p:spTree>
-      <p:nvGrpSpPr>
-        <p:cNvPr id="1" name=""/>
-        <p:cNvGrpSpPr/>
-        <p:nvPr/>
-      </p:nvGrpSpPr>
-      <p:grpSpPr>
-        <a:xfrm>
-          <a:off x="0" y="0"/>
-          <a:ext cx="0" cy="0"/>
-          <a:chOff x="0" y="0"/>
-          <a:chExt cx="0" cy="0"/>
-        </a:xfrm>
-      </p:grpSpPr>
-      <p:sp>
-        <p:nvSpPr>
-          <p:cNvPr id="2" name="Title 1"/>
-          <p:cNvSpPr>
-            <a:spLocks noGrp="1"/>
-          </p:cNvSpPr>
-          <p:nvPr>
-            <p:ph type="title"/>
-          </p:nvPr>
-        </p:nvSpPr>
-        <p:spPr/>
-        <p:txBody>
-          <a:bodyPr/>
-          <a:lstStyle/>
-          <a:p>
-            <a:r>
-              <a:rPr kumimoji="1" lang="zh-CN" altLang="en-US"/>
-              <a:t>参考资料</a:t>
-            </a:r>
-          </a:p>
-        </p:txBody>
-      </p:sp>
-      <p:sp>
-        <p:nvSpPr>
-          <p:cNvPr id="3" name="Text Placeholder 2"/>
-          <p:cNvSpPr>
-            <a:spLocks noGrp="1"/>
-          </p:cNvSpPr>
-          <p:nvPr>
-            <p:ph type="body" idx="1"/>
-          </p:nvPr>
-        </p:nvSpPr>
-        <p:spPr/>
-        <p:txBody>
-          <a:bodyPr/>
-          <a:lstStyle/>
-          <a:p>
-            <a:r>
-              <a:rPr lang="en-US"/>
-              <a:t>http://microservices.io/patterns/apigateway.html</a:t>
-            </a:r>
-            <a:endParaRPr kumimoji="1" lang="en-US" altLang="zh-CN" i="1"/>
-          </a:p>
-          <a:p>
-            <a:r>
-              <a:rPr kumimoji="1" lang="en-US" altLang="zh-CN"/>
-              <a:t>…</a:t>
-            </a:r>
-            <a:endParaRPr kumimoji="1" lang="zh-CN" altLang="en-US"/>
-          </a:p>
-        </p:txBody>
-      </p:sp>
-      <p:sp>
-        <p:nvSpPr>
-          <p:cNvPr id="4" name="Google Shape;262;p28"/>
-          <p:cNvSpPr/>
-          <p:nvPr/>
-        </p:nvSpPr>
-        <p:spPr>
-          <a:xfrm>
-            <a:off x="7387563" y="721397"/>
-            <a:ext cx="1882907" cy="307777"/>
-          </a:xfrm>
-          <a:prstGeom prst="rect">
-            <a:avLst/>
-          </a:prstGeom>
-          <a:noFill/>
-          <a:ln>
-            <a:noFill/>
-          </a:ln>
-        </p:spPr>
-        <p:txBody>
-          <a:bodyPr spcFirstLastPara="1" wrap="square" lIns="91425" tIns="45700" rIns="91425" bIns="45700" anchor="t" anchorCtr="0">
-            <a:noAutofit/>
-          </a:bodyPr>
-          <a:lstStyle/>
-          <a:p>
-            <a:pPr marL="0" marR="0" lvl="0" indent="0" algn="l" rtl="0">
-              <a:lnSpc>
-                <a:spcPct val="100000"/>
-              </a:lnSpc>
-              <a:spcBef>
-                <a:spcPts val="0"/>
-              </a:spcBef>
-              <a:spcAft>
-                <a:spcPts val="0"/>
-              </a:spcAft>
-              <a:buNone/>
-            </a:pPr>
-            <a:endParaRPr sz="3600" b="1" i="0" u="none" strike="noStrike" cap="none">
-              <a:solidFill>
-                <a:schemeClr val="accent1"/>
-              </a:solidFill>
-              <a:latin typeface="PT Sans Narrow" panose="020B0506020203020204"/>
-              <a:ea typeface="PT Sans Narrow" panose="020B0506020203020204"/>
-              <a:cs typeface="PT Sans Narrow" panose="020B0506020203020204"/>
-              <a:sym typeface="PT Sans Narrow" panose="020B0506020203020204"/>
-            </a:endParaRPr>
-          </a:p>
-        </p:txBody>
-      </p:sp>
-    </p:spTree>
-  </p:cSld>
-  <p:clrMapOvr>
-    <a:masterClrMapping/>
-  </p:clrMapOvr>
-</p:sld>
-</file>
-
-<file path=ppt/slides/slide11.xml><?xml version="1.0" encoding="utf-8"?>
-<p:sld xmlns:a="http://schemas.openxmlformats.org/drawingml/2006/main" xmlns:r="http://schemas.openxmlformats.org/officeDocument/2006/relationships" xmlns:p="http://schemas.openxmlformats.org/presentationml/2006/main">
-  <p:cSld>
-    <p:spTree>
-      <p:nvGrpSpPr>
-        <p:cNvPr id="1" name="Shape 720"/>
-        <p:cNvGrpSpPr/>
-        <p:nvPr/>
-      </p:nvGrpSpPr>
-      <p:grpSpPr>
-        <a:xfrm>
-          <a:off x="0" y="0"/>
-          <a:ext cx="0" cy="0"/>
-          <a:chOff x="0" y="0"/>
-          <a:chExt cx="0" cy="0"/>
-        </a:xfrm>
-      </p:grpSpPr>
-      <p:sp>
-        <p:nvSpPr>
-          <p:cNvPr id="721" name="Google Shape;721;p49"/>
-          <p:cNvSpPr txBox="1">
-            <a:spLocks noGrp="1"/>
-          </p:cNvSpPr>
-          <p:nvPr>
-            <p:ph type="title"/>
-          </p:nvPr>
-        </p:nvSpPr>
-        <p:spPr>
-          <a:xfrm>
-            <a:off x="311700" y="445025"/>
-            <a:ext cx="8520600" cy="707400"/>
-          </a:xfrm>
-          <a:prstGeom prst="rect">
-            <a:avLst/>
-          </a:prstGeom>
-          <a:noFill/>
-          <a:ln>
-            <a:noFill/>
-          </a:ln>
-        </p:spPr>
-        <p:txBody>
-          <a:bodyPr spcFirstLastPara="1" wrap="square" lIns="91425" tIns="91425" rIns="91425" bIns="91425" anchor="t" anchorCtr="0">
-            <a:noAutofit/>
-          </a:bodyPr>
-          <a:lstStyle/>
-          <a:p>
-            <a:pPr marL="0" lvl="0" indent="0" algn="l" rtl="0">
-              <a:lnSpc>
-                <a:spcPct val="100000"/>
-              </a:lnSpc>
-              <a:spcBef>
-                <a:spcPts val="0"/>
-              </a:spcBef>
-              <a:spcAft>
-                <a:spcPts val="0"/>
-              </a:spcAft>
-              <a:buSzPts val="3600"/>
-              <a:buNone/>
-            </a:pPr>
-            <a:r>
-              <a:rPr lang="en-US"/>
-              <a:t>谢谢大家</a:t>
-            </a:r>
-          </a:p>
-        </p:txBody>
-      </p:sp>
-      <p:sp>
-        <p:nvSpPr>
-          <p:cNvPr id="722" name="Google Shape;722;p49"/>
-          <p:cNvSpPr txBox="1">
-            <a:spLocks noGrp="1"/>
-          </p:cNvSpPr>
-          <p:nvPr>
-            <p:ph type="sldNum" idx="12"/>
-          </p:nvPr>
-        </p:nvSpPr>
-        <p:spPr>
-          <a:xfrm>
-            <a:off x="167983" y="4610554"/>
-            <a:ext cx="548700" cy="393600"/>
-          </a:xfrm>
-          <a:prstGeom prst="rect">
-            <a:avLst/>
-          </a:prstGeom>
-          <a:noFill/>
-          <a:ln>
-            <a:noFill/>
-          </a:ln>
-        </p:spPr>
-        <p:txBody>
-          <a:bodyPr spcFirstLastPara="1" wrap="square" lIns="91425" tIns="91425" rIns="91425" bIns="91425" anchor="ctr" anchorCtr="0">
-            <a:noAutofit/>
-          </a:bodyPr>
-          <a:lstStyle/>
-          <a:p>
-            <a:pPr marL="0" lvl="0" indent="0" algn="r" rtl="0">
-              <a:lnSpc>
-                <a:spcPct val="100000"/>
-              </a:lnSpc>
-              <a:spcBef>
-                <a:spcPts val="0"/>
-              </a:spcBef>
-              <a:spcAft>
-                <a:spcPts val="0"/>
-              </a:spcAft>
-              <a:buSzPts val="1000"/>
-              <a:buNone/>
-            </a:pPr>
-            <a:fld id="{00000000-1234-1234-1234-123412341234}" type="slidenum">
-              <a:rPr lang="en-US"/>
-              <a:t>11</a:t>
-            </a:fld>
-            <a:endParaRPr lang="en-US"/>
-          </a:p>
-        </p:txBody>
-      </p:sp>
-      <p:sp>
-        <p:nvSpPr>
-          <p:cNvPr id="723" name="Google Shape;723;p49"/>
-          <p:cNvSpPr txBox="1"/>
-          <p:nvPr/>
-        </p:nvSpPr>
-        <p:spPr>
-          <a:xfrm>
-            <a:off x="1636090" y="1456472"/>
-            <a:ext cx="1122680" cy="289823"/>
-          </a:xfrm>
-          <a:prstGeom prst="rect">
-            <a:avLst/>
-          </a:prstGeom>
-          <a:noFill/>
-          <a:ln>
-            <a:noFill/>
-          </a:ln>
-        </p:spPr>
-        <p:txBody>
-          <a:bodyPr spcFirstLastPara="1" wrap="square" lIns="0" tIns="12700" rIns="0" bIns="0" anchor="t" anchorCtr="0">
-            <a:noAutofit/>
-          </a:bodyPr>
-          <a:lstStyle/>
-          <a:p>
-            <a:pPr marL="12700" marR="0" lvl="0" indent="0" algn="l" rtl="0">
-              <a:lnSpc>
-                <a:spcPct val="100000"/>
-              </a:lnSpc>
-              <a:spcBef>
-                <a:spcPts val="0"/>
-              </a:spcBef>
-              <a:spcAft>
-                <a:spcPts val="0"/>
-              </a:spcAft>
-              <a:buNone/>
-            </a:pPr>
-            <a:r>
-              <a:rPr lang="en-US" sz="1800" b="0" i="0" u="sng" strike="noStrike" cap="none">
-                <a:solidFill>
-                  <a:schemeClr val="hlink"/>
-                </a:solidFill>
-                <a:latin typeface="Courier New" panose="02070309020205020404"/>
-                <a:ea typeface="Courier New" panose="02070309020205020404"/>
-                <a:cs typeface="Courier New" panose="02070309020205020404"/>
-                <a:sym typeface="Courier New" panose="02070309020205020404"/>
-                <a:hlinkClick r:id="rId3"/>
-              </a:rPr>
-              <a:t>micro.mu</a:t>
-            </a:r>
-            <a:endParaRPr sz="1800" b="0" i="0" u="none" strike="noStrike" cap="none">
-              <a:solidFill>
-                <a:srgbClr val="000000"/>
-              </a:solidFill>
-              <a:latin typeface="Courier New" panose="02070309020205020404"/>
-              <a:ea typeface="Courier New" panose="02070309020205020404"/>
-              <a:cs typeface="Courier New" panose="02070309020205020404"/>
-              <a:sym typeface="Courier New" panose="02070309020205020404"/>
-            </a:endParaRPr>
-          </a:p>
-        </p:txBody>
-      </p:sp>
-      <p:sp>
-        <p:nvSpPr>
-          <p:cNvPr id="724" name="Google Shape;724;p49"/>
-          <p:cNvSpPr txBox="1"/>
-          <p:nvPr/>
-        </p:nvSpPr>
-        <p:spPr>
-          <a:xfrm>
-            <a:off x="372176" y="3620866"/>
-            <a:ext cx="1082348" cy="307777"/>
-          </a:xfrm>
-          <a:prstGeom prst="rect">
-            <a:avLst/>
-          </a:prstGeom>
-          <a:noFill/>
-          <a:ln>
-            <a:noFill/>
-          </a:ln>
-        </p:spPr>
-        <p:txBody>
-          <a:bodyPr spcFirstLastPara="1" wrap="square" lIns="91425" tIns="45700" rIns="91425" bIns="45700" anchor="t" anchorCtr="0">
-            <a:noAutofit/>
-          </a:bodyPr>
-          <a:lstStyle/>
-          <a:p>
-            <a:pPr marL="0" marR="0" lvl="0" indent="0" algn="l" rtl="0">
-              <a:lnSpc>
-                <a:spcPct val="100000"/>
-              </a:lnSpc>
-              <a:spcBef>
-                <a:spcPts val="0"/>
-              </a:spcBef>
-              <a:spcAft>
-                <a:spcPts val="0"/>
-              </a:spcAft>
-              <a:buNone/>
-            </a:pPr>
-            <a:r>
-              <a:rPr lang="en-US" sz="1400" b="0" i="0" u="none" strike="noStrike" cap="none">
-                <a:solidFill>
-                  <a:srgbClr val="000000"/>
-                </a:solidFill>
-                <a:latin typeface="Arial" panose="020B0604020202020204"/>
-                <a:ea typeface="Arial" panose="020B0604020202020204"/>
-                <a:cs typeface="Arial" panose="020B0604020202020204"/>
-                <a:sym typeface="Arial" panose="020B0604020202020204"/>
-              </a:rPr>
-              <a:t>资源链接：</a:t>
-            </a:r>
-            <a:endParaRPr sz="1400" b="0" i="0" u="none" strike="noStrike" cap="none">
-              <a:solidFill>
-                <a:srgbClr val="000000"/>
-              </a:solidFill>
-              <a:latin typeface="Arial" panose="020B0604020202020204"/>
-              <a:ea typeface="Arial" panose="020B0604020202020204"/>
-              <a:cs typeface="Arial" panose="020B0604020202020204"/>
-              <a:sym typeface="Arial" panose="020B0604020202020204"/>
-            </a:endParaRPr>
-          </a:p>
-        </p:txBody>
-      </p:sp>
-      <p:sp>
-        <p:nvSpPr>
-          <p:cNvPr id="725" name="Google Shape;725;p49"/>
-          <p:cNvSpPr txBox="1"/>
-          <p:nvPr/>
-        </p:nvSpPr>
-        <p:spPr>
-          <a:xfrm>
-            <a:off x="304800" y="1476364"/>
-            <a:ext cx="1143000" cy="369332"/>
-          </a:xfrm>
-          <a:prstGeom prst="rect">
-            <a:avLst/>
-          </a:prstGeom>
-          <a:noFill/>
-          <a:ln>
-            <a:noFill/>
-          </a:ln>
-        </p:spPr>
-        <p:txBody>
-          <a:bodyPr spcFirstLastPara="1" wrap="square" lIns="91425" tIns="45700" rIns="91425" bIns="45700" anchor="t" anchorCtr="0">
-            <a:noAutofit/>
-          </a:bodyPr>
-          <a:lstStyle/>
-          <a:p>
-            <a:pPr marL="0" marR="0" lvl="0" indent="0" algn="l" rtl="0">
-              <a:lnSpc>
-                <a:spcPct val="100000"/>
-              </a:lnSpc>
-              <a:spcBef>
-                <a:spcPts val="0"/>
-              </a:spcBef>
-              <a:spcAft>
-                <a:spcPts val="0"/>
-              </a:spcAft>
-              <a:buNone/>
-            </a:pPr>
-            <a:r>
-              <a:rPr lang="en-US" sz="1400" b="0" i="0" u="none" strike="noStrike" cap="none">
-                <a:solidFill>
-                  <a:srgbClr val="000000"/>
-                </a:solidFill>
-                <a:latin typeface="Arial" panose="020B0604020202020204"/>
-                <a:ea typeface="Arial" panose="020B0604020202020204"/>
-                <a:cs typeface="Arial" panose="020B0604020202020204"/>
-                <a:sym typeface="Arial" panose="020B0604020202020204"/>
-              </a:rPr>
-              <a:t>官方站点:</a:t>
-            </a:r>
-            <a:endParaRPr sz="1400" b="0" i="0" u="none" strike="noStrike" cap="none">
-              <a:solidFill>
-                <a:srgbClr val="000000"/>
-              </a:solidFill>
-              <a:latin typeface="Arial" panose="020B0604020202020204"/>
-              <a:ea typeface="Arial" panose="020B0604020202020204"/>
-              <a:cs typeface="Arial" panose="020B0604020202020204"/>
-              <a:sym typeface="Arial" panose="020B0604020202020204"/>
-            </a:endParaRPr>
-          </a:p>
-        </p:txBody>
-      </p:sp>
-      <p:sp>
-        <p:nvSpPr>
-          <p:cNvPr id="726" name="Google Shape;726;p49"/>
-          <p:cNvSpPr txBox="1"/>
-          <p:nvPr/>
-        </p:nvSpPr>
-        <p:spPr>
-          <a:xfrm>
-            <a:off x="304800" y="1860403"/>
-            <a:ext cx="1143000" cy="307777"/>
-          </a:xfrm>
-          <a:prstGeom prst="rect">
-            <a:avLst/>
-          </a:prstGeom>
-          <a:noFill/>
-          <a:ln>
-            <a:noFill/>
-          </a:ln>
-        </p:spPr>
-        <p:txBody>
-          <a:bodyPr spcFirstLastPara="1" wrap="square" lIns="91425" tIns="45700" rIns="91425" bIns="45700" anchor="t" anchorCtr="0">
-            <a:noAutofit/>
-          </a:bodyPr>
-          <a:lstStyle/>
-          <a:p>
-            <a:pPr marL="0" marR="0" lvl="0" indent="0" algn="l" rtl="0">
-              <a:lnSpc>
-                <a:spcPct val="100000"/>
-              </a:lnSpc>
-              <a:spcBef>
-                <a:spcPts val="0"/>
-              </a:spcBef>
-              <a:spcAft>
-                <a:spcPts val="0"/>
-              </a:spcAft>
-              <a:buNone/>
-            </a:pPr>
-            <a:r>
-              <a:rPr lang="en-US" sz="1400" b="0" i="0" u="none" strike="noStrike" cap="none">
-                <a:solidFill>
-                  <a:srgbClr val="000000"/>
-                </a:solidFill>
-                <a:latin typeface="Arial" panose="020B0604020202020204"/>
-                <a:ea typeface="Arial" panose="020B0604020202020204"/>
-                <a:cs typeface="Arial" panose="020B0604020202020204"/>
-                <a:sym typeface="Arial" panose="020B0604020202020204"/>
-              </a:rPr>
-              <a:t>微信公众号:</a:t>
-            </a:r>
-            <a:endParaRPr sz="1400" b="0" i="0" u="none" strike="noStrike" cap="none">
-              <a:solidFill>
-                <a:srgbClr val="000000"/>
-              </a:solidFill>
-              <a:latin typeface="Arial" panose="020B0604020202020204"/>
-              <a:ea typeface="Arial" panose="020B0604020202020204"/>
-              <a:cs typeface="Arial" panose="020B0604020202020204"/>
-              <a:sym typeface="Arial" panose="020B0604020202020204"/>
-            </a:endParaRPr>
-          </a:p>
-        </p:txBody>
-      </p:sp>
-      <p:pic>
-        <p:nvPicPr>
-          <p:cNvPr id="727" name="Google Shape;727;p49"/>
-          <p:cNvPicPr preferRelativeResize="0"/>
-          <p:nvPr/>
-        </p:nvPicPr>
-        <p:blipFill rotWithShape="1">
-          <a:blip r:embed="rId4"/>
-          <a:srcRect/>
-          <a:stretch>
-            <a:fillRect/>
-          </a:stretch>
-        </p:blipFill>
-        <p:spPr>
-          <a:xfrm>
-            <a:off x="1538544" y="1803812"/>
-            <a:ext cx="1078846" cy="1078846"/>
-          </a:xfrm>
-          <a:prstGeom prst="rect">
-            <a:avLst/>
-          </a:prstGeom>
-          <a:noFill/>
-          <a:ln>
-            <a:noFill/>
-          </a:ln>
-        </p:spPr>
-      </p:pic>
-      <p:sp>
-        <p:nvSpPr>
-          <p:cNvPr id="728" name="Google Shape;728;p49"/>
-          <p:cNvSpPr txBox="1"/>
-          <p:nvPr/>
-        </p:nvSpPr>
-        <p:spPr>
-          <a:xfrm>
-            <a:off x="405794" y="3074983"/>
-            <a:ext cx="1143000" cy="307777"/>
-          </a:xfrm>
-          <a:prstGeom prst="rect">
-            <a:avLst/>
-          </a:prstGeom>
-          <a:noFill/>
-          <a:ln>
-            <a:noFill/>
-          </a:ln>
-        </p:spPr>
-        <p:txBody>
-          <a:bodyPr spcFirstLastPara="1" wrap="square" lIns="91425" tIns="45700" rIns="91425" bIns="45700" anchor="t" anchorCtr="0">
-            <a:noAutofit/>
-          </a:bodyPr>
-          <a:lstStyle/>
-          <a:p>
-            <a:pPr marL="0" marR="0" lvl="0" indent="0" algn="l" rtl="0">
-              <a:lnSpc>
-                <a:spcPct val="100000"/>
-              </a:lnSpc>
-              <a:spcBef>
-                <a:spcPts val="0"/>
-              </a:spcBef>
-              <a:spcAft>
-                <a:spcPts val="0"/>
-              </a:spcAft>
-              <a:buNone/>
-            </a:pPr>
-            <a:r>
-              <a:rPr lang="en-US" sz="1400" b="0" i="0" u="none" strike="noStrike" cap="none">
-                <a:solidFill>
-                  <a:srgbClr val="000000"/>
-                </a:solidFill>
-                <a:latin typeface="Arial" panose="020B0604020202020204"/>
-                <a:ea typeface="Arial" panose="020B0604020202020204"/>
-                <a:cs typeface="Arial" panose="020B0604020202020204"/>
-                <a:sym typeface="Arial" panose="020B0604020202020204"/>
-              </a:rPr>
-              <a:t>提问:</a:t>
-            </a:r>
-            <a:endParaRPr sz="1400" b="0" i="0" u="none" strike="noStrike" cap="none">
-              <a:solidFill>
-                <a:srgbClr val="000000"/>
-              </a:solidFill>
-              <a:latin typeface="Arial" panose="020B0604020202020204"/>
-              <a:ea typeface="Arial" panose="020B0604020202020204"/>
-              <a:cs typeface="Arial" panose="020B0604020202020204"/>
-              <a:sym typeface="Arial" panose="020B0604020202020204"/>
-            </a:endParaRPr>
-          </a:p>
-        </p:txBody>
-      </p:sp>
-      <p:sp>
-        <p:nvSpPr>
-          <p:cNvPr id="729" name="Google Shape;729;p49"/>
-          <p:cNvSpPr txBox="1"/>
-          <p:nvPr/>
-        </p:nvSpPr>
-        <p:spPr>
-          <a:xfrm>
-            <a:off x="457200" y="3943350"/>
-            <a:ext cx="4644476" cy="869469"/>
-          </a:xfrm>
-          <a:prstGeom prst="rect">
-            <a:avLst/>
-          </a:prstGeom>
-          <a:noFill/>
-          <a:ln>
-            <a:noFill/>
-          </a:ln>
-        </p:spPr>
-        <p:txBody>
-          <a:bodyPr spcFirstLastPara="1" wrap="square" lIns="0" tIns="12700" rIns="0" bIns="0" anchor="t" anchorCtr="0">
-            <a:noAutofit/>
-          </a:bodyPr>
-          <a:lstStyle/>
-          <a:p>
-            <a:pPr marL="12700" marR="0" lvl="0" indent="0" algn="l" rtl="0">
-              <a:lnSpc>
-                <a:spcPct val="100000"/>
-              </a:lnSpc>
-              <a:spcBef>
-                <a:spcPts val="0"/>
-              </a:spcBef>
-              <a:spcAft>
-                <a:spcPts val="0"/>
-              </a:spcAft>
-              <a:buNone/>
-            </a:pPr>
-            <a:r>
-              <a:rPr lang="en-US" sz="1800" b="0" i="0" u="sng" strike="noStrike" cap="none">
-                <a:solidFill>
-                  <a:schemeClr val="hlink"/>
-                </a:solidFill>
-                <a:latin typeface="Courier New" panose="02070309020205020404"/>
-                <a:ea typeface="Courier New" panose="02070309020205020404"/>
-                <a:cs typeface="Courier New" panose="02070309020205020404"/>
-                <a:sym typeface="Courier New" panose="02070309020205020404"/>
-                <a:hlinkClick r:id="rId5"/>
-              </a:rPr>
-              <a:t>Micro</a:t>
-            </a:r>
-            <a:endParaRPr sz="1800" b="0" i="0" u="sng" strike="noStrike" cap="none">
-              <a:solidFill>
-                <a:srgbClr val="01AED1"/>
-              </a:solidFill>
-              <a:latin typeface="Courier New" panose="02070309020205020404"/>
-              <a:ea typeface="Courier New" panose="02070309020205020404"/>
-              <a:cs typeface="Courier New" panose="02070309020205020404"/>
-              <a:sym typeface="Courier New" panose="02070309020205020404"/>
-            </a:endParaRPr>
-          </a:p>
-          <a:p>
-            <a:pPr marL="12700" marR="0" lvl="0" indent="0" algn="l" rtl="0">
-              <a:lnSpc>
-                <a:spcPct val="100000"/>
-              </a:lnSpc>
-              <a:spcBef>
-                <a:spcPts val="100"/>
-              </a:spcBef>
-              <a:spcAft>
-                <a:spcPts val="0"/>
-              </a:spcAft>
-              <a:buNone/>
-            </a:pPr>
-            <a:r>
-              <a:rPr lang="en-US" sz="1400" b="0" i="0" u="sng" strike="noStrike" cap="none">
-                <a:solidFill>
-                  <a:schemeClr val="hlink"/>
-                </a:solidFill>
-                <a:latin typeface="Courier New" panose="02070309020205020404"/>
-                <a:ea typeface="Courier New" panose="02070309020205020404"/>
-                <a:cs typeface="Courier New" panose="02070309020205020404"/>
-                <a:sym typeface="Courier New" panose="02070309020205020404"/>
-                <a:hlinkClick r:id="rId6"/>
-              </a:rPr>
-              <a:t>Micro中国站</a:t>
-            </a:r>
-            <a:endParaRPr sz="1400" b="0" i="0" u="none" strike="noStrike" cap="none">
-              <a:solidFill>
-                <a:srgbClr val="000000"/>
-              </a:solidFill>
-              <a:latin typeface="Courier New" panose="02070309020205020404"/>
-              <a:ea typeface="Courier New" panose="02070309020205020404"/>
-              <a:cs typeface="Courier New" panose="02070309020205020404"/>
-              <a:sym typeface="Courier New" panose="02070309020205020404"/>
-            </a:endParaRPr>
-          </a:p>
-          <a:p>
-            <a:pPr marL="12700" marR="0" lvl="0" indent="0" algn="l" rtl="0">
-              <a:lnSpc>
-                <a:spcPct val="100000"/>
-              </a:lnSpc>
-              <a:spcBef>
-                <a:spcPts val="100"/>
-              </a:spcBef>
-              <a:spcAft>
-                <a:spcPts val="0"/>
-              </a:spcAft>
-              <a:buNone/>
-            </a:pPr>
-            <a:endParaRPr sz="1800" b="0" i="0" u="none" strike="noStrike" cap="none">
-              <a:solidFill>
-                <a:srgbClr val="000000"/>
-              </a:solidFill>
-              <a:latin typeface="Courier New" panose="02070309020205020404"/>
-              <a:ea typeface="Courier New" panose="02070309020205020404"/>
-              <a:cs typeface="Courier New" panose="02070309020205020404"/>
-              <a:sym typeface="Courier New" panose="02070309020205020404"/>
-            </a:endParaRPr>
-          </a:p>
-        </p:txBody>
-      </p:sp>
-      <p:pic>
-        <p:nvPicPr>
-          <p:cNvPr id="11" name="Picture 10"/>
-          <p:cNvPicPr>
-            <a:picLocks noChangeAspect="1"/>
-          </p:cNvPicPr>
-          <p:nvPr/>
-        </p:nvPicPr>
-        <p:blipFill>
-          <a:blip r:embed="rId7"/>
-          <a:stretch>
-            <a:fillRect/>
-          </a:stretch>
-        </p:blipFill>
-        <p:spPr>
-          <a:xfrm>
-            <a:off x="2950973" y="1827589"/>
-            <a:ext cx="1084935" cy="1069971"/>
-          </a:xfrm>
-          <a:prstGeom prst="rect">
-            <a:avLst/>
-          </a:prstGeom>
-        </p:spPr>
-      </p:pic>
-    </p:spTree>
-  </p:cSld>
-  <p:clrMapOvr>
-    <a:masterClrMapping/>
-  </p:clrMapOvr>
-</p:sld>
-</file>
-
-<file path=ppt/slides/slide2.xml><?xml version="1.0" encoding="utf-8"?>
-<p:sld xmlns:a="http://schemas.openxmlformats.org/drawingml/2006/main" xmlns:r="http://schemas.openxmlformats.org/officeDocument/2006/relationships" xmlns:p="http://schemas.openxmlformats.org/presentationml/2006/main">
-  <p:cSld>
-    <p:spTree>
-      <p:nvGrpSpPr>
-        <p:cNvPr id="1" name="Shape 117"/>
-        <p:cNvGrpSpPr/>
-        <p:nvPr/>
-      </p:nvGrpSpPr>
-      <p:grpSpPr>
-        <a:xfrm>
-          <a:off x="0" y="0"/>
-          <a:ext cx="0" cy="0"/>
-          <a:chOff x="0" y="0"/>
-          <a:chExt cx="0" cy="0"/>
-        </a:xfrm>
-      </p:grpSpPr>
-      <p:sp>
-        <p:nvSpPr>
-          <p:cNvPr id="118" name="Google Shape;118;p18"/>
-          <p:cNvSpPr txBox="1">
-            <a:spLocks noGrp="1"/>
-          </p:cNvSpPr>
-          <p:nvPr>
-            <p:ph type="title"/>
-          </p:nvPr>
-        </p:nvSpPr>
-        <p:spPr>
-          <a:xfrm>
-            <a:off x="311700" y="445025"/>
-            <a:ext cx="8520600" cy="707400"/>
-          </a:xfrm>
-          <a:prstGeom prst="rect">
-            <a:avLst/>
-          </a:prstGeom>
-          <a:noFill/>
-          <a:ln>
-            <a:noFill/>
-          </a:ln>
-        </p:spPr>
-        <p:txBody>
-          <a:bodyPr spcFirstLastPara="1" wrap="square" lIns="91425" tIns="91425" rIns="91425" bIns="91425" anchor="t" anchorCtr="0">
-            <a:noAutofit/>
-          </a:bodyPr>
-          <a:lstStyle/>
-          <a:p>
-            <a:pPr marL="0" lvl="0" indent="0" algn="l" rtl="0">
-              <a:lnSpc>
-                <a:spcPct val="100000"/>
-              </a:lnSpc>
-              <a:spcBef>
-                <a:spcPts val="0"/>
-              </a:spcBef>
-              <a:spcAft>
-                <a:spcPts val="0"/>
-              </a:spcAft>
-              <a:buSzPts val="3600"/>
-              <a:buNone/>
-            </a:pPr>
-            <a:r>
-              <a:rPr lang="en-US" altLang="zh-CN"/>
-              <a:t>Micro</a:t>
-            </a:r>
-            <a:r>
-              <a:rPr lang="zh-CN" altLang="en-US"/>
-              <a:t>中国站</a:t>
-            </a:r>
-            <a:endParaRPr lang="en-US"/>
-          </a:p>
-        </p:txBody>
-      </p:sp>
-      <p:sp>
-        <p:nvSpPr>
-          <p:cNvPr id="119" name="Google Shape;119;p18"/>
-          <p:cNvSpPr txBox="1">
-            <a:spLocks noGrp="1"/>
-          </p:cNvSpPr>
-          <p:nvPr>
-            <p:ph type="sldNum" idx="12"/>
-          </p:nvPr>
-        </p:nvSpPr>
-        <p:spPr>
-          <a:xfrm>
-            <a:off x="167983" y="4610554"/>
-            <a:ext cx="548700" cy="393600"/>
-          </a:xfrm>
-          <a:prstGeom prst="rect">
-            <a:avLst/>
-          </a:prstGeom>
-          <a:noFill/>
-          <a:ln>
-            <a:noFill/>
-          </a:ln>
-        </p:spPr>
-        <p:txBody>
-          <a:bodyPr spcFirstLastPara="1" wrap="square" lIns="91425" tIns="91425" rIns="91425" bIns="91425" anchor="ctr" anchorCtr="0">
-            <a:noAutofit/>
-          </a:bodyPr>
-          <a:lstStyle/>
-          <a:p>
-            <a:pPr marL="0" lvl="0" indent="0" algn="r" rtl="0">
-              <a:lnSpc>
-                <a:spcPct val="100000"/>
-              </a:lnSpc>
-              <a:spcBef>
-                <a:spcPts val="0"/>
-              </a:spcBef>
-              <a:spcAft>
-                <a:spcPts val="0"/>
-              </a:spcAft>
-              <a:buSzPts val="1000"/>
-              <a:buNone/>
-            </a:pPr>
-            <a:fld id="{00000000-1234-1234-1234-123412341234}" type="slidenum">
-              <a:rPr lang="en-US"/>
-              <a:t>2</a:t>
-            </a:fld>
-            <a:endParaRPr lang="en-US"/>
-          </a:p>
-        </p:txBody>
-      </p:sp>
-      <p:sp>
-        <p:nvSpPr>
-          <p:cNvPr id="120" name="Google Shape;120;p18"/>
-          <p:cNvSpPr txBox="1"/>
-          <p:nvPr/>
-        </p:nvSpPr>
-        <p:spPr>
-          <a:xfrm>
-            <a:off x="462280" y="1242875"/>
-            <a:ext cx="3042920" cy="289823"/>
-          </a:xfrm>
-          <a:prstGeom prst="rect">
-            <a:avLst/>
-          </a:prstGeom>
-          <a:noFill/>
-          <a:ln>
-            <a:noFill/>
-          </a:ln>
-        </p:spPr>
-        <p:txBody>
-          <a:bodyPr spcFirstLastPara="1" wrap="square" lIns="0" tIns="12700" rIns="0" bIns="0" anchor="t" anchorCtr="0">
-            <a:noAutofit/>
-          </a:bodyPr>
-          <a:lstStyle/>
-          <a:p>
-            <a:pPr marL="12700" marR="0" lvl="0" indent="0" algn="l" rtl="0">
-              <a:lnSpc>
-                <a:spcPct val="100000"/>
-              </a:lnSpc>
-              <a:spcBef>
-                <a:spcPts val="0"/>
-              </a:spcBef>
-              <a:spcAft>
-                <a:spcPts val="0"/>
-              </a:spcAft>
-              <a:buNone/>
-            </a:pPr>
-            <a:r>
-              <a:rPr lang="en-US" altLang="zh-CN" sz="1800" b="0" i="0" u="none" strike="noStrike" cap="none">
-                <a:solidFill>
-                  <a:srgbClr val="424242"/>
-                </a:solidFill>
-                <a:latin typeface="Courier New" panose="02070309020205020404"/>
-                <a:ea typeface="Courier New" panose="02070309020205020404"/>
-                <a:cs typeface="Courier New" panose="02070309020205020404"/>
-                <a:sym typeface="Courier New" panose="02070309020205020404"/>
-              </a:rPr>
-              <a:t>Since</a:t>
-            </a:r>
-            <a:r>
-              <a:rPr lang="zh-CN" altLang="en-US" sz="1800" b="0" i="0" u="none" strike="noStrike" cap="none">
-                <a:solidFill>
-                  <a:srgbClr val="424242"/>
-                </a:solidFill>
-                <a:latin typeface="Courier New" panose="02070309020205020404"/>
-                <a:ea typeface="Courier New" panose="02070309020205020404"/>
-                <a:cs typeface="Courier New" panose="02070309020205020404"/>
-                <a:sym typeface="Courier New" panose="02070309020205020404"/>
-              </a:rPr>
-              <a:t> </a:t>
-            </a:r>
-            <a:r>
-              <a:rPr lang="en-US" altLang="zh-CN" sz="1800" b="0" i="0" u="none" strike="noStrike" cap="none">
-                <a:solidFill>
-                  <a:srgbClr val="424242"/>
-                </a:solidFill>
-                <a:latin typeface="Courier New" panose="02070309020205020404"/>
-                <a:ea typeface="Courier New" panose="02070309020205020404"/>
-                <a:cs typeface="Courier New" panose="02070309020205020404"/>
-                <a:sym typeface="Courier New" panose="02070309020205020404"/>
-              </a:rPr>
-              <a:t>2019-02</a:t>
-            </a:r>
-            <a:endParaRPr sz="1800" b="0" i="0" u="none" strike="noStrike" cap="none">
-              <a:solidFill>
-                <a:srgbClr val="000000"/>
-              </a:solidFill>
-              <a:latin typeface="Courier New" panose="02070309020205020404"/>
-              <a:ea typeface="Courier New" panose="02070309020205020404"/>
-              <a:cs typeface="Courier New" panose="02070309020205020404"/>
-              <a:sym typeface="Courier New" panose="02070309020205020404"/>
-            </a:endParaRPr>
-          </a:p>
-        </p:txBody>
-      </p:sp>
-      <p:sp>
-        <p:nvSpPr>
-          <p:cNvPr id="122" name="Google Shape;122;p18"/>
-          <p:cNvSpPr txBox="1"/>
-          <p:nvPr/>
-        </p:nvSpPr>
-        <p:spPr>
-          <a:xfrm>
-            <a:off x="462280" y="1623148"/>
-            <a:ext cx="3120476" cy="289823"/>
-          </a:xfrm>
-          <a:prstGeom prst="rect">
-            <a:avLst/>
-          </a:prstGeom>
-          <a:noFill/>
-          <a:ln>
-            <a:noFill/>
-          </a:ln>
-        </p:spPr>
-        <p:txBody>
-          <a:bodyPr spcFirstLastPara="1" wrap="square" lIns="0" tIns="12700" rIns="0" bIns="0" anchor="t" anchorCtr="0">
-            <a:noAutofit/>
-          </a:bodyPr>
-          <a:lstStyle/>
-          <a:p>
-            <a:pPr marL="12700" lvl="0"/>
-            <a:r>
-              <a:rPr lang="en-US">
-                <a:hlinkClick r:id="rId3"/>
-              </a:rPr>
-              <a:t>https://github.com/micro-in-cn</a:t>
-            </a:r>
-            <a:endParaRPr u="sng">
-              <a:solidFill>
-                <a:srgbClr val="01AED1"/>
-              </a:solidFill>
-              <a:latin typeface="Courier New" panose="02070309020205020404"/>
-              <a:cs typeface="Courier New" panose="02070309020205020404"/>
-              <a:sym typeface="Courier New" panose="02070309020205020404"/>
-            </a:endParaRPr>
-          </a:p>
-        </p:txBody>
-      </p:sp>
-      <p:sp>
-        <p:nvSpPr>
-          <p:cNvPr id="128" name="Google Shape;128;p18"/>
-          <p:cNvSpPr/>
-          <p:nvPr/>
-        </p:nvSpPr>
-        <p:spPr>
-          <a:xfrm>
-            <a:off x="7743870" y="721831"/>
-            <a:ext cx="1120800" cy="307800"/>
-          </a:xfrm>
-          <a:prstGeom prst="rect">
-            <a:avLst/>
-          </a:prstGeom>
-          <a:noFill/>
-          <a:ln>
-            <a:noFill/>
-          </a:ln>
-        </p:spPr>
-        <p:txBody>
-          <a:bodyPr spcFirstLastPara="1" wrap="square" lIns="91425" tIns="45700" rIns="91425" bIns="45700" anchor="t" anchorCtr="0">
-            <a:noAutofit/>
-          </a:bodyPr>
-          <a:lstStyle/>
-          <a:p>
-            <a:pPr marL="0" marR="0" lvl="0" indent="0" algn="l" rtl="0">
-              <a:lnSpc>
-                <a:spcPct val="100000"/>
-              </a:lnSpc>
-              <a:spcBef>
-                <a:spcPts val="0"/>
-              </a:spcBef>
-              <a:spcAft>
-                <a:spcPts val="0"/>
-              </a:spcAft>
-              <a:buNone/>
-            </a:pPr>
-            <a:r>
-              <a:rPr lang="en-US" b="1">
-                <a:solidFill>
-                  <a:schemeClr val="accent1"/>
-                </a:solidFill>
-                <a:latin typeface="PT Sans Narrow" panose="020B0506020203020204"/>
-                <a:ea typeface="PT Sans Narrow" panose="020B0506020203020204"/>
-                <a:cs typeface="PT Sans Narrow" panose="020B0506020203020204"/>
-                <a:sym typeface="PT Sans Narrow" panose="020B0506020203020204"/>
-              </a:rPr>
-              <a:t>Micro</a:t>
-            </a:r>
-            <a:r>
-              <a:rPr lang="zh-CN" altLang="en-US" b="1">
-                <a:solidFill>
-                  <a:schemeClr val="accent1"/>
-                </a:solidFill>
-                <a:latin typeface="PT Sans Narrow" panose="020B0506020203020204"/>
-                <a:ea typeface="PT Sans Narrow" panose="020B0506020203020204"/>
-                <a:cs typeface="PT Sans Narrow" panose="020B0506020203020204"/>
-                <a:sym typeface="PT Sans Narrow" panose="020B0506020203020204"/>
-              </a:rPr>
-              <a:t> 中国</a:t>
-            </a:r>
-            <a:endParaRPr sz="3600" b="1" i="0" u="none" strike="noStrike" cap="none">
-              <a:solidFill>
-                <a:schemeClr val="accent1"/>
-              </a:solidFill>
-              <a:latin typeface="PT Sans Narrow" panose="020B0506020203020204"/>
-              <a:ea typeface="PT Sans Narrow" panose="020B0506020203020204"/>
-              <a:cs typeface="PT Sans Narrow" panose="020B0506020203020204"/>
-              <a:sym typeface="PT Sans Narrow" panose="020B0506020203020204"/>
-            </a:endParaRPr>
-          </a:p>
-        </p:txBody>
-      </p:sp>
-      <p:pic>
-        <p:nvPicPr>
-          <p:cNvPr id="2" name="Picture 1"/>
-          <p:cNvPicPr>
-            <a:picLocks noChangeAspect="1"/>
-          </p:cNvPicPr>
-          <p:nvPr/>
-        </p:nvPicPr>
-        <p:blipFill>
-          <a:blip r:embed="rId4"/>
-          <a:stretch>
-            <a:fillRect/>
-          </a:stretch>
-        </p:blipFill>
-        <p:spPr>
-          <a:xfrm>
-            <a:off x="384218" y="2026017"/>
-            <a:ext cx="1638300" cy="1638300"/>
-          </a:xfrm>
-          <a:prstGeom prst="rect">
-            <a:avLst/>
-          </a:prstGeom>
-        </p:spPr>
-      </p:pic>
-      <p:pic>
-        <p:nvPicPr>
-          <p:cNvPr id="3" name="Picture 2"/>
-          <p:cNvPicPr>
-            <a:picLocks noChangeAspect="1"/>
-          </p:cNvPicPr>
-          <p:nvPr/>
-        </p:nvPicPr>
-        <p:blipFill>
-          <a:blip r:embed="rId5"/>
-          <a:stretch>
-            <a:fillRect/>
-          </a:stretch>
-        </p:blipFill>
-        <p:spPr>
-          <a:xfrm>
-            <a:off x="2389857" y="2026017"/>
-            <a:ext cx="1638301" cy="1615704"/>
-          </a:xfrm>
-          <a:prstGeom prst="rect">
-            <a:avLst/>
-          </a:prstGeom>
-        </p:spPr>
-      </p:pic>
-      <p:sp>
-        <p:nvSpPr>
-          <p:cNvPr id="4" name="TextBox 3"/>
-          <p:cNvSpPr txBox="1"/>
-          <p:nvPr/>
-        </p:nvSpPr>
-        <p:spPr>
-          <a:xfrm>
-            <a:off x="2389857" y="3641721"/>
-            <a:ext cx="1928733" cy="307777"/>
-          </a:xfrm>
-          <a:prstGeom prst="rect">
-            <a:avLst/>
-          </a:prstGeom>
-          <a:noFill/>
-        </p:spPr>
-        <p:txBody>
-          <a:bodyPr wrap="none" rtlCol="0">
-            <a:spAutoFit/>
-          </a:bodyPr>
-          <a:lstStyle/>
-          <a:p>
-            <a:r>
-              <a:rPr kumimoji="1" lang="zh-CN" altLang="en-US"/>
-              <a:t>扫码加群，备注</a:t>
-            </a:r>
-            <a:r>
-              <a:rPr kumimoji="1" lang="en-US" altLang="zh-CN"/>
-              <a:t>github</a:t>
-            </a:r>
-            <a:endParaRPr kumimoji="1" lang="zh-CN" altLang="en-US"/>
-          </a:p>
-        </p:txBody>
-      </p:sp>
-      <p:sp>
-        <p:nvSpPr>
-          <p:cNvPr id="14" name="TextBox 13"/>
-          <p:cNvSpPr txBox="1"/>
-          <p:nvPr/>
-        </p:nvSpPr>
-        <p:spPr>
-          <a:xfrm>
-            <a:off x="463772" y="3641720"/>
-            <a:ext cx="1519968" cy="307777"/>
-          </a:xfrm>
-          <a:prstGeom prst="rect">
-            <a:avLst/>
-          </a:prstGeom>
-          <a:noFill/>
-        </p:spPr>
-        <p:txBody>
-          <a:bodyPr wrap="none" rtlCol="0">
-            <a:spAutoFit/>
-          </a:bodyPr>
-          <a:lstStyle/>
-          <a:p>
-            <a:r>
-              <a:rPr kumimoji="1" lang="en-US" altLang="zh-CN"/>
-              <a:t>Micro</a:t>
-            </a:r>
-            <a:r>
-              <a:rPr kumimoji="1" lang="zh-CN" altLang="en-US"/>
-              <a:t>中国公众号</a:t>
-            </a:r>
-          </a:p>
-        </p:txBody>
-      </p:sp>
-    </p:spTree>
-  </p:cSld>
-  <p:clrMapOvr>
-    <a:masterClrMapping/>
-  </p:clrMapOvr>
-</p:sld>
-</file>
-
-<file path=ppt/slides/slide3.xml><?xml version="1.0" encoding="utf-8"?>
-<p:sld xmlns:a="http://schemas.openxmlformats.org/drawingml/2006/main" xmlns:r="http://schemas.openxmlformats.org/officeDocument/2006/relationships" xmlns:p="http://schemas.openxmlformats.org/presentationml/2006/main">
-  <p:cSld>
-    <p:spTree>
-      <p:nvGrpSpPr>
-        <p:cNvPr id="1" name="Shape 132"/>
-        <p:cNvGrpSpPr/>
-        <p:nvPr/>
-      </p:nvGrpSpPr>
-      <p:grpSpPr>
-        <a:xfrm>
-          <a:off x="0" y="0"/>
-          <a:ext cx="0" cy="0"/>
-          <a:chOff x="0" y="0"/>
-          <a:chExt cx="0" cy="0"/>
-        </a:xfrm>
-      </p:grpSpPr>
-      <p:sp>
-        <p:nvSpPr>
-          <p:cNvPr id="133" name="Google Shape;133;p19"/>
-          <p:cNvSpPr txBox="1">
-            <a:spLocks noGrp="1"/>
-          </p:cNvSpPr>
-          <p:nvPr>
-            <p:ph type="title"/>
-          </p:nvPr>
-        </p:nvSpPr>
-        <p:spPr>
-          <a:xfrm>
-            <a:off x="311700" y="445025"/>
-            <a:ext cx="8520600" cy="707400"/>
-          </a:xfrm>
-          <a:prstGeom prst="rect">
-            <a:avLst/>
-          </a:prstGeom>
-          <a:noFill/>
-          <a:ln>
-            <a:noFill/>
-          </a:ln>
-        </p:spPr>
-        <p:txBody>
-          <a:bodyPr spcFirstLastPara="1" wrap="square" lIns="91425" tIns="91425" rIns="91425" bIns="91425" anchor="t" anchorCtr="0">
-            <a:noAutofit/>
-          </a:bodyPr>
-          <a:lstStyle/>
-          <a:p>
-            <a:pPr marL="0" lvl="0" indent="0" algn="l" rtl="0">
-              <a:lnSpc>
-                <a:spcPct val="100000"/>
-              </a:lnSpc>
-              <a:spcBef>
-                <a:spcPts val="0"/>
-              </a:spcBef>
-              <a:spcAft>
-                <a:spcPts val="0"/>
-              </a:spcAft>
-              <a:buSzPts val="3600"/>
-              <a:buNone/>
-            </a:pPr>
-            <a:r>
-              <a:rPr lang="en-US"/>
-              <a:t>主题</a:t>
-            </a:r>
-          </a:p>
-        </p:txBody>
-      </p:sp>
-      <p:sp>
-        <p:nvSpPr>
-          <p:cNvPr id="134" name="Google Shape;134;p19"/>
-          <p:cNvSpPr txBox="1">
-            <a:spLocks noGrp="1"/>
-          </p:cNvSpPr>
-          <p:nvPr>
-            <p:ph type="sldNum" idx="12"/>
-          </p:nvPr>
-        </p:nvSpPr>
-        <p:spPr>
-          <a:xfrm>
-            <a:off x="167983" y="4610554"/>
-            <a:ext cx="548700" cy="393600"/>
-          </a:xfrm>
-          <a:prstGeom prst="rect">
-            <a:avLst/>
-          </a:prstGeom>
-          <a:noFill/>
-          <a:ln>
-            <a:noFill/>
-          </a:ln>
-        </p:spPr>
-        <p:txBody>
-          <a:bodyPr spcFirstLastPara="1" wrap="square" lIns="91425" tIns="91425" rIns="91425" bIns="91425" anchor="ctr" anchorCtr="0">
-            <a:noAutofit/>
-          </a:bodyPr>
-          <a:lstStyle/>
-          <a:p>
-            <a:pPr marL="0" lvl="0" indent="0" algn="r" rtl="0">
-              <a:lnSpc>
-                <a:spcPct val="100000"/>
-              </a:lnSpc>
-              <a:spcBef>
-                <a:spcPts val="0"/>
-              </a:spcBef>
-              <a:spcAft>
-                <a:spcPts val="0"/>
-              </a:spcAft>
-              <a:buSzPts val="1000"/>
-              <a:buNone/>
-            </a:pPr>
-            <a:fld id="{00000000-1234-1234-1234-123412341234}" type="slidenum">
-              <a:rPr lang="en-US"/>
-              <a:t>3</a:t>
-            </a:fld>
-            <a:endParaRPr lang="en-US"/>
-          </a:p>
-        </p:txBody>
-      </p:sp>
-      <p:sp>
-        <p:nvSpPr>
-          <p:cNvPr id="135" name="Google Shape;135;p19"/>
-          <p:cNvSpPr txBox="1"/>
-          <p:nvPr/>
-        </p:nvSpPr>
-        <p:spPr>
-          <a:xfrm>
-            <a:off x="419428" y="1216585"/>
-            <a:ext cx="6609080" cy="1513458"/>
-          </a:xfrm>
-          <a:prstGeom prst="rect">
-            <a:avLst/>
-          </a:prstGeom>
-          <a:noFill/>
-          <a:ln>
-            <a:noFill/>
-          </a:ln>
-        </p:spPr>
-        <p:txBody>
-          <a:bodyPr spcFirstLastPara="1" wrap="square" lIns="0" tIns="12700" rIns="0" bIns="0" anchor="t" anchorCtr="0">
-            <a:noAutofit/>
-          </a:bodyPr>
-          <a:lstStyle/>
-          <a:p>
-            <a:pPr marL="355600" lvl="0" indent="-342900">
-              <a:buSzPts val="1400"/>
-              <a:buFont typeface="Arial" panose="020B0604020202020204"/>
-              <a:buAutoNum type="arabicPeriod"/>
-            </a:pPr>
-            <a:r>
-              <a:rPr lang="en-US" altLang="zh-CN" dirty="0">
-                <a:solidFill>
-                  <a:srgbClr val="424242"/>
-                </a:solidFill>
-                <a:latin typeface="Courier New" panose="02070309020205020404"/>
-                <a:ea typeface="Courier New" panose="02070309020205020404"/>
-                <a:cs typeface="Courier New" panose="02070309020205020404"/>
-                <a:sym typeface="Courier New" panose="02070309020205020404"/>
-              </a:rPr>
-              <a:t>Micro</a:t>
-            </a:r>
-            <a:r>
-              <a:rPr lang="zh-CN" altLang="en-US" dirty="0">
-                <a:solidFill>
-                  <a:srgbClr val="424242"/>
-                </a:solidFill>
-                <a:latin typeface="Courier New" panose="02070309020205020404"/>
-                <a:ea typeface="Courier New" panose="02070309020205020404"/>
-                <a:cs typeface="Courier New" panose="02070309020205020404"/>
-                <a:sym typeface="Courier New" panose="02070309020205020404"/>
-              </a:rPr>
-              <a:t> </a:t>
-            </a:r>
-            <a:r>
-              <a:rPr lang="en-US" altLang="zh-CN" dirty="0">
-                <a:solidFill>
-                  <a:srgbClr val="424242"/>
-                </a:solidFill>
-                <a:latin typeface="Courier New" panose="02070309020205020404"/>
-                <a:ea typeface="Courier New" panose="02070309020205020404"/>
-                <a:cs typeface="Courier New" panose="02070309020205020404"/>
-                <a:sym typeface="Courier New" panose="02070309020205020404"/>
-              </a:rPr>
-              <a:t>API</a:t>
-            </a:r>
-            <a:r>
-              <a:rPr lang="zh-CN" altLang="en-US" dirty="0">
-                <a:solidFill>
-                  <a:srgbClr val="424242"/>
-                </a:solidFill>
-                <a:latin typeface="Courier New" panose="02070309020205020404"/>
-                <a:ea typeface="Courier New" panose="02070309020205020404"/>
-                <a:cs typeface="Courier New" panose="02070309020205020404"/>
-                <a:sym typeface="Courier New" panose="02070309020205020404"/>
-              </a:rPr>
-              <a:t> </a:t>
-            </a:r>
-            <a:r>
-              <a:rPr lang="en-US" altLang="zh-CN" dirty="0">
-                <a:solidFill>
-                  <a:srgbClr val="424242"/>
-                </a:solidFill>
-                <a:latin typeface="Courier New" panose="02070309020205020404"/>
-                <a:ea typeface="Courier New" panose="02070309020205020404"/>
-                <a:cs typeface="Courier New" panose="02070309020205020404"/>
-                <a:sym typeface="Courier New" panose="02070309020205020404"/>
-              </a:rPr>
-              <a:t>(Gateway)</a:t>
-            </a:r>
-          </a:p>
-          <a:p>
-            <a:pPr marL="355600" lvl="0" indent="-342900">
-              <a:buSzPts val="1400"/>
-              <a:buFont typeface="Arial" panose="020B0604020202020204"/>
-              <a:buAutoNum type="arabicPeriod"/>
-            </a:pPr>
-            <a:r>
-              <a:rPr lang="en-US" altLang="zh-CN" dirty="0">
-                <a:solidFill>
-                  <a:srgbClr val="424242"/>
-                </a:solidFill>
-                <a:latin typeface="Courier New" panose="02070309020205020404"/>
-                <a:ea typeface="Courier New" panose="02070309020205020404"/>
-                <a:cs typeface="Courier New" panose="02070309020205020404"/>
-                <a:sym typeface="Courier New" panose="02070309020205020404"/>
-              </a:rPr>
-              <a:t>Micro</a:t>
-            </a:r>
-            <a:r>
-              <a:rPr lang="zh-CN" altLang="en-US" dirty="0">
-                <a:solidFill>
-                  <a:srgbClr val="424242"/>
-                </a:solidFill>
-                <a:latin typeface="Courier New" panose="02070309020205020404"/>
-                <a:ea typeface="Courier New" panose="02070309020205020404"/>
-                <a:cs typeface="Courier New" panose="02070309020205020404"/>
-                <a:sym typeface="Courier New" panose="02070309020205020404"/>
-              </a:rPr>
-              <a:t> </a:t>
-            </a:r>
-            <a:r>
-              <a:rPr lang="en-US" altLang="zh-CN" dirty="0">
-                <a:solidFill>
-                  <a:srgbClr val="424242"/>
-                </a:solidFill>
-                <a:latin typeface="Courier New" panose="02070309020205020404"/>
-                <a:ea typeface="Courier New" panose="02070309020205020404"/>
-                <a:cs typeface="Courier New" panose="02070309020205020404"/>
-                <a:sym typeface="Courier New" panose="02070309020205020404"/>
-              </a:rPr>
-              <a:t>CLI</a:t>
-            </a:r>
-          </a:p>
-          <a:p>
-            <a:pPr marL="355600" lvl="0" indent="-342900">
-              <a:buSzPts val="1400"/>
-              <a:buFont typeface="Arial" panose="020B0604020202020204"/>
-              <a:buAutoNum type="arabicPeriod"/>
-            </a:pPr>
-            <a:r>
-              <a:rPr lang="en-US" altLang="zh-CN" dirty="0">
-                <a:solidFill>
-                  <a:srgbClr val="424242"/>
-                </a:solidFill>
-                <a:latin typeface="Courier New" panose="02070309020205020404"/>
-                <a:ea typeface="Courier New" panose="02070309020205020404"/>
-                <a:cs typeface="Courier New" panose="02070309020205020404"/>
-                <a:sym typeface="Courier New" panose="02070309020205020404"/>
-              </a:rPr>
-              <a:t>Micro</a:t>
-            </a:r>
-            <a:r>
-              <a:rPr lang="zh-CN" altLang="en-US" dirty="0">
-                <a:solidFill>
-                  <a:srgbClr val="424242"/>
-                </a:solidFill>
-                <a:latin typeface="Courier New" panose="02070309020205020404"/>
-                <a:ea typeface="Courier New" panose="02070309020205020404"/>
-                <a:cs typeface="Courier New" panose="02070309020205020404"/>
-                <a:sym typeface="Courier New" panose="02070309020205020404"/>
-              </a:rPr>
-              <a:t> </a:t>
-            </a:r>
-            <a:r>
-              <a:rPr lang="en-US" altLang="zh-CN" dirty="0">
-                <a:solidFill>
-                  <a:srgbClr val="424242"/>
-                </a:solidFill>
-                <a:latin typeface="Courier New" panose="02070309020205020404"/>
-                <a:ea typeface="Courier New" panose="02070309020205020404"/>
-                <a:cs typeface="Courier New" panose="02070309020205020404"/>
-                <a:sym typeface="Courier New" panose="02070309020205020404"/>
-              </a:rPr>
-              <a:t>Web</a:t>
-            </a:r>
-          </a:p>
-          <a:p>
-            <a:pPr marL="355600" lvl="0" indent="-342900">
-              <a:buSzPts val="1400"/>
-              <a:buFont typeface="Arial" panose="020B0604020202020204"/>
-              <a:buAutoNum type="arabicPeriod"/>
-            </a:pPr>
-            <a:r>
-              <a:rPr lang="en-US" altLang="zh-CN" dirty="0">
-                <a:solidFill>
-                  <a:srgbClr val="424242"/>
-                </a:solidFill>
-                <a:latin typeface="Courier New" panose="02070309020205020404"/>
-                <a:ea typeface="Courier New" panose="02070309020205020404"/>
-                <a:cs typeface="Courier New" panose="02070309020205020404"/>
-                <a:sym typeface="Courier New" panose="02070309020205020404"/>
-              </a:rPr>
-              <a:t>Micro</a:t>
-            </a:r>
-            <a:r>
-              <a:rPr lang="zh-CN" altLang="en-US" dirty="0">
-                <a:solidFill>
-                  <a:srgbClr val="424242"/>
-                </a:solidFill>
-                <a:latin typeface="Courier New" panose="02070309020205020404"/>
-                <a:ea typeface="Courier New" panose="02070309020205020404"/>
-                <a:cs typeface="Courier New" panose="02070309020205020404"/>
-                <a:sym typeface="Courier New" panose="02070309020205020404"/>
-              </a:rPr>
-              <a:t> </a:t>
-            </a:r>
-            <a:r>
-              <a:rPr lang="en-US" altLang="zh-CN" dirty="0">
-                <a:solidFill>
-                  <a:srgbClr val="424242"/>
-                </a:solidFill>
-                <a:latin typeface="Courier New" panose="02070309020205020404"/>
-                <a:ea typeface="Courier New" panose="02070309020205020404"/>
-                <a:cs typeface="Courier New" panose="02070309020205020404"/>
-                <a:sym typeface="Courier New" panose="02070309020205020404"/>
-              </a:rPr>
-              <a:t>Proxy</a:t>
-            </a:r>
-            <a:r>
-              <a:rPr lang="zh-CN" altLang="en-US" dirty="0">
-                <a:solidFill>
-                  <a:srgbClr val="424242"/>
-                </a:solidFill>
-                <a:latin typeface="Courier New" panose="02070309020205020404"/>
-                <a:ea typeface="Courier New" panose="02070309020205020404"/>
-                <a:cs typeface="Courier New" panose="02070309020205020404"/>
-                <a:sym typeface="Courier New" panose="02070309020205020404"/>
-              </a:rPr>
-              <a:t> （</a:t>
-            </a:r>
-            <a:r>
-              <a:rPr lang="en-US" altLang="zh-CN" dirty="0">
-                <a:solidFill>
-                  <a:srgbClr val="424242"/>
-                </a:solidFill>
-                <a:latin typeface="Courier New" panose="02070309020205020404"/>
-                <a:ea typeface="Courier New" panose="02070309020205020404"/>
-                <a:cs typeface="Courier New" panose="02070309020205020404"/>
-                <a:sym typeface="Courier New" panose="02070309020205020404"/>
-              </a:rPr>
-              <a:t>Go-Micro</a:t>
-            </a:r>
-            <a:r>
-              <a:rPr lang="zh-CN" altLang="en-US" dirty="0">
-                <a:solidFill>
-                  <a:srgbClr val="424242"/>
-                </a:solidFill>
-                <a:latin typeface="Courier New" panose="02070309020205020404"/>
-                <a:ea typeface="Courier New" panose="02070309020205020404"/>
-                <a:cs typeface="Courier New" panose="02070309020205020404"/>
-                <a:sym typeface="Courier New" panose="02070309020205020404"/>
-              </a:rPr>
-              <a:t>服务代理）</a:t>
-            </a:r>
-            <a:endParaRPr lang="en-US" altLang="zh-CN" dirty="0">
-              <a:solidFill>
-                <a:srgbClr val="424242"/>
-              </a:solidFill>
-              <a:latin typeface="Courier New" panose="02070309020205020404"/>
-              <a:ea typeface="Courier New" panose="02070309020205020404"/>
-              <a:cs typeface="Courier New" panose="02070309020205020404"/>
-              <a:sym typeface="Courier New" panose="02070309020205020404"/>
-            </a:endParaRPr>
-          </a:p>
-          <a:p>
-            <a:pPr marL="355600" lvl="0" indent="-342900">
-              <a:buSzPts val="1400"/>
-              <a:buFont typeface="Arial" panose="020B0604020202020204"/>
-              <a:buAutoNum type="arabicPeriod"/>
-            </a:pPr>
-            <a:r>
-              <a:rPr lang="en-US">
-                <a:solidFill>
-                  <a:srgbClr val="424242"/>
-                </a:solidFill>
-                <a:latin typeface="Courier New" panose="02070309020205020404"/>
-                <a:cs typeface="Courier New" panose="02070309020205020404"/>
-              </a:rPr>
-              <a:t>Micro </a:t>
-            </a:r>
-            <a:r>
-              <a:rPr lang="zh-CN" altLang="en-US">
-                <a:solidFill>
-                  <a:srgbClr val="424242"/>
-                </a:solidFill>
-                <a:latin typeface="Courier New" panose="02070309020205020404"/>
-                <a:cs typeface="Courier New" panose="02070309020205020404"/>
-              </a:rPr>
-              <a:t>工具集的发展（</a:t>
-            </a:r>
-            <a:r>
-              <a:rPr lang="en-US">
-                <a:solidFill>
-                  <a:srgbClr val="424242"/>
-                </a:solidFill>
-                <a:latin typeface="Courier New" panose="02070309020205020404"/>
-                <a:cs typeface="Courier New" panose="02070309020205020404"/>
-              </a:rPr>
-              <a:t>Network，Run、Tunnel、Platform）</a:t>
-            </a:r>
-            <a:endParaRPr lang="en-US" altLang="zh-CN" dirty="0">
-              <a:solidFill>
-                <a:srgbClr val="424242"/>
-              </a:solidFill>
-              <a:latin typeface="Courier New" panose="02070309020205020404"/>
-              <a:cs typeface="Courier New" panose="02070309020205020404"/>
-              <a:sym typeface="Courier New" panose="02070309020205020404"/>
-            </a:endParaRPr>
-          </a:p>
-        </p:txBody>
-      </p:sp>
-    </p:spTree>
-  </p:cSld>
-  <p:clrMapOvr>
-    <a:masterClrMapping/>
-  </p:clrMapOvr>
-</p:sld>
-</file>
-
-<file path=ppt/slides/slide4.xml><?xml version="1.0" encoding="utf-8"?>
-<p:sld xmlns:a="http://schemas.openxmlformats.org/drawingml/2006/main" xmlns:r="http://schemas.openxmlformats.org/officeDocument/2006/relationships" xmlns:p="http://schemas.openxmlformats.org/presentationml/2006/main">
-  <p:cSld>
-    <p:spTree>
-      <p:nvGrpSpPr>
-        <p:cNvPr id="1" name="Shape 139"/>
-        <p:cNvGrpSpPr/>
-        <p:nvPr/>
-      </p:nvGrpSpPr>
-      <p:grpSpPr>
-        <a:xfrm>
-          <a:off x="0" y="0"/>
-          <a:ext cx="0" cy="0"/>
-          <a:chOff x="0" y="0"/>
-          <a:chExt cx="0" cy="0"/>
-        </a:xfrm>
-      </p:grpSpPr>
-      <p:sp>
-        <p:nvSpPr>
-          <p:cNvPr id="140" name="Google Shape;140;p20"/>
-          <p:cNvSpPr txBox="1">
-            <a:spLocks noGrp="1"/>
-          </p:cNvSpPr>
-          <p:nvPr>
-            <p:ph type="title"/>
-          </p:nvPr>
-        </p:nvSpPr>
-        <p:spPr>
-          <a:xfrm>
-            <a:off x="271359" y="935823"/>
-            <a:ext cx="8571300" cy="942000"/>
-          </a:xfrm>
-          <a:prstGeom prst="rect">
-            <a:avLst/>
-          </a:prstGeom>
-          <a:noFill/>
-          <a:ln>
-            <a:noFill/>
-          </a:ln>
-        </p:spPr>
-        <p:txBody>
-          <a:bodyPr spcFirstLastPara="1" wrap="square" lIns="91425" tIns="91425" rIns="91425" bIns="91425" anchor="ctr" anchorCtr="0">
-            <a:noAutofit/>
-          </a:bodyPr>
-          <a:lstStyle/>
-          <a:p>
-            <a:pPr marL="0" lvl="0" indent="0" algn="ctr" rtl="0">
-              <a:lnSpc>
-                <a:spcPct val="100000"/>
-              </a:lnSpc>
-              <a:spcBef>
-                <a:spcPts val="0"/>
-              </a:spcBef>
-              <a:spcAft>
-                <a:spcPts val="0"/>
-              </a:spcAft>
-              <a:buSzPts val="3600"/>
-              <a:buNone/>
-            </a:pPr>
-            <a:r>
-              <a:rPr lang="en-US" altLang="zh-CN"/>
-              <a:t>Micro</a:t>
-            </a:r>
-            <a:r>
-              <a:rPr lang="zh-CN" altLang="en-US"/>
-              <a:t> </a:t>
-            </a:r>
-            <a:r>
-              <a:rPr lang="en-US" altLang="zh-CN"/>
-              <a:t>API</a:t>
-            </a:r>
-            <a:endParaRPr lang="en-US"/>
-          </a:p>
-        </p:txBody>
-      </p:sp>
-      <p:sp>
-        <p:nvSpPr>
-          <p:cNvPr id="141" name="Google Shape;141;p20"/>
-          <p:cNvSpPr txBox="1">
-            <a:spLocks noGrp="1"/>
-          </p:cNvSpPr>
-          <p:nvPr>
-            <p:ph type="sldNum" idx="12"/>
-          </p:nvPr>
-        </p:nvSpPr>
-        <p:spPr>
-          <a:xfrm>
-            <a:off x="145283" y="4583792"/>
-            <a:ext cx="548700" cy="393600"/>
-          </a:xfrm>
-          <a:prstGeom prst="rect">
-            <a:avLst/>
-          </a:prstGeom>
-          <a:noFill/>
-          <a:ln>
-            <a:noFill/>
-          </a:ln>
-        </p:spPr>
-        <p:txBody>
-          <a:bodyPr spcFirstLastPara="1" wrap="square" lIns="91425" tIns="91425" rIns="91425" bIns="91425" anchor="ctr" anchorCtr="0">
-            <a:noAutofit/>
-          </a:bodyPr>
-          <a:lstStyle/>
-          <a:p>
-            <a:pPr marL="0" lvl="0" indent="0" algn="r" rtl="0">
-              <a:lnSpc>
-                <a:spcPct val="100000"/>
-              </a:lnSpc>
-              <a:spcBef>
-                <a:spcPts val="0"/>
-              </a:spcBef>
-              <a:spcAft>
-                <a:spcPts val="0"/>
-              </a:spcAft>
-              <a:buSzPts val="1000"/>
-              <a:buNone/>
-            </a:pPr>
-            <a:fld id="{00000000-1234-1234-1234-123412341234}" type="slidenum">
-              <a:rPr lang="en-US"/>
-              <a:t>4</a:t>
-            </a:fld>
-            <a:endParaRPr lang="en-US"/>
-          </a:p>
-        </p:txBody>
-      </p:sp>
-    </p:spTree>
-  </p:cSld>
-  <p:clrMapOvr>
-    <a:masterClrMapping/>
-  </p:clrMapOvr>
-</p:sld>
-</file>
-
-<file path=ppt/slides/slide5.xml><?xml version="1.0" encoding="utf-8"?>
-<p:sld xmlns:a="http://schemas.openxmlformats.org/drawingml/2006/main" xmlns:r="http://schemas.openxmlformats.org/officeDocument/2006/relationships" xmlns:p="http://schemas.openxmlformats.org/presentationml/2006/main">
-  <p:cSld>
-    <p:spTree>
-      <p:nvGrpSpPr>
-        <p:cNvPr id="1" name="Shape 259"/>
-        <p:cNvGrpSpPr/>
-        <p:nvPr/>
-      </p:nvGrpSpPr>
-      <p:grpSpPr>
-        <a:xfrm>
-          <a:off x="0" y="0"/>
-          <a:ext cx="0" cy="0"/>
-          <a:chOff x="0" y="0"/>
-          <a:chExt cx="0" cy="0"/>
-        </a:xfrm>
-      </p:grpSpPr>
-      <p:sp>
-        <p:nvSpPr>
-          <p:cNvPr id="260" name="Google Shape;260;p28"/>
-          <p:cNvSpPr txBox="1">
-            <a:spLocks noGrp="1"/>
-          </p:cNvSpPr>
-          <p:nvPr>
-            <p:ph type="title"/>
-          </p:nvPr>
-        </p:nvSpPr>
-        <p:spPr>
-          <a:xfrm>
-            <a:off x="311700" y="445025"/>
-            <a:ext cx="2103696" cy="707400"/>
-          </a:xfrm>
-          <a:prstGeom prst="rect">
-            <a:avLst/>
-          </a:prstGeom>
-          <a:noFill/>
-          <a:ln>
-            <a:noFill/>
-          </a:ln>
-        </p:spPr>
-        <p:txBody>
-          <a:bodyPr spcFirstLastPara="1" wrap="square" lIns="91425" tIns="91425" rIns="91425" bIns="91425" anchor="t" anchorCtr="0">
-            <a:noAutofit/>
-          </a:bodyPr>
-          <a:lstStyle/>
-          <a:p>
-            <a:pPr lvl="0"/>
-            <a:r>
-              <a:rPr lang="en-US" altLang="zh-CN" dirty="0"/>
-              <a:t>Micro</a:t>
-            </a:r>
-            <a:r>
-              <a:rPr lang="zh-CN" altLang="en-US" dirty="0"/>
-              <a:t> </a:t>
-            </a:r>
-            <a:r>
-              <a:rPr lang="en-US" altLang="zh-CN" dirty="0"/>
-              <a:t>API</a:t>
-            </a:r>
-            <a:endParaRPr lang="en-US"/>
-          </a:p>
-        </p:txBody>
-      </p:sp>
-      <p:sp>
-        <p:nvSpPr>
-          <p:cNvPr id="261" name="Google Shape;261;p28"/>
-          <p:cNvSpPr txBox="1">
-            <a:spLocks noGrp="1"/>
-          </p:cNvSpPr>
-          <p:nvPr>
-            <p:ph type="sldNum" idx="12"/>
-          </p:nvPr>
-        </p:nvSpPr>
-        <p:spPr>
-          <a:xfrm>
-            <a:off x="167983" y="4610554"/>
-            <a:ext cx="548700" cy="393600"/>
-          </a:xfrm>
-          <a:prstGeom prst="rect">
-            <a:avLst/>
-          </a:prstGeom>
-          <a:noFill/>
-          <a:ln>
-            <a:noFill/>
-          </a:ln>
-        </p:spPr>
-        <p:txBody>
-          <a:bodyPr spcFirstLastPara="1" wrap="square" lIns="91425" tIns="91425" rIns="91425" bIns="91425" anchor="ctr" anchorCtr="0">
-            <a:noAutofit/>
-          </a:bodyPr>
-          <a:lstStyle/>
-          <a:p>
-            <a:pPr marL="0" lvl="0" indent="0" algn="r" rtl="0">
-              <a:lnSpc>
-                <a:spcPct val="100000"/>
-              </a:lnSpc>
-              <a:spcBef>
-                <a:spcPts val="0"/>
-              </a:spcBef>
-              <a:spcAft>
-                <a:spcPts val="0"/>
-              </a:spcAft>
-              <a:buSzPts val="1000"/>
-              <a:buNone/>
-            </a:pPr>
-            <a:fld id="{00000000-1234-1234-1234-123412341234}" type="slidenum">
-              <a:rPr lang="en-US"/>
-              <a:t>5</a:t>
-            </a:fld>
-            <a:endParaRPr lang="en-US"/>
-          </a:p>
-        </p:txBody>
-      </p:sp>
-      <p:sp>
-        <p:nvSpPr>
-          <p:cNvPr id="262" name="Google Shape;262;p28"/>
-          <p:cNvSpPr/>
-          <p:nvPr/>
-        </p:nvSpPr>
-        <p:spPr>
-          <a:xfrm>
-            <a:off x="5894262" y="701662"/>
-            <a:ext cx="3067022" cy="307777"/>
-          </a:xfrm>
-          <a:prstGeom prst="rect">
-            <a:avLst/>
-          </a:prstGeom>
-          <a:noFill/>
-          <a:ln>
-            <a:noFill/>
-          </a:ln>
-        </p:spPr>
-        <p:txBody>
-          <a:bodyPr spcFirstLastPara="1" wrap="square" lIns="91425" tIns="45700" rIns="91425" bIns="45700" anchor="t" anchorCtr="0">
-            <a:noAutofit/>
-          </a:bodyPr>
-          <a:lstStyle/>
-          <a:p>
-            <a:pPr marL="0" marR="0" lvl="0" indent="0" algn="l" rtl="0">
-              <a:lnSpc>
-                <a:spcPct val="100000"/>
-              </a:lnSpc>
-              <a:spcBef>
-                <a:spcPts val="0"/>
-              </a:spcBef>
-              <a:spcAft>
-                <a:spcPts val="0"/>
-              </a:spcAft>
-              <a:buNone/>
-            </a:pPr>
-            <a:endParaRPr sz="3600" b="1" i="0" u="none" strike="noStrike" cap="none">
-              <a:solidFill>
-                <a:schemeClr val="accent1"/>
-              </a:solidFill>
-              <a:latin typeface="PT Sans Narrow" panose="020B0506020203020204"/>
-              <a:ea typeface="PT Sans Narrow" panose="020B0506020203020204"/>
-              <a:cs typeface="PT Sans Narrow" panose="020B0506020203020204"/>
-              <a:sym typeface="PT Sans Narrow" panose="020B0506020203020204"/>
-            </a:endParaRPr>
-          </a:p>
-        </p:txBody>
-      </p:sp>
-      <p:sp>
-        <p:nvSpPr>
-          <p:cNvPr id="6" name="TextBox 5"/>
-          <p:cNvSpPr txBox="1"/>
-          <p:nvPr/>
-        </p:nvSpPr>
-        <p:spPr>
-          <a:xfrm>
-            <a:off x="442333" y="1669957"/>
-            <a:ext cx="4898245" cy="954107"/>
-          </a:xfrm>
-          <a:prstGeom prst="rect">
-            <a:avLst/>
-          </a:prstGeom>
-          <a:noFill/>
-        </p:spPr>
-        <p:txBody>
-          <a:bodyPr wrap="square" rtlCol="0">
-            <a:spAutoFit/>
-          </a:bodyPr>
-          <a:lstStyle/>
-          <a:p>
-            <a:r>
-              <a:rPr kumimoji="1" lang="en-US" altLang="zh-CN" baseline="-25000"/>
-              <a:t>1.</a:t>
-            </a:r>
-            <a:r>
-              <a:rPr kumimoji="1" lang="zh-CN" altLang="en-US" baseline="-25000"/>
-              <a:t> 商品基本信息，如厂商、价格等</a:t>
-            </a:r>
-            <a:endParaRPr kumimoji="1" lang="en-US" altLang="zh-CN" baseline="-25000"/>
-          </a:p>
-          <a:p>
-            <a:r>
-              <a:rPr kumimoji="1" lang="en-US" altLang="zh-CN" baseline="-25000"/>
-              <a:t>2.</a:t>
-            </a:r>
-            <a:r>
-              <a:rPr kumimoji="1" lang="zh-CN" altLang="en-US" baseline="-25000"/>
-              <a:t> 购买记录</a:t>
-            </a:r>
-          </a:p>
-          <a:p>
-            <a:r>
-              <a:rPr kumimoji="1" lang="en-US" altLang="zh-CN" baseline="-25000"/>
-              <a:t>3.</a:t>
-            </a:r>
-            <a:r>
-              <a:rPr kumimoji="1" lang="zh-CN" altLang="en-US" baseline="-25000"/>
-              <a:t> 与其它商品一起购买的搭配</a:t>
-            </a:r>
-          </a:p>
-          <a:p>
-            <a:r>
-              <a:rPr kumimoji="1" lang="en-US" altLang="zh-CN" baseline="-25000"/>
-              <a:t>4.</a:t>
-            </a:r>
-            <a:r>
-              <a:rPr kumimoji="1" lang="zh-CN" altLang="en-US" baseline="-25000"/>
-              <a:t> 其它顾客购买的其他物品</a:t>
-            </a:r>
-          </a:p>
-          <a:p>
-            <a:r>
-              <a:rPr kumimoji="1" lang="en-US" altLang="zh-CN" baseline="-25000"/>
-              <a:t>5.</a:t>
-            </a:r>
-            <a:r>
-              <a:rPr kumimoji="1" lang="zh-CN" altLang="en-US" baseline="-25000"/>
-              <a:t> 顾客评论</a:t>
-            </a:r>
-          </a:p>
-          <a:p>
-            <a:r>
-              <a:rPr kumimoji="1" lang="en-US" altLang="zh-CN" baseline="-25000"/>
-              <a:t>6.</a:t>
-            </a:r>
-            <a:r>
-              <a:rPr kumimoji="1" lang="zh-CN" altLang="en-US" baseline="-25000"/>
-              <a:t> 卖家排名</a:t>
-            </a:r>
-            <a:r>
-              <a:rPr kumimoji="1" lang="en-US" altLang="zh-CN" baseline="-25000"/>
-              <a:t>…</a:t>
-            </a:r>
-          </a:p>
-        </p:txBody>
-      </p:sp>
-      <p:sp>
-        <p:nvSpPr>
-          <p:cNvPr id="7" name="Google Shape;128;p18"/>
-          <p:cNvSpPr/>
-          <p:nvPr/>
-        </p:nvSpPr>
-        <p:spPr>
-          <a:xfrm>
-            <a:off x="7897090" y="726010"/>
-            <a:ext cx="1618743" cy="307800"/>
-          </a:xfrm>
-          <a:prstGeom prst="rect">
-            <a:avLst/>
-          </a:prstGeom>
-          <a:noFill/>
-          <a:ln>
-            <a:noFill/>
-          </a:ln>
-        </p:spPr>
-        <p:txBody>
-          <a:bodyPr spcFirstLastPara="1" wrap="square" lIns="91425" tIns="45700" rIns="91425" bIns="45700" anchor="t" anchorCtr="0">
-            <a:noAutofit/>
-          </a:bodyPr>
-          <a:lstStyle/>
-          <a:p>
-            <a:pPr marL="0" marR="0" lvl="0" indent="0" algn="l" rtl="0">
-              <a:lnSpc>
-                <a:spcPct val="100000"/>
-              </a:lnSpc>
-              <a:spcBef>
-                <a:spcPts val="0"/>
-              </a:spcBef>
-              <a:spcAft>
-                <a:spcPts val="0"/>
-              </a:spcAft>
-              <a:buNone/>
-            </a:pPr>
-            <a:r>
-              <a:rPr lang="zh-CN" altLang="en-US" b="1">
-                <a:solidFill>
-                  <a:schemeClr val="accent1"/>
-                </a:solidFill>
-                <a:latin typeface="PT Sans Narrow" panose="020B0506020203020204"/>
-                <a:ea typeface="PT Sans Narrow" panose="020B0506020203020204"/>
-                <a:cs typeface="PT Sans Narrow" panose="020B0506020203020204"/>
-                <a:sym typeface="PT Sans Narrow" panose="020B0506020203020204"/>
-              </a:rPr>
-              <a:t>服务网关</a:t>
-            </a:r>
-            <a:endParaRPr sz="3600" b="1" i="0" u="none" strike="noStrike" cap="none">
-              <a:solidFill>
-                <a:schemeClr val="accent1"/>
-              </a:solidFill>
-              <a:latin typeface="PT Sans Narrow" panose="020B0506020203020204"/>
-              <a:ea typeface="PT Sans Narrow" panose="020B0506020203020204"/>
-              <a:cs typeface="PT Sans Narrow" panose="020B0506020203020204"/>
-              <a:sym typeface="PT Sans Narrow" panose="020B0506020203020204"/>
-            </a:endParaRPr>
-          </a:p>
-        </p:txBody>
-      </p:sp>
-      <p:sp>
-        <p:nvSpPr>
-          <p:cNvPr id="10" name="TextBox 9">
-            <a:extLst>
-              <a:ext uri="{FF2B5EF4-FFF2-40B4-BE49-F238E27FC236}">
-                <a16:creationId xmlns:a16="http://schemas.microsoft.com/office/drawing/2014/main" id="{2ED6F1D0-44B7-8A4C-AF08-39DC89AACDEE}"/>
-              </a:ext>
-            </a:extLst>
-          </p:cNvPr>
-          <p:cNvSpPr txBox="1"/>
-          <p:nvPr/>
-        </p:nvSpPr>
-        <p:spPr>
-          <a:xfrm>
-            <a:off x="352727" y="2717222"/>
-            <a:ext cx="4898245" cy="307777"/>
-          </a:xfrm>
-          <a:prstGeom prst="rect">
-            <a:avLst/>
-          </a:prstGeom>
-          <a:noFill/>
-        </p:spPr>
-        <p:txBody>
-          <a:bodyPr wrap="square" rtlCol="0">
-            <a:spAutoFit/>
-          </a:bodyPr>
-          <a:lstStyle/>
-          <a:p>
-            <a:r>
-              <a:rPr kumimoji="1" lang="zh-CN" altLang="en-US"/>
-              <a:t>背后可能的服务：</a:t>
-            </a:r>
-            <a:endParaRPr kumimoji="1" lang="en-US" altLang="zh-CN"/>
-          </a:p>
-        </p:txBody>
-      </p:sp>
-      <p:sp>
-        <p:nvSpPr>
-          <p:cNvPr id="11" name="TextBox 10">
-            <a:extLst>
-              <a:ext uri="{FF2B5EF4-FFF2-40B4-BE49-F238E27FC236}">
-                <a16:creationId xmlns:a16="http://schemas.microsoft.com/office/drawing/2014/main" id="{BA2FBAAE-AFB2-1346-8320-508A501E3AE2}"/>
-              </a:ext>
-            </a:extLst>
-          </p:cNvPr>
-          <p:cNvSpPr txBox="1"/>
-          <p:nvPr/>
-        </p:nvSpPr>
-        <p:spPr>
-          <a:xfrm>
-            <a:off x="352728" y="1362180"/>
-            <a:ext cx="4898245" cy="307777"/>
-          </a:xfrm>
-          <a:prstGeom prst="rect">
-            <a:avLst/>
-          </a:prstGeom>
-          <a:noFill/>
-        </p:spPr>
-        <p:txBody>
-          <a:bodyPr wrap="square" rtlCol="0">
-            <a:spAutoFit/>
-          </a:bodyPr>
-          <a:lstStyle/>
-          <a:p>
-            <a:r>
-              <a:rPr kumimoji="1" lang="zh-CN" altLang="en-US"/>
-              <a:t>现实的场景，购物网站：</a:t>
-            </a:r>
-            <a:endParaRPr kumimoji="1" lang="en-US" altLang="zh-CN"/>
-          </a:p>
-        </p:txBody>
-      </p:sp>
-      <p:sp>
-        <p:nvSpPr>
-          <p:cNvPr id="13" name="TextBox 12">
-            <a:extLst>
-              <a:ext uri="{FF2B5EF4-FFF2-40B4-BE49-F238E27FC236}">
-                <a16:creationId xmlns:a16="http://schemas.microsoft.com/office/drawing/2014/main" id="{9BAEB65E-793B-4C43-9F98-B9CD90011228}"/>
-              </a:ext>
-            </a:extLst>
-          </p:cNvPr>
-          <p:cNvSpPr txBox="1"/>
-          <p:nvPr/>
-        </p:nvSpPr>
-        <p:spPr>
-          <a:xfrm>
-            <a:off x="442332" y="3024999"/>
-            <a:ext cx="4898245" cy="954107"/>
-          </a:xfrm>
-          <a:prstGeom prst="rect">
-            <a:avLst/>
-          </a:prstGeom>
-          <a:noFill/>
-        </p:spPr>
-        <p:txBody>
-          <a:bodyPr wrap="square" rtlCol="0">
-            <a:spAutoFit/>
-          </a:bodyPr>
-          <a:lstStyle/>
-          <a:p>
-            <a:r>
-              <a:rPr kumimoji="1" lang="en-US" altLang="zh-CN" baseline="-25000"/>
-              <a:t>1.</a:t>
-            </a:r>
-            <a:r>
-              <a:rPr kumimoji="1" lang="zh-CN" altLang="en-US" baseline="-25000"/>
-              <a:t> 商品服务</a:t>
-            </a:r>
-            <a:endParaRPr kumimoji="1" lang="en-US" altLang="zh-CN" baseline="-25000"/>
-          </a:p>
-          <a:p>
-            <a:r>
-              <a:rPr kumimoji="1" lang="en-US" altLang="zh-CN" baseline="-25000"/>
-              <a:t>2.</a:t>
-            </a:r>
-            <a:r>
-              <a:rPr kumimoji="1" lang="zh-CN" altLang="en-US" baseline="-25000"/>
-              <a:t> 价格服务</a:t>
-            </a:r>
-          </a:p>
-          <a:p>
-            <a:r>
-              <a:rPr kumimoji="1" lang="en-US" altLang="zh-CN" baseline="-25000"/>
-              <a:t>3.</a:t>
-            </a:r>
-            <a:r>
-              <a:rPr kumimoji="1" lang="zh-CN" altLang="en-US" baseline="-25000"/>
-              <a:t> 订单服务</a:t>
-            </a:r>
-          </a:p>
-          <a:p>
-            <a:r>
-              <a:rPr kumimoji="1" lang="en-US" altLang="zh-CN" baseline="-25000"/>
-              <a:t>4.</a:t>
-            </a:r>
-            <a:r>
-              <a:rPr kumimoji="1" lang="zh-CN" altLang="en-US" baseline="-25000"/>
-              <a:t> 库存服务</a:t>
-            </a:r>
-          </a:p>
-          <a:p>
-            <a:r>
-              <a:rPr kumimoji="1" lang="en-US" altLang="zh-CN" baseline="-25000"/>
-              <a:t>5.</a:t>
-            </a:r>
-            <a:r>
-              <a:rPr kumimoji="1" lang="zh-CN" altLang="en-US" baseline="-25000"/>
-              <a:t> 客户服务</a:t>
-            </a:r>
-          </a:p>
-          <a:p>
-            <a:r>
-              <a:rPr kumimoji="1" lang="en-US" altLang="zh-CN" baseline="-25000"/>
-              <a:t>6.</a:t>
-            </a:r>
-            <a:r>
-              <a:rPr kumimoji="1" lang="zh-CN" altLang="en-US" baseline="-25000"/>
-              <a:t> 评价服务</a:t>
-            </a:r>
-            <a:r>
-              <a:rPr kumimoji="1" lang="en-US" altLang="zh-CN" baseline="-25000"/>
-              <a:t>...</a:t>
-            </a:r>
-          </a:p>
-        </p:txBody>
-      </p:sp>
-    </p:spTree>
-  </p:cSld>
-  <p:clrMapOvr>
-    <a:masterClrMapping/>
-  </p:clrMapOvr>
-</p:sld>
-</file>
-
-<file path=ppt/slides/slide6.xml><?xml version="1.0" encoding="utf-8"?>
-<p:sld xmlns:a="http://schemas.openxmlformats.org/drawingml/2006/main" xmlns:r="http://schemas.openxmlformats.org/officeDocument/2006/relationships" xmlns:p="http://schemas.openxmlformats.org/presentationml/2006/main">
-  <p:cSld>
-    <p:spTree>
-      <p:nvGrpSpPr>
-        <p:cNvPr id="1" name="Shape 259"/>
-        <p:cNvGrpSpPr/>
-        <p:nvPr/>
-      </p:nvGrpSpPr>
-      <p:grpSpPr>
-        <a:xfrm>
-          <a:off x="0" y="0"/>
-          <a:ext cx="0" cy="0"/>
-          <a:chOff x="0" y="0"/>
-          <a:chExt cx="0" cy="0"/>
-        </a:xfrm>
-      </p:grpSpPr>
-      <p:sp>
-        <p:nvSpPr>
-          <p:cNvPr id="260" name="Google Shape;260;p28"/>
-          <p:cNvSpPr txBox="1">
-            <a:spLocks noGrp="1"/>
-          </p:cNvSpPr>
-          <p:nvPr>
-            <p:ph type="title"/>
-          </p:nvPr>
-        </p:nvSpPr>
-        <p:spPr>
-          <a:xfrm>
-            <a:off x="311700" y="445025"/>
-            <a:ext cx="2103696" cy="707400"/>
-          </a:xfrm>
-          <a:prstGeom prst="rect">
-            <a:avLst/>
-          </a:prstGeom>
-          <a:noFill/>
-          <a:ln>
-            <a:noFill/>
-          </a:ln>
-        </p:spPr>
-        <p:txBody>
-          <a:bodyPr spcFirstLastPara="1" wrap="square" lIns="91425" tIns="91425" rIns="91425" bIns="91425" anchor="t" anchorCtr="0">
-            <a:noAutofit/>
-          </a:bodyPr>
-          <a:lstStyle/>
-          <a:p>
-            <a:pPr lvl="0"/>
-            <a:r>
-              <a:rPr lang="en-US" altLang="zh-CN" dirty="0"/>
-              <a:t>Micro</a:t>
-            </a:r>
-            <a:r>
-              <a:rPr lang="zh-CN" altLang="en-US" dirty="0"/>
-              <a:t> </a:t>
-            </a:r>
-            <a:r>
-              <a:rPr lang="en-US" altLang="zh-CN" dirty="0"/>
-              <a:t>API</a:t>
-            </a:r>
-            <a:endParaRPr lang="en-US"/>
-          </a:p>
-        </p:txBody>
-      </p:sp>
-      <p:sp>
-        <p:nvSpPr>
-          <p:cNvPr id="261" name="Google Shape;261;p28"/>
-          <p:cNvSpPr txBox="1">
-            <a:spLocks noGrp="1"/>
-          </p:cNvSpPr>
-          <p:nvPr>
-            <p:ph type="sldNum" idx="12"/>
-          </p:nvPr>
-        </p:nvSpPr>
-        <p:spPr>
-          <a:xfrm>
-            <a:off x="167983" y="4610554"/>
-            <a:ext cx="548700" cy="393600"/>
-          </a:xfrm>
-          <a:prstGeom prst="rect">
-            <a:avLst/>
-          </a:prstGeom>
-          <a:noFill/>
-          <a:ln>
-            <a:noFill/>
-          </a:ln>
-        </p:spPr>
-        <p:txBody>
-          <a:bodyPr spcFirstLastPara="1" wrap="square" lIns="91425" tIns="91425" rIns="91425" bIns="91425" anchor="ctr" anchorCtr="0">
-            <a:noAutofit/>
-          </a:bodyPr>
-          <a:lstStyle/>
-          <a:p>
-            <a:pPr marL="0" lvl="0" indent="0" algn="r" rtl="0">
-              <a:lnSpc>
-                <a:spcPct val="100000"/>
-              </a:lnSpc>
-              <a:spcBef>
-                <a:spcPts val="0"/>
-              </a:spcBef>
-              <a:spcAft>
-                <a:spcPts val="0"/>
-              </a:spcAft>
-              <a:buSzPts val="1000"/>
-              <a:buNone/>
-            </a:pPr>
-            <a:fld id="{00000000-1234-1234-1234-123412341234}" type="slidenum">
-              <a:rPr lang="en-US"/>
-              <a:t>6</a:t>
-            </a:fld>
-            <a:endParaRPr lang="en-US"/>
-          </a:p>
-        </p:txBody>
-      </p:sp>
-      <p:sp>
-        <p:nvSpPr>
-          <p:cNvPr id="262" name="Google Shape;262;p28"/>
-          <p:cNvSpPr/>
-          <p:nvPr/>
-        </p:nvSpPr>
-        <p:spPr>
-          <a:xfrm>
-            <a:off x="5894262" y="701662"/>
-            <a:ext cx="3067022" cy="307777"/>
-          </a:xfrm>
-          <a:prstGeom prst="rect">
-            <a:avLst/>
-          </a:prstGeom>
-          <a:noFill/>
-          <a:ln>
-            <a:noFill/>
-          </a:ln>
-        </p:spPr>
-        <p:txBody>
-          <a:bodyPr spcFirstLastPara="1" wrap="square" lIns="91425" tIns="45700" rIns="91425" bIns="45700" anchor="t" anchorCtr="0">
-            <a:noAutofit/>
-          </a:bodyPr>
-          <a:lstStyle/>
-          <a:p>
-            <a:pPr marL="0" marR="0" lvl="0" indent="0" algn="l" rtl="0">
-              <a:lnSpc>
-                <a:spcPct val="100000"/>
-              </a:lnSpc>
-              <a:spcBef>
-                <a:spcPts val="0"/>
-              </a:spcBef>
-              <a:spcAft>
-                <a:spcPts val="0"/>
-              </a:spcAft>
-              <a:buNone/>
-            </a:pPr>
-            <a:endParaRPr sz="3600" b="1" i="0" u="none" strike="noStrike" cap="none">
-              <a:solidFill>
-                <a:schemeClr val="accent1"/>
-              </a:solidFill>
-              <a:latin typeface="PT Sans Narrow" panose="020B0506020203020204"/>
-              <a:ea typeface="PT Sans Narrow" panose="020B0506020203020204"/>
-              <a:cs typeface="PT Sans Narrow" panose="020B0506020203020204"/>
-              <a:sym typeface="PT Sans Narrow" panose="020B0506020203020204"/>
-            </a:endParaRPr>
-          </a:p>
-        </p:txBody>
-      </p:sp>
-      <p:sp>
-        <p:nvSpPr>
-          <p:cNvPr id="6" name="TextBox 5"/>
-          <p:cNvSpPr txBox="1"/>
-          <p:nvPr/>
-        </p:nvSpPr>
-        <p:spPr>
-          <a:xfrm>
-            <a:off x="442333" y="1669957"/>
-            <a:ext cx="4898245" cy="954107"/>
-          </a:xfrm>
-          <a:prstGeom prst="rect">
-            <a:avLst/>
-          </a:prstGeom>
-          <a:noFill/>
-        </p:spPr>
-        <p:txBody>
-          <a:bodyPr wrap="square" rtlCol="0">
-            <a:spAutoFit/>
-          </a:bodyPr>
-          <a:lstStyle/>
-          <a:p>
-            <a:r>
-              <a:rPr kumimoji="1" lang="en-US" altLang="zh-CN" baseline="-25000"/>
-              <a:t>1.</a:t>
-            </a:r>
-            <a:r>
-              <a:rPr kumimoji="1" lang="zh-CN" altLang="en-US" baseline="-25000"/>
-              <a:t> 客户端如何才能访问到每个服务</a:t>
-            </a:r>
-            <a:endParaRPr kumimoji="1" lang="en-US" altLang="zh-CN" baseline="-25000"/>
-          </a:p>
-          <a:p>
-            <a:r>
-              <a:rPr kumimoji="1" lang="en-US" altLang="zh-CN" baseline="-25000"/>
-              <a:t>2.</a:t>
-            </a:r>
-            <a:r>
-              <a:rPr kumimoji="1" lang="zh-CN" altLang="en-US" baseline="-25000"/>
-              <a:t> 不同客户端需要的数据可能不一样</a:t>
-            </a:r>
-            <a:endParaRPr kumimoji="1" lang="en-US" altLang="zh-CN" baseline="-25000"/>
-          </a:p>
-          <a:p>
-            <a:r>
-              <a:rPr kumimoji="1" lang="en-US" altLang="zh-CN" baseline="-25000"/>
-              <a:t>3.</a:t>
-            </a:r>
-            <a:r>
-              <a:rPr kumimoji="1" lang="zh-CN" altLang="en-US" baseline="-25000"/>
-              <a:t> 微服务数量会动态变化</a:t>
-            </a:r>
-          </a:p>
-          <a:p>
-            <a:r>
-              <a:rPr kumimoji="1" lang="en-US" altLang="zh-CN" baseline="-25000"/>
-              <a:t>4.</a:t>
-            </a:r>
-            <a:r>
-              <a:rPr kumimoji="1" lang="zh-CN" altLang="en-US" baseline="-25000"/>
-              <a:t> 微服务彼此通信的协议可能对</a:t>
-            </a:r>
-            <a:r>
-              <a:rPr kumimoji="1" lang="en-US" altLang="zh-CN" baseline="-25000"/>
-              <a:t>web</a:t>
-            </a:r>
-            <a:r>
-              <a:rPr kumimoji="1" lang="zh-CN" altLang="en-US" baseline="-25000"/>
-              <a:t>不友好</a:t>
-            </a:r>
-          </a:p>
-          <a:p>
-            <a:r>
-              <a:rPr kumimoji="1" lang="en-US" altLang="zh-CN" baseline="-25000"/>
-              <a:t>5.</a:t>
-            </a:r>
-            <a:r>
-              <a:rPr kumimoji="1" lang="zh-CN" altLang="en-US" baseline="-25000"/>
-              <a:t> 其它顾客购买的其他物品</a:t>
-            </a:r>
-            <a:endParaRPr kumimoji="1" lang="en-US" altLang="zh-CN" baseline="-25000"/>
-          </a:p>
-          <a:p>
-            <a:r>
-              <a:rPr kumimoji="1" lang="en-US" altLang="zh-CN" baseline="-25000"/>
-              <a:t>6.</a:t>
-            </a:r>
-            <a:r>
-              <a:rPr kumimoji="1" lang="zh-CN" altLang="en-US" baseline="-25000"/>
-              <a:t> </a:t>
-            </a:r>
-            <a:r>
-              <a:rPr kumimoji="1" lang="en-US" altLang="zh-CN" baseline="-25000"/>
-              <a:t>…</a:t>
-            </a:r>
-            <a:endParaRPr kumimoji="1" lang="zh-CN" altLang="en-US" baseline="-25000"/>
-          </a:p>
-        </p:txBody>
-      </p:sp>
-      <p:sp>
-        <p:nvSpPr>
-          <p:cNvPr id="7" name="Google Shape;128;p18"/>
-          <p:cNvSpPr/>
-          <p:nvPr/>
-        </p:nvSpPr>
-        <p:spPr>
-          <a:xfrm>
-            <a:off x="7897090" y="726010"/>
-            <a:ext cx="1618743" cy="307800"/>
-          </a:xfrm>
-          <a:prstGeom prst="rect">
-            <a:avLst/>
-          </a:prstGeom>
-          <a:noFill/>
-          <a:ln>
-            <a:noFill/>
-          </a:ln>
-        </p:spPr>
-        <p:txBody>
-          <a:bodyPr spcFirstLastPara="1" wrap="square" lIns="91425" tIns="45700" rIns="91425" bIns="45700" anchor="t" anchorCtr="0">
-            <a:noAutofit/>
-          </a:bodyPr>
-          <a:lstStyle/>
-          <a:p>
-            <a:pPr marL="0" marR="0" lvl="0" indent="0" algn="l" rtl="0">
-              <a:lnSpc>
-                <a:spcPct val="100000"/>
-              </a:lnSpc>
-              <a:spcBef>
-                <a:spcPts val="0"/>
-              </a:spcBef>
-              <a:spcAft>
-                <a:spcPts val="0"/>
-              </a:spcAft>
-              <a:buNone/>
-            </a:pPr>
-            <a:r>
-              <a:rPr lang="zh-CN" altLang="en-US" b="1">
-                <a:solidFill>
-                  <a:schemeClr val="accent1"/>
-                </a:solidFill>
-                <a:latin typeface="PT Sans Narrow" panose="020B0506020203020204"/>
-                <a:ea typeface="PT Sans Narrow" panose="020B0506020203020204"/>
-                <a:cs typeface="PT Sans Narrow" panose="020B0506020203020204"/>
-                <a:sym typeface="PT Sans Narrow" panose="020B0506020203020204"/>
-              </a:rPr>
-              <a:t>服务网关</a:t>
-            </a:r>
-            <a:endParaRPr sz="3600" b="1" i="0" u="none" strike="noStrike" cap="none">
-              <a:solidFill>
-                <a:schemeClr val="accent1"/>
-              </a:solidFill>
-              <a:latin typeface="PT Sans Narrow" panose="020B0506020203020204"/>
-              <a:ea typeface="PT Sans Narrow" panose="020B0506020203020204"/>
-              <a:cs typeface="PT Sans Narrow" panose="020B0506020203020204"/>
-              <a:sym typeface="PT Sans Narrow" panose="020B0506020203020204"/>
-            </a:endParaRPr>
-          </a:p>
-        </p:txBody>
-      </p:sp>
-      <p:sp>
-        <p:nvSpPr>
-          <p:cNvPr id="10" name="TextBox 9">
-            <a:extLst>
-              <a:ext uri="{FF2B5EF4-FFF2-40B4-BE49-F238E27FC236}">
-                <a16:creationId xmlns:a16="http://schemas.microsoft.com/office/drawing/2014/main" id="{2ED6F1D0-44B7-8A4C-AF08-39DC89AACDEE}"/>
-              </a:ext>
-            </a:extLst>
-          </p:cNvPr>
-          <p:cNvSpPr txBox="1"/>
-          <p:nvPr/>
-        </p:nvSpPr>
-        <p:spPr>
-          <a:xfrm>
-            <a:off x="352727" y="2717222"/>
-            <a:ext cx="4898245" cy="307777"/>
-          </a:xfrm>
-          <a:prstGeom prst="rect">
-            <a:avLst/>
-          </a:prstGeom>
-          <a:noFill/>
-        </p:spPr>
-        <p:txBody>
-          <a:bodyPr wrap="square" rtlCol="0">
-            <a:spAutoFit/>
-          </a:bodyPr>
-          <a:lstStyle/>
-          <a:p>
-            <a:r>
-              <a:rPr kumimoji="1" lang="zh-CN" altLang="en-US"/>
-              <a:t>解决方案：</a:t>
-            </a:r>
-            <a:endParaRPr kumimoji="1" lang="en-US" altLang="zh-CN"/>
-          </a:p>
-        </p:txBody>
-      </p:sp>
-      <p:sp>
-        <p:nvSpPr>
-          <p:cNvPr id="11" name="TextBox 10">
-            <a:extLst>
-              <a:ext uri="{FF2B5EF4-FFF2-40B4-BE49-F238E27FC236}">
-                <a16:creationId xmlns:a16="http://schemas.microsoft.com/office/drawing/2014/main" id="{BA2FBAAE-AFB2-1346-8320-508A501E3AE2}"/>
-              </a:ext>
-            </a:extLst>
-          </p:cNvPr>
-          <p:cNvSpPr txBox="1"/>
-          <p:nvPr/>
-        </p:nvSpPr>
-        <p:spPr>
-          <a:xfrm>
-            <a:off x="352728" y="1362180"/>
-            <a:ext cx="4898245" cy="307777"/>
-          </a:xfrm>
-          <a:prstGeom prst="rect">
-            <a:avLst/>
-          </a:prstGeom>
-          <a:noFill/>
-        </p:spPr>
-        <p:txBody>
-          <a:bodyPr wrap="square" rtlCol="0">
-            <a:spAutoFit/>
-          </a:bodyPr>
-          <a:lstStyle/>
-          <a:p>
-            <a:r>
-              <a:rPr kumimoji="1" lang="zh-CN" altLang="en-US"/>
-              <a:t>问题：客户端如何才能访问到每个服务</a:t>
-            </a:r>
-            <a:endParaRPr kumimoji="1" lang="en-US" altLang="zh-CN"/>
-          </a:p>
-        </p:txBody>
-      </p:sp>
-      <p:sp>
-        <p:nvSpPr>
-          <p:cNvPr id="13" name="TextBox 12">
-            <a:extLst>
-              <a:ext uri="{FF2B5EF4-FFF2-40B4-BE49-F238E27FC236}">
-                <a16:creationId xmlns:a16="http://schemas.microsoft.com/office/drawing/2014/main" id="{9BAEB65E-793B-4C43-9F98-B9CD90011228}"/>
-              </a:ext>
-            </a:extLst>
-          </p:cNvPr>
-          <p:cNvSpPr txBox="1"/>
-          <p:nvPr/>
-        </p:nvSpPr>
-        <p:spPr>
-          <a:xfrm>
-            <a:off x="442332" y="3024999"/>
-            <a:ext cx="4898245" cy="954107"/>
-          </a:xfrm>
-          <a:prstGeom prst="rect">
-            <a:avLst/>
-          </a:prstGeom>
-          <a:noFill/>
-        </p:spPr>
-        <p:txBody>
-          <a:bodyPr wrap="square" rtlCol="0">
-            <a:spAutoFit/>
-          </a:bodyPr>
-          <a:lstStyle/>
-          <a:p>
-            <a:r>
-              <a:rPr kumimoji="1" lang="en-US" altLang="zh-CN" baseline="-25000"/>
-              <a:t>1.</a:t>
-            </a:r>
-            <a:r>
-              <a:rPr kumimoji="1" lang="zh-CN" altLang="en-US" baseline="-25000"/>
-              <a:t> 商品服务</a:t>
-            </a:r>
-            <a:endParaRPr kumimoji="1" lang="en-US" altLang="zh-CN" baseline="-25000"/>
-          </a:p>
-          <a:p>
-            <a:r>
-              <a:rPr kumimoji="1" lang="en-US" altLang="zh-CN" baseline="-25000"/>
-              <a:t>2.</a:t>
-            </a:r>
-            <a:r>
-              <a:rPr kumimoji="1" lang="zh-CN" altLang="en-US" baseline="-25000"/>
-              <a:t> 价格服务</a:t>
-            </a:r>
-          </a:p>
-          <a:p>
-            <a:r>
-              <a:rPr kumimoji="1" lang="en-US" altLang="zh-CN" baseline="-25000"/>
-              <a:t>3.</a:t>
-            </a:r>
-            <a:r>
-              <a:rPr kumimoji="1" lang="zh-CN" altLang="en-US" baseline="-25000"/>
-              <a:t> 订单服务</a:t>
-            </a:r>
-          </a:p>
-          <a:p>
-            <a:r>
-              <a:rPr kumimoji="1" lang="en-US" altLang="zh-CN" baseline="-25000"/>
-              <a:t>4.</a:t>
-            </a:r>
-            <a:r>
-              <a:rPr kumimoji="1" lang="zh-CN" altLang="en-US" baseline="-25000"/>
-              <a:t> 库存服务</a:t>
-            </a:r>
-          </a:p>
-          <a:p>
-            <a:r>
-              <a:rPr kumimoji="1" lang="en-US" altLang="zh-CN" baseline="-25000"/>
-              <a:t>5.</a:t>
-            </a:r>
-            <a:r>
-              <a:rPr kumimoji="1" lang="zh-CN" altLang="en-US" baseline="-25000"/>
-              <a:t> 客户服务</a:t>
-            </a:r>
-          </a:p>
-          <a:p>
-            <a:r>
-              <a:rPr kumimoji="1" lang="en-US" altLang="zh-CN" baseline="-25000"/>
-              <a:t>6.</a:t>
-            </a:r>
-            <a:r>
-              <a:rPr kumimoji="1" lang="zh-CN" altLang="en-US" baseline="-25000"/>
-              <a:t> 评价服务</a:t>
-            </a:r>
-            <a:r>
-              <a:rPr kumimoji="1" lang="en-US" altLang="zh-CN" baseline="-25000"/>
-              <a:t>...</a:t>
-            </a:r>
-          </a:p>
-        </p:txBody>
-      </p:sp>
-    </p:spTree>
-    <p:extLst>
-      <p:ext uri="{BB962C8B-B14F-4D97-AF65-F5344CB8AC3E}">
-        <p14:creationId xmlns:p14="http://schemas.microsoft.com/office/powerpoint/2010/main" val="3958377960"/>
-      </p:ext>
-    </p:extLst>
-  </p:cSld>
-  <p:clrMapOvr>
-    <a:masterClrMapping/>
-  </p:clrMapOvr>
-</p:sld>
-</file>
-
-<file path=ppt/slides/slide7.xml><?xml version="1.0" encoding="utf-8"?>
-<p:sld xmlns:a="http://schemas.openxmlformats.org/drawingml/2006/main" xmlns:r="http://schemas.openxmlformats.org/officeDocument/2006/relationships" xmlns:p="http://schemas.openxmlformats.org/presentationml/2006/main">
-  <p:cSld>
-    <p:spTree>
-      <p:nvGrpSpPr>
-        <p:cNvPr id="1" name="Shape 259"/>
-        <p:cNvGrpSpPr/>
-        <p:nvPr/>
-      </p:nvGrpSpPr>
-      <p:grpSpPr>
-        <a:xfrm>
-          <a:off x="0" y="0"/>
-          <a:ext cx="0" cy="0"/>
-          <a:chOff x="0" y="0"/>
-          <a:chExt cx="0" cy="0"/>
-        </a:xfrm>
-      </p:grpSpPr>
-      <p:sp>
-        <p:nvSpPr>
-          <p:cNvPr id="260" name="Google Shape;260;p28"/>
-          <p:cNvSpPr txBox="1">
-            <a:spLocks noGrp="1"/>
-          </p:cNvSpPr>
-          <p:nvPr>
-            <p:ph type="title"/>
-          </p:nvPr>
-        </p:nvSpPr>
-        <p:spPr>
-          <a:xfrm>
-            <a:off x="311700" y="445025"/>
-            <a:ext cx="2103696" cy="707400"/>
-          </a:xfrm>
-          <a:prstGeom prst="rect">
-            <a:avLst/>
-          </a:prstGeom>
-          <a:noFill/>
-          <a:ln>
-            <a:noFill/>
-          </a:ln>
-        </p:spPr>
-        <p:txBody>
-          <a:bodyPr spcFirstLastPara="1" wrap="square" lIns="91425" tIns="91425" rIns="91425" bIns="91425" anchor="t" anchorCtr="0">
-            <a:noAutofit/>
-          </a:bodyPr>
-          <a:lstStyle/>
-          <a:p>
-            <a:pPr lvl="0"/>
-            <a:r>
-              <a:rPr lang="en-US" altLang="zh-CN" dirty="0"/>
-              <a:t>Micro</a:t>
-            </a:r>
-            <a:r>
-              <a:rPr lang="zh-CN" altLang="en-US" dirty="0"/>
-              <a:t> </a:t>
-            </a:r>
-            <a:r>
-              <a:rPr lang="en-US" altLang="zh-CN" dirty="0"/>
-              <a:t>API</a:t>
-            </a:r>
-            <a:endParaRPr lang="en-US"/>
-          </a:p>
-        </p:txBody>
-      </p:sp>
-      <p:sp>
-        <p:nvSpPr>
-          <p:cNvPr id="261" name="Google Shape;261;p28"/>
-          <p:cNvSpPr txBox="1">
-            <a:spLocks noGrp="1"/>
-          </p:cNvSpPr>
-          <p:nvPr>
-            <p:ph type="sldNum" idx="12"/>
-          </p:nvPr>
-        </p:nvSpPr>
-        <p:spPr>
-          <a:xfrm>
-            <a:off x="167983" y="4610554"/>
-            <a:ext cx="548700" cy="393600"/>
-          </a:xfrm>
-          <a:prstGeom prst="rect">
-            <a:avLst/>
-          </a:prstGeom>
-          <a:noFill/>
-          <a:ln>
-            <a:noFill/>
-          </a:ln>
-        </p:spPr>
-        <p:txBody>
-          <a:bodyPr spcFirstLastPara="1" wrap="square" lIns="91425" tIns="91425" rIns="91425" bIns="91425" anchor="ctr" anchorCtr="0">
-            <a:noAutofit/>
-          </a:bodyPr>
-          <a:lstStyle/>
-          <a:p>
-            <a:pPr marL="0" lvl="0" indent="0" algn="r" rtl="0">
-              <a:lnSpc>
-                <a:spcPct val="100000"/>
-              </a:lnSpc>
-              <a:spcBef>
-                <a:spcPts val="0"/>
-              </a:spcBef>
-              <a:spcAft>
-                <a:spcPts val="0"/>
-              </a:spcAft>
-              <a:buSzPts val="1000"/>
-              <a:buNone/>
-            </a:pPr>
-            <a:fld id="{00000000-1234-1234-1234-123412341234}" type="slidenum">
-              <a:rPr lang="en-US"/>
-              <a:t>7</a:t>
-            </a:fld>
-            <a:endParaRPr lang="en-US"/>
-          </a:p>
-        </p:txBody>
-      </p:sp>
-      <p:sp>
-        <p:nvSpPr>
-          <p:cNvPr id="262" name="Google Shape;262;p28"/>
-          <p:cNvSpPr/>
-          <p:nvPr/>
-        </p:nvSpPr>
-        <p:spPr>
-          <a:xfrm>
-            <a:off x="5894262" y="701662"/>
-            <a:ext cx="3067022" cy="307777"/>
-          </a:xfrm>
-          <a:prstGeom prst="rect">
-            <a:avLst/>
-          </a:prstGeom>
-          <a:noFill/>
-          <a:ln>
-            <a:noFill/>
-          </a:ln>
-        </p:spPr>
-        <p:txBody>
-          <a:bodyPr spcFirstLastPara="1" wrap="square" lIns="91425" tIns="45700" rIns="91425" bIns="45700" anchor="t" anchorCtr="0">
-            <a:noAutofit/>
-          </a:bodyPr>
-          <a:lstStyle/>
-          <a:p>
-            <a:pPr marL="0" marR="0" lvl="0" indent="0" algn="l" rtl="0">
-              <a:lnSpc>
-                <a:spcPct val="100000"/>
-              </a:lnSpc>
-              <a:spcBef>
-                <a:spcPts val="0"/>
-              </a:spcBef>
-              <a:spcAft>
-                <a:spcPts val="0"/>
-              </a:spcAft>
-              <a:buNone/>
-            </a:pPr>
-            <a:endParaRPr sz="3600" b="1" i="0" u="none" strike="noStrike" cap="none">
-              <a:solidFill>
-                <a:schemeClr val="accent1"/>
-              </a:solidFill>
-              <a:latin typeface="PT Sans Narrow" panose="020B0506020203020204"/>
-              <a:ea typeface="PT Sans Narrow" panose="020B0506020203020204"/>
-              <a:cs typeface="PT Sans Narrow" panose="020B0506020203020204"/>
-              <a:sym typeface="PT Sans Narrow" panose="020B0506020203020204"/>
-            </a:endParaRPr>
-          </a:p>
-        </p:txBody>
-      </p:sp>
-      <p:sp>
-        <p:nvSpPr>
-          <p:cNvPr id="6" name="TextBox 5"/>
-          <p:cNvSpPr txBox="1"/>
-          <p:nvPr/>
-        </p:nvSpPr>
-        <p:spPr>
-          <a:xfrm>
-            <a:off x="442333" y="1669957"/>
-            <a:ext cx="5703741" cy="379591"/>
-          </a:xfrm>
-          <a:prstGeom prst="rect">
-            <a:avLst/>
-          </a:prstGeom>
-          <a:noFill/>
-        </p:spPr>
-        <p:txBody>
-          <a:bodyPr wrap="square" rtlCol="0">
-            <a:spAutoFit/>
-          </a:bodyPr>
-          <a:lstStyle/>
-          <a:p>
-            <a:r>
-              <a:rPr kumimoji="1" lang="en-US" altLang="zh-CN" baseline="-25000"/>
-              <a:t>1.</a:t>
-            </a:r>
-            <a:r>
-              <a:rPr kumimoji="1" lang="zh-CN" altLang="en-US" baseline="-25000"/>
-              <a:t> 不提供统一的接入层，针对不同的微服务类型，提供不同的网关接入（</a:t>
-            </a:r>
-            <a:r>
-              <a:rPr kumimoji="1" lang="en-US" altLang="zh-CN" b="1" baseline="-25000">
-                <a:solidFill>
-                  <a:schemeClr val="accent1"/>
-                </a:solidFill>
-              </a:rPr>
-              <a:t>HTTP</a:t>
-            </a:r>
-            <a:r>
-              <a:rPr kumimoji="1" lang="zh-CN" altLang="en-US" b="1" baseline="-25000">
-                <a:solidFill>
-                  <a:schemeClr val="accent1"/>
-                </a:solidFill>
-              </a:rPr>
-              <a:t>、</a:t>
-            </a:r>
-            <a:r>
-              <a:rPr kumimoji="1" lang="en-US" altLang="zh-CN" b="1" baseline="-25000">
-                <a:solidFill>
-                  <a:schemeClr val="accent1"/>
-                </a:solidFill>
-              </a:rPr>
-              <a:t>RPC</a:t>
-            </a:r>
-            <a:r>
-              <a:rPr kumimoji="1" lang="zh-CN" altLang="en-US" b="1" baseline="-25000">
-                <a:solidFill>
-                  <a:schemeClr val="accent1"/>
-                </a:solidFill>
-              </a:rPr>
-              <a:t>、</a:t>
-            </a:r>
-            <a:r>
-              <a:rPr kumimoji="1" lang="en-US" altLang="zh-CN" b="1" baseline="-25000">
-                <a:solidFill>
-                  <a:schemeClr val="accent1"/>
-                </a:solidFill>
-              </a:rPr>
-              <a:t>API</a:t>
-            </a:r>
-            <a:r>
-              <a:rPr kumimoji="1" lang="zh-CN" altLang="en-US" b="1" baseline="-25000">
-                <a:solidFill>
-                  <a:schemeClr val="accent1"/>
-                </a:solidFill>
-              </a:rPr>
-              <a:t>、</a:t>
-            </a:r>
-            <a:r>
-              <a:rPr kumimoji="1" lang="en-US" altLang="zh-CN" b="1" baseline="-25000">
-                <a:solidFill>
-                  <a:schemeClr val="accent1"/>
-                </a:solidFill>
-              </a:rPr>
-              <a:t>Event</a:t>
-            </a:r>
-            <a:r>
-              <a:rPr kumimoji="1" lang="zh-CN" altLang="en-US" baseline="-25000"/>
-              <a:t>）</a:t>
-            </a:r>
-            <a:endParaRPr kumimoji="1" lang="en-US" altLang="zh-CN" baseline="-25000"/>
-          </a:p>
-          <a:p>
-            <a:r>
-              <a:rPr kumimoji="1" lang="en-US" altLang="zh-CN" baseline="-25000"/>
-              <a:t>2.</a:t>
-            </a:r>
-            <a:r>
-              <a:rPr kumimoji="1" lang="zh-CN" altLang="en-US" baseline="-25000"/>
-              <a:t> 默认（目前也唯一）基于服务命名空间自动路由</a:t>
-            </a:r>
-            <a:endParaRPr kumimoji="1" lang="en-US" altLang="zh-CN" baseline="-25000"/>
-          </a:p>
-        </p:txBody>
-      </p:sp>
-      <p:sp>
-        <p:nvSpPr>
-          <p:cNvPr id="7" name="Google Shape;128;p18"/>
-          <p:cNvSpPr/>
-          <p:nvPr/>
-        </p:nvSpPr>
-        <p:spPr>
-          <a:xfrm>
-            <a:off x="7897090" y="726010"/>
-            <a:ext cx="1618743" cy="307800"/>
-          </a:xfrm>
-          <a:prstGeom prst="rect">
-            <a:avLst/>
-          </a:prstGeom>
-          <a:noFill/>
-          <a:ln>
-            <a:noFill/>
-          </a:ln>
-        </p:spPr>
-        <p:txBody>
-          <a:bodyPr spcFirstLastPara="1" wrap="square" lIns="91425" tIns="45700" rIns="91425" bIns="45700" anchor="t" anchorCtr="0">
-            <a:noAutofit/>
-          </a:bodyPr>
-          <a:lstStyle/>
-          <a:p>
-            <a:pPr marL="0" marR="0" lvl="0" indent="0" algn="l" rtl="0">
-              <a:lnSpc>
-                <a:spcPct val="100000"/>
-              </a:lnSpc>
-              <a:spcBef>
-                <a:spcPts val="0"/>
-              </a:spcBef>
-              <a:spcAft>
-                <a:spcPts val="0"/>
-              </a:spcAft>
-              <a:buNone/>
-            </a:pPr>
-            <a:r>
-              <a:rPr lang="zh-CN" altLang="en-US" b="1">
-                <a:solidFill>
-                  <a:schemeClr val="accent1"/>
-                </a:solidFill>
-                <a:latin typeface="PT Sans Narrow" panose="020B0506020203020204"/>
-                <a:ea typeface="PT Sans Narrow" panose="020B0506020203020204"/>
-                <a:cs typeface="PT Sans Narrow" panose="020B0506020203020204"/>
-                <a:sym typeface="PT Sans Narrow" panose="020B0506020203020204"/>
-              </a:rPr>
-              <a:t>服务网关</a:t>
-            </a:r>
-            <a:endParaRPr sz="3600" b="1" i="0" u="none" strike="noStrike" cap="none">
-              <a:solidFill>
-                <a:schemeClr val="accent1"/>
-              </a:solidFill>
-              <a:latin typeface="PT Sans Narrow" panose="020B0506020203020204"/>
-              <a:ea typeface="PT Sans Narrow" panose="020B0506020203020204"/>
-              <a:cs typeface="PT Sans Narrow" panose="020B0506020203020204"/>
-              <a:sym typeface="PT Sans Narrow" panose="020B0506020203020204"/>
-            </a:endParaRPr>
-          </a:p>
-        </p:txBody>
-      </p:sp>
-      <p:sp>
-        <p:nvSpPr>
-          <p:cNvPr id="11" name="TextBox 10">
-            <a:extLst>
-              <a:ext uri="{FF2B5EF4-FFF2-40B4-BE49-F238E27FC236}">
-                <a16:creationId xmlns:a16="http://schemas.microsoft.com/office/drawing/2014/main" id="{BA2FBAAE-AFB2-1346-8320-508A501E3AE2}"/>
-              </a:ext>
-            </a:extLst>
-          </p:cNvPr>
-          <p:cNvSpPr txBox="1"/>
-          <p:nvPr/>
-        </p:nvSpPr>
-        <p:spPr>
-          <a:xfrm>
-            <a:off x="352728" y="1362180"/>
-            <a:ext cx="4898245" cy="307777"/>
-          </a:xfrm>
-          <a:prstGeom prst="rect">
-            <a:avLst/>
-          </a:prstGeom>
-          <a:noFill/>
-        </p:spPr>
-        <p:txBody>
-          <a:bodyPr wrap="square" rtlCol="0">
-            <a:spAutoFit/>
-          </a:bodyPr>
-          <a:lstStyle/>
-          <a:p>
-            <a:r>
-              <a:rPr kumimoji="1" lang="en-US" altLang="zh-CN"/>
-              <a:t>Micro</a:t>
-            </a:r>
-            <a:r>
-              <a:rPr kumimoji="1" lang="zh-CN" altLang="en-US"/>
-              <a:t> </a:t>
-            </a:r>
-            <a:r>
-              <a:rPr kumimoji="1" lang="en-US" altLang="zh-CN"/>
-              <a:t>API</a:t>
-            </a:r>
-            <a:r>
-              <a:rPr kumimoji="1" lang="zh-CN" altLang="en-US"/>
-              <a:t>的特点：</a:t>
-            </a:r>
-            <a:endParaRPr kumimoji="1" lang="en-US" altLang="zh-CN"/>
-          </a:p>
-        </p:txBody>
-      </p:sp>
-    </p:spTree>
-    <p:extLst>
-      <p:ext uri="{BB962C8B-B14F-4D97-AF65-F5344CB8AC3E}">
-        <p14:creationId xmlns:p14="http://schemas.microsoft.com/office/powerpoint/2010/main" val="1709189984"/>
-      </p:ext>
-    </p:extLst>
-  </p:cSld>
-  <p:clrMapOvr>
-    <a:masterClrMapping/>
-  </p:clrMapOvr>
-</p:sld>
-</file>
-
-<file path=ppt/slides/slide8.xml><?xml version="1.0" encoding="utf-8"?>
-<p:sld xmlns:a="http://schemas.openxmlformats.org/drawingml/2006/main" xmlns:r="http://schemas.openxmlformats.org/officeDocument/2006/relationships" xmlns:p="http://schemas.openxmlformats.org/presentationml/2006/main">
-  <p:cSld>
-    <p:spTree>
-      <p:nvGrpSpPr>
-        <p:cNvPr id="1" name="Shape 259"/>
-        <p:cNvGrpSpPr/>
-        <p:nvPr/>
-      </p:nvGrpSpPr>
-      <p:grpSpPr>
-        <a:xfrm>
-          <a:off x="0" y="0"/>
-          <a:ext cx="0" cy="0"/>
-          <a:chOff x="0" y="0"/>
-          <a:chExt cx="0" cy="0"/>
-        </a:xfrm>
-      </p:grpSpPr>
-      <p:sp>
-        <p:nvSpPr>
-          <p:cNvPr id="260" name="Google Shape;260;p28"/>
-          <p:cNvSpPr txBox="1">
-            <a:spLocks noGrp="1"/>
-          </p:cNvSpPr>
-          <p:nvPr>
-            <p:ph type="title"/>
-          </p:nvPr>
-        </p:nvSpPr>
-        <p:spPr>
-          <a:xfrm>
-            <a:off x="311700" y="445025"/>
-            <a:ext cx="2103696" cy="707400"/>
-          </a:xfrm>
-          <a:prstGeom prst="rect">
-            <a:avLst/>
-          </a:prstGeom>
-          <a:noFill/>
-          <a:ln>
-            <a:noFill/>
-          </a:ln>
-        </p:spPr>
-        <p:txBody>
-          <a:bodyPr spcFirstLastPara="1" wrap="square" lIns="91425" tIns="91425" rIns="91425" bIns="91425" anchor="t" anchorCtr="0">
-            <a:noAutofit/>
-          </a:bodyPr>
-          <a:lstStyle/>
-          <a:p>
-            <a:pPr lvl="0"/>
-            <a:r>
-              <a:rPr lang="en-US" altLang="zh-CN" dirty="0"/>
-              <a:t>Micro</a:t>
-            </a:r>
-            <a:r>
-              <a:rPr lang="zh-CN" altLang="en-US" dirty="0"/>
-              <a:t> </a:t>
-            </a:r>
-            <a:r>
-              <a:rPr lang="en-US" altLang="zh-CN" dirty="0"/>
-              <a:t>API</a:t>
-            </a:r>
-            <a:endParaRPr lang="en-US"/>
-          </a:p>
-        </p:txBody>
-      </p:sp>
-      <p:sp>
-        <p:nvSpPr>
-          <p:cNvPr id="261" name="Google Shape;261;p28"/>
-          <p:cNvSpPr txBox="1">
-            <a:spLocks noGrp="1"/>
-          </p:cNvSpPr>
-          <p:nvPr>
-            <p:ph type="sldNum" idx="12"/>
-          </p:nvPr>
-        </p:nvSpPr>
-        <p:spPr>
-          <a:xfrm>
-            <a:off x="167983" y="4610554"/>
-            <a:ext cx="548700" cy="393600"/>
-          </a:xfrm>
-          <a:prstGeom prst="rect">
-            <a:avLst/>
-          </a:prstGeom>
-          <a:noFill/>
-          <a:ln>
-            <a:noFill/>
-          </a:ln>
-        </p:spPr>
-        <p:txBody>
-          <a:bodyPr spcFirstLastPara="1" wrap="square" lIns="91425" tIns="91425" rIns="91425" bIns="91425" anchor="ctr" anchorCtr="0">
-            <a:noAutofit/>
-          </a:bodyPr>
-          <a:lstStyle/>
-          <a:p>
-            <a:pPr marL="0" lvl="0" indent="0" algn="r" rtl="0">
-              <a:lnSpc>
-                <a:spcPct val="100000"/>
-              </a:lnSpc>
-              <a:spcBef>
-                <a:spcPts val="0"/>
-              </a:spcBef>
-              <a:spcAft>
-                <a:spcPts val="0"/>
-              </a:spcAft>
-              <a:buSzPts val="1000"/>
-              <a:buNone/>
-            </a:pPr>
-            <a:fld id="{00000000-1234-1234-1234-123412341234}" type="slidenum">
-              <a:rPr lang="en-US"/>
-              <a:t>8</a:t>
-            </a:fld>
-            <a:endParaRPr lang="en-US"/>
-          </a:p>
-        </p:txBody>
-      </p:sp>
-      <p:sp>
-        <p:nvSpPr>
-          <p:cNvPr id="262" name="Google Shape;262;p28"/>
-          <p:cNvSpPr/>
-          <p:nvPr/>
-        </p:nvSpPr>
-        <p:spPr>
-          <a:xfrm>
-            <a:off x="5894262" y="701662"/>
-            <a:ext cx="3067022" cy="307777"/>
-          </a:xfrm>
-          <a:prstGeom prst="rect">
-            <a:avLst/>
-          </a:prstGeom>
-          <a:noFill/>
-          <a:ln>
-            <a:noFill/>
-          </a:ln>
-        </p:spPr>
-        <p:txBody>
-          <a:bodyPr spcFirstLastPara="1" wrap="square" lIns="91425" tIns="45700" rIns="91425" bIns="45700" anchor="t" anchorCtr="0">
-            <a:noAutofit/>
-          </a:bodyPr>
-          <a:lstStyle/>
-          <a:p>
-            <a:pPr marL="0" marR="0" lvl="0" indent="0" algn="l" rtl="0">
-              <a:lnSpc>
-                <a:spcPct val="100000"/>
-              </a:lnSpc>
-              <a:spcBef>
-                <a:spcPts val="0"/>
-              </a:spcBef>
-              <a:spcAft>
-                <a:spcPts val="0"/>
-              </a:spcAft>
-              <a:buNone/>
-            </a:pPr>
-            <a:endParaRPr sz="3600" b="1" i="0" u="none" strike="noStrike" cap="none">
-              <a:solidFill>
-                <a:schemeClr val="accent1"/>
-              </a:solidFill>
-              <a:latin typeface="PT Sans Narrow" panose="020B0506020203020204"/>
-              <a:ea typeface="PT Sans Narrow" panose="020B0506020203020204"/>
-              <a:cs typeface="PT Sans Narrow" panose="020B0506020203020204"/>
-              <a:sym typeface="PT Sans Narrow" panose="020B0506020203020204"/>
-            </a:endParaRPr>
-          </a:p>
-        </p:txBody>
-      </p:sp>
-      <p:sp>
-        <p:nvSpPr>
-          <p:cNvPr id="7" name="Google Shape;128;p18"/>
-          <p:cNvSpPr/>
-          <p:nvPr/>
-        </p:nvSpPr>
-        <p:spPr>
-          <a:xfrm>
-            <a:off x="7897090" y="726010"/>
-            <a:ext cx="1618743" cy="307800"/>
-          </a:xfrm>
-          <a:prstGeom prst="rect">
-            <a:avLst/>
-          </a:prstGeom>
-          <a:noFill/>
-          <a:ln>
-            <a:noFill/>
-          </a:ln>
-        </p:spPr>
-        <p:txBody>
-          <a:bodyPr spcFirstLastPara="1" wrap="square" lIns="91425" tIns="45700" rIns="91425" bIns="45700" anchor="t" anchorCtr="0">
-            <a:noAutofit/>
-          </a:bodyPr>
-          <a:lstStyle/>
-          <a:p>
-            <a:pPr marL="0" marR="0" lvl="0" indent="0" algn="l" rtl="0">
-              <a:lnSpc>
-                <a:spcPct val="100000"/>
-              </a:lnSpc>
-              <a:spcBef>
-                <a:spcPts val="0"/>
-              </a:spcBef>
-              <a:spcAft>
-                <a:spcPts val="0"/>
-              </a:spcAft>
-              <a:buNone/>
-            </a:pPr>
-            <a:r>
-              <a:rPr lang="zh-CN" altLang="en-US" b="1">
-                <a:solidFill>
-                  <a:schemeClr val="accent1"/>
-                </a:solidFill>
-                <a:latin typeface="PT Sans Narrow" panose="020B0506020203020204"/>
-                <a:ea typeface="PT Sans Narrow" panose="020B0506020203020204"/>
-                <a:cs typeface="PT Sans Narrow" panose="020B0506020203020204"/>
-                <a:sym typeface="PT Sans Narrow" panose="020B0506020203020204"/>
-              </a:rPr>
-              <a:t>路由规则</a:t>
-            </a:r>
-            <a:endParaRPr sz="3600" b="1" i="0" u="none" strike="noStrike" cap="none">
-              <a:solidFill>
-                <a:schemeClr val="accent1"/>
-              </a:solidFill>
-              <a:latin typeface="PT Sans Narrow" panose="020B0506020203020204"/>
-              <a:ea typeface="PT Sans Narrow" panose="020B0506020203020204"/>
-              <a:cs typeface="PT Sans Narrow" panose="020B0506020203020204"/>
-              <a:sym typeface="PT Sans Narrow" panose="020B0506020203020204"/>
-            </a:endParaRPr>
-          </a:p>
-        </p:txBody>
-      </p:sp>
-      <p:pic>
-        <p:nvPicPr>
-          <p:cNvPr id="3" name="Picture 2">
-            <a:extLst>
-              <a:ext uri="{FF2B5EF4-FFF2-40B4-BE49-F238E27FC236}">
-                <a16:creationId xmlns:a16="http://schemas.microsoft.com/office/drawing/2014/main" id="{C9444514-E141-4047-B0A0-D1C10929F010}"/>
-              </a:ext>
-            </a:extLst>
-          </p:cNvPr>
-          <p:cNvPicPr>
-            <a:picLocks noChangeAspect="1"/>
-          </p:cNvPicPr>
-          <p:nvPr/>
-        </p:nvPicPr>
-        <p:blipFill>
-          <a:blip r:embed="rId3"/>
-          <a:stretch>
-            <a:fillRect/>
-          </a:stretch>
-        </p:blipFill>
-        <p:spPr>
-          <a:xfrm>
-            <a:off x="442333" y="1473200"/>
-            <a:ext cx="8024386" cy="2524034"/>
-          </a:xfrm>
-          <a:prstGeom prst="rect">
-            <a:avLst/>
-          </a:prstGeom>
-        </p:spPr>
-      </p:pic>
-      <p:sp>
-        <p:nvSpPr>
-          <p:cNvPr id="10" name="TextBox 9">
-            <a:extLst>
-              <a:ext uri="{FF2B5EF4-FFF2-40B4-BE49-F238E27FC236}">
-                <a16:creationId xmlns:a16="http://schemas.microsoft.com/office/drawing/2014/main" id="{B169F059-45BF-F346-A7BB-29B90E167C55}"/>
-              </a:ext>
-            </a:extLst>
-          </p:cNvPr>
-          <p:cNvSpPr txBox="1"/>
-          <p:nvPr/>
-        </p:nvSpPr>
-        <p:spPr>
-          <a:xfrm>
-            <a:off x="311700" y="1047747"/>
-            <a:ext cx="4898245" cy="307777"/>
-          </a:xfrm>
-          <a:prstGeom prst="rect">
-            <a:avLst/>
-          </a:prstGeom>
-          <a:noFill/>
-        </p:spPr>
-        <p:txBody>
-          <a:bodyPr wrap="square" rtlCol="0">
-            <a:spAutoFit/>
-          </a:bodyPr>
-          <a:lstStyle/>
-          <a:p>
-            <a:r>
-              <a:rPr kumimoji="1" lang="zh-CN" altLang="en-US"/>
-              <a:t>基于命名空间：</a:t>
-            </a:r>
-            <a:endParaRPr kumimoji="1" lang="en-US" altLang="zh-CN"/>
-          </a:p>
-        </p:txBody>
-      </p:sp>
-    </p:spTree>
-    <p:extLst>
-      <p:ext uri="{BB962C8B-B14F-4D97-AF65-F5344CB8AC3E}">
-        <p14:creationId xmlns:p14="http://schemas.microsoft.com/office/powerpoint/2010/main" val="3309503476"/>
-      </p:ext>
-    </p:extLst>
-  </p:cSld>
-  <p:clrMapOvr>
-    <a:masterClrMapping/>
-  </p:clrMapOvr>
-</p:sld>
-</file>
-
-<file path=ppt/slides/slide9.xml><?xml version="1.0" encoding="utf-8"?>
 <p:sld xmlns:a="http://schemas.openxmlformats.org/drawingml/2006/main" xmlns:r="http://schemas.openxmlformats.org/officeDocument/2006/relationships" xmlns:p="http://schemas.openxmlformats.org/presentationml/2006/main">
   <p:cSld>
     <p:spTree>
@@ -20028,6 +16610,3597 @@
 </p:sld>
 </file>
 
+<file path=ppt/slides/slide11.xml><?xml version="1.0" encoding="utf-8"?>
+<p:sld xmlns:a="http://schemas.openxmlformats.org/drawingml/2006/main" xmlns:r="http://schemas.openxmlformats.org/officeDocument/2006/relationships" xmlns:p="http://schemas.openxmlformats.org/presentationml/2006/main">
+  <p:cSld>
+    <p:spTree>
+      <p:nvGrpSpPr>
+        <p:cNvPr id="1" name=""/>
+        <p:cNvGrpSpPr/>
+        <p:nvPr/>
+      </p:nvGrpSpPr>
+      <p:grpSpPr>
+        <a:xfrm>
+          <a:off x="0" y="0"/>
+          <a:ext cx="0" cy="0"/>
+          <a:chOff x="0" y="0"/>
+          <a:chExt cx="0" cy="0"/>
+        </a:xfrm>
+      </p:grpSpPr>
+      <p:sp>
+        <p:nvSpPr>
+          <p:cNvPr id="2" name="Title 1"/>
+          <p:cNvSpPr>
+            <a:spLocks noGrp="1"/>
+          </p:cNvSpPr>
+          <p:nvPr>
+            <p:ph type="title"/>
+          </p:nvPr>
+        </p:nvSpPr>
+        <p:spPr/>
+        <p:txBody>
+          <a:bodyPr/>
+          <a:lstStyle/>
+          <a:p>
+            <a:r>
+              <a:rPr kumimoji="1" lang="zh-CN" altLang="en-US"/>
+              <a:t>参考资料</a:t>
+            </a:r>
+          </a:p>
+        </p:txBody>
+      </p:sp>
+      <p:sp>
+        <p:nvSpPr>
+          <p:cNvPr id="3" name="Text Placeholder 2"/>
+          <p:cNvSpPr>
+            <a:spLocks noGrp="1"/>
+          </p:cNvSpPr>
+          <p:nvPr>
+            <p:ph type="body" idx="1"/>
+          </p:nvPr>
+        </p:nvSpPr>
+        <p:spPr/>
+        <p:txBody>
+          <a:bodyPr/>
+          <a:lstStyle/>
+          <a:p>
+            <a:r>
+              <a:rPr lang="en-US"/>
+              <a:t>http://microservices.io/patterns/apigateway.html</a:t>
+            </a:r>
+            <a:endParaRPr kumimoji="1" lang="en-US" altLang="zh-CN" i="1"/>
+          </a:p>
+          <a:p>
+            <a:r>
+              <a:rPr kumimoji="1" lang="en-US" altLang="zh-CN"/>
+              <a:t>…</a:t>
+            </a:r>
+            <a:endParaRPr kumimoji="1" lang="zh-CN" altLang="en-US"/>
+          </a:p>
+        </p:txBody>
+      </p:sp>
+      <p:sp>
+        <p:nvSpPr>
+          <p:cNvPr id="4" name="Google Shape;262;p28"/>
+          <p:cNvSpPr/>
+          <p:nvPr/>
+        </p:nvSpPr>
+        <p:spPr>
+          <a:xfrm>
+            <a:off x="7387563" y="721397"/>
+            <a:ext cx="1882907" cy="307777"/>
+          </a:xfrm>
+          <a:prstGeom prst="rect">
+            <a:avLst/>
+          </a:prstGeom>
+          <a:noFill/>
+          <a:ln>
+            <a:noFill/>
+          </a:ln>
+        </p:spPr>
+        <p:txBody>
+          <a:bodyPr spcFirstLastPara="1" wrap="square" lIns="91425" tIns="45700" rIns="91425" bIns="45700" anchor="t" anchorCtr="0">
+            <a:noAutofit/>
+          </a:bodyPr>
+          <a:lstStyle/>
+          <a:p>
+            <a:pPr marL="0" marR="0" lvl="0" indent="0" algn="l" rtl="0">
+              <a:lnSpc>
+                <a:spcPct val="100000"/>
+              </a:lnSpc>
+              <a:spcBef>
+                <a:spcPts val="0"/>
+              </a:spcBef>
+              <a:spcAft>
+                <a:spcPts val="0"/>
+              </a:spcAft>
+              <a:buNone/>
+            </a:pPr>
+            <a:endParaRPr sz="3600" b="1" i="0" u="none" strike="noStrike" cap="none">
+              <a:solidFill>
+                <a:schemeClr val="accent1"/>
+              </a:solidFill>
+              <a:latin typeface="PT Sans Narrow" panose="020B0506020203020204"/>
+              <a:ea typeface="PT Sans Narrow" panose="020B0506020203020204"/>
+              <a:cs typeface="PT Sans Narrow" panose="020B0506020203020204"/>
+              <a:sym typeface="PT Sans Narrow" panose="020B0506020203020204"/>
+            </a:endParaRPr>
+          </a:p>
+        </p:txBody>
+      </p:sp>
+    </p:spTree>
+  </p:cSld>
+  <p:clrMapOvr>
+    <a:masterClrMapping/>
+  </p:clrMapOvr>
+</p:sld>
+</file>
+
+<file path=ppt/slides/slide12.xml><?xml version="1.0" encoding="utf-8"?>
+<p:sld xmlns:a="http://schemas.openxmlformats.org/drawingml/2006/main" xmlns:r="http://schemas.openxmlformats.org/officeDocument/2006/relationships" xmlns:p="http://schemas.openxmlformats.org/presentationml/2006/main">
+  <p:cSld>
+    <p:spTree>
+      <p:nvGrpSpPr>
+        <p:cNvPr id="1" name="Shape 720"/>
+        <p:cNvGrpSpPr/>
+        <p:nvPr/>
+      </p:nvGrpSpPr>
+      <p:grpSpPr>
+        <a:xfrm>
+          <a:off x="0" y="0"/>
+          <a:ext cx="0" cy="0"/>
+          <a:chOff x="0" y="0"/>
+          <a:chExt cx="0" cy="0"/>
+        </a:xfrm>
+      </p:grpSpPr>
+      <p:sp>
+        <p:nvSpPr>
+          <p:cNvPr id="721" name="Google Shape;721;p49"/>
+          <p:cNvSpPr txBox="1">
+            <a:spLocks noGrp="1"/>
+          </p:cNvSpPr>
+          <p:nvPr>
+            <p:ph type="title"/>
+          </p:nvPr>
+        </p:nvSpPr>
+        <p:spPr>
+          <a:xfrm>
+            <a:off x="311700" y="445025"/>
+            <a:ext cx="8520600" cy="707400"/>
+          </a:xfrm>
+          <a:prstGeom prst="rect">
+            <a:avLst/>
+          </a:prstGeom>
+          <a:noFill/>
+          <a:ln>
+            <a:noFill/>
+          </a:ln>
+        </p:spPr>
+        <p:txBody>
+          <a:bodyPr spcFirstLastPara="1" wrap="square" lIns="91425" tIns="91425" rIns="91425" bIns="91425" anchor="t" anchorCtr="0">
+            <a:noAutofit/>
+          </a:bodyPr>
+          <a:lstStyle/>
+          <a:p>
+            <a:pPr marL="0" lvl="0" indent="0" algn="l" rtl="0">
+              <a:lnSpc>
+                <a:spcPct val="100000"/>
+              </a:lnSpc>
+              <a:spcBef>
+                <a:spcPts val="0"/>
+              </a:spcBef>
+              <a:spcAft>
+                <a:spcPts val="0"/>
+              </a:spcAft>
+              <a:buSzPts val="3600"/>
+              <a:buNone/>
+            </a:pPr>
+            <a:r>
+              <a:rPr lang="en-US"/>
+              <a:t>谢谢大家</a:t>
+            </a:r>
+          </a:p>
+        </p:txBody>
+      </p:sp>
+      <p:sp>
+        <p:nvSpPr>
+          <p:cNvPr id="722" name="Google Shape;722;p49"/>
+          <p:cNvSpPr txBox="1">
+            <a:spLocks noGrp="1"/>
+          </p:cNvSpPr>
+          <p:nvPr>
+            <p:ph type="sldNum" idx="12"/>
+          </p:nvPr>
+        </p:nvSpPr>
+        <p:spPr>
+          <a:xfrm>
+            <a:off x="167983" y="4610554"/>
+            <a:ext cx="548700" cy="393600"/>
+          </a:xfrm>
+          <a:prstGeom prst="rect">
+            <a:avLst/>
+          </a:prstGeom>
+          <a:noFill/>
+          <a:ln>
+            <a:noFill/>
+          </a:ln>
+        </p:spPr>
+        <p:txBody>
+          <a:bodyPr spcFirstLastPara="1" wrap="square" lIns="91425" tIns="91425" rIns="91425" bIns="91425" anchor="ctr" anchorCtr="0">
+            <a:noAutofit/>
+          </a:bodyPr>
+          <a:lstStyle/>
+          <a:p>
+            <a:pPr marL="0" lvl="0" indent="0" algn="r" rtl="0">
+              <a:lnSpc>
+                <a:spcPct val="100000"/>
+              </a:lnSpc>
+              <a:spcBef>
+                <a:spcPts val="0"/>
+              </a:spcBef>
+              <a:spcAft>
+                <a:spcPts val="0"/>
+              </a:spcAft>
+              <a:buSzPts val="1000"/>
+              <a:buNone/>
+            </a:pPr>
+            <a:fld id="{00000000-1234-1234-1234-123412341234}" type="slidenum">
+              <a:rPr lang="en-US"/>
+              <a:t>12</a:t>
+            </a:fld>
+            <a:endParaRPr lang="en-US"/>
+          </a:p>
+        </p:txBody>
+      </p:sp>
+      <p:sp>
+        <p:nvSpPr>
+          <p:cNvPr id="723" name="Google Shape;723;p49"/>
+          <p:cNvSpPr txBox="1"/>
+          <p:nvPr/>
+        </p:nvSpPr>
+        <p:spPr>
+          <a:xfrm>
+            <a:off x="1636090" y="1456472"/>
+            <a:ext cx="1122680" cy="289823"/>
+          </a:xfrm>
+          <a:prstGeom prst="rect">
+            <a:avLst/>
+          </a:prstGeom>
+          <a:noFill/>
+          <a:ln>
+            <a:noFill/>
+          </a:ln>
+        </p:spPr>
+        <p:txBody>
+          <a:bodyPr spcFirstLastPara="1" wrap="square" lIns="0" tIns="12700" rIns="0" bIns="0" anchor="t" anchorCtr="0">
+            <a:noAutofit/>
+          </a:bodyPr>
+          <a:lstStyle/>
+          <a:p>
+            <a:pPr marL="12700" marR="0" lvl="0" indent="0" algn="l" rtl="0">
+              <a:lnSpc>
+                <a:spcPct val="100000"/>
+              </a:lnSpc>
+              <a:spcBef>
+                <a:spcPts val="0"/>
+              </a:spcBef>
+              <a:spcAft>
+                <a:spcPts val="0"/>
+              </a:spcAft>
+              <a:buNone/>
+            </a:pPr>
+            <a:r>
+              <a:rPr lang="en-US" sz="1800" b="0" i="0" u="sng" strike="noStrike" cap="none">
+                <a:solidFill>
+                  <a:schemeClr val="hlink"/>
+                </a:solidFill>
+                <a:latin typeface="Courier New" panose="02070309020205020404"/>
+                <a:ea typeface="Courier New" panose="02070309020205020404"/>
+                <a:cs typeface="Courier New" panose="02070309020205020404"/>
+                <a:sym typeface="Courier New" panose="02070309020205020404"/>
+                <a:hlinkClick r:id="rId3"/>
+              </a:rPr>
+              <a:t>micro.mu</a:t>
+            </a:r>
+            <a:endParaRPr sz="1800" b="0" i="0" u="none" strike="noStrike" cap="none">
+              <a:solidFill>
+                <a:srgbClr val="000000"/>
+              </a:solidFill>
+              <a:latin typeface="Courier New" panose="02070309020205020404"/>
+              <a:ea typeface="Courier New" panose="02070309020205020404"/>
+              <a:cs typeface="Courier New" panose="02070309020205020404"/>
+              <a:sym typeface="Courier New" panose="02070309020205020404"/>
+            </a:endParaRPr>
+          </a:p>
+        </p:txBody>
+      </p:sp>
+      <p:sp>
+        <p:nvSpPr>
+          <p:cNvPr id="724" name="Google Shape;724;p49"/>
+          <p:cNvSpPr txBox="1"/>
+          <p:nvPr/>
+        </p:nvSpPr>
+        <p:spPr>
+          <a:xfrm>
+            <a:off x="372176" y="3620866"/>
+            <a:ext cx="1082348" cy="307777"/>
+          </a:xfrm>
+          <a:prstGeom prst="rect">
+            <a:avLst/>
+          </a:prstGeom>
+          <a:noFill/>
+          <a:ln>
+            <a:noFill/>
+          </a:ln>
+        </p:spPr>
+        <p:txBody>
+          <a:bodyPr spcFirstLastPara="1" wrap="square" lIns="91425" tIns="45700" rIns="91425" bIns="45700" anchor="t" anchorCtr="0">
+            <a:noAutofit/>
+          </a:bodyPr>
+          <a:lstStyle/>
+          <a:p>
+            <a:pPr marL="0" marR="0" lvl="0" indent="0" algn="l" rtl="0">
+              <a:lnSpc>
+                <a:spcPct val="100000"/>
+              </a:lnSpc>
+              <a:spcBef>
+                <a:spcPts val="0"/>
+              </a:spcBef>
+              <a:spcAft>
+                <a:spcPts val="0"/>
+              </a:spcAft>
+              <a:buNone/>
+            </a:pPr>
+            <a:r>
+              <a:rPr lang="en-US" sz="1400" b="0" i="0" u="none" strike="noStrike" cap="none">
+                <a:solidFill>
+                  <a:srgbClr val="000000"/>
+                </a:solidFill>
+                <a:latin typeface="Arial" panose="020B0604020202020204"/>
+                <a:ea typeface="Arial" panose="020B0604020202020204"/>
+                <a:cs typeface="Arial" panose="020B0604020202020204"/>
+                <a:sym typeface="Arial" panose="020B0604020202020204"/>
+              </a:rPr>
+              <a:t>资源链接：</a:t>
+            </a:r>
+            <a:endParaRPr sz="1400" b="0" i="0" u="none" strike="noStrike" cap="none">
+              <a:solidFill>
+                <a:srgbClr val="000000"/>
+              </a:solidFill>
+              <a:latin typeface="Arial" panose="020B0604020202020204"/>
+              <a:ea typeface="Arial" panose="020B0604020202020204"/>
+              <a:cs typeface="Arial" panose="020B0604020202020204"/>
+              <a:sym typeface="Arial" panose="020B0604020202020204"/>
+            </a:endParaRPr>
+          </a:p>
+        </p:txBody>
+      </p:sp>
+      <p:sp>
+        <p:nvSpPr>
+          <p:cNvPr id="725" name="Google Shape;725;p49"/>
+          <p:cNvSpPr txBox="1"/>
+          <p:nvPr/>
+        </p:nvSpPr>
+        <p:spPr>
+          <a:xfrm>
+            <a:off x="304800" y="1476364"/>
+            <a:ext cx="1143000" cy="369332"/>
+          </a:xfrm>
+          <a:prstGeom prst="rect">
+            <a:avLst/>
+          </a:prstGeom>
+          <a:noFill/>
+          <a:ln>
+            <a:noFill/>
+          </a:ln>
+        </p:spPr>
+        <p:txBody>
+          <a:bodyPr spcFirstLastPara="1" wrap="square" lIns="91425" tIns="45700" rIns="91425" bIns="45700" anchor="t" anchorCtr="0">
+            <a:noAutofit/>
+          </a:bodyPr>
+          <a:lstStyle/>
+          <a:p>
+            <a:pPr marL="0" marR="0" lvl="0" indent="0" algn="l" rtl="0">
+              <a:lnSpc>
+                <a:spcPct val="100000"/>
+              </a:lnSpc>
+              <a:spcBef>
+                <a:spcPts val="0"/>
+              </a:spcBef>
+              <a:spcAft>
+                <a:spcPts val="0"/>
+              </a:spcAft>
+              <a:buNone/>
+            </a:pPr>
+            <a:r>
+              <a:rPr lang="en-US" sz="1400" b="0" i="0" u="none" strike="noStrike" cap="none">
+                <a:solidFill>
+                  <a:srgbClr val="000000"/>
+                </a:solidFill>
+                <a:latin typeface="Arial" panose="020B0604020202020204"/>
+                <a:ea typeface="Arial" panose="020B0604020202020204"/>
+                <a:cs typeface="Arial" panose="020B0604020202020204"/>
+                <a:sym typeface="Arial" panose="020B0604020202020204"/>
+              </a:rPr>
+              <a:t>官方站点:</a:t>
+            </a:r>
+            <a:endParaRPr sz="1400" b="0" i="0" u="none" strike="noStrike" cap="none">
+              <a:solidFill>
+                <a:srgbClr val="000000"/>
+              </a:solidFill>
+              <a:latin typeface="Arial" panose="020B0604020202020204"/>
+              <a:ea typeface="Arial" panose="020B0604020202020204"/>
+              <a:cs typeface="Arial" panose="020B0604020202020204"/>
+              <a:sym typeface="Arial" panose="020B0604020202020204"/>
+            </a:endParaRPr>
+          </a:p>
+        </p:txBody>
+      </p:sp>
+      <p:sp>
+        <p:nvSpPr>
+          <p:cNvPr id="726" name="Google Shape;726;p49"/>
+          <p:cNvSpPr txBox="1"/>
+          <p:nvPr/>
+        </p:nvSpPr>
+        <p:spPr>
+          <a:xfrm>
+            <a:off x="304800" y="1860403"/>
+            <a:ext cx="1143000" cy="307777"/>
+          </a:xfrm>
+          <a:prstGeom prst="rect">
+            <a:avLst/>
+          </a:prstGeom>
+          <a:noFill/>
+          <a:ln>
+            <a:noFill/>
+          </a:ln>
+        </p:spPr>
+        <p:txBody>
+          <a:bodyPr spcFirstLastPara="1" wrap="square" lIns="91425" tIns="45700" rIns="91425" bIns="45700" anchor="t" anchorCtr="0">
+            <a:noAutofit/>
+          </a:bodyPr>
+          <a:lstStyle/>
+          <a:p>
+            <a:pPr marL="0" marR="0" lvl="0" indent="0" algn="l" rtl="0">
+              <a:lnSpc>
+                <a:spcPct val="100000"/>
+              </a:lnSpc>
+              <a:spcBef>
+                <a:spcPts val="0"/>
+              </a:spcBef>
+              <a:spcAft>
+                <a:spcPts val="0"/>
+              </a:spcAft>
+              <a:buNone/>
+            </a:pPr>
+            <a:r>
+              <a:rPr lang="en-US" sz="1400" b="0" i="0" u="none" strike="noStrike" cap="none">
+                <a:solidFill>
+                  <a:srgbClr val="000000"/>
+                </a:solidFill>
+                <a:latin typeface="Arial" panose="020B0604020202020204"/>
+                <a:ea typeface="Arial" panose="020B0604020202020204"/>
+                <a:cs typeface="Arial" panose="020B0604020202020204"/>
+                <a:sym typeface="Arial" panose="020B0604020202020204"/>
+              </a:rPr>
+              <a:t>微信公众号:</a:t>
+            </a:r>
+            <a:endParaRPr sz="1400" b="0" i="0" u="none" strike="noStrike" cap="none">
+              <a:solidFill>
+                <a:srgbClr val="000000"/>
+              </a:solidFill>
+              <a:latin typeface="Arial" panose="020B0604020202020204"/>
+              <a:ea typeface="Arial" panose="020B0604020202020204"/>
+              <a:cs typeface="Arial" panose="020B0604020202020204"/>
+              <a:sym typeface="Arial" panose="020B0604020202020204"/>
+            </a:endParaRPr>
+          </a:p>
+        </p:txBody>
+      </p:sp>
+      <p:pic>
+        <p:nvPicPr>
+          <p:cNvPr id="727" name="Google Shape;727;p49"/>
+          <p:cNvPicPr preferRelativeResize="0"/>
+          <p:nvPr/>
+        </p:nvPicPr>
+        <p:blipFill rotWithShape="1">
+          <a:blip r:embed="rId4"/>
+          <a:srcRect/>
+          <a:stretch>
+            <a:fillRect/>
+          </a:stretch>
+        </p:blipFill>
+        <p:spPr>
+          <a:xfrm>
+            <a:off x="1538544" y="1803812"/>
+            <a:ext cx="1078846" cy="1078846"/>
+          </a:xfrm>
+          <a:prstGeom prst="rect">
+            <a:avLst/>
+          </a:prstGeom>
+          <a:noFill/>
+          <a:ln>
+            <a:noFill/>
+          </a:ln>
+        </p:spPr>
+      </p:pic>
+      <p:sp>
+        <p:nvSpPr>
+          <p:cNvPr id="728" name="Google Shape;728;p49"/>
+          <p:cNvSpPr txBox="1"/>
+          <p:nvPr/>
+        </p:nvSpPr>
+        <p:spPr>
+          <a:xfrm>
+            <a:off x="405794" y="3074983"/>
+            <a:ext cx="1143000" cy="307777"/>
+          </a:xfrm>
+          <a:prstGeom prst="rect">
+            <a:avLst/>
+          </a:prstGeom>
+          <a:noFill/>
+          <a:ln>
+            <a:noFill/>
+          </a:ln>
+        </p:spPr>
+        <p:txBody>
+          <a:bodyPr spcFirstLastPara="1" wrap="square" lIns="91425" tIns="45700" rIns="91425" bIns="45700" anchor="t" anchorCtr="0">
+            <a:noAutofit/>
+          </a:bodyPr>
+          <a:lstStyle/>
+          <a:p>
+            <a:pPr marL="0" marR="0" lvl="0" indent="0" algn="l" rtl="0">
+              <a:lnSpc>
+                <a:spcPct val="100000"/>
+              </a:lnSpc>
+              <a:spcBef>
+                <a:spcPts val="0"/>
+              </a:spcBef>
+              <a:spcAft>
+                <a:spcPts val="0"/>
+              </a:spcAft>
+              <a:buNone/>
+            </a:pPr>
+            <a:r>
+              <a:rPr lang="en-US" sz="1400" b="0" i="0" u="none" strike="noStrike" cap="none">
+                <a:solidFill>
+                  <a:srgbClr val="000000"/>
+                </a:solidFill>
+                <a:latin typeface="Arial" panose="020B0604020202020204"/>
+                <a:ea typeface="Arial" panose="020B0604020202020204"/>
+                <a:cs typeface="Arial" panose="020B0604020202020204"/>
+                <a:sym typeface="Arial" panose="020B0604020202020204"/>
+              </a:rPr>
+              <a:t>提问:</a:t>
+            </a:r>
+            <a:endParaRPr sz="1400" b="0" i="0" u="none" strike="noStrike" cap="none">
+              <a:solidFill>
+                <a:srgbClr val="000000"/>
+              </a:solidFill>
+              <a:latin typeface="Arial" panose="020B0604020202020204"/>
+              <a:ea typeface="Arial" panose="020B0604020202020204"/>
+              <a:cs typeface="Arial" panose="020B0604020202020204"/>
+              <a:sym typeface="Arial" panose="020B0604020202020204"/>
+            </a:endParaRPr>
+          </a:p>
+        </p:txBody>
+      </p:sp>
+      <p:sp>
+        <p:nvSpPr>
+          <p:cNvPr id="729" name="Google Shape;729;p49"/>
+          <p:cNvSpPr txBox="1"/>
+          <p:nvPr/>
+        </p:nvSpPr>
+        <p:spPr>
+          <a:xfrm>
+            <a:off x="457200" y="3943350"/>
+            <a:ext cx="4644476" cy="869469"/>
+          </a:xfrm>
+          <a:prstGeom prst="rect">
+            <a:avLst/>
+          </a:prstGeom>
+          <a:noFill/>
+          <a:ln>
+            <a:noFill/>
+          </a:ln>
+        </p:spPr>
+        <p:txBody>
+          <a:bodyPr spcFirstLastPara="1" wrap="square" lIns="0" tIns="12700" rIns="0" bIns="0" anchor="t" anchorCtr="0">
+            <a:noAutofit/>
+          </a:bodyPr>
+          <a:lstStyle/>
+          <a:p>
+            <a:pPr marL="12700" marR="0" lvl="0" indent="0" algn="l" rtl="0">
+              <a:lnSpc>
+                <a:spcPct val="100000"/>
+              </a:lnSpc>
+              <a:spcBef>
+                <a:spcPts val="0"/>
+              </a:spcBef>
+              <a:spcAft>
+                <a:spcPts val="0"/>
+              </a:spcAft>
+              <a:buNone/>
+            </a:pPr>
+            <a:r>
+              <a:rPr lang="en-US" sz="1800" b="0" i="0" u="sng" strike="noStrike" cap="none">
+                <a:solidFill>
+                  <a:schemeClr val="hlink"/>
+                </a:solidFill>
+                <a:latin typeface="Courier New" panose="02070309020205020404"/>
+                <a:ea typeface="Courier New" panose="02070309020205020404"/>
+                <a:cs typeface="Courier New" panose="02070309020205020404"/>
+                <a:sym typeface="Courier New" panose="02070309020205020404"/>
+                <a:hlinkClick r:id="rId5"/>
+              </a:rPr>
+              <a:t>Micro</a:t>
+            </a:r>
+            <a:endParaRPr sz="1800" b="0" i="0" u="sng" strike="noStrike" cap="none">
+              <a:solidFill>
+                <a:srgbClr val="01AED1"/>
+              </a:solidFill>
+              <a:latin typeface="Courier New" panose="02070309020205020404"/>
+              <a:ea typeface="Courier New" panose="02070309020205020404"/>
+              <a:cs typeface="Courier New" panose="02070309020205020404"/>
+              <a:sym typeface="Courier New" panose="02070309020205020404"/>
+            </a:endParaRPr>
+          </a:p>
+          <a:p>
+            <a:pPr marL="12700" marR="0" lvl="0" indent="0" algn="l" rtl="0">
+              <a:lnSpc>
+                <a:spcPct val="100000"/>
+              </a:lnSpc>
+              <a:spcBef>
+                <a:spcPts val="100"/>
+              </a:spcBef>
+              <a:spcAft>
+                <a:spcPts val="0"/>
+              </a:spcAft>
+              <a:buNone/>
+            </a:pPr>
+            <a:r>
+              <a:rPr lang="en-US" sz="1400" b="0" i="0" u="sng" strike="noStrike" cap="none">
+                <a:solidFill>
+                  <a:schemeClr val="hlink"/>
+                </a:solidFill>
+                <a:latin typeface="Courier New" panose="02070309020205020404"/>
+                <a:ea typeface="Courier New" panose="02070309020205020404"/>
+                <a:cs typeface="Courier New" panose="02070309020205020404"/>
+                <a:sym typeface="Courier New" panose="02070309020205020404"/>
+                <a:hlinkClick r:id="rId6"/>
+              </a:rPr>
+              <a:t>Micro中国站</a:t>
+            </a:r>
+            <a:endParaRPr sz="1400" b="0" i="0" u="none" strike="noStrike" cap="none">
+              <a:solidFill>
+                <a:srgbClr val="000000"/>
+              </a:solidFill>
+              <a:latin typeface="Courier New" panose="02070309020205020404"/>
+              <a:ea typeface="Courier New" panose="02070309020205020404"/>
+              <a:cs typeface="Courier New" panose="02070309020205020404"/>
+              <a:sym typeface="Courier New" panose="02070309020205020404"/>
+            </a:endParaRPr>
+          </a:p>
+          <a:p>
+            <a:pPr marL="12700" marR="0" lvl="0" indent="0" algn="l" rtl="0">
+              <a:lnSpc>
+                <a:spcPct val="100000"/>
+              </a:lnSpc>
+              <a:spcBef>
+                <a:spcPts val="100"/>
+              </a:spcBef>
+              <a:spcAft>
+                <a:spcPts val="0"/>
+              </a:spcAft>
+              <a:buNone/>
+            </a:pPr>
+            <a:endParaRPr sz="1800" b="0" i="0" u="none" strike="noStrike" cap="none">
+              <a:solidFill>
+                <a:srgbClr val="000000"/>
+              </a:solidFill>
+              <a:latin typeface="Courier New" panose="02070309020205020404"/>
+              <a:ea typeface="Courier New" panose="02070309020205020404"/>
+              <a:cs typeface="Courier New" panose="02070309020205020404"/>
+              <a:sym typeface="Courier New" panose="02070309020205020404"/>
+            </a:endParaRPr>
+          </a:p>
+        </p:txBody>
+      </p:sp>
+      <p:pic>
+        <p:nvPicPr>
+          <p:cNvPr id="11" name="Picture 10"/>
+          <p:cNvPicPr>
+            <a:picLocks noChangeAspect="1"/>
+          </p:cNvPicPr>
+          <p:nvPr/>
+        </p:nvPicPr>
+        <p:blipFill>
+          <a:blip r:embed="rId7"/>
+          <a:stretch>
+            <a:fillRect/>
+          </a:stretch>
+        </p:blipFill>
+        <p:spPr>
+          <a:xfrm>
+            <a:off x="2950973" y="1827589"/>
+            <a:ext cx="1084935" cy="1069971"/>
+          </a:xfrm>
+          <a:prstGeom prst="rect">
+            <a:avLst/>
+          </a:prstGeom>
+        </p:spPr>
+      </p:pic>
+    </p:spTree>
+  </p:cSld>
+  <p:clrMapOvr>
+    <a:masterClrMapping/>
+  </p:clrMapOvr>
+</p:sld>
+</file>
+
+<file path=ppt/slides/slide2.xml><?xml version="1.0" encoding="utf-8"?>
+<p:sld xmlns:a="http://schemas.openxmlformats.org/drawingml/2006/main" xmlns:r="http://schemas.openxmlformats.org/officeDocument/2006/relationships" xmlns:p="http://schemas.openxmlformats.org/presentationml/2006/main">
+  <p:cSld>
+    <p:spTree>
+      <p:nvGrpSpPr>
+        <p:cNvPr id="1" name="Shape 117"/>
+        <p:cNvGrpSpPr/>
+        <p:nvPr/>
+      </p:nvGrpSpPr>
+      <p:grpSpPr>
+        <a:xfrm>
+          <a:off x="0" y="0"/>
+          <a:ext cx="0" cy="0"/>
+          <a:chOff x="0" y="0"/>
+          <a:chExt cx="0" cy="0"/>
+        </a:xfrm>
+      </p:grpSpPr>
+      <p:sp>
+        <p:nvSpPr>
+          <p:cNvPr id="118" name="Google Shape;118;p18"/>
+          <p:cNvSpPr txBox="1">
+            <a:spLocks noGrp="1"/>
+          </p:cNvSpPr>
+          <p:nvPr>
+            <p:ph type="title"/>
+          </p:nvPr>
+        </p:nvSpPr>
+        <p:spPr>
+          <a:xfrm>
+            <a:off x="311700" y="445025"/>
+            <a:ext cx="8520600" cy="707400"/>
+          </a:xfrm>
+          <a:prstGeom prst="rect">
+            <a:avLst/>
+          </a:prstGeom>
+          <a:noFill/>
+          <a:ln>
+            <a:noFill/>
+          </a:ln>
+        </p:spPr>
+        <p:txBody>
+          <a:bodyPr spcFirstLastPara="1" wrap="square" lIns="91425" tIns="91425" rIns="91425" bIns="91425" anchor="t" anchorCtr="0">
+            <a:noAutofit/>
+          </a:bodyPr>
+          <a:lstStyle/>
+          <a:p>
+            <a:pPr marL="0" lvl="0" indent="0" algn="l" rtl="0">
+              <a:lnSpc>
+                <a:spcPct val="100000"/>
+              </a:lnSpc>
+              <a:spcBef>
+                <a:spcPts val="0"/>
+              </a:spcBef>
+              <a:spcAft>
+                <a:spcPts val="0"/>
+              </a:spcAft>
+              <a:buSzPts val="3600"/>
+              <a:buNone/>
+            </a:pPr>
+            <a:r>
+              <a:rPr lang="en-US" altLang="zh-CN"/>
+              <a:t>Micro</a:t>
+            </a:r>
+            <a:r>
+              <a:rPr lang="zh-CN" altLang="en-US"/>
+              <a:t>中国站</a:t>
+            </a:r>
+            <a:endParaRPr lang="en-US"/>
+          </a:p>
+        </p:txBody>
+      </p:sp>
+      <p:sp>
+        <p:nvSpPr>
+          <p:cNvPr id="119" name="Google Shape;119;p18"/>
+          <p:cNvSpPr txBox="1">
+            <a:spLocks noGrp="1"/>
+          </p:cNvSpPr>
+          <p:nvPr>
+            <p:ph type="sldNum" idx="12"/>
+          </p:nvPr>
+        </p:nvSpPr>
+        <p:spPr>
+          <a:xfrm>
+            <a:off x="167983" y="4610554"/>
+            <a:ext cx="548700" cy="393600"/>
+          </a:xfrm>
+          <a:prstGeom prst="rect">
+            <a:avLst/>
+          </a:prstGeom>
+          <a:noFill/>
+          <a:ln>
+            <a:noFill/>
+          </a:ln>
+        </p:spPr>
+        <p:txBody>
+          <a:bodyPr spcFirstLastPara="1" wrap="square" lIns="91425" tIns="91425" rIns="91425" bIns="91425" anchor="ctr" anchorCtr="0">
+            <a:noAutofit/>
+          </a:bodyPr>
+          <a:lstStyle/>
+          <a:p>
+            <a:pPr marL="0" lvl="0" indent="0" algn="r" rtl="0">
+              <a:lnSpc>
+                <a:spcPct val="100000"/>
+              </a:lnSpc>
+              <a:spcBef>
+                <a:spcPts val="0"/>
+              </a:spcBef>
+              <a:spcAft>
+                <a:spcPts val="0"/>
+              </a:spcAft>
+              <a:buSzPts val="1000"/>
+              <a:buNone/>
+            </a:pPr>
+            <a:fld id="{00000000-1234-1234-1234-123412341234}" type="slidenum">
+              <a:rPr lang="en-US"/>
+              <a:t>2</a:t>
+            </a:fld>
+            <a:endParaRPr lang="en-US"/>
+          </a:p>
+        </p:txBody>
+      </p:sp>
+      <p:sp>
+        <p:nvSpPr>
+          <p:cNvPr id="120" name="Google Shape;120;p18"/>
+          <p:cNvSpPr txBox="1"/>
+          <p:nvPr/>
+        </p:nvSpPr>
+        <p:spPr>
+          <a:xfrm>
+            <a:off x="462280" y="1242875"/>
+            <a:ext cx="3042920" cy="289823"/>
+          </a:xfrm>
+          <a:prstGeom prst="rect">
+            <a:avLst/>
+          </a:prstGeom>
+          <a:noFill/>
+          <a:ln>
+            <a:noFill/>
+          </a:ln>
+        </p:spPr>
+        <p:txBody>
+          <a:bodyPr spcFirstLastPara="1" wrap="square" lIns="0" tIns="12700" rIns="0" bIns="0" anchor="t" anchorCtr="0">
+            <a:noAutofit/>
+          </a:bodyPr>
+          <a:lstStyle/>
+          <a:p>
+            <a:pPr marL="12700" marR="0" lvl="0" indent="0" algn="l" rtl="0">
+              <a:lnSpc>
+                <a:spcPct val="100000"/>
+              </a:lnSpc>
+              <a:spcBef>
+                <a:spcPts val="0"/>
+              </a:spcBef>
+              <a:spcAft>
+                <a:spcPts val="0"/>
+              </a:spcAft>
+              <a:buNone/>
+            </a:pPr>
+            <a:r>
+              <a:rPr lang="en-US" altLang="zh-CN" sz="1800" b="0" i="0" u="none" strike="noStrike" cap="none">
+                <a:solidFill>
+                  <a:srgbClr val="424242"/>
+                </a:solidFill>
+                <a:latin typeface="Courier New" panose="02070309020205020404"/>
+                <a:ea typeface="Courier New" panose="02070309020205020404"/>
+                <a:cs typeface="Courier New" panose="02070309020205020404"/>
+                <a:sym typeface="Courier New" panose="02070309020205020404"/>
+              </a:rPr>
+              <a:t>Since</a:t>
+            </a:r>
+            <a:r>
+              <a:rPr lang="zh-CN" altLang="en-US" sz="1800" b="0" i="0" u="none" strike="noStrike" cap="none">
+                <a:solidFill>
+                  <a:srgbClr val="424242"/>
+                </a:solidFill>
+                <a:latin typeface="Courier New" panose="02070309020205020404"/>
+                <a:ea typeface="Courier New" panose="02070309020205020404"/>
+                <a:cs typeface="Courier New" panose="02070309020205020404"/>
+                <a:sym typeface="Courier New" panose="02070309020205020404"/>
+              </a:rPr>
+              <a:t> </a:t>
+            </a:r>
+            <a:r>
+              <a:rPr lang="en-US" altLang="zh-CN" sz="1800" b="0" i="0" u="none" strike="noStrike" cap="none">
+                <a:solidFill>
+                  <a:srgbClr val="424242"/>
+                </a:solidFill>
+                <a:latin typeface="Courier New" panose="02070309020205020404"/>
+                <a:ea typeface="Courier New" panose="02070309020205020404"/>
+                <a:cs typeface="Courier New" panose="02070309020205020404"/>
+                <a:sym typeface="Courier New" panose="02070309020205020404"/>
+              </a:rPr>
+              <a:t>2019-02</a:t>
+            </a:r>
+            <a:endParaRPr sz="1800" b="0" i="0" u="none" strike="noStrike" cap="none">
+              <a:solidFill>
+                <a:srgbClr val="000000"/>
+              </a:solidFill>
+              <a:latin typeface="Courier New" panose="02070309020205020404"/>
+              <a:ea typeface="Courier New" panose="02070309020205020404"/>
+              <a:cs typeface="Courier New" panose="02070309020205020404"/>
+              <a:sym typeface="Courier New" panose="02070309020205020404"/>
+            </a:endParaRPr>
+          </a:p>
+        </p:txBody>
+      </p:sp>
+      <p:sp>
+        <p:nvSpPr>
+          <p:cNvPr id="122" name="Google Shape;122;p18"/>
+          <p:cNvSpPr txBox="1"/>
+          <p:nvPr/>
+        </p:nvSpPr>
+        <p:spPr>
+          <a:xfrm>
+            <a:off x="462280" y="1623148"/>
+            <a:ext cx="3120476" cy="289823"/>
+          </a:xfrm>
+          <a:prstGeom prst="rect">
+            <a:avLst/>
+          </a:prstGeom>
+          <a:noFill/>
+          <a:ln>
+            <a:noFill/>
+          </a:ln>
+        </p:spPr>
+        <p:txBody>
+          <a:bodyPr spcFirstLastPara="1" wrap="square" lIns="0" tIns="12700" rIns="0" bIns="0" anchor="t" anchorCtr="0">
+            <a:noAutofit/>
+          </a:bodyPr>
+          <a:lstStyle/>
+          <a:p>
+            <a:pPr marL="12700" lvl="0"/>
+            <a:r>
+              <a:rPr lang="en-US">
+                <a:hlinkClick r:id="rId3"/>
+              </a:rPr>
+              <a:t>https://github.com/micro-in-cn</a:t>
+            </a:r>
+            <a:endParaRPr u="sng">
+              <a:solidFill>
+                <a:srgbClr val="01AED1"/>
+              </a:solidFill>
+              <a:latin typeface="Courier New" panose="02070309020205020404"/>
+              <a:cs typeface="Courier New" panose="02070309020205020404"/>
+              <a:sym typeface="Courier New" panose="02070309020205020404"/>
+            </a:endParaRPr>
+          </a:p>
+        </p:txBody>
+      </p:sp>
+      <p:sp>
+        <p:nvSpPr>
+          <p:cNvPr id="128" name="Google Shape;128;p18"/>
+          <p:cNvSpPr/>
+          <p:nvPr/>
+        </p:nvSpPr>
+        <p:spPr>
+          <a:xfrm>
+            <a:off x="7743870" y="721831"/>
+            <a:ext cx="1120800" cy="307800"/>
+          </a:xfrm>
+          <a:prstGeom prst="rect">
+            <a:avLst/>
+          </a:prstGeom>
+          <a:noFill/>
+          <a:ln>
+            <a:noFill/>
+          </a:ln>
+        </p:spPr>
+        <p:txBody>
+          <a:bodyPr spcFirstLastPara="1" wrap="square" lIns="91425" tIns="45700" rIns="91425" bIns="45700" anchor="t" anchorCtr="0">
+            <a:noAutofit/>
+          </a:bodyPr>
+          <a:lstStyle/>
+          <a:p>
+            <a:pPr marL="0" marR="0" lvl="0" indent="0" algn="l" rtl="0">
+              <a:lnSpc>
+                <a:spcPct val="100000"/>
+              </a:lnSpc>
+              <a:spcBef>
+                <a:spcPts val="0"/>
+              </a:spcBef>
+              <a:spcAft>
+                <a:spcPts val="0"/>
+              </a:spcAft>
+              <a:buNone/>
+            </a:pPr>
+            <a:r>
+              <a:rPr lang="en-US" b="1">
+                <a:solidFill>
+                  <a:schemeClr val="accent1"/>
+                </a:solidFill>
+                <a:latin typeface="PT Sans Narrow" panose="020B0506020203020204"/>
+                <a:ea typeface="PT Sans Narrow" panose="020B0506020203020204"/>
+                <a:cs typeface="PT Sans Narrow" panose="020B0506020203020204"/>
+                <a:sym typeface="PT Sans Narrow" panose="020B0506020203020204"/>
+              </a:rPr>
+              <a:t>Micro</a:t>
+            </a:r>
+            <a:r>
+              <a:rPr lang="zh-CN" altLang="en-US" b="1">
+                <a:solidFill>
+                  <a:schemeClr val="accent1"/>
+                </a:solidFill>
+                <a:latin typeface="PT Sans Narrow" panose="020B0506020203020204"/>
+                <a:ea typeface="PT Sans Narrow" panose="020B0506020203020204"/>
+                <a:cs typeface="PT Sans Narrow" panose="020B0506020203020204"/>
+                <a:sym typeface="PT Sans Narrow" panose="020B0506020203020204"/>
+              </a:rPr>
+              <a:t> 中国</a:t>
+            </a:r>
+            <a:endParaRPr sz="3600" b="1" i="0" u="none" strike="noStrike" cap="none">
+              <a:solidFill>
+                <a:schemeClr val="accent1"/>
+              </a:solidFill>
+              <a:latin typeface="PT Sans Narrow" panose="020B0506020203020204"/>
+              <a:ea typeface="PT Sans Narrow" panose="020B0506020203020204"/>
+              <a:cs typeface="PT Sans Narrow" panose="020B0506020203020204"/>
+              <a:sym typeface="PT Sans Narrow" panose="020B0506020203020204"/>
+            </a:endParaRPr>
+          </a:p>
+        </p:txBody>
+      </p:sp>
+      <p:pic>
+        <p:nvPicPr>
+          <p:cNvPr id="2" name="Picture 1"/>
+          <p:cNvPicPr>
+            <a:picLocks noChangeAspect="1"/>
+          </p:cNvPicPr>
+          <p:nvPr/>
+        </p:nvPicPr>
+        <p:blipFill>
+          <a:blip r:embed="rId4"/>
+          <a:stretch>
+            <a:fillRect/>
+          </a:stretch>
+        </p:blipFill>
+        <p:spPr>
+          <a:xfrm>
+            <a:off x="384218" y="2026017"/>
+            <a:ext cx="1638300" cy="1638300"/>
+          </a:xfrm>
+          <a:prstGeom prst="rect">
+            <a:avLst/>
+          </a:prstGeom>
+        </p:spPr>
+      </p:pic>
+      <p:pic>
+        <p:nvPicPr>
+          <p:cNvPr id="3" name="Picture 2"/>
+          <p:cNvPicPr>
+            <a:picLocks noChangeAspect="1"/>
+          </p:cNvPicPr>
+          <p:nvPr/>
+        </p:nvPicPr>
+        <p:blipFill>
+          <a:blip r:embed="rId5"/>
+          <a:stretch>
+            <a:fillRect/>
+          </a:stretch>
+        </p:blipFill>
+        <p:spPr>
+          <a:xfrm>
+            <a:off x="2389857" y="2026017"/>
+            <a:ext cx="1638301" cy="1615704"/>
+          </a:xfrm>
+          <a:prstGeom prst="rect">
+            <a:avLst/>
+          </a:prstGeom>
+        </p:spPr>
+      </p:pic>
+      <p:sp>
+        <p:nvSpPr>
+          <p:cNvPr id="4" name="TextBox 3"/>
+          <p:cNvSpPr txBox="1"/>
+          <p:nvPr/>
+        </p:nvSpPr>
+        <p:spPr>
+          <a:xfrm>
+            <a:off x="2389857" y="3641721"/>
+            <a:ext cx="1928733" cy="307777"/>
+          </a:xfrm>
+          <a:prstGeom prst="rect">
+            <a:avLst/>
+          </a:prstGeom>
+          <a:noFill/>
+        </p:spPr>
+        <p:txBody>
+          <a:bodyPr wrap="none" rtlCol="0">
+            <a:spAutoFit/>
+          </a:bodyPr>
+          <a:lstStyle/>
+          <a:p>
+            <a:r>
+              <a:rPr kumimoji="1" lang="zh-CN" altLang="en-US"/>
+              <a:t>扫码加群，备注</a:t>
+            </a:r>
+            <a:r>
+              <a:rPr kumimoji="1" lang="en-US" altLang="zh-CN"/>
+              <a:t>github</a:t>
+            </a:r>
+            <a:endParaRPr kumimoji="1" lang="zh-CN" altLang="en-US"/>
+          </a:p>
+        </p:txBody>
+      </p:sp>
+      <p:sp>
+        <p:nvSpPr>
+          <p:cNvPr id="14" name="TextBox 13"/>
+          <p:cNvSpPr txBox="1"/>
+          <p:nvPr/>
+        </p:nvSpPr>
+        <p:spPr>
+          <a:xfrm>
+            <a:off x="463772" y="3641720"/>
+            <a:ext cx="1519968" cy="307777"/>
+          </a:xfrm>
+          <a:prstGeom prst="rect">
+            <a:avLst/>
+          </a:prstGeom>
+          <a:noFill/>
+        </p:spPr>
+        <p:txBody>
+          <a:bodyPr wrap="none" rtlCol="0">
+            <a:spAutoFit/>
+          </a:bodyPr>
+          <a:lstStyle/>
+          <a:p>
+            <a:r>
+              <a:rPr kumimoji="1" lang="en-US" altLang="zh-CN"/>
+              <a:t>Micro</a:t>
+            </a:r>
+            <a:r>
+              <a:rPr kumimoji="1" lang="zh-CN" altLang="en-US"/>
+              <a:t>中国公众号</a:t>
+            </a:r>
+          </a:p>
+        </p:txBody>
+      </p:sp>
+    </p:spTree>
+  </p:cSld>
+  <p:clrMapOvr>
+    <a:masterClrMapping/>
+  </p:clrMapOvr>
+</p:sld>
+</file>
+
+<file path=ppt/slides/slide3.xml><?xml version="1.0" encoding="utf-8"?>
+<p:sld xmlns:a="http://schemas.openxmlformats.org/drawingml/2006/main" xmlns:r="http://schemas.openxmlformats.org/officeDocument/2006/relationships" xmlns:p="http://schemas.openxmlformats.org/presentationml/2006/main">
+  <p:cSld>
+    <p:spTree>
+      <p:nvGrpSpPr>
+        <p:cNvPr id="1" name="Shape 132"/>
+        <p:cNvGrpSpPr/>
+        <p:nvPr/>
+      </p:nvGrpSpPr>
+      <p:grpSpPr>
+        <a:xfrm>
+          <a:off x="0" y="0"/>
+          <a:ext cx="0" cy="0"/>
+          <a:chOff x="0" y="0"/>
+          <a:chExt cx="0" cy="0"/>
+        </a:xfrm>
+      </p:grpSpPr>
+      <p:sp>
+        <p:nvSpPr>
+          <p:cNvPr id="133" name="Google Shape;133;p19"/>
+          <p:cNvSpPr txBox="1">
+            <a:spLocks noGrp="1"/>
+          </p:cNvSpPr>
+          <p:nvPr>
+            <p:ph type="title"/>
+          </p:nvPr>
+        </p:nvSpPr>
+        <p:spPr>
+          <a:xfrm>
+            <a:off x="311700" y="445025"/>
+            <a:ext cx="8520600" cy="707400"/>
+          </a:xfrm>
+          <a:prstGeom prst="rect">
+            <a:avLst/>
+          </a:prstGeom>
+          <a:noFill/>
+          <a:ln>
+            <a:noFill/>
+          </a:ln>
+        </p:spPr>
+        <p:txBody>
+          <a:bodyPr spcFirstLastPara="1" wrap="square" lIns="91425" tIns="91425" rIns="91425" bIns="91425" anchor="t" anchorCtr="0">
+            <a:noAutofit/>
+          </a:bodyPr>
+          <a:lstStyle/>
+          <a:p>
+            <a:pPr marL="0" lvl="0" indent="0" algn="l" rtl="0">
+              <a:lnSpc>
+                <a:spcPct val="100000"/>
+              </a:lnSpc>
+              <a:spcBef>
+                <a:spcPts val="0"/>
+              </a:spcBef>
+              <a:spcAft>
+                <a:spcPts val="0"/>
+              </a:spcAft>
+              <a:buSzPts val="3600"/>
+              <a:buNone/>
+            </a:pPr>
+            <a:r>
+              <a:rPr lang="en-US"/>
+              <a:t>主题</a:t>
+            </a:r>
+          </a:p>
+        </p:txBody>
+      </p:sp>
+      <p:sp>
+        <p:nvSpPr>
+          <p:cNvPr id="134" name="Google Shape;134;p19"/>
+          <p:cNvSpPr txBox="1">
+            <a:spLocks noGrp="1"/>
+          </p:cNvSpPr>
+          <p:nvPr>
+            <p:ph type="sldNum" idx="12"/>
+          </p:nvPr>
+        </p:nvSpPr>
+        <p:spPr>
+          <a:xfrm>
+            <a:off x="167983" y="4610554"/>
+            <a:ext cx="548700" cy="393600"/>
+          </a:xfrm>
+          <a:prstGeom prst="rect">
+            <a:avLst/>
+          </a:prstGeom>
+          <a:noFill/>
+          <a:ln>
+            <a:noFill/>
+          </a:ln>
+        </p:spPr>
+        <p:txBody>
+          <a:bodyPr spcFirstLastPara="1" wrap="square" lIns="91425" tIns="91425" rIns="91425" bIns="91425" anchor="ctr" anchorCtr="0">
+            <a:noAutofit/>
+          </a:bodyPr>
+          <a:lstStyle/>
+          <a:p>
+            <a:pPr marL="0" lvl="0" indent="0" algn="r" rtl="0">
+              <a:lnSpc>
+                <a:spcPct val="100000"/>
+              </a:lnSpc>
+              <a:spcBef>
+                <a:spcPts val="0"/>
+              </a:spcBef>
+              <a:spcAft>
+                <a:spcPts val="0"/>
+              </a:spcAft>
+              <a:buSzPts val="1000"/>
+              <a:buNone/>
+            </a:pPr>
+            <a:fld id="{00000000-1234-1234-1234-123412341234}" type="slidenum">
+              <a:rPr lang="en-US"/>
+              <a:t>3</a:t>
+            </a:fld>
+            <a:endParaRPr lang="en-US"/>
+          </a:p>
+        </p:txBody>
+      </p:sp>
+      <p:sp>
+        <p:nvSpPr>
+          <p:cNvPr id="135" name="Google Shape;135;p19"/>
+          <p:cNvSpPr txBox="1"/>
+          <p:nvPr/>
+        </p:nvSpPr>
+        <p:spPr>
+          <a:xfrm>
+            <a:off x="419428" y="1216585"/>
+            <a:ext cx="6609080" cy="1513458"/>
+          </a:xfrm>
+          <a:prstGeom prst="rect">
+            <a:avLst/>
+          </a:prstGeom>
+          <a:noFill/>
+          <a:ln>
+            <a:noFill/>
+          </a:ln>
+        </p:spPr>
+        <p:txBody>
+          <a:bodyPr spcFirstLastPara="1" wrap="square" lIns="0" tIns="12700" rIns="0" bIns="0" anchor="t" anchorCtr="0">
+            <a:noAutofit/>
+          </a:bodyPr>
+          <a:lstStyle/>
+          <a:p>
+            <a:pPr marL="355600" lvl="0" indent="-342900">
+              <a:buSzPts val="1400"/>
+              <a:buFont typeface="Arial" panose="020B0604020202020204"/>
+              <a:buAutoNum type="arabicPeriod"/>
+            </a:pPr>
+            <a:r>
+              <a:rPr lang="en-US" altLang="zh-CN" dirty="0">
+                <a:solidFill>
+                  <a:srgbClr val="424242"/>
+                </a:solidFill>
+                <a:latin typeface="Courier New" panose="02070309020205020404"/>
+                <a:ea typeface="Courier New" panose="02070309020205020404"/>
+                <a:cs typeface="Courier New" panose="02070309020205020404"/>
+                <a:sym typeface="Courier New" panose="02070309020205020404"/>
+              </a:rPr>
+              <a:t>Micro</a:t>
+            </a:r>
+            <a:r>
+              <a:rPr lang="zh-CN" altLang="en-US" dirty="0">
+                <a:solidFill>
+                  <a:srgbClr val="424242"/>
+                </a:solidFill>
+                <a:latin typeface="Courier New" panose="02070309020205020404"/>
+                <a:ea typeface="Courier New" panose="02070309020205020404"/>
+                <a:cs typeface="Courier New" panose="02070309020205020404"/>
+                <a:sym typeface="Courier New" panose="02070309020205020404"/>
+              </a:rPr>
+              <a:t> </a:t>
+            </a:r>
+            <a:r>
+              <a:rPr lang="en-US" altLang="zh-CN" dirty="0">
+                <a:solidFill>
+                  <a:srgbClr val="424242"/>
+                </a:solidFill>
+                <a:latin typeface="Courier New" panose="02070309020205020404"/>
+                <a:ea typeface="Courier New" panose="02070309020205020404"/>
+                <a:cs typeface="Courier New" panose="02070309020205020404"/>
+                <a:sym typeface="Courier New" panose="02070309020205020404"/>
+              </a:rPr>
+              <a:t>API</a:t>
+            </a:r>
+            <a:r>
+              <a:rPr lang="zh-CN" altLang="en-US" dirty="0">
+                <a:solidFill>
+                  <a:srgbClr val="424242"/>
+                </a:solidFill>
+                <a:latin typeface="Courier New" panose="02070309020205020404"/>
+                <a:ea typeface="Courier New" panose="02070309020205020404"/>
+                <a:cs typeface="Courier New" panose="02070309020205020404"/>
+                <a:sym typeface="Courier New" panose="02070309020205020404"/>
+              </a:rPr>
+              <a:t> </a:t>
+            </a:r>
+            <a:r>
+              <a:rPr lang="en-US" altLang="zh-CN" dirty="0">
+                <a:solidFill>
+                  <a:srgbClr val="424242"/>
+                </a:solidFill>
+                <a:latin typeface="Courier New" panose="02070309020205020404"/>
+                <a:ea typeface="Courier New" panose="02070309020205020404"/>
+                <a:cs typeface="Courier New" panose="02070309020205020404"/>
+                <a:sym typeface="Courier New" panose="02070309020205020404"/>
+              </a:rPr>
+              <a:t>(Gateway)</a:t>
+            </a:r>
+          </a:p>
+          <a:p>
+            <a:pPr marL="355600" lvl="0" indent="-342900">
+              <a:buSzPts val="1400"/>
+              <a:buFont typeface="Arial" panose="020B0604020202020204"/>
+              <a:buAutoNum type="arabicPeriod"/>
+            </a:pPr>
+            <a:r>
+              <a:rPr lang="en-US" altLang="zh-CN" dirty="0">
+                <a:solidFill>
+                  <a:srgbClr val="424242"/>
+                </a:solidFill>
+                <a:latin typeface="Courier New" panose="02070309020205020404"/>
+                <a:ea typeface="Courier New" panose="02070309020205020404"/>
+                <a:cs typeface="Courier New" panose="02070309020205020404"/>
+                <a:sym typeface="Courier New" panose="02070309020205020404"/>
+              </a:rPr>
+              <a:t>Micro</a:t>
+            </a:r>
+            <a:r>
+              <a:rPr lang="zh-CN" altLang="en-US" dirty="0">
+                <a:solidFill>
+                  <a:srgbClr val="424242"/>
+                </a:solidFill>
+                <a:latin typeface="Courier New" panose="02070309020205020404"/>
+                <a:ea typeface="Courier New" panose="02070309020205020404"/>
+                <a:cs typeface="Courier New" panose="02070309020205020404"/>
+                <a:sym typeface="Courier New" panose="02070309020205020404"/>
+              </a:rPr>
+              <a:t> </a:t>
+            </a:r>
+            <a:r>
+              <a:rPr lang="en-US" altLang="zh-CN" dirty="0">
+                <a:solidFill>
+                  <a:srgbClr val="424242"/>
+                </a:solidFill>
+                <a:latin typeface="Courier New" panose="02070309020205020404"/>
+                <a:ea typeface="Courier New" panose="02070309020205020404"/>
+                <a:cs typeface="Courier New" panose="02070309020205020404"/>
+                <a:sym typeface="Courier New" panose="02070309020205020404"/>
+              </a:rPr>
+              <a:t>CLI</a:t>
+            </a:r>
+          </a:p>
+          <a:p>
+            <a:pPr marL="355600" lvl="0" indent="-342900">
+              <a:buSzPts val="1400"/>
+              <a:buFont typeface="Arial" panose="020B0604020202020204"/>
+              <a:buAutoNum type="arabicPeriod"/>
+            </a:pPr>
+            <a:r>
+              <a:rPr lang="en-US" altLang="zh-CN" dirty="0">
+                <a:solidFill>
+                  <a:srgbClr val="424242"/>
+                </a:solidFill>
+                <a:latin typeface="Courier New" panose="02070309020205020404"/>
+                <a:ea typeface="Courier New" panose="02070309020205020404"/>
+                <a:cs typeface="Courier New" panose="02070309020205020404"/>
+                <a:sym typeface="Courier New" panose="02070309020205020404"/>
+              </a:rPr>
+              <a:t>Micro</a:t>
+            </a:r>
+            <a:r>
+              <a:rPr lang="zh-CN" altLang="en-US" dirty="0">
+                <a:solidFill>
+                  <a:srgbClr val="424242"/>
+                </a:solidFill>
+                <a:latin typeface="Courier New" panose="02070309020205020404"/>
+                <a:ea typeface="Courier New" panose="02070309020205020404"/>
+                <a:cs typeface="Courier New" panose="02070309020205020404"/>
+                <a:sym typeface="Courier New" panose="02070309020205020404"/>
+              </a:rPr>
+              <a:t> </a:t>
+            </a:r>
+            <a:r>
+              <a:rPr lang="en-US" altLang="zh-CN" dirty="0">
+                <a:solidFill>
+                  <a:srgbClr val="424242"/>
+                </a:solidFill>
+                <a:latin typeface="Courier New" panose="02070309020205020404"/>
+                <a:ea typeface="Courier New" panose="02070309020205020404"/>
+                <a:cs typeface="Courier New" panose="02070309020205020404"/>
+                <a:sym typeface="Courier New" panose="02070309020205020404"/>
+              </a:rPr>
+              <a:t>Web</a:t>
+            </a:r>
+          </a:p>
+          <a:p>
+            <a:pPr marL="355600" lvl="0" indent="-342900">
+              <a:buSzPts val="1400"/>
+              <a:buFont typeface="Arial" panose="020B0604020202020204"/>
+              <a:buAutoNum type="arabicPeriod"/>
+            </a:pPr>
+            <a:r>
+              <a:rPr lang="en-US" altLang="zh-CN" dirty="0">
+                <a:solidFill>
+                  <a:srgbClr val="424242"/>
+                </a:solidFill>
+                <a:latin typeface="Courier New" panose="02070309020205020404"/>
+                <a:ea typeface="Courier New" panose="02070309020205020404"/>
+                <a:cs typeface="Courier New" panose="02070309020205020404"/>
+                <a:sym typeface="Courier New" panose="02070309020205020404"/>
+              </a:rPr>
+              <a:t>Micro</a:t>
+            </a:r>
+            <a:r>
+              <a:rPr lang="zh-CN" altLang="en-US" dirty="0">
+                <a:solidFill>
+                  <a:srgbClr val="424242"/>
+                </a:solidFill>
+                <a:latin typeface="Courier New" panose="02070309020205020404"/>
+                <a:ea typeface="Courier New" panose="02070309020205020404"/>
+                <a:cs typeface="Courier New" panose="02070309020205020404"/>
+                <a:sym typeface="Courier New" panose="02070309020205020404"/>
+              </a:rPr>
+              <a:t> </a:t>
+            </a:r>
+            <a:r>
+              <a:rPr lang="en-US" altLang="zh-CN" dirty="0">
+                <a:solidFill>
+                  <a:srgbClr val="424242"/>
+                </a:solidFill>
+                <a:latin typeface="Courier New" panose="02070309020205020404"/>
+                <a:ea typeface="Courier New" panose="02070309020205020404"/>
+                <a:cs typeface="Courier New" panose="02070309020205020404"/>
+                <a:sym typeface="Courier New" panose="02070309020205020404"/>
+              </a:rPr>
+              <a:t>Proxy</a:t>
+            </a:r>
+            <a:r>
+              <a:rPr lang="zh-CN" altLang="en-US" dirty="0">
+                <a:solidFill>
+                  <a:srgbClr val="424242"/>
+                </a:solidFill>
+                <a:latin typeface="Courier New" panose="02070309020205020404"/>
+                <a:ea typeface="Courier New" panose="02070309020205020404"/>
+                <a:cs typeface="Courier New" panose="02070309020205020404"/>
+                <a:sym typeface="Courier New" panose="02070309020205020404"/>
+              </a:rPr>
+              <a:t> （</a:t>
+            </a:r>
+            <a:r>
+              <a:rPr lang="en-US" altLang="zh-CN" dirty="0">
+                <a:solidFill>
+                  <a:srgbClr val="424242"/>
+                </a:solidFill>
+                <a:latin typeface="Courier New" panose="02070309020205020404"/>
+                <a:ea typeface="Courier New" panose="02070309020205020404"/>
+                <a:cs typeface="Courier New" panose="02070309020205020404"/>
+                <a:sym typeface="Courier New" panose="02070309020205020404"/>
+              </a:rPr>
+              <a:t>Go-Micro</a:t>
+            </a:r>
+            <a:r>
+              <a:rPr lang="zh-CN" altLang="en-US" dirty="0">
+                <a:solidFill>
+                  <a:srgbClr val="424242"/>
+                </a:solidFill>
+                <a:latin typeface="Courier New" panose="02070309020205020404"/>
+                <a:ea typeface="Courier New" panose="02070309020205020404"/>
+                <a:cs typeface="Courier New" panose="02070309020205020404"/>
+                <a:sym typeface="Courier New" panose="02070309020205020404"/>
+              </a:rPr>
+              <a:t>服务代理）</a:t>
+            </a:r>
+            <a:endParaRPr lang="en-US" altLang="zh-CN" dirty="0">
+              <a:solidFill>
+                <a:srgbClr val="424242"/>
+              </a:solidFill>
+              <a:latin typeface="Courier New" panose="02070309020205020404"/>
+              <a:ea typeface="Courier New" panose="02070309020205020404"/>
+              <a:cs typeface="Courier New" panose="02070309020205020404"/>
+              <a:sym typeface="Courier New" panose="02070309020205020404"/>
+            </a:endParaRPr>
+          </a:p>
+          <a:p>
+            <a:pPr marL="355600" lvl="0" indent="-342900">
+              <a:buSzPts val="1400"/>
+              <a:buFont typeface="Arial" panose="020B0604020202020204"/>
+              <a:buAutoNum type="arabicPeriod"/>
+            </a:pPr>
+            <a:r>
+              <a:rPr lang="en-US">
+                <a:solidFill>
+                  <a:srgbClr val="424242"/>
+                </a:solidFill>
+                <a:latin typeface="Courier New" panose="02070309020205020404"/>
+                <a:cs typeface="Courier New" panose="02070309020205020404"/>
+              </a:rPr>
+              <a:t>Micro </a:t>
+            </a:r>
+            <a:r>
+              <a:rPr lang="zh-CN" altLang="en-US">
+                <a:solidFill>
+                  <a:srgbClr val="424242"/>
+                </a:solidFill>
+                <a:latin typeface="Courier New" panose="02070309020205020404"/>
+                <a:cs typeface="Courier New" panose="02070309020205020404"/>
+              </a:rPr>
+              <a:t>工具集的发展（</a:t>
+            </a:r>
+            <a:r>
+              <a:rPr lang="en-US">
+                <a:solidFill>
+                  <a:srgbClr val="424242"/>
+                </a:solidFill>
+                <a:latin typeface="Courier New" panose="02070309020205020404"/>
+                <a:cs typeface="Courier New" panose="02070309020205020404"/>
+              </a:rPr>
+              <a:t>Network，Run、Tunnel、Platform）</a:t>
+            </a:r>
+            <a:endParaRPr lang="en-US" altLang="zh-CN" dirty="0">
+              <a:solidFill>
+                <a:srgbClr val="424242"/>
+              </a:solidFill>
+              <a:latin typeface="Courier New" panose="02070309020205020404"/>
+              <a:cs typeface="Courier New" panose="02070309020205020404"/>
+              <a:sym typeface="Courier New" panose="02070309020205020404"/>
+            </a:endParaRPr>
+          </a:p>
+        </p:txBody>
+      </p:sp>
+    </p:spTree>
+  </p:cSld>
+  <p:clrMapOvr>
+    <a:masterClrMapping/>
+  </p:clrMapOvr>
+</p:sld>
+</file>
+
+<file path=ppt/slides/slide4.xml><?xml version="1.0" encoding="utf-8"?>
+<p:sld xmlns:a="http://schemas.openxmlformats.org/drawingml/2006/main" xmlns:r="http://schemas.openxmlformats.org/officeDocument/2006/relationships" xmlns:p="http://schemas.openxmlformats.org/presentationml/2006/main">
+  <p:cSld>
+    <p:spTree>
+      <p:nvGrpSpPr>
+        <p:cNvPr id="1" name=""/>
+        <p:cNvGrpSpPr/>
+        <p:nvPr/>
+      </p:nvGrpSpPr>
+      <p:grpSpPr>
+        <a:xfrm>
+          <a:off x="0" y="0"/>
+          <a:ext cx="0" cy="0"/>
+          <a:chOff x="0" y="0"/>
+          <a:chExt cx="0" cy="0"/>
+        </a:xfrm>
+      </p:grpSpPr>
+      <p:sp>
+        <p:nvSpPr>
+          <p:cNvPr id="2" name="Title 1">
+            <a:extLst>
+              <a:ext uri="{FF2B5EF4-FFF2-40B4-BE49-F238E27FC236}">
+                <a16:creationId xmlns:a16="http://schemas.microsoft.com/office/drawing/2014/main" id="{3433B073-7F7E-3745-BE97-78B556B01E5C}"/>
+              </a:ext>
+            </a:extLst>
+          </p:cNvPr>
+          <p:cNvSpPr>
+            <a:spLocks noGrp="1"/>
+          </p:cNvSpPr>
+          <p:nvPr>
+            <p:ph type="title"/>
+          </p:nvPr>
+        </p:nvSpPr>
+        <p:spPr/>
+        <p:txBody>
+          <a:bodyPr/>
+          <a:lstStyle/>
+          <a:p>
+            <a:r>
+              <a:rPr kumimoji="1" lang="en-US" altLang="zh-CN"/>
+              <a:t>Micro</a:t>
+            </a:r>
+            <a:r>
+              <a:rPr kumimoji="1" lang="zh-CN" altLang="en-US"/>
+              <a:t>工具集</a:t>
+            </a:r>
+          </a:p>
+        </p:txBody>
+      </p:sp>
+      <p:sp>
+        <p:nvSpPr>
+          <p:cNvPr id="3" name="Text Placeholder 2">
+            <a:extLst>
+              <a:ext uri="{FF2B5EF4-FFF2-40B4-BE49-F238E27FC236}">
+                <a16:creationId xmlns:a16="http://schemas.microsoft.com/office/drawing/2014/main" id="{7EB7CC78-DC90-594C-904C-7BC66F6CA29B}"/>
+              </a:ext>
+            </a:extLst>
+          </p:cNvPr>
+          <p:cNvSpPr>
+            <a:spLocks noGrp="1"/>
+          </p:cNvSpPr>
+          <p:nvPr>
+            <p:ph type="body" idx="1"/>
+          </p:nvPr>
+        </p:nvSpPr>
+        <p:spPr/>
+        <p:txBody>
+          <a:bodyPr/>
+          <a:lstStyle/>
+          <a:p>
+            <a:r>
+              <a:rPr kumimoji="1" lang="en-US" altLang="zh-CN"/>
+              <a:t>Registry</a:t>
+            </a:r>
+            <a:r>
+              <a:rPr kumimoji="1" lang="zh-CN" altLang="en-US"/>
+              <a:t> 注册中心（代理服务注册）</a:t>
+            </a:r>
+            <a:endParaRPr kumimoji="1" lang="en-US" altLang="zh-CN"/>
+          </a:p>
+          <a:p>
+            <a:r>
+              <a:rPr kumimoji="1" lang="en-US" altLang="zh-CN"/>
+              <a:t>API</a:t>
+            </a:r>
+            <a:r>
+              <a:rPr kumimoji="1" lang="zh-CN" altLang="en-US"/>
+              <a:t> 微服务网关</a:t>
+            </a:r>
+          </a:p>
+        </p:txBody>
+      </p:sp>
+      <p:sp>
+        <p:nvSpPr>
+          <p:cNvPr id="4" name="Google Shape;128;p18">
+            <a:extLst>
+              <a:ext uri="{FF2B5EF4-FFF2-40B4-BE49-F238E27FC236}">
+                <a16:creationId xmlns:a16="http://schemas.microsoft.com/office/drawing/2014/main" id="{B5D756C7-D1BD-E044-BD7B-A74D62004EC7}"/>
+              </a:ext>
+            </a:extLst>
+          </p:cNvPr>
+          <p:cNvSpPr/>
+          <p:nvPr/>
+        </p:nvSpPr>
+        <p:spPr>
+          <a:xfrm>
+            <a:off x="7743870" y="721831"/>
+            <a:ext cx="1120800" cy="307800"/>
+          </a:xfrm>
+          <a:prstGeom prst="rect">
+            <a:avLst/>
+          </a:prstGeom>
+          <a:noFill/>
+          <a:ln>
+            <a:noFill/>
+          </a:ln>
+        </p:spPr>
+        <p:txBody>
+          <a:bodyPr spcFirstLastPara="1" wrap="square" lIns="91425" tIns="45700" rIns="91425" bIns="45700" anchor="t" anchorCtr="0">
+            <a:noAutofit/>
+          </a:bodyPr>
+          <a:lstStyle/>
+          <a:p>
+            <a:pPr marL="0" marR="0" lvl="0" indent="0" algn="l" rtl="0">
+              <a:lnSpc>
+                <a:spcPct val="100000"/>
+              </a:lnSpc>
+              <a:spcBef>
+                <a:spcPts val="0"/>
+              </a:spcBef>
+              <a:spcAft>
+                <a:spcPts val="0"/>
+              </a:spcAft>
+              <a:buNone/>
+            </a:pPr>
+            <a:r>
+              <a:rPr lang="zh-CN" altLang="en-US" b="1">
+                <a:solidFill>
+                  <a:schemeClr val="accent1"/>
+                </a:solidFill>
+                <a:latin typeface="PT Sans Narrow" panose="020B0506020203020204"/>
+                <a:ea typeface="PT Sans Narrow" panose="020B0506020203020204"/>
+                <a:cs typeface="PT Sans Narrow" panose="020B0506020203020204"/>
+                <a:sym typeface="PT Sans Narrow" panose="020B0506020203020204"/>
+              </a:rPr>
+              <a:t>全功能介绍</a:t>
+            </a:r>
+            <a:endParaRPr sz="3600" b="1" i="0" u="none" strike="noStrike" cap="none">
+              <a:solidFill>
+                <a:schemeClr val="accent1"/>
+              </a:solidFill>
+              <a:latin typeface="PT Sans Narrow" panose="020B0506020203020204"/>
+              <a:ea typeface="PT Sans Narrow" panose="020B0506020203020204"/>
+              <a:cs typeface="PT Sans Narrow" panose="020B0506020203020204"/>
+              <a:sym typeface="PT Sans Narrow" panose="020B0506020203020204"/>
+            </a:endParaRPr>
+          </a:p>
+        </p:txBody>
+      </p:sp>
+    </p:spTree>
+    <p:extLst>
+      <p:ext uri="{BB962C8B-B14F-4D97-AF65-F5344CB8AC3E}">
+        <p14:creationId xmlns:p14="http://schemas.microsoft.com/office/powerpoint/2010/main" val="3605090192"/>
+      </p:ext>
+    </p:extLst>
+  </p:cSld>
+  <p:clrMapOvr>
+    <a:masterClrMapping/>
+  </p:clrMapOvr>
+</p:sld>
+</file>
+
+<file path=ppt/slides/slide5.xml><?xml version="1.0" encoding="utf-8"?>
+<p:sld xmlns:a="http://schemas.openxmlformats.org/drawingml/2006/main" xmlns:r="http://schemas.openxmlformats.org/officeDocument/2006/relationships" xmlns:p="http://schemas.openxmlformats.org/presentationml/2006/main">
+  <p:cSld>
+    <p:spTree>
+      <p:nvGrpSpPr>
+        <p:cNvPr id="1" name="Shape 139"/>
+        <p:cNvGrpSpPr/>
+        <p:nvPr/>
+      </p:nvGrpSpPr>
+      <p:grpSpPr>
+        <a:xfrm>
+          <a:off x="0" y="0"/>
+          <a:ext cx="0" cy="0"/>
+          <a:chOff x="0" y="0"/>
+          <a:chExt cx="0" cy="0"/>
+        </a:xfrm>
+      </p:grpSpPr>
+      <p:sp>
+        <p:nvSpPr>
+          <p:cNvPr id="140" name="Google Shape;140;p20"/>
+          <p:cNvSpPr txBox="1">
+            <a:spLocks noGrp="1"/>
+          </p:cNvSpPr>
+          <p:nvPr>
+            <p:ph type="title"/>
+          </p:nvPr>
+        </p:nvSpPr>
+        <p:spPr>
+          <a:xfrm>
+            <a:off x="271359" y="935823"/>
+            <a:ext cx="8571300" cy="942000"/>
+          </a:xfrm>
+          <a:prstGeom prst="rect">
+            <a:avLst/>
+          </a:prstGeom>
+          <a:noFill/>
+          <a:ln>
+            <a:noFill/>
+          </a:ln>
+        </p:spPr>
+        <p:txBody>
+          <a:bodyPr spcFirstLastPara="1" wrap="square" lIns="91425" tIns="91425" rIns="91425" bIns="91425" anchor="ctr" anchorCtr="0">
+            <a:noAutofit/>
+          </a:bodyPr>
+          <a:lstStyle/>
+          <a:p>
+            <a:pPr marL="0" lvl="0" indent="0" algn="ctr" rtl="0">
+              <a:lnSpc>
+                <a:spcPct val="100000"/>
+              </a:lnSpc>
+              <a:spcBef>
+                <a:spcPts val="0"/>
+              </a:spcBef>
+              <a:spcAft>
+                <a:spcPts val="0"/>
+              </a:spcAft>
+              <a:buSzPts val="3600"/>
+              <a:buNone/>
+            </a:pPr>
+            <a:r>
+              <a:rPr lang="en-US" altLang="zh-CN"/>
+              <a:t>Micro</a:t>
+            </a:r>
+            <a:r>
+              <a:rPr lang="zh-CN" altLang="en-US"/>
+              <a:t> </a:t>
+            </a:r>
+            <a:r>
+              <a:rPr lang="en-US" altLang="zh-CN"/>
+              <a:t>API</a:t>
+            </a:r>
+            <a:endParaRPr lang="en-US"/>
+          </a:p>
+        </p:txBody>
+      </p:sp>
+      <p:sp>
+        <p:nvSpPr>
+          <p:cNvPr id="141" name="Google Shape;141;p20"/>
+          <p:cNvSpPr txBox="1">
+            <a:spLocks noGrp="1"/>
+          </p:cNvSpPr>
+          <p:nvPr>
+            <p:ph type="sldNum" idx="12"/>
+          </p:nvPr>
+        </p:nvSpPr>
+        <p:spPr>
+          <a:xfrm>
+            <a:off x="145283" y="4583792"/>
+            <a:ext cx="548700" cy="393600"/>
+          </a:xfrm>
+          <a:prstGeom prst="rect">
+            <a:avLst/>
+          </a:prstGeom>
+          <a:noFill/>
+          <a:ln>
+            <a:noFill/>
+          </a:ln>
+        </p:spPr>
+        <p:txBody>
+          <a:bodyPr spcFirstLastPara="1" wrap="square" lIns="91425" tIns="91425" rIns="91425" bIns="91425" anchor="ctr" anchorCtr="0">
+            <a:noAutofit/>
+          </a:bodyPr>
+          <a:lstStyle/>
+          <a:p>
+            <a:pPr marL="0" lvl="0" indent="0" algn="r" rtl="0">
+              <a:lnSpc>
+                <a:spcPct val="100000"/>
+              </a:lnSpc>
+              <a:spcBef>
+                <a:spcPts val="0"/>
+              </a:spcBef>
+              <a:spcAft>
+                <a:spcPts val="0"/>
+              </a:spcAft>
+              <a:buSzPts val="1000"/>
+              <a:buNone/>
+            </a:pPr>
+            <a:fld id="{00000000-1234-1234-1234-123412341234}" type="slidenum">
+              <a:rPr lang="en-US"/>
+              <a:t>5</a:t>
+            </a:fld>
+            <a:endParaRPr lang="en-US"/>
+          </a:p>
+        </p:txBody>
+      </p:sp>
+    </p:spTree>
+  </p:cSld>
+  <p:clrMapOvr>
+    <a:masterClrMapping/>
+  </p:clrMapOvr>
+</p:sld>
+</file>
+
+<file path=ppt/slides/slide6.xml><?xml version="1.0" encoding="utf-8"?>
+<p:sld xmlns:a="http://schemas.openxmlformats.org/drawingml/2006/main" xmlns:r="http://schemas.openxmlformats.org/officeDocument/2006/relationships" xmlns:p="http://schemas.openxmlformats.org/presentationml/2006/main">
+  <p:cSld>
+    <p:spTree>
+      <p:nvGrpSpPr>
+        <p:cNvPr id="1" name="Shape 259"/>
+        <p:cNvGrpSpPr/>
+        <p:nvPr/>
+      </p:nvGrpSpPr>
+      <p:grpSpPr>
+        <a:xfrm>
+          <a:off x="0" y="0"/>
+          <a:ext cx="0" cy="0"/>
+          <a:chOff x="0" y="0"/>
+          <a:chExt cx="0" cy="0"/>
+        </a:xfrm>
+      </p:grpSpPr>
+      <p:sp>
+        <p:nvSpPr>
+          <p:cNvPr id="260" name="Google Shape;260;p28"/>
+          <p:cNvSpPr txBox="1">
+            <a:spLocks noGrp="1"/>
+          </p:cNvSpPr>
+          <p:nvPr>
+            <p:ph type="title"/>
+          </p:nvPr>
+        </p:nvSpPr>
+        <p:spPr>
+          <a:xfrm>
+            <a:off x="311700" y="445025"/>
+            <a:ext cx="2103696" cy="707400"/>
+          </a:xfrm>
+          <a:prstGeom prst="rect">
+            <a:avLst/>
+          </a:prstGeom>
+          <a:noFill/>
+          <a:ln>
+            <a:noFill/>
+          </a:ln>
+        </p:spPr>
+        <p:txBody>
+          <a:bodyPr spcFirstLastPara="1" wrap="square" lIns="91425" tIns="91425" rIns="91425" bIns="91425" anchor="t" anchorCtr="0">
+            <a:noAutofit/>
+          </a:bodyPr>
+          <a:lstStyle/>
+          <a:p>
+            <a:pPr lvl="0"/>
+            <a:r>
+              <a:rPr lang="en-US" altLang="zh-CN" dirty="0"/>
+              <a:t>Micro</a:t>
+            </a:r>
+            <a:r>
+              <a:rPr lang="zh-CN" altLang="en-US" dirty="0"/>
+              <a:t> </a:t>
+            </a:r>
+            <a:r>
+              <a:rPr lang="en-US" altLang="zh-CN" dirty="0"/>
+              <a:t>API</a:t>
+            </a:r>
+            <a:endParaRPr lang="en-US"/>
+          </a:p>
+        </p:txBody>
+      </p:sp>
+      <p:sp>
+        <p:nvSpPr>
+          <p:cNvPr id="261" name="Google Shape;261;p28"/>
+          <p:cNvSpPr txBox="1">
+            <a:spLocks noGrp="1"/>
+          </p:cNvSpPr>
+          <p:nvPr>
+            <p:ph type="sldNum" idx="12"/>
+          </p:nvPr>
+        </p:nvSpPr>
+        <p:spPr>
+          <a:xfrm>
+            <a:off x="167983" y="4610554"/>
+            <a:ext cx="548700" cy="393600"/>
+          </a:xfrm>
+          <a:prstGeom prst="rect">
+            <a:avLst/>
+          </a:prstGeom>
+          <a:noFill/>
+          <a:ln>
+            <a:noFill/>
+          </a:ln>
+        </p:spPr>
+        <p:txBody>
+          <a:bodyPr spcFirstLastPara="1" wrap="square" lIns="91425" tIns="91425" rIns="91425" bIns="91425" anchor="ctr" anchorCtr="0">
+            <a:noAutofit/>
+          </a:bodyPr>
+          <a:lstStyle/>
+          <a:p>
+            <a:pPr marL="0" lvl="0" indent="0" algn="r" rtl="0">
+              <a:lnSpc>
+                <a:spcPct val="100000"/>
+              </a:lnSpc>
+              <a:spcBef>
+                <a:spcPts val="0"/>
+              </a:spcBef>
+              <a:spcAft>
+                <a:spcPts val="0"/>
+              </a:spcAft>
+              <a:buSzPts val="1000"/>
+              <a:buNone/>
+            </a:pPr>
+            <a:fld id="{00000000-1234-1234-1234-123412341234}" type="slidenum">
+              <a:rPr lang="en-US"/>
+              <a:t>6</a:t>
+            </a:fld>
+            <a:endParaRPr lang="en-US"/>
+          </a:p>
+        </p:txBody>
+      </p:sp>
+      <p:sp>
+        <p:nvSpPr>
+          <p:cNvPr id="262" name="Google Shape;262;p28"/>
+          <p:cNvSpPr/>
+          <p:nvPr/>
+        </p:nvSpPr>
+        <p:spPr>
+          <a:xfrm>
+            <a:off x="5894262" y="701662"/>
+            <a:ext cx="3067022" cy="307777"/>
+          </a:xfrm>
+          <a:prstGeom prst="rect">
+            <a:avLst/>
+          </a:prstGeom>
+          <a:noFill/>
+          <a:ln>
+            <a:noFill/>
+          </a:ln>
+        </p:spPr>
+        <p:txBody>
+          <a:bodyPr spcFirstLastPara="1" wrap="square" lIns="91425" tIns="45700" rIns="91425" bIns="45700" anchor="t" anchorCtr="0">
+            <a:noAutofit/>
+          </a:bodyPr>
+          <a:lstStyle/>
+          <a:p>
+            <a:pPr marL="0" marR="0" lvl="0" indent="0" algn="l" rtl="0">
+              <a:lnSpc>
+                <a:spcPct val="100000"/>
+              </a:lnSpc>
+              <a:spcBef>
+                <a:spcPts val="0"/>
+              </a:spcBef>
+              <a:spcAft>
+                <a:spcPts val="0"/>
+              </a:spcAft>
+              <a:buNone/>
+            </a:pPr>
+            <a:endParaRPr sz="3600" b="1" i="0" u="none" strike="noStrike" cap="none">
+              <a:solidFill>
+                <a:schemeClr val="accent1"/>
+              </a:solidFill>
+              <a:latin typeface="PT Sans Narrow" panose="020B0506020203020204"/>
+              <a:ea typeface="PT Sans Narrow" panose="020B0506020203020204"/>
+              <a:cs typeface="PT Sans Narrow" panose="020B0506020203020204"/>
+              <a:sym typeface="PT Sans Narrow" panose="020B0506020203020204"/>
+            </a:endParaRPr>
+          </a:p>
+        </p:txBody>
+      </p:sp>
+      <p:sp>
+        <p:nvSpPr>
+          <p:cNvPr id="6" name="TextBox 5"/>
+          <p:cNvSpPr txBox="1"/>
+          <p:nvPr/>
+        </p:nvSpPr>
+        <p:spPr>
+          <a:xfrm>
+            <a:off x="442333" y="1669957"/>
+            <a:ext cx="4898245" cy="954107"/>
+          </a:xfrm>
+          <a:prstGeom prst="rect">
+            <a:avLst/>
+          </a:prstGeom>
+          <a:noFill/>
+        </p:spPr>
+        <p:txBody>
+          <a:bodyPr wrap="square" rtlCol="0">
+            <a:spAutoFit/>
+          </a:bodyPr>
+          <a:lstStyle/>
+          <a:p>
+            <a:r>
+              <a:rPr kumimoji="1" lang="en-US" altLang="zh-CN" baseline="-25000"/>
+              <a:t>1.</a:t>
+            </a:r>
+            <a:r>
+              <a:rPr kumimoji="1" lang="zh-CN" altLang="en-US" baseline="-25000"/>
+              <a:t> 商品基本信息，如厂商、价格等</a:t>
+            </a:r>
+            <a:endParaRPr kumimoji="1" lang="en-US" altLang="zh-CN" baseline="-25000"/>
+          </a:p>
+          <a:p>
+            <a:r>
+              <a:rPr kumimoji="1" lang="en-US" altLang="zh-CN" baseline="-25000"/>
+              <a:t>2.</a:t>
+            </a:r>
+            <a:r>
+              <a:rPr kumimoji="1" lang="zh-CN" altLang="en-US" baseline="-25000"/>
+              <a:t> 购买记录</a:t>
+            </a:r>
+          </a:p>
+          <a:p>
+            <a:r>
+              <a:rPr kumimoji="1" lang="en-US" altLang="zh-CN" baseline="-25000"/>
+              <a:t>3.</a:t>
+            </a:r>
+            <a:r>
+              <a:rPr kumimoji="1" lang="zh-CN" altLang="en-US" baseline="-25000"/>
+              <a:t> 与其它商品一起购买的搭配</a:t>
+            </a:r>
+          </a:p>
+          <a:p>
+            <a:r>
+              <a:rPr kumimoji="1" lang="en-US" altLang="zh-CN" baseline="-25000"/>
+              <a:t>4.</a:t>
+            </a:r>
+            <a:r>
+              <a:rPr kumimoji="1" lang="zh-CN" altLang="en-US" baseline="-25000"/>
+              <a:t> 其它顾客购买的其他物品</a:t>
+            </a:r>
+          </a:p>
+          <a:p>
+            <a:r>
+              <a:rPr kumimoji="1" lang="en-US" altLang="zh-CN" baseline="-25000"/>
+              <a:t>5.</a:t>
+            </a:r>
+            <a:r>
+              <a:rPr kumimoji="1" lang="zh-CN" altLang="en-US" baseline="-25000"/>
+              <a:t> 顾客评论</a:t>
+            </a:r>
+          </a:p>
+          <a:p>
+            <a:r>
+              <a:rPr kumimoji="1" lang="en-US" altLang="zh-CN" baseline="-25000"/>
+              <a:t>6.</a:t>
+            </a:r>
+            <a:r>
+              <a:rPr kumimoji="1" lang="zh-CN" altLang="en-US" baseline="-25000"/>
+              <a:t> 卖家排名</a:t>
+            </a:r>
+            <a:r>
+              <a:rPr kumimoji="1" lang="en-US" altLang="zh-CN" baseline="-25000"/>
+              <a:t>…</a:t>
+            </a:r>
+          </a:p>
+        </p:txBody>
+      </p:sp>
+      <p:sp>
+        <p:nvSpPr>
+          <p:cNvPr id="7" name="Google Shape;128;p18"/>
+          <p:cNvSpPr/>
+          <p:nvPr/>
+        </p:nvSpPr>
+        <p:spPr>
+          <a:xfrm>
+            <a:off x="7897090" y="726010"/>
+            <a:ext cx="1618743" cy="307800"/>
+          </a:xfrm>
+          <a:prstGeom prst="rect">
+            <a:avLst/>
+          </a:prstGeom>
+          <a:noFill/>
+          <a:ln>
+            <a:noFill/>
+          </a:ln>
+        </p:spPr>
+        <p:txBody>
+          <a:bodyPr spcFirstLastPara="1" wrap="square" lIns="91425" tIns="45700" rIns="91425" bIns="45700" anchor="t" anchorCtr="0">
+            <a:noAutofit/>
+          </a:bodyPr>
+          <a:lstStyle/>
+          <a:p>
+            <a:pPr marL="0" marR="0" lvl="0" indent="0" algn="l" rtl="0">
+              <a:lnSpc>
+                <a:spcPct val="100000"/>
+              </a:lnSpc>
+              <a:spcBef>
+                <a:spcPts val="0"/>
+              </a:spcBef>
+              <a:spcAft>
+                <a:spcPts val="0"/>
+              </a:spcAft>
+              <a:buNone/>
+            </a:pPr>
+            <a:r>
+              <a:rPr lang="zh-CN" altLang="en-US" b="1">
+                <a:solidFill>
+                  <a:schemeClr val="accent1"/>
+                </a:solidFill>
+                <a:latin typeface="PT Sans Narrow" panose="020B0506020203020204"/>
+                <a:ea typeface="PT Sans Narrow" panose="020B0506020203020204"/>
+                <a:cs typeface="PT Sans Narrow" panose="020B0506020203020204"/>
+                <a:sym typeface="PT Sans Narrow" panose="020B0506020203020204"/>
+              </a:rPr>
+              <a:t>服务网关</a:t>
+            </a:r>
+            <a:endParaRPr sz="3600" b="1" i="0" u="none" strike="noStrike" cap="none">
+              <a:solidFill>
+                <a:schemeClr val="accent1"/>
+              </a:solidFill>
+              <a:latin typeface="PT Sans Narrow" panose="020B0506020203020204"/>
+              <a:ea typeface="PT Sans Narrow" panose="020B0506020203020204"/>
+              <a:cs typeface="PT Sans Narrow" panose="020B0506020203020204"/>
+              <a:sym typeface="PT Sans Narrow" panose="020B0506020203020204"/>
+            </a:endParaRPr>
+          </a:p>
+        </p:txBody>
+      </p:sp>
+      <p:sp>
+        <p:nvSpPr>
+          <p:cNvPr id="10" name="TextBox 9">
+            <a:extLst>
+              <a:ext uri="{FF2B5EF4-FFF2-40B4-BE49-F238E27FC236}">
+                <a16:creationId xmlns:a16="http://schemas.microsoft.com/office/drawing/2014/main" id="{2ED6F1D0-44B7-8A4C-AF08-39DC89AACDEE}"/>
+              </a:ext>
+            </a:extLst>
+          </p:cNvPr>
+          <p:cNvSpPr txBox="1"/>
+          <p:nvPr/>
+        </p:nvSpPr>
+        <p:spPr>
+          <a:xfrm>
+            <a:off x="352727" y="2717222"/>
+            <a:ext cx="4898245" cy="307777"/>
+          </a:xfrm>
+          <a:prstGeom prst="rect">
+            <a:avLst/>
+          </a:prstGeom>
+          <a:noFill/>
+        </p:spPr>
+        <p:txBody>
+          <a:bodyPr wrap="square" rtlCol="0">
+            <a:spAutoFit/>
+          </a:bodyPr>
+          <a:lstStyle/>
+          <a:p>
+            <a:r>
+              <a:rPr kumimoji="1" lang="zh-CN" altLang="en-US"/>
+              <a:t>背后可能的服务：</a:t>
+            </a:r>
+            <a:endParaRPr kumimoji="1" lang="en-US" altLang="zh-CN"/>
+          </a:p>
+        </p:txBody>
+      </p:sp>
+      <p:sp>
+        <p:nvSpPr>
+          <p:cNvPr id="11" name="TextBox 10">
+            <a:extLst>
+              <a:ext uri="{FF2B5EF4-FFF2-40B4-BE49-F238E27FC236}">
+                <a16:creationId xmlns:a16="http://schemas.microsoft.com/office/drawing/2014/main" id="{BA2FBAAE-AFB2-1346-8320-508A501E3AE2}"/>
+              </a:ext>
+            </a:extLst>
+          </p:cNvPr>
+          <p:cNvSpPr txBox="1"/>
+          <p:nvPr/>
+        </p:nvSpPr>
+        <p:spPr>
+          <a:xfrm>
+            <a:off x="352728" y="1362180"/>
+            <a:ext cx="4898245" cy="307777"/>
+          </a:xfrm>
+          <a:prstGeom prst="rect">
+            <a:avLst/>
+          </a:prstGeom>
+          <a:noFill/>
+        </p:spPr>
+        <p:txBody>
+          <a:bodyPr wrap="square" rtlCol="0">
+            <a:spAutoFit/>
+          </a:bodyPr>
+          <a:lstStyle/>
+          <a:p>
+            <a:r>
+              <a:rPr kumimoji="1" lang="zh-CN" altLang="en-US"/>
+              <a:t>现实的场景，购物网站：</a:t>
+            </a:r>
+            <a:endParaRPr kumimoji="1" lang="en-US" altLang="zh-CN"/>
+          </a:p>
+        </p:txBody>
+      </p:sp>
+      <p:sp>
+        <p:nvSpPr>
+          <p:cNvPr id="13" name="TextBox 12">
+            <a:extLst>
+              <a:ext uri="{FF2B5EF4-FFF2-40B4-BE49-F238E27FC236}">
+                <a16:creationId xmlns:a16="http://schemas.microsoft.com/office/drawing/2014/main" id="{9BAEB65E-793B-4C43-9F98-B9CD90011228}"/>
+              </a:ext>
+            </a:extLst>
+          </p:cNvPr>
+          <p:cNvSpPr txBox="1"/>
+          <p:nvPr/>
+        </p:nvSpPr>
+        <p:spPr>
+          <a:xfrm>
+            <a:off x="442332" y="3024999"/>
+            <a:ext cx="4898245" cy="954107"/>
+          </a:xfrm>
+          <a:prstGeom prst="rect">
+            <a:avLst/>
+          </a:prstGeom>
+          <a:noFill/>
+        </p:spPr>
+        <p:txBody>
+          <a:bodyPr wrap="square" rtlCol="0">
+            <a:spAutoFit/>
+          </a:bodyPr>
+          <a:lstStyle/>
+          <a:p>
+            <a:r>
+              <a:rPr kumimoji="1" lang="en-US" altLang="zh-CN" baseline="-25000"/>
+              <a:t>1.</a:t>
+            </a:r>
+            <a:r>
+              <a:rPr kumimoji="1" lang="zh-CN" altLang="en-US" baseline="-25000"/>
+              <a:t> 商品服务</a:t>
+            </a:r>
+            <a:endParaRPr kumimoji="1" lang="en-US" altLang="zh-CN" baseline="-25000"/>
+          </a:p>
+          <a:p>
+            <a:r>
+              <a:rPr kumimoji="1" lang="en-US" altLang="zh-CN" baseline="-25000"/>
+              <a:t>2.</a:t>
+            </a:r>
+            <a:r>
+              <a:rPr kumimoji="1" lang="zh-CN" altLang="en-US" baseline="-25000"/>
+              <a:t> 价格服务</a:t>
+            </a:r>
+          </a:p>
+          <a:p>
+            <a:r>
+              <a:rPr kumimoji="1" lang="en-US" altLang="zh-CN" baseline="-25000"/>
+              <a:t>3.</a:t>
+            </a:r>
+            <a:r>
+              <a:rPr kumimoji="1" lang="zh-CN" altLang="en-US" baseline="-25000"/>
+              <a:t> 订单服务</a:t>
+            </a:r>
+          </a:p>
+          <a:p>
+            <a:r>
+              <a:rPr kumimoji="1" lang="en-US" altLang="zh-CN" baseline="-25000"/>
+              <a:t>4.</a:t>
+            </a:r>
+            <a:r>
+              <a:rPr kumimoji="1" lang="zh-CN" altLang="en-US" baseline="-25000"/>
+              <a:t> 库存服务</a:t>
+            </a:r>
+          </a:p>
+          <a:p>
+            <a:r>
+              <a:rPr kumimoji="1" lang="en-US" altLang="zh-CN" baseline="-25000"/>
+              <a:t>5.</a:t>
+            </a:r>
+            <a:r>
+              <a:rPr kumimoji="1" lang="zh-CN" altLang="en-US" baseline="-25000"/>
+              <a:t> 客户服务</a:t>
+            </a:r>
+          </a:p>
+          <a:p>
+            <a:r>
+              <a:rPr kumimoji="1" lang="en-US" altLang="zh-CN" baseline="-25000"/>
+              <a:t>6.</a:t>
+            </a:r>
+            <a:r>
+              <a:rPr kumimoji="1" lang="zh-CN" altLang="en-US" baseline="-25000"/>
+              <a:t> 评价服务</a:t>
+            </a:r>
+            <a:r>
+              <a:rPr kumimoji="1" lang="en-US" altLang="zh-CN" baseline="-25000"/>
+              <a:t>...</a:t>
+            </a:r>
+          </a:p>
+        </p:txBody>
+      </p:sp>
+    </p:spTree>
+  </p:cSld>
+  <p:clrMapOvr>
+    <a:masterClrMapping/>
+  </p:clrMapOvr>
+</p:sld>
+</file>
+
+<file path=ppt/slides/slide7.xml><?xml version="1.0" encoding="utf-8"?>
+<p:sld xmlns:a="http://schemas.openxmlformats.org/drawingml/2006/main" xmlns:r="http://schemas.openxmlformats.org/officeDocument/2006/relationships" xmlns:p="http://schemas.openxmlformats.org/presentationml/2006/main">
+  <p:cSld>
+    <p:spTree>
+      <p:nvGrpSpPr>
+        <p:cNvPr id="1" name="Shape 259"/>
+        <p:cNvGrpSpPr/>
+        <p:nvPr/>
+      </p:nvGrpSpPr>
+      <p:grpSpPr>
+        <a:xfrm>
+          <a:off x="0" y="0"/>
+          <a:ext cx="0" cy="0"/>
+          <a:chOff x="0" y="0"/>
+          <a:chExt cx="0" cy="0"/>
+        </a:xfrm>
+      </p:grpSpPr>
+      <p:sp>
+        <p:nvSpPr>
+          <p:cNvPr id="260" name="Google Shape;260;p28"/>
+          <p:cNvSpPr txBox="1">
+            <a:spLocks noGrp="1"/>
+          </p:cNvSpPr>
+          <p:nvPr>
+            <p:ph type="title"/>
+          </p:nvPr>
+        </p:nvSpPr>
+        <p:spPr>
+          <a:xfrm>
+            <a:off x="311700" y="445025"/>
+            <a:ext cx="2103696" cy="707400"/>
+          </a:xfrm>
+          <a:prstGeom prst="rect">
+            <a:avLst/>
+          </a:prstGeom>
+          <a:noFill/>
+          <a:ln>
+            <a:noFill/>
+          </a:ln>
+        </p:spPr>
+        <p:txBody>
+          <a:bodyPr spcFirstLastPara="1" wrap="square" lIns="91425" tIns="91425" rIns="91425" bIns="91425" anchor="t" anchorCtr="0">
+            <a:noAutofit/>
+          </a:bodyPr>
+          <a:lstStyle/>
+          <a:p>
+            <a:pPr lvl="0"/>
+            <a:r>
+              <a:rPr lang="en-US" altLang="zh-CN" dirty="0"/>
+              <a:t>Micro</a:t>
+            </a:r>
+            <a:r>
+              <a:rPr lang="zh-CN" altLang="en-US" dirty="0"/>
+              <a:t> </a:t>
+            </a:r>
+            <a:r>
+              <a:rPr lang="en-US" altLang="zh-CN" dirty="0"/>
+              <a:t>API</a:t>
+            </a:r>
+            <a:endParaRPr lang="en-US"/>
+          </a:p>
+        </p:txBody>
+      </p:sp>
+      <p:sp>
+        <p:nvSpPr>
+          <p:cNvPr id="261" name="Google Shape;261;p28"/>
+          <p:cNvSpPr txBox="1">
+            <a:spLocks noGrp="1"/>
+          </p:cNvSpPr>
+          <p:nvPr>
+            <p:ph type="sldNum" idx="12"/>
+          </p:nvPr>
+        </p:nvSpPr>
+        <p:spPr>
+          <a:xfrm>
+            <a:off x="167983" y="4610554"/>
+            <a:ext cx="548700" cy="393600"/>
+          </a:xfrm>
+          <a:prstGeom prst="rect">
+            <a:avLst/>
+          </a:prstGeom>
+          <a:noFill/>
+          <a:ln>
+            <a:noFill/>
+          </a:ln>
+        </p:spPr>
+        <p:txBody>
+          <a:bodyPr spcFirstLastPara="1" wrap="square" lIns="91425" tIns="91425" rIns="91425" bIns="91425" anchor="ctr" anchorCtr="0">
+            <a:noAutofit/>
+          </a:bodyPr>
+          <a:lstStyle/>
+          <a:p>
+            <a:pPr marL="0" lvl="0" indent="0" algn="r" rtl="0">
+              <a:lnSpc>
+                <a:spcPct val="100000"/>
+              </a:lnSpc>
+              <a:spcBef>
+                <a:spcPts val="0"/>
+              </a:spcBef>
+              <a:spcAft>
+                <a:spcPts val="0"/>
+              </a:spcAft>
+              <a:buSzPts val="1000"/>
+              <a:buNone/>
+            </a:pPr>
+            <a:fld id="{00000000-1234-1234-1234-123412341234}" type="slidenum">
+              <a:rPr lang="en-US"/>
+              <a:t>7</a:t>
+            </a:fld>
+            <a:endParaRPr lang="en-US"/>
+          </a:p>
+        </p:txBody>
+      </p:sp>
+      <p:sp>
+        <p:nvSpPr>
+          <p:cNvPr id="262" name="Google Shape;262;p28"/>
+          <p:cNvSpPr/>
+          <p:nvPr/>
+        </p:nvSpPr>
+        <p:spPr>
+          <a:xfrm>
+            <a:off x="5894262" y="701662"/>
+            <a:ext cx="3067022" cy="307777"/>
+          </a:xfrm>
+          <a:prstGeom prst="rect">
+            <a:avLst/>
+          </a:prstGeom>
+          <a:noFill/>
+          <a:ln>
+            <a:noFill/>
+          </a:ln>
+        </p:spPr>
+        <p:txBody>
+          <a:bodyPr spcFirstLastPara="1" wrap="square" lIns="91425" tIns="45700" rIns="91425" bIns="45700" anchor="t" anchorCtr="0">
+            <a:noAutofit/>
+          </a:bodyPr>
+          <a:lstStyle/>
+          <a:p>
+            <a:pPr marL="0" marR="0" lvl="0" indent="0" algn="l" rtl="0">
+              <a:lnSpc>
+                <a:spcPct val="100000"/>
+              </a:lnSpc>
+              <a:spcBef>
+                <a:spcPts val="0"/>
+              </a:spcBef>
+              <a:spcAft>
+                <a:spcPts val="0"/>
+              </a:spcAft>
+              <a:buNone/>
+            </a:pPr>
+            <a:endParaRPr sz="3600" b="1" i="0" u="none" strike="noStrike" cap="none">
+              <a:solidFill>
+                <a:schemeClr val="accent1"/>
+              </a:solidFill>
+              <a:latin typeface="PT Sans Narrow" panose="020B0506020203020204"/>
+              <a:ea typeface="PT Sans Narrow" panose="020B0506020203020204"/>
+              <a:cs typeface="PT Sans Narrow" panose="020B0506020203020204"/>
+              <a:sym typeface="PT Sans Narrow" panose="020B0506020203020204"/>
+            </a:endParaRPr>
+          </a:p>
+        </p:txBody>
+      </p:sp>
+      <p:sp>
+        <p:nvSpPr>
+          <p:cNvPr id="6" name="TextBox 5"/>
+          <p:cNvSpPr txBox="1"/>
+          <p:nvPr/>
+        </p:nvSpPr>
+        <p:spPr>
+          <a:xfrm>
+            <a:off x="442333" y="1669957"/>
+            <a:ext cx="4898245" cy="954107"/>
+          </a:xfrm>
+          <a:prstGeom prst="rect">
+            <a:avLst/>
+          </a:prstGeom>
+          <a:noFill/>
+        </p:spPr>
+        <p:txBody>
+          <a:bodyPr wrap="square" rtlCol="0">
+            <a:spAutoFit/>
+          </a:bodyPr>
+          <a:lstStyle/>
+          <a:p>
+            <a:r>
+              <a:rPr kumimoji="1" lang="en-US" altLang="zh-CN" baseline="-25000"/>
+              <a:t>1.</a:t>
+            </a:r>
+            <a:r>
+              <a:rPr kumimoji="1" lang="zh-CN" altLang="en-US" baseline="-25000"/>
+              <a:t> 客户端如何才能访问到每个服务</a:t>
+            </a:r>
+            <a:endParaRPr kumimoji="1" lang="en-US" altLang="zh-CN" baseline="-25000"/>
+          </a:p>
+          <a:p>
+            <a:r>
+              <a:rPr kumimoji="1" lang="en-US" altLang="zh-CN" baseline="-25000"/>
+              <a:t>2.</a:t>
+            </a:r>
+            <a:r>
+              <a:rPr kumimoji="1" lang="zh-CN" altLang="en-US" baseline="-25000"/>
+              <a:t> 不同客户端需要的数据可能不一样</a:t>
+            </a:r>
+            <a:endParaRPr kumimoji="1" lang="en-US" altLang="zh-CN" baseline="-25000"/>
+          </a:p>
+          <a:p>
+            <a:r>
+              <a:rPr kumimoji="1" lang="en-US" altLang="zh-CN" baseline="-25000"/>
+              <a:t>3.</a:t>
+            </a:r>
+            <a:r>
+              <a:rPr kumimoji="1" lang="zh-CN" altLang="en-US" baseline="-25000"/>
+              <a:t> 微服务数量会动态变化</a:t>
+            </a:r>
+          </a:p>
+          <a:p>
+            <a:r>
+              <a:rPr kumimoji="1" lang="en-US" altLang="zh-CN" baseline="-25000"/>
+              <a:t>4.</a:t>
+            </a:r>
+            <a:r>
+              <a:rPr kumimoji="1" lang="zh-CN" altLang="en-US" baseline="-25000"/>
+              <a:t> 微服务彼此通信的协议可能对</a:t>
+            </a:r>
+            <a:r>
+              <a:rPr kumimoji="1" lang="en-US" altLang="zh-CN" baseline="-25000"/>
+              <a:t>web</a:t>
+            </a:r>
+            <a:r>
+              <a:rPr kumimoji="1" lang="zh-CN" altLang="en-US" baseline="-25000"/>
+              <a:t>不友好</a:t>
+            </a:r>
+          </a:p>
+          <a:p>
+            <a:r>
+              <a:rPr kumimoji="1" lang="en-US" altLang="zh-CN" baseline="-25000"/>
+              <a:t>5.</a:t>
+            </a:r>
+            <a:r>
+              <a:rPr kumimoji="1" lang="zh-CN" altLang="en-US" baseline="-25000"/>
+              <a:t> 其它顾客购买的其他物品</a:t>
+            </a:r>
+            <a:endParaRPr kumimoji="1" lang="en-US" altLang="zh-CN" baseline="-25000"/>
+          </a:p>
+          <a:p>
+            <a:r>
+              <a:rPr kumimoji="1" lang="en-US" altLang="zh-CN" baseline="-25000"/>
+              <a:t>6.</a:t>
+            </a:r>
+            <a:r>
+              <a:rPr kumimoji="1" lang="zh-CN" altLang="en-US" baseline="-25000"/>
+              <a:t> </a:t>
+            </a:r>
+            <a:r>
+              <a:rPr kumimoji="1" lang="en-US" altLang="zh-CN" baseline="-25000"/>
+              <a:t>…</a:t>
+            </a:r>
+            <a:endParaRPr kumimoji="1" lang="zh-CN" altLang="en-US" baseline="-25000"/>
+          </a:p>
+        </p:txBody>
+      </p:sp>
+      <p:sp>
+        <p:nvSpPr>
+          <p:cNvPr id="7" name="Google Shape;128;p18"/>
+          <p:cNvSpPr/>
+          <p:nvPr/>
+        </p:nvSpPr>
+        <p:spPr>
+          <a:xfrm>
+            <a:off x="7897090" y="726010"/>
+            <a:ext cx="1618743" cy="307800"/>
+          </a:xfrm>
+          <a:prstGeom prst="rect">
+            <a:avLst/>
+          </a:prstGeom>
+          <a:noFill/>
+          <a:ln>
+            <a:noFill/>
+          </a:ln>
+        </p:spPr>
+        <p:txBody>
+          <a:bodyPr spcFirstLastPara="1" wrap="square" lIns="91425" tIns="45700" rIns="91425" bIns="45700" anchor="t" anchorCtr="0">
+            <a:noAutofit/>
+          </a:bodyPr>
+          <a:lstStyle/>
+          <a:p>
+            <a:pPr marL="0" marR="0" lvl="0" indent="0" algn="l" rtl="0">
+              <a:lnSpc>
+                <a:spcPct val="100000"/>
+              </a:lnSpc>
+              <a:spcBef>
+                <a:spcPts val="0"/>
+              </a:spcBef>
+              <a:spcAft>
+                <a:spcPts val="0"/>
+              </a:spcAft>
+              <a:buNone/>
+            </a:pPr>
+            <a:r>
+              <a:rPr lang="zh-CN" altLang="en-US" b="1">
+                <a:solidFill>
+                  <a:schemeClr val="accent1"/>
+                </a:solidFill>
+                <a:latin typeface="PT Sans Narrow" panose="020B0506020203020204"/>
+                <a:ea typeface="PT Sans Narrow" panose="020B0506020203020204"/>
+                <a:cs typeface="PT Sans Narrow" panose="020B0506020203020204"/>
+                <a:sym typeface="PT Sans Narrow" panose="020B0506020203020204"/>
+              </a:rPr>
+              <a:t>服务网关</a:t>
+            </a:r>
+            <a:endParaRPr sz="3600" b="1" i="0" u="none" strike="noStrike" cap="none">
+              <a:solidFill>
+                <a:schemeClr val="accent1"/>
+              </a:solidFill>
+              <a:latin typeface="PT Sans Narrow" panose="020B0506020203020204"/>
+              <a:ea typeface="PT Sans Narrow" panose="020B0506020203020204"/>
+              <a:cs typeface="PT Sans Narrow" panose="020B0506020203020204"/>
+              <a:sym typeface="PT Sans Narrow" panose="020B0506020203020204"/>
+            </a:endParaRPr>
+          </a:p>
+        </p:txBody>
+      </p:sp>
+      <p:sp>
+        <p:nvSpPr>
+          <p:cNvPr id="10" name="TextBox 9">
+            <a:extLst>
+              <a:ext uri="{FF2B5EF4-FFF2-40B4-BE49-F238E27FC236}">
+                <a16:creationId xmlns:a16="http://schemas.microsoft.com/office/drawing/2014/main" id="{2ED6F1D0-44B7-8A4C-AF08-39DC89AACDEE}"/>
+              </a:ext>
+            </a:extLst>
+          </p:cNvPr>
+          <p:cNvSpPr txBox="1"/>
+          <p:nvPr/>
+        </p:nvSpPr>
+        <p:spPr>
+          <a:xfrm>
+            <a:off x="352727" y="2717222"/>
+            <a:ext cx="4898245" cy="307777"/>
+          </a:xfrm>
+          <a:prstGeom prst="rect">
+            <a:avLst/>
+          </a:prstGeom>
+          <a:noFill/>
+        </p:spPr>
+        <p:txBody>
+          <a:bodyPr wrap="square" rtlCol="0">
+            <a:spAutoFit/>
+          </a:bodyPr>
+          <a:lstStyle/>
+          <a:p>
+            <a:r>
+              <a:rPr kumimoji="1" lang="zh-CN" altLang="en-US"/>
+              <a:t>解决方案：</a:t>
+            </a:r>
+            <a:endParaRPr kumimoji="1" lang="en-US" altLang="zh-CN"/>
+          </a:p>
+        </p:txBody>
+      </p:sp>
+      <p:sp>
+        <p:nvSpPr>
+          <p:cNvPr id="11" name="TextBox 10">
+            <a:extLst>
+              <a:ext uri="{FF2B5EF4-FFF2-40B4-BE49-F238E27FC236}">
+                <a16:creationId xmlns:a16="http://schemas.microsoft.com/office/drawing/2014/main" id="{BA2FBAAE-AFB2-1346-8320-508A501E3AE2}"/>
+              </a:ext>
+            </a:extLst>
+          </p:cNvPr>
+          <p:cNvSpPr txBox="1"/>
+          <p:nvPr/>
+        </p:nvSpPr>
+        <p:spPr>
+          <a:xfrm>
+            <a:off x="352728" y="1362180"/>
+            <a:ext cx="4898245" cy="307777"/>
+          </a:xfrm>
+          <a:prstGeom prst="rect">
+            <a:avLst/>
+          </a:prstGeom>
+          <a:noFill/>
+        </p:spPr>
+        <p:txBody>
+          <a:bodyPr wrap="square" rtlCol="0">
+            <a:spAutoFit/>
+          </a:bodyPr>
+          <a:lstStyle/>
+          <a:p>
+            <a:r>
+              <a:rPr kumimoji="1" lang="zh-CN" altLang="en-US"/>
+              <a:t>问题：客户端如何才能访问到每个服务</a:t>
+            </a:r>
+            <a:endParaRPr kumimoji="1" lang="en-US" altLang="zh-CN"/>
+          </a:p>
+        </p:txBody>
+      </p:sp>
+      <p:sp>
+        <p:nvSpPr>
+          <p:cNvPr id="13" name="TextBox 12">
+            <a:extLst>
+              <a:ext uri="{FF2B5EF4-FFF2-40B4-BE49-F238E27FC236}">
+                <a16:creationId xmlns:a16="http://schemas.microsoft.com/office/drawing/2014/main" id="{9BAEB65E-793B-4C43-9F98-B9CD90011228}"/>
+              </a:ext>
+            </a:extLst>
+          </p:cNvPr>
+          <p:cNvSpPr txBox="1"/>
+          <p:nvPr/>
+        </p:nvSpPr>
+        <p:spPr>
+          <a:xfrm>
+            <a:off x="442332" y="3024999"/>
+            <a:ext cx="4898245" cy="954107"/>
+          </a:xfrm>
+          <a:prstGeom prst="rect">
+            <a:avLst/>
+          </a:prstGeom>
+          <a:noFill/>
+        </p:spPr>
+        <p:txBody>
+          <a:bodyPr wrap="square" rtlCol="0">
+            <a:spAutoFit/>
+          </a:bodyPr>
+          <a:lstStyle/>
+          <a:p>
+            <a:r>
+              <a:rPr kumimoji="1" lang="en-US" altLang="zh-CN" baseline="-25000"/>
+              <a:t>1.</a:t>
+            </a:r>
+            <a:r>
+              <a:rPr kumimoji="1" lang="zh-CN" altLang="en-US" baseline="-25000"/>
+              <a:t> 商品服务</a:t>
+            </a:r>
+            <a:endParaRPr kumimoji="1" lang="en-US" altLang="zh-CN" baseline="-25000"/>
+          </a:p>
+          <a:p>
+            <a:r>
+              <a:rPr kumimoji="1" lang="en-US" altLang="zh-CN" baseline="-25000"/>
+              <a:t>2.</a:t>
+            </a:r>
+            <a:r>
+              <a:rPr kumimoji="1" lang="zh-CN" altLang="en-US" baseline="-25000"/>
+              <a:t> 价格服务</a:t>
+            </a:r>
+          </a:p>
+          <a:p>
+            <a:r>
+              <a:rPr kumimoji="1" lang="en-US" altLang="zh-CN" baseline="-25000"/>
+              <a:t>3.</a:t>
+            </a:r>
+            <a:r>
+              <a:rPr kumimoji="1" lang="zh-CN" altLang="en-US" baseline="-25000"/>
+              <a:t> 订单服务</a:t>
+            </a:r>
+          </a:p>
+          <a:p>
+            <a:r>
+              <a:rPr kumimoji="1" lang="en-US" altLang="zh-CN" baseline="-25000"/>
+              <a:t>4.</a:t>
+            </a:r>
+            <a:r>
+              <a:rPr kumimoji="1" lang="zh-CN" altLang="en-US" baseline="-25000"/>
+              <a:t> 库存服务</a:t>
+            </a:r>
+          </a:p>
+          <a:p>
+            <a:r>
+              <a:rPr kumimoji="1" lang="en-US" altLang="zh-CN" baseline="-25000"/>
+              <a:t>5.</a:t>
+            </a:r>
+            <a:r>
+              <a:rPr kumimoji="1" lang="zh-CN" altLang="en-US" baseline="-25000"/>
+              <a:t> 客户服务</a:t>
+            </a:r>
+          </a:p>
+          <a:p>
+            <a:r>
+              <a:rPr kumimoji="1" lang="en-US" altLang="zh-CN" baseline="-25000"/>
+              <a:t>6.</a:t>
+            </a:r>
+            <a:r>
+              <a:rPr kumimoji="1" lang="zh-CN" altLang="en-US" baseline="-25000"/>
+              <a:t> 评价服务</a:t>
+            </a:r>
+            <a:r>
+              <a:rPr kumimoji="1" lang="en-US" altLang="zh-CN" baseline="-25000"/>
+              <a:t>...</a:t>
+            </a:r>
+          </a:p>
+        </p:txBody>
+      </p:sp>
+    </p:spTree>
+    <p:extLst>
+      <p:ext uri="{BB962C8B-B14F-4D97-AF65-F5344CB8AC3E}">
+        <p14:creationId xmlns:p14="http://schemas.microsoft.com/office/powerpoint/2010/main" val="3958377960"/>
+      </p:ext>
+    </p:extLst>
+  </p:cSld>
+  <p:clrMapOvr>
+    <a:masterClrMapping/>
+  </p:clrMapOvr>
+</p:sld>
+</file>
+
+<file path=ppt/slides/slide8.xml><?xml version="1.0" encoding="utf-8"?>
+<p:sld xmlns:a="http://schemas.openxmlformats.org/drawingml/2006/main" xmlns:r="http://schemas.openxmlformats.org/officeDocument/2006/relationships" xmlns:p="http://schemas.openxmlformats.org/presentationml/2006/main">
+  <p:cSld>
+    <p:spTree>
+      <p:nvGrpSpPr>
+        <p:cNvPr id="1" name="Shape 259"/>
+        <p:cNvGrpSpPr/>
+        <p:nvPr/>
+      </p:nvGrpSpPr>
+      <p:grpSpPr>
+        <a:xfrm>
+          <a:off x="0" y="0"/>
+          <a:ext cx="0" cy="0"/>
+          <a:chOff x="0" y="0"/>
+          <a:chExt cx="0" cy="0"/>
+        </a:xfrm>
+      </p:grpSpPr>
+      <p:sp>
+        <p:nvSpPr>
+          <p:cNvPr id="260" name="Google Shape;260;p28"/>
+          <p:cNvSpPr txBox="1">
+            <a:spLocks noGrp="1"/>
+          </p:cNvSpPr>
+          <p:nvPr>
+            <p:ph type="title"/>
+          </p:nvPr>
+        </p:nvSpPr>
+        <p:spPr>
+          <a:xfrm>
+            <a:off x="311700" y="445025"/>
+            <a:ext cx="2103696" cy="707400"/>
+          </a:xfrm>
+          <a:prstGeom prst="rect">
+            <a:avLst/>
+          </a:prstGeom>
+          <a:noFill/>
+          <a:ln>
+            <a:noFill/>
+          </a:ln>
+        </p:spPr>
+        <p:txBody>
+          <a:bodyPr spcFirstLastPara="1" wrap="square" lIns="91425" tIns="91425" rIns="91425" bIns="91425" anchor="t" anchorCtr="0">
+            <a:noAutofit/>
+          </a:bodyPr>
+          <a:lstStyle/>
+          <a:p>
+            <a:pPr lvl="0"/>
+            <a:r>
+              <a:rPr lang="en-US" altLang="zh-CN" dirty="0"/>
+              <a:t>Micro</a:t>
+            </a:r>
+            <a:r>
+              <a:rPr lang="zh-CN" altLang="en-US" dirty="0"/>
+              <a:t> </a:t>
+            </a:r>
+            <a:r>
+              <a:rPr lang="en-US" altLang="zh-CN" dirty="0"/>
+              <a:t>API</a:t>
+            </a:r>
+            <a:endParaRPr lang="en-US"/>
+          </a:p>
+        </p:txBody>
+      </p:sp>
+      <p:sp>
+        <p:nvSpPr>
+          <p:cNvPr id="261" name="Google Shape;261;p28"/>
+          <p:cNvSpPr txBox="1">
+            <a:spLocks noGrp="1"/>
+          </p:cNvSpPr>
+          <p:nvPr>
+            <p:ph type="sldNum" idx="12"/>
+          </p:nvPr>
+        </p:nvSpPr>
+        <p:spPr>
+          <a:xfrm>
+            <a:off x="167983" y="4610554"/>
+            <a:ext cx="548700" cy="393600"/>
+          </a:xfrm>
+          <a:prstGeom prst="rect">
+            <a:avLst/>
+          </a:prstGeom>
+          <a:noFill/>
+          <a:ln>
+            <a:noFill/>
+          </a:ln>
+        </p:spPr>
+        <p:txBody>
+          <a:bodyPr spcFirstLastPara="1" wrap="square" lIns="91425" tIns="91425" rIns="91425" bIns="91425" anchor="ctr" anchorCtr="0">
+            <a:noAutofit/>
+          </a:bodyPr>
+          <a:lstStyle/>
+          <a:p>
+            <a:pPr marL="0" lvl="0" indent="0" algn="r" rtl="0">
+              <a:lnSpc>
+                <a:spcPct val="100000"/>
+              </a:lnSpc>
+              <a:spcBef>
+                <a:spcPts val="0"/>
+              </a:spcBef>
+              <a:spcAft>
+                <a:spcPts val="0"/>
+              </a:spcAft>
+              <a:buSzPts val="1000"/>
+              <a:buNone/>
+            </a:pPr>
+            <a:fld id="{00000000-1234-1234-1234-123412341234}" type="slidenum">
+              <a:rPr lang="en-US"/>
+              <a:t>8</a:t>
+            </a:fld>
+            <a:endParaRPr lang="en-US"/>
+          </a:p>
+        </p:txBody>
+      </p:sp>
+      <p:sp>
+        <p:nvSpPr>
+          <p:cNvPr id="262" name="Google Shape;262;p28"/>
+          <p:cNvSpPr/>
+          <p:nvPr/>
+        </p:nvSpPr>
+        <p:spPr>
+          <a:xfrm>
+            <a:off x="5894262" y="701662"/>
+            <a:ext cx="3067022" cy="307777"/>
+          </a:xfrm>
+          <a:prstGeom prst="rect">
+            <a:avLst/>
+          </a:prstGeom>
+          <a:noFill/>
+          <a:ln>
+            <a:noFill/>
+          </a:ln>
+        </p:spPr>
+        <p:txBody>
+          <a:bodyPr spcFirstLastPara="1" wrap="square" lIns="91425" tIns="45700" rIns="91425" bIns="45700" anchor="t" anchorCtr="0">
+            <a:noAutofit/>
+          </a:bodyPr>
+          <a:lstStyle/>
+          <a:p>
+            <a:pPr marL="0" marR="0" lvl="0" indent="0" algn="l" rtl="0">
+              <a:lnSpc>
+                <a:spcPct val="100000"/>
+              </a:lnSpc>
+              <a:spcBef>
+                <a:spcPts val="0"/>
+              </a:spcBef>
+              <a:spcAft>
+                <a:spcPts val="0"/>
+              </a:spcAft>
+              <a:buNone/>
+            </a:pPr>
+            <a:endParaRPr sz="3600" b="1" i="0" u="none" strike="noStrike" cap="none">
+              <a:solidFill>
+                <a:schemeClr val="accent1"/>
+              </a:solidFill>
+              <a:latin typeface="PT Sans Narrow" panose="020B0506020203020204"/>
+              <a:ea typeface="PT Sans Narrow" panose="020B0506020203020204"/>
+              <a:cs typeface="PT Sans Narrow" panose="020B0506020203020204"/>
+              <a:sym typeface="PT Sans Narrow" panose="020B0506020203020204"/>
+            </a:endParaRPr>
+          </a:p>
+        </p:txBody>
+      </p:sp>
+      <p:sp>
+        <p:nvSpPr>
+          <p:cNvPr id="6" name="TextBox 5"/>
+          <p:cNvSpPr txBox="1"/>
+          <p:nvPr/>
+        </p:nvSpPr>
+        <p:spPr>
+          <a:xfrm>
+            <a:off x="442333" y="1669957"/>
+            <a:ext cx="5703741" cy="379591"/>
+          </a:xfrm>
+          <a:prstGeom prst="rect">
+            <a:avLst/>
+          </a:prstGeom>
+          <a:noFill/>
+        </p:spPr>
+        <p:txBody>
+          <a:bodyPr wrap="square" rtlCol="0">
+            <a:spAutoFit/>
+          </a:bodyPr>
+          <a:lstStyle/>
+          <a:p>
+            <a:r>
+              <a:rPr kumimoji="1" lang="en-US" altLang="zh-CN" baseline="-25000"/>
+              <a:t>1.</a:t>
+            </a:r>
+            <a:r>
+              <a:rPr kumimoji="1" lang="zh-CN" altLang="en-US" baseline="-25000"/>
+              <a:t> 不提供统一的接入层，针对不同的微服务类型，提供不同的网关接入（</a:t>
+            </a:r>
+            <a:r>
+              <a:rPr kumimoji="1" lang="en-US" altLang="zh-CN" b="1" baseline="-25000">
+                <a:solidFill>
+                  <a:schemeClr val="accent1"/>
+                </a:solidFill>
+              </a:rPr>
+              <a:t>HTTP</a:t>
+            </a:r>
+            <a:r>
+              <a:rPr kumimoji="1" lang="zh-CN" altLang="en-US" b="1" baseline="-25000">
+                <a:solidFill>
+                  <a:schemeClr val="accent1"/>
+                </a:solidFill>
+              </a:rPr>
+              <a:t>、</a:t>
+            </a:r>
+            <a:r>
+              <a:rPr kumimoji="1" lang="en-US" altLang="zh-CN" b="1" baseline="-25000">
+                <a:solidFill>
+                  <a:schemeClr val="accent1"/>
+                </a:solidFill>
+              </a:rPr>
+              <a:t>RPC</a:t>
+            </a:r>
+            <a:r>
+              <a:rPr kumimoji="1" lang="zh-CN" altLang="en-US" b="1" baseline="-25000">
+                <a:solidFill>
+                  <a:schemeClr val="accent1"/>
+                </a:solidFill>
+              </a:rPr>
+              <a:t>、</a:t>
+            </a:r>
+            <a:r>
+              <a:rPr kumimoji="1" lang="en-US" altLang="zh-CN" b="1" baseline="-25000">
+                <a:solidFill>
+                  <a:schemeClr val="accent1"/>
+                </a:solidFill>
+              </a:rPr>
+              <a:t>API</a:t>
+            </a:r>
+            <a:r>
+              <a:rPr kumimoji="1" lang="zh-CN" altLang="en-US" b="1" baseline="-25000">
+                <a:solidFill>
+                  <a:schemeClr val="accent1"/>
+                </a:solidFill>
+              </a:rPr>
+              <a:t>、</a:t>
+            </a:r>
+            <a:r>
+              <a:rPr kumimoji="1" lang="en-US" altLang="zh-CN" b="1" baseline="-25000">
+                <a:solidFill>
+                  <a:schemeClr val="accent1"/>
+                </a:solidFill>
+              </a:rPr>
+              <a:t>Event</a:t>
+            </a:r>
+            <a:r>
+              <a:rPr kumimoji="1" lang="zh-CN" altLang="en-US" baseline="-25000"/>
+              <a:t>）</a:t>
+            </a:r>
+            <a:endParaRPr kumimoji="1" lang="en-US" altLang="zh-CN" baseline="-25000"/>
+          </a:p>
+          <a:p>
+            <a:r>
+              <a:rPr kumimoji="1" lang="en-US" altLang="zh-CN" baseline="-25000"/>
+              <a:t>2.</a:t>
+            </a:r>
+            <a:r>
+              <a:rPr kumimoji="1" lang="zh-CN" altLang="en-US" baseline="-25000"/>
+              <a:t> 默认（目前也唯一）基于服务命名空间自动路由</a:t>
+            </a:r>
+            <a:endParaRPr kumimoji="1" lang="en-US" altLang="zh-CN" baseline="-25000"/>
+          </a:p>
+        </p:txBody>
+      </p:sp>
+      <p:sp>
+        <p:nvSpPr>
+          <p:cNvPr id="7" name="Google Shape;128;p18"/>
+          <p:cNvSpPr/>
+          <p:nvPr/>
+        </p:nvSpPr>
+        <p:spPr>
+          <a:xfrm>
+            <a:off x="7897090" y="726010"/>
+            <a:ext cx="1618743" cy="307800"/>
+          </a:xfrm>
+          <a:prstGeom prst="rect">
+            <a:avLst/>
+          </a:prstGeom>
+          <a:noFill/>
+          <a:ln>
+            <a:noFill/>
+          </a:ln>
+        </p:spPr>
+        <p:txBody>
+          <a:bodyPr spcFirstLastPara="1" wrap="square" lIns="91425" tIns="45700" rIns="91425" bIns="45700" anchor="t" anchorCtr="0">
+            <a:noAutofit/>
+          </a:bodyPr>
+          <a:lstStyle/>
+          <a:p>
+            <a:pPr marL="0" marR="0" lvl="0" indent="0" algn="l" rtl="0">
+              <a:lnSpc>
+                <a:spcPct val="100000"/>
+              </a:lnSpc>
+              <a:spcBef>
+                <a:spcPts val="0"/>
+              </a:spcBef>
+              <a:spcAft>
+                <a:spcPts val="0"/>
+              </a:spcAft>
+              <a:buNone/>
+            </a:pPr>
+            <a:r>
+              <a:rPr lang="zh-CN" altLang="en-US" b="1">
+                <a:solidFill>
+                  <a:schemeClr val="accent1"/>
+                </a:solidFill>
+                <a:latin typeface="PT Sans Narrow" panose="020B0506020203020204"/>
+                <a:ea typeface="PT Sans Narrow" panose="020B0506020203020204"/>
+                <a:cs typeface="PT Sans Narrow" panose="020B0506020203020204"/>
+                <a:sym typeface="PT Sans Narrow" panose="020B0506020203020204"/>
+              </a:rPr>
+              <a:t>服务网关</a:t>
+            </a:r>
+            <a:endParaRPr sz="3600" b="1" i="0" u="none" strike="noStrike" cap="none">
+              <a:solidFill>
+                <a:schemeClr val="accent1"/>
+              </a:solidFill>
+              <a:latin typeface="PT Sans Narrow" panose="020B0506020203020204"/>
+              <a:ea typeface="PT Sans Narrow" panose="020B0506020203020204"/>
+              <a:cs typeface="PT Sans Narrow" panose="020B0506020203020204"/>
+              <a:sym typeface="PT Sans Narrow" panose="020B0506020203020204"/>
+            </a:endParaRPr>
+          </a:p>
+        </p:txBody>
+      </p:sp>
+      <p:sp>
+        <p:nvSpPr>
+          <p:cNvPr id="11" name="TextBox 10">
+            <a:extLst>
+              <a:ext uri="{FF2B5EF4-FFF2-40B4-BE49-F238E27FC236}">
+                <a16:creationId xmlns:a16="http://schemas.microsoft.com/office/drawing/2014/main" id="{BA2FBAAE-AFB2-1346-8320-508A501E3AE2}"/>
+              </a:ext>
+            </a:extLst>
+          </p:cNvPr>
+          <p:cNvSpPr txBox="1"/>
+          <p:nvPr/>
+        </p:nvSpPr>
+        <p:spPr>
+          <a:xfrm>
+            <a:off x="352728" y="1362180"/>
+            <a:ext cx="4898245" cy="307777"/>
+          </a:xfrm>
+          <a:prstGeom prst="rect">
+            <a:avLst/>
+          </a:prstGeom>
+          <a:noFill/>
+        </p:spPr>
+        <p:txBody>
+          <a:bodyPr wrap="square" rtlCol="0">
+            <a:spAutoFit/>
+          </a:bodyPr>
+          <a:lstStyle/>
+          <a:p>
+            <a:r>
+              <a:rPr kumimoji="1" lang="en-US" altLang="zh-CN"/>
+              <a:t>Micro</a:t>
+            </a:r>
+            <a:r>
+              <a:rPr kumimoji="1" lang="zh-CN" altLang="en-US"/>
+              <a:t> </a:t>
+            </a:r>
+            <a:r>
+              <a:rPr kumimoji="1" lang="en-US" altLang="zh-CN"/>
+              <a:t>API</a:t>
+            </a:r>
+            <a:r>
+              <a:rPr kumimoji="1" lang="zh-CN" altLang="en-US"/>
+              <a:t>的特点：</a:t>
+            </a:r>
+            <a:endParaRPr kumimoji="1" lang="en-US" altLang="zh-CN"/>
+          </a:p>
+        </p:txBody>
+      </p:sp>
+    </p:spTree>
+    <p:extLst>
+      <p:ext uri="{BB962C8B-B14F-4D97-AF65-F5344CB8AC3E}">
+        <p14:creationId xmlns:p14="http://schemas.microsoft.com/office/powerpoint/2010/main" val="1709189984"/>
+      </p:ext>
+    </p:extLst>
+  </p:cSld>
+  <p:clrMapOvr>
+    <a:masterClrMapping/>
+  </p:clrMapOvr>
+</p:sld>
+</file>
+
+<file path=ppt/slides/slide9.xml><?xml version="1.0" encoding="utf-8"?>
+<p:sld xmlns:a="http://schemas.openxmlformats.org/drawingml/2006/main" xmlns:r="http://schemas.openxmlformats.org/officeDocument/2006/relationships" xmlns:p="http://schemas.openxmlformats.org/presentationml/2006/main">
+  <p:cSld>
+    <p:spTree>
+      <p:nvGrpSpPr>
+        <p:cNvPr id="1" name="Shape 259"/>
+        <p:cNvGrpSpPr/>
+        <p:nvPr/>
+      </p:nvGrpSpPr>
+      <p:grpSpPr>
+        <a:xfrm>
+          <a:off x="0" y="0"/>
+          <a:ext cx="0" cy="0"/>
+          <a:chOff x="0" y="0"/>
+          <a:chExt cx="0" cy="0"/>
+        </a:xfrm>
+      </p:grpSpPr>
+      <p:sp>
+        <p:nvSpPr>
+          <p:cNvPr id="260" name="Google Shape;260;p28"/>
+          <p:cNvSpPr txBox="1">
+            <a:spLocks noGrp="1"/>
+          </p:cNvSpPr>
+          <p:nvPr>
+            <p:ph type="title"/>
+          </p:nvPr>
+        </p:nvSpPr>
+        <p:spPr>
+          <a:xfrm>
+            <a:off x="311700" y="445025"/>
+            <a:ext cx="2103696" cy="707400"/>
+          </a:xfrm>
+          <a:prstGeom prst="rect">
+            <a:avLst/>
+          </a:prstGeom>
+          <a:noFill/>
+          <a:ln>
+            <a:noFill/>
+          </a:ln>
+        </p:spPr>
+        <p:txBody>
+          <a:bodyPr spcFirstLastPara="1" wrap="square" lIns="91425" tIns="91425" rIns="91425" bIns="91425" anchor="t" anchorCtr="0">
+            <a:noAutofit/>
+          </a:bodyPr>
+          <a:lstStyle/>
+          <a:p>
+            <a:pPr lvl="0"/>
+            <a:r>
+              <a:rPr lang="en-US" altLang="zh-CN" dirty="0"/>
+              <a:t>Micro</a:t>
+            </a:r>
+            <a:r>
+              <a:rPr lang="zh-CN" altLang="en-US" dirty="0"/>
+              <a:t> </a:t>
+            </a:r>
+            <a:r>
+              <a:rPr lang="en-US" altLang="zh-CN" dirty="0"/>
+              <a:t>API</a:t>
+            </a:r>
+            <a:endParaRPr lang="en-US"/>
+          </a:p>
+        </p:txBody>
+      </p:sp>
+      <p:sp>
+        <p:nvSpPr>
+          <p:cNvPr id="261" name="Google Shape;261;p28"/>
+          <p:cNvSpPr txBox="1">
+            <a:spLocks noGrp="1"/>
+          </p:cNvSpPr>
+          <p:nvPr>
+            <p:ph type="sldNum" idx="12"/>
+          </p:nvPr>
+        </p:nvSpPr>
+        <p:spPr>
+          <a:xfrm>
+            <a:off x="167983" y="4610554"/>
+            <a:ext cx="548700" cy="393600"/>
+          </a:xfrm>
+          <a:prstGeom prst="rect">
+            <a:avLst/>
+          </a:prstGeom>
+          <a:noFill/>
+          <a:ln>
+            <a:noFill/>
+          </a:ln>
+        </p:spPr>
+        <p:txBody>
+          <a:bodyPr spcFirstLastPara="1" wrap="square" lIns="91425" tIns="91425" rIns="91425" bIns="91425" anchor="ctr" anchorCtr="0">
+            <a:noAutofit/>
+          </a:bodyPr>
+          <a:lstStyle/>
+          <a:p>
+            <a:pPr marL="0" lvl="0" indent="0" algn="r" rtl="0">
+              <a:lnSpc>
+                <a:spcPct val="100000"/>
+              </a:lnSpc>
+              <a:spcBef>
+                <a:spcPts val="0"/>
+              </a:spcBef>
+              <a:spcAft>
+                <a:spcPts val="0"/>
+              </a:spcAft>
+              <a:buSzPts val="1000"/>
+              <a:buNone/>
+            </a:pPr>
+            <a:fld id="{00000000-1234-1234-1234-123412341234}" type="slidenum">
+              <a:rPr lang="en-US"/>
+              <a:t>9</a:t>
+            </a:fld>
+            <a:endParaRPr lang="en-US"/>
+          </a:p>
+        </p:txBody>
+      </p:sp>
+      <p:sp>
+        <p:nvSpPr>
+          <p:cNvPr id="262" name="Google Shape;262;p28"/>
+          <p:cNvSpPr/>
+          <p:nvPr/>
+        </p:nvSpPr>
+        <p:spPr>
+          <a:xfrm>
+            <a:off x="5894262" y="701662"/>
+            <a:ext cx="3067022" cy="307777"/>
+          </a:xfrm>
+          <a:prstGeom prst="rect">
+            <a:avLst/>
+          </a:prstGeom>
+          <a:noFill/>
+          <a:ln>
+            <a:noFill/>
+          </a:ln>
+        </p:spPr>
+        <p:txBody>
+          <a:bodyPr spcFirstLastPara="1" wrap="square" lIns="91425" tIns="45700" rIns="91425" bIns="45700" anchor="t" anchorCtr="0">
+            <a:noAutofit/>
+          </a:bodyPr>
+          <a:lstStyle/>
+          <a:p>
+            <a:pPr marL="0" marR="0" lvl="0" indent="0" algn="l" rtl="0">
+              <a:lnSpc>
+                <a:spcPct val="100000"/>
+              </a:lnSpc>
+              <a:spcBef>
+                <a:spcPts val="0"/>
+              </a:spcBef>
+              <a:spcAft>
+                <a:spcPts val="0"/>
+              </a:spcAft>
+              <a:buNone/>
+            </a:pPr>
+            <a:endParaRPr sz="3600" b="1" i="0" u="none" strike="noStrike" cap="none">
+              <a:solidFill>
+                <a:schemeClr val="accent1"/>
+              </a:solidFill>
+              <a:latin typeface="PT Sans Narrow" panose="020B0506020203020204"/>
+              <a:ea typeface="PT Sans Narrow" panose="020B0506020203020204"/>
+              <a:cs typeface="PT Sans Narrow" panose="020B0506020203020204"/>
+              <a:sym typeface="PT Sans Narrow" panose="020B0506020203020204"/>
+            </a:endParaRPr>
+          </a:p>
+        </p:txBody>
+      </p:sp>
+      <p:sp>
+        <p:nvSpPr>
+          <p:cNvPr id="7" name="Google Shape;128;p18"/>
+          <p:cNvSpPr/>
+          <p:nvPr/>
+        </p:nvSpPr>
+        <p:spPr>
+          <a:xfrm>
+            <a:off x="7897090" y="726010"/>
+            <a:ext cx="1618743" cy="307800"/>
+          </a:xfrm>
+          <a:prstGeom prst="rect">
+            <a:avLst/>
+          </a:prstGeom>
+          <a:noFill/>
+          <a:ln>
+            <a:noFill/>
+          </a:ln>
+        </p:spPr>
+        <p:txBody>
+          <a:bodyPr spcFirstLastPara="1" wrap="square" lIns="91425" tIns="45700" rIns="91425" bIns="45700" anchor="t" anchorCtr="0">
+            <a:noAutofit/>
+          </a:bodyPr>
+          <a:lstStyle/>
+          <a:p>
+            <a:pPr marL="0" marR="0" lvl="0" indent="0" algn="l" rtl="0">
+              <a:lnSpc>
+                <a:spcPct val="100000"/>
+              </a:lnSpc>
+              <a:spcBef>
+                <a:spcPts val="0"/>
+              </a:spcBef>
+              <a:spcAft>
+                <a:spcPts val="0"/>
+              </a:spcAft>
+              <a:buNone/>
+            </a:pPr>
+            <a:r>
+              <a:rPr lang="zh-CN" altLang="en-US" b="1">
+                <a:solidFill>
+                  <a:schemeClr val="accent1"/>
+                </a:solidFill>
+                <a:latin typeface="PT Sans Narrow" panose="020B0506020203020204"/>
+                <a:ea typeface="PT Sans Narrow" panose="020B0506020203020204"/>
+                <a:cs typeface="PT Sans Narrow" panose="020B0506020203020204"/>
+                <a:sym typeface="PT Sans Narrow" panose="020B0506020203020204"/>
+              </a:rPr>
+              <a:t>路由规则</a:t>
+            </a:r>
+            <a:endParaRPr sz="3600" b="1" i="0" u="none" strike="noStrike" cap="none">
+              <a:solidFill>
+                <a:schemeClr val="accent1"/>
+              </a:solidFill>
+              <a:latin typeface="PT Sans Narrow" panose="020B0506020203020204"/>
+              <a:ea typeface="PT Sans Narrow" panose="020B0506020203020204"/>
+              <a:cs typeface="PT Sans Narrow" panose="020B0506020203020204"/>
+              <a:sym typeface="PT Sans Narrow" panose="020B0506020203020204"/>
+            </a:endParaRPr>
+          </a:p>
+        </p:txBody>
+      </p:sp>
+      <p:pic>
+        <p:nvPicPr>
+          <p:cNvPr id="3" name="Picture 2">
+            <a:extLst>
+              <a:ext uri="{FF2B5EF4-FFF2-40B4-BE49-F238E27FC236}">
+                <a16:creationId xmlns:a16="http://schemas.microsoft.com/office/drawing/2014/main" id="{C9444514-E141-4047-B0A0-D1C10929F010}"/>
+              </a:ext>
+            </a:extLst>
+          </p:cNvPr>
+          <p:cNvPicPr>
+            <a:picLocks noChangeAspect="1"/>
+          </p:cNvPicPr>
+          <p:nvPr/>
+        </p:nvPicPr>
+        <p:blipFill>
+          <a:blip r:embed="rId3"/>
+          <a:stretch>
+            <a:fillRect/>
+          </a:stretch>
+        </p:blipFill>
+        <p:spPr>
+          <a:xfrm>
+            <a:off x="442333" y="1473200"/>
+            <a:ext cx="8024386" cy="2524034"/>
+          </a:xfrm>
+          <a:prstGeom prst="rect">
+            <a:avLst/>
+          </a:prstGeom>
+        </p:spPr>
+      </p:pic>
+      <p:sp>
+        <p:nvSpPr>
+          <p:cNvPr id="10" name="TextBox 9">
+            <a:extLst>
+              <a:ext uri="{FF2B5EF4-FFF2-40B4-BE49-F238E27FC236}">
+                <a16:creationId xmlns:a16="http://schemas.microsoft.com/office/drawing/2014/main" id="{B169F059-45BF-F346-A7BB-29B90E167C55}"/>
+              </a:ext>
+            </a:extLst>
+          </p:cNvPr>
+          <p:cNvSpPr txBox="1"/>
+          <p:nvPr/>
+        </p:nvSpPr>
+        <p:spPr>
+          <a:xfrm>
+            <a:off x="311700" y="1047747"/>
+            <a:ext cx="4898245" cy="307777"/>
+          </a:xfrm>
+          <a:prstGeom prst="rect">
+            <a:avLst/>
+          </a:prstGeom>
+          <a:noFill/>
+        </p:spPr>
+        <p:txBody>
+          <a:bodyPr wrap="square" rtlCol="0">
+            <a:spAutoFit/>
+          </a:bodyPr>
+          <a:lstStyle/>
+          <a:p>
+            <a:r>
+              <a:rPr kumimoji="1" lang="zh-CN" altLang="en-US"/>
+              <a:t>基于命名空间：</a:t>
+            </a:r>
+            <a:endParaRPr kumimoji="1" lang="en-US" altLang="zh-CN"/>
+          </a:p>
+        </p:txBody>
+      </p:sp>
+    </p:spTree>
+    <p:extLst>
+      <p:ext uri="{BB962C8B-B14F-4D97-AF65-F5344CB8AC3E}">
+        <p14:creationId xmlns:p14="http://schemas.microsoft.com/office/powerpoint/2010/main" val="3309503476"/>
+      </p:ext>
+    </p:extLst>
+  </p:cSld>
+  <p:clrMapOvr>
+    <a:masterClrMapping/>
+  </p:clrMapOvr>
+</p:sld>
+</file>
+
 <file path=ppt/theme/theme1.xml><?xml version="1.0" encoding="utf-8"?>
 <a:theme xmlns:a="http://schemas.openxmlformats.org/drawingml/2006/main" name="Office Theme">
   <a:themeElements>

--- a/others/share/learning-go/【第三期】Micro工具集.pptx
+++ b/others/share/learning-go/【第三期】Micro工具集.pptx
@@ -6,24 +6,25 @@
     <p:sldMasterId id="2147483654" r:id="rId2"/>
   </p:sldMasterIdLst>
   <p:notesMasterIdLst>
-    <p:notesMasterId r:id="rId15"/>
+    <p:notesMasterId r:id="rId16"/>
   </p:notesMasterIdLst>
   <p:handoutMasterIdLst>
-    <p:handoutMasterId r:id="rId16"/>
+    <p:handoutMasterId r:id="rId17"/>
   </p:handoutMasterIdLst>
   <p:sldIdLst>
     <p:sldId id="256" r:id="rId3"/>
     <p:sldId id="257" r:id="rId4"/>
     <p:sldId id="258" r:id="rId5"/>
     <p:sldId id="355" r:id="rId6"/>
-    <p:sldId id="259" r:id="rId7"/>
-    <p:sldId id="311" r:id="rId8"/>
-    <p:sldId id="351" r:id="rId9"/>
-    <p:sldId id="352" r:id="rId10"/>
-    <p:sldId id="353" r:id="rId11"/>
-    <p:sldId id="354" r:id="rId12"/>
-    <p:sldId id="321" r:id="rId13"/>
-    <p:sldId id="288" r:id="rId14"/>
+    <p:sldId id="356" r:id="rId7"/>
+    <p:sldId id="259" r:id="rId8"/>
+    <p:sldId id="311" r:id="rId9"/>
+    <p:sldId id="351" r:id="rId10"/>
+    <p:sldId id="352" r:id="rId11"/>
+    <p:sldId id="353" r:id="rId12"/>
+    <p:sldId id="354" r:id="rId13"/>
+    <p:sldId id="321" r:id="rId14"/>
+    <p:sldId id="288" r:id="rId15"/>
   </p:sldIdLst>
   <p:sldSz cx="9144000" cy="5143500" type="screen16x9"/>
   <p:notesSz cx="9144000" cy="5143500"/>
@@ -372,7 +373,7 @@
           <a:p>
             <a:fld id="{A084C82A-ADE2-4BBA-B2A9-E36881C26755}" type="datetimeFigureOut">
               <a:rPr lang="zh-CN" altLang="en-US" smtClean="0"/>
-              <a:t>2020/3/1</a:t>
+              <a:t>2020/3/4</a:t>
             </a:fld>
             <a:endParaRPr lang="zh-CN" altLang="en-US"/>
           </a:p>
@@ -15174,6 +15175,308 @@
 </file>
 
 <file path=ppt/slides/slide10.xml><?xml version="1.0" encoding="utf-8"?>
+<p:sld xmlns:a="http://schemas.openxmlformats.org/drawingml/2006/main" xmlns:r="http://schemas.openxmlformats.org/officeDocument/2006/relationships" xmlns:p="http://schemas.openxmlformats.org/presentationml/2006/main">
+  <p:cSld>
+    <p:spTree>
+      <p:nvGrpSpPr>
+        <p:cNvPr id="1" name="Shape 259"/>
+        <p:cNvGrpSpPr/>
+        <p:nvPr/>
+      </p:nvGrpSpPr>
+      <p:grpSpPr>
+        <a:xfrm>
+          <a:off x="0" y="0"/>
+          <a:ext cx="0" cy="0"/>
+          <a:chOff x="0" y="0"/>
+          <a:chExt cx="0" cy="0"/>
+        </a:xfrm>
+      </p:grpSpPr>
+      <p:sp>
+        <p:nvSpPr>
+          <p:cNvPr id="260" name="Google Shape;260;p28"/>
+          <p:cNvSpPr txBox="1">
+            <a:spLocks noGrp="1"/>
+          </p:cNvSpPr>
+          <p:nvPr>
+            <p:ph type="title"/>
+          </p:nvPr>
+        </p:nvSpPr>
+        <p:spPr>
+          <a:xfrm>
+            <a:off x="311699" y="445025"/>
+            <a:ext cx="2558315" cy="707400"/>
+          </a:xfrm>
+          <a:prstGeom prst="rect">
+            <a:avLst/>
+          </a:prstGeom>
+          <a:noFill/>
+          <a:ln>
+            <a:noFill/>
+          </a:ln>
+        </p:spPr>
+        <p:txBody>
+          <a:bodyPr spcFirstLastPara="1" wrap="square" lIns="91425" tIns="91425" rIns="91425" bIns="91425" anchor="t" anchorCtr="0">
+            <a:noAutofit/>
+          </a:bodyPr>
+          <a:lstStyle/>
+          <a:p>
+            <a:pPr lvl="0"/>
+            <a:r>
+              <a:rPr lang="en-US" altLang="zh-CN" dirty="0"/>
+              <a:t>Micro</a:t>
+            </a:r>
+            <a:r>
+              <a:rPr lang="zh-CN" altLang="en-US" dirty="0"/>
+              <a:t> </a:t>
+            </a:r>
+            <a:r>
+              <a:rPr lang="en-US" altLang="zh-CN" dirty="0"/>
+              <a:t>API</a:t>
+            </a:r>
+            <a:endParaRPr lang="en-US" dirty="0"/>
+          </a:p>
+        </p:txBody>
+      </p:sp>
+      <p:sp>
+        <p:nvSpPr>
+          <p:cNvPr id="261" name="Google Shape;261;p28"/>
+          <p:cNvSpPr txBox="1">
+            <a:spLocks noGrp="1"/>
+          </p:cNvSpPr>
+          <p:nvPr>
+            <p:ph type="sldNum" idx="12"/>
+          </p:nvPr>
+        </p:nvSpPr>
+        <p:spPr>
+          <a:xfrm>
+            <a:off x="167983" y="4610554"/>
+            <a:ext cx="548700" cy="393600"/>
+          </a:xfrm>
+          <a:prstGeom prst="rect">
+            <a:avLst/>
+          </a:prstGeom>
+          <a:noFill/>
+          <a:ln>
+            <a:noFill/>
+          </a:ln>
+        </p:spPr>
+        <p:txBody>
+          <a:bodyPr spcFirstLastPara="1" wrap="square" lIns="91425" tIns="91425" rIns="91425" bIns="91425" anchor="ctr" anchorCtr="0">
+            <a:noAutofit/>
+          </a:bodyPr>
+          <a:lstStyle/>
+          <a:p>
+            <a:pPr marL="0" lvl="0" indent="0" algn="r" rtl="0">
+              <a:lnSpc>
+                <a:spcPct val="100000"/>
+              </a:lnSpc>
+              <a:spcBef>
+                <a:spcPts val="0"/>
+              </a:spcBef>
+              <a:spcAft>
+                <a:spcPts val="0"/>
+              </a:spcAft>
+              <a:buSzPts val="1000"/>
+              <a:buNone/>
+            </a:pPr>
+            <a:fld id="{00000000-1234-1234-1234-123412341234}" type="slidenum">
+              <a:rPr lang="en-US"/>
+              <a:t>10</a:t>
+            </a:fld>
+            <a:endParaRPr lang="en-US"/>
+          </a:p>
+        </p:txBody>
+      </p:sp>
+      <p:sp>
+        <p:nvSpPr>
+          <p:cNvPr id="262" name="Google Shape;262;p28"/>
+          <p:cNvSpPr/>
+          <p:nvPr/>
+        </p:nvSpPr>
+        <p:spPr>
+          <a:xfrm>
+            <a:off x="5894262" y="701662"/>
+            <a:ext cx="3067022" cy="307777"/>
+          </a:xfrm>
+          <a:prstGeom prst="rect">
+            <a:avLst/>
+          </a:prstGeom>
+          <a:noFill/>
+          <a:ln>
+            <a:noFill/>
+          </a:ln>
+        </p:spPr>
+        <p:txBody>
+          <a:bodyPr spcFirstLastPara="1" wrap="square" lIns="91425" tIns="45700" rIns="91425" bIns="45700" anchor="t" anchorCtr="0">
+            <a:noAutofit/>
+          </a:bodyPr>
+          <a:lstStyle/>
+          <a:p>
+            <a:pPr marL="0" marR="0" lvl="0" indent="0" algn="l" rtl="0">
+              <a:lnSpc>
+                <a:spcPct val="100000"/>
+              </a:lnSpc>
+              <a:spcBef>
+                <a:spcPts val="0"/>
+              </a:spcBef>
+              <a:spcAft>
+                <a:spcPts val="0"/>
+              </a:spcAft>
+              <a:buNone/>
+            </a:pPr>
+            <a:endParaRPr sz="3600" b="1" i="0" u="none" strike="noStrike" cap="none">
+              <a:solidFill>
+                <a:schemeClr val="accent1"/>
+              </a:solidFill>
+              <a:latin typeface="PT Sans Narrow" panose="020B0506020203020204"/>
+              <a:ea typeface="PT Sans Narrow" panose="020B0506020203020204"/>
+              <a:cs typeface="PT Sans Narrow" panose="020B0506020203020204"/>
+              <a:sym typeface="PT Sans Narrow" panose="020B0506020203020204"/>
+            </a:endParaRPr>
+          </a:p>
+        </p:txBody>
+      </p:sp>
+      <p:sp>
+        <p:nvSpPr>
+          <p:cNvPr id="7" name="Google Shape;128;p18"/>
+          <p:cNvSpPr/>
+          <p:nvPr/>
+        </p:nvSpPr>
+        <p:spPr>
+          <a:xfrm>
+            <a:off x="7897090" y="726010"/>
+            <a:ext cx="1618743" cy="307800"/>
+          </a:xfrm>
+          <a:prstGeom prst="rect">
+            <a:avLst/>
+          </a:prstGeom>
+          <a:noFill/>
+          <a:ln>
+            <a:noFill/>
+          </a:ln>
+        </p:spPr>
+        <p:txBody>
+          <a:bodyPr spcFirstLastPara="1" wrap="square" lIns="91425" tIns="45700" rIns="91425" bIns="45700" anchor="t" anchorCtr="0">
+            <a:noAutofit/>
+          </a:bodyPr>
+          <a:lstStyle/>
+          <a:p>
+            <a:pPr marL="0" marR="0" lvl="0" indent="0" algn="l" rtl="0">
+              <a:lnSpc>
+                <a:spcPct val="100000"/>
+              </a:lnSpc>
+              <a:spcBef>
+                <a:spcPts val="0"/>
+              </a:spcBef>
+              <a:spcAft>
+                <a:spcPts val="0"/>
+              </a:spcAft>
+              <a:buNone/>
+            </a:pPr>
+            <a:r>
+              <a:rPr lang="zh-CN" altLang="en-US" b="1">
+                <a:solidFill>
+                  <a:schemeClr val="accent1"/>
+                </a:solidFill>
+                <a:latin typeface="PT Sans Narrow" panose="020B0506020203020204"/>
+                <a:ea typeface="PT Sans Narrow" panose="020B0506020203020204"/>
+                <a:cs typeface="PT Sans Narrow" panose="020B0506020203020204"/>
+                <a:sym typeface="PT Sans Narrow" panose="020B0506020203020204"/>
+              </a:rPr>
+              <a:t>路由规则</a:t>
+            </a:r>
+            <a:endParaRPr sz="3600" b="1" i="0" u="none" strike="noStrike" cap="none">
+              <a:solidFill>
+                <a:schemeClr val="accent1"/>
+              </a:solidFill>
+              <a:latin typeface="PT Sans Narrow" panose="020B0506020203020204"/>
+              <a:ea typeface="PT Sans Narrow" panose="020B0506020203020204"/>
+              <a:cs typeface="PT Sans Narrow" panose="020B0506020203020204"/>
+              <a:sym typeface="PT Sans Narrow" panose="020B0506020203020204"/>
+            </a:endParaRPr>
+          </a:p>
+        </p:txBody>
+      </p:sp>
+      <p:pic>
+        <p:nvPicPr>
+          <p:cNvPr id="3" name="Picture 2">
+            <a:extLst>
+              <a:ext uri="{FF2B5EF4-FFF2-40B4-BE49-F238E27FC236}">
+                <a16:creationId xmlns:a16="http://schemas.microsoft.com/office/drawing/2014/main" id="{C9444514-E141-4047-B0A0-D1C10929F010}"/>
+              </a:ext>
+            </a:extLst>
+          </p:cNvPr>
+          <p:cNvPicPr>
+            <a:picLocks noChangeAspect="1"/>
+          </p:cNvPicPr>
+          <p:nvPr/>
+        </p:nvPicPr>
+        <p:blipFill>
+          <a:blip r:embed="rId3"/>
+          <a:stretch>
+            <a:fillRect/>
+          </a:stretch>
+        </p:blipFill>
+        <p:spPr>
+          <a:xfrm>
+            <a:off x="442333" y="1473200"/>
+            <a:ext cx="8024386" cy="2524034"/>
+          </a:xfrm>
+          <a:prstGeom prst="rect">
+            <a:avLst/>
+          </a:prstGeom>
+        </p:spPr>
+      </p:pic>
+      <p:sp>
+        <p:nvSpPr>
+          <p:cNvPr id="10" name="TextBox 9">
+            <a:extLst>
+              <a:ext uri="{FF2B5EF4-FFF2-40B4-BE49-F238E27FC236}">
+                <a16:creationId xmlns:a16="http://schemas.microsoft.com/office/drawing/2014/main" id="{B169F059-45BF-F346-A7BB-29B90E167C55}"/>
+              </a:ext>
+            </a:extLst>
+          </p:cNvPr>
+          <p:cNvSpPr txBox="1"/>
+          <p:nvPr/>
+        </p:nvSpPr>
+        <p:spPr>
+          <a:xfrm>
+            <a:off x="311700" y="1047747"/>
+            <a:ext cx="4898245" cy="307777"/>
+          </a:xfrm>
+          <a:prstGeom prst="rect">
+            <a:avLst/>
+          </a:prstGeom>
+          <a:noFill/>
+        </p:spPr>
+        <p:txBody>
+          <a:bodyPr wrap="square" rtlCol="0">
+            <a:spAutoFit/>
+          </a:bodyPr>
+          <a:lstStyle/>
+          <a:p>
+            <a:r>
+              <a:rPr kumimoji="1" lang="zh-CN" altLang="en-US"/>
+              <a:t>基于命名空间：</a:t>
+            </a:r>
+            <a:endParaRPr kumimoji="1" lang="en-US" altLang="zh-CN"/>
+          </a:p>
+        </p:txBody>
+      </p:sp>
+    </p:spTree>
+    <p:extLst>
+      <p:ext uri="{BB962C8B-B14F-4D97-AF65-F5344CB8AC3E}">
+        <p14:creationId xmlns:p14="http://schemas.microsoft.com/office/powerpoint/2010/main" val="3309503476"/>
+      </p:ext>
+    </p:extLst>
+  </p:cSld>
+  <p:clrMapOvr>
+    <a:masterClrMapping/>
+  </p:clrMapOvr>
+</p:sld>
+</file>
+
+<file path=ppt/slides/slide11.xml><?xml version="1.0" encoding="utf-8"?>
 <p:sld xmlns:a="http://schemas.openxmlformats.org/drawingml/2006/main" xmlns:r="http://schemas.openxmlformats.org/officeDocument/2006/relationships" xmlns:p="http://schemas.openxmlformats.org/presentationml/2006/main">
   <p:cSld>
     <p:spTree>
@@ -16610,7 +16913,7 @@
 </p:sld>
 </file>
 
-<file path=ppt/slides/slide11.xml><?xml version="1.0" encoding="utf-8"?>
+<file path=ppt/slides/slide12.xml><?xml version="1.0" encoding="utf-8"?>
 <p:sld xmlns:a="http://schemas.openxmlformats.org/drawingml/2006/main" xmlns:r="http://schemas.openxmlformats.org/officeDocument/2006/relationships" xmlns:p="http://schemas.openxmlformats.org/presentationml/2006/main">
   <p:cSld>
     <p:spTree>
@@ -16736,7 +17039,7 @@
 </p:sld>
 </file>
 
-<file path=ppt/slides/slide12.xml><?xml version="1.0" encoding="utf-8"?>
+<file path=ppt/slides/slide13.xml><?xml version="1.0" encoding="utf-8"?>
 <p:sld xmlns:a="http://schemas.openxmlformats.org/drawingml/2006/main" xmlns:r="http://schemas.openxmlformats.org/officeDocument/2006/relationships" xmlns:p="http://schemas.openxmlformats.org/presentationml/2006/main">
   <p:cSld>
     <p:spTree>
@@ -16846,7 +17149,7 @@
             </a:pPr>
             <a:fld id="{00000000-1234-1234-1234-123412341234}" type="slidenum">
               <a:rPr lang="en-US"/>
-              <a:t>12</a:t>
+              <a:t>13</a:t>
             </a:fld>
             <a:endParaRPr lang="en-US"/>
           </a:p>
@@ -18171,7 +18474,7 @@
               <a:buAutoNum type="arabicPeriod"/>
             </a:pPr>
             <a:r>
-              <a:rPr lang="en-US">
+              <a:rPr lang="en-US" dirty="0">
                 <a:solidFill>
                   <a:srgbClr val="424242"/>
                 </a:solidFill>
@@ -18181,7 +18484,7 @@
               <a:t>Micro </a:t>
             </a:r>
             <a:r>
-              <a:rPr lang="zh-CN" altLang="en-US">
+              <a:rPr lang="zh-CN" altLang="en-US" dirty="0">
                 <a:solidFill>
                   <a:srgbClr val="424242"/>
                 </a:solidFill>
@@ -18191,14 +18494,44 @@
               <a:t>工具集的发展（</a:t>
             </a:r>
             <a:r>
-              <a:rPr lang="en-US">
+              <a:rPr lang="en-US" altLang="zh-CN" dirty="0">
                 <a:solidFill>
                   <a:srgbClr val="424242"/>
                 </a:solidFill>
                 <a:latin typeface="Courier New" panose="02070309020205020404"/>
                 <a:cs typeface="Courier New" panose="02070309020205020404"/>
               </a:rPr>
-              <a:t>Network，Run、Tunnel、Platform）</a:t>
+              <a:t>Auth</a:t>
+            </a:r>
+            <a:r>
+              <a:rPr lang="zh-CN" altLang="en-US" dirty="0">
+                <a:solidFill>
+                  <a:srgbClr val="424242"/>
+                </a:solidFill>
+                <a:latin typeface="Courier New" panose="02070309020205020404"/>
+                <a:cs typeface="Courier New" panose="02070309020205020404"/>
+              </a:rPr>
+              <a:t>、</a:t>
+            </a:r>
+            <a:r>
+              <a:rPr lang="en-US" dirty="0" err="1">
+                <a:solidFill>
+                  <a:srgbClr val="424242"/>
+                </a:solidFill>
+                <a:latin typeface="Courier New" panose="02070309020205020404"/>
+                <a:cs typeface="Courier New" panose="02070309020205020404"/>
+              </a:rPr>
+              <a:t>Network，Run、Tunnel、Platform</a:t>
+            </a:r>
+            <a:r>
+              <a:rPr lang="en-US" dirty="0">
+                <a:solidFill>
+                  <a:srgbClr val="424242"/>
+                </a:solidFill>
+                <a:latin typeface="Courier New" panose="02070309020205020404"/>
+                <a:cs typeface="Courier New" panose="02070309020205020404"/>
+              </a:rPr>
+              <a:t>）</a:t>
             </a:r>
             <a:endParaRPr lang="en-US" altLang="zh-CN" dirty="0">
               <a:solidFill>
@@ -18220,6 +18553,228 @@
 </file>
 
 <file path=ppt/slides/slide4.xml><?xml version="1.0" encoding="utf-8"?>
+<p:sld xmlns:a="http://schemas.openxmlformats.org/drawingml/2006/main" xmlns:r="http://schemas.openxmlformats.org/officeDocument/2006/relationships" xmlns:p="http://schemas.openxmlformats.org/presentationml/2006/main">
+  <p:cSld>
+    <p:spTree>
+      <p:nvGrpSpPr>
+        <p:cNvPr id="1" name=""/>
+        <p:cNvGrpSpPr/>
+        <p:nvPr/>
+      </p:nvGrpSpPr>
+      <p:grpSpPr>
+        <a:xfrm>
+          <a:off x="0" y="0"/>
+          <a:ext cx="0" cy="0"/>
+          <a:chOff x="0" y="0"/>
+          <a:chExt cx="0" cy="0"/>
+        </a:xfrm>
+      </p:grpSpPr>
+      <p:sp>
+        <p:nvSpPr>
+          <p:cNvPr id="2" name="Title 1">
+            <a:extLst>
+              <a:ext uri="{FF2B5EF4-FFF2-40B4-BE49-F238E27FC236}">
+                <a16:creationId xmlns:a16="http://schemas.microsoft.com/office/drawing/2014/main" id="{3433B073-7F7E-3745-BE97-78B556B01E5C}"/>
+              </a:ext>
+            </a:extLst>
+          </p:cNvPr>
+          <p:cNvSpPr>
+            <a:spLocks noGrp="1"/>
+          </p:cNvSpPr>
+          <p:nvPr>
+            <p:ph type="title"/>
+          </p:nvPr>
+        </p:nvSpPr>
+        <p:spPr/>
+        <p:txBody>
+          <a:bodyPr/>
+          <a:lstStyle/>
+          <a:p>
+            <a:r>
+              <a:rPr kumimoji="1" lang="en-US" altLang="zh-CN"/>
+              <a:t>Micro</a:t>
+            </a:r>
+            <a:r>
+              <a:rPr kumimoji="1" lang="zh-CN" altLang="en-US"/>
+              <a:t>工具集</a:t>
+            </a:r>
+          </a:p>
+        </p:txBody>
+      </p:sp>
+      <p:sp>
+        <p:nvSpPr>
+          <p:cNvPr id="3" name="Text Placeholder 2">
+            <a:extLst>
+              <a:ext uri="{FF2B5EF4-FFF2-40B4-BE49-F238E27FC236}">
+                <a16:creationId xmlns:a16="http://schemas.microsoft.com/office/drawing/2014/main" id="{7EB7CC78-DC90-594C-904C-7BC66F6CA29B}"/>
+              </a:ext>
+            </a:extLst>
+          </p:cNvPr>
+          <p:cNvSpPr>
+            <a:spLocks noGrp="1"/>
+          </p:cNvSpPr>
+          <p:nvPr>
+            <p:ph type="body" idx="1"/>
+          </p:nvPr>
+        </p:nvSpPr>
+        <p:spPr/>
+        <p:txBody>
+          <a:bodyPr/>
+          <a:lstStyle/>
+          <a:p>
+            <a:r>
+              <a:rPr kumimoji="1" lang="en-US" altLang="zh-CN" dirty="0"/>
+              <a:t>Go-Micro</a:t>
+            </a:r>
+            <a:r>
+              <a:rPr kumimoji="1" lang="zh-CN" altLang="en-US" dirty="0"/>
+              <a:t>与</a:t>
+            </a:r>
+            <a:r>
+              <a:rPr kumimoji="1" lang="en-US" altLang="zh-CN" dirty="0"/>
+              <a:t>Micro</a:t>
+            </a:r>
+            <a:r>
+              <a:rPr kumimoji="1" lang="zh-CN" altLang="en-US" dirty="0"/>
+              <a:t>，两个项目的关联</a:t>
+            </a:r>
+            <a:endParaRPr kumimoji="1" lang="en-US" altLang="zh-CN" dirty="0"/>
+          </a:p>
+          <a:p>
+            <a:endParaRPr kumimoji="1" lang="en-US" altLang="zh-CN" dirty="0"/>
+          </a:p>
+          <a:p>
+            <a:r>
+              <a:rPr kumimoji="1" lang="en-US" altLang="zh-CN" dirty="0"/>
+              <a:t>Go-Micro</a:t>
+            </a:r>
+            <a:r>
+              <a:rPr kumimoji="1" lang="zh-CN" altLang="en-US" dirty="0"/>
+              <a:t>是框架，不是服务</a:t>
+            </a:r>
+            <a:endParaRPr kumimoji="1" lang="en-US" altLang="zh-CN" dirty="0"/>
+          </a:p>
+          <a:p>
+            <a:r>
+              <a:rPr kumimoji="1" lang="en-US" altLang="zh-CN" dirty="0"/>
+              <a:t>Micro</a:t>
+            </a:r>
+            <a:r>
+              <a:rPr kumimoji="1" lang="zh-CN" altLang="en-US" dirty="0"/>
+              <a:t>是基于</a:t>
+            </a:r>
+            <a:r>
+              <a:rPr kumimoji="1" lang="en-US" altLang="zh-CN" dirty="0"/>
+              <a:t>Go-Micro</a:t>
+            </a:r>
+            <a:r>
+              <a:rPr kumimoji="1" lang="zh-CN" altLang="en-US" dirty="0"/>
+              <a:t>编写，面向</a:t>
+            </a:r>
+            <a:r>
+              <a:rPr kumimoji="1" lang="en-US" altLang="zh-CN" dirty="0"/>
+              <a:t>Go-Micro</a:t>
+            </a:r>
+            <a:r>
+              <a:rPr kumimoji="1" lang="zh-CN" altLang="en-US" dirty="0"/>
+              <a:t>服务</a:t>
+            </a:r>
+            <a:r>
+              <a:rPr kumimoji="1" lang="zh-CN" altLang="en-US"/>
+              <a:t>治理与生态的</a:t>
+            </a:r>
+            <a:r>
+              <a:rPr kumimoji="1" lang="zh-CN" altLang="en-US" dirty="0"/>
+              <a:t>工具集。</a:t>
+            </a:r>
+            <a:endParaRPr kumimoji="1" lang="en-US" altLang="zh-CN" dirty="0"/>
+          </a:p>
+          <a:p>
+            <a:endParaRPr kumimoji="1" lang="zh-CN" altLang="en-US" dirty="0"/>
+          </a:p>
+        </p:txBody>
+      </p:sp>
+      <p:sp>
+        <p:nvSpPr>
+          <p:cNvPr id="4" name="Google Shape;128;p18">
+            <a:extLst>
+              <a:ext uri="{FF2B5EF4-FFF2-40B4-BE49-F238E27FC236}">
+                <a16:creationId xmlns:a16="http://schemas.microsoft.com/office/drawing/2014/main" id="{B5D756C7-D1BD-E044-BD7B-A74D62004EC7}"/>
+              </a:ext>
+            </a:extLst>
+          </p:cNvPr>
+          <p:cNvSpPr/>
+          <p:nvPr/>
+        </p:nvSpPr>
+        <p:spPr>
+          <a:xfrm>
+            <a:off x="7743870" y="721831"/>
+            <a:ext cx="1120800" cy="307800"/>
+          </a:xfrm>
+          <a:prstGeom prst="rect">
+            <a:avLst/>
+          </a:prstGeom>
+          <a:noFill/>
+          <a:ln>
+            <a:noFill/>
+          </a:ln>
+        </p:spPr>
+        <p:txBody>
+          <a:bodyPr spcFirstLastPara="1" wrap="square" lIns="91425" tIns="45700" rIns="91425" bIns="45700" anchor="t" anchorCtr="0">
+            <a:noAutofit/>
+          </a:bodyPr>
+          <a:lstStyle/>
+          <a:p>
+            <a:pPr marL="0" marR="0" lvl="0" indent="0" algn="l" rtl="0">
+              <a:lnSpc>
+                <a:spcPct val="100000"/>
+              </a:lnSpc>
+              <a:spcBef>
+                <a:spcPts val="0"/>
+              </a:spcBef>
+              <a:spcAft>
+                <a:spcPts val="0"/>
+              </a:spcAft>
+              <a:buNone/>
+            </a:pPr>
+            <a:r>
+              <a:rPr lang="zh-CN" altLang="en-US" b="1">
+                <a:solidFill>
+                  <a:schemeClr val="accent1"/>
+                </a:solidFill>
+                <a:latin typeface="PT Sans Narrow" panose="020B0506020203020204"/>
+                <a:ea typeface="PT Sans Narrow" panose="020B0506020203020204"/>
+                <a:cs typeface="PT Sans Narrow" panose="020B0506020203020204"/>
+                <a:sym typeface="PT Sans Narrow" panose="020B0506020203020204"/>
+              </a:rPr>
+              <a:t>全功能介绍</a:t>
+            </a:r>
+            <a:endParaRPr sz="3600" b="1" i="0" u="none" strike="noStrike" cap="none">
+              <a:solidFill>
+                <a:schemeClr val="accent1"/>
+              </a:solidFill>
+              <a:latin typeface="PT Sans Narrow" panose="020B0506020203020204"/>
+              <a:ea typeface="PT Sans Narrow" panose="020B0506020203020204"/>
+              <a:cs typeface="PT Sans Narrow" panose="020B0506020203020204"/>
+              <a:sym typeface="PT Sans Narrow" panose="020B0506020203020204"/>
+            </a:endParaRPr>
+          </a:p>
+        </p:txBody>
+      </p:sp>
+    </p:spTree>
+    <p:extLst>
+      <p:ext uri="{BB962C8B-B14F-4D97-AF65-F5344CB8AC3E}">
+        <p14:creationId xmlns:p14="http://schemas.microsoft.com/office/powerpoint/2010/main" val="3605090192"/>
+      </p:ext>
+    </p:extLst>
+  </p:cSld>
+  <p:clrMapOvr>
+    <a:masterClrMapping/>
+  </p:clrMapOvr>
+</p:sld>
+</file>
+
+<file path=ppt/slides/slide5.xml><?xml version="1.0" encoding="utf-8"?>
 <p:sld xmlns:a="http://schemas.openxmlformats.org/drawingml/2006/main" xmlns:r="http://schemas.openxmlformats.org/officeDocument/2006/relationships" xmlns:p="http://schemas.openxmlformats.org/presentationml/2006/main">
   <p:cSld>
     <p:spTree>
@@ -18381,7 +18936,7 @@
     </p:spTree>
     <p:extLst>
       <p:ext uri="{BB962C8B-B14F-4D97-AF65-F5344CB8AC3E}">
-        <p14:creationId xmlns:p14="http://schemas.microsoft.com/office/powerpoint/2010/main" val="3605090192"/>
+        <p14:creationId xmlns:p14="http://schemas.microsoft.com/office/powerpoint/2010/main" val="1024920243"/>
       </p:ext>
     </p:extLst>
   </p:cSld>
@@ -18391,7 +18946,7 @@
 </p:sld>
 </file>
 
-<file path=ppt/slides/slide5.xml><?xml version="1.0" encoding="utf-8"?>
+<file path=ppt/slides/slide6.xml><?xml version="1.0" encoding="utf-8"?>
 <p:sld xmlns:a="http://schemas.openxmlformats.org/drawingml/2006/main" xmlns:r="http://schemas.openxmlformats.org/officeDocument/2006/relationships" xmlns:p="http://schemas.openxmlformats.org/presentationml/2006/main">
   <p:cSld>
     <p:spTree>
@@ -18510,7 +19065,7 @@
             </a:pPr>
             <a:fld id="{00000000-1234-1234-1234-123412341234}" type="slidenum">
               <a:rPr lang="en-US"/>
-              <a:t>5</a:t>
+              <a:t>6</a:t>
             </a:fld>
             <a:endParaRPr lang="en-US"/>
           </a:p>
@@ -18524,7 +19079,7 @@
 </p:sld>
 </file>
 
-<file path=ppt/slides/slide6.xml><?xml version="1.0" encoding="utf-8"?>
+<file path=ppt/slides/slide7.xml><?xml version="1.0" encoding="utf-8"?>
 <p:sld xmlns:a="http://schemas.openxmlformats.org/drawingml/2006/main" xmlns:r="http://schemas.openxmlformats.org/officeDocument/2006/relationships" xmlns:p="http://schemas.openxmlformats.org/presentationml/2006/main">
   <p:cSld>
     <p:spTree>
@@ -18553,8 +19108,8 @@
         </p:nvSpPr>
         <p:spPr>
           <a:xfrm>
-            <a:off x="311700" y="445025"/>
-            <a:ext cx="2103696" cy="707400"/>
+            <a:off x="311699" y="445025"/>
+            <a:ext cx="2938039" cy="707400"/>
           </a:xfrm>
           <a:prstGeom prst="rect">
             <a:avLst/>
@@ -18583,7 +19138,7 @@
               <a:rPr lang="en-US" altLang="zh-CN" dirty="0"/>
               <a:t>API</a:t>
             </a:r>
-            <a:endParaRPr lang="en-US"/>
+            <a:endParaRPr lang="en-US" dirty="0"/>
           </a:p>
         </p:txBody>
       </p:sp>
@@ -18631,7 +19186,7 @@
             </a:pPr>
             <a:fld id="{00000000-1234-1234-1234-123412341234}" type="slidenum">
               <a:rPr lang="en-US"/>
-              <a:t>6</a:t>
+              <a:t>7</a:t>
             </a:fld>
             <a:endParaRPr lang="en-US"/>
           </a:p>
@@ -19009,7 +19564,7 @@
 </p:sld>
 </file>
 
-<file path=ppt/slides/slide7.xml><?xml version="1.0" encoding="utf-8"?>
+<file path=ppt/slides/slide8.xml><?xml version="1.0" encoding="utf-8"?>
 <p:sld xmlns:a="http://schemas.openxmlformats.org/drawingml/2006/main" xmlns:r="http://schemas.openxmlformats.org/officeDocument/2006/relationships" xmlns:p="http://schemas.openxmlformats.org/presentationml/2006/main">
   <p:cSld>
     <p:spTree>
@@ -19038,8 +19593,8 @@
         </p:nvSpPr>
         <p:spPr>
           <a:xfrm>
-            <a:off x="311700" y="445025"/>
-            <a:ext cx="2103696" cy="707400"/>
+            <a:off x="311699" y="445025"/>
+            <a:ext cx="2705153" cy="707400"/>
           </a:xfrm>
           <a:prstGeom prst="rect">
             <a:avLst/>
@@ -19068,7 +19623,7 @@
               <a:rPr lang="en-US" altLang="zh-CN" dirty="0"/>
               <a:t>API</a:t>
             </a:r>
-            <a:endParaRPr lang="en-US"/>
+            <a:endParaRPr lang="en-US" dirty="0"/>
           </a:p>
         </p:txBody>
       </p:sp>
@@ -19116,7 +19671,7 @@
             </a:pPr>
             <a:fld id="{00000000-1234-1234-1234-123412341234}" type="slidenum">
               <a:rPr lang="en-US"/>
-              <a:t>7</a:t>
+              <a:t>8</a:t>
             </a:fld>
             <a:endParaRPr lang="en-US"/>
           </a:p>
@@ -19510,7 +20065,7 @@
 </p:sld>
 </file>
 
-<file path=ppt/slides/slide8.xml><?xml version="1.0" encoding="utf-8"?>
+<file path=ppt/slides/slide9.xml><?xml version="1.0" encoding="utf-8"?>
 <p:sld xmlns:a="http://schemas.openxmlformats.org/drawingml/2006/main" xmlns:r="http://schemas.openxmlformats.org/officeDocument/2006/relationships" xmlns:p="http://schemas.openxmlformats.org/presentationml/2006/main">
   <p:cSld>
     <p:spTree>
@@ -19539,8 +20094,8 @@
         </p:nvSpPr>
         <p:spPr>
           <a:xfrm>
-            <a:off x="311700" y="445025"/>
-            <a:ext cx="2103696" cy="707400"/>
+            <a:off x="311699" y="445025"/>
+            <a:ext cx="2511593" cy="707400"/>
           </a:xfrm>
           <a:prstGeom prst="rect">
             <a:avLst/>
@@ -19569,7 +20124,7 @@
               <a:rPr lang="en-US" altLang="zh-CN" dirty="0"/>
               <a:t>API</a:t>
             </a:r>
-            <a:endParaRPr lang="en-US"/>
+            <a:endParaRPr lang="en-US" dirty="0"/>
           </a:p>
         </p:txBody>
       </p:sp>
@@ -19617,7 +20172,7 @@
             </a:pPr>
             <a:fld id="{00000000-1234-1234-1234-123412341234}" type="slidenum">
               <a:rPr lang="en-US"/>
-              <a:t>8</a:t>
+              <a:t>9</a:t>
             </a:fld>
             <a:endParaRPr lang="en-US"/>
           </a:p>
@@ -19890,308 +20445,6 @@
     <p:extLst>
       <p:ext uri="{BB962C8B-B14F-4D97-AF65-F5344CB8AC3E}">
         <p14:creationId xmlns:p14="http://schemas.microsoft.com/office/powerpoint/2010/main" val="1709189984"/>
-      </p:ext>
-    </p:extLst>
-  </p:cSld>
-  <p:clrMapOvr>
-    <a:masterClrMapping/>
-  </p:clrMapOvr>
-</p:sld>
-</file>
-
-<file path=ppt/slides/slide9.xml><?xml version="1.0" encoding="utf-8"?>
-<p:sld xmlns:a="http://schemas.openxmlformats.org/drawingml/2006/main" xmlns:r="http://schemas.openxmlformats.org/officeDocument/2006/relationships" xmlns:p="http://schemas.openxmlformats.org/presentationml/2006/main">
-  <p:cSld>
-    <p:spTree>
-      <p:nvGrpSpPr>
-        <p:cNvPr id="1" name="Shape 259"/>
-        <p:cNvGrpSpPr/>
-        <p:nvPr/>
-      </p:nvGrpSpPr>
-      <p:grpSpPr>
-        <a:xfrm>
-          <a:off x="0" y="0"/>
-          <a:ext cx="0" cy="0"/>
-          <a:chOff x="0" y="0"/>
-          <a:chExt cx="0" cy="0"/>
-        </a:xfrm>
-      </p:grpSpPr>
-      <p:sp>
-        <p:nvSpPr>
-          <p:cNvPr id="260" name="Google Shape;260;p28"/>
-          <p:cNvSpPr txBox="1">
-            <a:spLocks noGrp="1"/>
-          </p:cNvSpPr>
-          <p:nvPr>
-            <p:ph type="title"/>
-          </p:nvPr>
-        </p:nvSpPr>
-        <p:spPr>
-          <a:xfrm>
-            <a:off x="311700" y="445025"/>
-            <a:ext cx="2103696" cy="707400"/>
-          </a:xfrm>
-          <a:prstGeom prst="rect">
-            <a:avLst/>
-          </a:prstGeom>
-          <a:noFill/>
-          <a:ln>
-            <a:noFill/>
-          </a:ln>
-        </p:spPr>
-        <p:txBody>
-          <a:bodyPr spcFirstLastPara="1" wrap="square" lIns="91425" tIns="91425" rIns="91425" bIns="91425" anchor="t" anchorCtr="0">
-            <a:noAutofit/>
-          </a:bodyPr>
-          <a:lstStyle/>
-          <a:p>
-            <a:pPr lvl="0"/>
-            <a:r>
-              <a:rPr lang="en-US" altLang="zh-CN" dirty="0"/>
-              <a:t>Micro</a:t>
-            </a:r>
-            <a:r>
-              <a:rPr lang="zh-CN" altLang="en-US" dirty="0"/>
-              <a:t> </a:t>
-            </a:r>
-            <a:r>
-              <a:rPr lang="en-US" altLang="zh-CN" dirty="0"/>
-              <a:t>API</a:t>
-            </a:r>
-            <a:endParaRPr lang="en-US"/>
-          </a:p>
-        </p:txBody>
-      </p:sp>
-      <p:sp>
-        <p:nvSpPr>
-          <p:cNvPr id="261" name="Google Shape;261;p28"/>
-          <p:cNvSpPr txBox="1">
-            <a:spLocks noGrp="1"/>
-          </p:cNvSpPr>
-          <p:nvPr>
-            <p:ph type="sldNum" idx="12"/>
-          </p:nvPr>
-        </p:nvSpPr>
-        <p:spPr>
-          <a:xfrm>
-            <a:off x="167983" y="4610554"/>
-            <a:ext cx="548700" cy="393600"/>
-          </a:xfrm>
-          <a:prstGeom prst="rect">
-            <a:avLst/>
-          </a:prstGeom>
-          <a:noFill/>
-          <a:ln>
-            <a:noFill/>
-          </a:ln>
-        </p:spPr>
-        <p:txBody>
-          <a:bodyPr spcFirstLastPara="1" wrap="square" lIns="91425" tIns="91425" rIns="91425" bIns="91425" anchor="ctr" anchorCtr="0">
-            <a:noAutofit/>
-          </a:bodyPr>
-          <a:lstStyle/>
-          <a:p>
-            <a:pPr marL="0" lvl="0" indent="0" algn="r" rtl="0">
-              <a:lnSpc>
-                <a:spcPct val="100000"/>
-              </a:lnSpc>
-              <a:spcBef>
-                <a:spcPts val="0"/>
-              </a:spcBef>
-              <a:spcAft>
-                <a:spcPts val="0"/>
-              </a:spcAft>
-              <a:buSzPts val="1000"/>
-              <a:buNone/>
-            </a:pPr>
-            <a:fld id="{00000000-1234-1234-1234-123412341234}" type="slidenum">
-              <a:rPr lang="en-US"/>
-              <a:t>9</a:t>
-            </a:fld>
-            <a:endParaRPr lang="en-US"/>
-          </a:p>
-        </p:txBody>
-      </p:sp>
-      <p:sp>
-        <p:nvSpPr>
-          <p:cNvPr id="262" name="Google Shape;262;p28"/>
-          <p:cNvSpPr/>
-          <p:nvPr/>
-        </p:nvSpPr>
-        <p:spPr>
-          <a:xfrm>
-            <a:off x="5894262" y="701662"/>
-            <a:ext cx="3067022" cy="307777"/>
-          </a:xfrm>
-          <a:prstGeom prst="rect">
-            <a:avLst/>
-          </a:prstGeom>
-          <a:noFill/>
-          <a:ln>
-            <a:noFill/>
-          </a:ln>
-        </p:spPr>
-        <p:txBody>
-          <a:bodyPr spcFirstLastPara="1" wrap="square" lIns="91425" tIns="45700" rIns="91425" bIns="45700" anchor="t" anchorCtr="0">
-            <a:noAutofit/>
-          </a:bodyPr>
-          <a:lstStyle/>
-          <a:p>
-            <a:pPr marL="0" marR="0" lvl="0" indent="0" algn="l" rtl="0">
-              <a:lnSpc>
-                <a:spcPct val="100000"/>
-              </a:lnSpc>
-              <a:spcBef>
-                <a:spcPts val="0"/>
-              </a:spcBef>
-              <a:spcAft>
-                <a:spcPts val="0"/>
-              </a:spcAft>
-              <a:buNone/>
-            </a:pPr>
-            <a:endParaRPr sz="3600" b="1" i="0" u="none" strike="noStrike" cap="none">
-              <a:solidFill>
-                <a:schemeClr val="accent1"/>
-              </a:solidFill>
-              <a:latin typeface="PT Sans Narrow" panose="020B0506020203020204"/>
-              <a:ea typeface="PT Sans Narrow" panose="020B0506020203020204"/>
-              <a:cs typeface="PT Sans Narrow" panose="020B0506020203020204"/>
-              <a:sym typeface="PT Sans Narrow" panose="020B0506020203020204"/>
-            </a:endParaRPr>
-          </a:p>
-        </p:txBody>
-      </p:sp>
-      <p:sp>
-        <p:nvSpPr>
-          <p:cNvPr id="7" name="Google Shape;128;p18"/>
-          <p:cNvSpPr/>
-          <p:nvPr/>
-        </p:nvSpPr>
-        <p:spPr>
-          <a:xfrm>
-            <a:off x="7897090" y="726010"/>
-            <a:ext cx="1618743" cy="307800"/>
-          </a:xfrm>
-          <a:prstGeom prst="rect">
-            <a:avLst/>
-          </a:prstGeom>
-          <a:noFill/>
-          <a:ln>
-            <a:noFill/>
-          </a:ln>
-        </p:spPr>
-        <p:txBody>
-          <a:bodyPr spcFirstLastPara="1" wrap="square" lIns="91425" tIns="45700" rIns="91425" bIns="45700" anchor="t" anchorCtr="0">
-            <a:noAutofit/>
-          </a:bodyPr>
-          <a:lstStyle/>
-          <a:p>
-            <a:pPr marL="0" marR="0" lvl="0" indent="0" algn="l" rtl="0">
-              <a:lnSpc>
-                <a:spcPct val="100000"/>
-              </a:lnSpc>
-              <a:spcBef>
-                <a:spcPts val="0"/>
-              </a:spcBef>
-              <a:spcAft>
-                <a:spcPts val="0"/>
-              </a:spcAft>
-              <a:buNone/>
-            </a:pPr>
-            <a:r>
-              <a:rPr lang="zh-CN" altLang="en-US" b="1">
-                <a:solidFill>
-                  <a:schemeClr val="accent1"/>
-                </a:solidFill>
-                <a:latin typeface="PT Sans Narrow" panose="020B0506020203020204"/>
-                <a:ea typeface="PT Sans Narrow" panose="020B0506020203020204"/>
-                <a:cs typeface="PT Sans Narrow" panose="020B0506020203020204"/>
-                <a:sym typeface="PT Sans Narrow" panose="020B0506020203020204"/>
-              </a:rPr>
-              <a:t>路由规则</a:t>
-            </a:r>
-            <a:endParaRPr sz="3600" b="1" i="0" u="none" strike="noStrike" cap="none">
-              <a:solidFill>
-                <a:schemeClr val="accent1"/>
-              </a:solidFill>
-              <a:latin typeface="PT Sans Narrow" panose="020B0506020203020204"/>
-              <a:ea typeface="PT Sans Narrow" panose="020B0506020203020204"/>
-              <a:cs typeface="PT Sans Narrow" panose="020B0506020203020204"/>
-              <a:sym typeface="PT Sans Narrow" panose="020B0506020203020204"/>
-            </a:endParaRPr>
-          </a:p>
-        </p:txBody>
-      </p:sp>
-      <p:pic>
-        <p:nvPicPr>
-          <p:cNvPr id="3" name="Picture 2">
-            <a:extLst>
-              <a:ext uri="{FF2B5EF4-FFF2-40B4-BE49-F238E27FC236}">
-                <a16:creationId xmlns:a16="http://schemas.microsoft.com/office/drawing/2014/main" id="{C9444514-E141-4047-B0A0-D1C10929F010}"/>
-              </a:ext>
-            </a:extLst>
-          </p:cNvPr>
-          <p:cNvPicPr>
-            <a:picLocks noChangeAspect="1"/>
-          </p:cNvPicPr>
-          <p:nvPr/>
-        </p:nvPicPr>
-        <p:blipFill>
-          <a:blip r:embed="rId3"/>
-          <a:stretch>
-            <a:fillRect/>
-          </a:stretch>
-        </p:blipFill>
-        <p:spPr>
-          <a:xfrm>
-            <a:off x="442333" y="1473200"/>
-            <a:ext cx="8024386" cy="2524034"/>
-          </a:xfrm>
-          <a:prstGeom prst="rect">
-            <a:avLst/>
-          </a:prstGeom>
-        </p:spPr>
-      </p:pic>
-      <p:sp>
-        <p:nvSpPr>
-          <p:cNvPr id="10" name="TextBox 9">
-            <a:extLst>
-              <a:ext uri="{FF2B5EF4-FFF2-40B4-BE49-F238E27FC236}">
-                <a16:creationId xmlns:a16="http://schemas.microsoft.com/office/drawing/2014/main" id="{B169F059-45BF-F346-A7BB-29B90E167C55}"/>
-              </a:ext>
-            </a:extLst>
-          </p:cNvPr>
-          <p:cNvSpPr txBox="1"/>
-          <p:nvPr/>
-        </p:nvSpPr>
-        <p:spPr>
-          <a:xfrm>
-            <a:off x="311700" y="1047747"/>
-            <a:ext cx="4898245" cy="307777"/>
-          </a:xfrm>
-          <a:prstGeom prst="rect">
-            <a:avLst/>
-          </a:prstGeom>
-          <a:noFill/>
-        </p:spPr>
-        <p:txBody>
-          <a:bodyPr wrap="square" rtlCol="0">
-            <a:spAutoFit/>
-          </a:bodyPr>
-          <a:lstStyle/>
-          <a:p>
-            <a:r>
-              <a:rPr kumimoji="1" lang="zh-CN" altLang="en-US"/>
-              <a:t>基于命名空间：</a:t>
-            </a:r>
-            <a:endParaRPr kumimoji="1" lang="en-US" altLang="zh-CN"/>
-          </a:p>
-        </p:txBody>
-      </p:sp>
-    </p:spTree>
-    <p:extLst>
-      <p:ext uri="{BB962C8B-B14F-4D97-AF65-F5344CB8AC3E}">
-        <p14:creationId xmlns:p14="http://schemas.microsoft.com/office/powerpoint/2010/main" val="3309503476"/>
       </p:ext>
     </p:extLst>
   </p:cSld>

--- a/others/share/learning-go/【第三期】Micro工具集.pptx
+++ b/others/share/learning-go/【第三期】Micro工具集.pptx
@@ -6,10 +6,10 @@
     <p:sldMasterId id="2147483654" r:id="rId2"/>
   </p:sldMasterIdLst>
   <p:notesMasterIdLst>
-    <p:notesMasterId r:id="rId16"/>
+    <p:notesMasterId r:id="rId15"/>
   </p:notesMasterIdLst>
   <p:handoutMasterIdLst>
-    <p:handoutMasterId r:id="rId17"/>
+    <p:handoutMasterId r:id="rId16"/>
   </p:handoutMasterIdLst>
   <p:sldIdLst>
     <p:sldId id="256" r:id="rId3"/>
@@ -18,13 +18,12 @@
     <p:sldId id="355" r:id="rId6"/>
     <p:sldId id="356" r:id="rId7"/>
     <p:sldId id="259" r:id="rId8"/>
-    <p:sldId id="311" r:id="rId9"/>
-    <p:sldId id="351" r:id="rId10"/>
-    <p:sldId id="352" r:id="rId11"/>
-    <p:sldId id="353" r:id="rId12"/>
-    <p:sldId id="354" r:id="rId13"/>
-    <p:sldId id="321" r:id="rId14"/>
-    <p:sldId id="288" r:id="rId15"/>
+    <p:sldId id="352" r:id="rId9"/>
+    <p:sldId id="353" r:id="rId10"/>
+    <p:sldId id="354" r:id="rId11"/>
+    <p:sldId id="357" r:id="rId12"/>
+    <p:sldId id="321" r:id="rId13"/>
+    <p:sldId id="288" r:id="rId14"/>
   </p:sldIdLst>
   <p:sldSz cx="9144000" cy="5143500" type="screen16x9"/>
   <p:notesSz cx="9144000" cy="5143500"/>
@@ -373,7 +372,7 @@
           <a:p>
             <a:fld id="{A084C82A-ADE2-4BBA-B2A9-E36881C26755}" type="datetimeFigureOut">
               <a:rPr lang="zh-CN" altLang="en-US" smtClean="0"/>
-              <a:t>2020/3/4</a:t>
+              <a:t>2020/3/6</a:t>
             </a:fld>
             <a:endParaRPr lang="zh-CN" altLang="en-US"/>
           </a:p>
@@ -2274,275 +2273,6 @@
         </p:spPr>
       </p:sp>
     </p:spTree>
-  </p:cSld>
-  <p:clrMapOvr>
-    <a:masterClrMapping/>
-  </p:clrMapOvr>
-</p:notes>
-</file>
-
-<file path=ppt/notesSlides/notesSlide6.xml><?xml version="1.0" encoding="utf-8"?>
-<p:notes xmlns:a="http://schemas.openxmlformats.org/drawingml/2006/main" xmlns:r="http://schemas.openxmlformats.org/officeDocument/2006/relationships" xmlns:p="http://schemas.openxmlformats.org/presentationml/2006/main" showMasterSp="0" showMasterPhAnim="0">
-  <p:cSld>
-    <p:spTree>
-      <p:nvGrpSpPr>
-        <p:cNvPr id="1" name="Shape 256"/>
-        <p:cNvGrpSpPr/>
-        <p:nvPr/>
-      </p:nvGrpSpPr>
-      <p:grpSpPr>
-        <a:xfrm>
-          <a:off x="0" y="0"/>
-          <a:ext cx="0" cy="0"/>
-          <a:chOff x="0" y="0"/>
-          <a:chExt cx="0" cy="0"/>
-        </a:xfrm>
-      </p:grpSpPr>
-      <p:sp>
-        <p:nvSpPr>
-          <p:cNvPr id="257" name="Google Shape;257;g62c7962589_5_191:notes"/>
-          <p:cNvSpPr txBox="1">
-            <a:spLocks noGrp="1"/>
-          </p:cNvSpPr>
-          <p:nvPr>
-            <p:ph type="body" idx="1"/>
-          </p:nvPr>
-        </p:nvSpPr>
-        <p:spPr>
-          <a:xfrm>
-            <a:off x="914400" y="2443163"/>
-            <a:ext cx="7315200" cy="2314575"/>
-          </a:xfrm>
-          <a:prstGeom prst="rect">
-            <a:avLst/>
-          </a:prstGeom>
-        </p:spPr>
-        <p:txBody>
-          <a:bodyPr spcFirstLastPara="1" wrap="square" lIns="91425" tIns="45700" rIns="91425" bIns="45700" anchor="t" anchorCtr="0">
-            <a:noAutofit/>
-          </a:bodyPr>
-          <a:lstStyle/>
-          <a:p>
-            <a:pPr marL="0" lvl="0" indent="0" algn="l" rtl="0">
-              <a:spcBef>
-                <a:spcPts val="0"/>
-              </a:spcBef>
-              <a:spcAft>
-                <a:spcPts val="0"/>
-              </a:spcAft>
-              <a:buNone/>
-            </a:pPr>
-            <a:r>
-              <a:rPr lang="en-US" altLang="zh-CN"/>
-              <a:t>1,</a:t>
-            </a:r>
-            <a:r>
-              <a:rPr lang="zh-CN" altLang="en-US"/>
-              <a:t> 手写定义</a:t>
-            </a:r>
-            <a:endParaRPr lang="en-US" altLang="zh-CN"/>
-          </a:p>
-          <a:p>
-            <a:pPr marL="0" lvl="0" indent="0" algn="l" rtl="0">
-              <a:spcBef>
-                <a:spcPts val="0"/>
-              </a:spcBef>
-              <a:spcAft>
-                <a:spcPts val="0"/>
-              </a:spcAft>
-              <a:buNone/>
-            </a:pPr>
-            <a:r>
-              <a:rPr lang="en-US" altLang="zh-CN"/>
-              <a:t>2.</a:t>
-            </a:r>
-            <a:r>
-              <a:rPr lang="zh-CN" altLang="en-US"/>
-              <a:t> 演示生成</a:t>
-            </a:r>
-            <a:endParaRPr lang="en-US"/>
-          </a:p>
-        </p:txBody>
-      </p:sp>
-      <p:sp>
-        <p:nvSpPr>
-          <p:cNvPr id="258" name="Google Shape;258;g62c7962589_5_191:notes"/>
-          <p:cNvSpPr>
-            <a:spLocks noGrp="1" noRot="1" noChangeAspect="1"/>
-          </p:cNvSpPr>
-          <p:nvPr>
-            <p:ph type="sldImg" idx="2"/>
-          </p:nvPr>
-        </p:nvSpPr>
-        <p:spPr>
-          <a:xfrm>
-            <a:off x="2857500" y="385763"/>
-            <a:ext cx="3429000" cy="1928812"/>
-          </a:xfrm>
-          <a:custGeom>
-            <a:avLst/>
-            <a:gdLst/>
-            <a:ahLst/>
-            <a:cxnLst/>
-            <a:rect l="l" t="t" r="r" b="b"/>
-            <a:pathLst>
-              <a:path w="120000" h="120000" extrusionOk="0">
-                <a:moveTo>
-                  <a:pt x="0" y="0"/>
-                </a:moveTo>
-                <a:lnTo>
-                  <a:pt x="120000" y="0"/>
-                </a:lnTo>
-                <a:lnTo>
-                  <a:pt x="120000" y="120000"/>
-                </a:lnTo>
-                <a:lnTo>
-                  <a:pt x="0" y="120000"/>
-                </a:lnTo>
-                <a:close/>
-              </a:path>
-            </a:pathLst>
-          </a:custGeom>
-        </p:spPr>
-      </p:sp>
-    </p:spTree>
-    <p:extLst>
-      <p:ext uri="{BB962C8B-B14F-4D97-AF65-F5344CB8AC3E}">
-        <p14:creationId xmlns:p14="http://schemas.microsoft.com/office/powerpoint/2010/main" val="2652006610"/>
-      </p:ext>
-    </p:extLst>
-  </p:cSld>
-  <p:clrMapOvr>
-    <a:masterClrMapping/>
-  </p:clrMapOvr>
-</p:notes>
-</file>
-
-<file path=ppt/notesSlides/notesSlide7.xml><?xml version="1.0" encoding="utf-8"?>
-<p:notes xmlns:a="http://schemas.openxmlformats.org/drawingml/2006/main" xmlns:r="http://schemas.openxmlformats.org/officeDocument/2006/relationships" xmlns:p="http://schemas.openxmlformats.org/presentationml/2006/main" showMasterSp="0" showMasterPhAnim="0">
-  <p:cSld>
-    <p:spTree>
-      <p:nvGrpSpPr>
-        <p:cNvPr id="1" name="Shape 256"/>
-        <p:cNvGrpSpPr/>
-        <p:nvPr/>
-      </p:nvGrpSpPr>
-      <p:grpSpPr>
-        <a:xfrm>
-          <a:off x="0" y="0"/>
-          <a:ext cx="0" cy="0"/>
-          <a:chOff x="0" y="0"/>
-          <a:chExt cx="0" cy="0"/>
-        </a:xfrm>
-      </p:grpSpPr>
-      <p:sp>
-        <p:nvSpPr>
-          <p:cNvPr id="257" name="Google Shape;257;g62c7962589_5_191:notes"/>
-          <p:cNvSpPr txBox="1">
-            <a:spLocks noGrp="1"/>
-          </p:cNvSpPr>
-          <p:nvPr>
-            <p:ph type="body" idx="1"/>
-          </p:nvPr>
-        </p:nvSpPr>
-        <p:spPr>
-          <a:xfrm>
-            <a:off x="914400" y="2443163"/>
-            <a:ext cx="7315200" cy="2314575"/>
-          </a:xfrm>
-          <a:prstGeom prst="rect">
-            <a:avLst/>
-          </a:prstGeom>
-        </p:spPr>
-        <p:txBody>
-          <a:bodyPr spcFirstLastPara="1" wrap="square" lIns="91425" tIns="45700" rIns="91425" bIns="45700" anchor="t" anchorCtr="0">
-            <a:noAutofit/>
-          </a:bodyPr>
-          <a:lstStyle/>
-          <a:p>
-            <a:pPr marL="0" lvl="0" indent="0" algn="l" rtl="0">
-              <a:spcBef>
-                <a:spcPts val="0"/>
-              </a:spcBef>
-              <a:spcAft>
-                <a:spcPts val="0"/>
-              </a:spcAft>
-              <a:buNone/>
-            </a:pPr>
-            <a:r>
-              <a:rPr lang="en-US" altLang="zh-CN"/>
-              <a:t>1,</a:t>
-            </a:r>
-            <a:r>
-              <a:rPr lang="zh-CN" altLang="en-US"/>
-              <a:t> 手写定义</a:t>
-            </a:r>
-            <a:endParaRPr lang="en-US" altLang="zh-CN"/>
-          </a:p>
-          <a:p>
-            <a:pPr marL="0" lvl="0" indent="0" algn="l" rtl="0">
-              <a:spcBef>
-                <a:spcPts val="0"/>
-              </a:spcBef>
-              <a:spcAft>
-                <a:spcPts val="0"/>
-              </a:spcAft>
-              <a:buNone/>
-            </a:pPr>
-            <a:r>
-              <a:rPr lang="en-US" altLang="zh-CN"/>
-              <a:t>2.</a:t>
-            </a:r>
-            <a:r>
-              <a:rPr lang="zh-CN" altLang="en-US"/>
-              <a:t> 演示生成</a:t>
-            </a:r>
-            <a:endParaRPr lang="en-US"/>
-          </a:p>
-        </p:txBody>
-      </p:sp>
-      <p:sp>
-        <p:nvSpPr>
-          <p:cNvPr id="258" name="Google Shape;258;g62c7962589_5_191:notes"/>
-          <p:cNvSpPr>
-            <a:spLocks noGrp="1" noRot="1" noChangeAspect="1"/>
-          </p:cNvSpPr>
-          <p:nvPr>
-            <p:ph type="sldImg" idx="2"/>
-          </p:nvPr>
-        </p:nvSpPr>
-        <p:spPr>
-          <a:xfrm>
-            <a:off x="2857500" y="385763"/>
-            <a:ext cx="3429000" cy="1928812"/>
-          </a:xfrm>
-          <a:custGeom>
-            <a:avLst/>
-            <a:gdLst/>
-            <a:ahLst/>
-            <a:cxnLst/>
-            <a:rect l="l" t="t" r="r" b="b"/>
-            <a:pathLst>
-              <a:path w="120000" h="120000" extrusionOk="0">
-                <a:moveTo>
-                  <a:pt x="0" y="0"/>
-                </a:moveTo>
-                <a:lnTo>
-                  <a:pt x="120000" y="0"/>
-                </a:lnTo>
-                <a:lnTo>
-                  <a:pt x="120000" y="120000"/>
-                </a:lnTo>
-                <a:lnTo>
-                  <a:pt x="0" y="120000"/>
-                </a:lnTo>
-                <a:close/>
-              </a:path>
-            </a:pathLst>
-          </a:custGeom>
-        </p:spPr>
-      </p:sp>
-    </p:spTree>
     <p:extLst>
       <p:ext uri="{BB962C8B-B14F-4D97-AF65-F5344CB8AC3E}">
         <p14:creationId xmlns:p14="http://schemas.microsoft.com/office/powerpoint/2010/main" val="999244461"/>
@@ -2555,7 +2285,7 @@
 </p:notes>
 </file>
 
-<file path=ppt/notesSlides/notesSlide8.xml><?xml version="1.0" encoding="utf-8"?>
+<file path=ppt/notesSlides/notesSlide6.xml><?xml version="1.0" encoding="utf-8"?>
 <p:notes xmlns:a="http://schemas.openxmlformats.org/drawingml/2006/main" xmlns:r="http://schemas.openxmlformats.org/officeDocument/2006/relationships" xmlns:p="http://schemas.openxmlformats.org/presentationml/2006/main" showMasterSp="0" showMasterPhAnim="0">
   <p:cSld>
     <p:spTree>
@@ -2664,7 +2394,7 @@
 </p:notes>
 </file>
 
-<file path=ppt/notesSlides/notesSlide9.xml><?xml version="1.0" encoding="utf-8"?>
+<file path=ppt/notesSlides/notesSlide7.xml><?xml version="1.0" encoding="utf-8"?>
 <p:notes xmlns:a="http://schemas.openxmlformats.org/drawingml/2006/main" xmlns:r="http://schemas.openxmlformats.org/officeDocument/2006/relationships" xmlns:p="http://schemas.openxmlformats.org/presentationml/2006/main" showMasterSp="0" showMasterPhAnim="0">
   <p:cSld>
     <p:spTree>
@@ -15179,6 +14909,4196 @@
   <p:cSld>
     <p:spTree>
       <p:nvGrpSpPr>
+        <p:cNvPr id="1" name=""/>
+        <p:cNvGrpSpPr/>
+        <p:nvPr/>
+      </p:nvGrpSpPr>
+      <p:grpSpPr>
+        <a:xfrm>
+          <a:off x="0" y="0"/>
+          <a:ext cx="0" cy="0"/>
+          <a:chOff x="0" y="0"/>
+          <a:chExt cx="0" cy="0"/>
+        </a:xfrm>
+      </p:grpSpPr>
+      <p:sp>
+        <p:nvSpPr>
+          <p:cNvPr id="4" name="Title 1">
+            <a:extLst>
+              <a:ext uri="{FF2B5EF4-FFF2-40B4-BE49-F238E27FC236}">
+                <a16:creationId xmlns:a16="http://schemas.microsoft.com/office/drawing/2014/main" id="{2DB52855-EA7A-5345-A905-F8F7D43E80B1}"/>
+              </a:ext>
+            </a:extLst>
+          </p:cNvPr>
+          <p:cNvSpPr>
+            <a:spLocks noGrp="1"/>
+          </p:cNvSpPr>
+          <p:nvPr>
+            <p:ph type="title"/>
+          </p:nvPr>
+        </p:nvSpPr>
+        <p:spPr>
+          <a:xfrm>
+            <a:off x="311700" y="445025"/>
+            <a:ext cx="8520600" cy="707400"/>
+          </a:xfrm>
+        </p:spPr>
+        <p:txBody>
+          <a:bodyPr/>
+          <a:lstStyle/>
+          <a:p>
+            <a:r>
+              <a:rPr lang="en-US" altLang="zh-CN" dirty="0"/>
+              <a:t>Micro</a:t>
+            </a:r>
+            <a:r>
+              <a:rPr lang="zh-CN" altLang="en-US" dirty="0"/>
+              <a:t> </a:t>
+            </a:r>
+            <a:r>
+              <a:rPr lang="en-US" altLang="zh-CN" dirty="0"/>
+              <a:t>API</a:t>
+            </a:r>
+            <a:endParaRPr kumimoji="1" lang="zh-CN" altLang="en-US"/>
+          </a:p>
+        </p:txBody>
+      </p:sp>
+      <p:sp>
+        <p:nvSpPr>
+          <p:cNvPr id="5" name="Google Shape;128;p18">
+            <a:extLst>
+              <a:ext uri="{FF2B5EF4-FFF2-40B4-BE49-F238E27FC236}">
+                <a16:creationId xmlns:a16="http://schemas.microsoft.com/office/drawing/2014/main" id="{65D72A1D-9205-0941-9495-C439C60BE015}"/>
+              </a:ext>
+            </a:extLst>
+          </p:cNvPr>
+          <p:cNvSpPr/>
+          <p:nvPr/>
+        </p:nvSpPr>
+        <p:spPr>
+          <a:xfrm>
+            <a:off x="7897090" y="726010"/>
+            <a:ext cx="1618743" cy="307800"/>
+          </a:xfrm>
+          <a:prstGeom prst="rect">
+            <a:avLst/>
+          </a:prstGeom>
+          <a:noFill/>
+          <a:ln>
+            <a:noFill/>
+          </a:ln>
+        </p:spPr>
+        <p:txBody>
+          <a:bodyPr spcFirstLastPara="1" wrap="square" lIns="91425" tIns="45700" rIns="91425" bIns="45700" anchor="t" anchorCtr="0">
+            <a:noAutofit/>
+          </a:bodyPr>
+          <a:lstStyle/>
+          <a:p>
+            <a:pPr marL="0" marR="0" lvl="0" indent="0" algn="l" rtl="0">
+              <a:lnSpc>
+                <a:spcPct val="100000"/>
+              </a:lnSpc>
+              <a:spcBef>
+                <a:spcPts val="0"/>
+              </a:spcBef>
+              <a:spcAft>
+                <a:spcPts val="0"/>
+              </a:spcAft>
+              <a:buNone/>
+            </a:pPr>
+            <a:r>
+              <a:rPr lang="en-US" altLang="zh-CN" b="1">
+                <a:solidFill>
+                  <a:schemeClr val="accent1"/>
+                </a:solidFill>
+                <a:latin typeface="PT Sans Narrow" panose="020B0506020203020204"/>
+                <a:ea typeface="PT Sans Narrow" panose="020B0506020203020204"/>
+                <a:cs typeface="PT Sans Narrow" panose="020B0506020203020204"/>
+                <a:sym typeface="PT Sans Narrow" panose="020B0506020203020204"/>
+              </a:rPr>
+              <a:t>API</a:t>
+            </a:r>
+            <a:r>
+              <a:rPr lang="zh-CN" altLang="en-US" b="1">
+                <a:solidFill>
+                  <a:schemeClr val="accent1"/>
+                </a:solidFill>
+                <a:latin typeface="PT Sans Narrow" panose="020B0506020203020204"/>
+                <a:ea typeface="PT Sans Narrow" panose="020B0506020203020204"/>
+                <a:cs typeface="PT Sans Narrow" panose="020B0506020203020204"/>
+                <a:sym typeface="PT Sans Narrow" panose="020B0506020203020204"/>
+              </a:rPr>
+              <a:t>类别</a:t>
+            </a:r>
+            <a:endParaRPr sz="3600" b="1" i="0" u="none" strike="noStrike" cap="none">
+              <a:solidFill>
+                <a:schemeClr val="accent1"/>
+              </a:solidFill>
+              <a:latin typeface="PT Sans Narrow" panose="020B0506020203020204"/>
+              <a:ea typeface="PT Sans Narrow" panose="020B0506020203020204"/>
+              <a:cs typeface="PT Sans Narrow" panose="020B0506020203020204"/>
+              <a:sym typeface="PT Sans Narrow" panose="020B0506020203020204"/>
+            </a:endParaRPr>
+          </a:p>
+        </p:txBody>
+      </p:sp>
+      <p:graphicFrame>
+        <p:nvGraphicFramePr>
+          <p:cNvPr id="6" name="Table 5">
+            <a:extLst>
+              <a:ext uri="{FF2B5EF4-FFF2-40B4-BE49-F238E27FC236}">
+                <a16:creationId xmlns:a16="http://schemas.microsoft.com/office/drawing/2014/main" id="{F707770B-D15F-8E46-8189-ABF97909803E}"/>
+              </a:ext>
+            </a:extLst>
+          </p:cNvPr>
+          <p:cNvGraphicFramePr>
+            <a:graphicFrameLocks noGrp="1"/>
+          </p:cNvGraphicFramePr>
+          <p:nvPr>
+            <p:extLst>
+              <p:ext uri="{D42A27DB-BD31-4B8C-83A1-F6EECF244321}">
+                <p14:modId xmlns:p14="http://schemas.microsoft.com/office/powerpoint/2010/main" val="1871742705"/>
+              </p:ext>
+            </p:extLst>
+          </p:nvPr>
+        </p:nvGraphicFramePr>
+        <p:xfrm>
+          <a:off x="436418" y="1261570"/>
+          <a:ext cx="8395882" cy="2920700"/>
+        </p:xfrm>
+        <a:graphic>
+          <a:graphicData uri="http://schemas.openxmlformats.org/drawingml/2006/table">
+            <a:tbl>
+              <a:tblPr/>
+              <a:tblGrid>
+                <a:gridCol w="1704492">
+                  <a:extLst>
+                    <a:ext uri="{9D8B030D-6E8A-4147-A177-3AD203B41FA5}">
+                      <a16:colId xmlns:a16="http://schemas.microsoft.com/office/drawing/2014/main" val="2720351466"/>
+                    </a:ext>
+                  </a:extLst>
+                </a:gridCol>
+                <a:gridCol w="6691390">
+                  <a:extLst>
+                    <a:ext uri="{9D8B030D-6E8A-4147-A177-3AD203B41FA5}">
+                      <a16:colId xmlns:a16="http://schemas.microsoft.com/office/drawing/2014/main" val="287625885"/>
+                    </a:ext>
+                  </a:extLst>
+                </a:gridCol>
+              </a:tblGrid>
+              <a:tr h="233146">
+                <a:tc>
+                  <a:txBody>
+                    <a:bodyPr/>
+                    <a:lstStyle/>
+                    <a:p>
+                      <a:r>
+                        <a:rPr lang="zh-CN" altLang="en-US" sz="1000" b="1">
+                          <a:solidFill>
+                            <a:schemeClr val="bg2">
+                              <a:lumMod val="50000"/>
+                            </a:schemeClr>
+                          </a:solidFill>
+                          <a:effectLst/>
+                        </a:rPr>
+                        <a:t>类型</a:t>
+                      </a:r>
+                    </a:p>
+                  </a:txBody>
+                  <a:tcPr marL="88108" marR="88108" marT="40665" marB="40665" anchor="ctr">
+                    <a:lnL w="9525" cap="flat" cmpd="sng" algn="ctr">
+                      <a:solidFill>
+                        <a:srgbClr val="DFE2E5"/>
+                      </a:solidFill>
+                      <a:prstDash val="solid"/>
+                      <a:round/>
+                      <a:headEnd type="none" w="med" len="med"/>
+                      <a:tailEnd type="none" w="med" len="med"/>
+                    </a:lnL>
+                    <a:lnR w="9525" cap="flat" cmpd="sng" algn="ctr">
+                      <a:solidFill>
+                        <a:srgbClr val="DFE2E5"/>
+                      </a:solidFill>
+                      <a:prstDash val="solid"/>
+                      <a:round/>
+                      <a:headEnd type="none" w="med" len="med"/>
+                      <a:tailEnd type="none" w="med" len="med"/>
+                    </a:lnR>
+                    <a:lnT w="9525" cap="flat" cmpd="sng" algn="ctr">
+                      <a:solidFill>
+                        <a:srgbClr val="DFE2E5"/>
+                      </a:solidFill>
+                      <a:prstDash val="solid"/>
+                      <a:round/>
+                      <a:headEnd type="none" w="med" len="med"/>
+                      <a:tailEnd type="none" w="med" len="med"/>
+                    </a:lnT>
+                    <a:lnB w="9525" cap="flat" cmpd="sng" algn="ctr">
+                      <a:solidFill>
+                        <a:srgbClr val="DFE2E5"/>
+                      </a:solidFill>
+                      <a:prstDash val="solid"/>
+                      <a:round/>
+                      <a:headEnd type="none" w="med" len="med"/>
+                      <a:tailEnd type="none" w="med" len="med"/>
+                    </a:lnB>
+                    <a:solidFill>
+                      <a:srgbClr val="FFFFFF"/>
+                    </a:solidFill>
+                  </a:tcPr>
+                </a:tc>
+                <a:tc>
+                  <a:txBody>
+                    <a:bodyPr/>
+                    <a:lstStyle/>
+                    <a:p>
+                      <a:r>
+                        <a:rPr lang="zh-CN" altLang="en-US" sz="1000" b="1">
+                          <a:solidFill>
+                            <a:schemeClr val="bg2">
+                              <a:lumMod val="50000"/>
+                            </a:schemeClr>
+                          </a:solidFill>
+                          <a:effectLst/>
+                        </a:rPr>
+                        <a:t>说明</a:t>
+                      </a:r>
+                    </a:p>
+                  </a:txBody>
+                  <a:tcPr marL="88108" marR="88108" marT="40665" marB="40665" anchor="ctr">
+                    <a:lnL w="9525" cap="flat" cmpd="sng" algn="ctr">
+                      <a:solidFill>
+                        <a:srgbClr val="DFE2E5"/>
+                      </a:solidFill>
+                      <a:prstDash val="solid"/>
+                      <a:round/>
+                      <a:headEnd type="none" w="med" len="med"/>
+                      <a:tailEnd type="none" w="med" len="med"/>
+                    </a:lnL>
+                    <a:lnR w="9525" cap="flat" cmpd="sng" algn="ctr">
+                      <a:solidFill>
+                        <a:srgbClr val="DFE2E5"/>
+                      </a:solidFill>
+                      <a:prstDash val="solid"/>
+                      <a:round/>
+                      <a:headEnd type="none" w="med" len="med"/>
+                      <a:tailEnd type="none" w="med" len="med"/>
+                    </a:lnR>
+                    <a:lnT w="9525" cap="flat" cmpd="sng" algn="ctr">
+                      <a:solidFill>
+                        <a:srgbClr val="DFE2E5"/>
+                      </a:solidFill>
+                      <a:prstDash val="solid"/>
+                      <a:round/>
+                      <a:headEnd type="none" w="med" len="med"/>
+                      <a:tailEnd type="none" w="med" len="med"/>
+                    </a:lnT>
+                    <a:lnB w="9525" cap="flat" cmpd="sng" algn="ctr">
+                      <a:solidFill>
+                        <a:srgbClr val="DFE2E5"/>
+                      </a:solidFill>
+                      <a:prstDash val="solid"/>
+                      <a:round/>
+                      <a:headEnd type="none" w="med" len="med"/>
+                      <a:tailEnd type="none" w="med" len="med"/>
+                    </a:lnB>
+                    <a:solidFill>
+                      <a:srgbClr val="FFFFFF"/>
+                    </a:solidFill>
+                  </a:tcPr>
+                </a:tc>
+                <a:extLst>
+                  <a:ext uri="{0D108BD9-81ED-4DB2-BD59-A6C34878D82A}">
+                    <a16:rowId xmlns:a16="http://schemas.microsoft.com/office/drawing/2014/main" val="3776733704"/>
+                  </a:ext>
+                </a:extLst>
+              </a:tr>
+              <a:tr h="513609">
+                <a:tc>
+                  <a:txBody>
+                    <a:bodyPr/>
+                    <a:lstStyle/>
+                    <a:p>
+                      <a:r>
+                        <a:rPr lang="en-US" sz="1000">
+                          <a:solidFill>
+                            <a:schemeClr val="bg2">
+                              <a:lumMod val="50000"/>
+                            </a:schemeClr>
+                          </a:solidFill>
+                          <a:effectLst/>
+                        </a:rPr>
+                        <a:t>rpc</a:t>
+                      </a:r>
+                    </a:p>
+                  </a:txBody>
+                  <a:tcPr marL="88108" marR="88108" marT="40665" marB="40665" anchor="ctr">
+                    <a:lnL w="9525" cap="flat" cmpd="sng" algn="ctr">
+                      <a:solidFill>
+                        <a:srgbClr val="DFE2E5"/>
+                      </a:solidFill>
+                      <a:prstDash val="solid"/>
+                      <a:round/>
+                      <a:headEnd type="none" w="med" len="med"/>
+                      <a:tailEnd type="none" w="med" len="med"/>
+                    </a:lnL>
+                    <a:lnR w="9525" cap="flat" cmpd="sng" algn="ctr">
+                      <a:solidFill>
+                        <a:srgbClr val="DFE2E5"/>
+                      </a:solidFill>
+                      <a:prstDash val="solid"/>
+                      <a:round/>
+                      <a:headEnd type="none" w="med" len="med"/>
+                      <a:tailEnd type="none" w="med" len="med"/>
+                    </a:lnR>
+                    <a:lnT w="9525" cap="flat" cmpd="sng" algn="ctr">
+                      <a:solidFill>
+                        <a:srgbClr val="DFE2E5"/>
+                      </a:solidFill>
+                      <a:prstDash val="solid"/>
+                      <a:round/>
+                      <a:headEnd type="none" w="med" len="med"/>
+                      <a:tailEnd type="none" w="med" len="med"/>
+                    </a:lnT>
+                    <a:lnB w="9525" cap="flat" cmpd="sng" algn="ctr">
+                      <a:solidFill>
+                        <a:srgbClr val="DFE2E5"/>
+                      </a:solidFill>
+                      <a:prstDash val="solid"/>
+                      <a:round/>
+                      <a:headEnd type="none" w="med" len="med"/>
+                      <a:tailEnd type="none" w="med" len="med"/>
+                    </a:lnB>
+                    <a:solidFill>
+                      <a:srgbClr val="FFFFFF"/>
+                    </a:solidFill>
+                  </a:tcPr>
+                </a:tc>
+                <a:tc>
+                  <a:txBody>
+                    <a:bodyPr/>
+                    <a:lstStyle/>
+                    <a:p>
+                      <a:r>
+                        <a:rPr lang="zh-CN" altLang="en-US" sz="1000">
+                          <a:solidFill>
+                            <a:schemeClr val="bg2">
+                              <a:lumMod val="50000"/>
+                            </a:schemeClr>
+                          </a:solidFill>
+                          <a:effectLst/>
+                        </a:rPr>
+                        <a:t>通过</a:t>
+                      </a:r>
+                      <a:r>
+                        <a:rPr lang="en-US" sz="1000">
+                          <a:solidFill>
+                            <a:schemeClr val="bg2">
+                              <a:lumMod val="50000"/>
+                            </a:schemeClr>
+                          </a:solidFill>
+                          <a:effectLst/>
+                        </a:rPr>
+                        <a:t>RPC</a:t>
+                      </a:r>
+                      <a:r>
+                        <a:rPr lang="zh-CN" altLang="en-US" sz="1000">
+                          <a:solidFill>
+                            <a:schemeClr val="bg2">
+                              <a:lumMod val="50000"/>
+                            </a:schemeClr>
+                          </a:solidFill>
+                          <a:effectLst/>
+                        </a:rPr>
+                        <a:t>向</a:t>
+                      </a:r>
+                      <a:r>
+                        <a:rPr lang="en-US" sz="1000">
+                          <a:solidFill>
+                            <a:schemeClr val="bg2">
+                              <a:lumMod val="50000"/>
+                            </a:schemeClr>
+                          </a:solidFill>
+                          <a:effectLst/>
+                        </a:rPr>
+                        <a:t>go-micro</a:t>
+                      </a:r>
+                      <a:r>
+                        <a:rPr lang="zh-CN" altLang="en-US" sz="1000">
+                          <a:solidFill>
+                            <a:schemeClr val="bg2">
+                              <a:lumMod val="50000"/>
+                            </a:schemeClr>
+                          </a:solidFill>
+                          <a:effectLst/>
+                        </a:rPr>
+                        <a:t>应用转送请求，只接收</a:t>
+                      </a:r>
+                      <a:r>
+                        <a:rPr lang="en-US" sz="1000">
+                          <a:solidFill>
+                            <a:schemeClr val="bg2">
+                              <a:lumMod val="50000"/>
+                            </a:schemeClr>
+                          </a:solidFill>
+                          <a:effectLst/>
+                        </a:rPr>
+                        <a:t>GET</a:t>
+                      </a:r>
+                      <a:r>
+                        <a:rPr lang="zh-CN" altLang="en-US" sz="1000">
+                          <a:solidFill>
+                            <a:schemeClr val="bg2">
+                              <a:lumMod val="50000"/>
+                            </a:schemeClr>
+                          </a:solidFill>
+                          <a:effectLst/>
+                        </a:rPr>
+                        <a:t>和</a:t>
+                      </a:r>
+                      <a:r>
+                        <a:rPr lang="en-US" sz="1000">
+                          <a:solidFill>
+                            <a:schemeClr val="bg2">
+                              <a:lumMod val="50000"/>
+                            </a:schemeClr>
+                          </a:solidFill>
+                          <a:effectLst/>
+                        </a:rPr>
+                        <a:t>POST</a:t>
+                      </a:r>
+                      <a:r>
+                        <a:rPr lang="zh-CN" altLang="en-US" sz="1000">
+                          <a:solidFill>
+                            <a:schemeClr val="bg2">
+                              <a:lumMod val="50000"/>
+                            </a:schemeClr>
+                          </a:solidFill>
+                          <a:effectLst/>
+                        </a:rPr>
+                        <a:t>请求，</a:t>
+                      </a:r>
+                      <a:r>
+                        <a:rPr lang="en-US" sz="1000">
+                          <a:solidFill>
+                            <a:schemeClr val="bg2">
+                              <a:lumMod val="50000"/>
+                            </a:schemeClr>
+                          </a:solidFill>
+                          <a:effectLst/>
+                        </a:rPr>
+                        <a:t>GET</a:t>
+                      </a:r>
+                      <a:r>
+                        <a:rPr lang="zh-CN" altLang="en-US" sz="1000">
+                          <a:solidFill>
+                            <a:schemeClr val="bg2">
+                              <a:lumMod val="50000"/>
+                            </a:schemeClr>
+                          </a:solidFill>
+                          <a:effectLst/>
+                        </a:rPr>
+                        <a:t>转发</a:t>
+                      </a:r>
+                      <a:r>
+                        <a:rPr lang="en-US" sz="1000">
+                          <a:solidFill>
+                            <a:schemeClr val="bg2">
+                              <a:lumMod val="50000"/>
+                            </a:schemeClr>
+                          </a:solidFill>
+                          <a:effectLst/>
+                        </a:rPr>
+                        <a:t>RawQuery，POST</a:t>
+                      </a:r>
+                      <a:r>
+                        <a:rPr lang="zh-CN" altLang="en-US" sz="1000">
+                          <a:solidFill>
+                            <a:schemeClr val="bg2">
+                              <a:lumMod val="50000"/>
+                            </a:schemeClr>
+                          </a:solidFill>
+                          <a:effectLst/>
+                        </a:rPr>
+                        <a:t>转发</a:t>
+                      </a:r>
+                      <a:r>
+                        <a:rPr lang="en-US" sz="1000">
+                          <a:solidFill>
+                            <a:schemeClr val="bg2">
+                              <a:lumMod val="50000"/>
+                            </a:schemeClr>
+                          </a:solidFill>
+                          <a:effectLst/>
+                        </a:rPr>
+                        <a:t>Body</a:t>
+                      </a:r>
+                    </a:p>
+                  </a:txBody>
+                  <a:tcPr marL="88108" marR="88108" marT="40665" marB="40665" anchor="ctr">
+                    <a:lnL w="9525" cap="flat" cmpd="sng" algn="ctr">
+                      <a:solidFill>
+                        <a:srgbClr val="DFE2E5"/>
+                      </a:solidFill>
+                      <a:prstDash val="solid"/>
+                      <a:round/>
+                      <a:headEnd type="none" w="med" len="med"/>
+                      <a:tailEnd type="none" w="med" len="med"/>
+                    </a:lnL>
+                    <a:lnR w="9525" cap="flat" cmpd="sng" algn="ctr">
+                      <a:solidFill>
+                        <a:srgbClr val="DFE2E5"/>
+                      </a:solidFill>
+                      <a:prstDash val="solid"/>
+                      <a:round/>
+                      <a:headEnd type="none" w="med" len="med"/>
+                      <a:tailEnd type="none" w="med" len="med"/>
+                    </a:lnR>
+                    <a:lnT w="9525" cap="flat" cmpd="sng" algn="ctr">
+                      <a:solidFill>
+                        <a:srgbClr val="DFE2E5"/>
+                      </a:solidFill>
+                      <a:prstDash val="solid"/>
+                      <a:round/>
+                      <a:headEnd type="none" w="med" len="med"/>
+                      <a:tailEnd type="none" w="med" len="med"/>
+                    </a:lnT>
+                    <a:lnB w="9525" cap="flat" cmpd="sng" algn="ctr">
+                      <a:solidFill>
+                        <a:srgbClr val="DFE2E5"/>
+                      </a:solidFill>
+                      <a:prstDash val="solid"/>
+                      <a:round/>
+                      <a:headEnd type="none" w="med" len="med"/>
+                      <a:tailEnd type="none" w="med" len="med"/>
+                    </a:lnB>
+                    <a:solidFill>
+                      <a:srgbClr val="FFFFFF"/>
+                    </a:solidFill>
+                  </a:tcPr>
+                </a:tc>
+                <a:extLst>
+                  <a:ext uri="{0D108BD9-81ED-4DB2-BD59-A6C34878D82A}">
+                    <a16:rowId xmlns:a16="http://schemas.microsoft.com/office/drawing/2014/main" val="38277175"/>
+                  </a:ext>
+                </a:extLst>
+              </a:tr>
+              <a:tr h="536778">
+                <a:tc>
+                  <a:txBody>
+                    <a:bodyPr/>
+                    <a:lstStyle/>
+                    <a:p>
+                      <a:r>
+                        <a:rPr lang="en-US" sz="1000">
+                          <a:solidFill>
+                            <a:schemeClr val="bg2">
+                              <a:lumMod val="50000"/>
+                            </a:schemeClr>
+                          </a:solidFill>
+                          <a:effectLst/>
+                        </a:rPr>
+                        <a:t>api</a:t>
+                      </a:r>
+                    </a:p>
+                  </a:txBody>
+                  <a:tcPr marL="88108" marR="88108" marT="40665" marB="40665" anchor="ctr">
+                    <a:lnL w="9525" cap="flat" cmpd="sng" algn="ctr">
+                      <a:solidFill>
+                        <a:srgbClr val="DFE2E5"/>
+                      </a:solidFill>
+                      <a:prstDash val="solid"/>
+                      <a:round/>
+                      <a:headEnd type="none" w="med" len="med"/>
+                      <a:tailEnd type="none" w="med" len="med"/>
+                    </a:lnL>
+                    <a:lnR w="9525" cap="flat" cmpd="sng" algn="ctr">
+                      <a:solidFill>
+                        <a:srgbClr val="DFE2E5"/>
+                      </a:solidFill>
+                      <a:prstDash val="solid"/>
+                      <a:round/>
+                      <a:headEnd type="none" w="med" len="med"/>
+                      <a:tailEnd type="none" w="med" len="med"/>
+                    </a:lnR>
+                    <a:lnT w="9525" cap="flat" cmpd="sng" algn="ctr">
+                      <a:solidFill>
+                        <a:srgbClr val="DFE2E5"/>
+                      </a:solidFill>
+                      <a:prstDash val="solid"/>
+                      <a:round/>
+                      <a:headEnd type="none" w="med" len="med"/>
+                      <a:tailEnd type="none" w="med" len="med"/>
+                    </a:lnT>
+                    <a:lnB w="9525" cap="flat" cmpd="sng" algn="ctr">
+                      <a:solidFill>
+                        <a:srgbClr val="DFE2E5"/>
+                      </a:solidFill>
+                      <a:prstDash val="solid"/>
+                      <a:round/>
+                      <a:headEnd type="none" w="med" len="med"/>
+                      <a:tailEnd type="none" w="med" len="med"/>
+                    </a:lnB>
+                    <a:solidFill>
+                      <a:srgbClr val="F6F8FA"/>
+                    </a:solidFill>
+                  </a:tcPr>
+                </a:tc>
+                <a:tc>
+                  <a:txBody>
+                    <a:bodyPr/>
+                    <a:lstStyle/>
+                    <a:p>
+                      <a:r>
+                        <a:rPr lang="zh-CN" altLang="en-US" sz="1000">
+                          <a:solidFill>
+                            <a:schemeClr val="bg2">
+                              <a:lumMod val="50000"/>
+                            </a:schemeClr>
+                          </a:solidFill>
+                          <a:effectLst/>
+                        </a:rPr>
+                        <a:t>与</a:t>
+                      </a:r>
+                      <a:r>
+                        <a:rPr lang="en-US" sz="1000">
+                          <a:solidFill>
+                            <a:schemeClr val="bg2">
+                              <a:lumMod val="50000"/>
+                            </a:schemeClr>
+                          </a:solidFill>
+                          <a:effectLst/>
+                        </a:rPr>
+                        <a:t>rpc</a:t>
+                      </a:r>
+                      <a:r>
+                        <a:rPr lang="zh-CN" altLang="en-US" sz="1000">
+                          <a:solidFill>
+                            <a:schemeClr val="bg2">
+                              <a:lumMod val="50000"/>
+                            </a:schemeClr>
+                          </a:solidFill>
+                          <a:effectLst/>
+                        </a:rPr>
+                        <a:t>差不多，但是会把完整的</a:t>
+                      </a:r>
+                      <a:r>
+                        <a:rPr lang="en-US" sz="1000">
+                          <a:solidFill>
+                            <a:schemeClr val="bg2">
+                              <a:lumMod val="50000"/>
+                            </a:schemeClr>
+                          </a:solidFill>
+                          <a:effectLst/>
+                        </a:rPr>
+                        <a:t>http</a:t>
+                      </a:r>
+                      <a:r>
+                        <a:rPr lang="zh-CN" altLang="en-US" sz="1000">
+                          <a:solidFill>
+                            <a:schemeClr val="bg2">
+                              <a:lumMod val="50000"/>
+                            </a:schemeClr>
+                          </a:solidFill>
+                          <a:effectLst/>
+                        </a:rPr>
+                        <a:t>头封装向下传送，不限制请求方法</a:t>
+                      </a:r>
+                    </a:p>
+                  </a:txBody>
+                  <a:tcPr marL="88108" marR="88108" marT="40665" marB="40665" anchor="ctr">
+                    <a:lnL w="9525" cap="flat" cmpd="sng" algn="ctr">
+                      <a:solidFill>
+                        <a:srgbClr val="DFE2E5"/>
+                      </a:solidFill>
+                      <a:prstDash val="solid"/>
+                      <a:round/>
+                      <a:headEnd type="none" w="med" len="med"/>
+                      <a:tailEnd type="none" w="med" len="med"/>
+                    </a:lnL>
+                    <a:lnR w="9525" cap="flat" cmpd="sng" algn="ctr">
+                      <a:solidFill>
+                        <a:srgbClr val="DFE2E5"/>
+                      </a:solidFill>
+                      <a:prstDash val="solid"/>
+                      <a:round/>
+                      <a:headEnd type="none" w="med" len="med"/>
+                      <a:tailEnd type="none" w="med" len="med"/>
+                    </a:lnR>
+                    <a:lnT w="9525" cap="flat" cmpd="sng" algn="ctr">
+                      <a:solidFill>
+                        <a:srgbClr val="DFE2E5"/>
+                      </a:solidFill>
+                      <a:prstDash val="solid"/>
+                      <a:round/>
+                      <a:headEnd type="none" w="med" len="med"/>
+                      <a:tailEnd type="none" w="med" len="med"/>
+                    </a:lnT>
+                    <a:lnB w="9525" cap="flat" cmpd="sng" algn="ctr">
+                      <a:solidFill>
+                        <a:srgbClr val="DFE2E5"/>
+                      </a:solidFill>
+                      <a:prstDash val="solid"/>
+                      <a:round/>
+                      <a:headEnd type="none" w="med" len="med"/>
+                      <a:tailEnd type="none" w="med" len="med"/>
+                    </a:lnB>
+                    <a:solidFill>
+                      <a:srgbClr val="F6F8FA"/>
+                    </a:solidFill>
+                  </a:tcPr>
+                </a:tc>
+                <a:extLst>
+                  <a:ext uri="{0D108BD9-81ED-4DB2-BD59-A6C34878D82A}">
+                    <a16:rowId xmlns:a16="http://schemas.microsoft.com/office/drawing/2014/main" val="3878520737"/>
+                  </a:ext>
+                </a:extLst>
+              </a:tr>
+              <a:tr h="688594">
+                <a:tc>
+                  <a:txBody>
+                    <a:bodyPr/>
+                    <a:lstStyle/>
+                    <a:p>
+                      <a:r>
+                        <a:rPr lang="en-US" sz="1000">
+                          <a:solidFill>
+                            <a:schemeClr val="bg2">
+                              <a:lumMod val="50000"/>
+                            </a:schemeClr>
+                          </a:solidFill>
+                          <a:effectLst/>
+                        </a:rPr>
+                        <a:t>http</a:t>
+                      </a:r>
+                      <a:r>
+                        <a:rPr lang="en-US" altLang="zh-CN" sz="1000">
+                          <a:solidFill>
+                            <a:schemeClr val="bg2">
+                              <a:lumMod val="50000"/>
+                            </a:schemeClr>
+                          </a:solidFill>
+                          <a:effectLst/>
+                        </a:rPr>
+                        <a:t>/</a:t>
+                      </a:r>
+                      <a:r>
+                        <a:rPr lang="en-US" sz="1000">
+                          <a:solidFill>
+                            <a:schemeClr val="bg2">
+                              <a:lumMod val="50000"/>
+                            </a:schemeClr>
+                          </a:solidFill>
+                          <a:effectLst/>
+                        </a:rPr>
+                        <a:t>proxy</a:t>
+                      </a:r>
+                      <a:r>
+                        <a:rPr lang="zh-CN" altLang="en-US" sz="1000">
+                          <a:solidFill>
+                            <a:schemeClr val="bg2">
+                              <a:lumMod val="50000"/>
+                            </a:schemeClr>
+                          </a:solidFill>
+                          <a:effectLst/>
+                        </a:rPr>
+                        <a:t>，</a:t>
+                      </a:r>
+                      <a:r>
+                        <a:rPr lang="en-US" altLang="zh-CN" sz="1000">
+                          <a:solidFill>
+                            <a:schemeClr val="bg2">
+                              <a:lumMod val="50000"/>
+                            </a:schemeClr>
+                          </a:solidFill>
+                          <a:effectLst/>
+                        </a:rPr>
+                        <a:t>web</a:t>
+                      </a:r>
+                      <a:endParaRPr lang="en-US" sz="1000">
+                        <a:solidFill>
+                          <a:schemeClr val="bg2">
+                            <a:lumMod val="50000"/>
+                          </a:schemeClr>
+                        </a:solidFill>
+                        <a:effectLst/>
+                      </a:endParaRPr>
+                    </a:p>
+                  </a:txBody>
+                  <a:tcPr marL="88108" marR="88108" marT="40665" marB="40665" anchor="ctr">
+                    <a:lnL w="9525" cap="flat" cmpd="sng" algn="ctr">
+                      <a:solidFill>
+                        <a:srgbClr val="DFE2E5"/>
+                      </a:solidFill>
+                      <a:prstDash val="solid"/>
+                      <a:round/>
+                      <a:headEnd type="none" w="med" len="med"/>
+                      <a:tailEnd type="none" w="med" len="med"/>
+                    </a:lnL>
+                    <a:lnR w="9525" cap="flat" cmpd="sng" algn="ctr">
+                      <a:solidFill>
+                        <a:srgbClr val="DFE2E5"/>
+                      </a:solidFill>
+                      <a:prstDash val="solid"/>
+                      <a:round/>
+                      <a:headEnd type="none" w="med" len="med"/>
+                      <a:tailEnd type="none" w="med" len="med"/>
+                    </a:lnR>
+                    <a:lnT w="9525" cap="flat" cmpd="sng" algn="ctr">
+                      <a:solidFill>
+                        <a:srgbClr val="DFE2E5"/>
+                      </a:solidFill>
+                      <a:prstDash val="solid"/>
+                      <a:round/>
+                      <a:headEnd type="none" w="med" len="med"/>
+                      <a:tailEnd type="none" w="med" len="med"/>
+                    </a:lnT>
+                    <a:lnB w="9525" cap="flat" cmpd="sng" algn="ctr">
+                      <a:solidFill>
+                        <a:srgbClr val="DFE2E5"/>
+                      </a:solidFill>
+                      <a:prstDash val="solid"/>
+                      <a:round/>
+                      <a:headEnd type="none" w="med" len="med"/>
+                      <a:tailEnd type="none" w="med" len="med"/>
+                    </a:lnB>
+                    <a:solidFill>
+                      <a:srgbClr val="FFFFFF"/>
+                    </a:solidFill>
+                  </a:tcPr>
+                </a:tc>
+                <a:tc>
+                  <a:txBody>
+                    <a:bodyPr/>
+                    <a:lstStyle/>
+                    <a:p>
+                      <a:r>
+                        <a:rPr lang="zh-CN" altLang="en-US" sz="1000">
+                          <a:solidFill>
+                            <a:schemeClr val="bg2">
+                              <a:lumMod val="50000"/>
+                            </a:schemeClr>
+                          </a:solidFill>
+                          <a:effectLst/>
+                        </a:rPr>
+                        <a:t>以反向代理的方式使用</a:t>
+                      </a:r>
+                      <a:r>
+                        <a:rPr lang="en-US" sz="1000" b="1">
+                          <a:solidFill>
+                            <a:schemeClr val="bg2">
+                              <a:lumMod val="50000"/>
+                            </a:schemeClr>
+                          </a:solidFill>
+                          <a:effectLst/>
+                        </a:rPr>
+                        <a:t>API</a:t>
+                      </a:r>
+                      <a:r>
+                        <a:rPr lang="en-US" sz="1000">
+                          <a:solidFill>
+                            <a:schemeClr val="bg2">
+                              <a:lumMod val="50000"/>
+                            </a:schemeClr>
+                          </a:solidFill>
+                          <a:effectLst/>
+                        </a:rPr>
+                        <a:t>，</a:t>
+                      </a:r>
+                      <a:r>
+                        <a:rPr lang="zh-CN" altLang="en-US" sz="1000">
+                          <a:solidFill>
+                            <a:schemeClr val="bg2">
+                              <a:lumMod val="50000"/>
+                            </a:schemeClr>
+                          </a:solidFill>
+                          <a:effectLst/>
+                        </a:rPr>
+                        <a:t>相当于把普通的</a:t>
+                      </a:r>
+                      <a:r>
+                        <a:rPr lang="en-US" sz="1000">
+                          <a:solidFill>
+                            <a:schemeClr val="bg2">
+                              <a:lumMod val="50000"/>
+                            </a:schemeClr>
+                          </a:solidFill>
+                          <a:effectLst/>
+                        </a:rPr>
+                        <a:t>web</a:t>
+                      </a:r>
+                      <a:r>
+                        <a:rPr lang="zh-CN" altLang="en-US" sz="1000">
+                          <a:solidFill>
+                            <a:schemeClr val="bg2">
+                              <a:lumMod val="50000"/>
+                            </a:schemeClr>
+                          </a:solidFill>
+                          <a:effectLst/>
+                        </a:rPr>
+                        <a:t>应用部署在</a:t>
+                      </a:r>
+                      <a:r>
+                        <a:rPr lang="en-US" sz="1000" b="1">
+                          <a:solidFill>
+                            <a:schemeClr val="bg2">
+                              <a:lumMod val="50000"/>
+                            </a:schemeClr>
+                          </a:solidFill>
+                          <a:effectLst/>
+                        </a:rPr>
+                        <a:t>API</a:t>
+                      </a:r>
+                      <a:r>
+                        <a:rPr lang="zh-CN" altLang="en-US" sz="1000">
+                          <a:solidFill>
+                            <a:schemeClr val="bg2">
+                              <a:lumMod val="50000"/>
+                            </a:schemeClr>
+                          </a:solidFill>
+                          <a:effectLst/>
+                        </a:rPr>
+                        <a:t>之后，让外界像调</a:t>
+                      </a:r>
+                      <a:r>
+                        <a:rPr lang="en-US" sz="1000">
+                          <a:solidFill>
+                            <a:schemeClr val="bg2">
+                              <a:lumMod val="50000"/>
+                            </a:schemeClr>
+                          </a:solidFill>
+                          <a:effectLst/>
+                        </a:rPr>
+                        <a:t>api</a:t>
+                      </a:r>
+                      <a:r>
+                        <a:rPr lang="zh-CN" altLang="en-US" sz="1000">
+                          <a:solidFill>
+                            <a:schemeClr val="bg2">
+                              <a:lumMod val="50000"/>
+                            </a:schemeClr>
+                          </a:solidFill>
+                          <a:effectLst/>
+                        </a:rPr>
+                        <a:t>接口一样调用</a:t>
+                      </a:r>
+                      <a:r>
+                        <a:rPr lang="en-US" sz="1000">
+                          <a:solidFill>
+                            <a:schemeClr val="bg2">
+                              <a:lumMod val="50000"/>
+                            </a:schemeClr>
+                          </a:solidFill>
+                          <a:effectLst/>
+                        </a:rPr>
+                        <a:t>web</a:t>
+                      </a:r>
+                      <a:r>
+                        <a:rPr lang="zh-CN" altLang="en-US" sz="1000">
+                          <a:solidFill>
+                            <a:schemeClr val="bg2">
+                              <a:lumMod val="50000"/>
+                            </a:schemeClr>
+                          </a:solidFill>
+                          <a:effectLst/>
+                        </a:rPr>
+                        <a:t>服务，</a:t>
+                      </a:r>
+                      <a:r>
+                        <a:rPr lang="en-US" altLang="zh-CN" sz="1000">
+                          <a:solidFill>
+                            <a:schemeClr val="bg2">
+                              <a:lumMod val="50000"/>
+                            </a:schemeClr>
+                          </a:solidFill>
+                          <a:effectLst/>
+                        </a:rPr>
+                        <a:t>web</a:t>
+                      </a:r>
+                      <a:r>
+                        <a:rPr lang="zh-CN" altLang="en-US" sz="1000" b="1">
+                          <a:solidFill>
+                            <a:srgbClr val="FF0000"/>
+                          </a:solidFill>
+                          <a:effectLst/>
+                        </a:rPr>
+                        <a:t>显式</a:t>
+                      </a:r>
+                      <a:r>
+                        <a:rPr lang="zh-CN" altLang="en-US" sz="1000">
+                          <a:solidFill>
+                            <a:schemeClr val="bg2">
+                              <a:lumMod val="50000"/>
+                            </a:schemeClr>
+                          </a:solidFill>
+                          <a:effectLst/>
+                        </a:rPr>
+                        <a:t>支持</a:t>
+                      </a:r>
+                      <a:r>
+                        <a:rPr lang="en-US" sz="1000">
+                          <a:solidFill>
+                            <a:schemeClr val="bg2">
+                              <a:lumMod val="50000"/>
+                            </a:schemeClr>
+                          </a:solidFill>
+                          <a:effectLst/>
+                        </a:rPr>
+                        <a:t>websocket</a:t>
+                      </a:r>
+                      <a:endParaRPr lang="zh-CN" altLang="en-US" sz="1000">
+                        <a:solidFill>
+                          <a:schemeClr val="bg2">
+                            <a:lumMod val="50000"/>
+                          </a:schemeClr>
+                        </a:solidFill>
+                        <a:effectLst/>
+                      </a:endParaRPr>
+                    </a:p>
+                  </a:txBody>
+                  <a:tcPr marL="88108" marR="88108" marT="40665" marB="40665" anchor="ctr">
+                    <a:lnL w="9525" cap="flat" cmpd="sng" algn="ctr">
+                      <a:solidFill>
+                        <a:srgbClr val="DFE2E5"/>
+                      </a:solidFill>
+                      <a:prstDash val="solid"/>
+                      <a:round/>
+                      <a:headEnd type="none" w="med" len="med"/>
+                      <a:tailEnd type="none" w="med" len="med"/>
+                    </a:lnL>
+                    <a:lnR w="9525" cap="flat" cmpd="sng" algn="ctr">
+                      <a:solidFill>
+                        <a:srgbClr val="DFE2E5"/>
+                      </a:solidFill>
+                      <a:prstDash val="solid"/>
+                      <a:round/>
+                      <a:headEnd type="none" w="med" len="med"/>
+                      <a:tailEnd type="none" w="med" len="med"/>
+                    </a:lnR>
+                    <a:lnT w="9525" cap="flat" cmpd="sng" algn="ctr">
+                      <a:solidFill>
+                        <a:srgbClr val="DFE2E5"/>
+                      </a:solidFill>
+                      <a:prstDash val="solid"/>
+                      <a:round/>
+                      <a:headEnd type="none" w="med" len="med"/>
+                      <a:tailEnd type="none" w="med" len="med"/>
+                    </a:lnT>
+                    <a:lnB w="9525" cap="flat" cmpd="sng" algn="ctr">
+                      <a:solidFill>
+                        <a:srgbClr val="DFE2E5"/>
+                      </a:solidFill>
+                      <a:prstDash val="solid"/>
+                      <a:round/>
+                      <a:headEnd type="none" w="med" len="med"/>
+                      <a:tailEnd type="none" w="med" len="med"/>
+                    </a:lnB>
+                    <a:solidFill>
+                      <a:srgbClr val="FFFFFF"/>
+                    </a:solidFill>
+                  </a:tcPr>
+                </a:tc>
+                <a:extLst>
+                  <a:ext uri="{0D108BD9-81ED-4DB2-BD59-A6C34878D82A}">
+                    <a16:rowId xmlns:a16="http://schemas.microsoft.com/office/drawing/2014/main" val="559748845"/>
+                  </a:ext>
+                </a:extLst>
+              </a:tr>
+              <a:tr h="384962">
+                <a:tc>
+                  <a:txBody>
+                    <a:bodyPr/>
+                    <a:lstStyle/>
+                    <a:p>
+                      <a:r>
+                        <a:rPr lang="en-US" sz="1000">
+                          <a:solidFill>
+                            <a:schemeClr val="bg2">
+                              <a:lumMod val="50000"/>
+                            </a:schemeClr>
+                          </a:solidFill>
+                          <a:effectLst/>
+                        </a:rPr>
+                        <a:t>web</a:t>
+                      </a:r>
+                    </a:p>
+                  </a:txBody>
+                  <a:tcPr marL="88108" marR="88108" marT="40665" marB="40665" anchor="ctr">
+                    <a:lnL w="9525" cap="flat" cmpd="sng" algn="ctr">
+                      <a:solidFill>
+                        <a:srgbClr val="DFE2E5"/>
+                      </a:solidFill>
+                      <a:prstDash val="solid"/>
+                      <a:round/>
+                      <a:headEnd type="none" w="med" len="med"/>
+                      <a:tailEnd type="none" w="med" len="med"/>
+                    </a:lnL>
+                    <a:lnR w="9525" cap="flat" cmpd="sng" algn="ctr">
+                      <a:solidFill>
+                        <a:srgbClr val="DFE2E5"/>
+                      </a:solidFill>
+                      <a:prstDash val="solid"/>
+                      <a:round/>
+                      <a:headEnd type="none" w="med" len="med"/>
+                      <a:tailEnd type="none" w="med" len="med"/>
+                    </a:lnR>
+                    <a:lnT w="9525" cap="flat" cmpd="sng" algn="ctr">
+                      <a:solidFill>
+                        <a:srgbClr val="DFE2E5"/>
+                      </a:solidFill>
+                      <a:prstDash val="solid"/>
+                      <a:round/>
+                      <a:headEnd type="none" w="med" len="med"/>
+                      <a:tailEnd type="none" w="med" len="med"/>
+                    </a:lnT>
+                    <a:lnB w="9525" cap="flat" cmpd="sng" algn="ctr">
+                      <a:solidFill>
+                        <a:srgbClr val="DFE2E5"/>
+                      </a:solidFill>
+                      <a:prstDash val="solid"/>
+                      <a:round/>
+                      <a:headEnd type="none" w="med" len="med"/>
+                      <a:tailEnd type="none" w="med" len="med"/>
+                    </a:lnB>
+                    <a:solidFill>
+                      <a:srgbClr val="F6F8FA"/>
+                    </a:solidFill>
+                  </a:tcPr>
+                </a:tc>
+                <a:tc>
+                  <a:txBody>
+                    <a:bodyPr/>
+                    <a:lstStyle/>
+                    <a:p>
+                      <a:r>
+                        <a:rPr lang="zh-CN" altLang="en-US" sz="1000">
+                          <a:solidFill>
+                            <a:schemeClr val="bg2">
+                              <a:lumMod val="50000"/>
+                            </a:schemeClr>
+                          </a:solidFill>
+                          <a:effectLst/>
+                        </a:rPr>
+                        <a:t>与</a:t>
+                      </a:r>
+                      <a:r>
+                        <a:rPr lang="en-US" sz="1000">
+                          <a:solidFill>
+                            <a:schemeClr val="bg2">
+                              <a:lumMod val="50000"/>
+                            </a:schemeClr>
+                          </a:solidFill>
+                          <a:effectLst/>
+                        </a:rPr>
+                        <a:t>http</a:t>
+                      </a:r>
+                      <a:r>
+                        <a:rPr lang="zh-CN" altLang="en-US" sz="1000">
+                          <a:solidFill>
+                            <a:schemeClr val="bg2">
+                              <a:lumMod val="50000"/>
+                            </a:schemeClr>
+                          </a:solidFill>
+                          <a:effectLst/>
+                        </a:rPr>
+                        <a:t>差不多，但是支持</a:t>
+                      </a:r>
+                      <a:r>
+                        <a:rPr lang="en-US" sz="1000">
+                          <a:solidFill>
+                            <a:schemeClr val="bg2">
+                              <a:lumMod val="50000"/>
+                            </a:schemeClr>
+                          </a:solidFill>
+                          <a:effectLst/>
+                        </a:rPr>
+                        <a:t>websocket</a:t>
+                      </a:r>
+                    </a:p>
+                  </a:txBody>
+                  <a:tcPr marL="88108" marR="88108" marT="40665" marB="40665" anchor="ctr">
+                    <a:lnL w="9525" cap="flat" cmpd="sng" algn="ctr">
+                      <a:solidFill>
+                        <a:srgbClr val="DFE2E5"/>
+                      </a:solidFill>
+                      <a:prstDash val="solid"/>
+                      <a:round/>
+                      <a:headEnd type="none" w="med" len="med"/>
+                      <a:tailEnd type="none" w="med" len="med"/>
+                    </a:lnL>
+                    <a:lnR w="9525" cap="flat" cmpd="sng" algn="ctr">
+                      <a:solidFill>
+                        <a:srgbClr val="DFE2E5"/>
+                      </a:solidFill>
+                      <a:prstDash val="solid"/>
+                      <a:round/>
+                      <a:headEnd type="none" w="med" len="med"/>
+                      <a:tailEnd type="none" w="med" len="med"/>
+                    </a:lnR>
+                    <a:lnT w="9525" cap="flat" cmpd="sng" algn="ctr">
+                      <a:solidFill>
+                        <a:srgbClr val="DFE2E5"/>
+                      </a:solidFill>
+                      <a:prstDash val="solid"/>
+                      <a:round/>
+                      <a:headEnd type="none" w="med" len="med"/>
+                      <a:tailEnd type="none" w="med" len="med"/>
+                    </a:lnT>
+                    <a:lnB w="9525" cap="flat" cmpd="sng" algn="ctr">
+                      <a:solidFill>
+                        <a:srgbClr val="DFE2E5"/>
+                      </a:solidFill>
+                      <a:prstDash val="solid"/>
+                      <a:round/>
+                      <a:headEnd type="none" w="med" len="med"/>
+                      <a:tailEnd type="none" w="med" len="med"/>
+                    </a:lnB>
+                    <a:solidFill>
+                      <a:srgbClr val="F6F8FA"/>
+                    </a:solidFill>
+                  </a:tcPr>
+                </a:tc>
+                <a:extLst>
+                  <a:ext uri="{0D108BD9-81ED-4DB2-BD59-A6C34878D82A}">
+                    <a16:rowId xmlns:a16="http://schemas.microsoft.com/office/drawing/2014/main" val="1502748980"/>
+                  </a:ext>
+                </a:extLst>
+              </a:tr>
+              <a:tr h="233146">
+                <a:tc>
+                  <a:txBody>
+                    <a:bodyPr/>
+                    <a:lstStyle/>
+                    <a:p>
+                      <a:r>
+                        <a:rPr lang="en-US" sz="1000">
+                          <a:solidFill>
+                            <a:schemeClr val="bg2">
+                              <a:lumMod val="50000"/>
+                            </a:schemeClr>
+                          </a:solidFill>
+                          <a:effectLst/>
+                        </a:rPr>
+                        <a:t>event</a:t>
+                      </a:r>
+                    </a:p>
+                  </a:txBody>
+                  <a:tcPr marL="88108" marR="88108" marT="40665" marB="40665" anchor="ctr">
+                    <a:lnL w="9525" cap="flat" cmpd="sng" algn="ctr">
+                      <a:solidFill>
+                        <a:srgbClr val="DFE2E5"/>
+                      </a:solidFill>
+                      <a:prstDash val="solid"/>
+                      <a:round/>
+                      <a:headEnd type="none" w="med" len="med"/>
+                      <a:tailEnd type="none" w="med" len="med"/>
+                    </a:lnL>
+                    <a:lnR w="9525" cap="flat" cmpd="sng" algn="ctr">
+                      <a:solidFill>
+                        <a:srgbClr val="DFE2E5"/>
+                      </a:solidFill>
+                      <a:prstDash val="solid"/>
+                      <a:round/>
+                      <a:headEnd type="none" w="med" len="med"/>
+                      <a:tailEnd type="none" w="med" len="med"/>
+                    </a:lnR>
+                    <a:lnT w="9525" cap="flat" cmpd="sng" algn="ctr">
+                      <a:solidFill>
+                        <a:srgbClr val="DFE2E5"/>
+                      </a:solidFill>
+                      <a:prstDash val="solid"/>
+                      <a:round/>
+                      <a:headEnd type="none" w="med" len="med"/>
+                      <a:tailEnd type="none" w="med" len="med"/>
+                    </a:lnT>
+                    <a:lnB w="9525" cap="flat" cmpd="sng" algn="ctr">
+                      <a:solidFill>
+                        <a:srgbClr val="DFE2E5"/>
+                      </a:solidFill>
+                      <a:prstDash val="solid"/>
+                      <a:round/>
+                      <a:headEnd type="none" w="med" len="med"/>
+                      <a:tailEnd type="none" w="med" len="med"/>
+                    </a:lnB>
+                    <a:solidFill>
+                      <a:srgbClr val="FFFFFF"/>
+                    </a:solidFill>
+                  </a:tcPr>
+                </a:tc>
+                <a:tc>
+                  <a:txBody>
+                    <a:bodyPr/>
+                    <a:lstStyle/>
+                    <a:p>
+                      <a:r>
+                        <a:rPr lang="zh-CN" altLang="en-US" sz="1000">
+                          <a:solidFill>
+                            <a:schemeClr val="bg2">
+                              <a:lumMod val="50000"/>
+                            </a:schemeClr>
+                          </a:solidFill>
+                          <a:effectLst/>
+                        </a:rPr>
+                        <a:t>代理</a:t>
+                      </a:r>
+                      <a:r>
+                        <a:rPr lang="en-US" sz="1000">
+                          <a:solidFill>
+                            <a:schemeClr val="bg2">
+                              <a:lumMod val="50000"/>
+                            </a:schemeClr>
+                          </a:solidFill>
+                          <a:effectLst/>
+                        </a:rPr>
+                        <a:t>event</a:t>
+                      </a:r>
+                      <a:r>
+                        <a:rPr lang="zh-CN" altLang="en-US" sz="1000">
+                          <a:solidFill>
+                            <a:schemeClr val="bg2">
+                              <a:lumMod val="50000"/>
+                            </a:schemeClr>
+                          </a:solidFill>
+                          <a:effectLst/>
+                        </a:rPr>
+                        <a:t>事件服务类型的请求</a:t>
+                      </a:r>
+                    </a:p>
+                  </a:txBody>
+                  <a:tcPr marL="88108" marR="88108" marT="40665" marB="40665" anchor="ctr">
+                    <a:lnL w="9525" cap="flat" cmpd="sng" algn="ctr">
+                      <a:solidFill>
+                        <a:srgbClr val="DFE2E5"/>
+                      </a:solidFill>
+                      <a:prstDash val="solid"/>
+                      <a:round/>
+                      <a:headEnd type="none" w="med" len="med"/>
+                      <a:tailEnd type="none" w="med" len="med"/>
+                    </a:lnL>
+                    <a:lnR w="9525" cap="flat" cmpd="sng" algn="ctr">
+                      <a:solidFill>
+                        <a:srgbClr val="DFE2E5"/>
+                      </a:solidFill>
+                      <a:prstDash val="solid"/>
+                      <a:round/>
+                      <a:headEnd type="none" w="med" len="med"/>
+                      <a:tailEnd type="none" w="med" len="med"/>
+                    </a:lnR>
+                    <a:lnT w="9525" cap="flat" cmpd="sng" algn="ctr">
+                      <a:solidFill>
+                        <a:srgbClr val="DFE2E5"/>
+                      </a:solidFill>
+                      <a:prstDash val="solid"/>
+                      <a:round/>
+                      <a:headEnd type="none" w="med" len="med"/>
+                      <a:tailEnd type="none" w="med" len="med"/>
+                    </a:lnT>
+                    <a:lnB w="9525" cap="flat" cmpd="sng" algn="ctr">
+                      <a:solidFill>
+                        <a:srgbClr val="DFE2E5"/>
+                      </a:solidFill>
+                      <a:prstDash val="solid"/>
+                      <a:round/>
+                      <a:headEnd type="none" w="med" len="med"/>
+                      <a:tailEnd type="none" w="med" len="med"/>
+                    </a:lnB>
+                    <a:solidFill>
+                      <a:srgbClr val="FFFFFF"/>
+                    </a:solidFill>
+                  </a:tcPr>
+                </a:tc>
+                <a:extLst>
+                  <a:ext uri="{0D108BD9-81ED-4DB2-BD59-A6C34878D82A}">
+                    <a16:rowId xmlns:a16="http://schemas.microsoft.com/office/drawing/2014/main" val="1077917372"/>
+                  </a:ext>
+                </a:extLst>
+              </a:tr>
+              <a:tr h="329297">
+                <a:tc>
+                  <a:txBody>
+                    <a:bodyPr/>
+                    <a:lstStyle/>
+                    <a:p>
+                      <a:r>
+                        <a:rPr lang="en-US" sz="1000">
+                          <a:solidFill>
+                            <a:schemeClr val="bg2">
+                              <a:lumMod val="50000"/>
+                            </a:schemeClr>
+                          </a:solidFill>
+                          <a:effectLst/>
+                        </a:rPr>
+                        <a:t>meta</a:t>
+                      </a:r>
+                    </a:p>
+                  </a:txBody>
+                  <a:tcPr marL="88108" marR="88108" marT="40665" marB="40665" anchor="ctr">
+                    <a:lnL w="9525" cap="flat" cmpd="sng" algn="ctr">
+                      <a:solidFill>
+                        <a:srgbClr val="DFE2E5"/>
+                      </a:solidFill>
+                      <a:prstDash val="solid"/>
+                      <a:round/>
+                      <a:headEnd type="none" w="med" len="med"/>
+                      <a:tailEnd type="none" w="med" len="med"/>
+                    </a:lnL>
+                    <a:lnR w="9525" cap="flat" cmpd="sng" algn="ctr">
+                      <a:solidFill>
+                        <a:srgbClr val="DFE2E5"/>
+                      </a:solidFill>
+                      <a:prstDash val="solid"/>
+                      <a:round/>
+                      <a:headEnd type="none" w="med" len="med"/>
+                      <a:tailEnd type="none" w="med" len="med"/>
+                    </a:lnR>
+                    <a:lnT w="9525" cap="flat" cmpd="sng" algn="ctr">
+                      <a:solidFill>
+                        <a:srgbClr val="DFE2E5"/>
+                      </a:solidFill>
+                      <a:prstDash val="solid"/>
+                      <a:round/>
+                      <a:headEnd type="none" w="med" len="med"/>
+                      <a:tailEnd type="none" w="med" len="med"/>
+                    </a:lnT>
+                    <a:lnB w="9525" cap="flat" cmpd="sng" algn="ctr">
+                      <a:solidFill>
+                        <a:srgbClr val="DFE2E5"/>
+                      </a:solidFill>
+                      <a:prstDash val="solid"/>
+                      <a:round/>
+                      <a:headEnd type="none" w="med" len="med"/>
+                      <a:tailEnd type="none" w="med" len="med"/>
+                    </a:lnB>
+                    <a:solidFill>
+                      <a:srgbClr val="F6F8FA"/>
+                    </a:solidFill>
+                  </a:tcPr>
+                </a:tc>
+                <a:tc>
+                  <a:txBody>
+                    <a:bodyPr/>
+                    <a:lstStyle/>
+                    <a:p>
+                      <a:r>
+                        <a:rPr lang="zh-CN" altLang="en-US" sz="1000">
+                          <a:solidFill>
+                            <a:schemeClr val="bg2">
+                              <a:lumMod val="50000"/>
+                            </a:schemeClr>
+                          </a:solidFill>
+                          <a:effectLst/>
+                        </a:rPr>
+                        <a:t>默认值，元数据，通过在代码中的</a:t>
+                      </a:r>
+                      <a:r>
+                        <a:rPr lang="en-US" sz="1000">
+                          <a:solidFill>
+                            <a:schemeClr val="bg2">
+                              <a:lumMod val="50000"/>
+                            </a:schemeClr>
+                          </a:solidFill>
+                          <a:effectLst/>
+                        </a:rPr>
+                        <a:t>Endpoint</a:t>
+                      </a:r>
+                      <a:r>
+                        <a:rPr lang="zh-CN" altLang="en-US" sz="1000">
+                          <a:solidFill>
+                            <a:schemeClr val="bg2">
+                              <a:lumMod val="50000"/>
+                            </a:schemeClr>
+                          </a:solidFill>
+                          <a:effectLst/>
+                        </a:rPr>
+                        <a:t>配置选择使用上述中的某一个处理器，默认</a:t>
+                      </a:r>
+                      <a:r>
+                        <a:rPr lang="en-US" sz="1000">
+                          <a:solidFill>
+                            <a:schemeClr val="bg2">
+                              <a:lumMod val="50000"/>
+                            </a:schemeClr>
+                          </a:solidFill>
+                          <a:effectLst/>
+                        </a:rPr>
+                        <a:t>RPC</a:t>
+                      </a:r>
+                    </a:p>
+                  </a:txBody>
+                  <a:tcPr marL="88108" marR="88108" marT="40665" marB="40665" anchor="ctr">
+                    <a:lnL w="9525" cap="flat" cmpd="sng" algn="ctr">
+                      <a:solidFill>
+                        <a:srgbClr val="DFE2E5"/>
+                      </a:solidFill>
+                      <a:prstDash val="solid"/>
+                      <a:round/>
+                      <a:headEnd type="none" w="med" len="med"/>
+                      <a:tailEnd type="none" w="med" len="med"/>
+                    </a:lnL>
+                    <a:lnR w="9525" cap="flat" cmpd="sng" algn="ctr">
+                      <a:solidFill>
+                        <a:srgbClr val="DFE2E5"/>
+                      </a:solidFill>
+                      <a:prstDash val="solid"/>
+                      <a:round/>
+                      <a:headEnd type="none" w="med" len="med"/>
+                      <a:tailEnd type="none" w="med" len="med"/>
+                    </a:lnR>
+                    <a:lnT w="9525" cap="flat" cmpd="sng" algn="ctr">
+                      <a:solidFill>
+                        <a:srgbClr val="DFE2E5"/>
+                      </a:solidFill>
+                      <a:prstDash val="solid"/>
+                      <a:round/>
+                      <a:headEnd type="none" w="med" len="med"/>
+                      <a:tailEnd type="none" w="med" len="med"/>
+                    </a:lnT>
+                    <a:lnB w="9525" cap="flat" cmpd="sng" algn="ctr">
+                      <a:solidFill>
+                        <a:srgbClr val="DFE2E5"/>
+                      </a:solidFill>
+                      <a:prstDash val="solid"/>
+                      <a:round/>
+                      <a:headEnd type="none" w="med" len="med"/>
+                      <a:tailEnd type="none" w="med" len="med"/>
+                    </a:lnB>
+                    <a:solidFill>
+                      <a:srgbClr val="F6F8FA"/>
+                    </a:solidFill>
+                  </a:tcPr>
+                </a:tc>
+                <a:extLst>
+                  <a:ext uri="{0D108BD9-81ED-4DB2-BD59-A6C34878D82A}">
+                    <a16:rowId xmlns:a16="http://schemas.microsoft.com/office/drawing/2014/main" val="3880190038"/>
+                  </a:ext>
+                </a:extLst>
+              </a:tr>
+            </a:tbl>
+          </a:graphicData>
+        </a:graphic>
+      </p:graphicFrame>
+    </p:spTree>
+    <p:extLst>
+      <p:ext uri="{BB962C8B-B14F-4D97-AF65-F5344CB8AC3E}">
+        <p14:creationId xmlns:p14="http://schemas.microsoft.com/office/powerpoint/2010/main" val="2572834552"/>
+      </p:ext>
+    </p:extLst>
+  </p:cSld>
+  <p:clrMapOvr>
+    <a:masterClrMapping/>
+  </p:clrMapOvr>
+</p:sld>
+</file>
+
+<file path=ppt/slides/slide11.xml><?xml version="1.0" encoding="utf-8"?>
+<p:sld xmlns:a="http://schemas.openxmlformats.org/drawingml/2006/main" xmlns:r="http://schemas.openxmlformats.org/officeDocument/2006/relationships" xmlns:p="http://schemas.openxmlformats.org/presentationml/2006/main">
+  <p:cSld>
+    <p:spTree>
+      <p:nvGrpSpPr>
+        <p:cNvPr id="1" name=""/>
+        <p:cNvGrpSpPr/>
+        <p:nvPr/>
+      </p:nvGrpSpPr>
+      <p:grpSpPr>
+        <a:xfrm>
+          <a:off x="0" y="0"/>
+          <a:ext cx="0" cy="0"/>
+          <a:chOff x="0" y="0"/>
+          <a:chExt cx="0" cy="0"/>
+        </a:xfrm>
+      </p:grpSpPr>
+      <p:sp>
+        <p:nvSpPr>
+          <p:cNvPr id="2" name="Title 1"/>
+          <p:cNvSpPr>
+            <a:spLocks noGrp="1"/>
+          </p:cNvSpPr>
+          <p:nvPr>
+            <p:ph type="title"/>
+          </p:nvPr>
+        </p:nvSpPr>
+        <p:spPr/>
+        <p:txBody>
+          <a:bodyPr/>
+          <a:lstStyle/>
+          <a:p>
+            <a:r>
+              <a:rPr kumimoji="1" lang="zh-CN" altLang="en-US"/>
+              <a:t>参考资料</a:t>
+            </a:r>
+          </a:p>
+        </p:txBody>
+      </p:sp>
+      <p:sp>
+        <p:nvSpPr>
+          <p:cNvPr id="3" name="Text Placeholder 2"/>
+          <p:cNvSpPr>
+            <a:spLocks noGrp="1"/>
+          </p:cNvSpPr>
+          <p:nvPr>
+            <p:ph type="body" idx="1"/>
+          </p:nvPr>
+        </p:nvSpPr>
+        <p:spPr/>
+        <p:txBody>
+          <a:bodyPr/>
+          <a:lstStyle/>
+          <a:p>
+            <a:r>
+              <a:rPr lang="en-US"/>
+              <a:t>http://microservices.io/patterns/apigateway.html</a:t>
+            </a:r>
+            <a:endParaRPr kumimoji="1" lang="en-US" altLang="zh-CN" i="1"/>
+          </a:p>
+          <a:p>
+            <a:r>
+              <a:rPr kumimoji="1" lang="en-US" altLang="zh-CN"/>
+              <a:t>…</a:t>
+            </a:r>
+            <a:endParaRPr kumimoji="1" lang="zh-CN" altLang="en-US"/>
+          </a:p>
+        </p:txBody>
+      </p:sp>
+      <p:sp>
+        <p:nvSpPr>
+          <p:cNvPr id="4" name="Google Shape;262;p28"/>
+          <p:cNvSpPr/>
+          <p:nvPr/>
+        </p:nvSpPr>
+        <p:spPr>
+          <a:xfrm>
+            <a:off x="7387563" y="721397"/>
+            <a:ext cx="1882907" cy="307777"/>
+          </a:xfrm>
+          <a:prstGeom prst="rect">
+            <a:avLst/>
+          </a:prstGeom>
+          <a:noFill/>
+          <a:ln>
+            <a:noFill/>
+          </a:ln>
+        </p:spPr>
+        <p:txBody>
+          <a:bodyPr spcFirstLastPara="1" wrap="square" lIns="91425" tIns="45700" rIns="91425" bIns="45700" anchor="t" anchorCtr="0">
+            <a:noAutofit/>
+          </a:bodyPr>
+          <a:lstStyle/>
+          <a:p>
+            <a:pPr marL="0" marR="0" lvl="0" indent="0" algn="l" rtl="0">
+              <a:lnSpc>
+                <a:spcPct val="100000"/>
+              </a:lnSpc>
+              <a:spcBef>
+                <a:spcPts val="0"/>
+              </a:spcBef>
+              <a:spcAft>
+                <a:spcPts val="0"/>
+              </a:spcAft>
+              <a:buNone/>
+            </a:pPr>
+            <a:endParaRPr sz="3600" b="1" i="0" u="none" strike="noStrike" cap="none">
+              <a:solidFill>
+                <a:schemeClr val="accent1"/>
+              </a:solidFill>
+              <a:latin typeface="PT Sans Narrow" panose="020B0506020203020204"/>
+              <a:ea typeface="PT Sans Narrow" panose="020B0506020203020204"/>
+              <a:cs typeface="PT Sans Narrow" panose="020B0506020203020204"/>
+              <a:sym typeface="PT Sans Narrow" panose="020B0506020203020204"/>
+            </a:endParaRPr>
+          </a:p>
+        </p:txBody>
+      </p:sp>
+    </p:spTree>
+  </p:cSld>
+  <p:clrMapOvr>
+    <a:masterClrMapping/>
+  </p:clrMapOvr>
+</p:sld>
+</file>
+
+<file path=ppt/slides/slide12.xml><?xml version="1.0" encoding="utf-8"?>
+<p:sld xmlns:a="http://schemas.openxmlformats.org/drawingml/2006/main" xmlns:r="http://schemas.openxmlformats.org/officeDocument/2006/relationships" xmlns:p="http://schemas.openxmlformats.org/presentationml/2006/main">
+  <p:cSld>
+    <p:spTree>
+      <p:nvGrpSpPr>
+        <p:cNvPr id="1" name="Shape 720"/>
+        <p:cNvGrpSpPr/>
+        <p:nvPr/>
+      </p:nvGrpSpPr>
+      <p:grpSpPr>
+        <a:xfrm>
+          <a:off x="0" y="0"/>
+          <a:ext cx="0" cy="0"/>
+          <a:chOff x="0" y="0"/>
+          <a:chExt cx="0" cy="0"/>
+        </a:xfrm>
+      </p:grpSpPr>
+      <p:sp>
+        <p:nvSpPr>
+          <p:cNvPr id="721" name="Google Shape;721;p49"/>
+          <p:cNvSpPr txBox="1">
+            <a:spLocks noGrp="1"/>
+          </p:cNvSpPr>
+          <p:nvPr>
+            <p:ph type="title"/>
+          </p:nvPr>
+        </p:nvSpPr>
+        <p:spPr>
+          <a:xfrm>
+            <a:off x="311700" y="445025"/>
+            <a:ext cx="8520600" cy="707400"/>
+          </a:xfrm>
+          <a:prstGeom prst="rect">
+            <a:avLst/>
+          </a:prstGeom>
+          <a:noFill/>
+          <a:ln>
+            <a:noFill/>
+          </a:ln>
+        </p:spPr>
+        <p:txBody>
+          <a:bodyPr spcFirstLastPara="1" wrap="square" lIns="91425" tIns="91425" rIns="91425" bIns="91425" anchor="t" anchorCtr="0">
+            <a:noAutofit/>
+          </a:bodyPr>
+          <a:lstStyle/>
+          <a:p>
+            <a:pPr marL="0" lvl="0" indent="0" algn="l" rtl="0">
+              <a:lnSpc>
+                <a:spcPct val="100000"/>
+              </a:lnSpc>
+              <a:spcBef>
+                <a:spcPts val="0"/>
+              </a:spcBef>
+              <a:spcAft>
+                <a:spcPts val="0"/>
+              </a:spcAft>
+              <a:buSzPts val="3600"/>
+              <a:buNone/>
+            </a:pPr>
+            <a:r>
+              <a:rPr lang="en-US"/>
+              <a:t>谢谢大家</a:t>
+            </a:r>
+          </a:p>
+        </p:txBody>
+      </p:sp>
+      <p:sp>
+        <p:nvSpPr>
+          <p:cNvPr id="722" name="Google Shape;722;p49"/>
+          <p:cNvSpPr txBox="1">
+            <a:spLocks noGrp="1"/>
+          </p:cNvSpPr>
+          <p:nvPr>
+            <p:ph type="sldNum" idx="12"/>
+          </p:nvPr>
+        </p:nvSpPr>
+        <p:spPr>
+          <a:xfrm>
+            <a:off x="167983" y="4610554"/>
+            <a:ext cx="548700" cy="393600"/>
+          </a:xfrm>
+          <a:prstGeom prst="rect">
+            <a:avLst/>
+          </a:prstGeom>
+          <a:noFill/>
+          <a:ln>
+            <a:noFill/>
+          </a:ln>
+        </p:spPr>
+        <p:txBody>
+          <a:bodyPr spcFirstLastPara="1" wrap="square" lIns="91425" tIns="91425" rIns="91425" bIns="91425" anchor="ctr" anchorCtr="0">
+            <a:noAutofit/>
+          </a:bodyPr>
+          <a:lstStyle/>
+          <a:p>
+            <a:pPr marL="0" lvl="0" indent="0" algn="r" rtl="0">
+              <a:lnSpc>
+                <a:spcPct val="100000"/>
+              </a:lnSpc>
+              <a:spcBef>
+                <a:spcPts val="0"/>
+              </a:spcBef>
+              <a:spcAft>
+                <a:spcPts val="0"/>
+              </a:spcAft>
+              <a:buSzPts val="1000"/>
+              <a:buNone/>
+            </a:pPr>
+            <a:fld id="{00000000-1234-1234-1234-123412341234}" type="slidenum">
+              <a:rPr lang="en-US"/>
+              <a:t>12</a:t>
+            </a:fld>
+            <a:endParaRPr lang="en-US"/>
+          </a:p>
+        </p:txBody>
+      </p:sp>
+      <p:sp>
+        <p:nvSpPr>
+          <p:cNvPr id="723" name="Google Shape;723;p49"/>
+          <p:cNvSpPr txBox="1"/>
+          <p:nvPr/>
+        </p:nvSpPr>
+        <p:spPr>
+          <a:xfrm>
+            <a:off x="1636090" y="1456472"/>
+            <a:ext cx="1122680" cy="289823"/>
+          </a:xfrm>
+          <a:prstGeom prst="rect">
+            <a:avLst/>
+          </a:prstGeom>
+          <a:noFill/>
+          <a:ln>
+            <a:noFill/>
+          </a:ln>
+        </p:spPr>
+        <p:txBody>
+          <a:bodyPr spcFirstLastPara="1" wrap="square" lIns="0" tIns="12700" rIns="0" bIns="0" anchor="t" anchorCtr="0">
+            <a:noAutofit/>
+          </a:bodyPr>
+          <a:lstStyle/>
+          <a:p>
+            <a:pPr marL="12700" marR="0" lvl="0" indent="0" algn="l" rtl="0">
+              <a:lnSpc>
+                <a:spcPct val="100000"/>
+              </a:lnSpc>
+              <a:spcBef>
+                <a:spcPts val="0"/>
+              </a:spcBef>
+              <a:spcAft>
+                <a:spcPts val="0"/>
+              </a:spcAft>
+              <a:buNone/>
+            </a:pPr>
+            <a:r>
+              <a:rPr lang="en-US" sz="1800" b="0" i="0" u="sng" strike="noStrike" cap="none">
+                <a:solidFill>
+                  <a:schemeClr val="hlink"/>
+                </a:solidFill>
+                <a:latin typeface="Courier New" panose="02070309020205020404"/>
+                <a:ea typeface="Courier New" panose="02070309020205020404"/>
+                <a:cs typeface="Courier New" panose="02070309020205020404"/>
+                <a:sym typeface="Courier New" panose="02070309020205020404"/>
+                <a:hlinkClick r:id="rId3"/>
+              </a:rPr>
+              <a:t>micro.mu</a:t>
+            </a:r>
+            <a:endParaRPr sz="1800" b="0" i="0" u="none" strike="noStrike" cap="none">
+              <a:solidFill>
+                <a:srgbClr val="000000"/>
+              </a:solidFill>
+              <a:latin typeface="Courier New" panose="02070309020205020404"/>
+              <a:ea typeface="Courier New" panose="02070309020205020404"/>
+              <a:cs typeface="Courier New" panose="02070309020205020404"/>
+              <a:sym typeface="Courier New" panose="02070309020205020404"/>
+            </a:endParaRPr>
+          </a:p>
+        </p:txBody>
+      </p:sp>
+      <p:sp>
+        <p:nvSpPr>
+          <p:cNvPr id="724" name="Google Shape;724;p49"/>
+          <p:cNvSpPr txBox="1"/>
+          <p:nvPr/>
+        </p:nvSpPr>
+        <p:spPr>
+          <a:xfrm>
+            <a:off x="372176" y="3620866"/>
+            <a:ext cx="1082348" cy="307777"/>
+          </a:xfrm>
+          <a:prstGeom prst="rect">
+            <a:avLst/>
+          </a:prstGeom>
+          <a:noFill/>
+          <a:ln>
+            <a:noFill/>
+          </a:ln>
+        </p:spPr>
+        <p:txBody>
+          <a:bodyPr spcFirstLastPara="1" wrap="square" lIns="91425" tIns="45700" rIns="91425" bIns="45700" anchor="t" anchorCtr="0">
+            <a:noAutofit/>
+          </a:bodyPr>
+          <a:lstStyle/>
+          <a:p>
+            <a:pPr marL="0" marR="0" lvl="0" indent="0" algn="l" rtl="0">
+              <a:lnSpc>
+                <a:spcPct val="100000"/>
+              </a:lnSpc>
+              <a:spcBef>
+                <a:spcPts val="0"/>
+              </a:spcBef>
+              <a:spcAft>
+                <a:spcPts val="0"/>
+              </a:spcAft>
+              <a:buNone/>
+            </a:pPr>
+            <a:r>
+              <a:rPr lang="en-US" sz="1400" b="0" i="0" u="none" strike="noStrike" cap="none">
+                <a:solidFill>
+                  <a:srgbClr val="000000"/>
+                </a:solidFill>
+                <a:latin typeface="Arial" panose="020B0604020202020204"/>
+                <a:ea typeface="Arial" panose="020B0604020202020204"/>
+                <a:cs typeface="Arial" panose="020B0604020202020204"/>
+                <a:sym typeface="Arial" panose="020B0604020202020204"/>
+              </a:rPr>
+              <a:t>资源链接：</a:t>
+            </a:r>
+            <a:endParaRPr sz="1400" b="0" i="0" u="none" strike="noStrike" cap="none">
+              <a:solidFill>
+                <a:srgbClr val="000000"/>
+              </a:solidFill>
+              <a:latin typeface="Arial" panose="020B0604020202020204"/>
+              <a:ea typeface="Arial" panose="020B0604020202020204"/>
+              <a:cs typeface="Arial" panose="020B0604020202020204"/>
+              <a:sym typeface="Arial" panose="020B0604020202020204"/>
+            </a:endParaRPr>
+          </a:p>
+        </p:txBody>
+      </p:sp>
+      <p:sp>
+        <p:nvSpPr>
+          <p:cNvPr id="725" name="Google Shape;725;p49"/>
+          <p:cNvSpPr txBox="1"/>
+          <p:nvPr/>
+        </p:nvSpPr>
+        <p:spPr>
+          <a:xfrm>
+            <a:off x="304800" y="1476364"/>
+            <a:ext cx="1143000" cy="369332"/>
+          </a:xfrm>
+          <a:prstGeom prst="rect">
+            <a:avLst/>
+          </a:prstGeom>
+          <a:noFill/>
+          <a:ln>
+            <a:noFill/>
+          </a:ln>
+        </p:spPr>
+        <p:txBody>
+          <a:bodyPr spcFirstLastPara="1" wrap="square" lIns="91425" tIns="45700" rIns="91425" bIns="45700" anchor="t" anchorCtr="0">
+            <a:noAutofit/>
+          </a:bodyPr>
+          <a:lstStyle/>
+          <a:p>
+            <a:pPr marL="0" marR="0" lvl="0" indent="0" algn="l" rtl="0">
+              <a:lnSpc>
+                <a:spcPct val="100000"/>
+              </a:lnSpc>
+              <a:spcBef>
+                <a:spcPts val="0"/>
+              </a:spcBef>
+              <a:spcAft>
+                <a:spcPts val="0"/>
+              </a:spcAft>
+              <a:buNone/>
+            </a:pPr>
+            <a:r>
+              <a:rPr lang="en-US" sz="1400" b="0" i="0" u="none" strike="noStrike" cap="none">
+                <a:solidFill>
+                  <a:srgbClr val="000000"/>
+                </a:solidFill>
+                <a:latin typeface="Arial" panose="020B0604020202020204"/>
+                <a:ea typeface="Arial" panose="020B0604020202020204"/>
+                <a:cs typeface="Arial" panose="020B0604020202020204"/>
+                <a:sym typeface="Arial" panose="020B0604020202020204"/>
+              </a:rPr>
+              <a:t>官方站点:</a:t>
+            </a:r>
+            <a:endParaRPr sz="1400" b="0" i="0" u="none" strike="noStrike" cap="none">
+              <a:solidFill>
+                <a:srgbClr val="000000"/>
+              </a:solidFill>
+              <a:latin typeface="Arial" panose="020B0604020202020204"/>
+              <a:ea typeface="Arial" panose="020B0604020202020204"/>
+              <a:cs typeface="Arial" panose="020B0604020202020204"/>
+              <a:sym typeface="Arial" panose="020B0604020202020204"/>
+            </a:endParaRPr>
+          </a:p>
+        </p:txBody>
+      </p:sp>
+      <p:sp>
+        <p:nvSpPr>
+          <p:cNvPr id="726" name="Google Shape;726;p49"/>
+          <p:cNvSpPr txBox="1"/>
+          <p:nvPr/>
+        </p:nvSpPr>
+        <p:spPr>
+          <a:xfrm>
+            <a:off x="304800" y="1860403"/>
+            <a:ext cx="1143000" cy="307777"/>
+          </a:xfrm>
+          <a:prstGeom prst="rect">
+            <a:avLst/>
+          </a:prstGeom>
+          <a:noFill/>
+          <a:ln>
+            <a:noFill/>
+          </a:ln>
+        </p:spPr>
+        <p:txBody>
+          <a:bodyPr spcFirstLastPara="1" wrap="square" lIns="91425" tIns="45700" rIns="91425" bIns="45700" anchor="t" anchorCtr="0">
+            <a:noAutofit/>
+          </a:bodyPr>
+          <a:lstStyle/>
+          <a:p>
+            <a:pPr marL="0" marR="0" lvl="0" indent="0" algn="l" rtl="0">
+              <a:lnSpc>
+                <a:spcPct val="100000"/>
+              </a:lnSpc>
+              <a:spcBef>
+                <a:spcPts val="0"/>
+              </a:spcBef>
+              <a:spcAft>
+                <a:spcPts val="0"/>
+              </a:spcAft>
+              <a:buNone/>
+            </a:pPr>
+            <a:r>
+              <a:rPr lang="en-US" sz="1400" b="0" i="0" u="none" strike="noStrike" cap="none">
+                <a:solidFill>
+                  <a:srgbClr val="000000"/>
+                </a:solidFill>
+                <a:latin typeface="Arial" panose="020B0604020202020204"/>
+                <a:ea typeface="Arial" panose="020B0604020202020204"/>
+                <a:cs typeface="Arial" panose="020B0604020202020204"/>
+                <a:sym typeface="Arial" panose="020B0604020202020204"/>
+              </a:rPr>
+              <a:t>微信公众号:</a:t>
+            </a:r>
+            <a:endParaRPr sz="1400" b="0" i="0" u="none" strike="noStrike" cap="none">
+              <a:solidFill>
+                <a:srgbClr val="000000"/>
+              </a:solidFill>
+              <a:latin typeface="Arial" panose="020B0604020202020204"/>
+              <a:ea typeface="Arial" panose="020B0604020202020204"/>
+              <a:cs typeface="Arial" panose="020B0604020202020204"/>
+              <a:sym typeface="Arial" panose="020B0604020202020204"/>
+            </a:endParaRPr>
+          </a:p>
+        </p:txBody>
+      </p:sp>
+      <p:pic>
+        <p:nvPicPr>
+          <p:cNvPr id="727" name="Google Shape;727;p49"/>
+          <p:cNvPicPr preferRelativeResize="0"/>
+          <p:nvPr/>
+        </p:nvPicPr>
+        <p:blipFill rotWithShape="1">
+          <a:blip r:embed="rId4"/>
+          <a:srcRect/>
+          <a:stretch>
+            <a:fillRect/>
+          </a:stretch>
+        </p:blipFill>
+        <p:spPr>
+          <a:xfrm>
+            <a:off x="1538544" y="1803812"/>
+            <a:ext cx="1078846" cy="1078846"/>
+          </a:xfrm>
+          <a:prstGeom prst="rect">
+            <a:avLst/>
+          </a:prstGeom>
+          <a:noFill/>
+          <a:ln>
+            <a:noFill/>
+          </a:ln>
+        </p:spPr>
+      </p:pic>
+      <p:sp>
+        <p:nvSpPr>
+          <p:cNvPr id="728" name="Google Shape;728;p49"/>
+          <p:cNvSpPr txBox="1"/>
+          <p:nvPr/>
+        </p:nvSpPr>
+        <p:spPr>
+          <a:xfrm>
+            <a:off x="405794" y="3074983"/>
+            <a:ext cx="1143000" cy="307777"/>
+          </a:xfrm>
+          <a:prstGeom prst="rect">
+            <a:avLst/>
+          </a:prstGeom>
+          <a:noFill/>
+          <a:ln>
+            <a:noFill/>
+          </a:ln>
+        </p:spPr>
+        <p:txBody>
+          <a:bodyPr spcFirstLastPara="1" wrap="square" lIns="91425" tIns="45700" rIns="91425" bIns="45700" anchor="t" anchorCtr="0">
+            <a:noAutofit/>
+          </a:bodyPr>
+          <a:lstStyle/>
+          <a:p>
+            <a:pPr marL="0" marR="0" lvl="0" indent="0" algn="l" rtl="0">
+              <a:lnSpc>
+                <a:spcPct val="100000"/>
+              </a:lnSpc>
+              <a:spcBef>
+                <a:spcPts val="0"/>
+              </a:spcBef>
+              <a:spcAft>
+                <a:spcPts val="0"/>
+              </a:spcAft>
+              <a:buNone/>
+            </a:pPr>
+            <a:r>
+              <a:rPr lang="en-US" sz="1400" b="0" i="0" u="none" strike="noStrike" cap="none">
+                <a:solidFill>
+                  <a:srgbClr val="000000"/>
+                </a:solidFill>
+                <a:latin typeface="Arial" panose="020B0604020202020204"/>
+                <a:ea typeface="Arial" panose="020B0604020202020204"/>
+                <a:cs typeface="Arial" panose="020B0604020202020204"/>
+                <a:sym typeface="Arial" panose="020B0604020202020204"/>
+              </a:rPr>
+              <a:t>提问:</a:t>
+            </a:r>
+            <a:endParaRPr sz="1400" b="0" i="0" u="none" strike="noStrike" cap="none">
+              <a:solidFill>
+                <a:srgbClr val="000000"/>
+              </a:solidFill>
+              <a:latin typeface="Arial" panose="020B0604020202020204"/>
+              <a:ea typeface="Arial" panose="020B0604020202020204"/>
+              <a:cs typeface="Arial" panose="020B0604020202020204"/>
+              <a:sym typeface="Arial" panose="020B0604020202020204"/>
+            </a:endParaRPr>
+          </a:p>
+        </p:txBody>
+      </p:sp>
+      <p:sp>
+        <p:nvSpPr>
+          <p:cNvPr id="729" name="Google Shape;729;p49"/>
+          <p:cNvSpPr txBox="1"/>
+          <p:nvPr/>
+        </p:nvSpPr>
+        <p:spPr>
+          <a:xfrm>
+            <a:off x="457200" y="3943350"/>
+            <a:ext cx="4644476" cy="869469"/>
+          </a:xfrm>
+          <a:prstGeom prst="rect">
+            <a:avLst/>
+          </a:prstGeom>
+          <a:noFill/>
+          <a:ln>
+            <a:noFill/>
+          </a:ln>
+        </p:spPr>
+        <p:txBody>
+          <a:bodyPr spcFirstLastPara="1" wrap="square" lIns="0" tIns="12700" rIns="0" bIns="0" anchor="t" anchorCtr="0">
+            <a:noAutofit/>
+          </a:bodyPr>
+          <a:lstStyle/>
+          <a:p>
+            <a:pPr marL="12700" marR="0" lvl="0" indent="0" algn="l" rtl="0">
+              <a:lnSpc>
+                <a:spcPct val="100000"/>
+              </a:lnSpc>
+              <a:spcBef>
+                <a:spcPts val="0"/>
+              </a:spcBef>
+              <a:spcAft>
+                <a:spcPts val="0"/>
+              </a:spcAft>
+              <a:buNone/>
+            </a:pPr>
+            <a:r>
+              <a:rPr lang="en-US" sz="1800" b="0" i="0" u="sng" strike="noStrike" cap="none">
+                <a:solidFill>
+                  <a:schemeClr val="hlink"/>
+                </a:solidFill>
+                <a:latin typeface="Courier New" panose="02070309020205020404"/>
+                <a:ea typeface="Courier New" panose="02070309020205020404"/>
+                <a:cs typeface="Courier New" panose="02070309020205020404"/>
+                <a:sym typeface="Courier New" panose="02070309020205020404"/>
+                <a:hlinkClick r:id="rId5"/>
+              </a:rPr>
+              <a:t>Micro</a:t>
+            </a:r>
+            <a:endParaRPr sz="1800" b="0" i="0" u="sng" strike="noStrike" cap="none">
+              <a:solidFill>
+                <a:srgbClr val="01AED1"/>
+              </a:solidFill>
+              <a:latin typeface="Courier New" panose="02070309020205020404"/>
+              <a:ea typeface="Courier New" panose="02070309020205020404"/>
+              <a:cs typeface="Courier New" panose="02070309020205020404"/>
+              <a:sym typeface="Courier New" panose="02070309020205020404"/>
+            </a:endParaRPr>
+          </a:p>
+          <a:p>
+            <a:pPr marL="12700" marR="0" lvl="0" indent="0" algn="l" rtl="0">
+              <a:lnSpc>
+                <a:spcPct val="100000"/>
+              </a:lnSpc>
+              <a:spcBef>
+                <a:spcPts val="100"/>
+              </a:spcBef>
+              <a:spcAft>
+                <a:spcPts val="0"/>
+              </a:spcAft>
+              <a:buNone/>
+            </a:pPr>
+            <a:r>
+              <a:rPr lang="en-US" sz="1400" b="0" i="0" u="sng" strike="noStrike" cap="none">
+                <a:solidFill>
+                  <a:schemeClr val="hlink"/>
+                </a:solidFill>
+                <a:latin typeface="Courier New" panose="02070309020205020404"/>
+                <a:ea typeface="Courier New" panose="02070309020205020404"/>
+                <a:cs typeface="Courier New" panose="02070309020205020404"/>
+                <a:sym typeface="Courier New" panose="02070309020205020404"/>
+                <a:hlinkClick r:id="rId6"/>
+              </a:rPr>
+              <a:t>Micro中国站</a:t>
+            </a:r>
+            <a:endParaRPr sz="1400" b="0" i="0" u="none" strike="noStrike" cap="none">
+              <a:solidFill>
+                <a:srgbClr val="000000"/>
+              </a:solidFill>
+              <a:latin typeface="Courier New" panose="02070309020205020404"/>
+              <a:ea typeface="Courier New" panose="02070309020205020404"/>
+              <a:cs typeface="Courier New" panose="02070309020205020404"/>
+              <a:sym typeface="Courier New" panose="02070309020205020404"/>
+            </a:endParaRPr>
+          </a:p>
+          <a:p>
+            <a:pPr marL="12700" marR="0" lvl="0" indent="0" algn="l" rtl="0">
+              <a:lnSpc>
+                <a:spcPct val="100000"/>
+              </a:lnSpc>
+              <a:spcBef>
+                <a:spcPts val="100"/>
+              </a:spcBef>
+              <a:spcAft>
+                <a:spcPts val="0"/>
+              </a:spcAft>
+              <a:buNone/>
+            </a:pPr>
+            <a:endParaRPr sz="1800" b="0" i="0" u="none" strike="noStrike" cap="none">
+              <a:solidFill>
+                <a:srgbClr val="000000"/>
+              </a:solidFill>
+              <a:latin typeface="Courier New" panose="02070309020205020404"/>
+              <a:ea typeface="Courier New" panose="02070309020205020404"/>
+              <a:cs typeface="Courier New" panose="02070309020205020404"/>
+              <a:sym typeface="Courier New" panose="02070309020205020404"/>
+            </a:endParaRPr>
+          </a:p>
+        </p:txBody>
+      </p:sp>
+      <p:pic>
+        <p:nvPicPr>
+          <p:cNvPr id="11" name="Picture 10"/>
+          <p:cNvPicPr>
+            <a:picLocks noChangeAspect="1"/>
+          </p:cNvPicPr>
+          <p:nvPr/>
+        </p:nvPicPr>
+        <p:blipFill>
+          <a:blip r:embed="rId7"/>
+          <a:stretch>
+            <a:fillRect/>
+          </a:stretch>
+        </p:blipFill>
+        <p:spPr>
+          <a:xfrm>
+            <a:off x="2950973" y="1827589"/>
+            <a:ext cx="1084935" cy="1069971"/>
+          </a:xfrm>
+          <a:prstGeom prst="rect">
+            <a:avLst/>
+          </a:prstGeom>
+        </p:spPr>
+      </p:pic>
+    </p:spTree>
+  </p:cSld>
+  <p:clrMapOvr>
+    <a:masterClrMapping/>
+  </p:clrMapOvr>
+</p:sld>
+</file>
+
+<file path=ppt/slides/slide2.xml><?xml version="1.0" encoding="utf-8"?>
+<p:sld xmlns:a="http://schemas.openxmlformats.org/drawingml/2006/main" xmlns:r="http://schemas.openxmlformats.org/officeDocument/2006/relationships" xmlns:p="http://schemas.openxmlformats.org/presentationml/2006/main">
+  <p:cSld>
+    <p:spTree>
+      <p:nvGrpSpPr>
+        <p:cNvPr id="1" name="Shape 117"/>
+        <p:cNvGrpSpPr/>
+        <p:nvPr/>
+      </p:nvGrpSpPr>
+      <p:grpSpPr>
+        <a:xfrm>
+          <a:off x="0" y="0"/>
+          <a:ext cx="0" cy="0"/>
+          <a:chOff x="0" y="0"/>
+          <a:chExt cx="0" cy="0"/>
+        </a:xfrm>
+      </p:grpSpPr>
+      <p:sp>
+        <p:nvSpPr>
+          <p:cNvPr id="118" name="Google Shape;118;p18"/>
+          <p:cNvSpPr txBox="1">
+            <a:spLocks noGrp="1"/>
+          </p:cNvSpPr>
+          <p:nvPr>
+            <p:ph type="title"/>
+          </p:nvPr>
+        </p:nvSpPr>
+        <p:spPr>
+          <a:xfrm>
+            <a:off x="311700" y="445025"/>
+            <a:ext cx="8520600" cy="707400"/>
+          </a:xfrm>
+          <a:prstGeom prst="rect">
+            <a:avLst/>
+          </a:prstGeom>
+          <a:noFill/>
+          <a:ln>
+            <a:noFill/>
+          </a:ln>
+        </p:spPr>
+        <p:txBody>
+          <a:bodyPr spcFirstLastPara="1" wrap="square" lIns="91425" tIns="91425" rIns="91425" bIns="91425" anchor="t" anchorCtr="0">
+            <a:noAutofit/>
+          </a:bodyPr>
+          <a:lstStyle/>
+          <a:p>
+            <a:pPr marL="0" lvl="0" indent="0" algn="l" rtl="0">
+              <a:lnSpc>
+                <a:spcPct val="100000"/>
+              </a:lnSpc>
+              <a:spcBef>
+                <a:spcPts val="0"/>
+              </a:spcBef>
+              <a:spcAft>
+                <a:spcPts val="0"/>
+              </a:spcAft>
+              <a:buSzPts val="3600"/>
+              <a:buNone/>
+            </a:pPr>
+            <a:r>
+              <a:rPr lang="en-US" altLang="zh-CN"/>
+              <a:t>Micro</a:t>
+            </a:r>
+            <a:r>
+              <a:rPr lang="zh-CN" altLang="en-US"/>
+              <a:t>中国站</a:t>
+            </a:r>
+            <a:endParaRPr lang="en-US"/>
+          </a:p>
+        </p:txBody>
+      </p:sp>
+      <p:sp>
+        <p:nvSpPr>
+          <p:cNvPr id="119" name="Google Shape;119;p18"/>
+          <p:cNvSpPr txBox="1">
+            <a:spLocks noGrp="1"/>
+          </p:cNvSpPr>
+          <p:nvPr>
+            <p:ph type="sldNum" idx="12"/>
+          </p:nvPr>
+        </p:nvSpPr>
+        <p:spPr>
+          <a:xfrm>
+            <a:off x="167983" y="4610554"/>
+            <a:ext cx="548700" cy="393600"/>
+          </a:xfrm>
+          <a:prstGeom prst="rect">
+            <a:avLst/>
+          </a:prstGeom>
+          <a:noFill/>
+          <a:ln>
+            <a:noFill/>
+          </a:ln>
+        </p:spPr>
+        <p:txBody>
+          <a:bodyPr spcFirstLastPara="1" wrap="square" lIns="91425" tIns="91425" rIns="91425" bIns="91425" anchor="ctr" anchorCtr="0">
+            <a:noAutofit/>
+          </a:bodyPr>
+          <a:lstStyle/>
+          <a:p>
+            <a:pPr marL="0" lvl="0" indent="0" algn="r" rtl="0">
+              <a:lnSpc>
+                <a:spcPct val="100000"/>
+              </a:lnSpc>
+              <a:spcBef>
+                <a:spcPts val="0"/>
+              </a:spcBef>
+              <a:spcAft>
+                <a:spcPts val="0"/>
+              </a:spcAft>
+              <a:buSzPts val="1000"/>
+              <a:buNone/>
+            </a:pPr>
+            <a:fld id="{00000000-1234-1234-1234-123412341234}" type="slidenum">
+              <a:rPr lang="en-US"/>
+              <a:t>2</a:t>
+            </a:fld>
+            <a:endParaRPr lang="en-US"/>
+          </a:p>
+        </p:txBody>
+      </p:sp>
+      <p:sp>
+        <p:nvSpPr>
+          <p:cNvPr id="120" name="Google Shape;120;p18"/>
+          <p:cNvSpPr txBox="1"/>
+          <p:nvPr/>
+        </p:nvSpPr>
+        <p:spPr>
+          <a:xfrm>
+            <a:off x="462280" y="1242875"/>
+            <a:ext cx="3042920" cy="289823"/>
+          </a:xfrm>
+          <a:prstGeom prst="rect">
+            <a:avLst/>
+          </a:prstGeom>
+          <a:noFill/>
+          <a:ln>
+            <a:noFill/>
+          </a:ln>
+        </p:spPr>
+        <p:txBody>
+          <a:bodyPr spcFirstLastPara="1" wrap="square" lIns="0" tIns="12700" rIns="0" bIns="0" anchor="t" anchorCtr="0">
+            <a:noAutofit/>
+          </a:bodyPr>
+          <a:lstStyle/>
+          <a:p>
+            <a:pPr marL="12700" marR="0" lvl="0" indent="0" algn="l" rtl="0">
+              <a:lnSpc>
+                <a:spcPct val="100000"/>
+              </a:lnSpc>
+              <a:spcBef>
+                <a:spcPts val="0"/>
+              </a:spcBef>
+              <a:spcAft>
+                <a:spcPts val="0"/>
+              </a:spcAft>
+              <a:buNone/>
+            </a:pPr>
+            <a:r>
+              <a:rPr lang="en-US" altLang="zh-CN" sz="1800" b="0" i="0" u="none" strike="noStrike" cap="none">
+                <a:solidFill>
+                  <a:srgbClr val="424242"/>
+                </a:solidFill>
+                <a:latin typeface="Courier New" panose="02070309020205020404"/>
+                <a:ea typeface="Courier New" panose="02070309020205020404"/>
+                <a:cs typeface="Courier New" panose="02070309020205020404"/>
+                <a:sym typeface="Courier New" panose="02070309020205020404"/>
+              </a:rPr>
+              <a:t>Since</a:t>
+            </a:r>
+            <a:r>
+              <a:rPr lang="zh-CN" altLang="en-US" sz="1800" b="0" i="0" u="none" strike="noStrike" cap="none">
+                <a:solidFill>
+                  <a:srgbClr val="424242"/>
+                </a:solidFill>
+                <a:latin typeface="Courier New" panose="02070309020205020404"/>
+                <a:ea typeface="Courier New" panose="02070309020205020404"/>
+                <a:cs typeface="Courier New" panose="02070309020205020404"/>
+                <a:sym typeface="Courier New" panose="02070309020205020404"/>
+              </a:rPr>
+              <a:t> </a:t>
+            </a:r>
+            <a:r>
+              <a:rPr lang="en-US" altLang="zh-CN" sz="1800" b="0" i="0" u="none" strike="noStrike" cap="none">
+                <a:solidFill>
+                  <a:srgbClr val="424242"/>
+                </a:solidFill>
+                <a:latin typeface="Courier New" panose="02070309020205020404"/>
+                <a:ea typeface="Courier New" panose="02070309020205020404"/>
+                <a:cs typeface="Courier New" panose="02070309020205020404"/>
+                <a:sym typeface="Courier New" panose="02070309020205020404"/>
+              </a:rPr>
+              <a:t>2019-02</a:t>
+            </a:r>
+            <a:endParaRPr sz="1800" b="0" i="0" u="none" strike="noStrike" cap="none">
+              <a:solidFill>
+                <a:srgbClr val="000000"/>
+              </a:solidFill>
+              <a:latin typeface="Courier New" panose="02070309020205020404"/>
+              <a:ea typeface="Courier New" panose="02070309020205020404"/>
+              <a:cs typeface="Courier New" panose="02070309020205020404"/>
+              <a:sym typeface="Courier New" panose="02070309020205020404"/>
+            </a:endParaRPr>
+          </a:p>
+        </p:txBody>
+      </p:sp>
+      <p:sp>
+        <p:nvSpPr>
+          <p:cNvPr id="122" name="Google Shape;122;p18"/>
+          <p:cNvSpPr txBox="1"/>
+          <p:nvPr/>
+        </p:nvSpPr>
+        <p:spPr>
+          <a:xfrm>
+            <a:off x="462280" y="1623148"/>
+            <a:ext cx="3120476" cy="289823"/>
+          </a:xfrm>
+          <a:prstGeom prst="rect">
+            <a:avLst/>
+          </a:prstGeom>
+          <a:noFill/>
+          <a:ln>
+            <a:noFill/>
+          </a:ln>
+        </p:spPr>
+        <p:txBody>
+          <a:bodyPr spcFirstLastPara="1" wrap="square" lIns="0" tIns="12700" rIns="0" bIns="0" anchor="t" anchorCtr="0">
+            <a:noAutofit/>
+          </a:bodyPr>
+          <a:lstStyle/>
+          <a:p>
+            <a:pPr marL="12700" lvl="0"/>
+            <a:r>
+              <a:rPr lang="en-US">
+                <a:hlinkClick r:id="rId3"/>
+              </a:rPr>
+              <a:t>https://github.com/micro-in-cn</a:t>
+            </a:r>
+            <a:endParaRPr u="sng">
+              <a:solidFill>
+                <a:srgbClr val="01AED1"/>
+              </a:solidFill>
+              <a:latin typeface="Courier New" panose="02070309020205020404"/>
+              <a:cs typeface="Courier New" panose="02070309020205020404"/>
+              <a:sym typeface="Courier New" panose="02070309020205020404"/>
+            </a:endParaRPr>
+          </a:p>
+        </p:txBody>
+      </p:sp>
+      <p:sp>
+        <p:nvSpPr>
+          <p:cNvPr id="128" name="Google Shape;128;p18"/>
+          <p:cNvSpPr/>
+          <p:nvPr/>
+        </p:nvSpPr>
+        <p:spPr>
+          <a:xfrm>
+            <a:off x="7743870" y="721831"/>
+            <a:ext cx="1120800" cy="307800"/>
+          </a:xfrm>
+          <a:prstGeom prst="rect">
+            <a:avLst/>
+          </a:prstGeom>
+          <a:noFill/>
+          <a:ln>
+            <a:noFill/>
+          </a:ln>
+        </p:spPr>
+        <p:txBody>
+          <a:bodyPr spcFirstLastPara="1" wrap="square" lIns="91425" tIns="45700" rIns="91425" bIns="45700" anchor="t" anchorCtr="0">
+            <a:noAutofit/>
+          </a:bodyPr>
+          <a:lstStyle/>
+          <a:p>
+            <a:pPr marL="0" marR="0" lvl="0" indent="0" algn="l" rtl="0">
+              <a:lnSpc>
+                <a:spcPct val="100000"/>
+              </a:lnSpc>
+              <a:spcBef>
+                <a:spcPts val="0"/>
+              </a:spcBef>
+              <a:spcAft>
+                <a:spcPts val="0"/>
+              </a:spcAft>
+              <a:buNone/>
+            </a:pPr>
+            <a:r>
+              <a:rPr lang="en-US" b="1">
+                <a:solidFill>
+                  <a:schemeClr val="accent1"/>
+                </a:solidFill>
+                <a:latin typeface="PT Sans Narrow" panose="020B0506020203020204"/>
+                <a:ea typeface="PT Sans Narrow" panose="020B0506020203020204"/>
+                <a:cs typeface="PT Sans Narrow" panose="020B0506020203020204"/>
+                <a:sym typeface="PT Sans Narrow" panose="020B0506020203020204"/>
+              </a:rPr>
+              <a:t>Micro</a:t>
+            </a:r>
+            <a:r>
+              <a:rPr lang="zh-CN" altLang="en-US" b="1">
+                <a:solidFill>
+                  <a:schemeClr val="accent1"/>
+                </a:solidFill>
+                <a:latin typeface="PT Sans Narrow" panose="020B0506020203020204"/>
+                <a:ea typeface="PT Sans Narrow" panose="020B0506020203020204"/>
+                <a:cs typeface="PT Sans Narrow" panose="020B0506020203020204"/>
+                <a:sym typeface="PT Sans Narrow" panose="020B0506020203020204"/>
+              </a:rPr>
+              <a:t> 中国</a:t>
+            </a:r>
+            <a:endParaRPr sz="3600" b="1" i="0" u="none" strike="noStrike" cap="none">
+              <a:solidFill>
+                <a:schemeClr val="accent1"/>
+              </a:solidFill>
+              <a:latin typeface="PT Sans Narrow" panose="020B0506020203020204"/>
+              <a:ea typeface="PT Sans Narrow" panose="020B0506020203020204"/>
+              <a:cs typeface="PT Sans Narrow" panose="020B0506020203020204"/>
+              <a:sym typeface="PT Sans Narrow" panose="020B0506020203020204"/>
+            </a:endParaRPr>
+          </a:p>
+        </p:txBody>
+      </p:sp>
+      <p:pic>
+        <p:nvPicPr>
+          <p:cNvPr id="2" name="Picture 1"/>
+          <p:cNvPicPr>
+            <a:picLocks noChangeAspect="1"/>
+          </p:cNvPicPr>
+          <p:nvPr/>
+        </p:nvPicPr>
+        <p:blipFill>
+          <a:blip r:embed="rId4"/>
+          <a:stretch>
+            <a:fillRect/>
+          </a:stretch>
+        </p:blipFill>
+        <p:spPr>
+          <a:xfrm>
+            <a:off x="384218" y="2026017"/>
+            <a:ext cx="1638300" cy="1638300"/>
+          </a:xfrm>
+          <a:prstGeom prst="rect">
+            <a:avLst/>
+          </a:prstGeom>
+        </p:spPr>
+      </p:pic>
+      <p:pic>
+        <p:nvPicPr>
+          <p:cNvPr id="3" name="Picture 2"/>
+          <p:cNvPicPr>
+            <a:picLocks noChangeAspect="1"/>
+          </p:cNvPicPr>
+          <p:nvPr/>
+        </p:nvPicPr>
+        <p:blipFill>
+          <a:blip r:embed="rId5"/>
+          <a:stretch>
+            <a:fillRect/>
+          </a:stretch>
+        </p:blipFill>
+        <p:spPr>
+          <a:xfrm>
+            <a:off x="2389857" y="2026017"/>
+            <a:ext cx="1638301" cy="1615704"/>
+          </a:xfrm>
+          <a:prstGeom prst="rect">
+            <a:avLst/>
+          </a:prstGeom>
+        </p:spPr>
+      </p:pic>
+      <p:sp>
+        <p:nvSpPr>
+          <p:cNvPr id="4" name="TextBox 3"/>
+          <p:cNvSpPr txBox="1"/>
+          <p:nvPr/>
+        </p:nvSpPr>
+        <p:spPr>
+          <a:xfrm>
+            <a:off x="2389857" y="3641721"/>
+            <a:ext cx="1928733" cy="307777"/>
+          </a:xfrm>
+          <a:prstGeom prst="rect">
+            <a:avLst/>
+          </a:prstGeom>
+          <a:noFill/>
+        </p:spPr>
+        <p:txBody>
+          <a:bodyPr wrap="none" rtlCol="0">
+            <a:spAutoFit/>
+          </a:bodyPr>
+          <a:lstStyle/>
+          <a:p>
+            <a:r>
+              <a:rPr kumimoji="1" lang="zh-CN" altLang="en-US"/>
+              <a:t>扫码加群，备注</a:t>
+            </a:r>
+            <a:r>
+              <a:rPr kumimoji="1" lang="en-US" altLang="zh-CN"/>
+              <a:t>github</a:t>
+            </a:r>
+            <a:endParaRPr kumimoji="1" lang="zh-CN" altLang="en-US"/>
+          </a:p>
+        </p:txBody>
+      </p:sp>
+      <p:sp>
+        <p:nvSpPr>
+          <p:cNvPr id="14" name="TextBox 13"/>
+          <p:cNvSpPr txBox="1"/>
+          <p:nvPr/>
+        </p:nvSpPr>
+        <p:spPr>
+          <a:xfrm>
+            <a:off x="463772" y="3641720"/>
+            <a:ext cx="1519968" cy="307777"/>
+          </a:xfrm>
+          <a:prstGeom prst="rect">
+            <a:avLst/>
+          </a:prstGeom>
+          <a:noFill/>
+        </p:spPr>
+        <p:txBody>
+          <a:bodyPr wrap="none" rtlCol="0">
+            <a:spAutoFit/>
+          </a:bodyPr>
+          <a:lstStyle/>
+          <a:p>
+            <a:r>
+              <a:rPr kumimoji="1" lang="en-US" altLang="zh-CN"/>
+              <a:t>Micro</a:t>
+            </a:r>
+            <a:r>
+              <a:rPr kumimoji="1" lang="zh-CN" altLang="en-US"/>
+              <a:t>中国公众号</a:t>
+            </a:r>
+          </a:p>
+        </p:txBody>
+      </p:sp>
+    </p:spTree>
+  </p:cSld>
+  <p:clrMapOvr>
+    <a:masterClrMapping/>
+  </p:clrMapOvr>
+</p:sld>
+</file>
+
+<file path=ppt/slides/slide3.xml><?xml version="1.0" encoding="utf-8"?>
+<p:sld xmlns:a="http://schemas.openxmlformats.org/drawingml/2006/main" xmlns:r="http://schemas.openxmlformats.org/officeDocument/2006/relationships" xmlns:p="http://schemas.openxmlformats.org/presentationml/2006/main">
+  <p:cSld>
+    <p:spTree>
+      <p:nvGrpSpPr>
+        <p:cNvPr id="1" name="Shape 132"/>
+        <p:cNvGrpSpPr/>
+        <p:nvPr/>
+      </p:nvGrpSpPr>
+      <p:grpSpPr>
+        <a:xfrm>
+          <a:off x="0" y="0"/>
+          <a:ext cx="0" cy="0"/>
+          <a:chOff x="0" y="0"/>
+          <a:chExt cx="0" cy="0"/>
+        </a:xfrm>
+      </p:grpSpPr>
+      <p:sp>
+        <p:nvSpPr>
+          <p:cNvPr id="133" name="Google Shape;133;p19"/>
+          <p:cNvSpPr txBox="1">
+            <a:spLocks noGrp="1"/>
+          </p:cNvSpPr>
+          <p:nvPr>
+            <p:ph type="title"/>
+          </p:nvPr>
+        </p:nvSpPr>
+        <p:spPr>
+          <a:xfrm>
+            <a:off x="311700" y="445025"/>
+            <a:ext cx="8520600" cy="707400"/>
+          </a:xfrm>
+          <a:prstGeom prst="rect">
+            <a:avLst/>
+          </a:prstGeom>
+          <a:noFill/>
+          <a:ln>
+            <a:noFill/>
+          </a:ln>
+        </p:spPr>
+        <p:txBody>
+          <a:bodyPr spcFirstLastPara="1" wrap="square" lIns="91425" tIns="91425" rIns="91425" bIns="91425" anchor="t" anchorCtr="0">
+            <a:noAutofit/>
+          </a:bodyPr>
+          <a:lstStyle/>
+          <a:p>
+            <a:pPr marL="0" lvl="0" indent="0" algn="l" rtl="0">
+              <a:lnSpc>
+                <a:spcPct val="100000"/>
+              </a:lnSpc>
+              <a:spcBef>
+                <a:spcPts val="0"/>
+              </a:spcBef>
+              <a:spcAft>
+                <a:spcPts val="0"/>
+              </a:spcAft>
+              <a:buSzPts val="3600"/>
+              <a:buNone/>
+            </a:pPr>
+            <a:r>
+              <a:rPr lang="en-US"/>
+              <a:t>主题</a:t>
+            </a:r>
+          </a:p>
+        </p:txBody>
+      </p:sp>
+      <p:sp>
+        <p:nvSpPr>
+          <p:cNvPr id="134" name="Google Shape;134;p19"/>
+          <p:cNvSpPr txBox="1">
+            <a:spLocks noGrp="1"/>
+          </p:cNvSpPr>
+          <p:nvPr>
+            <p:ph type="sldNum" idx="12"/>
+          </p:nvPr>
+        </p:nvSpPr>
+        <p:spPr>
+          <a:xfrm>
+            <a:off x="167983" y="4610554"/>
+            <a:ext cx="548700" cy="393600"/>
+          </a:xfrm>
+          <a:prstGeom prst="rect">
+            <a:avLst/>
+          </a:prstGeom>
+          <a:noFill/>
+          <a:ln>
+            <a:noFill/>
+          </a:ln>
+        </p:spPr>
+        <p:txBody>
+          <a:bodyPr spcFirstLastPara="1" wrap="square" lIns="91425" tIns="91425" rIns="91425" bIns="91425" anchor="ctr" anchorCtr="0">
+            <a:noAutofit/>
+          </a:bodyPr>
+          <a:lstStyle/>
+          <a:p>
+            <a:pPr marL="0" lvl="0" indent="0" algn="r" rtl="0">
+              <a:lnSpc>
+                <a:spcPct val="100000"/>
+              </a:lnSpc>
+              <a:spcBef>
+                <a:spcPts val="0"/>
+              </a:spcBef>
+              <a:spcAft>
+                <a:spcPts val="0"/>
+              </a:spcAft>
+              <a:buSzPts val="1000"/>
+              <a:buNone/>
+            </a:pPr>
+            <a:fld id="{00000000-1234-1234-1234-123412341234}" type="slidenum">
+              <a:rPr lang="en-US"/>
+              <a:t>3</a:t>
+            </a:fld>
+            <a:endParaRPr lang="en-US"/>
+          </a:p>
+        </p:txBody>
+      </p:sp>
+      <p:sp>
+        <p:nvSpPr>
+          <p:cNvPr id="135" name="Google Shape;135;p19"/>
+          <p:cNvSpPr txBox="1"/>
+          <p:nvPr/>
+        </p:nvSpPr>
+        <p:spPr>
+          <a:xfrm>
+            <a:off x="419428" y="1216585"/>
+            <a:ext cx="6609080" cy="1513458"/>
+          </a:xfrm>
+          <a:prstGeom prst="rect">
+            <a:avLst/>
+          </a:prstGeom>
+          <a:noFill/>
+          <a:ln>
+            <a:noFill/>
+          </a:ln>
+        </p:spPr>
+        <p:txBody>
+          <a:bodyPr spcFirstLastPara="1" wrap="square" lIns="0" tIns="12700" rIns="0" bIns="0" anchor="t" anchorCtr="0">
+            <a:noAutofit/>
+          </a:bodyPr>
+          <a:lstStyle/>
+          <a:p>
+            <a:pPr marL="355600" lvl="0" indent="-342900">
+              <a:buSzPts val="1400"/>
+              <a:buFont typeface="Arial" panose="020B0604020202020204"/>
+              <a:buAutoNum type="arabicPeriod"/>
+            </a:pPr>
+            <a:r>
+              <a:rPr lang="en-US" altLang="zh-CN" dirty="0">
+                <a:solidFill>
+                  <a:srgbClr val="424242"/>
+                </a:solidFill>
+                <a:latin typeface="Courier New" panose="02070309020205020404"/>
+                <a:ea typeface="Courier New" panose="02070309020205020404"/>
+                <a:cs typeface="Courier New" panose="02070309020205020404"/>
+                <a:sym typeface="Courier New" panose="02070309020205020404"/>
+              </a:rPr>
+              <a:t>Micro</a:t>
+            </a:r>
+            <a:r>
+              <a:rPr lang="zh-CN" altLang="en-US" dirty="0">
+                <a:solidFill>
+                  <a:srgbClr val="424242"/>
+                </a:solidFill>
+                <a:latin typeface="Courier New" panose="02070309020205020404"/>
+                <a:ea typeface="Courier New" panose="02070309020205020404"/>
+                <a:cs typeface="Courier New" panose="02070309020205020404"/>
+                <a:sym typeface="Courier New" panose="02070309020205020404"/>
+              </a:rPr>
+              <a:t> </a:t>
+            </a:r>
+            <a:r>
+              <a:rPr lang="en-US" altLang="zh-CN" dirty="0">
+                <a:solidFill>
+                  <a:srgbClr val="424242"/>
+                </a:solidFill>
+                <a:latin typeface="Courier New" panose="02070309020205020404"/>
+                <a:ea typeface="Courier New" panose="02070309020205020404"/>
+                <a:cs typeface="Courier New" panose="02070309020205020404"/>
+                <a:sym typeface="Courier New" panose="02070309020205020404"/>
+              </a:rPr>
+              <a:t>API</a:t>
+            </a:r>
+            <a:r>
+              <a:rPr lang="zh-CN" altLang="en-US" dirty="0">
+                <a:solidFill>
+                  <a:srgbClr val="424242"/>
+                </a:solidFill>
+                <a:latin typeface="Courier New" panose="02070309020205020404"/>
+                <a:ea typeface="Courier New" panose="02070309020205020404"/>
+                <a:cs typeface="Courier New" panose="02070309020205020404"/>
+                <a:sym typeface="Courier New" panose="02070309020205020404"/>
+              </a:rPr>
+              <a:t> </a:t>
+            </a:r>
+            <a:r>
+              <a:rPr lang="en-US" altLang="zh-CN" dirty="0">
+                <a:solidFill>
+                  <a:srgbClr val="424242"/>
+                </a:solidFill>
+                <a:latin typeface="Courier New" panose="02070309020205020404"/>
+                <a:ea typeface="Courier New" panose="02070309020205020404"/>
+                <a:cs typeface="Courier New" panose="02070309020205020404"/>
+                <a:sym typeface="Courier New" panose="02070309020205020404"/>
+              </a:rPr>
+              <a:t>(Gateway)</a:t>
+            </a:r>
+          </a:p>
+          <a:p>
+            <a:pPr marL="355600" lvl="0" indent="-342900">
+              <a:buSzPts val="1400"/>
+              <a:buFont typeface="Arial" panose="020B0604020202020204"/>
+              <a:buAutoNum type="arabicPeriod"/>
+            </a:pPr>
+            <a:r>
+              <a:rPr lang="en-US" altLang="zh-CN" dirty="0">
+                <a:solidFill>
+                  <a:srgbClr val="424242"/>
+                </a:solidFill>
+                <a:latin typeface="Courier New" panose="02070309020205020404"/>
+                <a:ea typeface="Courier New" panose="02070309020205020404"/>
+                <a:cs typeface="Courier New" panose="02070309020205020404"/>
+                <a:sym typeface="Courier New" panose="02070309020205020404"/>
+              </a:rPr>
+              <a:t>Micro</a:t>
+            </a:r>
+            <a:r>
+              <a:rPr lang="zh-CN" altLang="en-US" dirty="0">
+                <a:solidFill>
+                  <a:srgbClr val="424242"/>
+                </a:solidFill>
+                <a:latin typeface="Courier New" panose="02070309020205020404"/>
+                <a:ea typeface="Courier New" panose="02070309020205020404"/>
+                <a:cs typeface="Courier New" panose="02070309020205020404"/>
+                <a:sym typeface="Courier New" panose="02070309020205020404"/>
+              </a:rPr>
+              <a:t> </a:t>
+            </a:r>
+            <a:r>
+              <a:rPr lang="en-US" altLang="zh-CN" dirty="0">
+                <a:solidFill>
+                  <a:srgbClr val="424242"/>
+                </a:solidFill>
+                <a:latin typeface="Courier New" panose="02070309020205020404"/>
+                <a:ea typeface="Courier New" panose="02070309020205020404"/>
+                <a:cs typeface="Courier New" panose="02070309020205020404"/>
+                <a:sym typeface="Courier New" panose="02070309020205020404"/>
+              </a:rPr>
+              <a:t>CLI</a:t>
+            </a:r>
+          </a:p>
+          <a:p>
+            <a:pPr marL="355600" lvl="0" indent="-342900">
+              <a:buSzPts val="1400"/>
+              <a:buFont typeface="Arial" panose="020B0604020202020204"/>
+              <a:buAutoNum type="arabicPeriod"/>
+            </a:pPr>
+            <a:r>
+              <a:rPr lang="en-US" altLang="zh-CN" dirty="0">
+                <a:solidFill>
+                  <a:srgbClr val="424242"/>
+                </a:solidFill>
+                <a:latin typeface="Courier New" panose="02070309020205020404"/>
+                <a:ea typeface="Courier New" panose="02070309020205020404"/>
+                <a:cs typeface="Courier New" panose="02070309020205020404"/>
+                <a:sym typeface="Courier New" panose="02070309020205020404"/>
+              </a:rPr>
+              <a:t>Micro</a:t>
+            </a:r>
+            <a:r>
+              <a:rPr lang="zh-CN" altLang="en-US" dirty="0">
+                <a:solidFill>
+                  <a:srgbClr val="424242"/>
+                </a:solidFill>
+                <a:latin typeface="Courier New" panose="02070309020205020404"/>
+                <a:ea typeface="Courier New" panose="02070309020205020404"/>
+                <a:cs typeface="Courier New" panose="02070309020205020404"/>
+                <a:sym typeface="Courier New" panose="02070309020205020404"/>
+              </a:rPr>
+              <a:t> </a:t>
+            </a:r>
+            <a:r>
+              <a:rPr lang="en-US" altLang="zh-CN" dirty="0">
+                <a:solidFill>
+                  <a:srgbClr val="424242"/>
+                </a:solidFill>
+                <a:latin typeface="Courier New" panose="02070309020205020404"/>
+                <a:ea typeface="Courier New" panose="02070309020205020404"/>
+                <a:cs typeface="Courier New" panose="02070309020205020404"/>
+                <a:sym typeface="Courier New" panose="02070309020205020404"/>
+              </a:rPr>
+              <a:t>Web</a:t>
+            </a:r>
+          </a:p>
+          <a:p>
+            <a:pPr marL="355600" lvl="0" indent="-342900">
+              <a:buSzPts val="1400"/>
+              <a:buFont typeface="Arial" panose="020B0604020202020204"/>
+              <a:buAutoNum type="arabicPeriod"/>
+            </a:pPr>
+            <a:r>
+              <a:rPr lang="en-US" altLang="zh-CN" dirty="0">
+                <a:solidFill>
+                  <a:srgbClr val="424242"/>
+                </a:solidFill>
+                <a:latin typeface="Courier New" panose="02070309020205020404"/>
+                <a:ea typeface="Courier New" panose="02070309020205020404"/>
+                <a:cs typeface="Courier New" panose="02070309020205020404"/>
+                <a:sym typeface="Courier New" panose="02070309020205020404"/>
+              </a:rPr>
+              <a:t>Micro</a:t>
+            </a:r>
+            <a:r>
+              <a:rPr lang="zh-CN" altLang="en-US" dirty="0">
+                <a:solidFill>
+                  <a:srgbClr val="424242"/>
+                </a:solidFill>
+                <a:latin typeface="Courier New" panose="02070309020205020404"/>
+                <a:ea typeface="Courier New" panose="02070309020205020404"/>
+                <a:cs typeface="Courier New" panose="02070309020205020404"/>
+                <a:sym typeface="Courier New" panose="02070309020205020404"/>
+              </a:rPr>
+              <a:t> </a:t>
+            </a:r>
+            <a:r>
+              <a:rPr lang="en-US" altLang="zh-CN" dirty="0">
+                <a:solidFill>
+                  <a:srgbClr val="424242"/>
+                </a:solidFill>
+                <a:latin typeface="Courier New" panose="02070309020205020404"/>
+                <a:ea typeface="Courier New" panose="02070309020205020404"/>
+                <a:cs typeface="Courier New" panose="02070309020205020404"/>
+                <a:sym typeface="Courier New" panose="02070309020205020404"/>
+              </a:rPr>
+              <a:t>Proxy</a:t>
+            </a:r>
+            <a:r>
+              <a:rPr lang="zh-CN" altLang="en-US" dirty="0">
+                <a:solidFill>
+                  <a:srgbClr val="424242"/>
+                </a:solidFill>
+                <a:latin typeface="Courier New" panose="02070309020205020404"/>
+                <a:ea typeface="Courier New" panose="02070309020205020404"/>
+                <a:cs typeface="Courier New" panose="02070309020205020404"/>
+                <a:sym typeface="Courier New" panose="02070309020205020404"/>
+              </a:rPr>
+              <a:t> （</a:t>
+            </a:r>
+            <a:r>
+              <a:rPr lang="en-US" altLang="zh-CN" dirty="0">
+                <a:solidFill>
+                  <a:srgbClr val="424242"/>
+                </a:solidFill>
+                <a:latin typeface="Courier New" panose="02070309020205020404"/>
+                <a:ea typeface="Courier New" panose="02070309020205020404"/>
+                <a:cs typeface="Courier New" panose="02070309020205020404"/>
+                <a:sym typeface="Courier New" panose="02070309020205020404"/>
+              </a:rPr>
+              <a:t>Go-Micro</a:t>
+            </a:r>
+            <a:r>
+              <a:rPr lang="zh-CN" altLang="en-US" dirty="0">
+                <a:solidFill>
+                  <a:srgbClr val="424242"/>
+                </a:solidFill>
+                <a:latin typeface="Courier New" panose="02070309020205020404"/>
+                <a:ea typeface="Courier New" panose="02070309020205020404"/>
+                <a:cs typeface="Courier New" panose="02070309020205020404"/>
+                <a:sym typeface="Courier New" panose="02070309020205020404"/>
+              </a:rPr>
+              <a:t>服务代理）</a:t>
+            </a:r>
+            <a:endParaRPr lang="en-US" altLang="zh-CN" dirty="0">
+              <a:solidFill>
+                <a:srgbClr val="424242"/>
+              </a:solidFill>
+              <a:latin typeface="Courier New" panose="02070309020205020404"/>
+              <a:ea typeface="Courier New" panose="02070309020205020404"/>
+              <a:cs typeface="Courier New" panose="02070309020205020404"/>
+              <a:sym typeface="Courier New" panose="02070309020205020404"/>
+            </a:endParaRPr>
+          </a:p>
+          <a:p>
+            <a:pPr marL="355600" lvl="0" indent="-342900">
+              <a:buSzPts val="1400"/>
+              <a:buFont typeface="Arial" panose="020B0604020202020204"/>
+              <a:buAutoNum type="arabicPeriod"/>
+            </a:pPr>
+            <a:r>
+              <a:rPr lang="en-US" dirty="0">
+                <a:solidFill>
+                  <a:srgbClr val="424242"/>
+                </a:solidFill>
+                <a:latin typeface="Courier New" panose="02070309020205020404"/>
+                <a:cs typeface="Courier New" panose="02070309020205020404"/>
+              </a:rPr>
+              <a:t>Micro </a:t>
+            </a:r>
+            <a:r>
+              <a:rPr lang="zh-CN" altLang="en-US" dirty="0">
+                <a:solidFill>
+                  <a:srgbClr val="424242"/>
+                </a:solidFill>
+                <a:latin typeface="Courier New" panose="02070309020205020404"/>
+                <a:cs typeface="Courier New" panose="02070309020205020404"/>
+              </a:rPr>
+              <a:t>工具集的发展（</a:t>
+            </a:r>
+            <a:r>
+              <a:rPr lang="en-US" altLang="zh-CN" dirty="0">
+                <a:solidFill>
+                  <a:srgbClr val="424242"/>
+                </a:solidFill>
+                <a:latin typeface="Courier New" panose="02070309020205020404"/>
+                <a:cs typeface="Courier New" panose="02070309020205020404"/>
+              </a:rPr>
+              <a:t>Auth</a:t>
+            </a:r>
+            <a:r>
+              <a:rPr lang="zh-CN" altLang="en-US" dirty="0">
+                <a:solidFill>
+                  <a:srgbClr val="424242"/>
+                </a:solidFill>
+                <a:latin typeface="Courier New" panose="02070309020205020404"/>
+                <a:cs typeface="Courier New" panose="02070309020205020404"/>
+              </a:rPr>
+              <a:t>、</a:t>
+            </a:r>
+            <a:r>
+              <a:rPr lang="en-US" dirty="0" err="1">
+                <a:solidFill>
+                  <a:srgbClr val="424242"/>
+                </a:solidFill>
+                <a:latin typeface="Courier New" panose="02070309020205020404"/>
+                <a:cs typeface="Courier New" panose="02070309020205020404"/>
+              </a:rPr>
+              <a:t>Network，Run、Tunnel、Platform</a:t>
+            </a:r>
+            <a:r>
+              <a:rPr lang="en-US" dirty="0">
+                <a:solidFill>
+                  <a:srgbClr val="424242"/>
+                </a:solidFill>
+                <a:latin typeface="Courier New" panose="02070309020205020404"/>
+                <a:cs typeface="Courier New" panose="02070309020205020404"/>
+              </a:rPr>
+              <a:t>）</a:t>
+            </a:r>
+            <a:endParaRPr lang="en-US" altLang="zh-CN" dirty="0">
+              <a:solidFill>
+                <a:srgbClr val="424242"/>
+              </a:solidFill>
+              <a:latin typeface="Courier New" panose="02070309020205020404"/>
+              <a:cs typeface="Courier New" panose="02070309020205020404"/>
+              <a:sym typeface="Courier New" panose="02070309020205020404"/>
+            </a:endParaRPr>
+          </a:p>
+        </p:txBody>
+      </p:sp>
+    </p:spTree>
+  </p:cSld>
+  <p:clrMapOvr>
+    <a:masterClrMapping/>
+  </p:clrMapOvr>
+</p:sld>
+</file>
+
+<file path=ppt/slides/slide4.xml><?xml version="1.0" encoding="utf-8"?>
+<p:sld xmlns:a="http://schemas.openxmlformats.org/drawingml/2006/main" xmlns:r="http://schemas.openxmlformats.org/officeDocument/2006/relationships" xmlns:p="http://schemas.openxmlformats.org/presentationml/2006/main">
+  <p:cSld>
+    <p:spTree>
+      <p:nvGrpSpPr>
+        <p:cNvPr id="1" name=""/>
+        <p:cNvGrpSpPr/>
+        <p:nvPr/>
+      </p:nvGrpSpPr>
+      <p:grpSpPr>
+        <a:xfrm>
+          <a:off x="0" y="0"/>
+          <a:ext cx="0" cy="0"/>
+          <a:chOff x="0" y="0"/>
+          <a:chExt cx="0" cy="0"/>
+        </a:xfrm>
+      </p:grpSpPr>
+      <p:sp>
+        <p:nvSpPr>
+          <p:cNvPr id="2" name="Title 1">
+            <a:extLst>
+              <a:ext uri="{FF2B5EF4-FFF2-40B4-BE49-F238E27FC236}">
+                <a16:creationId xmlns:a16="http://schemas.microsoft.com/office/drawing/2014/main" id="{3433B073-7F7E-3745-BE97-78B556B01E5C}"/>
+              </a:ext>
+            </a:extLst>
+          </p:cNvPr>
+          <p:cNvSpPr>
+            <a:spLocks noGrp="1"/>
+          </p:cNvSpPr>
+          <p:nvPr>
+            <p:ph type="title"/>
+          </p:nvPr>
+        </p:nvSpPr>
+        <p:spPr/>
+        <p:txBody>
+          <a:bodyPr/>
+          <a:lstStyle/>
+          <a:p>
+            <a:r>
+              <a:rPr kumimoji="1" lang="en-US" altLang="zh-CN"/>
+              <a:t>Micro</a:t>
+            </a:r>
+            <a:r>
+              <a:rPr kumimoji="1" lang="zh-CN" altLang="en-US"/>
+              <a:t>工具集</a:t>
+            </a:r>
+          </a:p>
+        </p:txBody>
+      </p:sp>
+      <p:sp>
+        <p:nvSpPr>
+          <p:cNvPr id="3" name="Text Placeholder 2">
+            <a:extLst>
+              <a:ext uri="{FF2B5EF4-FFF2-40B4-BE49-F238E27FC236}">
+                <a16:creationId xmlns:a16="http://schemas.microsoft.com/office/drawing/2014/main" id="{7EB7CC78-DC90-594C-904C-7BC66F6CA29B}"/>
+              </a:ext>
+            </a:extLst>
+          </p:cNvPr>
+          <p:cNvSpPr>
+            <a:spLocks noGrp="1"/>
+          </p:cNvSpPr>
+          <p:nvPr>
+            <p:ph type="body" idx="1"/>
+          </p:nvPr>
+        </p:nvSpPr>
+        <p:spPr/>
+        <p:txBody>
+          <a:bodyPr/>
+          <a:lstStyle/>
+          <a:p>
+            <a:r>
+              <a:rPr kumimoji="1" lang="en-US" altLang="zh-CN" dirty="0"/>
+              <a:t>Go-Micro</a:t>
+            </a:r>
+            <a:r>
+              <a:rPr kumimoji="1" lang="zh-CN" altLang="en-US" dirty="0"/>
+              <a:t>与</a:t>
+            </a:r>
+            <a:r>
+              <a:rPr kumimoji="1" lang="en-US" altLang="zh-CN" dirty="0"/>
+              <a:t>Micro</a:t>
+            </a:r>
+            <a:r>
+              <a:rPr kumimoji="1" lang="zh-CN" altLang="en-US" dirty="0"/>
+              <a:t>，两个项目的关联</a:t>
+            </a:r>
+            <a:endParaRPr kumimoji="1" lang="en-US" altLang="zh-CN" dirty="0"/>
+          </a:p>
+          <a:p>
+            <a:endParaRPr kumimoji="1" lang="en-US" altLang="zh-CN" dirty="0"/>
+          </a:p>
+          <a:p>
+            <a:r>
+              <a:rPr kumimoji="1" lang="en-US" altLang="zh-CN" dirty="0"/>
+              <a:t>Go-Micro</a:t>
+            </a:r>
+            <a:r>
+              <a:rPr kumimoji="1" lang="zh-CN" altLang="en-US" dirty="0"/>
+              <a:t>是框架，不是服务，但是使用它来编写微服务</a:t>
+            </a:r>
+            <a:endParaRPr kumimoji="1" lang="en-US" altLang="zh-CN" dirty="0"/>
+          </a:p>
+          <a:p>
+            <a:r>
+              <a:rPr kumimoji="1" lang="en-US" altLang="zh-CN" dirty="0"/>
+              <a:t>Micro</a:t>
+            </a:r>
+            <a:r>
+              <a:rPr kumimoji="1" lang="zh-CN" altLang="en-US" dirty="0"/>
+              <a:t>是基于</a:t>
+            </a:r>
+            <a:r>
+              <a:rPr kumimoji="1" lang="en-US" altLang="zh-CN" dirty="0"/>
+              <a:t>Go-Micro</a:t>
+            </a:r>
+            <a:r>
+              <a:rPr kumimoji="1" lang="zh-CN" altLang="en-US" dirty="0"/>
+              <a:t>编写，面向</a:t>
+            </a:r>
+            <a:r>
+              <a:rPr kumimoji="1" lang="en-US" altLang="zh-CN" dirty="0"/>
+              <a:t>Go-Micro</a:t>
+            </a:r>
+            <a:r>
+              <a:rPr kumimoji="1" lang="zh-CN" altLang="en-US" dirty="0"/>
+              <a:t>服务</a:t>
+            </a:r>
+            <a:r>
+              <a:rPr kumimoji="1" lang="zh-CN" altLang="en-US"/>
+              <a:t>治理与生态的</a:t>
+            </a:r>
+            <a:r>
+              <a:rPr kumimoji="1" lang="zh-CN" altLang="en-US" dirty="0"/>
+              <a:t>工具集，它包含很多服务、工具。</a:t>
+            </a:r>
+            <a:endParaRPr kumimoji="1" lang="en-US" altLang="zh-CN" dirty="0"/>
+          </a:p>
+          <a:p>
+            <a:endParaRPr kumimoji="1" lang="zh-CN" altLang="en-US" dirty="0"/>
+          </a:p>
+        </p:txBody>
+      </p:sp>
+      <p:sp>
+        <p:nvSpPr>
+          <p:cNvPr id="4" name="Google Shape;128;p18">
+            <a:extLst>
+              <a:ext uri="{FF2B5EF4-FFF2-40B4-BE49-F238E27FC236}">
+                <a16:creationId xmlns:a16="http://schemas.microsoft.com/office/drawing/2014/main" id="{B5D756C7-D1BD-E044-BD7B-A74D62004EC7}"/>
+              </a:ext>
+            </a:extLst>
+          </p:cNvPr>
+          <p:cNvSpPr/>
+          <p:nvPr/>
+        </p:nvSpPr>
+        <p:spPr>
+          <a:xfrm>
+            <a:off x="7743870" y="721831"/>
+            <a:ext cx="1120800" cy="307800"/>
+          </a:xfrm>
+          <a:prstGeom prst="rect">
+            <a:avLst/>
+          </a:prstGeom>
+          <a:noFill/>
+          <a:ln>
+            <a:noFill/>
+          </a:ln>
+        </p:spPr>
+        <p:txBody>
+          <a:bodyPr spcFirstLastPara="1" wrap="square" lIns="91425" tIns="45700" rIns="91425" bIns="45700" anchor="t" anchorCtr="0">
+            <a:noAutofit/>
+          </a:bodyPr>
+          <a:lstStyle/>
+          <a:p>
+            <a:pPr marL="0" marR="0" lvl="0" indent="0" algn="l" rtl="0">
+              <a:lnSpc>
+                <a:spcPct val="100000"/>
+              </a:lnSpc>
+              <a:spcBef>
+                <a:spcPts val="0"/>
+              </a:spcBef>
+              <a:spcAft>
+                <a:spcPts val="0"/>
+              </a:spcAft>
+              <a:buNone/>
+            </a:pPr>
+            <a:r>
+              <a:rPr lang="zh-CN" altLang="en-US" b="1">
+                <a:solidFill>
+                  <a:schemeClr val="accent1"/>
+                </a:solidFill>
+                <a:latin typeface="PT Sans Narrow" panose="020B0506020203020204"/>
+                <a:ea typeface="PT Sans Narrow" panose="020B0506020203020204"/>
+                <a:cs typeface="PT Sans Narrow" panose="020B0506020203020204"/>
+                <a:sym typeface="PT Sans Narrow" panose="020B0506020203020204"/>
+              </a:rPr>
+              <a:t>全功能介绍</a:t>
+            </a:r>
+            <a:endParaRPr sz="3600" b="1" i="0" u="none" strike="noStrike" cap="none">
+              <a:solidFill>
+                <a:schemeClr val="accent1"/>
+              </a:solidFill>
+              <a:latin typeface="PT Sans Narrow" panose="020B0506020203020204"/>
+              <a:ea typeface="PT Sans Narrow" panose="020B0506020203020204"/>
+              <a:cs typeface="PT Sans Narrow" panose="020B0506020203020204"/>
+              <a:sym typeface="PT Sans Narrow" panose="020B0506020203020204"/>
+            </a:endParaRPr>
+          </a:p>
+        </p:txBody>
+      </p:sp>
+    </p:spTree>
+    <p:extLst>
+      <p:ext uri="{BB962C8B-B14F-4D97-AF65-F5344CB8AC3E}">
+        <p14:creationId xmlns:p14="http://schemas.microsoft.com/office/powerpoint/2010/main" val="3605090192"/>
+      </p:ext>
+    </p:extLst>
+  </p:cSld>
+  <p:clrMapOvr>
+    <a:masterClrMapping/>
+  </p:clrMapOvr>
+</p:sld>
+</file>
+
+<file path=ppt/slides/slide5.xml><?xml version="1.0" encoding="utf-8"?>
+<p:sld xmlns:a="http://schemas.openxmlformats.org/drawingml/2006/main" xmlns:r="http://schemas.openxmlformats.org/officeDocument/2006/relationships" xmlns:p="http://schemas.openxmlformats.org/presentationml/2006/main">
+  <p:cSld>
+    <p:spTree>
+      <p:nvGrpSpPr>
+        <p:cNvPr id="1" name=""/>
+        <p:cNvGrpSpPr/>
+        <p:nvPr/>
+      </p:nvGrpSpPr>
+      <p:grpSpPr>
+        <a:xfrm>
+          <a:off x="0" y="0"/>
+          <a:ext cx="0" cy="0"/>
+          <a:chOff x="0" y="0"/>
+          <a:chExt cx="0" cy="0"/>
+        </a:xfrm>
+      </p:grpSpPr>
+      <p:sp>
+        <p:nvSpPr>
+          <p:cNvPr id="2" name="Title 1">
+            <a:extLst>
+              <a:ext uri="{FF2B5EF4-FFF2-40B4-BE49-F238E27FC236}">
+                <a16:creationId xmlns:a16="http://schemas.microsoft.com/office/drawing/2014/main" id="{3433B073-7F7E-3745-BE97-78B556B01E5C}"/>
+              </a:ext>
+            </a:extLst>
+          </p:cNvPr>
+          <p:cNvSpPr>
+            <a:spLocks noGrp="1"/>
+          </p:cNvSpPr>
+          <p:nvPr>
+            <p:ph type="title"/>
+          </p:nvPr>
+        </p:nvSpPr>
+        <p:spPr/>
+        <p:txBody>
+          <a:bodyPr/>
+          <a:lstStyle/>
+          <a:p>
+            <a:r>
+              <a:rPr kumimoji="1" lang="en-US" altLang="zh-CN"/>
+              <a:t>Micro</a:t>
+            </a:r>
+            <a:r>
+              <a:rPr kumimoji="1" lang="zh-CN" altLang="en-US"/>
+              <a:t>工具集</a:t>
+            </a:r>
+          </a:p>
+        </p:txBody>
+      </p:sp>
+      <p:sp>
+        <p:nvSpPr>
+          <p:cNvPr id="3" name="Text Placeholder 2">
+            <a:extLst>
+              <a:ext uri="{FF2B5EF4-FFF2-40B4-BE49-F238E27FC236}">
+                <a16:creationId xmlns:a16="http://schemas.microsoft.com/office/drawing/2014/main" id="{7EB7CC78-DC90-594C-904C-7BC66F6CA29B}"/>
+              </a:ext>
+            </a:extLst>
+          </p:cNvPr>
+          <p:cNvSpPr>
+            <a:spLocks noGrp="1"/>
+          </p:cNvSpPr>
+          <p:nvPr>
+            <p:ph type="body" idx="1"/>
+          </p:nvPr>
+        </p:nvSpPr>
+        <p:spPr/>
+        <p:txBody>
+          <a:bodyPr/>
+          <a:lstStyle/>
+          <a:p>
+            <a:r>
+              <a:rPr kumimoji="1" lang="en-US" altLang="zh-CN"/>
+              <a:t>Registry</a:t>
+            </a:r>
+            <a:r>
+              <a:rPr kumimoji="1" lang="zh-CN" altLang="en-US"/>
+              <a:t> 注册中心（代理服务注册）</a:t>
+            </a:r>
+            <a:endParaRPr kumimoji="1" lang="en-US" altLang="zh-CN"/>
+          </a:p>
+          <a:p>
+            <a:r>
+              <a:rPr kumimoji="1" lang="en-US" altLang="zh-CN"/>
+              <a:t>API</a:t>
+            </a:r>
+            <a:r>
+              <a:rPr kumimoji="1" lang="zh-CN" altLang="en-US"/>
+              <a:t> 微服务网关</a:t>
+            </a:r>
+          </a:p>
+        </p:txBody>
+      </p:sp>
+      <p:sp>
+        <p:nvSpPr>
+          <p:cNvPr id="4" name="Google Shape;128;p18">
+            <a:extLst>
+              <a:ext uri="{FF2B5EF4-FFF2-40B4-BE49-F238E27FC236}">
+                <a16:creationId xmlns:a16="http://schemas.microsoft.com/office/drawing/2014/main" id="{B5D756C7-D1BD-E044-BD7B-A74D62004EC7}"/>
+              </a:ext>
+            </a:extLst>
+          </p:cNvPr>
+          <p:cNvSpPr/>
+          <p:nvPr/>
+        </p:nvSpPr>
+        <p:spPr>
+          <a:xfrm>
+            <a:off x="7743870" y="721831"/>
+            <a:ext cx="1120800" cy="307800"/>
+          </a:xfrm>
+          <a:prstGeom prst="rect">
+            <a:avLst/>
+          </a:prstGeom>
+          <a:noFill/>
+          <a:ln>
+            <a:noFill/>
+          </a:ln>
+        </p:spPr>
+        <p:txBody>
+          <a:bodyPr spcFirstLastPara="1" wrap="square" lIns="91425" tIns="45700" rIns="91425" bIns="45700" anchor="t" anchorCtr="0">
+            <a:noAutofit/>
+          </a:bodyPr>
+          <a:lstStyle/>
+          <a:p>
+            <a:pPr marL="0" marR="0" lvl="0" indent="0" algn="l" rtl="0">
+              <a:lnSpc>
+                <a:spcPct val="100000"/>
+              </a:lnSpc>
+              <a:spcBef>
+                <a:spcPts val="0"/>
+              </a:spcBef>
+              <a:spcAft>
+                <a:spcPts val="0"/>
+              </a:spcAft>
+              <a:buNone/>
+            </a:pPr>
+            <a:r>
+              <a:rPr lang="zh-CN" altLang="en-US" b="1">
+                <a:solidFill>
+                  <a:schemeClr val="accent1"/>
+                </a:solidFill>
+                <a:latin typeface="PT Sans Narrow" panose="020B0506020203020204"/>
+                <a:ea typeface="PT Sans Narrow" panose="020B0506020203020204"/>
+                <a:cs typeface="PT Sans Narrow" panose="020B0506020203020204"/>
+                <a:sym typeface="PT Sans Narrow" panose="020B0506020203020204"/>
+              </a:rPr>
+              <a:t>全功能介绍</a:t>
+            </a:r>
+            <a:endParaRPr sz="3600" b="1" i="0" u="none" strike="noStrike" cap="none">
+              <a:solidFill>
+                <a:schemeClr val="accent1"/>
+              </a:solidFill>
+              <a:latin typeface="PT Sans Narrow" panose="020B0506020203020204"/>
+              <a:ea typeface="PT Sans Narrow" panose="020B0506020203020204"/>
+              <a:cs typeface="PT Sans Narrow" panose="020B0506020203020204"/>
+              <a:sym typeface="PT Sans Narrow" panose="020B0506020203020204"/>
+            </a:endParaRPr>
+          </a:p>
+        </p:txBody>
+      </p:sp>
+    </p:spTree>
+    <p:extLst>
+      <p:ext uri="{BB962C8B-B14F-4D97-AF65-F5344CB8AC3E}">
+        <p14:creationId xmlns:p14="http://schemas.microsoft.com/office/powerpoint/2010/main" val="1024920243"/>
+      </p:ext>
+    </p:extLst>
+  </p:cSld>
+  <p:clrMapOvr>
+    <a:masterClrMapping/>
+  </p:clrMapOvr>
+</p:sld>
+</file>
+
+<file path=ppt/slides/slide6.xml><?xml version="1.0" encoding="utf-8"?>
+<p:sld xmlns:a="http://schemas.openxmlformats.org/drawingml/2006/main" xmlns:r="http://schemas.openxmlformats.org/officeDocument/2006/relationships" xmlns:p="http://schemas.openxmlformats.org/presentationml/2006/main">
+  <p:cSld>
+    <p:spTree>
+      <p:nvGrpSpPr>
+        <p:cNvPr id="1" name="Shape 139"/>
+        <p:cNvGrpSpPr/>
+        <p:nvPr/>
+      </p:nvGrpSpPr>
+      <p:grpSpPr>
+        <a:xfrm>
+          <a:off x="0" y="0"/>
+          <a:ext cx="0" cy="0"/>
+          <a:chOff x="0" y="0"/>
+          <a:chExt cx="0" cy="0"/>
+        </a:xfrm>
+      </p:grpSpPr>
+      <p:sp>
+        <p:nvSpPr>
+          <p:cNvPr id="140" name="Google Shape;140;p20"/>
+          <p:cNvSpPr txBox="1">
+            <a:spLocks noGrp="1"/>
+          </p:cNvSpPr>
+          <p:nvPr>
+            <p:ph type="title"/>
+          </p:nvPr>
+        </p:nvSpPr>
+        <p:spPr>
+          <a:xfrm>
+            <a:off x="271359" y="935823"/>
+            <a:ext cx="8571300" cy="942000"/>
+          </a:xfrm>
+          <a:prstGeom prst="rect">
+            <a:avLst/>
+          </a:prstGeom>
+          <a:noFill/>
+          <a:ln>
+            <a:noFill/>
+          </a:ln>
+        </p:spPr>
+        <p:txBody>
+          <a:bodyPr spcFirstLastPara="1" wrap="square" lIns="91425" tIns="91425" rIns="91425" bIns="91425" anchor="ctr" anchorCtr="0">
+            <a:noAutofit/>
+          </a:bodyPr>
+          <a:lstStyle/>
+          <a:p>
+            <a:pPr marL="0" lvl="0" indent="0" algn="ctr" rtl="0">
+              <a:lnSpc>
+                <a:spcPct val="100000"/>
+              </a:lnSpc>
+              <a:spcBef>
+                <a:spcPts val="0"/>
+              </a:spcBef>
+              <a:spcAft>
+                <a:spcPts val="0"/>
+              </a:spcAft>
+              <a:buSzPts val="3600"/>
+              <a:buNone/>
+            </a:pPr>
+            <a:r>
+              <a:rPr lang="en-US" altLang="zh-CN"/>
+              <a:t>Micro</a:t>
+            </a:r>
+            <a:r>
+              <a:rPr lang="zh-CN" altLang="en-US"/>
+              <a:t> </a:t>
+            </a:r>
+            <a:r>
+              <a:rPr lang="en-US" altLang="zh-CN"/>
+              <a:t>API</a:t>
+            </a:r>
+            <a:endParaRPr lang="en-US"/>
+          </a:p>
+        </p:txBody>
+      </p:sp>
+      <p:sp>
+        <p:nvSpPr>
+          <p:cNvPr id="141" name="Google Shape;141;p20"/>
+          <p:cNvSpPr txBox="1">
+            <a:spLocks noGrp="1"/>
+          </p:cNvSpPr>
+          <p:nvPr>
+            <p:ph type="sldNum" idx="12"/>
+          </p:nvPr>
+        </p:nvSpPr>
+        <p:spPr>
+          <a:xfrm>
+            <a:off x="145283" y="4583792"/>
+            <a:ext cx="548700" cy="393600"/>
+          </a:xfrm>
+          <a:prstGeom prst="rect">
+            <a:avLst/>
+          </a:prstGeom>
+          <a:noFill/>
+          <a:ln>
+            <a:noFill/>
+          </a:ln>
+        </p:spPr>
+        <p:txBody>
+          <a:bodyPr spcFirstLastPara="1" wrap="square" lIns="91425" tIns="91425" rIns="91425" bIns="91425" anchor="ctr" anchorCtr="0">
+            <a:noAutofit/>
+          </a:bodyPr>
+          <a:lstStyle/>
+          <a:p>
+            <a:pPr marL="0" lvl="0" indent="0" algn="r" rtl="0">
+              <a:lnSpc>
+                <a:spcPct val="100000"/>
+              </a:lnSpc>
+              <a:spcBef>
+                <a:spcPts val="0"/>
+              </a:spcBef>
+              <a:spcAft>
+                <a:spcPts val="0"/>
+              </a:spcAft>
+              <a:buSzPts val="1000"/>
+              <a:buNone/>
+            </a:pPr>
+            <a:fld id="{00000000-1234-1234-1234-123412341234}" type="slidenum">
+              <a:rPr lang="en-US"/>
+              <a:t>6</a:t>
+            </a:fld>
+            <a:endParaRPr lang="en-US"/>
+          </a:p>
+        </p:txBody>
+      </p:sp>
+    </p:spTree>
+  </p:cSld>
+  <p:clrMapOvr>
+    <a:masterClrMapping/>
+  </p:clrMapOvr>
+</p:sld>
+</file>
+
+<file path=ppt/slides/slide7.xml><?xml version="1.0" encoding="utf-8"?>
+<p:sld xmlns:a="http://schemas.openxmlformats.org/drawingml/2006/main" xmlns:r="http://schemas.openxmlformats.org/officeDocument/2006/relationships" xmlns:p="http://schemas.openxmlformats.org/presentationml/2006/main">
+  <p:cSld>
+    <p:spTree>
+      <p:nvGrpSpPr>
+        <p:cNvPr id="1" name="Shape 259"/>
+        <p:cNvGrpSpPr/>
+        <p:nvPr/>
+      </p:nvGrpSpPr>
+      <p:grpSpPr>
+        <a:xfrm>
+          <a:off x="0" y="0"/>
+          <a:ext cx="0" cy="0"/>
+          <a:chOff x="0" y="0"/>
+          <a:chExt cx="0" cy="0"/>
+        </a:xfrm>
+      </p:grpSpPr>
+      <p:sp>
+        <p:nvSpPr>
+          <p:cNvPr id="260" name="Google Shape;260;p28"/>
+          <p:cNvSpPr txBox="1">
+            <a:spLocks noGrp="1"/>
+          </p:cNvSpPr>
+          <p:nvPr>
+            <p:ph type="title"/>
+          </p:nvPr>
+        </p:nvSpPr>
+        <p:spPr>
+          <a:xfrm>
+            <a:off x="311699" y="445025"/>
+            <a:ext cx="2511593" cy="707400"/>
+          </a:xfrm>
+          <a:prstGeom prst="rect">
+            <a:avLst/>
+          </a:prstGeom>
+          <a:noFill/>
+          <a:ln>
+            <a:noFill/>
+          </a:ln>
+        </p:spPr>
+        <p:txBody>
+          <a:bodyPr spcFirstLastPara="1" wrap="square" lIns="91425" tIns="91425" rIns="91425" bIns="91425" anchor="t" anchorCtr="0">
+            <a:noAutofit/>
+          </a:bodyPr>
+          <a:lstStyle/>
+          <a:p>
+            <a:pPr lvl="0"/>
+            <a:r>
+              <a:rPr lang="en-US" altLang="zh-CN" dirty="0"/>
+              <a:t>Micro</a:t>
+            </a:r>
+            <a:r>
+              <a:rPr lang="zh-CN" altLang="en-US" dirty="0"/>
+              <a:t> </a:t>
+            </a:r>
+            <a:r>
+              <a:rPr lang="en-US" altLang="zh-CN" dirty="0"/>
+              <a:t>API</a:t>
+            </a:r>
+            <a:endParaRPr lang="en-US" dirty="0"/>
+          </a:p>
+        </p:txBody>
+      </p:sp>
+      <p:sp>
+        <p:nvSpPr>
+          <p:cNvPr id="261" name="Google Shape;261;p28"/>
+          <p:cNvSpPr txBox="1">
+            <a:spLocks noGrp="1"/>
+          </p:cNvSpPr>
+          <p:nvPr>
+            <p:ph type="sldNum" idx="12"/>
+          </p:nvPr>
+        </p:nvSpPr>
+        <p:spPr>
+          <a:xfrm>
+            <a:off x="167983" y="4610554"/>
+            <a:ext cx="548700" cy="393600"/>
+          </a:xfrm>
+          <a:prstGeom prst="rect">
+            <a:avLst/>
+          </a:prstGeom>
+          <a:noFill/>
+          <a:ln>
+            <a:noFill/>
+          </a:ln>
+        </p:spPr>
+        <p:txBody>
+          <a:bodyPr spcFirstLastPara="1" wrap="square" lIns="91425" tIns="91425" rIns="91425" bIns="91425" anchor="ctr" anchorCtr="0">
+            <a:noAutofit/>
+          </a:bodyPr>
+          <a:lstStyle/>
+          <a:p>
+            <a:pPr marL="0" lvl="0" indent="0" algn="r" rtl="0">
+              <a:lnSpc>
+                <a:spcPct val="100000"/>
+              </a:lnSpc>
+              <a:spcBef>
+                <a:spcPts val="0"/>
+              </a:spcBef>
+              <a:spcAft>
+                <a:spcPts val="0"/>
+              </a:spcAft>
+              <a:buSzPts val="1000"/>
+              <a:buNone/>
+            </a:pPr>
+            <a:fld id="{00000000-1234-1234-1234-123412341234}" type="slidenum">
+              <a:rPr lang="en-US"/>
+              <a:t>7</a:t>
+            </a:fld>
+            <a:endParaRPr lang="en-US"/>
+          </a:p>
+        </p:txBody>
+      </p:sp>
+      <p:sp>
+        <p:nvSpPr>
+          <p:cNvPr id="262" name="Google Shape;262;p28"/>
+          <p:cNvSpPr/>
+          <p:nvPr/>
+        </p:nvSpPr>
+        <p:spPr>
+          <a:xfrm>
+            <a:off x="5894262" y="701662"/>
+            <a:ext cx="3067022" cy="307777"/>
+          </a:xfrm>
+          <a:prstGeom prst="rect">
+            <a:avLst/>
+          </a:prstGeom>
+          <a:noFill/>
+          <a:ln>
+            <a:noFill/>
+          </a:ln>
+        </p:spPr>
+        <p:txBody>
+          <a:bodyPr spcFirstLastPara="1" wrap="square" lIns="91425" tIns="45700" rIns="91425" bIns="45700" anchor="t" anchorCtr="0">
+            <a:noAutofit/>
+          </a:bodyPr>
+          <a:lstStyle/>
+          <a:p>
+            <a:pPr marL="0" marR="0" lvl="0" indent="0" algn="l" rtl="0">
+              <a:lnSpc>
+                <a:spcPct val="100000"/>
+              </a:lnSpc>
+              <a:spcBef>
+                <a:spcPts val="0"/>
+              </a:spcBef>
+              <a:spcAft>
+                <a:spcPts val="0"/>
+              </a:spcAft>
+              <a:buNone/>
+            </a:pPr>
+            <a:endParaRPr sz="3600" b="1" i="0" u="none" strike="noStrike" cap="none">
+              <a:solidFill>
+                <a:schemeClr val="accent1"/>
+              </a:solidFill>
+              <a:latin typeface="PT Sans Narrow" panose="020B0506020203020204"/>
+              <a:ea typeface="PT Sans Narrow" panose="020B0506020203020204"/>
+              <a:cs typeface="PT Sans Narrow" panose="020B0506020203020204"/>
+              <a:sym typeface="PT Sans Narrow" panose="020B0506020203020204"/>
+            </a:endParaRPr>
+          </a:p>
+        </p:txBody>
+      </p:sp>
+      <p:sp>
+        <p:nvSpPr>
+          <p:cNvPr id="6" name="TextBox 5"/>
+          <p:cNvSpPr txBox="1"/>
+          <p:nvPr/>
+        </p:nvSpPr>
+        <p:spPr>
+          <a:xfrm>
+            <a:off x="442333" y="1669957"/>
+            <a:ext cx="5703741" cy="523220"/>
+          </a:xfrm>
+          <a:prstGeom prst="rect">
+            <a:avLst/>
+          </a:prstGeom>
+          <a:noFill/>
+        </p:spPr>
+        <p:txBody>
+          <a:bodyPr wrap="square" rtlCol="0">
+            <a:spAutoFit/>
+          </a:bodyPr>
+          <a:lstStyle/>
+          <a:p>
+            <a:r>
+              <a:rPr kumimoji="1" lang="en-US" altLang="zh-CN" baseline="-25000"/>
+              <a:t>1.</a:t>
+            </a:r>
+            <a:r>
+              <a:rPr kumimoji="1" lang="zh-CN" altLang="en-US" baseline="-25000"/>
+              <a:t> </a:t>
+            </a:r>
+            <a:r>
+              <a:rPr kumimoji="1" lang="en-US" altLang="zh-CN" baseline="-25000"/>
+              <a:t>Go-Micro</a:t>
+            </a:r>
+            <a:r>
+              <a:rPr kumimoji="1" lang="zh-CN" altLang="en-US" baseline="-25000"/>
+              <a:t>风格服务的网关，负责代理外部请求</a:t>
+            </a:r>
+            <a:endParaRPr kumimoji="1" lang="en-US" altLang="zh-CN" baseline="-25000"/>
+          </a:p>
+          <a:p>
+            <a:r>
+              <a:rPr kumimoji="1" lang="en-US" altLang="zh-CN" baseline="-25000"/>
+              <a:t>2.</a:t>
+            </a:r>
+            <a:r>
+              <a:rPr kumimoji="1" lang="zh-CN" altLang="en-US" baseline="-25000"/>
+              <a:t> 不提供统一的接入层，针对不同的微服务类型，提供不同的网关接入（</a:t>
+            </a:r>
+            <a:r>
+              <a:rPr kumimoji="1" lang="en-US" altLang="zh-CN" b="1" baseline="-25000">
+                <a:solidFill>
+                  <a:schemeClr val="accent1"/>
+                </a:solidFill>
+              </a:rPr>
+              <a:t>HTTP</a:t>
+            </a:r>
+            <a:r>
+              <a:rPr kumimoji="1" lang="zh-CN" altLang="en-US" b="1" baseline="-25000">
+                <a:solidFill>
+                  <a:schemeClr val="accent1"/>
+                </a:solidFill>
+              </a:rPr>
+              <a:t>、</a:t>
+            </a:r>
+            <a:r>
+              <a:rPr kumimoji="1" lang="en-US" altLang="zh-CN" b="1" baseline="-25000">
+                <a:solidFill>
+                  <a:schemeClr val="accent1"/>
+                </a:solidFill>
+              </a:rPr>
+              <a:t>RPC</a:t>
+            </a:r>
+            <a:r>
+              <a:rPr kumimoji="1" lang="zh-CN" altLang="en-US" b="1" baseline="-25000">
+                <a:solidFill>
+                  <a:schemeClr val="accent1"/>
+                </a:solidFill>
+              </a:rPr>
+              <a:t>、</a:t>
+            </a:r>
+            <a:r>
+              <a:rPr kumimoji="1" lang="en-US" altLang="zh-CN" b="1" baseline="-25000">
+                <a:solidFill>
+                  <a:schemeClr val="accent1"/>
+                </a:solidFill>
+              </a:rPr>
+              <a:t>API</a:t>
+            </a:r>
+            <a:r>
+              <a:rPr kumimoji="1" lang="zh-CN" altLang="en-US" b="1" baseline="-25000">
+                <a:solidFill>
+                  <a:schemeClr val="accent1"/>
+                </a:solidFill>
+              </a:rPr>
+              <a:t>、</a:t>
+            </a:r>
+            <a:r>
+              <a:rPr kumimoji="1" lang="en-US" altLang="zh-CN" b="1" baseline="-25000">
+                <a:solidFill>
+                  <a:schemeClr val="accent1"/>
+                </a:solidFill>
+              </a:rPr>
+              <a:t>Event</a:t>
+            </a:r>
+            <a:r>
+              <a:rPr kumimoji="1" lang="zh-CN" altLang="en-US" baseline="-25000"/>
+              <a:t>）</a:t>
+            </a:r>
+            <a:endParaRPr kumimoji="1" lang="en-US" altLang="zh-CN" baseline="-25000"/>
+          </a:p>
+          <a:p>
+            <a:r>
+              <a:rPr kumimoji="1" lang="en-US" altLang="zh-CN" baseline="-25000"/>
+              <a:t>3.</a:t>
+            </a:r>
+            <a:r>
+              <a:rPr kumimoji="1" lang="zh-CN" altLang="en-US" baseline="-25000"/>
+              <a:t> 默认（目前也唯一）基于服务命名空间自动路由</a:t>
+            </a:r>
+            <a:endParaRPr kumimoji="1" lang="en-US" altLang="zh-CN" baseline="-25000"/>
+          </a:p>
+        </p:txBody>
+      </p:sp>
+      <p:sp>
+        <p:nvSpPr>
+          <p:cNvPr id="7" name="Google Shape;128;p18"/>
+          <p:cNvSpPr/>
+          <p:nvPr/>
+        </p:nvSpPr>
+        <p:spPr>
+          <a:xfrm>
+            <a:off x="7897090" y="726010"/>
+            <a:ext cx="1618743" cy="307800"/>
+          </a:xfrm>
+          <a:prstGeom prst="rect">
+            <a:avLst/>
+          </a:prstGeom>
+          <a:noFill/>
+          <a:ln>
+            <a:noFill/>
+          </a:ln>
+        </p:spPr>
+        <p:txBody>
+          <a:bodyPr spcFirstLastPara="1" wrap="square" lIns="91425" tIns="45700" rIns="91425" bIns="45700" anchor="t" anchorCtr="0">
+            <a:noAutofit/>
+          </a:bodyPr>
+          <a:lstStyle/>
+          <a:p>
+            <a:pPr marL="0" marR="0" lvl="0" indent="0" algn="l" rtl="0">
+              <a:lnSpc>
+                <a:spcPct val="100000"/>
+              </a:lnSpc>
+              <a:spcBef>
+                <a:spcPts val="0"/>
+              </a:spcBef>
+              <a:spcAft>
+                <a:spcPts val="0"/>
+              </a:spcAft>
+              <a:buNone/>
+            </a:pPr>
+            <a:r>
+              <a:rPr lang="zh-CN" altLang="en-US" b="1">
+                <a:solidFill>
+                  <a:schemeClr val="accent1"/>
+                </a:solidFill>
+                <a:latin typeface="PT Sans Narrow" panose="020B0506020203020204"/>
+                <a:ea typeface="PT Sans Narrow" panose="020B0506020203020204"/>
+                <a:cs typeface="PT Sans Narrow" panose="020B0506020203020204"/>
+                <a:sym typeface="PT Sans Narrow" panose="020B0506020203020204"/>
+              </a:rPr>
+              <a:t>服务网关</a:t>
+            </a:r>
+            <a:endParaRPr sz="3600" b="1" i="0" u="none" strike="noStrike" cap="none">
+              <a:solidFill>
+                <a:schemeClr val="accent1"/>
+              </a:solidFill>
+              <a:latin typeface="PT Sans Narrow" panose="020B0506020203020204"/>
+              <a:ea typeface="PT Sans Narrow" panose="020B0506020203020204"/>
+              <a:cs typeface="PT Sans Narrow" panose="020B0506020203020204"/>
+              <a:sym typeface="PT Sans Narrow" panose="020B0506020203020204"/>
+            </a:endParaRPr>
+          </a:p>
+        </p:txBody>
+      </p:sp>
+      <p:sp>
+        <p:nvSpPr>
+          <p:cNvPr id="11" name="TextBox 10">
+            <a:extLst>
+              <a:ext uri="{FF2B5EF4-FFF2-40B4-BE49-F238E27FC236}">
+                <a16:creationId xmlns:a16="http://schemas.microsoft.com/office/drawing/2014/main" id="{BA2FBAAE-AFB2-1346-8320-508A501E3AE2}"/>
+              </a:ext>
+            </a:extLst>
+          </p:cNvPr>
+          <p:cNvSpPr txBox="1"/>
+          <p:nvPr/>
+        </p:nvSpPr>
+        <p:spPr>
+          <a:xfrm>
+            <a:off x="352728" y="1362180"/>
+            <a:ext cx="4898245" cy="307777"/>
+          </a:xfrm>
+          <a:prstGeom prst="rect">
+            <a:avLst/>
+          </a:prstGeom>
+          <a:noFill/>
+        </p:spPr>
+        <p:txBody>
+          <a:bodyPr wrap="square" rtlCol="0">
+            <a:spAutoFit/>
+          </a:bodyPr>
+          <a:lstStyle/>
+          <a:p>
+            <a:r>
+              <a:rPr kumimoji="1" lang="en-US" altLang="zh-CN"/>
+              <a:t>Micro</a:t>
+            </a:r>
+            <a:r>
+              <a:rPr kumimoji="1" lang="zh-CN" altLang="en-US"/>
+              <a:t> </a:t>
+            </a:r>
+            <a:r>
+              <a:rPr kumimoji="1" lang="en-US" altLang="zh-CN"/>
+              <a:t>API</a:t>
+            </a:r>
+            <a:r>
+              <a:rPr kumimoji="1" lang="zh-CN" altLang="en-US"/>
+              <a:t>的特点：</a:t>
+            </a:r>
+            <a:endParaRPr kumimoji="1" lang="en-US" altLang="zh-CN"/>
+          </a:p>
+        </p:txBody>
+      </p:sp>
+      <p:pic>
+        <p:nvPicPr>
+          <p:cNvPr id="2" name="Picture 1">
+            <a:extLst>
+              <a:ext uri="{FF2B5EF4-FFF2-40B4-BE49-F238E27FC236}">
+                <a16:creationId xmlns:a16="http://schemas.microsoft.com/office/drawing/2014/main" id="{08287AC5-2469-9149-89E3-9C289AD6767B}"/>
+              </a:ext>
+            </a:extLst>
+          </p:cNvPr>
+          <p:cNvPicPr>
+            <a:picLocks noChangeAspect="1"/>
+          </p:cNvPicPr>
+          <p:nvPr/>
+        </p:nvPicPr>
+        <p:blipFill>
+          <a:blip r:embed="rId3"/>
+          <a:stretch>
+            <a:fillRect/>
+          </a:stretch>
+        </p:blipFill>
+        <p:spPr>
+          <a:xfrm>
+            <a:off x="4007461" y="2417617"/>
+            <a:ext cx="4699000" cy="1790700"/>
+          </a:xfrm>
+          <a:prstGeom prst="rect">
+            <a:avLst/>
+          </a:prstGeom>
+        </p:spPr>
+      </p:pic>
+    </p:spTree>
+    <p:extLst>
+      <p:ext uri="{BB962C8B-B14F-4D97-AF65-F5344CB8AC3E}">
+        <p14:creationId xmlns:p14="http://schemas.microsoft.com/office/powerpoint/2010/main" val="1709189984"/>
+      </p:ext>
+    </p:extLst>
+  </p:cSld>
+  <p:clrMapOvr>
+    <a:masterClrMapping/>
+  </p:clrMapOvr>
+</p:sld>
+</file>
+
+<file path=ppt/slides/slide8.xml><?xml version="1.0" encoding="utf-8"?>
+<p:sld xmlns:a="http://schemas.openxmlformats.org/drawingml/2006/main" xmlns:r="http://schemas.openxmlformats.org/officeDocument/2006/relationships" xmlns:p="http://schemas.openxmlformats.org/presentationml/2006/main">
+  <p:cSld>
+    <p:spTree>
+      <p:nvGrpSpPr>
         <p:cNvPr id="1" name="Shape 259"/>
         <p:cNvGrpSpPr/>
         <p:nvPr/>
@@ -15281,7 +19201,7 @@
             </a:pPr>
             <a:fld id="{00000000-1234-1234-1234-123412341234}" type="slidenum">
               <a:rPr lang="en-US"/>
-              <a:t>10</a:t>
+              <a:t>8</a:t>
             </a:fld>
             <a:endParaRPr lang="en-US"/>
           </a:p>
@@ -15476,7 +19396,7 @@
 </p:sld>
 </file>
 
-<file path=ppt/slides/slide11.xml><?xml version="1.0" encoding="utf-8"?>
+<file path=ppt/slides/slide9.xml><?xml version="1.0" encoding="utf-8"?>
 <p:sld xmlns:a="http://schemas.openxmlformats.org/drawingml/2006/main" xmlns:r="http://schemas.openxmlformats.org/officeDocument/2006/relationships" xmlns:p="http://schemas.openxmlformats.org/presentationml/2006/main">
   <p:cSld>
     <p:spTree>
@@ -15515,9 +19435,18 @@
           <a:lstStyle/>
           <a:p>
             <a:r>
-              <a:rPr kumimoji="1" lang="zh-CN" altLang="en-US"/>
-              <a:t>路由规则解析</a:t>
+              <a:rPr lang="en-US" altLang="zh-CN" dirty="0"/>
+              <a:t>Micro</a:t>
             </a:r>
+            <a:r>
+              <a:rPr lang="zh-CN" altLang="en-US" dirty="0"/>
+              <a:t> </a:t>
+            </a:r>
+            <a:r>
+              <a:rPr lang="en-US" altLang="zh-CN" dirty="0"/>
+              <a:t>API</a:t>
+            </a:r>
+            <a:endParaRPr kumimoji="1" lang="zh-CN" altLang="en-US"/>
           </a:p>
         </p:txBody>
       </p:sp>
@@ -15536,13 +19465,13 @@
           <p:nvPr>
             <p:extLst>
               <p:ext uri="{D42A27DB-BD31-4B8C-83A1-F6EECF244321}">
-                <p14:modId xmlns:p14="http://schemas.microsoft.com/office/powerpoint/2010/main" val="2454927571"/>
+                <p14:modId xmlns:p14="http://schemas.microsoft.com/office/powerpoint/2010/main" val="91501382"/>
               </p:ext>
             </p:extLst>
           </p:nvPr>
         </p:nvGraphicFramePr>
         <p:xfrm>
-          <a:off x="456559" y="1751511"/>
+          <a:off x="431250" y="2317025"/>
           <a:ext cx="8401050" cy="1397091"/>
         </p:xfrm>
         <a:graphic>
@@ -15795,7 +19724,7 @@
                       <a:r>
                         <a:rPr lang="en-US" altLang="zh-CN">
                           <a:solidFill>
-                            <a:schemeClr val="bg2">
+                            <a:schemeClr val="accent6">
                               <a:lumMod val="50000"/>
                             </a:schemeClr>
                           </a:solidFill>
@@ -15819,9 +19748,7 @@
                       <a:r>
                         <a:rPr lang="en-US" altLang="zh-CN">
                           <a:solidFill>
-                            <a:schemeClr val="bg2">
-                              <a:lumMod val="50000"/>
-                            </a:schemeClr>
+                            <a:srgbClr val="21148C"/>
                           </a:solidFill>
                           <a:effectLst/>
                           <a:latin typeface="+mj-lt"/>
@@ -15830,9 +19757,7 @@
                       </a:r>
                       <a:endParaRPr lang="en-US">
                         <a:solidFill>
-                          <a:schemeClr val="bg2">
-                            <a:lumMod val="50000"/>
-                          </a:schemeClr>
+                          <a:srgbClr val="21148C"/>
                         </a:solidFill>
                         <a:effectLst/>
                         <a:latin typeface="+mj-lt"/>
@@ -15889,6 +19814,16 @@
                       <a:r>
                         <a:rPr lang="en-US">
                           <a:solidFill>
+                            <a:srgbClr val="FF0000"/>
+                          </a:solidFill>
+                          <a:effectLst/>
+                          <a:latin typeface="+mj-lt"/>
+                        </a:rPr>
+                        <a:t>go.micro.api</a:t>
+                      </a:r>
+                      <a:r>
+                        <a:rPr lang="en-US">
+                          <a:solidFill>
                             <a:schemeClr val="bg2">
                               <a:lumMod val="50000"/>
                             </a:schemeClr>
@@ -15896,12 +19831,12 @@
                           <a:effectLst/>
                           <a:latin typeface="+mj-lt"/>
                         </a:rPr>
-                        <a:t>go.micro.api.</a:t>
+                        <a:t>.</a:t>
                       </a:r>
                       <a:r>
                         <a:rPr lang="en-US" altLang="zh-CN">
                           <a:solidFill>
-                            <a:schemeClr val="bg2">
+                            <a:schemeClr val="accent6">
                               <a:lumMod val="50000"/>
                             </a:schemeClr>
                           </a:solidFill>
@@ -15912,7 +19847,7 @@
                       </a:r>
                       <a:endParaRPr lang="en-US">
                         <a:solidFill>
-                          <a:schemeClr val="bg2">
+                          <a:schemeClr val="accent6">
                             <a:lumMod val="50000"/>
                           </a:schemeClr>
                         </a:solidFill>
@@ -15971,9 +19906,7 @@
                       <a:r>
                         <a:rPr lang="en-US" altLang="zh-CN" sz="1400" b="0" i="0" u="none" strike="noStrike" cap="none">
                           <a:solidFill>
-                            <a:schemeClr val="bg2">
-                              <a:lumMod val="50000"/>
-                            </a:schemeClr>
+                            <a:srgbClr val="FF0000"/>
                           </a:solidFill>
                           <a:effectLst/>
                           <a:latin typeface="+mn-lt"/>
@@ -15998,9 +19931,7 @@
                       <a:r>
                         <a:rPr lang="en-US" altLang="zh-CN">
                           <a:solidFill>
-                            <a:schemeClr val="bg2">
-                              <a:lumMod val="50000"/>
-                            </a:schemeClr>
+                            <a:srgbClr val="21148C"/>
                           </a:solidFill>
                           <a:effectLst/>
                           <a:latin typeface="+mj-lt"/>
@@ -16009,9 +19940,7 @@
                       </a:r>
                       <a:endParaRPr lang="en-US">
                         <a:solidFill>
-                          <a:schemeClr val="bg2">
-                            <a:lumMod val="50000"/>
-                          </a:schemeClr>
+                          <a:srgbClr val="21148C"/>
                         </a:solidFill>
                         <a:effectLst/>
                         <a:latin typeface="+mj-lt"/>
@@ -16087,7 +20016,7 @@
                       <a:r>
                         <a:rPr lang="en-US" altLang="zh-CN" sz="1400" b="0" i="0" u="none" strike="noStrike" cap="none">
                           <a:solidFill>
-                            <a:schemeClr val="bg2">
+                            <a:schemeClr val="accent6">
                               <a:lumMod val="50000"/>
                             </a:schemeClr>
                           </a:solidFill>
@@ -16112,23 +20041,24 @@
                         <a:t>/</a:t>
                       </a:r>
                       <a:r>
-                        <a:rPr lang="en-US" altLang="zh-CN">
+                        <a:rPr lang="en-US" altLang="zh-CN" sz="1400" b="0" i="0" u="none" strike="noStrike" cap="none">
                           <a:solidFill>
-                            <a:schemeClr val="bg2">
+                            <a:schemeClr val="accent6">
                               <a:lumMod val="50000"/>
                             </a:schemeClr>
                           </a:solidFill>
                           <a:effectLst/>
-                          <a:latin typeface="+mj-lt"/>
+                          <a:latin typeface="+mn-lt"/>
+                          <a:ea typeface="+mn-ea"/>
+                          <a:cs typeface="+mn-cs"/>
+                          <a:sym typeface="Arial" panose="020B0604020202020204"/>
                         </a:rPr>
                         <a:t>greeter</a:t>
                       </a:r>
                       <a:r>
                         <a:rPr lang="en-US">
                           <a:solidFill>
-                            <a:schemeClr val="bg2">
-                              <a:lumMod val="50000"/>
-                            </a:schemeClr>
+                            <a:srgbClr val="21148C"/>
                           </a:solidFill>
                           <a:effectLst/>
                           <a:latin typeface="+mj-lt"/>
@@ -16138,9 +20068,7 @@
                       <a:r>
                         <a:rPr lang="en-US" altLang="zh-CN">
                           <a:solidFill>
-                            <a:schemeClr val="bg2">
-                              <a:lumMod val="50000"/>
-                            </a:schemeClr>
+                            <a:srgbClr val="21148C"/>
                           </a:solidFill>
                           <a:effectLst/>
                           <a:latin typeface="+mj-lt"/>
@@ -16149,9 +20077,7 @@
                       </a:r>
                       <a:endParaRPr lang="en-US">
                         <a:solidFill>
-                          <a:schemeClr val="bg2">
-                            <a:lumMod val="50000"/>
-                          </a:schemeClr>
+                          <a:srgbClr val="21148C"/>
                         </a:solidFill>
                         <a:effectLst/>
                         <a:latin typeface="+mj-lt"/>
@@ -16208,6 +20134,16 @@
                       <a:r>
                         <a:rPr lang="en-US">
                           <a:solidFill>
+                            <a:srgbClr val="FF0000"/>
+                          </a:solidFill>
+                          <a:effectLst/>
+                          <a:latin typeface="+mj-lt"/>
+                        </a:rPr>
+                        <a:t>go.micro.api</a:t>
+                      </a:r>
+                      <a:r>
+                        <a:rPr lang="en-US">
+                          <a:solidFill>
                             <a:schemeClr val="bg2">
                               <a:lumMod val="50000"/>
                             </a:schemeClr>
@@ -16215,12 +20151,12 @@
                           <a:effectLst/>
                           <a:latin typeface="+mj-lt"/>
                         </a:rPr>
-                        <a:t>go.micro.api.</a:t>
+                        <a:t>.</a:t>
                       </a:r>
                       <a:r>
                         <a:rPr lang="en-US" altLang="zh-CN" sz="1400" b="0" i="0" u="none" strike="noStrike" cap="none">
                           <a:solidFill>
-                            <a:schemeClr val="bg2">
+                            <a:schemeClr val="accent6">
                               <a:lumMod val="50000"/>
                             </a:schemeClr>
                           </a:solidFill>
@@ -16232,14 +20168,17 @@
                         </a:rPr>
                         <a:t>learning.greeter</a:t>
                       </a:r>
-                      <a:endParaRPr lang="en-US">
+                      <a:endParaRPr lang="en-US" sz="1400" b="0" i="0" u="none" strike="noStrike" cap="none">
                         <a:solidFill>
-                          <a:schemeClr val="bg2">
+                          <a:schemeClr val="accent6">
                             <a:lumMod val="50000"/>
                           </a:schemeClr>
                         </a:solidFill>
                         <a:effectLst/>
-                        <a:latin typeface="+mj-lt"/>
+                        <a:latin typeface="+mn-lt"/>
+                        <a:ea typeface="+mn-ea"/>
+                        <a:cs typeface="+mn-cs"/>
+                        <a:sym typeface="Arial" panose="020B0604020202020204"/>
                       </a:endParaRPr>
                     </a:p>
                   </a:txBody>
@@ -16293,9 +20232,7 @@
                       <a:r>
                         <a:rPr lang="en-US" altLang="zh-CN" sz="1400" b="0" i="0" u="none" strike="noStrike" cap="none">
                           <a:solidFill>
-                            <a:schemeClr val="bg2">
-                              <a:lumMod val="50000"/>
-                            </a:schemeClr>
+                            <a:srgbClr val="FF0000"/>
                           </a:solidFill>
                           <a:effectLst/>
                           <a:latin typeface="+mn-lt"/>
@@ -16320,9 +20257,7 @@
                       <a:r>
                         <a:rPr lang="en-US" altLang="zh-CN">
                           <a:solidFill>
-                            <a:schemeClr val="bg2">
-                              <a:lumMod val="50000"/>
-                            </a:schemeClr>
+                            <a:srgbClr val="21148C"/>
                           </a:solidFill>
                           <a:effectLst/>
                           <a:latin typeface="+mj-lt"/>
@@ -16331,9 +20266,7 @@
                       </a:r>
                       <a:endParaRPr lang="en-US">
                         <a:solidFill>
-                          <a:schemeClr val="bg2">
-                            <a:lumMod val="50000"/>
-                          </a:schemeClr>
+                          <a:srgbClr val="21148C"/>
                         </a:solidFill>
                         <a:effectLst/>
                         <a:latin typeface="+mj-lt"/>
@@ -16409,7 +20342,7 @@
                       <a:r>
                         <a:rPr lang="en-US" altLang="zh-CN">
                           <a:solidFill>
-                            <a:schemeClr val="bg2">
+                            <a:schemeClr val="accent6">
                               <a:lumMod val="50000"/>
                             </a:schemeClr>
                           </a:solidFill>
@@ -16433,7 +20366,7 @@
                       <a:r>
                         <a:rPr lang="en-US" altLang="zh-CN">
                           <a:solidFill>
-                            <a:schemeClr val="bg2">
+                            <a:schemeClr val="accent6">
                               <a:lumMod val="50000"/>
                             </a:schemeClr>
                           </a:solidFill>
@@ -16457,9 +20390,7 @@
                       <a:r>
                         <a:rPr lang="en-US" altLang="zh-CN" sz="1400" b="0" i="0" u="none" strike="noStrike" cap="none">
                           <a:solidFill>
-                            <a:schemeClr val="bg2">
-                              <a:lumMod val="50000"/>
-                            </a:schemeClr>
+                            <a:srgbClr val="21148C"/>
                           </a:solidFill>
                           <a:effectLst/>
                           <a:latin typeface="+mn-lt"/>
@@ -16471,9 +20402,7 @@
                       </a:r>
                       <a:endParaRPr lang="en-US">
                         <a:solidFill>
-                          <a:schemeClr val="bg2">
-                            <a:lumMod val="50000"/>
-                          </a:schemeClr>
+                          <a:srgbClr val="21148C"/>
                         </a:solidFill>
                         <a:effectLst/>
                         <a:latin typeface="+mj-lt"/>
@@ -16530,9 +20459,7 @@
                       <a:r>
                         <a:rPr lang="en-US">
                           <a:solidFill>
-                            <a:schemeClr val="bg2">
-                              <a:lumMod val="50000"/>
-                            </a:schemeClr>
+                            <a:srgbClr val="FF0000"/>
                           </a:solidFill>
                           <a:effectLst/>
                           <a:latin typeface="+mj-lt"/>
@@ -16554,7 +20481,7 @@
                       <a:r>
                         <a:rPr lang="en-US" altLang="zh-CN" sz="1400" b="0" i="0" u="none" strike="noStrike" cap="none">
                           <a:solidFill>
-                            <a:schemeClr val="bg2">
+                            <a:schemeClr val="accent6">
                               <a:lumMod val="50000"/>
                             </a:schemeClr>
                           </a:solidFill>
@@ -16569,7 +20496,7 @@
                       <a:r>
                         <a:rPr lang="en-US">
                           <a:solidFill>
-                            <a:schemeClr val="bg2">
+                            <a:schemeClr val="accent6">
                               <a:lumMod val="50000"/>
                             </a:schemeClr>
                           </a:solidFill>
@@ -16581,7 +20508,7 @@
                       <a:r>
                         <a:rPr lang="en-US" altLang="zh-CN" sz="1400" b="0" i="0" u="none" strike="noStrike" cap="none">
                           <a:solidFill>
-                            <a:schemeClr val="bg2">
+                            <a:schemeClr val="accent6">
                               <a:lumMod val="50000"/>
                             </a:schemeClr>
                           </a:solidFill>
@@ -16595,7 +20522,7 @@
                       </a:r>
                       <a:endParaRPr lang="en-US">
                         <a:solidFill>
-                          <a:schemeClr val="bg2">
+                          <a:schemeClr val="accent6">
                             <a:lumMod val="50000"/>
                           </a:schemeClr>
                         </a:solidFill>
@@ -16654,9 +20581,7 @@
                       <a:r>
                         <a:rPr lang="en-US" altLang="zh-CN" sz="1400" b="0" i="0" u="none" strike="noStrike" cap="none">
                           <a:solidFill>
-                            <a:schemeClr val="bg2">
-                              <a:lumMod val="50000"/>
-                            </a:schemeClr>
+                            <a:srgbClr val="FF0000"/>
                           </a:solidFill>
                           <a:effectLst/>
                           <a:latin typeface="+mn-lt"/>
@@ -16681,9 +20606,7 @@
                       <a:r>
                         <a:rPr lang="en-US" altLang="zh-CN">
                           <a:solidFill>
-                            <a:schemeClr val="bg2">
-                              <a:lumMod val="50000"/>
-                            </a:schemeClr>
+                            <a:srgbClr val="21148C"/>
                           </a:solidFill>
                           <a:effectLst/>
                           <a:latin typeface="+mj-lt"/>
@@ -16692,9 +20615,7 @@
                       </a:r>
                       <a:endParaRPr lang="en-US">
                         <a:solidFill>
-                          <a:schemeClr val="bg2">
-                            <a:lumMod val="50000"/>
-                          </a:schemeClr>
+                          <a:srgbClr val="21148C"/>
                         </a:solidFill>
                         <a:effectLst/>
                         <a:latin typeface="+mj-lt"/>
@@ -16769,8 +20690,8 @@
         </p:nvSpPr>
         <p:spPr bwMode="auto">
           <a:xfrm>
-            <a:off x="371475" y="1152425"/>
-            <a:ext cx="9144000" cy="457200"/>
+            <a:off x="371475" y="1212538"/>
+            <a:ext cx="2539478" cy="461665"/>
           </a:xfrm>
           <a:prstGeom prst="rect">
             <a:avLst/>
@@ -16818,10 +20739,7 @@
           </a:bodyPr>
           <a:lstStyle/>
           <a:p>
-            <a:pPr marL="0" marR="0" lvl="0" indent="0" algn="l" defTabSz="914400" rtl="0" eaLnBrk="0" fontAlgn="base" latinLnBrk="0" hangingPunct="0">
-              <a:lnSpc>
-                <a:spcPct val="100000"/>
-              </a:lnSpc>
+            <a:pPr lvl="0" eaLnBrk="0" fontAlgn="base" hangingPunct="0">
               <a:spcBef>
                 <a:spcPct val="0"/>
               </a:spcBef>
@@ -16829,13 +20747,40 @@
                 <a:spcPct val="0"/>
               </a:spcAft>
               <a:buClrTx/>
-              <a:buSzTx/>
-              <a:buFontTx/>
-              <a:buNone/>
-              <a:tabLst/>
             </a:pPr>
             <a:r>
-              <a:rPr kumimoji="0" lang="en-US" altLang="en-US" sz="1200" b="0" i="0" u="none" strike="noStrike" cap="none" normalizeH="0" baseline="0">
+              <a:rPr lang="zh-CN" altLang="en-US" sz="1200">
+                <a:solidFill>
+                  <a:srgbClr val="24292E"/>
+                </a:solidFill>
+                <a:latin typeface="Arial" panose="020B0604020202020204" pitchFamily="34" charset="0"/>
+                <a:ea typeface="-apple-system"/>
+              </a:rPr>
+              <a:t>解析器接口：</a:t>
+            </a:r>
+            <a:r>
+              <a:rPr lang="en-US" altLang="zh-CN" sz="1200">
+                <a:solidFill>
+                  <a:srgbClr val="24292E"/>
+                </a:solidFill>
+                <a:latin typeface="Arial" panose="020B0604020202020204" pitchFamily="34" charset="0"/>
+                <a:ea typeface="-apple-system"/>
+              </a:rPr>
+              <a:t>go-micro/api/resolver</a:t>
+            </a:r>
+          </a:p>
+          <a:p>
+            <a:pPr lvl="0" eaLnBrk="0" fontAlgn="base" hangingPunct="0">
+              <a:spcBef>
+                <a:spcPct val="0"/>
+              </a:spcBef>
+              <a:spcAft>
+                <a:spcPct val="0"/>
+              </a:spcAft>
+              <a:buClrTx/>
+            </a:pPr>
+            <a:r>
+              <a:rPr kumimoji="0" lang="zh-CN" altLang="en-US" sz="1200" b="0" i="0" u="none" strike="noStrike" cap="none" normalizeH="0" baseline="0">
                 <a:ln>
                   <a:noFill/>
                 </a:ln>
@@ -16846,17 +20791,18 @@
                 <a:latin typeface="Arial" panose="020B0604020202020204" pitchFamily="34" charset="0"/>
                 <a:ea typeface="-apple-system"/>
               </a:rPr>
-              <a:t>Micro内部有将http请求路径映射到服务的机制，映射规则可以通过下表介绍</a:t>
+              <a:t>默认实现：基于命名空间映射服务</a:t>
             </a:r>
-            <a:endParaRPr kumimoji="0" lang="en-US" altLang="en-US" sz="1800" b="0" i="0" u="none" strike="noStrike" cap="none" normalizeH="0" baseline="0">
+            <a:endParaRPr kumimoji="0" lang="en-US" altLang="en-US" sz="1200" b="0" i="0" u="none" strike="noStrike" cap="none" normalizeH="0" baseline="0">
               <a:ln>
                 <a:noFill/>
               </a:ln>
               <a:solidFill>
-                <a:schemeClr val="tx1"/>
+                <a:srgbClr val="24292E"/>
               </a:solidFill>
               <a:effectLst/>
               <a:latin typeface="Arial" panose="020B0604020202020204" pitchFamily="34" charset="0"/>
+              <a:ea typeface="-apple-system"/>
             </a:endParaRPr>
           </a:p>
         </p:txBody>
@@ -16875,7 +20821,7 @@
         </p:nvSpPr>
         <p:spPr>
           <a:xfrm>
-            <a:off x="456559" y="3461657"/>
+            <a:off x="371475" y="4057402"/>
             <a:ext cx="1871025" cy="307777"/>
           </a:xfrm>
           <a:prstGeom prst="rect">
@@ -16900,1127 +20846,22 @@
           </a:p>
         </p:txBody>
       </p:sp>
-    </p:spTree>
-    <p:extLst>
-      <p:ext uri="{BB962C8B-B14F-4D97-AF65-F5344CB8AC3E}">
-        <p14:creationId xmlns:p14="http://schemas.microsoft.com/office/powerpoint/2010/main" val="119173774"/>
-      </p:ext>
-    </p:extLst>
-  </p:cSld>
-  <p:clrMapOvr>
-    <a:masterClrMapping/>
-  </p:clrMapOvr>
-</p:sld>
-</file>
-
-<file path=ppt/slides/slide12.xml><?xml version="1.0" encoding="utf-8"?>
-<p:sld xmlns:a="http://schemas.openxmlformats.org/drawingml/2006/main" xmlns:r="http://schemas.openxmlformats.org/officeDocument/2006/relationships" xmlns:p="http://schemas.openxmlformats.org/presentationml/2006/main">
-  <p:cSld>
-    <p:spTree>
-      <p:nvGrpSpPr>
-        <p:cNvPr id="1" name=""/>
-        <p:cNvGrpSpPr/>
-        <p:nvPr/>
-      </p:nvGrpSpPr>
-      <p:grpSpPr>
-        <a:xfrm>
-          <a:off x="0" y="0"/>
-          <a:ext cx="0" cy="0"/>
-          <a:chOff x="0" y="0"/>
-          <a:chExt cx="0" cy="0"/>
-        </a:xfrm>
-      </p:grpSpPr>
       <p:sp>
         <p:nvSpPr>
-          <p:cNvPr id="2" name="Title 1"/>
-          <p:cNvSpPr>
-            <a:spLocks noGrp="1"/>
-          </p:cNvSpPr>
-          <p:nvPr>
-            <p:ph type="title"/>
-          </p:nvPr>
-        </p:nvSpPr>
-        <p:spPr/>
-        <p:txBody>
-          <a:bodyPr/>
-          <a:lstStyle/>
-          <a:p>
-            <a:r>
-              <a:rPr kumimoji="1" lang="zh-CN" altLang="en-US"/>
-              <a:t>参考资料</a:t>
-            </a:r>
-          </a:p>
-        </p:txBody>
-      </p:sp>
-      <p:sp>
-        <p:nvSpPr>
-          <p:cNvPr id="3" name="Text Placeholder 2"/>
-          <p:cNvSpPr>
-            <a:spLocks noGrp="1"/>
-          </p:cNvSpPr>
-          <p:nvPr>
-            <p:ph type="body" idx="1"/>
-          </p:nvPr>
-        </p:nvSpPr>
-        <p:spPr/>
-        <p:txBody>
-          <a:bodyPr/>
-          <a:lstStyle/>
-          <a:p>
-            <a:r>
-              <a:rPr lang="en-US"/>
-              <a:t>http://microservices.io/patterns/apigateway.html</a:t>
-            </a:r>
-            <a:endParaRPr kumimoji="1" lang="en-US" altLang="zh-CN" i="1"/>
-          </a:p>
-          <a:p>
-            <a:r>
-              <a:rPr kumimoji="1" lang="en-US" altLang="zh-CN"/>
-              <a:t>…</a:t>
-            </a:r>
-            <a:endParaRPr kumimoji="1" lang="zh-CN" altLang="en-US"/>
-          </a:p>
-        </p:txBody>
-      </p:sp>
-      <p:sp>
-        <p:nvSpPr>
-          <p:cNvPr id="4" name="Google Shape;262;p28"/>
-          <p:cNvSpPr/>
-          <p:nvPr/>
-        </p:nvSpPr>
-        <p:spPr>
-          <a:xfrm>
-            <a:off x="7387563" y="721397"/>
-            <a:ext cx="1882907" cy="307777"/>
-          </a:xfrm>
-          <a:prstGeom prst="rect">
-            <a:avLst/>
-          </a:prstGeom>
-          <a:noFill/>
-          <a:ln>
-            <a:noFill/>
-          </a:ln>
-        </p:spPr>
-        <p:txBody>
-          <a:bodyPr spcFirstLastPara="1" wrap="square" lIns="91425" tIns="45700" rIns="91425" bIns="45700" anchor="t" anchorCtr="0">
-            <a:noAutofit/>
-          </a:bodyPr>
-          <a:lstStyle/>
-          <a:p>
-            <a:pPr marL="0" marR="0" lvl="0" indent="0" algn="l" rtl="0">
-              <a:lnSpc>
-                <a:spcPct val="100000"/>
-              </a:lnSpc>
-              <a:spcBef>
-                <a:spcPts val="0"/>
-              </a:spcBef>
-              <a:spcAft>
-                <a:spcPts val="0"/>
-              </a:spcAft>
-              <a:buNone/>
-            </a:pPr>
-            <a:endParaRPr sz="3600" b="1" i="0" u="none" strike="noStrike" cap="none">
-              <a:solidFill>
-                <a:schemeClr val="accent1"/>
-              </a:solidFill>
-              <a:latin typeface="PT Sans Narrow" panose="020B0506020203020204"/>
-              <a:ea typeface="PT Sans Narrow" panose="020B0506020203020204"/>
-              <a:cs typeface="PT Sans Narrow" panose="020B0506020203020204"/>
-              <a:sym typeface="PT Sans Narrow" panose="020B0506020203020204"/>
-            </a:endParaRPr>
-          </a:p>
-        </p:txBody>
-      </p:sp>
-    </p:spTree>
-  </p:cSld>
-  <p:clrMapOvr>
-    <a:masterClrMapping/>
-  </p:clrMapOvr>
-</p:sld>
-</file>
-
-<file path=ppt/slides/slide13.xml><?xml version="1.0" encoding="utf-8"?>
-<p:sld xmlns:a="http://schemas.openxmlformats.org/drawingml/2006/main" xmlns:r="http://schemas.openxmlformats.org/officeDocument/2006/relationships" xmlns:p="http://schemas.openxmlformats.org/presentationml/2006/main">
-  <p:cSld>
-    <p:spTree>
-      <p:nvGrpSpPr>
-        <p:cNvPr id="1" name="Shape 720"/>
-        <p:cNvGrpSpPr/>
-        <p:nvPr/>
-      </p:nvGrpSpPr>
-      <p:grpSpPr>
-        <a:xfrm>
-          <a:off x="0" y="0"/>
-          <a:ext cx="0" cy="0"/>
-          <a:chOff x="0" y="0"/>
-          <a:chExt cx="0" cy="0"/>
-        </a:xfrm>
-      </p:grpSpPr>
-      <p:sp>
-        <p:nvSpPr>
-          <p:cNvPr id="721" name="Google Shape;721;p49"/>
-          <p:cNvSpPr txBox="1">
-            <a:spLocks noGrp="1"/>
-          </p:cNvSpPr>
-          <p:nvPr>
-            <p:ph type="title"/>
-          </p:nvPr>
-        </p:nvSpPr>
-        <p:spPr>
-          <a:xfrm>
-            <a:off x="311700" y="445025"/>
-            <a:ext cx="8520600" cy="707400"/>
-          </a:xfrm>
-          <a:prstGeom prst="rect">
-            <a:avLst/>
-          </a:prstGeom>
-          <a:noFill/>
-          <a:ln>
-            <a:noFill/>
-          </a:ln>
-        </p:spPr>
-        <p:txBody>
-          <a:bodyPr spcFirstLastPara="1" wrap="square" lIns="91425" tIns="91425" rIns="91425" bIns="91425" anchor="t" anchorCtr="0">
-            <a:noAutofit/>
-          </a:bodyPr>
-          <a:lstStyle/>
-          <a:p>
-            <a:pPr marL="0" lvl="0" indent="0" algn="l" rtl="0">
-              <a:lnSpc>
-                <a:spcPct val="100000"/>
-              </a:lnSpc>
-              <a:spcBef>
-                <a:spcPts val="0"/>
-              </a:spcBef>
-              <a:spcAft>
-                <a:spcPts val="0"/>
-              </a:spcAft>
-              <a:buSzPts val="3600"/>
-              <a:buNone/>
-            </a:pPr>
-            <a:r>
-              <a:rPr lang="en-US"/>
-              <a:t>谢谢大家</a:t>
-            </a:r>
-          </a:p>
-        </p:txBody>
-      </p:sp>
-      <p:sp>
-        <p:nvSpPr>
-          <p:cNvPr id="722" name="Google Shape;722;p49"/>
-          <p:cNvSpPr txBox="1">
-            <a:spLocks noGrp="1"/>
-          </p:cNvSpPr>
-          <p:nvPr>
-            <p:ph type="sldNum" idx="12"/>
-          </p:nvPr>
-        </p:nvSpPr>
-        <p:spPr>
-          <a:xfrm>
-            <a:off x="167983" y="4610554"/>
-            <a:ext cx="548700" cy="393600"/>
-          </a:xfrm>
-          <a:prstGeom prst="rect">
-            <a:avLst/>
-          </a:prstGeom>
-          <a:noFill/>
-          <a:ln>
-            <a:noFill/>
-          </a:ln>
-        </p:spPr>
-        <p:txBody>
-          <a:bodyPr spcFirstLastPara="1" wrap="square" lIns="91425" tIns="91425" rIns="91425" bIns="91425" anchor="ctr" anchorCtr="0">
-            <a:noAutofit/>
-          </a:bodyPr>
-          <a:lstStyle/>
-          <a:p>
-            <a:pPr marL="0" lvl="0" indent="0" algn="r" rtl="0">
-              <a:lnSpc>
-                <a:spcPct val="100000"/>
-              </a:lnSpc>
-              <a:spcBef>
-                <a:spcPts val="0"/>
-              </a:spcBef>
-              <a:spcAft>
-                <a:spcPts val="0"/>
-              </a:spcAft>
-              <a:buSzPts val="1000"/>
-              <a:buNone/>
-            </a:pPr>
-            <a:fld id="{00000000-1234-1234-1234-123412341234}" type="slidenum">
-              <a:rPr lang="en-US"/>
-              <a:t>13</a:t>
-            </a:fld>
-            <a:endParaRPr lang="en-US"/>
-          </a:p>
-        </p:txBody>
-      </p:sp>
-      <p:sp>
-        <p:nvSpPr>
-          <p:cNvPr id="723" name="Google Shape;723;p49"/>
+          <p:cNvPr id="3" name="TextBox 2">
+            <a:extLst>
+              <a:ext uri="{FF2B5EF4-FFF2-40B4-BE49-F238E27FC236}">
+                <a16:creationId xmlns:a16="http://schemas.microsoft.com/office/drawing/2014/main" id="{56A3F0E6-AF49-A847-87EB-57A78620A83A}"/>
+              </a:ext>
+            </a:extLst>
+          </p:cNvPr>
           <p:cNvSpPr txBox="1"/>
           <p:nvPr/>
         </p:nvSpPr>
         <p:spPr>
           <a:xfrm>
-            <a:off x="1636090" y="1456472"/>
-            <a:ext cx="1122680" cy="289823"/>
-          </a:xfrm>
-          <a:prstGeom prst="rect">
-            <a:avLst/>
-          </a:prstGeom>
-          <a:noFill/>
-          <a:ln>
-            <a:noFill/>
-          </a:ln>
-        </p:spPr>
-        <p:txBody>
-          <a:bodyPr spcFirstLastPara="1" wrap="square" lIns="0" tIns="12700" rIns="0" bIns="0" anchor="t" anchorCtr="0">
-            <a:noAutofit/>
-          </a:bodyPr>
-          <a:lstStyle/>
-          <a:p>
-            <a:pPr marL="12700" marR="0" lvl="0" indent="0" algn="l" rtl="0">
-              <a:lnSpc>
-                <a:spcPct val="100000"/>
-              </a:lnSpc>
-              <a:spcBef>
-                <a:spcPts val="0"/>
-              </a:spcBef>
-              <a:spcAft>
-                <a:spcPts val="0"/>
-              </a:spcAft>
-              <a:buNone/>
-            </a:pPr>
-            <a:r>
-              <a:rPr lang="en-US" sz="1800" b="0" i="0" u="sng" strike="noStrike" cap="none">
-                <a:solidFill>
-                  <a:schemeClr val="hlink"/>
-                </a:solidFill>
-                <a:latin typeface="Courier New" panose="02070309020205020404"/>
-                <a:ea typeface="Courier New" panose="02070309020205020404"/>
-                <a:cs typeface="Courier New" panose="02070309020205020404"/>
-                <a:sym typeface="Courier New" panose="02070309020205020404"/>
-                <a:hlinkClick r:id="rId3"/>
-              </a:rPr>
-              <a:t>micro.mu</a:t>
-            </a:r>
-            <a:endParaRPr sz="1800" b="0" i="0" u="none" strike="noStrike" cap="none">
-              <a:solidFill>
-                <a:srgbClr val="000000"/>
-              </a:solidFill>
-              <a:latin typeface="Courier New" panose="02070309020205020404"/>
-              <a:ea typeface="Courier New" panose="02070309020205020404"/>
-              <a:cs typeface="Courier New" panose="02070309020205020404"/>
-              <a:sym typeface="Courier New" panose="02070309020205020404"/>
-            </a:endParaRPr>
-          </a:p>
-        </p:txBody>
-      </p:sp>
-      <p:sp>
-        <p:nvSpPr>
-          <p:cNvPr id="724" name="Google Shape;724;p49"/>
-          <p:cNvSpPr txBox="1"/>
-          <p:nvPr/>
-        </p:nvSpPr>
-        <p:spPr>
-          <a:xfrm>
-            <a:off x="372176" y="3620866"/>
-            <a:ext cx="1082348" cy="307777"/>
-          </a:xfrm>
-          <a:prstGeom prst="rect">
-            <a:avLst/>
-          </a:prstGeom>
-          <a:noFill/>
-          <a:ln>
-            <a:noFill/>
-          </a:ln>
-        </p:spPr>
-        <p:txBody>
-          <a:bodyPr spcFirstLastPara="1" wrap="square" lIns="91425" tIns="45700" rIns="91425" bIns="45700" anchor="t" anchorCtr="0">
-            <a:noAutofit/>
-          </a:bodyPr>
-          <a:lstStyle/>
-          <a:p>
-            <a:pPr marL="0" marR="0" lvl="0" indent="0" algn="l" rtl="0">
-              <a:lnSpc>
-                <a:spcPct val="100000"/>
-              </a:lnSpc>
-              <a:spcBef>
-                <a:spcPts val="0"/>
-              </a:spcBef>
-              <a:spcAft>
-                <a:spcPts val="0"/>
-              </a:spcAft>
-              <a:buNone/>
-            </a:pPr>
-            <a:r>
-              <a:rPr lang="en-US" sz="1400" b="0" i="0" u="none" strike="noStrike" cap="none">
-                <a:solidFill>
-                  <a:srgbClr val="000000"/>
-                </a:solidFill>
-                <a:latin typeface="Arial" panose="020B0604020202020204"/>
-                <a:ea typeface="Arial" panose="020B0604020202020204"/>
-                <a:cs typeface="Arial" panose="020B0604020202020204"/>
-                <a:sym typeface="Arial" panose="020B0604020202020204"/>
-              </a:rPr>
-              <a:t>资源链接：</a:t>
-            </a:r>
-            <a:endParaRPr sz="1400" b="0" i="0" u="none" strike="noStrike" cap="none">
-              <a:solidFill>
-                <a:srgbClr val="000000"/>
-              </a:solidFill>
-              <a:latin typeface="Arial" panose="020B0604020202020204"/>
-              <a:ea typeface="Arial" panose="020B0604020202020204"/>
-              <a:cs typeface="Arial" panose="020B0604020202020204"/>
-              <a:sym typeface="Arial" panose="020B0604020202020204"/>
-            </a:endParaRPr>
-          </a:p>
-        </p:txBody>
-      </p:sp>
-      <p:sp>
-        <p:nvSpPr>
-          <p:cNvPr id="725" name="Google Shape;725;p49"/>
-          <p:cNvSpPr txBox="1"/>
-          <p:nvPr/>
-        </p:nvSpPr>
-        <p:spPr>
-          <a:xfrm>
-            <a:off x="304800" y="1476364"/>
-            <a:ext cx="1143000" cy="369332"/>
-          </a:xfrm>
-          <a:prstGeom prst="rect">
-            <a:avLst/>
-          </a:prstGeom>
-          <a:noFill/>
-          <a:ln>
-            <a:noFill/>
-          </a:ln>
-        </p:spPr>
-        <p:txBody>
-          <a:bodyPr spcFirstLastPara="1" wrap="square" lIns="91425" tIns="45700" rIns="91425" bIns="45700" anchor="t" anchorCtr="0">
-            <a:noAutofit/>
-          </a:bodyPr>
-          <a:lstStyle/>
-          <a:p>
-            <a:pPr marL="0" marR="0" lvl="0" indent="0" algn="l" rtl="0">
-              <a:lnSpc>
-                <a:spcPct val="100000"/>
-              </a:lnSpc>
-              <a:spcBef>
-                <a:spcPts val="0"/>
-              </a:spcBef>
-              <a:spcAft>
-                <a:spcPts val="0"/>
-              </a:spcAft>
-              <a:buNone/>
-            </a:pPr>
-            <a:r>
-              <a:rPr lang="en-US" sz="1400" b="0" i="0" u="none" strike="noStrike" cap="none">
-                <a:solidFill>
-                  <a:srgbClr val="000000"/>
-                </a:solidFill>
-                <a:latin typeface="Arial" panose="020B0604020202020204"/>
-                <a:ea typeface="Arial" panose="020B0604020202020204"/>
-                <a:cs typeface="Arial" panose="020B0604020202020204"/>
-                <a:sym typeface="Arial" panose="020B0604020202020204"/>
-              </a:rPr>
-              <a:t>官方站点:</a:t>
-            </a:r>
-            <a:endParaRPr sz="1400" b="0" i="0" u="none" strike="noStrike" cap="none">
-              <a:solidFill>
-                <a:srgbClr val="000000"/>
-              </a:solidFill>
-              <a:latin typeface="Arial" panose="020B0604020202020204"/>
-              <a:ea typeface="Arial" panose="020B0604020202020204"/>
-              <a:cs typeface="Arial" panose="020B0604020202020204"/>
-              <a:sym typeface="Arial" panose="020B0604020202020204"/>
-            </a:endParaRPr>
-          </a:p>
-        </p:txBody>
-      </p:sp>
-      <p:sp>
-        <p:nvSpPr>
-          <p:cNvPr id="726" name="Google Shape;726;p49"/>
-          <p:cNvSpPr txBox="1"/>
-          <p:nvPr/>
-        </p:nvSpPr>
-        <p:spPr>
-          <a:xfrm>
-            <a:off x="304800" y="1860403"/>
-            <a:ext cx="1143000" cy="307777"/>
-          </a:xfrm>
-          <a:prstGeom prst="rect">
-            <a:avLst/>
-          </a:prstGeom>
-          <a:noFill/>
-          <a:ln>
-            <a:noFill/>
-          </a:ln>
-        </p:spPr>
-        <p:txBody>
-          <a:bodyPr spcFirstLastPara="1" wrap="square" lIns="91425" tIns="45700" rIns="91425" bIns="45700" anchor="t" anchorCtr="0">
-            <a:noAutofit/>
-          </a:bodyPr>
-          <a:lstStyle/>
-          <a:p>
-            <a:pPr marL="0" marR="0" lvl="0" indent="0" algn="l" rtl="0">
-              <a:lnSpc>
-                <a:spcPct val="100000"/>
-              </a:lnSpc>
-              <a:spcBef>
-                <a:spcPts val="0"/>
-              </a:spcBef>
-              <a:spcAft>
-                <a:spcPts val="0"/>
-              </a:spcAft>
-              <a:buNone/>
-            </a:pPr>
-            <a:r>
-              <a:rPr lang="en-US" sz="1400" b="0" i="0" u="none" strike="noStrike" cap="none">
-                <a:solidFill>
-                  <a:srgbClr val="000000"/>
-                </a:solidFill>
-                <a:latin typeface="Arial" panose="020B0604020202020204"/>
-                <a:ea typeface="Arial" panose="020B0604020202020204"/>
-                <a:cs typeface="Arial" panose="020B0604020202020204"/>
-                <a:sym typeface="Arial" panose="020B0604020202020204"/>
-              </a:rPr>
-              <a:t>微信公众号:</a:t>
-            </a:r>
-            <a:endParaRPr sz="1400" b="0" i="0" u="none" strike="noStrike" cap="none">
-              <a:solidFill>
-                <a:srgbClr val="000000"/>
-              </a:solidFill>
-              <a:latin typeface="Arial" panose="020B0604020202020204"/>
-              <a:ea typeface="Arial" panose="020B0604020202020204"/>
-              <a:cs typeface="Arial" panose="020B0604020202020204"/>
-              <a:sym typeface="Arial" panose="020B0604020202020204"/>
-            </a:endParaRPr>
-          </a:p>
-        </p:txBody>
-      </p:sp>
-      <p:pic>
-        <p:nvPicPr>
-          <p:cNvPr id="727" name="Google Shape;727;p49"/>
-          <p:cNvPicPr preferRelativeResize="0"/>
-          <p:nvPr/>
-        </p:nvPicPr>
-        <p:blipFill rotWithShape="1">
-          <a:blip r:embed="rId4"/>
-          <a:srcRect/>
-          <a:stretch>
-            <a:fillRect/>
-          </a:stretch>
-        </p:blipFill>
-        <p:spPr>
-          <a:xfrm>
-            <a:off x="1538544" y="1803812"/>
-            <a:ext cx="1078846" cy="1078846"/>
-          </a:xfrm>
-          <a:prstGeom prst="rect">
-            <a:avLst/>
-          </a:prstGeom>
-          <a:noFill/>
-          <a:ln>
-            <a:noFill/>
-          </a:ln>
-        </p:spPr>
-      </p:pic>
-      <p:sp>
-        <p:nvSpPr>
-          <p:cNvPr id="728" name="Google Shape;728;p49"/>
-          <p:cNvSpPr txBox="1"/>
-          <p:nvPr/>
-        </p:nvSpPr>
-        <p:spPr>
-          <a:xfrm>
-            <a:off x="405794" y="3074983"/>
-            <a:ext cx="1143000" cy="307777"/>
-          </a:xfrm>
-          <a:prstGeom prst="rect">
-            <a:avLst/>
-          </a:prstGeom>
-          <a:noFill/>
-          <a:ln>
-            <a:noFill/>
-          </a:ln>
-        </p:spPr>
-        <p:txBody>
-          <a:bodyPr spcFirstLastPara="1" wrap="square" lIns="91425" tIns="45700" rIns="91425" bIns="45700" anchor="t" anchorCtr="0">
-            <a:noAutofit/>
-          </a:bodyPr>
-          <a:lstStyle/>
-          <a:p>
-            <a:pPr marL="0" marR="0" lvl="0" indent="0" algn="l" rtl="0">
-              <a:lnSpc>
-                <a:spcPct val="100000"/>
-              </a:lnSpc>
-              <a:spcBef>
-                <a:spcPts val="0"/>
-              </a:spcBef>
-              <a:spcAft>
-                <a:spcPts val="0"/>
-              </a:spcAft>
-              <a:buNone/>
-            </a:pPr>
-            <a:r>
-              <a:rPr lang="en-US" sz="1400" b="0" i="0" u="none" strike="noStrike" cap="none">
-                <a:solidFill>
-                  <a:srgbClr val="000000"/>
-                </a:solidFill>
-                <a:latin typeface="Arial" panose="020B0604020202020204"/>
-                <a:ea typeface="Arial" panose="020B0604020202020204"/>
-                <a:cs typeface="Arial" panose="020B0604020202020204"/>
-                <a:sym typeface="Arial" panose="020B0604020202020204"/>
-              </a:rPr>
-              <a:t>提问:</a:t>
-            </a:r>
-            <a:endParaRPr sz="1400" b="0" i="0" u="none" strike="noStrike" cap="none">
-              <a:solidFill>
-                <a:srgbClr val="000000"/>
-              </a:solidFill>
-              <a:latin typeface="Arial" panose="020B0604020202020204"/>
-              <a:ea typeface="Arial" panose="020B0604020202020204"/>
-              <a:cs typeface="Arial" panose="020B0604020202020204"/>
-              <a:sym typeface="Arial" panose="020B0604020202020204"/>
-            </a:endParaRPr>
-          </a:p>
-        </p:txBody>
-      </p:sp>
-      <p:sp>
-        <p:nvSpPr>
-          <p:cNvPr id="729" name="Google Shape;729;p49"/>
-          <p:cNvSpPr txBox="1"/>
-          <p:nvPr/>
-        </p:nvSpPr>
-        <p:spPr>
-          <a:xfrm>
-            <a:off x="457200" y="3943350"/>
-            <a:ext cx="4644476" cy="869469"/>
-          </a:xfrm>
-          <a:prstGeom prst="rect">
-            <a:avLst/>
-          </a:prstGeom>
-          <a:noFill/>
-          <a:ln>
-            <a:noFill/>
-          </a:ln>
-        </p:spPr>
-        <p:txBody>
-          <a:bodyPr spcFirstLastPara="1" wrap="square" lIns="0" tIns="12700" rIns="0" bIns="0" anchor="t" anchorCtr="0">
-            <a:noAutofit/>
-          </a:bodyPr>
-          <a:lstStyle/>
-          <a:p>
-            <a:pPr marL="12700" marR="0" lvl="0" indent="0" algn="l" rtl="0">
-              <a:lnSpc>
-                <a:spcPct val="100000"/>
-              </a:lnSpc>
-              <a:spcBef>
-                <a:spcPts val="0"/>
-              </a:spcBef>
-              <a:spcAft>
-                <a:spcPts val="0"/>
-              </a:spcAft>
-              <a:buNone/>
-            </a:pPr>
-            <a:r>
-              <a:rPr lang="en-US" sz="1800" b="0" i="0" u="sng" strike="noStrike" cap="none">
-                <a:solidFill>
-                  <a:schemeClr val="hlink"/>
-                </a:solidFill>
-                <a:latin typeface="Courier New" panose="02070309020205020404"/>
-                <a:ea typeface="Courier New" panose="02070309020205020404"/>
-                <a:cs typeface="Courier New" panose="02070309020205020404"/>
-                <a:sym typeface="Courier New" panose="02070309020205020404"/>
-                <a:hlinkClick r:id="rId5"/>
-              </a:rPr>
-              <a:t>Micro</a:t>
-            </a:r>
-            <a:endParaRPr sz="1800" b="0" i="0" u="sng" strike="noStrike" cap="none">
-              <a:solidFill>
-                <a:srgbClr val="01AED1"/>
-              </a:solidFill>
-              <a:latin typeface="Courier New" panose="02070309020205020404"/>
-              <a:ea typeface="Courier New" panose="02070309020205020404"/>
-              <a:cs typeface="Courier New" panose="02070309020205020404"/>
-              <a:sym typeface="Courier New" panose="02070309020205020404"/>
-            </a:endParaRPr>
-          </a:p>
-          <a:p>
-            <a:pPr marL="12700" marR="0" lvl="0" indent="0" algn="l" rtl="0">
-              <a:lnSpc>
-                <a:spcPct val="100000"/>
-              </a:lnSpc>
-              <a:spcBef>
-                <a:spcPts val="100"/>
-              </a:spcBef>
-              <a:spcAft>
-                <a:spcPts val="0"/>
-              </a:spcAft>
-              <a:buNone/>
-            </a:pPr>
-            <a:r>
-              <a:rPr lang="en-US" sz="1400" b="0" i="0" u="sng" strike="noStrike" cap="none">
-                <a:solidFill>
-                  <a:schemeClr val="hlink"/>
-                </a:solidFill>
-                <a:latin typeface="Courier New" panose="02070309020205020404"/>
-                <a:ea typeface="Courier New" panose="02070309020205020404"/>
-                <a:cs typeface="Courier New" panose="02070309020205020404"/>
-                <a:sym typeface="Courier New" panose="02070309020205020404"/>
-                <a:hlinkClick r:id="rId6"/>
-              </a:rPr>
-              <a:t>Micro中国站</a:t>
-            </a:r>
-            <a:endParaRPr sz="1400" b="0" i="0" u="none" strike="noStrike" cap="none">
-              <a:solidFill>
-                <a:srgbClr val="000000"/>
-              </a:solidFill>
-              <a:latin typeface="Courier New" panose="02070309020205020404"/>
-              <a:ea typeface="Courier New" panose="02070309020205020404"/>
-              <a:cs typeface="Courier New" panose="02070309020205020404"/>
-              <a:sym typeface="Courier New" panose="02070309020205020404"/>
-            </a:endParaRPr>
-          </a:p>
-          <a:p>
-            <a:pPr marL="12700" marR="0" lvl="0" indent="0" algn="l" rtl="0">
-              <a:lnSpc>
-                <a:spcPct val="100000"/>
-              </a:lnSpc>
-              <a:spcBef>
-                <a:spcPts val="100"/>
-              </a:spcBef>
-              <a:spcAft>
-                <a:spcPts val="0"/>
-              </a:spcAft>
-              <a:buNone/>
-            </a:pPr>
-            <a:endParaRPr sz="1800" b="0" i="0" u="none" strike="noStrike" cap="none">
-              <a:solidFill>
-                <a:srgbClr val="000000"/>
-              </a:solidFill>
-              <a:latin typeface="Courier New" panose="02070309020205020404"/>
-              <a:ea typeface="Courier New" panose="02070309020205020404"/>
-              <a:cs typeface="Courier New" panose="02070309020205020404"/>
-              <a:sym typeface="Courier New" panose="02070309020205020404"/>
-            </a:endParaRPr>
-          </a:p>
-        </p:txBody>
-      </p:sp>
-      <p:pic>
-        <p:nvPicPr>
-          <p:cNvPr id="11" name="Picture 10"/>
-          <p:cNvPicPr>
-            <a:picLocks noChangeAspect="1"/>
-          </p:cNvPicPr>
-          <p:nvPr/>
-        </p:nvPicPr>
-        <p:blipFill>
-          <a:blip r:embed="rId7"/>
-          <a:stretch>
-            <a:fillRect/>
-          </a:stretch>
-        </p:blipFill>
-        <p:spPr>
-          <a:xfrm>
-            <a:off x="2950973" y="1827589"/>
-            <a:ext cx="1084935" cy="1069971"/>
-          </a:xfrm>
-          <a:prstGeom prst="rect">
-            <a:avLst/>
-          </a:prstGeom>
-        </p:spPr>
-      </p:pic>
-    </p:spTree>
-  </p:cSld>
-  <p:clrMapOvr>
-    <a:masterClrMapping/>
-  </p:clrMapOvr>
-</p:sld>
-</file>
-
-<file path=ppt/slides/slide2.xml><?xml version="1.0" encoding="utf-8"?>
-<p:sld xmlns:a="http://schemas.openxmlformats.org/drawingml/2006/main" xmlns:r="http://schemas.openxmlformats.org/officeDocument/2006/relationships" xmlns:p="http://schemas.openxmlformats.org/presentationml/2006/main">
-  <p:cSld>
-    <p:spTree>
-      <p:nvGrpSpPr>
-        <p:cNvPr id="1" name="Shape 117"/>
-        <p:cNvGrpSpPr/>
-        <p:nvPr/>
-      </p:nvGrpSpPr>
-      <p:grpSpPr>
-        <a:xfrm>
-          <a:off x="0" y="0"/>
-          <a:ext cx="0" cy="0"/>
-          <a:chOff x="0" y="0"/>
-          <a:chExt cx="0" cy="0"/>
-        </a:xfrm>
-      </p:grpSpPr>
-      <p:sp>
-        <p:nvSpPr>
-          <p:cNvPr id="118" name="Google Shape;118;p18"/>
-          <p:cNvSpPr txBox="1">
-            <a:spLocks noGrp="1"/>
-          </p:cNvSpPr>
-          <p:nvPr>
-            <p:ph type="title"/>
-          </p:nvPr>
-        </p:nvSpPr>
-        <p:spPr>
-          <a:xfrm>
-            <a:off x="311700" y="445025"/>
-            <a:ext cx="8520600" cy="707400"/>
-          </a:xfrm>
-          <a:prstGeom prst="rect">
-            <a:avLst/>
-          </a:prstGeom>
-          <a:noFill/>
-          <a:ln>
-            <a:noFill/>
-          </a:ln>
-        </p:spPr>
-        <p:txBody>
-          <a:bodyPr spcFirstLastPara="1" wrap="square" lIns="91425" tIns="91425" rIns="91425" bIns="91425" anchor="t" anchorCtr="0">
-            <a:noAutofit/>
-          </a:bodyPr>
-          <a:lstStyle/>
-          <a:p>
-            <a:pPr marL="0" lvl="0" indent="0" algn="l" rtl="0">
-              <a:lnSpc>
-                <a:spcPct val="100000"/>
-              </a:lnSpc>
-              <a:spcBef>
-                <a:spcPts val="0"/>
-              </a:spcBef>
-              <a:spcAft>
-                <a:spcPts val="0"/>
-              </a:spcAft>
-              <a:buSzPts val="3600"/>
-              <a:buNone/>
-            </a:pPr>
-            <a:r>
-              <a:rPr lang="en-US" altLang="zh-CN"/>
-              <a:t>Micro</a:t>
-            </a:r>
-            <a:r>
-              <a:rPr lang="zh-CN" altLang="en-US"/>
-              <a:t>中国站</a:t>
-            </a:r>
-            <a:endParaRPr lang="en-US"/>
-          </a:p>
-        </p:txBody>
-      </p:sp>
-      <p:sp>
-        <p:nvSpPr>
-          <p:cNvPr id="119" name="Google Shape;119;p18"/>
-          <p:cNvSpPr txBox="1">
-            <a:spLocks noGrp="1"/>
-          </p:cNvSpPr>
-          <p:nvPr>
-            <p:ph type="sldNum" idx="12"/>
-          </p:nvPr>
-        </p:nvSpPr>
-        <p:spPr>
-          <a:xfrm>
-            <a:off x="167983" y="4610554"/>
-            <a:ext cx="548700" cy="393600"/>
-          </a:xfrm>
-          <a:prstGeom prst="rect">
-            <a:avLst/>
-          </a:prstGeom>
-          <a:noFill/>
-          <a:ln>
-            <a:noFill/>
-          </a:ln>
-        </p:spPr>
-        <p:txBody>
-          <a:bodyPr spcFirstLastPara="1" wrap="square" lIns="91425" tIns="91425" rIns="91425" bIns="91425" anchor="ctr" anchorCtr="0">
-            <a:noAutofit/>
-          </a:bodyPr>
-          <a:lstStyle/>
-          <a:p>
-            <a:pPr marL="0" lvl="0" indent="0" algn="r" rtl="0">
-              <a:lnSpc>
-                <a:spcPct val="100000"/>
-              </a:lnSpc>
-              <a:spcBef>
-                <a:spcPts val="0"/>
-              </a:spcBef>
-              <a:spcAft>
-                <a:spcPts val="0"/>
-              </a:spcAft>
-              <a:buSzPts val="1000"/>
-              <a:buNone/>
-            </a:pPr>
-            <a:fld id="{00000000-1234-1234-1234-123412341234}" type="slidenum">
-              <a:rPr lang="en-US"/>
-              <a:t>2</a:t>
-            </a:fld>
-            <a:endParaRPr lang="en-US"/>
-          </a:p>
-        </p:txBody>
-      </p:sp>
-      <p:sp>
-        <p:nvSpPr>
-          <p:cNvPr id="120" name="Google Shape;120;p18"/>
-          <p:cNvSpPr txBox="1"/>
-          <p:nvPr/>
-        </p:nvSpPr>
-        <p:spPr>
-          <a:xfrm>
-            <a:off x="462280" y="1242875"/>
-            <a:ext cx="3042920" cy="289823"/>
-          </a:xfrm>
-          <a:prstGeom prst="rect">
-            <a:avLst/>
-          </a:prstGeom>
-          <a:noFill/>
-          <a:ln>
-            <a:noFill/>
-          </a:ln>
-        </p:spPr>
-        <p:txBody>
-          <a:bodyPr spcFirstLastPara="1" wrap="square" lIns="0" tIns="12700" rIns="0" bIns="0" anchor="t" anchorCtr="0">
-            <a:noAutofit/>
-          </a:bodyPr>
-          <a:lstStyle/>
-          <a:p>
-            <a:pPr marL="12700" marR="0" lvl="0" indent="0" algn="l" rtl="0">
-              <a:lnSpc>
-                <a:spcPct val="100000"/>
-              </a:lnSpc>
-              <a:spcBef>
-                <a:spcPts val="0"/>
-              </a:spcBef>
-              <a:spcAft>
-                <a:spcPts val="0"/>
-              </a:spcAft>
-              <a:buNone/>
-            </a:pPr>
-            <a:r>
-              <a:rPr lang="en-US" altLang="zh-CN" sz="1800" b="0" i="0" u="none" strike="noStrike" cap="none">
-                <a:solidFill>
-                  <a:srgbClr val="424242"/>
-                </a:solidFill>
-                <a:latin typeface="Courier New" panose="02070309020205020404"/>
-                <a:ea typeface="Courier New" panose="02070309020205020404"/>
-                <a:cs typeface="Courier New" panose="02070309020205020404"/>
-                <a:sym typeface="Courier New" panose="02070309020205020404"/>
-              </a:rPr>
-              <a:t>Since</a:t>
-            </a:r>
-            <a:r>
-              <a:rPr lang="zh-CN" altLang="en-US" sz="1800" b="0" i="0" u="none" strike="noStrike" cap="none">
-                <a:solidFill>
-                  <a:srgbClr val="424242"/>
-                </a:solidFill>
-                <a:latin typeface="Courier New" panose="02070309020205020404"/>
-                <a:ea typeface="Courier New" panose="02070309020205020404"/>
-                <a:cs typeface="Courier New" panose="02070309020205020404"/>
-                <a:sym typeface="Courier New" panose="02070309020205020404"/>
-              </a:rPr>
-              <a:t> </a:t>
-            </a:r>
-            <a:r>
-              <a:rPr lang="en-US" altLang="zh-CN" sz="1800" b="0" i="0" u="none" strike="noStrike" cap="none">
-                <a:solidFill>
-                  <a:srgbClr val="424242"/>
-                </a:solidFill>
-                <a:latin typeface="Courier New" panose="02070309020205020404"/>
-                <a:ea typeface="Courier New" panose="02070309020205020404"/>
-                <a:cs typeface="Courier New" panose="02070309020205020404"/>
-                <a:sym typeface="Courier New" panose="02070309020205020404"/>
-              </a:rPr>
-              <a:t>2019-02</a:t>
-            </a:r>
-            <a:endParaRPr sz="1800" b="0" i="0" u="none" strike="noStrike" cap="none">
-              <a:solidFill>
-                <a:srgbClr val="000000"/>
-              </a:solidFill>
-              <a:latin typeface="Courier New" panose="02070309020205020404"/>
-              <a:ea typeface="Courier New" panose="02070309020205020404"/>
-              <a:cs typeface="Courier New" panose="02070309020205020404"/>
-              <a:sym typeface="Courier New" panose="02070309020205020404"/>
-            </a:endParaRPr>
-          </a:p>
-        </p:txBody>
-      </p:sp>
-      <p:sp>
-        <p:nvSpPr>
-          <p:cNvPr id="122" name="Google Shape;122;p18"/>
-          <p:cNvSpPr txBox="1"/>
-          <p:nvPr/>
-        </p:nvSpPr>
-        <p:spPr>
-          <a:xfrm>
-            <a:off x="462280" y="1623148"/>
-            <a:ext cx="3120476" cy="289823"/>
-          </a:xfrm>
-          <a:prstGeom prst="rect">
-            <a:avLst/>
-          </a:prstGeom>
-          <a:noFill/>
-          <a:ln>
-            <a:noFill/>
-          </a:ln>
-        </p:spPr>
-        <p:txBody>
-          <a:bodyPr spcFirstLastPara="1" wrap="square" lIns="0" tIns="12700" rIns="0" bIns="0" anchor="t" anchorCtr="0">
-            <a:noAutofit/>
-          </a:bodyPr>
-          <a:lstStyle/>
-          <a:p>
-            <a:pPr marL="12700" lvl="0"/>
-            <a:r>
-              <a:rPr lang="en-US">
-                <a:hlinkClick r:id="rId3"/>
-              </a:rPr>
-              <a:t>https://github.com/micro-in-cn</a:t>
-            </a:r>
-            <a:endParaRPr u="sng">
-              <a:solidFill>
-                <a:srgbClr val="01AED1"/>
-              </a:solidFill>
-              <a:latin typeface="Courier New" panose="02070309020205020404"/>
-              <a:cs typeface="Courier New" panose="02070309020205020404"/>
-              <a:sym typeface="Courier New" panose="02070309020205020404"/>
-            </a:endParaRPr>
-          </a:p>
-        </p:txBody>
-      </p:sp>
-      <p:sp>
-        <p:nvSpPr>
-          <p:cNvPr id="128" name="Google Shape;128;p18"/>
-          <p:cNvSpPr/>
-          <p:nvPr/>
-        </p:nvSpPr>
-        <p:spPr>
-          <a:xfrm>
-            <a:off x="7743870" y="721831"/>
-            <a:ext cx="1120800" cy="307800"/>
-          </a:xfrm>
-          <a:prstGeom prst="rect">
-            <a:avLst/>
-          </a:prstGeom>
-          <a:noFill/>
-          <a:ln>
-            <a:noFill/>
-          </a:ln>
-        </p:spPr>
-        <p:txBody>
-          <a:bodyPr spcFirstLastPara="1" wrap="square" lIns="91425" tIns="45700" rIns="91425" bIns="45700" anchor="t" anchorCtr="0">
-            <a:noAutofit/>
-          </a:bodyPr>
-          <a:lstStyle/>
-          <a:p>
-            <a:pPr marL="0" marR="0" lvl="0" indent="0" algn="l" rtl="0">
-              <a:lnSpc>
-                <a:spcPct val="100000"/>
-              </a:lnSpc>
-              <a:spcBef>
-                <a:spcPts val="0"/>
-              </a:spcBef>
-              <a:spcAft>
-                <a:spcPts val="0"/>
-              </a:spcAft>
-              <a:buNone/>
-            </a:pPr>
-            <a:r>
-              <a:rPr lang="en-US" b="1">
-                <a:solidFill>
-                  <a:schemeClr val="accent1"/>
-                </a:solidFill>
-                <a:latin typeface="PT Sans Narrow" panose="020B0506020203020204"/>
-                <a:ea typeface="PT Sans Narrow" panose="020B0506020203020204"/>
-                <a:cs typeface="PT Sans Narrow" panose="020B0506020203020204"/>
-                <a:sym typeface="PT Sans Narrow" panose="020B0506020203020204"/>
-              </a:rPr>
-              <a:t>Micro</a:t>
-            </a:r>
-            <a:r>
-              <a:rPr lang="zh-CN" altLang="en-US" b="1">
-                <a:solidFill>
-                  <a:schemeClr val="accent1"/>
-                </a:solidFill>
-                <a:latin typeface="PT Sans Narrow" panose="020B0506020203020204"/>
-                <a:ea typeface="PT Sans Narrow" panose="020B0506020203020204"/>
-                <a:cs typeface="PT Sans Narrow" panose="020B0506020203020204"/>
-                <a:sym typeface="PT Sans Narrow" panose="020B0506020203020204"/>
-              </a:rPr>
-              <a:t> 中国</a:t>
-            </a:r>
-            <a:endParaRPr sz="3600" b="1" i="0" u="none" strike="noStrike" cap="none">
-              <a:solidFill>
-                <a:schemeClr val="accent1"/>
-              </a:solidFill>
-              <a:latin typeface="PT Sans Narrow" panose="020B0506020203020204"/>
-              <a:ea typeface="PT Sans Narrow" panose="020B0506020203020204"/>
-              <a:cs typeface="PT Sans Narrow" panose="020B0506020203020204"/>
-              <a:sym typeface="PT Sans Narrow" panose="020B0506020203020204"/>
-            </a:endParaRPr>
-          </a:p>
-        </p:txBody>
-      </p:sp>
-      <p:pic>
-        <p:nvPicPr>
-          <p:cNvPr id="2" name="Picture 1"/>
-          <p:cNvPicPr>
-            <a:picLocks noChangeAspect="1"/>
-          </p:cNvPicPr>
-          <p:nvPr/>
-        </p:nvPicPr>
-        <p:blipFill>
-          <a:blip r:embed="rId4"/>
-          <a:stretch>
-            <a:fillRect/>
-          </a:stretch>
-        </p:blipFill>
-        <p:spPr>
-          <a:xfrm>
-            <a:off x="384218" y="2026017"/>
-            <a:ext cx="1638300" cy="1638300"/>
-          </a:xfrm>
-          <a:prstGeom prst="rect">
-            <a:avLst/>
-          </a:prstGeom>
-        </p:spPr>
-      </p:pic>
-      <p:pic>
-        <p:nvPicPr>
-          <p:cNvPr id="3" name="Picture 2"/>
-          <p:cNvPicPr>
-            <a:picLocks noChangeAspect="1"/>
-          </p:cNvPicPr>
-          <p:nvPr/>
-        </p:nvPicPr>
-        <p:blipFill>
-          <a:blip r:embed="rId5"/>
-          <a:stretch>
-            <a:fillRect/>
-          </a:stretch>
-        </p:blipFill>
-        <p:spPr>
-          <a:xfrm>
-            <a:off x="2389857" y="2026017"/>
-            <a:ext cx="1638301" cy="1615704"/>
-          </a:xfrm>
-          <a:prstGeom prst="rect">
-            <a:avLst/>
-          </a:prstGeom>
-        </p:spPr>
-      </p:pic>
-      <p:sp>
-        <p:nvSpPr>
-          <p:cNvPr id="4" name="TextBox 3"/>
-          <p:cNvSpPr txBox="1"/>
-          <p:nvPr/>
-        </p:nvSpPr>
-        <p:spPr>
-          <a:xfrm>
-            <a:off x="2389857" y="3641721"/>
-            <a:ext cx="1928733" cy="307777"/>
+            <a:off x="431250" y="1963200"/>
+            <a:ext cx="3501280" cy="307777"/>
           </a:xfrm>
           <a:prstGeom prst="rect">
             <a:avLst/>
@@ -18035,1303 +20876,49 @@
           <a:p>
             <a:r>
               <a:rPr kumimoji="1" lang="zh-CN" altLang="en-US"/>
-              <a:t>扫码加群，备注</a:t>
+              <a:t>设定</a:t>
             </a:r>
             <a:r>
               <a:rPr kumimoji="1" lang="en-US" altLang="zh-CN"/>
-              <a:t>github</a:t>
-            </a:r>
-            <a:endParaRPr kumimoji="1" lang="zh-CN" altLang="en-US"/>
-          </a:p>
-        </p:txBody>
-      </p:sp>
-      <p:sp>
-        <p:nvSpPr>
-          <p:cNvPr id="14" name="TextBox 13"/>
-          <p:cNvSpPr txBox="1"/>
-          <p:nvPr/>
-        </p:nvSpPr>
-        <p:spPr>
-          <a:xfrm>
-            <a:off x="463772" y="3641720"/>
-            <a:ext cx="1519968" cy="307777"/>
-          </a:xfrm>
-          <a:prstGeom prst="rect">
-            <a:avLst/>
-          </a:prstGeom>
-          <a:noFill/>
-        </p:spPr>
-        <p:txBody>
-          <a:bodyPr wrap="none" rtlCol="0">
-            <a:spAutoFit/>
-          </a:bodyPr>
-          <a:lstStyle/>
-          <a:p>
-            <a:r>
-              <a:rPr kumimoji="1" lang="en-US" altLang="zh-CN"/>
-              <a:t>Micro</a:t>
+              <a:t>micro</a:t>
             </a:r>
             <a:r>
               <a:rPr kumimoji="1" lang="zh-CN" altLang="en-US"/>
-              <a:t>中国公众号</a:t>
-            </a:r>
-          </a:p>
-        </p:txBody>
-      </p:sp>
-    </p:spTree>
-  </p:cSld>
-  <p:clrMapOvr>
-    <a:masterClrMapping/>
-  </p:clrMapOvr>
-</p:sld>
-</file>
-
-<file path=ppt/slides/slide3.xml><?xml version="1.0" encoding="utf-8"?>
-<p:sld xmlns:a="http://schemas.openxmlformats.org/drawingml/2006/main" xmlns:r="http://schemas.openxmlformats.org/officeDocument/2006/relationships" xmlns:p="http://schemas.openxmlformats.org/presentationml/2006/main">
-  <p:cSld>
-    <p:spTree>
-      <p:nvGrpSpPr>
-        <p:cNvPr id="1" name="Shape 132"/>
-        <p:cNvGrpSpPr/>
-        <p:nvPr/>
-      </p:nvGrpSpPr>
-      <p:grpSpPr>
-        <a:xfrm>
-          <a:off x="0" y="0"/>
-          <a:ext cx="0" cy="0"/>
-          <a:chOff x="0" y="0"/>
-          <a:chExt cx="0" cy="0"/>
-        </a:xfrm>
-      </p:grpSpPr>
-      <p:sp>
-        <p:nvSpPr>
-          <p:cNvPr id="133" name="Google Shape;133;p19"/>
-          <p:cNvSpPr txBox="1">
-            <a:spLocks noGrp="1"/>
-          </p:cNvSpPr>
-          <p:nvPr>
-            <p:ph type="title"/>
-          </p:nvPr>
-        </p:nvSpPr>
-        <p:spPr>
-          <a:xfrm>
-            <a:off x="311700" y="445025"/>
-            <a:ext cx="8520600" cy="707400"/>
-          </a:xfrm>
-          <a:prstGeom prst="rect">
-            <a:avLst/>
-          </a:prstGeom>
-          <a:noFill/>
-          <a:ln>
-            <a:noFill/>
-          </a:ln>
-        </p:spPr>
-        <p:txBody>
-          <a:bodyPr spcFirstLastPara="1" wrap="square" lIns="91425" tIns="91425" rIns="91425" bIns="91425" anchor="t" anchorCtr="0">
-            <a:noAutofit/>
-          </a:bodyPr>
-          <a:lstStyle/>
-          <a:p>
-            <a:pPr marL="0" lvl="0" indent="0" algn="l" rtl="0">
-              <a:lnSpc>
-                <a:spcPct val="100000"/>
-              </a:lnSpc>
-              <a:spcBef>
-                <a:spcPts val="0"/>
-              </a:spcBef>
-              <a:spcAft>
-                <a:spcPts val="0"/>
-              </a:spcAft>
-              <a:buSzPts val="3600"/>
-              <a:buNone/>
-            </a:pPr>
-            <a:r>
-              <a:rPr lang="en-US"/>
-              <a:t>主题</a:t>
-            </a:r>
-          </a:p>
-        </p:txBody>
-      </p:sp>
-      <p:sp>
-        <p:nvSpPr>
-          <p:cNvPr id="134" name="Google Shape;134;p19"/>
-          <p:cNvSpPr txBox="1">
-            <a:spLocks noGrp="1"/>
-          </p:cNvSpPr>
-          <p:nvPr>
-            <p:ph type="sldNum" idx="12"/>
-          </p:nvPr>
-        </p:nvSpPr>
-        <p:spPr>
-          <a:xfrm>
-            <a:off x="167983" y="4610554"/>
-            <a:ext cx="548700" cy="393600"/>
-          </a:xfrm>
-          <a:prstGeom prst="rect">
-            <a:avLst/>
-          </a:prstGeom>
-          <a:noFill/>
-          <a:ln>
-            <a:noFill/>
-          </a:ln>
-        </p:spPr>
-        <p:txBody>
-          <a:bodyPr spcFirstLastPara="1" wrap="square" lIns="91425" tIns="91425" rIns="91425" bIns="91425" anchor="ctr" anchorCtr="0">
-            <a:noAutofit/>
-          </a:bodyPr>
-          <a:lstStyle/>
-          <a:p>
-            <a:pPr marL="0" lvl="0" indent="0" algn="r" rtl="0">
-              <a:lnSpc>
-                <a:spcPct val="100000"/>
-              </a:lnSpc>
-              <a:spcBef>
-                <a:spcPts val="0"/>
-              </a:spcBef>
-              <a:spcAft>
-                <a:spcPts val="0"/>
-              </a:spcAft>
-              <a:buSzPts val="1000"/>
-              <a:buNone/>
-            </a:pPr>
-            <a:fld id="{00000000-1234-1234-1234-123412341234}" type="slidenum">
-              <a:rPr lang="en-US"/>
-              <a:t>3</a:t>
-            </a:fld>
-            <a:endParaRPr lang="en-US"/>
-          </a:p>
-        </p:txBody>
-      </p:sp>
-      <p:sp>
-        <p:nvSpPr>
-          <p:cNvPr id="135" name="Google Shape;135;p19"/>
-          <p:cNvSpPr txBox="1"/>
-          <p:nvPr/>
-        </p:nvSpPr>
-        <p:spPr>
-          <a:xfrm>
-            <a:off x="419428" y="1216585"/>
-            <a:ext cx="6609080" cy="1513458"/>
-          </a:xfrm>
-          <a:prstGeom prst="rect">
-            <a:avLst/>
-          </a:prstGeom>
-          <a:noFill/>
-          <a:ln>
-            <a:noFill/>
-          </a:ln>
-        </p:spPr>
-        <p:txBody>
-          <a:bodyPr spcFirstLastPara="1" wrap="square" lIns="0" tIns="12700" rIns="0" bIns="0" anchor="t" anchorCtr="0">
-            <a:noAutofit/>
-          </a:bodyPr>
-          <a:lstStyle/>
-          <a:p>
-            <a:pPr marL="355600" lvl="0" indent="-342900">
-              <a:buSzPts val="1400"/>
-              <a:buFont typeface="Arial" panose="020B0604020202020204"/>
-              <a:buAutoNum type="arabicPeriod"/>
-            </a:pPr>
-            <a:r>
-              <a:rPr lang="en-US" altLang="zh-CN" dirty="0">
-                <a:solidFill>
-                  <a:srgbClr val="424242"/>
-                </a:solidFill>
-                <a:latin typeface="Courier New" panose="02070309020205020404"/>
-                <a:ea typeface="Courier New" panose="02070309020205020404"/>
-                <a:cs typeface="Courier New" panose="02070309020205020404"/>
-                <a:sym typeface="Courier New" panose="02070309020205020404"/>
-              </a:rPr>
-              <a:t>Micro</a:t>
-            </a:r>
-            <a:r>
-              <a:rPr lang="zh-CN" altLang="en-US" dirty="0">
-                <a:solidFill>
-                  <a:srgbClr val="424242"/>
-                </a:solidFill>
-                <a:latin typeface="Courier New" panose="02070309020205020404"/>
-                <a:ea typeface="Courier New" panose="02070309020205020404"/>
-                <a:cs typeface="Courier New" panose="02070309020205020404"/>
-                <a:sym typeface="Courier New" panose="02070309020205020404"/>
-              </a:rPr>
               <a:t> </a:t>
             </a:r>
             <a:r>
-              <a:rPr lang="en-US" altLang="zh-CN" dirty="0">
-                <a:solidFill>
-                  <a:srgbClr val="424242"/>
-                </a:solidFill>
-                <a:latin typeface="Courier New" panose="02070309020205020404"/>
-                <a:ea typeface="Courier New" panose="02070309020205020404"/>
-                <a:cs typeface="Courier New" panose="02070309020205020404"/>
-                <a:sym typeface="Courier New" panose="02070309020205020404"/>
-              </a:rPr>
-              <a:t>API</a:t>
-            </a:r>
-            <a:r>
-              <a:rPr lang="zh-CN" altLang="en-US" dirty="0">
-                <a:solidFill>
-                  <a:srgbClr val="424242"/>
-                </a:solidFill>
-                <a:latin typeface="Courier New" panose="02070309020205020404"/>
-                <a:ea typeface="Courier New" panose="02070309020205020404"/>
-                <a:cs typeface="Courier New" panose="02070309020205020404"/>
-                <a:sym typeface="Courier New" panose="02070309020205020404"/>
-              </a:rPr>
-              <a:t> </a:t>
-            </a:r>
-            <a:r>
-              <a:rPr lang="en-US" altLang="zh-CN" dirty="0">
-                <a:solidFill>
-                  <a:srgbClr val="424242"/>
-                </a:solidFill>
-                <a:latin typeface="Courier New" panose="02070309020205020404"/>
-                <a:ea typeface="Courier New" panose="02070309020205020404"/>
-                <a:cs typeface="Courier New" panose="02070309020205020404"/>
-                <a:sym typeface="Courier New" panose="02070309020205020404"/>
-              </a:rPr>
-              <a:t>(Gateway)</a:t>
-            </a:r>
-          </a:p>
-          <a:p>
-            <a:pPr marL="355600" lvl="0" indent="-342900">
-              <a:buSzPts val="1400"/>
-              <a:buFont typeface="Arial" panose="020B0604020202020204"/>
-              <a:buAutoNum type="arabicPeriod"/>
-            </a:pPr>
-            <a:r>
-              <a:rPr lang="en-US" altLang="zh-CN" dirty="0">
-                <a:solidFill>
-                  <a:srgbClr val="424242"/>
-                </a:solidFill>
-                <a:latin typeface="Courier New" panose="02070309020205020404"/>
-                <a:ea typeface="Courier New" panose="02070309020205020404"/>
-                <a:cs typeface="Courier New" panose="02070309020205020404"/>
-                <a:sym typeface="Courier New" panose="02070309020205020404"/>
-              </a:rPr>
-              <a:t>Micro</a:t>
-            </a:r>
-            <a:r>
-              <a:rPr lang="zh-CN" altLang="en-US" dirty="0">
-                <a:solidFill>
-                  <a:srgbClr val="424242"/>
-                </a:solidFill>
-                <a:latin typeface="Courier New" panose="02070309020205020404"/>
-                <a:ea typeface="Courier New" panose="02070309020205020404"/>
-                <a:cs typeface="Courier New" panose="02070309020205020404"/>
-                <a:sym typeface="Courier New" panose="02070309020205020404"/>
-              </a:rPr>
-              <a:t> </a:t>
-            </a:r>
-            <a:r>
-              <a:rPr lang="en-US" altLang="zh-CN" dirty="0">
-                <a:solidFill>
-                  <a:srgbClr val="424242"/>
-                </a:solidFill>
-                <a:latin typeface="Courier New" panose="02070309020205020404"/>
-                <a:ea typeface="Courier New" panose="02070309020205020404"/>
-                <a:cs typeface="Courier New" panose="02070309020205020404"/>
-                <a:sym typeface="Courier New" panose="02070309020205020404"/>
-              </a:rPr>
-              <a:t>CLI</a:t>
-            </a:r>
-          </a:p>
-          <a:p>
-            <a:pPr marL="355600" lvl="0" indent="-342900">
-              <a:buSzPts val="1400"/>
-              <a:buFont typeface="Arial" panose="020B0604020202020204"/>
-              <a:buAutoNum type="arabicPeriod"/>
-            </a:pPr>
-            <a:r>
-              <a:rPr lang="en-US" altLang="zh-CN" dirty="0">
-                <a:solidFill>
-                  <a:srgbClr val="424242"/>
-                </a:solidFill>
-                <a:latin typeface="Courier New" panose="02070309020205020404"/>
-                <a:ea typeface="Courier New" panose="02070309020205020404"/>
-                <a:cs typeface="Courier New" panose="02070309020205020404"/>
-                <a:sym typeface="Courier New" panose="02070309020205020404"/>
-              </a:rPr>
-              <a:t>Micro</a:t>
-            </a:r>
-            <a:r>
-              <a:rPr lang="zh-CN" altLang="en-US" dirty="0">
-                <a:solidFill>
-                  <a:srgbClr val="424242"/>
-                </a:solidFill>
-                <a:latin typeface="Courier New" panose="02070309020205020404"/>
-                <a:ea typeface="Courier New" panose="02070309020205020404"/>
-                <a:cs typeface="Courier New" panose="02070309020205020404"/>
-                <a:sym typeface="Courier New" panose="02070309020205020404"/>
-              </a:rPr>
-              <a:t> </a:t>
-            </a:r>
-            <a:r>
-              <a:rPr lang="en-US" altLang="zh-CN" dirty="0">
-                <a:solidFill>
-                  <a:srgbClr val="424242"/>
-                </a:solidFill>
-                <a:latin typeface="Courier New" panose="02070309020205020404"/>
-                <a:ea typeface="Courier New" panose="02070309020205020404"/>
-                <a:cs typeface="Courier New" panose="02070309020205020404"/>
-                <a:sym typeface="Courier New" panose="02070309020205020404"/>
-              </a:rPr>
-              <a:t>Web</a:t>
-            </a:r>
-          </a:p>
-          <a:p>
-            <a:pPr marL="355600" lvl="0" indent="-342900">
-              <a:buSzPts val="1400"/>
-              <a:buFont typeface="Arial" panose="020B0604020202020204"/>
-              <a:buAutoNum type="arabicPeriod"/>
-            </a:pPr>
-            <a:r>
-              <a:rPr lang="en-US" altLang="zh-CN" dirty="0">
-                <a:solidFill>
-                  <a:srgbClr val="424242"/>
-                </a:solidFill>
-                <a:latin typeface="Courier New" panose="02070309020205020404"/>
-                <a:ea typeface="Courier New" panose="02070309020205020404"/>
-                <a:cs typeface="Courier New" panose="02070309020205020404"/>
-                <a:sym typeface="Courier New" panose="02070309020205020404"/>
-              </a:rPr>
-              <a:t>Micro</a:t>
-            </a:r>
-            <a:r>
-              <a:rPr lang="zh-CN" altLang="en-US" dirty="0">
-                <a:solidFill>
-                  <a:srgbClr val="424242"/>
-                </a:solidFill>
-                <a:latin typeface="Courier New" panose="02070309020205020404"/>
-                <a:ea typeface="Courier New" panose="02070309020205020404"/>
-                <a:cs typeface="Courier New" panose="02070309020205020404"/>
-                <a:sym typeface="Courier New" panose="02070309020205020404"/>
-              </a:rPr>
-              <a:t> </a:t>
-            </a:r>
-            <a:r>
-              <a:rPr lang="en-US" altLang="zh-CN" dirty="0">
-                <a:solidFill>
-                  <a:srgbClr val="424242"/>
-                </a:solidFill>
-                <a:latin typeface="Courier New" panose="02070309020205020404"/>
-                <a:ea typeface="Courier New" panose="02070309020205020404"/>
-                <a:cs typeface="Courier New" panose="02070309020205020404"/>
-                <a:sym typeface="Courier New" panose="02070309020205020404"/>
-              </a:rPr>
-              <a:t>Proxy</a:t>
-            </a:r>
-            <a:r>
-              <a:rPr lang="zh-CN" altLang="en-US" dirty="0">
-                <a:solidFill>
-                  <a:srgbClr val="424242"/>
-                </a:solidFill>
-                <a:latin typeface="Courier New" panose="02070309020205020404"/>
-                <a:ea typeface="Courier New" panose="02070309020205020404"/>
-                <a:cs typeface="Courier New" panose="02070309020205020404"/>
-                <a:sym typeface="Courier New" panose="02070309020205020404"/>
-              </a:rPr>
-              <a:t> （</a:t>
-            </a:r>
-            <a:r>
-              <a:rPr lang="en-US" altLang="zh-CN" dirty="0">
-                <a:solidFill>
-                  <a:srgbClr val="424242"/>
-                </a:solidFill>
-                <a:latin typeface="Courier New" panose="02070309020205020404"/>
-                <a:ea typeface="Courier New" panose="02070309020205020404"/>
-                <a:cs typeface="Courier New" panose="02070309020205020404"/>
-                <a:sym typeface="Courier New" panose="02070309020205020404"/>
-              </a:rPr>
-              <a:t>Go-Micro</a:t>
-            </a:r>
-            <a:r>
-              <a:rPr lang="zh-CN" altLang="en-US" dirty="0">
-                <a:solidFill>
-                  <a:srgbClr val="424242"/>
-                </a:solidFill>
-                <a:latin typeface="Courier New" panose="02070309020205020404"/>
-                <a:ea typeface="Courier New" panose="02070309020205020404"/>
-                <a:cs typeface="Courier New" panose="02070309020205020404"/>
-                <a:sym typeface="Courier New" panose="02070309020205020404"/>
-              </a:rPr>
-              <a:t>服务代理）</a:t>
-            </a:r>
-            <a:endParaRPr lang="en-US" altLang="zh-CN" dirty="0">
-              <a:solidFill>
-                <a:srgbClr val="424242"/>
-              </a:solidFill>
-              <a:latin typeface="Courier New" panose="02070309020205020404"/>
-              <a:ea typeface="Courier New" panose="02070309020205020404"/>
-              <a:cs typeface="Courier New" panose="02070309020205020404"/>
-              <a:sym typeface="Courier New" panose="02070309020205020404"/>
-            </a:endParaRPr>
-          </a:p>
-          <a:p>
-            <a:pPr marL="355600" lvl="0" indent="-342900">
-              <a:buSzPts val="1400"/>
-              <a:buFont typeface="Arial" panose="020B0604020202020204"/>
-              <a:buAutoNum type="arabicPeriod"/>
-            </a:pPr>
-            <a:r>
-              <a:rPr lang="en-US" dirty="0">
-                <a:solidFill>
-                  <a:srgbClr val="424242"/>
-                </a:solidFill>
-                <a:latin typeface="Courier New" panose="02070309020205020404"/>
-                <a:cs typeface="Courier New" panose="02070309020205020404"/>
-              </a:rPr>
-              <a:t>Micro </a:t>
-            </a:r>
-            <a:r>
-              <a:rPr lang="zh-CN" altLang="en-US" dirty="0">
-                <a:solidFill>
-                  <a:srgbClr val="424242"/>
-                </a:solidFill>
-                <a:latin typeface="Courier New" panose="02070309020205020404"/>
-                <a:cs typeface="Courier New" panose="02070309020205020404"/>
-              </a:rPr>
-              <a:t>工具集的发展（</a:t>
-            </a:r>
-            <a:r>
-              <a:rPr lang="en-US" altLang="zh-CN" dirty="0">
-                <a:solidFill>
-                  <a:srgbClr val="424242"/>
-                </a:solidFill>
-                <a:latin typeface="Courier New" panose="02070309020205020404"/>
-                <a:cs typeface="Courier New" panose="02070309020205020404"/>
-              </a:rPr>
-              <a:t>Auth</a:t>
-            </a:r>
-            <a:r>
-              <a:rPr lang="zh-CN" altLang="en-US" dirty="0">
-                <a:solidFill>
-                  <a:srgbClr val="424242"/>
-                </a:solidFill>
-                <a:latin typeface="Courier New" panose="02070309020205020404"/>
-                <a:cs typeface="Courier New" panose="02070309020205020404"/>
-              </a:rPr>
-              <a:t>、</a:t>
-            </a:r>
-            <a:r>
-              <a:rPr lang="en-US" dirty="0" err="1">
-                <a:solidFill>
-                  <a:srgbClr val="424242"/>
-                </a:solidFill>
-                <a:latin typeface="Courier New" panose="02070309020205020404"/>
-                <a:cs typeface="Courier New" panose="02070309020205020404"/>
-              </a:rPr>
-              <a:t>Network，Run、Tunnel、Platform</a:t>
-            </a:r>
-            <a:r>
-              <a:rPr lang="en-US" dirty="0">
-                <a:solidFill>
-                  <a:srgbClr val="424242"/>
-                </a:solidFill>
-                <a:latin typeface="Courier New" panose="02070309020205020404"/>
-                <a:cs typeface="Courier New" panose="02070309020205020404"/>
-              </a:rPr>
-              <a:t>）</a:t>
-            </a:r>
-            <a:endParaRPr lang="en-US" altLang="zh-CN" dirty="0">
-              <a:solidFill>
-                <a:srgbClr val="424242"/>
-              </a:solidFill>
-              <a:latin typeface="Courier New" panose="02070309020205020404"/>
-              <a:cs typeface="Courier New" panose="02070309020205020404"/>
-              <a:sym typeface="Courier New" panose="02070309020205020404"/>
-            </a:endParaRPr>
-          </a:p>
-        </p:txBody>
-      </p:sp>
-    </p:spTree>
-  </p:cSld>
-  <p:clrMapOvr>
-    <a:masterClrMapping/>
-  </p:clrMapOvr>
-</p:sld>
-</file>
-
-<file path=ppt/slides/slide4.xml><?xml version="1.0" encoding="utf-8"?>
-<p:sld xmlns:a="http://schemas.openxmlformats.org/drawingml/2006/main" xmlns:r="http://schemas.openxmlformats.org/officeDocument/2006/relationships" xmlns:p="http://schemas.openxmlformats.org/presentationml/2006/main">
-  <p:cSld>
-    <p:spTree>
-      <p:nvGrpSpPr>
-        <p:cNvPr id="1" name=""/>
-        <p:cNvGrpSpPr/>
-        <p:nvPr/>
-      </p:nvGrpSpPr>
-      <p:grpSpPr>
-        <a:xfrm>
-          <a:off x="0" y="0"/>
-          <a:ext cx="0" cy="0"/>
-          <a:chOff x="0" y="0"/>
-          <a:chExt cx="0" cy="0"/>
-        </a:xfrm>
-      </p:grpSpPr>
-      <p:sp>
-        <p:nvSpPr>
-          <p:cNvPr id="2" name="Title 1">
-            <a:extLst>
-              <a:ext uri="{FF2B5EF4-FFF2-40B4-BE49-F238E27FC236}">
-                <a16:creationId xmlns:a16="http://schemas.microsoft.com/office/drawing/2014/main" id="{3433B073-7F7E-3745-BE97-78B556B01E5C}"/>
-              </a:ext>
-            </a:extLst>
-          </p:cNvPr>
-          <p:cNvSpPr>
-            <a:spLocks noGrp="1"/>
-          </p:cNvSpPr>
-          <p:nvPr>
-            <p:ph type="title"/>
-          </p:nvPr>
-        </p:nvSpPr>
-        <p:spPr/>
-        <p:txBody>
-          <a:bodyPr/>
-          <a:lstStyle/>
-          <a:p>
-            <a:r>
               <a:rPr kumimoji="1" lang="en-US" altLang="zh-CN"/>
-              <a:t>Micro</a:t>
+              <a:t>api</a:t>
             </a:r>
             <a:r>
               <a:rPr kumimoji="1" lang="zh-CN" altLang="en-US"/>
-              <a:t>工具集</a:t>
-            </a:r>
-          </a:p>
-        </p:txBody>
-      </p:sp>
-      <p:sp>
-        <p:nvSpPr>
-          <p:cNvPr id="3" name="Text Placeholder 2">
-            <a:extLst>
-              <a:ext uri="{FF2B5EF4-FFF2-40B4-BE49-F238E27FC236}">
-                <a16:creationId xmlns:a16="http://schemas.microsoft.com/office/drawing/2014/main" id="{7EB7CC78-DC90-594C-904C-7BC66F6CA29B}"/>
-              </a:ext>
-            </a:extLst>
-          </p:cNvPr>
-          <p:cNvSpPr>
-            <a:spLocks noGrp="1"/>
-          </p:cNvSpPr>
-          <p:nvPr>
-            <p:ph type="body" idx="1"/>
-          </p:nvPr>
-        </p:nvSpPr>
-        <p:spPr/>
-        <p:txBody>
-          <a:bodyPr/>
-          <a:lstStyle/>
-          <a:p>
-            <a:r>
-              <a:rPr kumimoji="1" lang="en-US" altLang="zh-CN" dirty="0"/>
-              <a:t>Go-Micro</a:t>
+              <a:t>的命名空间为：</a:t>
             </a:r>
             <a:r>
-              <a:rPr kumimoji="1" lang="zh-CN" altLang="en-US" dirty="0"/>
-              <a:t>与</a:t>
+              <a:rPr lang="en-US">
+                <a:solidFill>
+                  <a:srgbClr val="FF0000"/>
+                </a:solidFill>
+              </a:rPr>
+              <a:t>go.micro.api</a:t>
             </a:r>
-            <a:r>
-              <a:rPr kumimoji="1" lang="en-US" altLang="zh-CN" dirty="0"/>
-              <a:t>Micro</a:t>
-            </a:r>
-            <a:r>
-              <a:rPr kumimoji="1" lang="zh-CN" altLang="en-US" dirty="0"/>
-              <a:t>，两个项目的关联</a:t>
-            </a:r>
-            <a:endParaRPr kumimoji="1" lang="en-US" altLang="zh-CN" dirty="0"/>
-          </a:p>
-          <a:p>
-            <a:endParaRPr kumimoji="1" lang="en-US" altLang="zh-CN" dirty="0"/>
-          </a:p>
-          <a:p>
-            <a:r>
-              <a:rPr kumimoji="1" lang="en-US" altLang="zh-CN" dirty="0"/>
-              <a:t>Go-Micro</a:t>
-            </a:r>
-            <a:r>
-              <a:rPr kumimoji="1" lang="zh-CN" altLang="en-US" dirty="0"/>
-              <a:t>是框架，不是服务</a:t>
-            </a:r>
-            <a:endParaRPr kumimoji="1" lang="en-US" altLang="zh-CN" dirty="0"/>
-          </a:p>
-          <a:p>
-            <a:r>
-              <a:rPr kumimoji="1" lang="en-US" altLang="zh-CN" dirty="0"/>
-              <a:t>Micro</a:t>
-            </a:r>
-            <a:r>
-              <a:rPr kumimoji="1" lang="zh-CN" altLang="en-US" dirty="0"/>
-              <a:t>是基于</a:t>
-            </a:r>
-            <a:r>
-              <a:rPr kumimoji="1" lang="en-US" altLang="zh-CN" dirty="0"/>
-              <a:t>Go-Micro</a:t>
-            </a:r>
-            <a:r>
-              <a:rPr kumimoji="1" lang="zh-CN" altLang="en-US" dirty="0"/>
-              <a:t>编写，面向</a:t>
-            </a:r>
-            <a:r>
-              <a:rPr kumimoji="1" lang="en-US" altLang="zh-CN" dirty="0"/>
-              <a:t>Go-Micro</a:t>
-            </a:r>
-            <a:r>
-              <a:rPr kumimoji="1" lang="zh-CN" altLang="en-US" dirty="0"/>
-              <a:t>服务</a:t>
-            </a:r>
-            <a:r>
-              <a:rPr kumimoji="1" lang="zh-CN" altLang="en-US"/>
-              <a:t>治理与生态的</a:t>
-            </a:r>
-            <a:r>
-              <a:rPr kumimoji="1" lang="zh-CN" altLang="en-US" dirty="0"/>
-              <a:t>工具集。</a:t>
-            </a:r>
-            <a:endParaRPr kumimoji="1" lang="en-US" altLang="zh-CN" dirty="0"/>
-          </a:p>
-          <a:p>
-            <a:endParaRPr kumimoji="1" lang="zh-CN" altLang="en-US" dirty="0"/>
-          </a:p>
-        </p:txBody>
-      </p:sp>
-      <p:sp>
-        <p:nvSpPr>
-          <p:cNvPr id="4" name="Google Shape;128;p18">
-            <a:extLst>
-              <a:ext uri="{FF2B5EF4-FFF2-40B4-BE49-F238E27FC236}">
-                <a16:creationId xmlns:a16="http://schemas.microsoft.com/office/drawing/2014/main" id="{B5D756C7-D1BD-E044-BD7B-A74D62004EC7}"/>
-              </a:ext>
-            </a:extLst>
-          </p:cNvPr>
-          <p:cNvSpPr/>
-          <p:nvPr/>
-        </p:nvSpPr>
-        <p:spPr>
-          <a:xfrm>
-            <a:off x="7743870" y="721831"/>
-            <a:ext cx="1120800" cy="307800"/>
-          </a:xfrm>
-          <a:prstGeom prst="rect">
-            <a:avLst/>
-          </a:prstGeom>
-          <a:noFill/>
-          <a:ln>
-            <a:noFill/>
-          </a:ln>
-        </p:spPr>
-        <p:txBody>
-          <a:bodyPr spcFirstLastPara="1" wrap="square" lIns="91425" tIns="45700" rIns="91425" bIns="45700" anchor="t" anchorCtr="0">
-            <a:noAutofit/>
-          </a:bodyPr>
-          <a:lstStyle/>
-          <a:p>
-            <a:pPr marL="0" marR="0" lvl="0" indent="0" algn="l" rtl="0">
-              <a:lnSpc>
-                <a:spcPct val="100000"/>
-              </a:lnSpc>
-              <a:spcBef>
-                <a:spcPts val="0"/>
-              </a:spcBef>
-              <a:spcAft>
-                <a:spcPts val="0"/>
-              </a:spcAft>
-              <a:buNone/>
-            </a:pPr>
-            <a:r>
-              <a:rPr lang="zh-CN" altLang="en-US" b="1">
-                <a:solidFill>
-                  <a:schemeClr val="accent1"/>
-                </a:solidFill>
-                <a:latin typeface="PT Sans Narrow" panose="020B0506020203020204"/>
-                <a:ea typeface="PT Sans Narrow" panose="020B0506020203020204"/>
-                <a:cs typeface="PT Sans Narrow" panose="020B0506020203020204"/>
-                <a:sym typeface="PT Sans Narrow" panose="020B0506020203020204"/>
-              </a:rPr>
-              <a:t>全功能介绍</a:t>
-            </a:r>
-            <a:endParaRPr sz="3600" b="1" i="0" u="none" strike="noStrike" cap="none">
+            <a:endParaRPr kumimoji="1" lang="zh-CN" altLang="en-US">
               <a:solidFill>
-                <a:schemeClr val="accent1"/>
+                <a:srgbClr val="FF0000"/>
               </a:solidFill>
-              <a:latin typeface="PT Sans Narrow" panose="020B0506020203020204"/>
-              <a:ea typeface="PT Sans Narrow" panose="020B0506020203020204"/>
-              <a:cs typeface="PT Sans Narrow" panose="020B0506020203020204"/>
-              <a:sym typeface="PT Sans Narrow" panose="020B0506020203020204"/>
-            </a:endParaRPr>
-          </a:p>
-        </p:txBody>
-      </p:sp>
-    </p:spTree>
-    <p:extLst>
-      <p:ext uri="{BB962C8B-B14F-4D97-AF65-F5344CB8AC3E}">
-        <p14:creationId xmlns:p14="http://schemas.microsoft.com/office/powerpoint/2010/main" val="3605090192"/>
-      </p:ext>
-    </p:extLst>
-  </p:cSld>
-  <p:clrMapOvr>
-    <a:masterClrMapping/>
-  </p:clrMapOvr>
-</p:sld>
-</file>
-
-<file path=ppt/slides/slide5.xml><?xml version="1.0" encoding="utf-8"?>
-<p:sld xmlns:a="http://schemas.openxmlformats.org/drawingml/2006/main" xmlns:r="http://schemas.openxmlformats.org/officeDocument/2006/relationships" xmlns:p="http://schemas.openxmlformats.org/presentationml/2006/main">
-  <p:cSld>
-    <p:spTree>
-      <p:nvGrpSpPr>
-        <p:cNvPr id="1" name=""/>
-        <p:cNvGrpSpPr/>
-        <p:nvPr/>
-      </p:nvGrpSpPr>
-      <p:grpSpPr>
-        <a:xfrm>
-          <a:off x="0" y="0"/>
-          <a:ext cx="0" cy="0"/>
-          <a:chOff x="0" y="0"/>
-          <a:chExt cx="0" cy="0"/>
-        </a:xfrm>
-      </p:grpSpPr>
-      <p:sp>
-        <p:nvSpPr>
-          <p:cNvPr id="2" name="Title 1">
-            <a:extLst>
-              <a:ext uri="{FF2B5EF4-FFF2-40B4-BE49-F238E27FC236}">
-                <a16:creationId xmlns:a16="http://schemas.microsoft.com/office/drawing/2014/main" id="{3433B073-7F7E-3745-BE97-78B556B01E5C}"/>
-              </a:ext>
-            </a:extLst>
-          </p:cNvPr>
-          <p:cNvSpPr>
-            <a:spLocks noGrp="1"/>
-          </p:cNvSpPr>
-          <p:nvPr>
-            <p:ph type="title"/>
-          </p:nvPr>
-        </p:nvSpPr>
-        <p:spPr/>
-        <p:txBody>
-          <a:bodyPr/>
-          <a:lstStyle/>
-          <a:p>
-            <a:r>
-              <a:rPr kumimoji="1" lang="en-US" altLang="zh-CN"/>
-              <a:t>Micro</a:t>
-            </a:r>
-            <a:r>
-              <a:rPr kumimoji="1" lang="zh-CN" altLang="en-US"/>
-              <a:t>工具集</a:t>
-            </a:r>
-          </a:p>
-        </p:txBody>
-      </p:sp>
-      <p:sp>
-        <p:nvSpPr>
-          <p:cNvPr id="3" name="Text Placeholder 2">
-            <a:extLst>
-              <a:ext uri="{FF2B5EF4-FFF2-40B4-BE49-F238E27FC236}">
-                <a16:creationId xmlns:a16="http://schemas.microsoft.com/office/drawing/2014/main" id="{7EB7CC78-DC90-594C-904C-7BC66F6CA29B}"/>
-              </a:ext>
-            </a:extLst>
-          </p:cNvPr>
-          <p:cNvSpPr>
-            <a:spLocks noGrp="1"/>
-          </p:cNvSpPr>
-          <p:nvPr>
-            <p:ph type="body" idx="1"/>
-          </p:nvPr>
-        </p:nvSpPr>
-        <p:spPr/>
-        <p:txBody>
-          <a:bodyPr/>
-          <a:lstStyle/>
-          <a:p>
-            <a:r>
-              <a:rPr kumimoji="1" lang="en-US" altLang="zh-CN"/>
-              <a:t>Registry</a:t>
-            </a:r>
-            <a:r>
-              <a:rPr kumimoji="1" lang="zh-CN" altLang="en-US"/>
-              <a:t> 注册中心（代理服务注册）</a:t>
-            </a:r>
-            <a:endParaRPr kumimoji="1" lang="en-US" altLang="zh-CN"/>
-          </a:p>
-          <a:p>
-            <a:r>
-              <a:rPr kumimoji="1" lang="en-US" altLang="zh-CN"/>
-              <a:t>API</a:t>
-            </a:r>
-            <a:r>
-              <a:rPr kumimoji="1" lang="zh-CN" altLang="en-US"/>
-              <a:t> 微服务网关</a:t>
-            </a:r>
-          </a:p>
-        </p:txBody>
-      </p:sp>
-      <p:sp>
-        <p:nvSpPr>
-          <p:cNvPr id="4" name="Google Shape;128;p18">
-            <a:extLst>
-              <a:ext uri="{FF2B5EF4-FFF2-40B4-BE49-F238E27FC236}">
-                <a16:creationId xmlns:a16="http://schemas.microsoft.com/office/drawing/2014/main" id="{B5D756C7-D1BD-E044-BD7B-A74D62004EC7}"/>
-              </a:ext>
-            </a:extLst>
-          </p:cNvPr>
-          <p:cNvSpPr/>
-          <p:nvPr/>
-        </p:nvSpPr>
-        <p:spPr>
-          <a:xfrm>
-            <a:off x="7743870" y="721831"/>
-            <a:ext cx="1120800" cy="307800"/>
-          </a:xfrm>
-          <a:prstGeom prst="rect">
-            <a:avLst/>
-          </a:prstGeom>
-          <a:noFill/>
-          <a:ln>
-            <a:noFill/>
-          </a:ln>
-        </p:spPr>
-        <p:txBody>
-          <a:bodyPr spcFirstLastPara="1" wrap="square" lIns="91425" tIns="45700" rIns="91425" bIns="45700" anchor="t" anchorCtr="0">
-            <a:noAutofit/>
-          </a:bodyPr>
-          <a:lstStyle/>
-          <a:p>
-            <a:pPr marL="0" marR="0" lvl="0" indent="0" algn="l" rtl="0">
-              <a:lnSpc>
-                <a:spcPct val="100000"/>
-              </a:lnSpc>
-              <a:spcBef>
-                <a:spcPts val="0"/>
-              </a:spcBef>
-              <a:spcAft>
-                <a:spcPts val="0"/>
-              </a:spcAft>
-              <a:buNone/>
-            </a:pPr>
-            <a:r>
-              <a:rPr lang="zh-CN" altLang="en-US" b="1">
-                <a:solidFill>
-                  <a:schemeClr val="accent1"/>
-                </a:solidFill>
-                <a:latin typeface="PT Sans Narrow" panose="020B0506020203020204"/>
-                <a:ea typeface="PT Sans Narrow" panose="020B0506020203020204"/>
-                <a:cs typeface="PT Sans Narrow" panose="020B0506020203020204"/>
-                <a:sym typeface="PT Sans Narrow" panose="020B0506020203020204"/>
-              </a:rPr>
-              <a:t>全功能介绍</a:t>
-            </a:r>
-            <a:endParaRPr sz="3600" b="1" i="0" u="none" strike="noStrike" cap="none">
-              <a:solidFill>
-                <a:schemeClr val="accent1"/>
-              </a:solidFill>
-              <a:latin typeface="PT Sans Narrow" panose="020B0506020203020204"/>
-              <a:ea typeface="PT Sans Narrow" panose="020B0506020203020204"/>
-              <a:cs typeface="PT Sans Narrow" panose="020B0506020203020204"/>
-              <a:sym typeface="PT Sans Narrow" panose="020B0506020203020204"/>
-            </a:endParaRPr>
-          </a:p>
-        </p:txBody>
-      </p:sp>
-    </p:spTree>
-    <p:extLst>
-      <p:ext uri="{BB962C8B-B14F-4D97-AF65-F5344CB8AC3E}">
-        <p14:creationId xmlns:p14="http://schemas.microsoft.com/office/powerpoint/2010/main" val="1024920243"/>
-      </p:ext>
-    </p:extLst>
-  </p:cSld>
-  <p:clrMapOvr>
-    <a:masterClrMapping/>
-  </p:clrMapOvr>
-</p:sld>
-</file>
-
-<file path=ppt/slides/slide6.xml><?xml version="1.0" encoding="utf-8"?>
-<p:sld xmlns:a="http://schemas.openxmlformats.org/drawingml/2006/main" xmlns:r="http://schemas.openxmlformats.org/officeDocument/2006/relationships" xmlns:p="http://schemas.openxmlformats.org/presentationml/2006/main">
-  <p:cSld>
-    <p:spTree>
-      <p:nvGrpSpPr>
-        <p:cNvPr id="1" name="Shape 139"/>
-        <p:cNvGrpSpPr/>
-        <p:nvPr/>
-      </p:nvGrpSpPr>
-      <p:grpSpPr>
-        <a:xfrm>
-          <a:off x="0" y="0"/>
-          <a:ext cx="0" cy="0"/>
-          <a:chOff x="0" y="0"/>
-          <a:chExt cx="0" cy="0"/>
-        </a:xfrm>
-      </p:grpSpPr>
-      <p:sp>
-        <p:nvSpPr>
-          <p:cNvPr id="140" name="Google Shape;140;p20"/>
-          <p:cNvSpPr txBox="1">
-            <a:spLocks noGrp="1"/>
-          </p:cNvSpPr>
-          <p:nvPr>
-            <p:ph type="title"/>
-          </p:nvPr>
-        </p:nvSpPr>
-        <p:spPr>
-          <a:xfrm>
-            <a:off x="271359" y="935823"/>
-            <a:ext cx="8571300" cy="942000"/>
-          </a:xfrm>
-          <a:prstGeom prst="rect">
-            <a:avLst/>
-          </a:prstGeom>
-          <a:noFill/>
-          <a:ln>
-            <a:noFill/>
-          </a:ln>
-        </p:spPr>
-        <p:txBody>
-          <a:bodyPr spcFirstLastPara="1" wrap="square" lIns="91425" tIns="91425" rIns="91425" bIns="91425" anchor="ctr" anchorCtr="0">
-            <a:noAutofit/>
-          </a:bodyPr>
-          <a:lstStyle/>
-          <a:p>
-            <a:pPr marL="0" lvl="0" indent="0" algn="ctr" rtl="0">
-              <a:lnSpc>
-                <a:spcPct val="100000"/>
-              </a:lnSpc>
-              <a:spcBef>
-                <a:spcPts val="0"/>
-              </a:spcBef>
-              <a:spcAft>
-                <a:spcPts val="0"/>
-              </a:spcAft>
-              <a:buSzPts val="3600"/>
-              <a:buNone/>
-            </a:pPr>
-            <a:r>
-              <a:rPr lang="en-US" altLang="zh-CN"/>
-              <a:t>Micro</a:t>
-            </a:r>
-            <a:r>
-              <a:rPr lang="zh-CN" altLang="en-US"/>
-              <a:t> </a:t>
-            </a:r>
-            <a:r>
-              <a:rPr lang="en-US" altLang="zh-CN"/>
-              <a:t>API</a:t>
-            </a:r>
-            <a:endParaRPr lang="en-US"/>
-          </a:p>
-        </p:txBody>
-      </p:sp>
-      <p:sp>
-        <p:nvSpPr>
-          <p:cNvPr id="141" name="Google Shape;141;p20"/>
-          <p:cNvSpPr txBox="1">
-            <a:spLocks noGrp="1"/>
-          </p:cNvSpPr>
-          <p:nvPr>
-            <p:ph type="sldNum" idx="12"/>
-          </p:nvPr>
-        </p:nvSpPr>
-        <p:spPr>
-          <a:xfrm>
-            <a:off x="145283" y="4583792"/>
-            <a:ext cx="548700" cy="393600"/>
-          </a:xfrm>
-          <a:prstGeom prst="rect">
-            <a:avLst/>
-          </a:prstGeom>
-          <a:noFill/>
-          <a:ln>
-            <a:noFill/>
-          </a:ln>
-        </p:spPr>
-        <p:txBody>
-          <a:bodyPr spcFirstLastPara="1" wrap="square" lIns="91425" tIns="91425" rIns="91425" bIns="91425" anchor="ctr" anchorCtr="0">
-            <a:noAutofit/>
-          </a:bodyPr>
-          <a:lstStyle/>
-          <a:p>
-            <a:pPr marL="0" lvl="0" indent="0" algn="r" rtl="0">
-              <a:lnSpc>
-                <a:spcPct val="100000"/>
-              </a:lnSpc>
-              <a:spcBef>
-                <a:spcPts val="0"/>
-              </a:spcBef>
-              <a:spcAft>
-                <a:spcPts val="0"/>
-              </a:spcAft>
-              <a:buSzPts val="1000"/>
-              <a:buNone/>
-            </a:pPr>
-            <a:fld id="{00000000-1234-1234-1234-123412341234}" type="slidenum">
-              <a:rPr lang="en-US"/>
-              <a:t>6</a:t>
-            </a:fld>
-            <a:endParaRPr lang="en-US"/>
-          </a:p>
-        </p:txBody>
-      </p:sp>
-    </p:spTree>
-  </p:cSld>
-  <p:clrMapOvr>
-    <a:masterClrMapping/>
-  </p:clrMapOvr>
-</p:sld>
-</file>
-
-<file path=ppt/slides/slide7.xml><?xml version="1.0" encoding="utf-8"?>
-<p:sld xmlns:a="http://schemas.openxmlformats.org/drawingml/2006/main" xmlns:r="http://schemas.openxmlformats.org/officeDocument/2006/relationships" xmlns:p="http://schemas.openxmlformats.org/presentationml/2006/main">
-  <p:cSld>
-    <p:spTree>
-      <p:nvGrpSpPr>
-        <p:cNvPr id="1" name="Shape 259"/>
-        <p:cNvGrpSpPr/>
-        <p:nvPr/>
-      </p:nvGrpSpPr>
-      <p:grpSpPr>
-        <a:xfrm>
-          <a:off x="0" y="0"/>
-          <a:ext cx="0" cy="0"/>
-          <a:chOff x="0" y="0"/>
-          <a:chExt cx="0" cy="0"/>
-        </a:xfrm>
-      </p:grpSpPr>
-      <p:sp>
-        <p:nvSpPr>
-          <p:cNvPr id="260" name="Google Shape;260;p28"/>
-          <p:cNvSpPr txBox="1">
-            <a:spLocks noGrp="1"/>
-          </p:cNvSpPr>
-          <p:nvPr>
-            <p:ph type="title"/>
-          </p:nvPr>
-        </p:nvSpPr>
-        <p:spPr>
-          <a:xfrm>
-            <a:off x="311699" y="445025"/>
-            <a:ext cx="2938039" cy="707400"/>
-          </a:xfrm>
-          <a:prstGeom prst="rect">
-            <a:avLst/>
-          </a:prstGeom>
-          <a:noFill/>
-          <a:ln>
-            <a:noFill/>
-          </a:ln>
-        </p:spPr>
-        <p:txBody>
-          <a:bodyPr spcFirstLastPara="1" wrap="square" lIns="91425" tIns="91425" rIns="91425" bIns="91425" anchor="t" anchorCtr="0">
-            <a:noAutofit/>
-          </a:bodyPr>
-          <a:lstStyle/>
-          <a:p>
-            <a:pPr lvl="0"/>
-            <a:r>
-              <a:rPr lang="en-US" altLang="zh-CN" dirty="0"/>
-              <a:t>Micro</a:t>
-            </a:r>
-            <a:r>
-              <a:rPr lang="zh-CN" altLang="en-US" dirty="0"/>
-              <a:t> </a:t>
-            </a:r>
-            <a:r>
-              <a:rPr lang="en-US" altLang="zh-CN" dirty="0"/>
-              <a:t>API</a:t>
-            </a:r>
-            <a:endParaRPr lang="en-US" dirty="0"/>
-          </a:p>
-        </p:txBody>
-      </p:sp>
-      <p:sp>
-        <p:nvSpPr>
-          <p:cNvPr id="261" name="Google Shape;261;p28"/>
-          <p:cNvSpPr txBox="1">
-            <a:spLocks noGrp="1"/>
-          </p:cNvSpPr>
-          <p:nvPr>
-            <p:ph type="sldNum" idx="12"/>
-          </p:nvPr>
-        </p:nvSpPr>
-        <p:spPr>
-          <a:xfrm>
-            <a:off x="167983" y="4610554"/>
-            <a:ext cx="548700" cy="393600"/>
-          </a:xfrm>
-          <a:prstGeom prst="rect">
-            <a:avLst/>
-          </a:prstGeom>
-          <a:noFill/>
-          <a:ln>
-            <a:noFill/>
-          </a:ln>
-        </p:spPr>
-        <p:txBody>
-          <a:bodyPr spcFirstLastPara="1" wrap="square" lIns="91425" tIns="91425" rIns="91425" bIns="91425" anchor="ctr" anchorCtr="0">
-            <a:noAutofit/>
-          </a:bodyPr>
-          <a:lstStyle/>
-          <a:p>
-            <a:pPr marL="0" lvl="0" indent="0" algn="r" rtl="0">
-              <a:lnSpc>
-                <a:spcPct val="100000"/>
-              </a:lnSpc>
-              <a:spcBef>
-                <a:spcPts val="0"/>
-              </a:spcBef>
-              <a:spcAft>
-                <a:spcPts val="0"/>
-              </a:spcAft>
-              <a:buSzPts val="1000"/>
-              <a:buNone/>
-            </a:pPr>
-            <a:fld id="{00000000-1234-1234-1234-123412341234}" type="slidenum">
-              <a:rPr lang="en-US"/>
-              <a:t>7</a:t>
-            </a:fld>
-            <a:endParaRPr lang="en-US"/>
-          </a:p>
-        </p:txBody>
-      </p:sp>
-      <p:sp>
-        <p:nvSpPr>
-          <p:cNvPr id="262" name="Google Shape;262;p28"/>
-          <p:cNvSpPr/>
-          <p:nvPr/>
-        </p:nvSpPr>
-        <p:spPr>
-          <a:xfrm>
-            <a:off x="5894262" y="701662"/>
-            <a:ext cx="3067022" cy="307777"/>
-          </a:xfrm>
-          <a:prstGeom prst="rect">
-            <a:avLst/>
-          </a:prstGeom>
-          <a:noFill/>
-          <a:ln>
-            <a:noFill/>
-          </a:ln>
-        </p:spPr>
-        <p:txBody>
-          <a:bodyPr spcFirstLastPara="1" wrap="square" lIns="91425" tIns="45700" rIns="91425" bIns="45700" anchor="t" anchorCtr="0">
-            <a:noAutofit/>
-          </a:bodyPr>
-          <a:lstStyle/>
-          <a:p>
-            <a:pPr marL="0" marR="0" lvl="0" indent="0" algn="l" rtl="0">
-              <a:lnSpc>
-                <a:spcPct val="100000"/>
-              </a:lnSpc>
-              <a:spcBef>
-                <a:spcPts val="0"/>
-              </a:spcBef>
-              <a:spcAft>
-                <a:spcPts val="0"/>
-              </a:spcAft>
-              <a:buNone/>
-            </a:pPr>
-            <a:endParaRPr sz="3600" b="1" i="0" u="none" strike="noStrike" cap="none">
-              <a:solidFill>
-                <a:schemeClr val="accent1"/>
-              </a:solidFill>
-              <a:latin typeface="PT Sans Narrow" panose="020B0506020203020204"/>
-              <a:ea typeface="PT Sans Narrow" panose="020B0506020203020204"/>
-              <a:cs typeface="PT Sans Narrow" panose="020B0506020203020204"/>
-              <a:sym typeface="PT Sans Narrow" panose="020B0506020203020204"/>
             </a:endParaRPr>
           </a:p>
         </p:txBody>
       </p:sp>
       <p:sp>
         <p:nvSpPr>
-          <p:cNvPr id="6" name="TextBox 5"/>
-          <p:cNvSpPr txBox="1"/>
-          <p:nvPr/>
-        </p:nvSpPr>
-        <p:spPr>
-          <a:xfrm>
-            <a:off x="442333" y="1669957"/>
-            <a:ext cx="4898245" cy="954107"/>
-          </a:xfrm>
-          <a:prstGeom prst="rect">
-            <a:avLst/>
-          </a:prstGeom>
-          <a:noFill/>
-        </p:spPr>
-        <p:txBody>
-          <a:bodyPr wrap="square" rtlCol="0">
-            <a:spAutoFit/>
-          </a:bodyPr>
-          <a:lstStyle/>
-          <a:p>
-            <a:r>
-              <a:rPr kumimoji="1" lang="en-US" altLang="zh-CN" baseline="-25000"/>
-              <a:t>1.</a:t>
-            </a:r>
-            <a:r>
-              <a:rPr kumimoji="1" lang="zh-CN" altLang="en-US" baseline="-25000"/>
-              <a:t> 商品基本信息，如厂商、价格等</a:t>
-            </a:r>
-            <a:endParaRPr kumimoji="1" lang="en-US" altLang="zh-CN" baseline="-25000"/>
-          </a:p>
-          <a:p>
-            <a:r>
-              <a:rPr kumimoji="1" lang="en-US" altLang="zh-CN" baseline="-25000"/>
-              <a:t>2.</a:t>
-            </a:r>
-            <a:r>
-              <a:rPr kumimoji="1" lang="zh-CN" altLang="en-US" baseline="-25000"/>
-              <a:t> 购买记录</a:t>
-            </a:r>
-          </a:p>
-          <a:p>
-            <a:r>
-              <a:rPr kumimoji="1" lang="en-US" altLang="zh-CN" baseline="-25000"/>
-              <a:t>3.</a:t>
-            </a:r>
-            <a:r>
-              <a:rPr kumimoji="1" lang="zh-CN" altLang="en-US" baseline="-25000"/>
-              <a:t> 与其它商品一起购买的搭配</a:t>
-            </a:r>
-          </a:p>
-          <a:p>
-            <a:r>
-              <a:rPr kumimoji="1" lang="en-US" altLang="zh-CN" baseline="-25000"/>
-              <a:t>4.</a:t>
-            </a:r>
-            <a:r>
-              <a:rPr kumimoji="1" lang="zh-CN" altLang="en-US" baseline="-25000"/>
-              <a:t> 其它顾客购买的其他物品</a:t>
-            </a:r>
-          </a:p>
-          <a:p>
-            <a:r>
-              <a:rPr kumimoji="1" lang="en-US" altLang="zh-CN" baseline="-25000"/>
-              <a:t>5.</a:t>
-            </a:r>
-            <a:r>
-              <a:rPr kumimoji="1" lang="zh-CN" altLang="en-US" baseline="-25000"/>
-              <a:t> 顾客评论</a:t>
-            </a:r>
-          </a:p>
-          <a:p>
-            <a:r>
-              <a:rPr kumimoji="1" lang="en-US" altLang="zh-CN" baseline="-25000"/>
-              <a:t>6.</a:t>
-            </a:r>
-            <a:r>
-              <a:rPr kumimoji="1" lang="zh-CN" altLang="en-US" baseline="-25000"/>
-              <a:t> 卖家排名</a:t>
-            </a:r>
-            <a:r>
-              <a:rPr kumimoji="1" lang="en-US" altLang="zh-CN" baseline="-25000"/>
-              <a:t>…</a:t>
-            </a:r>
-          </a:p>
-        </p:txBody>
-      </p:sp>
-      <p:sp>
-        <p:nvSpPr>
-          <p:cNvPr id="7" name="Google Shape;128;p18"/>
+          <p:cNvPr id="7" name="Google Shape;128;p18">
+            <a:extLst>
+              <a:ext uri="{FF2B5EF4-FFF2-40B4-BE49-F238E27FC236}">
+                <a16:creationId xmlns:a16="http://schemas.microsoft.com/office/drawing/2014/main" id="{2322B8E0-AB8A-D04A-A124-3F8A52CDD3FA}"/>
+              </a:ext>
+            </a:extLst>
+          </p:cNvPr>
           <p:cNvSpPr/>
           <p:nvPr/>
         </p:nvSpPr>
@@ -19376,7 +20963,7 @@
                 <a:cs typeface="PT Sans Narrow" panose="020B0506020203020204"/>
                 <a:sym typeface="PT Sans Narrow" panose="020B0506020203020204"/>
               </a:rPr>
-              <a:t>服务网关</a:t>
+              <a:t>路由规则</a:t>
             </a:r>
             <a:endParaRPr sz="3600" b="1" i="0" u="none" strike="noStrike" cap="none">
               <a:solidFill>
@@ -19390,1061 +20977,10 @@
           </a:p>
         </p:txBody>
       </p:sp>
-      <p:sp>
-        <p:nvSpPr>
-          <p:cNvPr id="10" name="TextBox 9">
-            <a:extLst>
-              <a:ext uri="{FF2B5EF4-FFF2-40B4-BE49-F238E27FC236}">
-                <a16:creationId xmlns:a16="http://schemas.microsoft.com/office/drawing/2014/main" id="{2ED6F1D0-44B7-8A4C-AF08-39DC89AACDEE}"/>
-              </a:ext>
-            </a:extLst>
-          </p:cNvPr>
-          <p:cNvSpPr txBox="1"/>
-          <p:nvPr/>
-        </p:nvSpPr>
-        <p:spPr>
-          <a:xfrm>
-            <a:off x="352727" y="2717222"/>
-            <a:ext cx="4898245" cy="307777"/>
-          </a:xfrm>
-          <a:prstGeom prst="rect">
-            <a:avLst/>
-          </a:prstGeom>
-          <a:noFill/>
-        </p:spPr>
-        <p:txBody>
-          <a:bodyPr wrap="square" rtlCol="0">
-            <a:spAutoFit/>
-          </a:bodyPr>
-          <a:lstStyle/>
-          <a:p>
-            <a:r>
-              <a:rPr kumimoji="1" lang="zh-CN" altLang="en-US"/>
-              <a:t>背后可能的服务：</a:t>
-            </a:r>
-            <a:endParaRPr kumimoji="1" lang="en-US" altLang="zh-CN"/>
-          </a:p>
-        </p:txBody>
-      </p:sp>
-      <p:sp>
-        <p:nvSpPr>
-          <p:cNvPr id="11" name="TextBox 10">
-            <a:extLst>
-              <a:ext uri="{FF2B5EF4-FFF2-40B4-BE49-F238E27FC236}">
-                <a16:creationId xmlns:a16="http://schemas.microsoft.com/office/drawing/2014/main" id="{BA2FBAAE-AFB2-1346-8320-508A501E3AE2}"/>
-              </a:ext>
-            </a:extLst>
-          </p:cNvPr>
-          <p:cNvSpPr txBox="1"/>
-          <p:nvPr/>
-        </p:nvSpPr>
-        <p:spPr>
-          <a:xfrm>
-            <a:off x="352728" y="1362180"/>
-            <a:ext cx="4898245" cy="307777"/>
-          </a:xfrm>
-          <a:prstGeom prst="rect">
-            <a:avLst/>
-          </a:prstGeom>
-          <a:noFill/>
-        </p:spPr>
-        <p:txBody>
-          <a:bodyPr wrap="square" rtlCol="0">
-            <a:spAutoFit/>
-          </a:bodyPr>
-          <a:lstStyle/>
-          <a:p>
-            <a:r>
-              <a:rPr kumimoji="1" lang="zh-CN" altLang="en-US"/>
-              <a:t>现实的场景，购物网站：</a:t>
-            </a:r>
-            <a:endParaRPr kumimoji="1" lang="en-US" altLang="zh-CN"/>
-          </a:p>
-        </p:txBody>
-      </p:sp>
-      <p:sp>
-        <p:nvSpPr>
-          <p:cNvPr id="13" name="TextBox 12">
-            <a:extLst>
-              <a:ext uri="{FF2B5EF4-FFF2-40B4-BE49-F238E27FC236}">
-                <a16:creationId xmlns:a16="http://schemas.microsoft.com/office/drawing/2014/main" id="{9BAEB65E-793B-4C43-9F98-B9CD90011228}"/>
-              </a:ext>
-            </a:extLst>
-          </p:cNvPr>
-          <p:cNvSpPr txBox="1"/>
-          <p:nvPr/>
-        </p:nvSpPr>
-        <p:spPr>
-          <a:xfrm>
-            <a:off x="442332" y="3024999"/>
-            <a:ext cx="4898245" cy="954107"/>
-          </a:xfrm>
-          <a:prstGeom prst="rect">
-            <a:avLst/>
-          </a:prstGeom>
-          <a:noFill/>
-        </p:spPr>
-        <p:txBody>
-          <a:bodyPr wrap="square" rtlCol="0">
-            <a:spAutoFit/>
-          </a:bodyPr>
-          <a:lstStyle/>
-          <a:p>
-            <a:r>
-              <a:rPr kumimoji="1" lang="en-US" altLang="zh-CN" baseline="-25000"/>
-              <a:t>1.</a:t>
-            </a:r>
-            <a:r>
-              <a:rPr kumimoji="1" lang="zh-CN" altLang="en-US" baseline="-25000"/>
-              <a:t> 商品服务</a:t>
-            </a:r>
-            <a:endParaRPr kumimoji="1" lang="en-US" altLang="zh-CN" baseline="-25000"/>
-          </a:p>
-          <a:p>
-            <a:r>
-              <a:rPr kumimoji="1" lang="en-US" altLang="zh-CN" baseline="-25000"/>
-              <a:t>2.</a:t>
-            </a:r>
-            <a:r>
-              <a:rPr kumimoji="1" lang="zh-CN" altLang="en-US" baseline="-25000"/>
-              <a:t> 价格服务</a:t>
-            </a:r>
-          </a:p>
-          <a:p>
-            <a:r>
-              <a:rPr kumimoji="1" lang="en-US" altLang="zh-CN" baseline="-25000"/>
-              <a:t>3.</a:t>
-            </a:r>
-            <a:r>
-              <a:rPr kumimoji="1" lang="zh-CN" altLang="en-US" baseline="-25000"/>
-              <a:t> 订单服务</a:t>
-            </a:r>
-          </a:p>
-          <a:p>
-            <a:r>
-              <a:rPr kumimoji="1" lang="en-US" altLang="zh-CN" baseline="-25000"/>
-              <a:t>4.</a:t>
-            </a:r>
-            <a:r>
-              <a:rPr kumimoji="1" lang="zh-CN" altLang="en-US" baseline="-25000"/>
-              <a:t> 库存服务</a:t>
-            </a:r>
-          </a:p>
-          <a:p>
-            <a:r>
-              <a:rPr kumimoji="1" lang="en-US" altLang="zh-CN" baseline="-25000"/>
-              <a:t>5.</a:t>
-            </a:r>
-            <a:r>
-              <a:rPr kumimoji="1" lang="zh-CN" altLang="en-US" baseline="-25000"/>
-              <a:t> 客户服务</a:t>
-            </a:r>
-          </a:p>
-          <a:p>
-            <a:r>
-              <a:rPr kumimoji="1" lang="en-US" altLang="zh-CN" baseline="-25000"/>
-              <a:t>6.</a:t>
-            </a:r>
-            <a:r>
-              <a:rPr kumimoji="1" lang="zh-CN" altLang="en-US" baseline="-25000"/>
-              <a:t> 评价服务</a:t>
-            </a:r>
-            <a:r>
-              <a:rPr kumimoji="1" lang="en-US" altLang="zh-CN" baseline="-25000"/>
-              <a:t>...</a:t>
-            </a:r>
-          </a:p>
-        </p:txBody>
-      </p:sp>
-    </p:spTree>
-  </p:cSld>
-  <p:clrMapOvr>
-    <a:masterClrMapping/>
-  </p:clrMapOvr>
-</p:sld>
-</file>
-
-<file path=ppt/slides/slide8.xml><?xml version="1.0" encoding="utf-8"?>
-<p:sld xmlns:a="http://schemas.openxmlformats.org/drawingml/2006/main" xmlns:r="http://schemas.openxmlformats.org/officeDocument/2006/relationships" xmlns:p="http://schemas.openxmlformats.org/presentationml/2006/main">
-  <p:cSld>
-    <p:spTree>
-      <p:nvGrpSpPr>
-        <p:cNvPr id="1" name="Shape 259"/>
-        <p:cNvGrpSpPr/>
-        <p:nvPr/>
-      </p:nvGrpSpPr>
-      <p:grpSpPr>
-        <a:xfrm>
-          <a:off x="0" y="0"/>
-          <a:ext cx="0" cy="0"/>
-          <a:chOff x="0" y="0"/>
-          <a:chExt cx="0" cy="0"/>
-        </a:xfrm>
-      </p:grpSpPr>
-      <p:sp>
-        <p:nvSpPr>
-          <p:cNvPr id="260" name="Google Shape;260;p28"/>
-          <p:cNvSpPr txBox="1">
-            <a:spLocks noGrp="1"/>
-          </p:cNvSpPr>
-          <p:nvPr>
-            <p:ph type="title"/>
-          </p:nvPr>
-        </p:nvSpPr>
-        <p:spPr>
-          <a:xfrm>
-            <a:off x="311699" y="445025"/>
-            <a:ext cx="2705153" cy="707400"/>
-          </a:xfrm>
-          <a:prstGeom prst="rect">
-            <a:avLst/>
-          </a:prstGeom>
-          <a:noFill/>
-          <a:ln>
-            <a:noFill/>
-          </a:ln>
-        </p:spPr>
-        <p:txBody>
-          <a:bodyPr spcFirstLastPara="1" wrap="square" lIns="91425" tIns="91425" rIns="91425" bIns="91425" anchor="t" anchorCtr="0">
-            <a:noAutofit/>
-          </a:bodyPr>
-          <a:lstStyle/>
-          <a:p>
-            <a:pPr lvl="0"/>
-            <a:r>
-              <a:rPr lang="en-US" altLang="zh-CN" dirty="0"/>
-              <a:t>Micro</a:t>
-            </a:r>
-            <a:r>
-              <a:rPr lang="zh-CN" altLang="en-US" dirty="0"/>
-              <a:t> </a:t>
-            </a:r>
-            <a:r>
-              <a:rPr lang="en-US" altLang="zh-CN" dirty="0"/>
-              <a:t>API</a:t>
-            </a:r>
-            <a:endParaRPr lang="en-US" dirty="0"/>
-          </a:p>
-        </p:txBody>
-      </p:sp>
-      <p:sp>
-        <p:nvSpPr>
-          <p:cNvPr id="261" name="Google Shape;261;p28"/>
-          <p:cNvSpPr txBox="1">
-            <a:spLocks noGrp="1"/>
-          </p:cNvSpPr>
-          <p:nvPr>
-            <p:ph type="sldNum" idx="12"/>
-          </p:nvPr>
-        </p:nvSpPr>
-        <p:spPr>
-          <a:xfrm>
-            <a:off x="167983" y="4610554"/>
-            <a:ext cx="548700" cy="393600"/>
-          </a:xfrm>
-          <a:prstGeom prst="rect">
-            <a:avLst/>
-          </a:prstGeom>
-          <a:noFill/>
-          <a:ln>
-            <a:noFill/>
-          </a:ln>
-        </p:spPr>
-        <p:txBody>
-          <a:bodyPr spcFirstLastPara="1" wrap="square" lIns="91425" tIns="91425" rIns="91425" bIns="91425" anchor="ctr" anchorCtr="0">
-            <a:noAutofit/>
-          </a:bodyPr>
-          <a:lstStyle/>
-          <a:p>
-            <a:pPr marL="0" lvl="0" indent="0" algn="r" rtl="0">
-              <a:lnSpc>
-                <a:spcPct val="100000"/>
-              </a:lnSpc>
-              <a:spcBef>
-                <a:spcPts val="0"/>
-              </a:spcBef>
-              <a:spcAft>
-                <a:spcPts val="0"/>
-              </a:spcAft>
-              <a:buSzPts val="1000"/>
-              <a:buNone/>
-            </a:pPr>
-            <a:fld id="{00000000-1234-1234-1234-123412341234}" type="slidenum">
-              <a:rPr lang="en-US"/>
-              <a:t>8</a:t>
-            </a:fld>
-            <a:endParaRPr lang="en-US"/>
-          </a:p>
-        </p:txBody>
-      </p:sp>
-      <p:sp>
-        <p:nvSpPr>
-          <p:cNvPr id="262" name="Google Shape;262;p28"/>
-          <p:cNvSpPr/>
-          <p:nvPr/>
-        </p:nvSpPr>
-        <p:spPr>
-          <a:xfrm>
-            <a:off x="5894262" y="701662"/>
-            <a:ext cx="3067022" cy="307777"/>
-          </a:xfrm>
-          <a:prstGeom prst="rect">
-            <a:avLst/>
-          </a:prstGeom>
-          <a:noFill/>
-          <a:ln>
-            <a:noFill/>
-          </a:ln>
-        </p:spPr>
-        <p:txBody>
-          <a:bodyPr spcFirstLastPara="1" wrap="square" lIns="91425" tIns="45700" rIns="91425" bIns="45700" anchor="t" anchorCtr="0">
-            <a:noAutofit/>
-          </a:bodyPr>
-          <a:lstStyle/>
-          <a:p>
-            <a:pPr marL="0" marR="0" lvl="0" indent="0" algn="l" rtl="0">
-              <a:lnSpc>
-                <a:spcPct val="100000"/>
-              </a:lnSpc>
-              <a:spcBef>
-                <a:spcPts val="0"/>
-              </a:spcBef>
-              <a:spcAft>
-                <a:spcPts val="0"/>
-              </a:spcAft>
-              <a:buNone/>
-            </a:pPr>
-            <a:endParaRPr sz="3600" b="1" i="0" u="none" strike="noStrike" cap="none">
-              <a:solidFill>
-                <a:schemeClr val="accent1"/>
-              </a:solidFill>
-              <a:latin typeface="PT Sans Narrow" panose="020B0506020203020204"/>
-              <a:ea typeface="PT Sans Narrow" panose="020B0506020203020204"/>
-              <a:cs typeface="PT Sans Narrow" panose="020B0506020203020204"/>
-              <a:sym typeface="PT Sans Narrow" panose="020B0506020203020204"/>
-            </a:endParaRPr>
-          </a:p>
-        </p:txBody>
-      </p:sp>
-      <p:sp>
-        <p:nvSpPr>
-          <p:cNvPr id="6" name="TextBox 5"/>
-          <p:cNvSpPr txBox="1"/>
-          <p:nvPr/>
-        </p:nvSpPr>
-        <p:spPr>
-          <a:xfrm>
-            <a:off x="442333" y="1669957"/>
-            <a:ext cx="4898245" cy="954107"/>
-          </a:xfrm>
-          <a:prstGeom prst="rect">
-            <a:avLst/>
-          </a:prstGeom>
-          <a:noFill/>
-        </p:spPr>
-        <p:txBody>
-          <a:bodyPr wrap="square" rtlCol="0">
-            <a:spAutoFit/>
-          </a:bodyPr>
-          <a:lstStyle/>
-          <a:p>
-            <a:r>
-              <a:rPr kumimoji="1" lang="en-US" altLang="zh-CN" baseline="-25000"/>
-              <a:t>1.</a:t>
-            </a:r>
-            <a:r>
-              <a:rPr kumimoji="1" lang="zh-CN" altLang="en-US" baseline="-25000"/>
-              <a:t> 客户端如何才能访问到每个服务</a:t>
-            </a:r>
-            <a:endParaRPr kumimoji="1" lang="en-US" altLang="zh-CN" baseline="-25000"/>
-          </a:p>
-          <a:p>
-            <a:r>
-              <a:rPr kumimoji="1" lang="en-US" altLang="zh-CN" baseline="-25000"/>
-              <a:t>2.</a:t>
-            </a:r>
-            <a:r>
-              <a:rPr kumimoji="1" lang="zh-CN" altLang="en-US" baseline="-25000"/>
-              <a:t> 不同客户端需要的数据可能不一样</a:t>
-            </a:r>
-            <a:endParaRPr kumimoji="1" lang="en-US" altLang="zh-CN" baseline="-25000"/>
-          </a:p>
-          <a:p>
-            <a:r>
-              <a:rPr kumimoji="1" lang="en-US" altLang="zh-CN" baseline="-25000"/>
-              <a:t>3.</a:t>
-            </a:r>
-            <a:r>
-              <a:rPr kumimoji="1" lang="zh-CN" altLang="en-US" baseline="-25000"/>
-              <a:t> 微服务数量会动态变化</a:t>
-            </a:r>
-          </a:p>
-          <a:p>
-            <a:r>
-              <a:rPr kumimoji="1" lang="en-US" altLang="zh-CN" baseline="-25000"/>
-              <a:t>4.</a:t>
-            </a:r>
-            <a:r>
-              <a:rPr kumimoji="1" lang="zh-CN" altLang="en-US" baseline="-25000"/>
-              <a:t> 微服务彼此通信的协议可能对</a:t>
-            </a:r>
-            <a:r>
-              <a:rPr kumimoji="1" lang="en-US" altLang="zh-CN" baseline="-25000"/>
-              <a:t>web</a:t>
-            </a:r>
-            <a:r>
-              <a:rPr kumimoji="1" lang="zh-CN" altLang="en-US" baseline="-25000"/>
-              <a:t>不友好</a:t>
-            </a:r>
-          </a:p>
-          <a:p>
-            <a:r>
-              <a:rPr kumimoji="1" lang="en-US" altLang="zh-CN" baseline="-25000"/>
-              <a:t>5.</a:t>
-            </a:r>
-            <a:r>
-              <a:rPr kumimoji="1" lang="zh-CN" altLang="en-US" baseline="-25000"/>
-              <a:t> 其它顾客购买的其他物品</a:t>
-            </a:r>
-            <a:endParaRPr kumimoji="1" lang="en-US" altLang="zh-CN" baseline="-25000"/>
-          </a:p>
-          <a:p>
-            <a:r>
-              <a:rPr kumimoji="1" lang="en-US" altLang="zh-CN" baseline="-25000"/>
-              <a:t>6.</a:t>
-            </a:r>
-            <a:r>
-              <a:rPr kumimoji="1" lang="zh-CN" altLang="en-US" baseline="-25000"/>
-              <a:t> </a:t>
-            </a:r>
-            <a:r>
-              <a:rPr kumimoji="1" lang="en-US" altLang="zh-CN" baseline="-25000"/>
-              <a:t>…</a:t>
-            </a:r>
-            <a:endParaRPr kumimoji="1" lang="zh-CN" altLang="en-US" baseline="-25000"/>
-          </a:p>
-        </p:txBody>
-      </p:sp>
-      <p:sp>
-        <p:nvSpPr>
-          <p:cNvPr id="7" name="Google Shape;128;p18"/>
-          <p:cNvSpPr/>
-          <p:nvPr/>
-        </p:nvSpPr>
-        <p:spPr>
-          <a:xfrm>
-            <a:off x="7897090" y="726010"/>
-            <a:ext cx="1618743" cy="307800"/>
-          </a:xfrm>
-          <a:prstGeom prst="rect">
-            <a:avLst/>
-          </a:prstGeom>
-          <a:noFill/>
-          <a:ln>
-            <a:noFill/>
-          </a:ln>
-        </p:spPr>
-        <p:txBody>
-          <a:bodyPr spcFirstLastPara="1" wrap="square" lIns="91425" tIns="45700" rIns="91425" bIns="45700" anchor="t" anchorCtr="0">
-            <a:noAutofit/>
-          </a:bodyPr>
-          <a:lstStyle/>
-          <a:p>
-            <a:pPr marL="0" marR="0" lvl="0" indent="0" algn="l" rtl="0">
-              <a:lnSpc>
-                <a:spcPct val="100000"/>
-              </a:lnSpc>
-              <a:spcBef>
-                <a:spcPts val="0"/>
-              </a:spcBef>
-              <a:spcAft>
-                <a:spcPts val="0"/>
-              </a:spcAft>
-              <a:buNone/>
-            </a:pPr>
-            <a:r>
-              <a:rPr lang="zh-CN" altLang="en-US" b="1">
-                <a:solidFill>
-                  <a:schemeClr val="accent1"/>
-                </a:solidFill>
-                <a:latin typeface="PT Sans Narrow" panose="020B0506020203020204"/>
-                <a:ea typeface="PT Sans Narrow" panose="020B0506020203020204"/>
-                <a:cs typeface="PT Sans Narrow" panose="020B0506020203020204"/>
-                <a:sym typeface="PT Sans Narrow" panose="020B0506020203020204"/>
-              </a:rPr>
-              <a:t>服务网关</a:t>
-            </a:r>
-            <a:endParaRPr sz="3600" b="1" i="0" u="none" strike="noStrike" cap="none">
-              <a:solidFill>
-                <a:schemeClr val="accent1"/>
-              </a:solidFill>
-              <a:latin typeface="PT Sans Narrow" panose="020B0506020203020204"/>
-              <a:ea typeface="PT Sans Narrow" panose="020B0506020203020204"/>
-              <a:cs typeface="PT Sans Narrow" panose="020B0506020203020204"/>
-              <a:sym typeface="PT Sans Narrow" panose="020B0506020203020204"/>
-            </a:endParaRPr>
-          </a:p>
-        </p:txBody>
-      </p:sp>
-      <p:sp>
-        <p:nvSpPr>
-          <p:cNvPr id="10" name="TextBox 9">
-            <a:extLst>
-              <a:ext uri="{FF2B5EF4-FFF2-40B4-BE49-F238E27FC236}">
-                <a16:creationId xmlns:a16="http://schemas.microsoft.com/office/drawing/2014/main" id="{2ED6F1D0-44B7-8A4C-AF08-39DC89AACDEE}"/>
-              </a:ext>
-            </a:extLst>
-          </p:cNvPr>
-          <p:cNvSpPr txBox="1"/>
-          <p:nvPr/>
-        </p:nvSpPr>
-        <p:spPr>
-          <a:xfrm>
-            <a:off x="352727" y="2717222"/>
-            <a:ext cx="4898245" cy="307777"/>
-          </a:xfrm>
-          <a:prstGeom prst="rect">
-            <a:avLst/>
-          </a:prstGeom>
-          <a:noFill/>
-        </p:spPr>
-        <p:txBody>
-          <a:bodyPr wrap="square" rtlCol="0">
-            <a:spAutoFit/>
-          </a:bodyPr>
-          <a:lstStyle/>
-          <a:p>
-            <a:r>
-              <a:rPr kumimoji="1" lang="zh-CN" altLang="en-US"/>
-              <a:t>解决方案：</a:t>
-            </a:r>
-            <a:endParaRPr kumimoji="1" lang="en-US" altLang="zh-CN"/>
-          </a:p>
-        </p:txBody>
-      </p:sp>
-      <p:sp>
-        <p:nvSpPr>
-          <p:cNvPr id="11" name="TextBox 10">
-            <a:extLst>
-              <a:ext uri="{FF2B5EF4-FFF2-40B4-BE49-F238E27FC236}">
-                <a16:creationId xmlns:a16="http://schemas.microsoft.com/office/drawing/2014/main" id="{BA2FBAAE-AFB2-1346-8320-508A501E3AE2}"/>
-              </a:ext>
-            </a:extLst>
-          </p:cNvPr>
-          <p:cNvSpPr txBox="1"/>
-          <p:nvPr/>
-        </p:nvSpPr>
-        <p:spPr>
-          <a:xfrm>
-            <a:off x="352728" y="1362180"/>
-            <a:ext cx="4898245" cy="307777"/>
-          </a:xfrm>
-          <a:prstGeom prst="rect">
-            <a:avLst/>
-          </a:prstGeom>
-          <a:noFill/>
-        </p:spPr>
-        <p:txBody>
-          <a:bodyPr wrap="square" rtlCol="0">
-            <a:spAutoFit/>
-          </a:bodyPr>
-          <a:lstStyle/>
-          <a:p>
-            <a:r>
-              <a:rPr kumimoji="1" lang="zh-CN" altLang="en-US"/>
-              <a:t>问题：客户端如何才能访问到每个服务</a:t>
-            </a:r>
-            <a:endParaRPr kumimoji="1" lang="en-US" altLang="zh-CN"/>
-          </a:p>
-        </p:txBody>
-      </p:sp>
-      <p:sp>
-        <p:nvSpPr>
-          <p:cNvPr id="13" name="TextBox 12">
-            <a:extLst>
-              <a:ext uri="{FF2B5EF4-FFF2-40B4-BE49-F238E27FC236}">
-                <a16:creationId xmlns:a16="http://schemas.microsoft.com/office/drawing/2014/main" id="{9BAEB65E-793B-4C43-9F98-B9CD90011228}"/>
-              </a:ext>
-            </a:extLst>
-          </p:cNvPr>
-          <p:cNvSpPr txBox="1"/>
-          <p:nvPr/>
-        </p:nvSpPr>
-        <p:spPr>
-          <a:xfrm>
-            <a:off x="442332" y="3024999"/>
-            <a:ext cx="4898245" cy="954107"/>
-          </a:xfrm>
-          <a:prstGeom prst="rect">
-            <a:avLst/>
-          </a:prstGeom>
-          <a:noFill/>
-        </p:spPr>
-        <p:txBody>
-          <a:bodyPr wrap="square" rtlCol="0">
-            <a:spAutoFit/>
-          </a:bodyPr>
-          <a:lstStyle/>
-          <a:p>
-            <a:r>
-              <a:rPr kumimoji="1" lang="en-US" altLang="zh-CN" baseline="-25000"/>
-              <a:t>1.</a:t>
-            </a:r>
-            <a:r>
-              <a:rPr kumimoji="1" lang="zh-CN" altLang="en-US" baseline="-25000"/>
-              <a:t> 商品服务</a:t>
-            </a:r>
-            <a:endParaRPr kumimoji="1" lang="en-US" altLang="zh-CN" baseline="-25000"/>
-          </a:p>
-          <a:p>
-            <a:r>
-              <a:rPr kumimoji="1" lang="en-US" altLang="zh-CN" baseline="-25000"/>
-              <a:t>2.</a:t>
-            </a:r>
-            <a:r>
-              <a:rPr kumimoji="1" lang="zh-CN" altLang="en-US" baseline="-25000"/>
-              <a:t> 价格服务</a:t>
-            </a:r>
-          </a:p>
-          <a:p>
-            <a:r>
-              <a:rPr kumimoji="1" lang="en-US" altLang="zh-CN" baseline="-25000"/>
-              <a:t>3.</a:t>
-            </a:r>
-            <a:r>
-              <a:rPr kumimoji="1" lang="zh-CN" altLang="en-US" baseline="-25000"/>
-              <a:t> 订单服务</a:t>
-            </a:r>
-          </a:p>
-          <a:p>
-            <a:r>
-              <a:rPr kumimoji="1" lang="en-US" altLang="zh-CN" baseline="-25000"/>
-              <a:t>4.</a:t>
-            </a:r>
-            <a:r>
-              <a:rPr kumimoji="1" lang="zh-CN" altLang="en-US" baseline="-25000"/>
-              <a:t> 库存服务</a:t>
-            </a:r>
-          </a:p>
-          <a:p>
-            <a:r>
-              <a:rPr kumimoji="1" lang="en-US" altLang="zh-CN" baseline="-25000"/>
-              <a:t>5.</a:t>
-            </a:r>
-            <a:r>
-              <a:rPr kumimoji="1" lang="zh-CN" altLang="en-US" baseline="-25000"/>
-              <a:t> 客户服务</a:t>
-            </a:r>
-          </a:p>
-          <a:p>
-            <a:r>
-              <a:rPr kumimoji="1" lang="en-US" altLang="zh-CN" baseline="-25000"/>
-              <a:t>6.</a:t>
-            </a:r>
-            <a:r>
-              <a:rPr kumimoji="1" lang="zh-CN" altLang="en-US" baseline="-25000"/>
-              <a:t> 评价服务</a:t>
-            </a:r>
-            <a:r>
-              <a:rPr kumimoji="1" lang="en-US" altLang="zh-CN" baseline="-25000"/>
-              <a:t>...</a:t>
-            </a:r>
-          </a:p>
-        </p:txBody>
-      </p:sp>
     </p:spTree>
     <p:extLst>
       <p:ext uri="{BB962C8B-B14F-4D97-AF65-F5344CB8AC3E}">
-        <p14:creationId xmlns:p14="http://schemas.microsoft.com/office/powerpoint/2010/main" val="3958377960"/>
-      </p:ext>
-    </p:extLst>
-  </p:cSld>
-  <p:clrMapOvr>
-    <a:masterClrMapping/>
-  </p:clrMapOvr>
-</p:sld>
-</file>
-
-<file path=ppt/slides/slide9.xml><?xml version="1.0" encoding="utf-8"?>
-<p:sld xmlns:a="http://schemas.openxmlformats.org/drawingml/2006/main" xmlns:r="http://schemas.openxmlformats.org/officeDocument/2006/relationships" xmlns:p="http://schemas.openxmlformats.org/presentationml/2006/main">
-  <p:cSld>
-    <p:spTree>
-      <p:nvGrpSpPr>
-        <p:cNvPr id="1" name="Shape 259"/>
-        <p:cNvGrpSpPr/>
-        <p:nvPr/>
-      </p:nvGrpSpPr>
-      <p:grpSpPr>
-        <a:xfrm>
-          <a:off x="0" y="0"/>
-          <a:ext cx="0" cy="0"/>
-          <a:chOff x="0" y="0"/>
-          <a:chExt cx="0" cy="0"/>
-        </a:xfrm>
-      </p:grpSpPr>
-      <p:sp>
-        <p:nvSpPr>
-          <p:cNvPr id="260" name="Google Shape;260;p28"/>
-          <p:cNvSpPr txBox="1">
-            <a:spLocks noGrp="1"/>
-          </p:cNvSpPr>
-          <p:nvPr>
-            <p:ph type="title"/>
-          </p:nvPr>
-        </p:nvSpPr>
-        <p:spPr>
-          <a:xfrm>
-            <a:off x="311699" y="445025"/>
-            <a:ext cx="2511593" cy="707400"/>
-          </a:xfrm>
-          <a:prstGeom prst="rect">
-            <a:avLst/>
-          </a:prstGeom>
-          <a:noFill/>
-          <a:ln>
-            <a:noFill/>
-          </a:ln>
-        </p:spPr>
-        <p:txBody>
-          <a:bodyPr spcFirstLastPara="1" wrap="square" lIns="91425" tIns="91425" rIns="91425" bIns="91425" anchor="t" anchorCtr="0">
-            <a:noAutofit/>
-          </a:bodyPr>
-          <a:lstStyle/>
-          <a:p>
-            <a:pPr lvl="0"/>
-            <a:r>
-              <a:rPr lang="en-US" altLang="zh-CN" dirty="0"/>
-              <a:t>Micro</a:t>
-            </a:r>
-            <a:r>
-              <a:rPr lang="zh-CN" altLang="en-US" dirty="0"/>
-              <a:t> </a:t>
-            </a:r>
-            <a:r>
-              <a:rPr lang="en-US" altLang="zh-CN" dirty="0"/>
-              <a:t>API</a:t>
-            </a:r>
-            <a:endParaRPr lang="en-US" dirty="0"/>
-          </a:p>
-        </p:txBody>
-      </p:sp>
-      <p:sp>
-        <p:nvSpPr>
-          <p:cNvPr id="261" name="Google Shape;261;p28"/>
-          <p:cNvSpPr txBox="1">
-            <a:spLocks noGrp="1"/>
-          </p:cNvSpPr>
-          <p:nvPr>
-            <p:ph type="sldNum" idx="12"/>
-          </p:nvPr>
-        </p:nvSpPr>
-        <p:spPr>
-          <a:xfrm>
-            <a:off x="167983" y="4610554"/>
-            <a:ext cx="548700" cy="393600"/>
-          </a:xfrm>
-          <a:prstGeom prst="rect">
-            <a:avLst/>
-          </a:prstGeom>
-          <a:noFill/>
-          <a:ln>
-            <a:noFill/>
-          </a:ln>
-        </p:spPr>
-        <p:txBody>
-          <a:bodyPr spcFirstLastPara="1" wrap="square" lIns="91425" tIns="91425" rIns="91425" bIns="91425" anchor="ctr" anchorCtr="0">
-            <a:noAutofit/>
-          </a:bodyPr>
-          <a:lstStyle/>
-          <a:p>
-            <a:pPr marL="0" lvl="0" indent="0" algn="r" rtl="0">
-              <a:lnSpc>
-                <a:spcPct val="100000"/>
-              </a:lnSpc>
-              <a:spcBef>
-                <a:spcPts val="0"/>
-              </a:spcBef>
-              <a:spcAft>
-                <a:spcPts val="0"/>
-              </a:spcAft>
-              <a:buSzPts val="1000"/>
-              <a:buNone/>
-            </a:pPr>
-            <a:fld id="{00000000-1234-1234-1234-123412341234}" type="slidenum">
-              <a:rPr lang="en-US"/>
-              <a:t>9</a:t>
-            </a:fld>
-            <a:endParaRPr lang="en-US"/>
-          </a:p>
-        </p:txBody>
-      </p:sp>
-      <p:sp>
-        <p:nvSpPr>
-          <p:cNvPr id="262" name="Google Shape;262;p28"/>
-          <p:cNvSpPr/>
-          <p:nvPr/>
-        </p:nvSpPr>
-        <p:spPr>
-          <a:xfrm>
-            <a:off x="5894262" y="701662"/>
-            <a:ext cx="3067022" cy="307777"/>
-          </a:xfrm>
-          <a:prstGeom prst="rect">
-            <a:avLst/>
-          </a:prstGeom>
-          <a:noFill/>
-          <a:ln>
-            <a:noFill/>
-          </a:ln>
-        </p:spPr>
-        <p:txBody>
-          <a:bodyPr spcFirstLastPara="1" wrap="square" lIns="91425" tIns="45700" rIns="91425" bIns="45700" anchor="t" anchorCtr="0">
-            <a:noAutofit/>
-          </a:bodyPr>
-          <a:lstStyle/>
-          <a:p>
-            <a:pPr marL="0" marR="0" lvl="0" indent="0" algn="l" rtl="0">
-              <a:lnSpc>
-                <a:spcPct val="100000"/>
-              </a:lnSpc>
-              <a:spcBef>
-                <a:spcPts val="0"/>
-              </a:spcBef>
-              <a:spcAft>
-                <a:spcPts val="0"/>
-              </a:spcAft>
-              <a:buNone/>
-            </a:pPr>
-            <a:endParaRPr sz="3600" b="1" i="0" u="none" strike="noStrike" cap="none">
-              <a:solidFill>
-                <a:schemeClr val="accent1"/>
-              </a:solidFill>
-              <a:latin typeface="PT Sans Narrow" panose="020B0506020203020204"/>
-              <a:ea typeface="PT Sans Narrow" panose="020B0506020203020204"/>
-              <a:cs typeface="PT Sans Narrow" panose="020B0506020203020204"/>
-              <a:sym typeface="PT Sans Narrow" panose="020B0506020203020204"/>
-            </a:endParaRPr>
-          </a:p>
-        </p:txBody>
-      </p:sp>
-      <p:sp>
-        <p:nvSpPr>
-          <p:cNvPr id="6" name="TextBox 5"/>
-          <p:cNvSpPr txBox="1"/>
-          <p:nvPr/>
-        </p:nvSpPr>
-        <p:spPr>
-          <a:xfrm>
-            <a:off x="442333" y="1669957"/>
-            <a:ext cx="5703741" cy="379591"/>
-          </a:xfrm>
-          <a:prstGeom prst="rect">
-            <a:avLst/>
-          </a:prstGeom>
-          <a:noFill/>
-        </p:spPr>
-        <p:txBody>
-          <a:bodyPr wrap="square" rtlCol="0">
-            <a:spAutoFit/>
-          </a:bodyPr>
-          <a:lstStyle/>
-          <a:p>
-            <a:r>
-              <a:rPr kumimoji="1" lang="en-US" altLang="zh-CN" baseline="-25000"/>
-              <a:t>1.</a:t>
-            </a:r>
-            <a:r>
-              <a:rPr kumimoji="1" lang="zh-CN" altLang="en-US" baseline="-25000"/>
-              <a:t> 不提供统一的接入层，针对不同的微服务类型，提供不同的网关接入（</a:t>
-            </a:r>
-            <a:r>
-              <a:rPr kumimoji="1" lang="en-US" altLang="zh-CN" b="1" baseline="-25000">
-                <a:solidFill>
-                  <a:schemeClr val="accent1"/>
-                </a:solidFill>
-              </a:rPr>
-              <a:t>HTTP</a:t>
-            </a:r>
-            <a:r>
-              <a:rPr kumimoji="1" lang="zh-CN" altLang="en-US" b="1" baseline="-25000">
-                <a:solidFill>
-                  <a:schemeClr val="accent1"/>
-                </a:solidFill>
-              </a:rPr>
-              <a:t>、</a:t>
-            </a:r>
-            <a:r>
-              <a:rPr kumimoji="1" lang="en-US" altLang="zh-CN" b="1" baseline="-25000">
-                <a:solidFill>
-                  <a:schemeClr val="accent1"/>
-                </a:solidFill>
-              </a:rPr>
-              <a:t>RPC</a:t>
-            </a:r>
-            <a:r>
-              <a:rPr kumimoji="1" lang="zh-CN" altLang="en-US" b="1" baseline="-25000">
-                <a:solidFill>
-                  <a:schemeClr val="accent1"/>
-                </a:solidFill>
-              </a:rPr>
-              <a:t>、</a:t>
-            </a:r>
-            <a:r>
-              <a:rPr kumimoji="1" lang="en-US" altLang="zh-CN" b="1" baseline="-25000">
-                <a:solidFill>
-                  <a:schemeClr val="accent1"/>
-                </a:solidFill>
-              </a:rPr>
-              <a:t>API</a:t>
-            </a:r>
-            <a:r>
-              <a:rPr kumimoji="1" lang="zh-CN" altLang="en-US" b="1" baseline="-25000">
-                <a:solidFill>
-                  <a:schemeClr val="accent1"/>
-                </a:solidFill>
-              </a:rPr>
-              <a:t>、</a:t>
-            </a:r>
-            <a:r>
-              <a:rPr kumimoji="1" lang="en-US" altLang="zh-CN" b="1" baseline="-25000">
-                <a:solidFill>
-                  <a:schemeClr val="accent1"/>
-                </a:solidFill>
-              </a:rPr>
-              <a:t>Event</a:t>
-            </a:r>
-            <a:r>
-              <a:rPr kumimoji="1" lang="zh-CN" altLang="en-US" baseline="-25000"/>
-              <a:t>）</a:t>
-            </a:r>
-            <a:endParaRPr kumimoji="1" lang="en-US" altLang="zh-CN" baseline="-25000"/>
-          </a:p>
-          <a:p>
-            <a:r>
-              <a:rPr kumimoji="1" lang="en-US" altLang="zh-CN" baseline="-25000"/>
-              <a:t>2.</a:t>
-            </a:r>
-            <a:r>
-              <a:rPr kumimoji="1" lang="zh-CN" altLang="en-US" baseline="-25000"/>
-              <a:t> 默认（目前也唯一）基于服务命名空间自动路由</a:t>
-            </a:r>
-            <a:endParaRPr kumimoji="1" lang="en-US" altLang="zh-CN" baseline="-25000"/>
-          </a:p>
-        </p:txBody>
-      </p:sp>
-      <p:sp>
-        <p:nvSpPr>
-          <p:cNvPr id="7" name="Google Shape;128;p18"/>
-          <p:cNvSpPr/>
-          <p:nvPr/>
-        </p:nvSpPr>
-        <p:spPr>
-          <a:xfrm>
-            <a:off x="7897090" y="726010"/>
-            <a:ext cx="1618743" cy="307800"/>
-          </a:xfrm>
-          <a:prstGeom prst="rect">
-            <a:avLst/>
-          </a:prstGeom>
-          <a:noFill/>
-          <a:ln>
-            <a:noFill/>
-          </a:ln>
-        </p:spPr>
-        <p:txBody>
-          <a:bodyPr spcFirstLastPara="1" wrap="square" lIns="91425" tIns="45700" rIns="91425" bIns="45700" anchor="t" anchorCtr="0">
-            <a:noAutofit/>
-          </a:bodyPr>
-          <a:lstStyle/>
-          <a:p>
-            <a:pPr marL="0" marR="0" lvl="0" indent="0" algn="l" rtl="0">
-              <a:lnSpc>
-                <a:spcPct val="100000"/>
-              </a:lnSpc>
-              <a:spcBef>
-                <a:spcPts val="0"/>
-              </a:spcBef>
-              <a:spcAft>
-                <a:spcPts val="0"/>
-              </a:spcAft>
-              <a:buNone/>
-            </a:pPr>
-            <a:r>
-              <a:rPr lang="zh-CN" altLang="en-US" b="1">
-                <a:solidFill>
-                  <a:schemeClr val="accent1"/>
-                </a:solidFill>
-                <a:latin typeface="PT Sans Narrow" panose="020B0506020203020204"/>
-                <a:ea typeface="PT Sans Narrow" panose="020B0506020203020204"/>
-                <a:cs typeface="PT Sans Narrow" panose="020B0506020203020204"/>
-                <a:sym typeface="PT Sans Narrow" panose="020B0506020203020204"/>
-              </a:rPr>
-              <a:t>服务网关</a:t>
-            </a:r>
-            <a:endParaRPr sz="3600" b="1" i="0" u="none" strike="noStrike" cap="none">
-              <a:solidFill>
-                <a:schemeClr val="accent1"/>
-              </a:solidFill>
-              <a:latin typeface="PT Sans Narrow" panose="020B0506020203020204"/>
-              <a:ea typeface="PT Sans Narrow" panose="020B0506020203020204"/>
-              <a:cs typeface="PT Sans Narrow" panose="020B0506020203020204"/>
-              <a:sym typeface="PT Sans Narrow" panose="020B0506020203020204"/>
-            </a:endParaRPr>
-          </a:p>
-        </p:txBody>
-      </p:sp>
-      <p:sp>
-        <p:nvSpPr>
-          <p:cNvPr id="11" name="TextBox 10">
-            <a:extLst>
-              <a:ext uri="{FF2B5EF4-FFF2-40B4-BE49-F238E27FC236}">
-                <a16:creationId xmlns:a16="http://schemas.microsoft.com/office/drawing/2014/main" id="{BA2FBAAE-AFB2-1346-8320-508A501E3AE2}"/>
-              </a:ext>
-            </a:extLst>
-          </p:cNvPr>
-          <p:cNvSpPr txBox="1"/>
-          <p:nvPr/>
-        </p:nvSpPr>
-        <p:spPr>
-          <a:xfrm>
-            <a:off x="352728" y="1362180"/>
-            <a:ext cx="4898245" cy="307777"/>
-          </a:xfrm>
-          <a:prstGeom prst="rect">
-            <a:avLst/>
-          </a:prstGeom>
-          <a:noFill/>
-        </p:spPr>
-        <p:txBody>
-          <a:bodyPr wrap="square" rtlCol="0">
-            <a:spAutoFit/>
-          </a:bodyPr>
-          <a:lstStyle/>
-          <a:p>
-            <a:r>
-              <a:rPr kumimoji="1" lang="en-US" altLang="zh-CN"/>
-              <a:t>Micro</a:t>
-            </a:r>
-            <a:r>
-              <a:rPr kumimoji="1" lang="zh-CN" altLang="en-US"/>
-              <a:t> </a:t>
-            </a:r>
-            <a:r>
-              <a:rPr kumimoji="1" lang="en-US" altLang="zh-CN"/>
-              <a:t>API</a:t>
-            </a:r>
-            <a:r>
-              <a:rPr kumimoji="1" lang="zh-CN" altLang="en-US"/>
-              <a:t>的特点：</a:t>
-            </a:r>
-            <a:endParaRPr kumimoji="1" lang="en-US" altLang="zh-CN"/>
-          </a:p>
-        </p:txBody>
-      </p:sp>
-    </p:spTree>
-    <p:extLst>
-      <p:ext uri="{BB962C8B-B14F-4D97-AF65-F5344CB8AC3E}">
-        <p14:creationId xmlns:p14="http://schemas.microsoft.com/office/powerpoint/2010/main" val="1709189984"/>
+        <p14:creationId xmlns:p14="http://schemas.microsoft.com/office/powerpoint/2010/main" val="119173774"/>
       </p:ext>
     </p:extLst>
   </p:cSld>

--- a/others/share/learning-go/【第三期】Micro工具集.pptx
+++ b/others/share/learning-go/【第三期】Micro工具集.pptx
@@ -30,7 +30,7 @@
     <p:sldId id="363" r:id="rId18"/>
     <p:sldId id="364" r:id="rId19"/>
     <p:sldId id="365" r:id="rId20"/>
-    <p:sldId id="321" r:id="rId21"/>
+    <p:sldId id="366" r:id="rId21"/>
     <p:sldId id="288" r:id="rId22"/>
   </p:sldIdLst>
   <p:sldSz cx="9144000" cy="5143500" type="screen16x9"/>
@@ -380,7 +380,7 @@
           <a:p>
             <a:fld id="{A084C82A-ADE2-4BBA-B2A9-E36881C26755}" type="datetimeFigureOut">
               <a:rPr lang="zh-CN" altLang="en-US" smtClean="0"/>
-              <a:t>2020/3/6</a:t>
+              <a:t>2020/3/9</a:t>
             </a:fld>
             <a:endParaRPr lang="zh-CN" altLang="en-US"/>
           </a:p>
@@ -2027,6 +2027,133 @@
 </file>
 
 <file path=ppt/notesSlides/notesSlide12.xml><?xml version="1.0" encoding="utf-8"?>
+<p:notes xmlns:a="http://schemas.openxmlformats.org/drawingml/2006/main" xmlns:r="http://schemas.openxmlformats.org/officeDocument/2006/relationships" xmlns:p="http://schemas.openxmlformats.org/presentationml/2006/main" showMasterSp="0" showMasterPhAnim="0">
+  <p:cSld>
+    <p:spTree>
+      <p:nvGrpSpPr>
+        <p:cNvPr id="1" name="Shape 136"/>
+        <p:cNvGrpSpPr/>
+        <p:nvPr/>
+      </p:nvGrpSpPr>
+      <p:grpSpPr>
+        <a:xfrm>
+          <a:off x="0" y="0"/>
+          <a:ext cx="0" cy="0"/>
+          <a:chOff x="0" y="0"/>
+          <a:chExt cx="0" cy="0"/>
+        </a:xfrm>
+      </p:grpSpPr>
+      <p:sp>
+        <p:nvSpPr>
+          <p:cNvPr id="137" name="Google Shape;137;g62c7962589_5_85:notes"/>
+          <p:cNvSpPr>
+            <a:spLocks noGrp="1" noRot="1" noChangeAspect="1"/>
+          </p:cNvSpPr>
+          <p:nvPr>
+            <p:ph type="sldImg" idx="2"/>
+          </p:nvPr>
+        </p:nvSpPr>
+        <p:spPr>
+          <a:xfrm>
+            <a:off x="2857500" y="385763"/>
+            <a:ext cx="3429000" cy="1928812"/>
+          </a:xfrm>
+          <a:custGeom>
+            <a:avLst/>
+            <a:gdLst/>
+            <a:ahLst/>
+            <a:cxnLst/>
+            <a:rect l="l" t="t" r="r" b="b"/>
+            <a:pathLst>
+              <a:path w="120000" h="120000" extrusionOk="0">
+                <a:moveTo>
+                  <a:pt x="0" y="0"/>
+                </a:moveTo>
+                <a:lnTo>
+                  <a:pt x="120000" y="0"/>
+                </a:lnTo>
+                <a:lnTo>
+                  <a:pt x="120000" y="120000"/>
+                </a:lnTo>
+                <a:lnTo>
+                  <a:pt x="0" y="120000"/>
+                </a:lnTo>
+                <a:close/>
+              </a:path>
+            </a:pathLst>
+          </a:custGeom>
+          <a:noFill/>
+          <a:ln w="9525" cap="flat" cmpd="sng">
+            <a:solidFill>
+              <a:srgbClr val="000000"/>
+            </a:solidFill>
+            <a:prstDash val="solid"/>
+            <a:round/>
+            <a:headEnd type="none" w="sm" len="sm"/>
+            <a:tailEnd type="none" w="sm" len="sm"/>
+          </a:ln>
+        </p:spPr>
+      </p:sp>
+      <p:sp>
+        <p:nvSpPr>
+          <p:cNvPr id="138" name="Google Shape;138;g62c7962589_5_85:notes"/>
+          <p:cNvSpPr txBox="1">
+            <a:spLocks noGrp="1"/>
+          </p:cNvSpPr>
+          <p:nvPr>
+            <p:ph type="body" idx="1"/>
+          </p:nvPr>
+        </p:nvSpPr>
+        <p:spPr>
+          <a:xfrm>
+            <a:off x="914400" y="2443163"/>
+            <a:ext cx="7315200" cy="2314575"/>
+          </a:xfrm>
+          <a:prstGeom prst="rect">
+            <a:avLst/>
+          </a:prstGeom>
+          <a:noFill/>
+          <a:ln>
+            <a:noFill/>
+          </a:ln>
+        </p:spPr>
+        <p:txBody>
+          <a:bodyPr spcFirstLastPara="1" wrap="square" lIns="91425" tIns="91425" rIns="91425" bIns="91425" anchor="t" anchorCtr="0">
+            <a:noAutofit/>
+          </a:bodyPr>
+          <a:lstStyle/>
+          <a:p>
+            <a:pPr marL="0" lvl="0" indent="0" algn="l" rtl="0">
+              <a:lnSpc>
+                <a:spcPct val="100000"/>
+              </a:lnSpc>
+              <a:spcBef>
+                <a:spcPts val="0"/>
+              </a:spcBef>
+              <a:spcAft>
+                <a:spcPts val="0"/>
+              </a:spcAft>
+              <a:buSzPts val="1100"/>
+              <a:buNone/>
+            </a:pPr>
+            <a:endParaRPr/>
+          </a:p>
+        </p:txBody>
+      </p:sp>
+    </p:spTree>
+    <p:extLst>
+      <p:ext uri="{BB962C8B-B14F-4D97-AF65-F5344CB8AC3E}">
+        <p14:creationId xmlns:p14="http://schemas.microsoft.com/office/powerpoint/2010/main" val="2083238594"/>
+      </p:ext>
+    </p:extLst>
+  </p:cSld>
+  <p:clrMapOvr>
+    <a:masterClrMapping/>
+  </p:clrMapOvr>
+</p:notes>
+</file>
+
+<file path=ppt/notesSlides/notesSlide13.xml><?xml version="1.0" encoding="utf-8"?>
 <p:notes xmlns:a="http://schemas.openxmlformats.org/drawingml/2006/main" xmlns:r="http://schemas.openxmlformats.org/officeDocument/2006/relationships" xmlns:p="http://schemas.openxmlformats.org/presentationml/2006/main" showMasterSp="0" showMasterPhAnim="0">
   <p:cSld>
     <p:spTree>
@@ -18351,7 +18478,27 @@
                 <a:latin typeface="Arial" panose="020B0604020202020204" pitchFamily="34" charset="0"/>
                 <a:ea typeface="-apple-system"/>
               </a:rPr>
-              <a:t>platform</a:t>
+              <a:t>auth</a:t>
+            </a:r>
+            <a:r>
+              <a:rPr lang="zh-CN" altLang="en-US" sz="1200">
+                <a:solidFill>
+                  <a:srgbClr val="24292E"/>
+                </a:solidFill>
+                <a:latin typeface="Arial" panose="020B0604020202020204" pitchFamily="34" charset="0"/>
+                <a:ea typeface="-apple-system"/>
+              </a:rPr>
+              <a:t>、</a:t>
+            </a:r>
+            <a:r>
+              <a:rPr lang="en-US" altLang="zh-CN" sz="1200">
+                <a:solidFill>
+                  <a:srgbClr val="24292E"/>
+                </a:solidFill>
+                <a:latin typeface="Arial" panose="020B0604020202020204" pitchFamily="34" charset="0"/>
+                <a:ea typeface="-apple-system"/>
+              </a:rPr>
+              <a:t>store</a:t>
             </a:r>
           </a:p>
           <a:p>
@@ -20045,7 +20192,7 @@
   <p:cSld>
     <p:spTree>
       <p:nvGrpSpPr>
-        <p:cNvPr id="1" name=""/>
+        <p:cNvPr id="1" name="Shape 139"/>
         <p:cNvGrpSpPr/>
         <p:nvPr/>
       </p:nvGrpSpPr>
@@ -20059,66 +20206,18 @@
       </p:grpSpPr>
       <p:sp>
         <p:nvSpPr>
-          <p:cNvPr id="2" name="Title 1"/>
-          <p:cNvSpPr>
+          <p:cNvPr id="140" name="Google Shape;140;p20"/>
+          <p:cNvSpPr txBox="1">
             <a:spLocks noGrp="1"/>
           </p:cNvSpPr>
           <p:nvPr>
             <p:ph type="title"/>
           </p:nvPr>
         </p:nvSpPr>
-        <p:spPr/>
-        <p:txBody>
-          <a:bodyPr/>
-          <a:lstStyle/>
-          <a:p>
-            <a:r>
-              <a:rPr kumimoji="1" lang="zh-CN" altLang="en-US"/>
-              <a:t>参考资料</a:t>
-            </a:r>
-          </a:p>
-        </p:txBody>
-      </p:sp>
-      <p:sp>
-        <p:nvSpPr>
-          <p:cNvPr id="3" name="Text Placeholder 2"/>
-          <p:cNvSpPr>
-            <a:spLocks noGrp="1"/>
-          </p:cNvSpPr>
-          <p:nvPr>
-            <p:ph type="body" idx="1"/>
-          </p:nvPr>
-        </p:nvSpPr>
-        <p:spPr/>
-        <p:txBody>
-          <a:bodyPr/>
-          <a:lstStyle/>
-          <a:p>
-            <a:r>
-              <a:rPr lang="en-US"/>
-              <a:t>http://microservices.io/patterns/apigateway.html</a:t>
-            </a:r>
-            <a:endParaRPr kumimoji="1" lang="en-US" altLang="zh-CN" i="1"/>
-          </a:p>
-          <a:p>
-            <a:r>
-              <a:rPr kumimoji="1" lang="en-US" altLang="zh-CN"/>
-              <a:t>…</a:t>
-            </a:r>
-            <a:endParaRPr kumimoji="1" lang="zh-CN" altLang="en-US"/>
-          </a:p>
-        </p:txBody>
-      </p:sp>
-      <p:sp>
-        <p:nvSpPr>
-          <p:cNvPr id="4" name="Google Shape;262;p28"/>
-          <p:cNvSpPr/>
-          <p:nvPr/>
-        </p:nvSpPr>
         <p:spPr>
           <a:xfrm>
-            <a:off x="7387563" y="721397"/>
-            <a:ext cx="1882907" cy="307777"/>
+            <a:off x="271359" y="935823"/>
+            <a:ext cx="8571300" cy="942000"/>
           </a:xfrm>
           <a:prstGeom prst="rect">
             <a:avLst/>
@@ -20129,12 +20228,12 @@
           </a:ln>
         </p:spPr>
         <p:txBody>
-          <a:bodyPr spcFirstLastPara="1" wrap="square" lIns="91425" tIns="45700" rIns="91425" bIns="45700" anchor="t" anchorCtr="0">
+          <a:bodyPr spcFirstLastPara="1" wrap="square" lIns="91425" tIns="91425" rIns="91425" bIns="91425" anchor="ctr" anchorCtr="0">
             <a:noAutofit/>
           </a:bodyPr>
           <a:lstStyle/>
           <a:p>
-            <a:pPr marL="0" marR="0" lvl="0" indent="0" algn="l" rtl="0">
+            <a:pPr marL="0" lvl="0" indent="0" algn="ctr" rtl="0">
               <a:lnSpc>
                 <a:spcPct val="100000"/>
               </a:lnSpc>
@@ -20144,21 +20243,77 @@
               <a:spcAft>
                 <a:spcPts val="0"/>
               </a:spcAft>
+              <a:buSzPts val="3600"/>
               <a:buNone/>
             </a:pPr>
-            <a:endParaRPr sz="3600" b="1" i="0" u="none" strike="noStrike" cap="none">
-              <a:solidFill>
-                <a:schemeClr val="accent1"/>
-              </a:solidFill>
-              <a:latin typeface="PT Sans Narrow" panose="020B0506020203020204"/>
-              <a:ea typeface="PT Sans Narrow" panose="020B0506020203020204"/>
-              <a:cs typeface="PT Sans Narrow" panose="020B0506020203020204"/>
-              <a:sym typeface="PT Sans Narrow" panose="020B0506020203020204"/>
-            </a:endParaRPr>
+            <a:r>
+              <a:rPr lang="en-US" altLang="zh-CN"/>
+              <a:t>Micro</a:t>
+            </a:r>
+            <a:r>
+              <a:rPr lang="zh-CN" altLang="en-US"/>
+              <a:t> 工具集的发展</a:t>
+            </a:r>
+            <a:endParaRPr lang="en-US"/>
+          </a:p>
+        </p:txBody>
+      </p:sp>
+      <p:sp>
+        <p:nvSpPr>
+          <p:cNvPr id="141" name="Google Shape;141;p20"/>
+          <p:cNvSpPr txBox="1">
+            <a:spLocks noGrp="1"/>
+          </p:cNvSpPr>
+          <p:nvPr>
+            <p:ph type="sldNum" idx="12"/>
+          </p:nvPr>
+        </p:nvSpPr>
+        <p:spPr>
+          <a:xfrm>
+            <a:off x="145283" y="4583792"/>
+            <a:ext cx="548700" cy="393600"/>
+          </a:xfrm>
+          <a:prstGeom prst="rect">
+            <a:avLst/>
+          </a:prstGeom>
+          <a:noFill/>
+          <a:ln>
+            <a:noFill/>
+          </a:ln>
+        </p:spPr>
+        <p:txBody>
+          <a:bodyPr spcFirstLastPara="1" wrap="square" lIns="91425" tIns="91425" rIns="91425" bIns="91425" anchor="ctr" anchorCtr="0">
+            <a:noAutofit/>
+          </a:bodyPr>
+          <a:lstStyle/>
+          <a:p>
+            <a:pPr marL="0" lvl="0" indent="0" algn="r" rtl="0">
+              <a:lnSpc>
+                <a:spcPct val="100000"/>
+              </a:lnSpc>
+              <a:spcBef>
+                <a:spcPts val="0"/>
+              </a:spcBef>
+              <a:spcAft>
+                <a:spcPts val="0"/>
+              </a:spcAft>
+              <a:buSzPts val="1000"/>
+              <a:buNone/>
+            </a:pPr>
+            <a:fld id="{00000000-1234-1234-1234-123412341234}" type="slidenum">
+              <a:rPr lang="en-US"/>
+              <a:t>19</a:t>
+            </a:fld>
+            <a:endParaRPr lang="en-US"/>
           </a:p>
         </p:txBody>
       </p:sp>
     </p:spTree>
+    <p:extLst>
+      <p:ext uri="{BB962C8B-B14F-4D97-AF65-F5344CB8AC3E}">
+        <p14:creationId xmlns:p14="http://schemas.microsoft.com/office/powerpoint/2010/main" val="903345568"/>
+      </p:ext>
+    </p:extLst>
   </p:cSld>
   <p:clrMapOvr>
     <a:masterClrMapping/>
@@ -21621,17 +21776,17 @@
               <a:t>工具集的发展（</a:t>
             </a:r>
             <a:r>
-              <a:rPr lang="en-US" altLang="zh-CN" dirty="0">
+              <a:rPr lang="en-US" dirty="0" err="1">
                 <a:solidFill>
                   <a:srgbClr val="424242"/>
                 </a:solidFill>
                 <a:latin typeface="Courier New" panose="02070309020205020404"/>
                 <a:cs typeface="Courier New" panose="02070309020205020404"/>
               </a:rPr>
-              <a:t>Auth</a:t>
-            </a:r>
-            <a:r>
-              <a:rPr lang="zh-CN" altLang="en-US" dirty="0">
+              <a:t>Network</a:t>
+            </a:r>
+            <a:r>
+              <a:rPr lang="zh-CN" altLang="en-US" dirty="0" err="1">
                 <a:solidFill>
                   <a:srgbClr val="424242"/>
                 </a:solidFill>
@@ -21648,7 +21803,37 @@
                 <a:latin typeface="Courier New" panose="02070309020205020404"/>
                 <a:cs typeface="Courier New" panose="02070309020205020404"/>
               </a:rPr>
-              <a:t>Network，Run、Tunnel、Platform</a:t>
+              <a:t>Run、Tunnel、</a:t>
+            </a:r>
+            <a:r>
+              <a:rPr lang="en-US" altLang="zh-CN" dirty="0" err="1">
+                <a:solidFill>
+                  <a:srgbClr val="424242"/>
+                </a:solidFill>
+                <a:latin typeface="Courier New" panose="02070309020205020404"/>
+                <a:cs typeface="Courier New" panose="02070309020205020404"/>
+              </a:rPr>
+              <a:t>Runtime</a:t>
+            </a:r>
+            <a:r>
+              <a:rPr lang="zh-CN" altLang="en-US" dirty="0" err="1">
+                <a:solidFill>
+                  <a:srgbClr val="424242"/>
+                </a:solidFill>
+                <a:latin typeface="Courier New" panose="02070309020205020404"/>
+                <a:cs typeface="Courier New" panose="02070309020205020404"/>
+              </a:rPr>
+              <a:t>、</a:t>
+            </a:r>
+            <a:r>
+              <a:rPr lang="en-US" altLang="zh-CN" dirty="0" err="1">
+                <a:solidFill>
+                  <a:srgbClr val="424242"/>
+                </a:solidFill>
+                <a:latin typeface="Courier New" panose="02070309020205020404"/>
+                <a:cs typeface="Courier New" panose="02070309020205020404"/>
+              </a:rPr>
+              <a:t>Auth,etc</a:t>
             </a:r>
             <a:r>
               <a:rPr lang="en-US" dirty="0">

--- a/others/share/learning-go/【第三期】Micro工具集.pptx
+++ b/others/share/learning-go/【第三期】Micro工具集.pptx
@@ -6,10 +6,10 @@
     <p:sldMasterId id="2147483654" r:id="rId2"/>
   </p:sldMasterIdLst>
   <p:notesMasterIdLst>
-    <p:notesMasterId r:id="rId23"/>
+    <p:notesMasterId r:id="rId24"/>
   </p:notesMasterIdLst>
   <p:handoutMasterIdLst>
-    <p:handoutMasterId r:id="rId24"/>
+    <p:handoutMasterId r:id="rId25"/>
   </p:handoutMasterIdLst>
   <p:sldIdLst>
     <p:sldId id="256" r:id="rId3"/>
@@ -30,8 +30,9 @@
     <p:sldId id="363" r:id="rId18"/>
     <p:sldId id="364" r:id="rId19"/>
     <p:sldId id="365" r:id="rId20"/>
-    <p:sldId id="321" r:id="rId21"/>
-    <p:sldId id="288" r:id="rId22"/>
+    <p:sldId id="366" r:id="rId21"/>
+    <p:sldId id="367" r:id="rId22"/>
+    <p:sldId id="288" r:id="rId23"/>
   </p:sldIdLst>
   <p:sldSz cx="9144000" cy="5143500" type="screen16x9"/>
   <p:notesSz cx="9144000" cy="5143500"/>
@@ -380,7 +381,7 @@
           <a:p>
             <a:fld id="{A084C82A-ADE2-4BBA-B2A9-E36881C26755}" type="datetimeFigureOut">
               <a:rPr lang="zh-CN" altLang="en-US" smtClean="0"/>
-              <a:t>2020/3/6</a:t>
+              <a:t>2020/3/11</a:t>
             </a:fld>
             <a:endParaRPr lang="zh-CN" altLang="en-US"/>
           </a:p>
@@ -2027,6 +2028,133 @@
 </file>
 
 <file path=ppt/notesSlides/notesSlide12.xml><?xml version="1.0" encoding="utf-8"?>
+<p:notes xmlns:a="http://schemas.openxmlformats.org/drawingml/2006/main" xmlns:r="http://schemas.openxmlformats.org/officeDocument/2006/relationships" xmlns:p="http://schemas.openxmlformats.org/presentationml/2006/main" showMasterSp="0" showMasterPhAnim="0">
+  <p:cSld>
+    <p:spTree>
+      <p:nvGrpSpPr>
+        <p:cNvPr id="1" name="Shape 136"/>
+        <p:cNvGrpSpPr/>
+        <p:nvPr/>
+      </p:nvGrpSpPr>
+      <p:grpSpPr>
+        <a:xfrm>
+          <a:off x="0" y="0"/>
+          <a:ext cx="0" cy="0"/>
+          <a:chOff x="0" y="0"/>
+          <a:chExt cx="0" cy="0"/>
+        </a:xfrm>
+      </p:grpSpPr>
+      <p:sp>
+        <p:nvSpPr>
+          <p:cNvPr id="137" name="Google Shape;137;g62c7962589_5_85:notes"/>
+          <p:cNvSpPr>
+            <a:spLocks noGrp="1" noRot="1" noChangeAspect="1"/>
+          </p:cNvSpPr>
+          <p:nvPr>
+            <p:ph type="sldImg" idx="2"/>
+          </p:nvPr>
+        </p:nvSpPr>
+        <p:spPr>
+          <a:xfrm>
+            <a:off x="2857500" y="385763"/>
+            <a:ext cx="3429000" cy="1928812"/>
+          </a:xfrm>
+          <a:custGeom>
+            <a:avLst/>
+            <a:gdLst/>
+            <a:ahLst/>
+            <a:cxnLst/>
+            <a:rect l="l" t="t" r="r" b="b"/>
+            <a:pathLst>
+              <a:path w="120000" h="120000" extrusionOk="0">
+                <a:moveTo>
+                  <a:pt x="0" y="0"/>
+                </a:moveTo>
+                <a:lnTo>
+                  <a:pt x="120000" y="0"/>
+                </a:lnTo>
+                <a:lnTo>
+                  <a:pt x="120000" y="120000"/>
+                </a:lnTo>
+                <a:lnTo>
+                  <a:pt x="0" y="120000"/>
+                </a:lnTo>
+                <a:close/>
+              </a:path>
+            </a:pathLst>
+          </a:custGeom>
+          <a:noFill/>
+          <a:ln w="9525" cap="flat" cmpd="sng">
+            <a:solidFill>
+              <a:srgbClr val="000000"/>
+            </a:solidFill>
+            <a:prstDash val="solid"/>
+            <a:round/>
+            <a:headEnd type="none" w="sm" len="sm"/>
+            <a:tailEnd type="none" w="sm" len="sm"/>
+          </a:ln>
+        </p:spPr>
+      </p:sp>
+      <p:sp>
+        <p:nvSpPr>
+          <p:cNvPr id="138" name="Google Shape;138;g62c7962589_5_85:notes"/>
+          <p:cNvSpPr txBox="1">
+            <a:spLocks noGrp="1"/>
+          </p:cNvSpPr>
+          <p:nvPr>
+            <p:ph type="body" idx="1"/>
+          </p:nvPr>
+        </p:nvSpPr>
+        <p:spPr>
+          <a:xfrm>
+            <a:off x="914400" y="2443163"/>
+            <a:ext cx="7315200" cy="2314575"/>
+          </a:xfrm>
+          <a:prstGeom prst="rect">
+            <a:avLst/>
+          </a:prstGeom>
+          <a:noFill/>
+          <a:ln>
+            <a:noFill/>
+          </a:ln>
+        </p:spPr>
+        <p:txBody>
+          <a:bodyPr spcFirstLastPara="1" wrap="square" lIns="91425" tIns="91425" rIns="91425" bIns="91425" anchor="t" anchorCtr="0">
+            <a:noAutofit/>
+          </a:bodyPr>
+          <a:lstStyle/>
+          <a:p>
+            <a:pPr marL="0" lvl="0" indent="0" algn="l" rtl="0">
+              <a:lnSpc>
+                <a:spcPct val="100000"/>
+              </a:lnSpc>
+              <a:spcBef>
+                <a:spcPts val="0"/>
+              </a:spcBef>
+              <a:spcAft>
+                <a:spcPts val="0"/>
+              </a:spcAft>
+              <a:buSzPts val="1100"/>
+              <a:buNone/>
+            </a:pPr>
+            <a:endParaRPr/>
+          </a:p>
+        </p:txBody>
+      </p:sp>
+    </p:spTree>
+    <p:extLst>
+      <p:ext uri="{BB962C8B-B14F-4D97-AF65-F5344CB8AC3E}">
+        <p14:creationId xmlns:p14="http://schemas.microsoft.com/office/powerpoint/2010/main" val="3281273518"/>
+      </p:ext>
+    </p:extLst>
+  </p:cSld>
+  <p:clrMapOvr>
+    <a:masterClrMapping/>
+  </p:clrMapOvr>
+</p:notes>
+</file>
+
+<file path=ppt/notesSlides/notesSlide13.xml><?xml version="1.0" encoding="utf-8"?>
 <p:notes xmlns:a="http://schemas.openxmlformats.org/drawingml/2006/main" xmlns:r="http://schemas.openxmlformats.org/officeDocument/2006/relationships" xmlns:p="http://schemas.openxmlformats.org/presentationml/2006/main" showMasterSp="0" showMasterPhAnim="0">
   <p:cSld>
     <p:spTree>
@@ -17723,7 +17851,7 @@
               </a:spcAft>
               <a:buClrTx/>
             </a:pPr>
-            <a:endParaRPr lang="en-US" altLang="zh-CN" sz="1200">
+            <a:endParaRPr lang="en-US" altLang="zh-CN" sz="1200" dirty="0">
               <a:solidFill>
                 <a:srgbClr val="24292E"/>
               </a:solidFill>
@@ -17742,7 +17870,7 @@
               <a:buClrTx/>
             </a:pPr>
             <a:r>
-              <a:rPr lang="zh-CN" altLang="en-US" sz="1200">
+              <a:rPr lang="zh-CN" altLang="en-US" sz="1200" dirty="0">
                 <a:solidFill>
                   <a:srgbClr val="24292E"/>
                 </a:solidFill>
@@ -17752,7 +17880,7 @@
               <a:t>功能：基于命令行，与</a:t>
             </a:r>
             <a:r>
-              <a:rPr lang="en-US" altLang="zh-CN" sz="1200">
+              <a:rPr lang="en-US" altLang="zh-CN" sz="1200" dirty="0">
                 <a:solidFill>
                   <a:srgbClr val="24292E"/>
                 </a:solidFill>
@@ -17762,7 +17890,7 @@
               <a:t>Go-Micro</a:t>
             </a:r>
             <a:r>
-              <a:rPr lang="zh-CN" altLang="en-US" sz="1200">
+              <a:rPr lang="zh-CN" altLang="en-US" sz="1200" dirty="0">
                 <a:solidFill>
                   <a:srgbClr val="24292E"/>
                 </a:solidFill>
@@ -17771,7 +17899,7 @@
               </a:rPr>
               <a:t>服务交互。</a:t>
             </a:r>
-            <a:endParaRPr lang="en-US" altLang="zh-CN" sz="1200">
+            <a:endParaRPr lang="en-US" altLang="zh-CN" sz="1200" dirty="0">
               <a:solidFill>
                 <a:srgbClr val="24292E"/>
               </a:solidFill>
@@ -17789,7 +17917,7 @@
               </a:spcAft>
               <a:buClrTx/>
             </a:pPr>
-            <a:endParaRPr lang="en-US" altLang="zh-CN" sz="1200">
+            <a:endParaRPr lang="en-US" altLang="zh-CN" sz="1200" dirty="0">
               <a:solidFill>
                 <a:srgbClr val="24292E"/>
               </a:solidFill>
@@ -17808,7 +17936,7 @@
               <a:buClrTx/>
             </a:pPr>
             <a:r>
-              <a:rPr lang="zh-CN" altLang="en-US" sz="1200">
+              <a:rPr lang="zh-CN" altLang="en-US" sz="1200" dirty="0">
                 <a:solidFill>
                   <a:srgbClr val="24292E"/>
                 </a:solidFill>
@@ -17817,7 +17945,7 @@
               </a:rPr>
               <a:t>主要功能：</a:t>
             </a:r>
-            <a:endParaRPr lang="en-US" altLang="zh-CN" sz="1200">
+            <a:endParaRPr lang="en-US" altLang="zh-CN" sz="1200" dirty="0">
               <a:solidFill>
                 <a:srgbClr val="24292E"/>
               </a:solidFill>
@@ -17835,7 +17963,7 @@
               </a:spcAft>
               <a:buClrTx/>
             </a:pPr>
-            <a:endParaRPr lang="en-US" altLang="zh-CN" sz="1200">
+            <a:endParaRPr lang="en-US" altLang="zh-CN" sz="1200" dirty="0">
               <a:solidFill>
                 <a:srgbClr val="24292E"/>
               </a:solidFill>
@@ -17854,7 +17982,7 @@
               <a:buClrTx/>
             </a:pPr>
             <a:r>
-              <a:rPr lang="en-US" altLang="zh-CN" sz="1200">
+              <a:rPr lang="en-US" altLang="zh-CN" sz="1200" dirty="0">
                 <a:solidFill>
                   <a:srgbClr val="24292E"/>
                 </a:solidFill>
@@ -17864,7 +17992,7 @@
               <a:t>1.</a:t>
             </a:r>
             <a:r>
-              <a:rPr lang="zh-CN" altLang="en-US" sz="1200">
+              <a:rPr lang="zh-CN" altLang="en-US" sz="1200" dirty="0">
                 <a:solidFill>
                   <a:srgbClr val="24292E"/>
                 </a:solidFill>
@@ -17874,7 +18002,7 @@
               <a:t> 服务列表 </a:t>
             </a:r>
             <a:r>
-              <a:rPr lang="en-US" altLang="zh-CN" sz="1200">
+              <a:rPr lang="en-US" altLang="zh-CN" sz="1200" dirty="0">
                 <a:solidFill>
                   <a:srgbClr val="24292E"/>
                 </a:solidFill>
@@ -17884,7 +18012,7 @@
               <a:t>(micro</a:t>
             </a:r>
             <a:r>
-              <a:rPr lang="zh-CN" altLang="en-US" sz="1200">
+              <a:rPr lang="zh-CN" altLang="en-US" sz="1200" dirty="0">
                 <a:solidFill>
                   <a:srgbClr val="24292E"/>
                 </a:solidFill>
@@ -17894,7 +18022,7 @@
               <a:t> </a:t>
             </a:r>
             <a:r>
-              <a:rPr lang="en-US" altLang="zh-CN" sz="1200">
+              <a:rPr lang="en-US" altLang="zh-CN" sz="1200" dirty="0">
                 <a:solidFill>
                   <a:srgbClr val="24292E"/>
                 </a:solidFill>
@@ -17904,7 +18032,7 @@
               <a:t>list</a:t>
             </a:r>
             <a:r>
-              <a:rPr lang="zh-CN" altLang="en-US" sz="1200">
+              <a:rPr lang="zh-CN" altLang="en-US" sz="1200" dirty="0">
                 <a:solidFill>
                   <a:srgbClr val="24292E"/>
                 </a:solidFill>
@@ -17914,7 +18042,7 @@
               <a:t> </a:t>
             </a:r>
             <a:r>
-              <a:rPr lang="en-US" altLang="zh-CN" sz="1200">
+              <a:rPr lang="en-US" altLang="zh-CN" sz="1200" dirty="0">
                 <a:solidFill>
                   <a:srgbClr val="24292E"/>
                 </a:solidFill>
@@ -17935,7 +18063,7 @@
               <a:buClrTx/>
             </a:pPr>
             <a:r>
-              <a:rPr lang="en-US" altLang="zh-CN" sz="1200">
+              <a:rPr lang="en-US" altLang="zh-CN" sz="1200" dirty="0">
                 <a:solidFill>
                   <a:srgbClr val="24292E"/>
                 </a:solidFill>
@@ -17945,7 +18073,7 @@
               <a:t>2.</a:t>
             </a:r>
             <a:r>
-              <a:rPr lang="zh-CN" altLang="en-US" sz="1200">
+              <a:rPr lang="zh-CN" altLang="en-US" sz="1200" dirty="0">
                 <a:solidFill>
                   <a:srgbClr val="24292E"/>
                 </a:solidFill>
@@ -17955,7 +18083,7 @@
               <a:t> 服务信息与状态 </a:t>
             </a:r>
             <a:r>
-              <a:rPr lang="en-US" altLang="zh-CN" sz="1200">
+              <a:rPr lang="en-US" altLang="zh-CN" sz="1200" dirty="0">
                 <a:solidFill>
                   <a:srgbClr val="24292E"/>
                 </a:solidFill>
@@ -17965,7 +18093,7 @@
               <a:t>(micro</a:t>
             </a:r>
             <a:r>
-              <a:rPr lang="zh-CN" altLang="en-US" sz="1200">
+              <a:rPr lang="zh-CN" altLang="en-US" sz="1200" dirty="0">
                 <a:solidFill>
                   <a:srgbClr val="24292E"/>
                 </a:solidFill>
@@ -17975,7 +18103,7 @@
               <a:t> </a:t>
             </a:r>
             <a:r>
-              <a:rPr lang="en-US" altLang="zh-CN" sz="1200">
+              <a:rPr lang="en-US" altLang="zh-CN" sz="1200" dirty="0">
                 <a:solidFill>
                   <a:srgbClr val="24292E"/>
                 </a:solidFill>
@@ -17985,7 +18113,7 @@
               <a:t>health/get</a:t>
             </a:r>
             <a:r>
-              <a:rPr lang="zh-CN" altLang="en-US" sz="1200">
+              <a:rPr lang="zh-CN" altLang="en-US" sz="1200" dirty="0">
                 <a:solidFill>
                   <a:srgbClr val="24292E"/>
                 </a:solidFill>
@@ -17995,7 +18123,7 @@
               <a:t> </a:t>
             </a:r>
             <a:r>
-              <a:rPr lang="en-US" altLang="zh-CN" sz="1200">
+              <a:rPr lang="en-US" altLang="zh-CN" sz="1200" dirty="0">
                 <a:solidFill>
                   <a:srgbClr val="24292E"/>
                 </a:solidFill>
@@ -18005,7 +18133,7 @@
               <a:t>service</a:t>
             </a:r>
             <a:r>
-              <a:rPr lang="zh-CN" altLang="en-US" sz="1200">
+              <a:rPr lang="zh-CN" altLang="en-US" sz="1200" dirty="0">
                 <a:solidFill>
                   <a:srgbClr val="24292E"/>
                 </a:solidFill>
@@ -18015,7 +18143,7 @@
               <a:t> </a:t>
             </a:r>
             <a:r>
-              <a:rPr lang="en-US" altLang="zh-CN" sz="1200">
+              <a:rPr lang="en-US" altLang="zh-CN" sz="1200" dirty="0">
                 <a:solidFill>
                   <a:srgbClr val="24292E"/>
                 </a:solidFill>
@@ -18036,7 +18164,7 @@
               <a:buClrTx/>
             </a:pPr>
             <a:r>
-              <a:rPr lang="en-US" altLang="zh-CN" sz="1200">
+              <a:rPr lang="en-US" altLang="zh-CN" sz="1200" dirty="0">
                 <a:solidFill>
                   <a:srgbClr val="24292E"/>
                 </a:solidFill>
@@ -18046,7 +18174,7 @@
               <a:t>3.</a:t>
             </a:r>
             <a:r>
-              <a:rPr lang="zh-CN" altLang="en-US" sz="1200">
+              <a:rPr lang="zh-CN" altLang="en-US" sz="1200" dirty="0">
                 <a:solidFill>
                   <a:srgbClr val="24292E"/>
                 </a:solidFill>
@@ -18056,7 +18184,7 @@
               <a:t> 上下线服务</a:t>
             </a:r>
             <a:r>
-              <a:rPr lang="en-US" altLang="zh-CN" sz="1200">
+              <a:rPr lang="en-US" altLang="zh-CN" sz="1200" dirty="0">
                 <a:solidFill>
                   <a:srgbClr val="24292E"/>
                 </a:solidFill>
@@ -18066,7 +18194,7 @@
               <a:t>(micro</a:t>
             </a:r>
             <a:r>
-              <a:rPr lang="zh-CN" altLang="en-US" sz="1200">
+              <a:rPr lang="zh-CN" altLang="en-US" sz="1200" dirty="0">
                 <a:solidFill>
                   <a:srgbClr val="24292E"/>
                 </a:solidFill>
@@ -18076,7 +18204,7 @@
               <a:t> </a:t>
             </a:r>
             <a:r>
-              <a:rPr lang="en-US" altLang="zh-CN" sz="1200">
+              <a:rPr lang="en-US" altLang="zh-CN" sz="1200" dirty="0">
                 <a:solidFill>
                   <a:srgbClr val="24292E"/>
                 </a:solidFill>
@@ -18097,7 +18225,7 @@
               <a:buClrTx/>
             </a:pPr>
             <a:r>
-              <a:rPr lang="en-US" altLang="zh-CN" sz="1200">
+              <a:rPr lang="en-US" altLang="zh-CN" sz="1200" dirty="0">
                 <a:solidFill>
                   <a:srgbClr val="24292E"/>
                 </a:solidFill>
@@ -18107,7 +18235,7 @@
               <a:t>4.</a:t>
             </a:r>
             <a:r>
-              <a:rPr lang="zh-CN" altLang="en-US" sz="1200">
+              <a:rPr lang="zh-CN" altLang="en-US" sz="1200" dirty="0">
                 <a:solidFill>
                   <a:srgbClr val="24292E"/>
                 </a:solidFill>
@@ -18116,7 +18244,7 @@
               </a:rPr>
               <a:t> 调用服务</a:t>
             </a:r>
-            <a:endParaRPr lang="en-US" altLang="zh-CN" sz="1200">
+            <a:endParaRPr lang="en-US" altLang="zh-CN" sz="1200" dirty="0">
               <a:solidFill>
                 <a:srgbClr val="24292E"/>
               </a:solidFill>
@@ -18134,7 +18262,7 @@
               </a:spcAft>
               <a:buClrTx/>
             </a:pPr>
-            <a:endParaRPr lang="en-US" altLang="zh-CN" sz="1200">
+            <a:endParaRPr lang="en-US" altLang="zh-CN" sz="1200" dirty="0">
               <a:solidFill>
                 <a:srgbClr val="24292E"/>
               </a:solidFill>
@@ -18153,7 +18281,7 @@
               <a:buClrTx/>
             </a:pPr>
             <a:r>
-              <a:rPr lang="zh-CN" altLang="en-US" sz="1200">
+              <a:rPr lang="zh-CN" altLang="en-US" sz="1200" dirty="0">
                 <a:solidFill>
                   <a:srgbClr val="24292E"/>
                 </a:solidFill>
@@ -18162,7 +18290,7 @@
               </a:rPr>
               <a:t>其它商业级及研发中的功能：</a:t>
             </a:r>
-            <a:endParaRPr lang="en-US" altLang="zh-CN" sz="1200">
+            <a:endParaRPr lang="en-US" altLang="zh-CN" sz="1200" dirty="0">
               <a:solidFill>
                 <a:srgbClr val="24292E"/>
               </a:solidFill>
@@ -18181,7 +18309,7 @@
               <a:buClrTx/>
             </a:pPr>
             <a:r>
-              <a:rPr lang="en-US" altLang="zh-CN" sz="1200">
+              <a:rPr lang="en-US" altLang="zh-CN" sz="1200" dirty="0">
                 <a:solidFill>
                   <a:srgbClr val="24292E"/>
                 </a:solidFill>
@@ -18191,7 +18319,7 @@
               <a:t>runtime</a:t>
             </a:r>
             <a:r>
-              <a:rPr lang="zh-CN" altLang="en-US" sz="1200">
+              <a:rPr lang="zh-CN" altLang="en-US" sz="1200" dirty="0">
                 <a:solidFill>
                   <a:srgbClr val="24292E"/>
                 </a:solidFill>
@@ -18201,7 +18329,7 @@
               <a:t>、</a:t>
             </a:r>
             <a:r>
-              <a:rPr lang="en-US" altLang="zh-CN" sz="1200">
+              <a:rPr lang="en-US" altLang="zh-CN" sz="1200" dirty="0">
                 <a:solidFill>
                   <a:srgbClr val="24292E"/>
                 </a:solidFill>
@@ -18211,7 +18339,7 @@
               <a:t>service</a:t>
             </a:r>
             <a:r>
-              <a:rPr lang="zh-CN" altLang="en-US" sz="1200">
+              <a:rPr lang="zh-CN" altLang="en-US" sz="1200" dirty="0">
                 <a:solidFill>
                   <a:srgbClr val="24292E"/>
                 </a:solidFill>
@@ -18221,7 +18349,7 @@
               <a:t>、</a:t>
             </a:r>
             <a:r>
-              <a:rPr lang="en-US" altLang="zh-CN" sz="1200">
+              <a:rPr lang="en-US" altLang="zh-CN" sz="1200" dirty="0">
                 <a:solidFill>
                   <a:srgbClr val="24292E"/>
                 </a:solidFill>
@@ -18231,7 +18359,7 @@
               <a:t>run</a:t>
             </a:r>
             <a:r>
-              <a:rPr lang="zh-CN" altLang="en-US" sz="1200">
+              <a:rPr lang="zh-CN" altLang="en-US" sz="1200" dirty="0">
                 <a:solidFill>
                   <a:srgbClr val="24292E"/>
                 </a:solidFill>
@@ -18241,7 +18369,7 @@
               <a:t>、</a:t>
             </a:r>
             <a:r>
-              <a:rPr lang="en-US" altLang="zh-CN" sz="1200">
+              <a:rPr lang="en-US" altLang="zh-CN" sz="1200" dirty="0">
                 <a:solidFill>
                   <a:srgbClr val="24292E"/>
                 </a:solidFill>
@@ -18251,7 +18379,7 @@
               <a:t>kill</a:t>
             </a:r>
             <a:r>
-              <a:rPr lang="zh-CN" altLang="en-US" sz="1200">
+              <a:rPr lang="zh-CN" altLang="en-US" sz="1200" dirty="0">
                 <a:solidFill>
                   <a:srgbClr val="24292E"/>
                 </a:solidFill>
@@ -18261,7 +18389,7 @@
               <a:t>、</a:t>
             </a:r>
             <a:r>
-              <a:rPr lang="en-US" altLang="zh-CN" sz="1200">
+              <a:rPr lang="en-US" altLang="zh-CN" sz="1200" dirty="0">
                 <a:solidFill>
                   <a:srgbClr val="24292E"/>
                 </a:solidFill>
@@ -18271,7 +18399,7 @@
               <a:t>debug</a:t>
             </a:r>
             <a:r>
-              <a:rPr lang="zh-CN" altLang="en-US" sz="1200">
+              <a:rPr lang="zh-CN" altLang="en-US" sz="1200" dirty="0">
                 <a:solidFill>
                   <a:srgbClr val="24292E"/>
                 </a:solidFill>
@@ -18281,7 +18409,7 @@
               <a:t>、</a:t>
             </a:r>
             <a:r>
-              <a:rPr lang="en-US" altLang="zh-CN" sz="1200">
+              <a:rPr lang="en-US" altLang="zh-CN" sz="1200" dirty="0">
                 <a:solidFill>
                   <a:srgbClr val="24292E"/>
                 </a:solidFill>
@@ -18302,7 +18430,7 @@
               <a:buClrTx/>
             </a:pPr>
             <a:r>
-              <a:rPr lang="en-US" altLang="zh-CN" sz="1200">
+              <a:rPr lang="en-US" altLang="zh-CN" sz="1200" dirty="0">
                 <a:solidFill>
                   <a:srgbClr val="24292E"/>
                 </a:solidFill>
@@ -18323,7 +18451,7 @@
               <a:buClrTx/>
             </a:pPr>
             <a:r>
-              <a:rPr lang="en-US" altLang="zh-CN" sz="1200">
+              <a:rPr lang="en-US" altLang="zh-CN" sz="1200" dirty="0">
                 <a:solidFill>
                   <a:srgbClr val="24292E"/>
                 </a:solidFill>
@@ -18344,7 +18472,7 @@
               <a:buClrTx/>
             </a:pPr>
             <a:r>
-              <a:rPr lang="en-US" altLang="zh-CN" sz="1200">
+              <a:rPr lang="en-US" altLang="zh-CN" sz="1200" dirty="0">
                 <a:solidFill>
                   <a:srgbClr val="24292E"/>
                 </a:solidFill>
@@ -18365,7 +18493,7 @@
               <a:buClrTx/>
             </a:pPr>
             <a:r>
-              <a:rPr lang="zh-CN" altLang="en-US" sz="1200">
+              <a:rPr lang="zh-CN" altLang="en-US" sz="1200" dirty="0">
                 <a:solidFill>
                   <a:srgbClr val="24292E"/>
                 </a:solidFill>
@@ -18374,7 +18502,7 @@
               </a:rPr>
               <a:t> </a:t>
             </a:r>
-            <a:endParaRPr lang="en-US" altLang="zh-CN" sz="1200">
+            <a:endParaRPr lang="en-US" altLang="zh-CN" sz="1200" dirty="0">
               <a:solidFill>
                 <a:srgbClr val="24292E"/>
               </a:solidFill>
@@ -18392,7 +18520,7 @@
               </a:spcAft>
               <a:buClrTx/>
             </a:pPr>
-            <a:endParaRPr lang="en-US" altLang="zh-CN" sz="1200">
+            <a:endParaRPr lang="en-US" altLang="zh-CN" sz="1200" dirty="0">
               <a:solidFill>
                 <a:srgbClr val="24292E"/>
               </a:solidFill>
@@ -19174,8 +19302,8 @@
         </p:nvSpPr>
         <p:spPr>
           <a:xfrm>
-            <a:off x="7204391" y="706928"/>
-            <a:ext cx="1787236" cy="307800"/>
+            <a:off x="6920345" y="706928"/>
+            <a:ext cx="2071282" cy="307800"/>
           </a:xfrm>
           <a:prstGeom prst="rect">
             <a:avLst/>
@@ -19204,7 +19332,7 @@
               <a:buNone/>
             </a:pPr>
             <a:r>
-              <a:rPr lang="en-US" altLang="zh-CN" b="1">
+              <a:rPr lang="en-US" altLang="zh-CN" b="1" dirty="0">
                 <a:solidFill>
                   <a:schemeClr val="accent1"/>
                 </a:solidFill>
@@ -19216,7 +19344,7 @@
               <a:t>Dashboard</a:t>
             </a:r>
             <a:r>
-              <a:rPr lang="zh-CN" altLang="en-US" b="1">
+              <a:rPr lang="zh-CN" altLang="en-US" b="1" dirty="0">
                 <a:solidFill>
                   <a:schemeClr val="accent1"/>
                 </a:solidFill>
@@ -19228,7 +19356,7 @@
               <a:t>与</a:t>
             </a:r>
             <a:r>
-              <a:rPr lang="en-US" altLang="zh-CN" b="1">
+              <a:rPr lang="en-US" altLang="zh-CN" b="1" dirty="0">
                 <a:solidFill>
                   <a:schemeClr val="accent1"/>
                 </a:solidFill>
@@ -19240,7 +19368,7 @@
               <a:t>Web</a:t>
             </a:r>
             <a:r>
-              <a:rPr lang="zh-CN" altLang="en-US" b="1">
+              <a:rPr lang="zh-CN" altLang="en-US" b="1" dirty="0">
                 <a:solidFill>
                   <a:schemeClr val="accent1"/>
                 </a:solidFill>
@@ -19251,7 +19379,7 @@
               </a:rPr>
               <a:t>代理 </a:t>
             </a:r>
-            <a:endParaRPr sz="3600" b="1" i="0" u="none" strike="noStrike" cap="none">
+            <a:endParaRPr sz="3600" b="1" i="0" u="none" strike="noStrike" cap="none" dirty="0">
               <a:solidFill>
                 <a:schemeClr val="accent1"/>
               </a:solidFill>
@@ -20045,7 +20173,7 @@
   <p:cSld>
     <p:spTree>
       <p:nvGrpSpPr>
-        <p:cNvPr id="1" name=""/>
+        <p:cNvPr id="1" name="Shape 139"/>
         <p:cNvGrpSpPr/>
         <p:nvPr/>
       </p:nvGrpSpPr>
@@ -20059,66 +20187,18 @@
       </p:grpSpPr>
       <p:sp>
         <p:nvSpPr>
-          <p:cNvPr id="2" name="Title 1"/>
-          <p:cNvSpPr>
+          <p:cNvPr id="140" name="Google Shape;140;p20"/>
+          <p:cNvSpPr txBox="1">
             <a:spLocks noGrp="1"/>
           </p:cNvSpPr>
           <p:nvPr>
             <p:ph type="title"/>
           </p:nvPr>
         </p:nvSpPr>
-        <p:spPr/>
-        <p:txBody>
-          <a:bodyPr/>
-          <a:lstStyle/>
-          <a:p>
-            <a:r>
-              <a:rPr kumimoji="1" lang="zh-CN" altLang="en-US"/>
-              <a:t>参考资料</a:t>
-            </a:r>
-          </a:p>
-        </p:txBody>
-      </p:sp>
-      <p:sp>
-        <p:nvSpPr>
-          <p:cNvPr id="3" name="Text Placeholder 2"/>
-          <p:cNvSpPr>
-            <a:spLocks noGrp="1"/>
-          </p:cNvSpPr>
-          <p:nvPr>
-            <p:ph type="body" idx="1"/>
-          </p:nvPr>
-        </p:nvSpPr>
-        <p:spPr/>
-        <p:txBody>
-          <a:bodyPr/>
-          <a:lstStyle/>
-          <a:p>
-            <a:r>
-              <a:rPr lang="en-US"/>
-              <a:t>http://microservices.io/patterns/apigateway.html</a:t>
-            </a:r>
-            <a:endParaRPr kumimoji="1" lang="en-US" altLang="zh-CN" i="1"/>
-          </a:p>
-          <a:p>
-            <a:r>
-              <a:rPr kumimoji="1" lang="en-US" altLang="zh-CN"/>
-              <a:t>…</a:t>
-            </a:r>
-            <a:endParaRPr kumimoji="1" lang="zh-CN" altLang="en-US"/>
-          </a:p>
-        </p:txBody>
-      </p:sp>
-      <p:sp>
-        <p:nvSpPr>
-          <p:cNvPr id="4" name="Google Shape;262;p28"/>
-          <p:cNvSpPr/>
-          <p:nvPr/>
-        </p:nvSpPr>
         <p:spPr>
           <a:xfrm>
-            <a:off x="7387563" y="721397"/>
-            <a:ext cx="1882907" cy="307777"/>
+            <a:off x="271359" y="935823"/>
+            <a:ext cx="8571300" cy="942000"/>
           </a:xfrm>
           <a:prstGeom prst="rect">
             <a:avLst/>
@@ -20129,12 +20209,12 @@
           </a:ln>
         </p:spPr>
         <p:txBody>
-          <a:bodyPr spcFirstLastPara="1" wrap="square" lIns="91425" tIns="45700" rIns="91425" bIns="45700" anchor="t" anchorCtr="0">
+          <a:bodyPr spcFirstLastPara="1" wrap="square" lIns="91425" tIns="91425" rIns="91425" bIns="91425" anchor="ctr" anchorCtr="0">
             <a:noAutofit/>
           </a:bodyPr>
           <a:lstStyle/>
           <a:p>
-            <a:pPr marL="0" marR="0" lvl="0" indent="0" algn="l" rtl="0">
+            <a:pPr marL="0" lvl="0" indent="0" algn="ctr" rtl="0">
               <a:lnSpc>
                 <a:spcPct val="100000"/>
               </a:lnSpc>
@@ -20144,21 +20224,77 @@
               <a:spcAft>
                 <a:spcPts val="0"/>
               </a:spcAft>
+              <a:buSzPts val="3600"/>
               <a:buNone/>
             </a:pPr>
-            <a:endParaRPr sz="3600" b="1" i="0" u="none" strike="noStrike" cap="none">
-              <a:solidFill>
-                <a:schemeClr val="accent1"/>
-              </a:solidFill>
-              <a:latin typeface="PT Sans Narrow" panose="020B0506020203020204"/>
-              <a:ea typeface="PT Sans Narrow" panose="020B0506020203020204"/>
-              <a:cs typeface="PT Sans Narrow" panose="020B0506020203020204"/>
-              <a:sym typeface="PT Sans Narrow" panose="020B0506020203020204"/>
-            </a:endParaRPr>
+            <a:r>
+              <a:rPr lang="en-US" altLang="zh-CN" dirty="0"/>
+              <a:t>Micro</a:t>
+            </a:r>
+            <a:r>
+              <a:rPr lang="zh-CN" altLang="en-US" dirty="0"/>
+              <a:t> 工具集的发展</a:t>
+            </a:r>
+            <a:endParaRPr lang="en-US" dirty="0"/>
+          </a:p>
+        </p:txBody>
+      </p:sp>
+      <p:sp>
+        <p:nvSpPr>
+          <p:cNvPr id="141" name="Google Shape;141;p20"/>
+          <p:cNvSpPr txBox="1">
+            <a:spLocks noGrp="1"/>
+          </p:cNvSpPr>
+          <p:nvPr>
+            <p:ph type="sldNum" idx="12"/>
+          </p:nvPr>
+        </p:nvSpPr>
+        <p:spPr>
+          <a:xfrm>
+            <a:off x="145283" y="4583792"/>
+            <a:ext cx="548700" cy="393600"/>
+          </a:xfrm>
+          <a:prstGeom prst="rect">
+            <a:avLst/>
+          </a:prstGeom>
+          <a:noFill/>
+          <a:ln>
+            <a:noFill/>
+          </a:ln>
+        </p:spPr>
+        <p:txBody>
+          <a:bodyPr spcFirstLastPara="1" wrap="square" lIns="91425" tIns="91425" rIns="91425" bIns="91425" anchor="ctr" anchorCtr="0">
+            <a:noAutofit/>
+          </a:bodyPr>
+          <a:lstStyle/>
+          <a:p>
+            <a:pPr marL="0" lvl="0" indent="0" algn="r" rtl="0">
+              <a:lnSpc>
+                <a:spcPct val="100000"/>
+              </a:lnSpc>
+              <a:spcBef>
+                <a:spcPts val="0"/>
+              </a:spcBef>
+              <a:spcAft>
+                <a:spcPts val="0"/>
+              </a:spcAft>
+              <a:buSzPts val="1000"/>
+              <a:buNone/>
+            </a:pPr>
+            <a:fld id="{00000000-1234-1234-1234-123412341234}" type="slidenum">
+              <a:rPr lang="en-US"/>
+              <a:t>19</a:t>
+            </a:fld>
+            <a:endParaRPr lang="en-US"/>
           </a:p>
         </p:txBody>
       </p:sp>
     </p:spTree>
+    <p:extLst>
+      <p:ext uri="{BB962C8B-B14F-4D97-AF65-F5344CB8AC3E}">
+        <p14:creationId xmlns:p14="http://schemas.microsoft.com/office/powerpoint/2010/main" val="1387498404"/>
+      </p:ext>
+    </p:extLst>
   </p:cSld>
   <p:clrMapOvr>
     <a:masterClrMapping/>
@@ -20616,6 +20752,165 @@
   <p:cSld>
     <p:spTree>
       <p:nvGrpSpPr>
+        <p:cNvPr id="1" name=""/>
+        <p:cNvGrpSpPr/>
+        <p:nvPr/>
+      </p:nvGrpSpPr>
+      <p:grpSpPr>
+        <a:xfrm>
+          <a:off x="0" y="0"/>
+          <a:ext cx="0" cy="0"/>
+          <a:chOff x="0" y="0"/>
+          <a:chExt cx="0" cy="0"/>
+        </a:xfrm>
+      </p:grpSpPr>
+      <p:sp>
+        <p:nvSpPr>
+          <p:cNvPr id="2" name="Title 1">
+            <a:extLst>
+              <a:ext uri="{FF2B5EF4-FFF2-40B4-BE49-F238E27FC236}">
+                <a16:creationId xmlns:a16="http://schemas.microsoft.com/office/drawing/2014/main" id="{3433B073-7F7E-3745-BE97-78B556B01E5C}"/>
+              </a:ext>
+            </a:extLst>
+          </p:cNvPr>
+          <p:cNvSpPr>
+            <a:spLocks noGrp="1"/>
+          </p:cNvSpPr>
+          <p:nvPr>
+            <p:ph type="title"/>
+          </p:nvPr>
+        </p:nvSpPr>
+        <p:spPr/>
+        <p:txBody>
+          <a:bodyPr/>
+          <a:lstStyle/>
+          <a:p>
+            <a:r>
+              <a:rPr kumimoji="1" lang="en-US" altLang="zh-CN"/>
+              <a:t>Micro</a:t>
+            </a:r>
+            <a:r>
+              <a:rPr kumimoji="1" lang="zh-CN" altLang="en-US"/>
+              <a:t>工具集</a:t>
+            </a:r>
+          </a:p>
+        </p:txBody>
+      </p:sp>
+      <p:sp>
+        <p:nvSpPr>
+          <p:cNvPr id="4" name="Google Shape;128;p18">
+            <a:extLst>
+              <a:ext uri="{FF2B5EF4-FFF2-40B4-BE49-F238E27FC236}">
+                <a16:creationId xmlns:a16="http://schemas.microsoft.com/office/drawing/2014/main" id="{B5D756C7-D1BD-E044-BD7B-A74D62004EC7}"/>
+              </a:ext>
+            </a:extLst>
+          </p:cNvPr>
+          <p:cNvSpPr/>
+          <p:nvPr/>
+        </p:nvSpPr>
+        <p:spPr>
+          <a:xfrm>
+            <a:off x="7743870" y="721831"/>
+            <a:ext cx="1120800" cy="307800"/>
+          </a:xfrm>
+          <a:prstGeom prst="rect">
+            <a:avLst/>
+          </a:prstGeom>
+          <a:noFill/>
+          <a:ln>
+            <a:noFill/>
+          </a:ln>
+        </p:spPr>
+        <p:txBody>
+          <a:bodyPr spcFirstLastPara="1" wrap="square" lIns="91425" tIns="45700" rIns="91425" bIns="45700" anchor="t" anchorCtr="0">
+            <a:noAutofit/>
+          </a:bodyPr>
+          <a:lstStyle/>
+          <a:p>
+            <a:pPr marL="0" marR="0" lvl="0" indent="0" algn="l" rtl="0">
+              <a:lnSpc>
+                <a:spcPct val="100000"/>
+              </a:lnSpc>
+              <a:spcBef>
+                <a:spcPts val="0"/>
+              </a:spcBef>
+              <a:spcAft>
+                <a:spcPts val="0"/>
+              </a:spcAft>
+              <a:buNone/>
+            </a:pPr>
+            <a:r>
+              <a:rPr lang="zh-CN" altLang="en-US" b="1" dirty="0">
+                <a:solidFill>
+                  <a:schemeClr val="accent1"/>
+                </a:solidFill>
+                <a:latin typeface="PT Sans Narrow" panose="020B0506020203020204"/>
+                <a:ea typeface="PT Sans Narrow" panose="020B0506020203020204"/>
+                <a:cs typeface="PT Sans Narrow" panose="020B0506020203020204"/>
+                <a:sym typeface="PT Sans Narrow" panose="020B0506020203020204"/>
+              </a:rPr>
+              <a:t>面向平台</a:t>
+            </a:r>
+            <a:endParaRPr sz="3600" b="1" i="0" u="none" strike="noStrike" cap="none" dirty="0">
+              <a:solidFill>
+                <a:schemeClr val="accent1"/>
+              </a:solidFill>
+              <a:latin typeface="PT Sans Narrow" panose="020B0506020203020204"/>
+              <a:ea typeface="PT Sans Narrow" panose="020B0506020203020204"/>
+              <a:cs typeface="PT Sans Narrow" panose="020B0506020203020204"/>
+              <a:sym typeface="PT Sans Narrow" panose="020B0506020203020204"/>
+            </a:endParaRPr>
+          </a:p>
+        </p:txBody>
+      </p:sp>
+      <p:pic>
+        <p:nvPicPr>
+          <p:cNvPr id="8" name="Picture 7">
+            <a:extLst>
+              <a:ext uri="{FF2B5EF4-FFF2-40B4-BE49-F238E27FC236}">
+                <a16:creationId xmlns:a16="http://schemas.microsoft.com/office/drawing/2014/main" id="{6AAAEB65-8992-4AB6-B199-D4EBD626711D}"/>
+              </a:ext>
+            </a:extLst>
+          </p:cNvPr>
+          <p:cNvPicPr>
+            <a:picLocks noChangeAspect="1"/>
+          </p:cNvPicPr>
+          <p:nvPr/>
+        </p:nvPicPr>
+        <p:blipFill>
+          <a:blip r:embed="rId2"/>
+          <a:stretch>
+            <a:fillRect/>
+          </a:stretch>
+        </p:blipFill>
+        <p:spPr>
+          <a:xfrm>
+            <a:off x="82251" y="1560900"/>
+            <a:ext cx="8979498" cy="2021700"/>
+          </a:xfrm>
+          <a:prstGeom prst="rect">
+            <a:avLst/>
+          </a:prstGeom>
+        </p:spPr>
+      </p:pic>
+    </p:spTree>
+    <p:extLst>
+      <p:ext uri="{BB962C8B-B14F-4D97-AF65-F5344CB8AC3E}">
+        <p14:creationId xmlns:p14="http://schemas.microsoft.com/office/powerpoint/2010/main" val="1576120745"/>
+      </p:ext>
+    </p:extLst>
+  </p:cSld>
+  <p:clrMapOvr>
+    <a:masterClrMapping/>
+  </p:clrMapOvr>
+</p:sld>
+</file>
+
+<file path=ppt/slides/slide21.xml><?xml version="1.0" encoding="utf-8"?>
+<p:sld xmlns:a="http://schemas.openxmlformats.org/drawingml/2006/main" xmlns:r="http://schemas.openxmlformats.org/officeDocument/2006/relationships" xmlns:p="http://schemas.openxmlformats.org/presentationml/2006/main">
+  <p:cSld>
+    <p:spTree>
+      <p:nvGrpSpPr>
         <p:cNvPr id="1" name="Shape 720"/>
         <p:cNvGrpSpPr/>
         <p:nvPr/>
@@ -20721,7 +21016,7 @@
             </a:pPr>
             <a:fld id="{00000000-1234-1234-1234-123412341234}" type="slidenum">
               <a:rPr lang="en-US"/>
-              <a:t>20</a:t>
+              <a:t>21</a:t>
             </a:fld>
             <a:endParaRPr lang="en-US"/>
           </a:p>
@@ -21952,49 +22247,6 @@
       </p:sp>
       <p:sp>
         <p:nvSpPr>
-          <p:cNvPr id="3" name="Text Placeholder 2">
-            <a:extLst>
-              <a:ext uri="{FF2B5EF4-FFF2-40B4-BE49-F238E27FC236}">
-                <a16:creationId xmlns:a16="http://schemas.microsoft.com/office/drawing/2014/main" id="{7EB7CC78-DC90-594C-904C-7BC66F6CA29B}"/>
-              </a:ext>
-            </a:extLst>
-          </p:cNvPr>
-          <p:cNvSpPr>
-            <a:spLocks noGrp="1"/>
-          </p:cNvSpPr>
-          <p:nvPr>
-            <p:ph type="body" idx="1"/>
-          </p:nvPr>
-        </p:nvSpPr>
-        <p:spPr/>
-        <p:txBody>
-          <a:bodyPr/>
-          <a:lstStyle/>
-          <a:p>
-            <a:r>
-              <a:rPr kumimoji="1" lang="en-US" altLang="zh-CN"/>
-              <a:t>Registry</a:t>
-            </a:r>
-            <a:r>
-              <a:rPr kumimoji="1" lang="zh-CN" altLang="en-US"/>
-              <a:t> 注册中心（代理服务注册）</a:t>
-            </a:r>
-            <a:endParaRPr kumimoji="1" lang="en-US" altLang="zh-CN"/>
-          </a:p>
-          <a:p>
-            <a:r>
-              <a:rPr kumimoji="1" lang="en-US" altLang="zh-CN"/>
-              <a:t>API</a:t>
-            </a:r>
-            <a:r>
-              <a:rPr kumimoji="1" lang="zh-CN" altLang="en-US"/>
-              <a:t> 微服务网关</a:t>
-            </a:r>
-          </a:p>
-        </p:txBody>
-      </p:sp>
-      <p:sp>
-        <p:nvSpPr>
           <p:cNvPr id="4" name="Google Shape;128;p18">
             <a:extLst>
               <a:ext uri="{FF2B5EF4-FFF2-40B4-BE49-F238E27FC236}">
@@ -22060,6 +22312,36 @@
           </a:p>
         </p:txBody>
       </p:sp>
+      <p:pic>
+        <p:nvPicPr>
+          <p:cNvPr id="8" name="Picture 7">
+            <a:extLst>
+              <a:ext uri="{FF2B5EF4-FFF2-40B4-BE49-F238E27FC236}">
+                <a16:creationId xmlns:a16="http://schemas.microsoft.com/office/drawing/2014/main" id="{6AAAEB65-8992-4AB6-B199-D4EBD626711D}"/>
+              </a:ext>
+            </a:extLst>
+          </p:cNvPr>
+          <p:cNvPicPr>
+            <a:picLocks noChangeAspect="1"/>
+          </p:cNvPicPr>
+          <p:nvPr/>
+        </p:nvPicPr>
+        <p:blipFill>
+          <a:blip r:embed="rId2"/>
+          <a:stretch>
+            <a:fillRect/>
+          </a:stretch>
+        </p:blipFill>
+        <p:spPr>
+          <a:xfrm>
+            <a:off x="82251" y="1560900"/>
+            <a:ext cx="8979498" cy="2021700"/>
+          </a:xfrm>
+          <a:prstGeom prst="rect">
+            <a:avLst/>
+          </a:prstGeom>
+        </p:spPr>
+      </p:pic>
     </p:spTree>
     <p:extLst>
       <p:ext uri="{BB962C8B-B14F-4D97-AF65-F5344CB8AC3E}">
@@ -22779,7 +23061,7 @@
               <a:rPr lang="en-US" altLang="zh-CN" dirty="0"/>
               <a:t>API</a:t>
             </a:r>
-            <a:endParaRPr kumimoji="1" lang="zh-CN" altLang="en-US"/>
+            <a:endParaRPr kumimoji="1" lang="zh-CN" altLang="en-US" dirty="0"/>
           </a:p>
         </p:txBody>
       </p:sp>
@@ -22797,7 +23079,7 @@
         </p:nvSpPr>
         <p:spPr>
           <a:xfrm>
-            <a:off x="7897090" y="726010"/>
+            <a:off x="7384471" y="708595"/>
             <a:ext cx="1618743" cy="307800"/>
           </a:xfrm>
           <a:prstGeom prst="rect">
@@ -22827,7 +23109,7 @@
               <a:buNone/>
             </a:pPr>
             <a:r>
-              <a:rPr lang="en-US" altLang="zh-CN" b="1">
+              <a:rPr lang="en-US" altLang="zh-CN" b="1" dirty="0">
                 <a:solidFill>
                   <a:schemeClr val="accent1"/>
                 </a:solidFill>
@@ -22836,10 +23118,10 @@
                 <a:cs typeface="PT Sans Narrow" panose="020B0506020203020204"/>
                 <a:sym typeface="PT Sans Narrow" panose="020B0506020203020204"/>
               </a:rPr>
-              <a:t>API</a:t>
-            </a:r>
-            <a:r>
-              <a:rPr lang="zh-CN" altLang="en-US" b="1">
+              <a:t>API Handler</a:t>
+            </a:r>
+            <a:r>
+              <a:rPr lang="zh-CN" altLang="en-US" b="1" dirty="0">
                 <a:solidFill>
                   <a:schemeClr val="accent1"/>
                 </a:solidFill>
@@ -22850,7 +23132,7 @@
               </a:rPr>
               <a:t>类别</a:t>
             </a:r>
-            <a:endParaRPr sz="3600" b="1" i="0" u="none" strike="noStrike" cap="none">
+            <a:endParaRPr sz="3600" b="1" i="0" u="none" strike="noStrike" cap="none" dirty="0">
               <a:solidFill>
                 <a:schemeClr val="accent1"/>
               </a:solidFill>
